--- a/ppt/PythonMath12-ScikitLearn.pptx
+++ b/ppt/PythonMath12-ScikitLearn.pptx
@@ -5,10 +5,10 @@
     <p:sldMasterId id="2147483653" r:id="rId1"/>
   </p:sldMasterIdLst>
   <p:notesMasterIdLst>
-    <p:notesMasterId r:id="rId67"/>
+    <p:notesMasterId r:id="rId54"/>
   </p:notesMasterIdLst>
   <p:handoutMasterIdLst>
-    <p:handoutMasterId r:id="rId68"/>
+    <p:handoutMasterId r:id="rId55"/>
   </p:handoutMasterIdLst>
   <p:sldIdLst>
     <p:sldId id="264" r:id="rId2"/>
@@ -17,65 +17,52 @@
     <p:sldId id="266" r:id="rId5"/>
     <p:sldId id="284" r:id="rId6"/>
     <p:sldId id="278" r:id="rId7"/>
-    <p:sldId id="279" r:id="rId8"/>
-    <p:sldId id="267" r:id="rId9"/>
-    <p:sldId id="268" r:id="rId10"/>
-    <p:sldId id="270" r:id="rId11"/>
-    <p:sldId id="269" r:id="rId12"/>
-    <p:sldId id="271" r:id="rId13"/>
-    <p:sldId id="282" r:id="rId14"/>
-    <p:sldId id="283" r:id="rId15"/>
-    <p:sldId id="272" r:id="rId16"/>
-    <p:sldId id="273" r:id="rId17"/>
-    <p:sldId id="275" r:id="rId18"/>
-    <p:sldId id="274" r:id="rId19"/>
-    <p:sldId id="276" r:id="rId20"/>
-    <p:sldId id="286" r:id="rId21"/>
-    <p:sldId id="287" r:id="rId22"/>
-    <p:sldId id="288" r:id="rId23"/>
-    <p:sldId id="289" r:id="rId24"/>
-    <p:sldId id="290" r:id="rId25"/>
-    <p:sldId id="291" r:id="rId26"/>
-    <p:sldId id="292" r:id="rId27"/>
-    <p:sldId id="293" r:id="rId28"/>
-    <p:sldId id="294" r:id="rId29"/>
-    <p:sldId id="295" r:id="rId30"/>
-    <p:sldId id="296" r:id="rId31"/>
-    <p:sldId id="297" r:id="rId32"/>
-    <p:sldId id="298" r:id="rId33"/>
-    <p:sldId id="300" r:id="rId34"/>
-    <p:sldId id="301" r:id="rId35"/>
-    <p:sldId id="363" r:id="rId36"/>
-    <p:sldId id="364" r:id="rId37"/>
-    <p:sldId id="365" r:id="rId38"/>
-    <p:sldId id="366" r:id="rId39"/>
-    <p:sldId id="367" r:id="rId40"/>
-    <p:sldId id="371" r:id="rId41"/>
-    <p:sldId id="372" r:id="rId42"/>
-    <p:sldId id="373" r:id="rId43"/>
-    <p:sldId id="374" r:id="rId44"/>
-    <p:sldId id="304" r:id="rId45"/>
-    <p:sldId id="306" r:id="rId46"/>
-    <p:sldId id="307" r:id="rId47"/>
-    <p:sldId id="308" r:id="rId48"/>
-    <p:sldId id="309" r:id="rId49"/>
-    <p:sldId id="310" r:id="rId50"/>
-    <p:sldId id="315" r:id="rId51"/>
-    <p:sldId id="317" r:id="rId52"/>
-    <p:sldId id="334" r:id="rId53"/>
-    <p:sldId id="335" r:id="rId54"/>
-    <p:sldId id="336" r:id="rId55"/>
-    <p:sldId id="337" r:id="rId56"/>
-    <p:sldId id="338" r:id="rId57"/>
-    <p:sldId id="344" r:id="rId58"/>
-    <p:sldId id="345" r:id="rId59"/>
-    <p:sldId id="353" r:id="rId60"/>
-    <p:sldId id="354" r:id="rId61"/>
-    <p:sldId id="355" r:id="rId62"/>
-    <p:sldId id="356" r:id="rId63"/>
-    <p:sldId id="358" r:id="rId64"/>
-    <p:sldId id="359" r:id="rId65"/>
-    <p:sldId id="360" r:id="rId66"/>
+    <p:sldId id="268" r:id="rId8"/>
+    <p:sldId id="270" r:id="rId9"/>
+    <p:sldId id="375" r:id="rId10"/>
+    <p:sldId id="376" r:id="rId11"/>
+    <p:sldId id="273" r:id="rId12"/>
+    <p:sldId id="275" r:id="rId13"/>
+    <p:sldId id="274" r:id="rId14"/>
+    <p:sldId id="276" r:id="rId15"/>
+    <p:sldId id="286" r:id="rId16"/>
+    <p:sldId id="287" r:id="rId17"/>
+    <p:sldId id="288" r:id="rId18"/>
+    <p:sldId id="289" r:id="rId19"/>
+    <p:sldId id="290" r:id="rId20"/>
+    <p:sldId id="292" r:id="rId21"/>
+    <p:sldId id="293" r:id="rId22"/>
+    <p:sldId id="294" r:id="rId23"/>
+    <p:sldId id="295" r:id="rId24"/>
+    <p:sldId id="296" r:id="rId25"/>
+    <p:sldId id="297" r:id="rId26"/>
+    <p:sldId id="300" r:id="rId27"/>
+    <p:sldId id="301" r:id="rId28"/>
+    <p:sldId id="363" r:id="rId29"/>
+    <p:sldId id="364" r:id="rId30"/>
+    <p:sldId id="365" r:id="rId31"/>
+    <p:sldId id="366" r:id="rId32"/>
+    <p:sldId id="367" r:id="rId33"/>
+    <p:sldId id="372" r:id="rId34"/>
+    <p:sldId id="373" r:id="rId35"/>
+    <p:sldId id="374" r:id="rId36"/>
+    <p:sldId id="304" r:id="rId37"/>
+    <p:sldId id="306" r:id="rId38"/>
+    <p:sldId id="307" r:id="rId39"/>
+    <p:sldId id="308" r:id="rId40"/>
+    <p:sldId id="309" r:id="rId41"/>
+    <p:sldId id="310" r:id="rId42"/>
+    <p:sldId id="334" r:id="rId43"/>
+    <p:sldId id="338" r:id="rId44"/>
+    <p:sldId id="344" r:id="rId45"/>
+    <p:sldId id="345" r:id="rId46"/>
+    <p:sldId id="353" r:id="rId47"/>
+    <p:sldId id="354" r:id="rId48"/>
+    <p:sldId id="355" r:id="rId49"/>
+    <p:sldId id="356" r:id="rId50"/>
+    <p:sldId id="358" r:id="rId51"/>
+    <p:sldId id="359" r:id="rId52"/>
+    <p:sldId id="360" r:id="rId53"/>
   </p:sldIdLst>
   <p:sldSz cx="9144000" cy="6858000" type="screen4x3"/>
   <p:notesSz cx="6648450" cy="9782175"/>
@@ -3885,8 +3872,8 @@
           <a:lstStyle/>
           <a:p>
             <a:r>
-              <a:rPr lang="fr-FR" dirty="0" smtClean="0"/>
-              <a:t>Randomisation</a:t>
+              <a:rPr lang="fr-FR" dirty="0" err="1" smtClean="0"/>
+              <a:t>Echantillonage</a:t>
             </a:r>
             <a:endParaRPr lang="fr-FR" dirty="0"/>
           </a:p>
@@ -3909,75 +3896,104 @@
           <a:p>
             <a:r>
               <a:rPr lang="fr-FR" dirty="0"/>
-              <a:t>I</a:t>
-            </a:r>
-            <a:r>
-              <a:rPr lang="fr-FR" dirty="0" smtClean="0"/>
-              <a:t>l </a:t>
+              <a:t>Le jeu de données (</a:t>
+            </a:r>
+            <a:r>
+              <a:rPr lang="fr-FR" dirty="0" err="1"/>
+              <a:t>dataset</a:t>
             </a:r>
             <a:r>
               <a:rPr lang="fr-FR" dirty="0"/>
-              <a:t>s’avère que si on entraîne le modèle avec des données, il va naturellement être plus performant sur ces </a:t>
-            </a:r>
-            <a:r>
-              <a:rPr lang="fr-FR" dirty="0" smtClean="0"/>
-              <a:t>données-là</a:t>
-            </a:r>
-          </a:p>
-          <a:p>
-            <a:r>
-              <a:rPr lang="fr-FR" dirty="0" smtClean="0"/>
-              <a:t>Ce </a:t>
+              <a:t>) dont vous disposez constitue une ressource </a:t>
+            </a:r>
+            <a:r>
+              <a:rPr lang="fr-FR" dirty="0" smtClean="0"/>
+              <a:t>précieuse</a:t>
+            </a:r>
+          </a:p>
+          <a:p>
+            <a:pPr lvl="1"/>
+            <a:r>
+              <a:rPr lang="fr-FR" dirty="0" smtClean="0"/>
+              <a:t>Il </a:t>
             </a:r>
             <a:r>
               <a:rPr lang="fr-FR" dirty="0"/>
-              <a:t>qui nous intéresse c’est de mesurer sa performance sur des données qu’il n’a jamais vues puisque c’est ce qui va se passer en </a:t>
-            </a:r>
-            <a:r>
-              <a:rPr lang="fr-FR" dirty="0" smtClean="0"/>
-              <a:t>pratique</a:t>
-            </a:r>
-          </a:p>
-          <a:p>
-            <a:r>
-              <a:rPr lang="fr-FR" dirty="0" smtClean="0"/>
-              <a:t>Cette </a:t>
+              <a:t>faut pouvoir l’utiliser à bon escient afin de pouvoir à la fois choisir un modèle et </a:t>
+            </a:r>
+            <a:r>
+              <a:rPr lang="fr-FR" dirty="0" smtClean="0"/>
+              <a:t>l'entraîner</a:t>
+            </a:r>
+          </a:p>
+          <a:p>
+            <a:pPr lvl="1"/>
+            <a:r>
+              <a:rPr lang="fr-FR" dirty="0" smtClean="0"/>
+              <a:t>mais </a:t>
             </a:r>
             <a:r>
               <a:rPr lang="fr-FR" dirty="0"/>
-              <a:t>performance est appelée la </a:t>
-            </a:r>
-            <a:r>
-              <a:rPr lang="fr-FR" b="1" dirty="0"/>
-              <a:t>généralisation</a:t>
-            </a:r>
+              <a:t>aussi de pouvoir tester la qualité de ce </a:t>
+            </a:r>
+            <a:r>
+              <a:rPr lang="fr-FR" dirty="0" smtClean="0"/>
+              <a:t>modèle</a:t>
+            </a:r>
+          </a:p>
+          <a:p>
             <a:r>
               <a:rPr lang="fr-FR" dirty="0"/>
-              <a:t> du </a:t>
-            </a:r>
-            <a:r>
-              <a:rPr lang="fr-FR" dirty="0" smtClean="0"/>
-              <a:t>modèle</a:t>
+              <a:t>La première question à se poser </a:t>
+            </a:r>
+            <a:r>
+              <a:rPr lang="fr-FR" dirty="0" smtClean="0"/>
+              <a:t>est</a:t>
+            </a:r>
+          </a:p>
+          <a:p>
+            <a:pPr lvl="1"/>
+            <a:r>
+              <a:rPr lang="fr-FR" dirty="0" smtClean="0"/>
+              <a:t>Est-ce </a:t>
+            </a:r>
+            <a:r>
+              <a:rPr lang="fr-FR" dirty="0"/>
+              <a:t>qu’on va utiliser toutes les données d'exemple dont on </a:t>
+            </a:r>
+            <a:r>
+              <a:rPr lang="fr-FR" dirty="0" smtClean="0"/>
+              <a:t>dispose ?</a:t>
+            </a:r>
+          </a:p>
+          <a:p>
+            <a:pPr lvl="1"/>
+            <a:r>
+              <a:rPr lang="fr-FR" dirty="0" smtClean="0"/>
+              <a:t>Volume, tests, …</a:t>
+            </a:r>
+          </a:p>
+          <a:p>
+            <a:r>
+              <a:rPr lang="fr-FR" dirty="0" smtClean="0"/>
+              <a:t>Il faut échantillonner (</a:t>
+            </a:r>
+            <a:r>
+              <a:rPr lang="fr-FR" dirty="0" err="1" smtClean="0"/>
+              <a:t>sampling</a:t>
+            </a:r>
+            <a:r>
+              <a:rPr lang="fr-FR" dirty="0" smtClean="0"/>
+              <a:t>) les données à tester</a:t>
             </a:r>
             <a:endParaRPr lang="fr-FR" dirty="0"/>
-          </a:p>
-          <a:p>
-            <a:pPr lvl="1"/>
-            <a:r>
-              <a:rPr lang="fr-FR" dirty="0" smtClean="0"/>
-              <a:t>Sa </a:t>
-            </a:r>
-            <a:r>
-              <a:rPr lang="fr-FR" dirty="0"/>
-              <a:t>capacité à effectuer des prédictions de qualité sur des situations jamais rencontrées.</a:t>
-            </a:r>
           </a:p>
         </p:txBody>
       </p:sp>
     </p:spTree>
     <p:extLst>
       <p:ext uri="{BB962C8B-B14F-4D97-AF65-F5344CB8AC3E}">
-        <p14:creationId xmlns:p14="http://schemas.microsoft.com/office/powerpoint/2010/main" val="2686961324"/>
+        <p14:creationId xmlns:p14="http://schemas.microsoft.com/office/powerpoint/2010/main" val="298607567"/>
       </p:ext>
     </p:extLst>
   </p:cSld>
@@ -3995,902 +4011,6 @@
 </file>
 
 <file path=ppt/slides/slide11.xml><?xml version="1.0" encoding="utf-8"?>
-<p:sld xmlns:a="http://schemas.openxmlformats.org/drawingml/2006/main" xmlns:r="http://schemas.openxmlformats.org/officeDocument/2006/relationships" xmlns:p="http://schemas.openxmlformats.org/presentationml/2006/main">
-  <p:cSld>
-    <p:spTree>
-      <p:nvGrpSpPr>
-        <p:cNvPr id="1" name=""/>
-        <p:cNvGrpSpPr/>
-        <p:nvPr/>
-      </p:nvGrpSpPr>
-      <p:grpSpPr>
-        <a:xfrm>
-          <a:off x="0" y="0"/>
-          <a:ext cx="0" cy="0"/>
-          <a:chOff x="0" y="0"/>
-          <a:chExt cx="0" cy="0"/>
-        </a:xfrm>
-      </p:grpSpPr>
-      <p:sp>
-        <p:nvSpPr>
-          <p:cNvPr id="2" name="Titre 1"/>
-          <p:cNvSpPr>
-            <a:spLocks noGrp="1"/>
-          </p:cNvSpPr>
-          <p:nvPr>
-            <p:ph type="title"/>
-          </p:nvPr>
-        </p:nvSpPr>
-        <p:spPr/>
-        <p:txBody>
-          <a:bodyPr/>
-          <a:lstStyle/>
-          <a:p>
-            <a:r>
-              <a:rPr lang="fr-FR" dirty="0" smtClean="0"/>
-              <a:t>Model </a:t>
-            </a:r>
-            <a:r>
-              <a:rPr lang="fr-FR" dirty="0" err="1" smtClean="0"/>
-              <a:t>Selection</a:t>
-            </a:r>
-            <a:endParaRPr lang="fr-FR" dirty="0"/>
-          </a:p>
-        </p:txBody>
-      </p:sp>
-      <p:sp>
-        <p:nvSpPr>
-          <p:cNvPr id="3" name="Espace réservé du contenu 2"/>
-          <p:cNvSpPr>
-            <a:spLocks noGrp="1"/>
-          </p:cNvSpPr>
-          <p:nvPr>
-            <p:ph idx="1"/>
-          </p:nvPr>
-        </p:nvSpPr>
-        <p:spPr/>
-        <p:txBody>
-          <a:bodyPr/>
-          <a:lstStyle/>
-          <a:p>
-            <a:r>
-              <a:rPr lang="fr-FR" dirty="0" smtClean="0"/>
-              <a:t>Model </a:t>
-            </a:r>
-            <a:r>
-              <a:rPr lang="fr-FR" dirty="0" err="1" smtClean="0"/>
-              <a:t>Selection</a:t>
-            </a:r>
-            <a:r>
-              <a:rPr lang="fr-FR" dirty="0" smtClean="0"/>
-              <a:t> est un module de sélection de modèle</a:t>
-            </a:r>
-          </a:p>
-          <a:p>
-            <a:r>
-              <a:rPr lang="fr-FR" dirty="0" err="1" smtClean="0"/>
-              <a:t>Train_test_split</a:t>
-            </a:r>
-            <a:r>
-              <a:rPr lang="fr-FR" dirty="0" smtClean="0"/>
-              <a:t> permet de découper le </a:t>
-            </a:r>
-            <a:r>
-              <a:rPr lang="fr-FR" dirty="0" err="1" smtClean="0"/>
-              <a:t>dataset</a:t>
-            </a:r>
-            <a:endParaRPr lang="fr-FR" dirty="0" smtClean="0"/>
-          </a:p>
-          <a:p>
-            <a:pPr lvl="1"/>
-            <a:r>
-              <a:rPr lang="fr-FR" dirty="0"/>
-              <a:t>import </a:t>
-            </a:r>
-            <a:r>
-              <a:rPr lang="fr-FR" dirty="0" err="1"/>
-              <a:t>sklearn.model_selection</a:t>
-            </a:r>
-            <a:r>
-              <a:rPr lang="fr-FR" dirty="0"/>
-              <a:t> as ms</a:t>
-            </a:r>
-          </a:p>
-          <a:p>
-            <a:pPr lvl="1"/>
-            <a:r>
-              <a:rPr lang="fr-FR" dirty="0" err="1" smtClean="0"/>
-              <a:t>xtrain</a:t>
-            </a:r>
-            <a:r>
-              <a:rPr lang="fr-FR" dirty="0"/>
-              <a:t>, </a:t>
-            </a:r>
-            <a:r>
-              <a:rPr lang="fr-FR" dirty="0" err="1"/>
-              <a:t>xtest</a:t>
-            </a:r>
-            <a:r>
-              <a:rPr lang="fr-FR" dirty="0"/>
-              <a:t>, </a:t>
-            </a:r>
-            <a:r>
-              <a:rPr lang="fr-FR" dirty="0" err="1"/>
-              <a:t>ytrain</a:t>
-            </a:r>
-            <a:r>
-              <a:rPr lang="fr-FR" dirty="0"/>
-              <a:t>, </a:t>
-            </a:r>
-            <a:r>
-              <a:rPr lang="fr-FR" dirty="0" err="1"/>
-              <a:t>ytest</a:t>
-            </a:r>
-            <a:r>
-              <a:rPr lang="fr-FR" dirty="0"/>
-              <a:t> = </a:t>
-            </a:r>
-            <a:r>
-              <a:rPr lang="fr-FR" dirty="0" err="1"/>
-              <a:t>ms.train_test_split</a:t>
-            </a:r>
-            <a:r>
-              <a:rPr lang="fr-FR" dirty="0"/>
-              <a:t>(X, y, </a:t>
-            </a:r>
-            <a:r>
-              <a:rPr lang="fr-FR" dirty="0" err="1"/>
-              <a:t>train_size</a:t>
-            </a:r>
-            <a:r>
-              <a:rPr lang="fr-FR" dirty="0"/>
-              <a:t>=0.8, </a:t>
-            </a:r>
-            <a:r>
-              <a:rPr lang="fr-FR" dirty="0" err="1"/>
-              <a:t>test_size</a:t>
-            </a:r>
-            <a:r>
-              <a:rPr lang="fr-FR" dirty="0"/>
-              <a:t>=0.2)</a:t>
-            </a:r>
-          </a:p>
-        </p:txBody>
-      </p:sp>
-    </p:spTree>
-    <p:extLst>
-      <p:ext uri="{BB962C8B-B14F-4D97-AF65-F5344CB8AC3E}">
-        <p14:creationId xmlns:p14="http://schemas.microsoft.com/office/powerpoint/2010/main" val="3218335915"/>
-      </p:ext>
-    </p:extLst>
-  </p:cSld>
-  <p:clrMapOvr>
-    <a:masterClrMapping/>
-  </p:clrMapOvr>
-  <p:timing>
-    <p:tnLst>
-      <p:par>
-        <p:cTn id="1" dur="indefinite" restart="never" nodeType="tmRoot"/>
-      </p:par>
-    </p:tnLst>
-  </p:timing>
-</p:sld>
-</file>
-
-<file path=ppt/slides/slide12.xml><?xml version="1.0" encoding="utf-8"?>
-<p:sld xmlns:a="http://schemas.openxmlformats.org/drawingml/2006/main" xmlns:r="http://schemas.openxmlformats.org/officeDocument/2006/relationships" xmlns:p="http://schemas.openxmlformats.org/presentationml/2006/main">
-  <p:cSld>
-    <p:spTree>
-      <p:nvGrpSpPr>
-        <p:cNvPr id="1" name=""/>
-        <p:cNvGrpSpPr/>
-        <p:nvPr/>
-      </p:nvGrpSpPr>
-      <p:grpSpPr>
-        <a:xfrm>
-          <a:off x="0" y="0"/>
-          <a:ext cx="0" cy="0"/>
-          <a:chOff x="0" y="0"/>
-          <a:chExt cx="0" cy="0"/>
-        </a:xfrm>
-      </p:grpSpPr>
-      <p:sp>
-        <p:nvSpPr>
-          <p:cNvPr id="2" name="Titre 1"/>
-          <p:cNvSpPr>
-            <a:spLocks noGrp="1"/>
-          </p:cNvSpPr>
-          <p:nvPr>
-            <p:ph type="title"/>
-          </p:nvPr>
-        </p:nvSpPr>
-        <p:spPr/>
-        <p:txBody>
-          <a:bodyPr/>
-          <a:lstStyle/>
-          <a:p>
-            <a:r>
-              <a:rPr lang="fr-FR" dirty="0" smtClean="0"/>
-              <a:t>Interprétation du résultat</a:t>
-            </a:r>
-            <a:endParaRPr lang="fr-FR" dirty="0"/>
-          </a:p>
-        </p:txBody>
-      </p:sp>
-      <p:sp>
-        <p:nvSpPr>
-          <p:cNvPr id="3" name="Espace réservé du contenu 2"/>
-          <p:cNvSpPr>
-            <a:spLocks noGrp="1"/>
-          </p:cNvSpPr>
-          <p:nvPr>
-            <p:ph idx="1"/>
-          </p:nvPr>
-        </p:nvSpPr>
-        <p:spPr/>
-        <p:txBody>
-          <a:bodyPr/>
-          <a:lstStyle/>
-          <a:p>
-            <a:r>
-              <a:rPr lang="fr-FR" dirty="0" smtClean="0"/>
-              <a:t>Evidement en ayant moins de données le résultat sur le training set sera un peu moins bon</a:t>
-            </a:r>
-          </a:p>
-          <a:p>
-            <a:r>
-              <a:rPr lang="fr-FR" dirty="0" smtClean="0"/>
-              <a:t>Mais il faut rejouer la régression sur les </a:t>
-            </a:r>
-            <a:r>
-              <a:rPr lang="fr-FR" dirty="0" err="1" smtClean="0"/>
-              <a:t>testing</a:t>
-            </a:r>
-            <a:r>
-              <a:rPr lang="fr-FR" dirty="0" smtClean="0"/>
-              <a:t> set</a:t>
-            </a:r>
-          </a:p>
-          <a:p>
-            <a:pPr lvl="1"/>
-            <a:r>
-              <a:rPr lang="fr-FR" dirty="0" smtClean="0"/>
-              <a:t>Il peut être nécessaire de rejouer le modèle plusieurs fois pour arriver à un résultat satisfaisant</a:t>
-            </a:r>
-          </a:p>
-          <a:p>
-            <a:pPr lvl="1"/>
-            <a:r>
-              <a:rPr lang="fr-FR" dirty="0" smtClean="0"/>
-              <a:t>Training vs test</a:t>
-            </a:r>
-          </a:p>
-          <a:p>
-            <a:pPr lvl="1"/>
-            <a:endParaRPr lang="fr-FR" dirty="0"/>
-          </a:p>
-        </p:txBody>
-      </p:sp>
-      <p:pic>
-        <p:nvPicPr>
-          <p:cNvPr id="4" name="Image 3"/>
-          <p:cNvPicPr>
-            <a:picLocks noChangeAspect="1"/>
-          </p:cNvPicPr>
-          <p:nvPr/>
-        </p:nvPicPr>
-        <p:blipFill>
-          <a:blip r:embed="rId2"/>
-          <a:stretch>
-            <a:fillRect/>
-          </a:stretch>
-        </p:blipFill>
-        <p:spPr>
-          <a:xfrm>
-            <a:off x="899592" y="4482281"/>
-            <a:ext cx="3158514" cy="2314380"/>
-          </a:xfrm>
-          <a:prstGeom prst="rect">
-            <a:avLst/>
-          </a:prstGeom>
-        </p:spPr>
-      </p:pic>
-      <p:pic>
-        <p:nvPicPr>
-          <p:cNvPr id="5" name="Image 4"/>
-          <p:cNvPicPr>
-            <a:picLocks noChangeAspect="1"/>
-          </p:cNvPicPr>
-          <p:nvPr/>
-        </p:nvPicPr>
-        <p:blipFill>
-          <a:blip r:embed="rId3"/>
-          <a:stretch>
-            <a:fillRect/>
-          </a:stretch>
-        </p:blipFill>
-        <p:spPr>
-          <a:xfrm>
-            <a:off x="5220072" y="4565194"/>
-            <a:ext cx="3118678" cy="2231467"/>
-          </a:xfrm>
-          <a:prstGeom prst="rect">
-            <a:avLst/>
-          </a:prstGeom>
-        </p:spPr>
-      </p:pic>
-    </p:spTree>
-    <p:extLst>
-      <p:ext uri="{BB962C8B-B14F-4D97-AF65-F5344CB8AC3E}">
-        <p14:creationId xmlns:p14="http://schemas.microsoft.com/office/powerpoint/2010/main" val="2031907141"/>
-      </p:ext>
-    </p:extLst>
-  </p:cSld>
-  <p:clrMapOvr>
-    <a:masterClrMapping/>
-  </p:clrMapOvr>
-  <p:timing>
-    <p:tnLst>
-      <p:par>
-        <p:cTn id="1" dur="indefinite" restart="never" nodeType="tmRoot"/>
-      </p:par>
-    </p:tnLst>
-  </p:timing>
-</p:sld>
-</file>
-
-<file path=ppt/slides/slide13.xml><?xml version="1.0" encoding="utf-8"?>
-<p:sld xmlns:a="http://schemas.openxmlformats.org/drawingml/2006/main" xmlns:r="http://schemas.openxmlformats.org/officeDocument/2006/relationships" xmlns:p="http://schemas.openxmlformats.org/presentationml/2006/main">
-  <p:cSld>
-    <p:spTree>
-      <p:nvGrpSpPr>
-        <p:cNvPr id="1" name=""/>
-        <p:cNvGrpSpPr/>
-        <p:nvPr/>
-      </p:nvGrpSpPr>
-      <p:grpSpPr>
-        <a:xfrm>
-          <a:off x="0" y="0"/>
-          <a:ext cx="0" cy="0"/>
-          <a:chOff x="0" y="0"/>
-          <a:chExt cx="0" cy="0"/>
-        </a:xfrm>
-      </p:grpSpPr>
-      <p:sp>
-        <p:nvSpPr>
-          <p:cNvPr id="2" name="Titre 1"/>
-          <p:cNvSpPr>
-            <a:spLocks noGrp="1"/>
-          </p:cNvSpPr>
-          <p:nvPr>
-            <p:ph type="title"/>
-          </p:nvPr>
-        </p:nvSpPr>
-        <p:spPr/>
-        <p:txBody>
-          <a:bodyPr/>
-          <a:lstStyle/>
-          <a:p>
-            <a:r>
-              <a:rPr lang="fr-FR" dirty="0" smtClean="0"/>
-              <a:t>Echantillonnage</a:t>
-            </a:r>
-            <a:endParaRPr lang="fr-FR" dirty="0"/>
-          </a:p>
-        </p:txBody>
-      </p:sp>
-      <p:sp>
-        <p:nvSpPr>
-          <p:cNvPr id="3" name="Espace réservé du contenu 2"/>
-          <p:cNvSpPr>
-            <a:spLocks noGrp="1"/>
-          </p:cNvSpPr>
-          <p:nvPr>
-            <p:ph idx="1"/>
-          </p:nvPr>
-        </p:nvSpPr>
-        <p:spPr/>
-        <p:txBody>
-          <a:bodyPr/>
-          <a:lstStyle/>
-          <a:p>
-            <a:r>
-              <a:rPr lang="fr-FR" dirty="0" smtClean="0"/>
-              <a:t>Basé sur une fonctionnalité </a:t>
-            </a:r>
-            <a:r>
-              <a:rPr lang="fr-FR" dirty="0" err="1" smtClean="0"/>
-              <a:t>numpy</a:t>
-            </a:r>
-            <a:endParaRPr lang="fr-FR" dirty="0" smtClean="0"/>
-          </a:p>
-          <a:p>
-            <a:r>
-              <a:rPr lang="fr-FR" dirty="0" err="1" smtClean="0"/>
-              <a:t>np.array</a:t>
-            </a:r>
-            <a:r>
-              <a:rPr lang="fr-FR" dirty="0" smtClean="0"/>
-              <a:t>([2,8,0,10,9])[2,4] donne [0,9]</a:t>
-            </a:r>
-          </a:p>
-          <a:p>
-            <a:r>
-              <a:rPr lang="fr-FR" dirty="0" smtClean="0"/>
-              <a:t>Cela donne pour un échantillon de 5000</a:t>
-            </a:r>
-          </a:p>
-          <a:p>
-            <a:pPr lvl="1"/>
-            <a:r>
-              <a:rPr lang="fr-FR" sz="2000" dirty="0" err="1">
-                <a:latin typeface="Courier New" panose="02070309020205020404" pitchFamily="49" charset="0"/>
-                <a:cs typeface="Courier New" panose="02070309020205020404" pitchFamily="49" charset="0"/>
-              </a:rPr>
-              <a:t>sample</a:t>
-            </a:r>
-            <a:r>
-              <a:rPr lang="fr-FR" sz="2000" dirty="0">
-                <a:latin typeface="Courier New" panose="02070309020205020404" pitchFamily="49" charset="0"/>
-                <a:cs typeface="Courier New" panose="02070309020205020404" pitchFamily="49" charset="0"/>
-              </a:rPr>
-              <a:t> = </a:t>
-            </a:r>
-            <a:r>
-              <a:rPr lang="fr-FR" sz="2000" dirty="0" err="1">
-                <a:latin typeface="Courier New" panose="02070309020205020404" pitchFamily="49" charset="0"/>
-                <a:cs typeface="Courier New" panose="02070309020205020404" pitchFamily="49" charset="0"/>
-              </a:rPr>
-              <a:t>np.random.randint</a:t>
-            </a:r>
-            <a:r>
-              <a:rPr lang="fr-FR" sz="2000" dirty="0">
-                <a:latin typeface="Courier New" panose="02070309020205020404" pitchFamily="49" charset="0"/>
-                <a:cs typeface="Courier New" panose="02070309020205020404" pitchFamily="49" charset="0"/>
-              </a:rPr>
-              <a:t>(70000, size=5000)</a:t>
-            </a:r>
-          </a:p>
-          <a:p>
-            <a:pPr lvl="1"/>
-            <a:r>
-              <a:rPr lang="fr-FR" sz="2000" dirty="0">
-                <a:latin typeface="Courier New" panose="02070309020205020404" pitchFamily="49" charset="0"/>
-                <a:cs typeface="Courier New" panose="02070309020205020404" pitchFamily="49" charset="0"/>
-              </a:rPr>
-              <a:t>data = </a:t>
-            </a:r>
-            <a:r>
-              <a:rPr lang="fr-FR" sz="2000" dirty="0" err="1">
-                <a:latin typeface="Courier New" panose="02070309020205020404" pitchFamily="49" charset="0"/>
-                <a:cs typeface="Courier New" panose="02070309020205020404" pitchFamily="49" charset="0"/>
-              </a:rPr>
-              <a:t>mnist.data</a:t>
-            </a:r>
-            <a:r>
-              <a:rPr lang="fr-FR" sz="2000" dirty="0">
-                <a:latin typeface="Courier New" panose="02070309020205020404" pitchFamily="49" charset="0"/>
-                <a:cs typeface="Courier New" panose="02070309020205020404" pitchFamily="49" charset="0"/>
-              </a:rPr>
-              <a:t>[</a:t>
-            </a:r>
-            <a:r>
-              <a:rPr lang="fr-FR" sz="2000" dirty="0" err="1">
-                <a:latin typeface="Courier New" panose="02070309020205020404" pitchFamily="49" charset="0"/>
-                <a:cs typeface="Courier New" panose="02070309020205020404" pitchFamily="49" charset="0"/>
-              </a:rPr>
-              <a:t>sample</a:t>
-            </a:r>
-            <a:r>
-              <a:rPr lang="fr-FR" sz="2000" dirty="0">
-                <a:latin typeface="Courier New" panose="02070309020205020404" pitchFamily="49" charset="0"/>
-                <a:cs typeface="Courier New" panose="02070309020205020404" pitchFamily="49" charset="0"/>
-              </a:rPr>
-              <a:t>]</a:t>
-            </a:r>
-          </a:p>
-          <a:p>
-            <a:pPr lvl="1"/>
-            <a:r>
-              <a:rPr lang="fr-FR" sz="2000" dirty="0" err="1">
-                <a:latin typeface="Courier New" panose="02070309020205020404" pitchFamily="49" charset="0"/>
-                <a:cs typeface="Courier New" panose="02070309020205020404" pitchFamily="49" charset="0"/>
-              </a:rPr>
-              <a:t>target</a:t>
-            </a:r>
-            <a:r>
-              <a:rPr lang="fr-FR" sz="2000" dirty="0">
-                <a:latin typeface="Courier New" panose="02070309020205020404" pitchFamily="49" charset="0"/>
-                <a:cs typeface="Courier New" panose="02070309020205020404" pitchFamily="49" charset="0"/>
-              </a:rPr>
-              <a:t> = </a:t>
-            </a:r>
-            <a:r>
-              <a:rPr lang="fr-FR" sz="2000" dirty="0" err="1">
-                <a:latin typeface="Courier New" panose="02070309020205020404" pitchFamily="49" charset="0"/>
-                <a:cs typeface="Courier New" panose="02070309020205020404" pitchFamily="49" charset="0"/>
-              </a:rPr>
-              <a:t>mnist.target</a:t>
-            </a:r>
-            <a:r>
-              <a:rPr lang="fr-FR" sz="2000" dirty="0">
-                <a:latin typeface="Courier New" panose="02070309020205020404" pitchFamily="49" charset="0"/>
-                <a:cs typeface="Courier New" panose="02070309020205020404" pitchFamily="49" charset="0"/>
-              </a:rPr>
-              <a:t>[</a:t>
-            </a:r>
-            <a:r>
-              <a:rPr lang="fr-FR" sz="2000" dirty="0" err="1">
-                <a:latin typeface="Courier New" panose="02070309020205020404" pitchFamily="49" charset="0"/>
-                <a:cs typeface="Courier New" panose="02070309020205020404" pitchFamily="49" charset="0"/>
-              </a:rPr>
-              <a:t>sample</a:t>
-            </a:r>
-            <a:r>
-              <a:rPr lang="fr-FR" sz="2000" dirty="0">
-                <a:latin typeface="Courier New" panose="02070309020205020404" pitchFamily="49" charset="0"/>
-                <a:cs typeface="Courier New" panose="02070309020205020404" pitchFamily="49" charset="0"/>
-              </a:rPr>
-              <a:t>]</a:t>
-            </a:r>
-            <a:endParaRPr lang="fr-FR" sz="2000" dirty="0" smtClean="0">
-              <a:latin typeface="Courier New" panose="02070309020205020404" pitchFamily="49" charset="0"/>
-              <a:cs typeface="Courier New" panose="02070309020205020404" pitchFamily="49" charset="0"/>
-            </a:endParaRPr>
-          </a:p>
-          <a:p>
-            <a:pPr lvl="1"/>
-            <a:endParaRPr lang="fr-FR" dirty="0"/>
-          </a:p>
-        </p:txBody>
-      </p:sp>
-    </p:spTree>
-    <p:extLst>
-      <p:ext uri="{BB962C8B-B14F-4D97-AF65-F5344CB8AC3E}">
-        <p14:creationId xmlns:p14="http://schemas.microsoft.com/office/powerpoint/2010/main" val="391119954"/>
-      </p:ext>
-    </p:extLst>
-  </p:cSld>
-  <p:clrMapOvr>
-    <a:masterClrMapping/>
-  </p:clrMapOvr>
-  <p:timing>
-    <p:tnLst>
-      <p:par>
-        <p:cTn id="1" dur="indefinite" restart="never" nodeType="tmRoot"/>
-      </p:par>
-    </p:tnLst>
-  </p:timing>
-</p:sld>
-</file>
-
-<file path=ppt/slides/slide14.xml><?xml version="1.0" encoding="utf-8"?>
-<p:sld xmlns:a="http://schemas.openxmlformats.org/drawingml/2006/main" xmlns:r="http://schemas.openxmlformats.org/officeDocument/2006/relationships" xmlns:p="http://schemas.openxmlformats.org/presentationml/2006/main">
-  <p:cSld>
-    <p:spTree>
-      <p:nvGrpSpPr>
-        <p:cNvPr id="1" name=""/>
-        <p:cNvGrpSpPr/>
-        <p:nvPr/>
-      </p:nvGrpSpPr>
-      <p:grpSpPr>
-        <a:xfrm>
-          <a:off x="0" y="0"/>
-          <a:ext cx="0" cy="0"/>
-          <a:chOff x="0" y="0"/>
-          <a:chExt cx="0" cy="0"/>
-        </a:xfrm>
-      </p:grpSpPr>
-      <p:sp>
-        <p:nvSpPr>
-          <p:cNvPr id="2" name="Titre 1"/>
-          <p:cNvSpPr>
-            <a:spLocks noGrp="1"/>
-          </p:cNvSpPr>
-          <p:nvPr>
-            <p:ph type="title"/>
-          </p:nvPr>
-        </p:nvSpPr>
-        <p:spPr/>
-        <p:txBody>
-          <a:bodyPr/>
-          <a:lstStyle/>
-          <a:p>
-            <a:r>
-              <a:rPr lang="fr-FR" dirty="0" smtClean="0"/>
-              <a:t>Training Set</a:t>
-            </a:r>
-            <a:endParaRPr lang="fr-FR" dirty="0"/>
-          </a:p>
-        </p:txBody>
-      </p:sp>
-      <p:sp>
-        <p:nvSpPr>
-          <p:cNvPr id="3" name="Espace réservé du contenu 2"/>
-          <p:cNvSpPr>
-            <a:spLocks noGrp="1"/>
-          </p:cNvSpPr>
-          <p:nvPr>
-            <p:ph idx="1"/>
-          </p:nvPr>
-        </p:nvSpPr>
-        <p:spPr/>
-        <p:txBody>
-          <a:bodyPr/>
-          <a:lstStyle/>
-          <a:p>
-            <a:r>
-              <a:rPr lang="en-US" dirty="0" err="1">
-                <a:latin typeface="Courier New" panose="02070309020205020404" pitchFamily="49" charset="0"/>
-                <a:cs typeface="Courier New" panose="02070309020205020404" pitchFamily="49" charset="0"/>
-              </a:rPr>
-              <a:t>xtrain</a:t>
-            </a:r>
-            <a:r>
-              <a:rPr lang="en-US" dirty="0">
-                <a:latin typeface="Courier New" panose="02070309020205020404" pitchFamily="49" charset="0"/>
-                <a:cs typeface="Courier New" panose="02070309020205020404" pitchFamily="49" charset="0"/>
-              </a:rPr>
-              <a:t>, </a:t>
-            </a:r>
-            <a:r>
-              <a:rPr lang="en-US" dirty="0" err="1">
-                <a:latin typeface="Courier New" panose="02070309020205020404" pitchFamily="49" charset="0"/>
-                <a:cs typeface="Courier New" panose="02070309020205020404" pitchFamily="49" charset="0"/>
-              </a:rPr>
-              <a:t>xtest</a:t>
-            </a:r>
-            <a:r>
-              <a:rPr lang="en-US" dirty="0">
-                <a:latin typeface="Courier New" panose="02070309020205020404" pitchFamily="49" charset="0"/>
-                <a:cs typeface="Courier New" panose="02070309020205020404" pitchFamily="49" charset="0"/>
-              </a:rPr>
-              <a:t>, </a:t>
-            </a:r>
-            <a:r>
-              <a:rPr lang="en-US" dirty="0" err="1">
-                <a:latin typeface="Courier New" panose="02070309020205020404" pitchFamily="49" charset="0"/>
-                <a:cs typeface="Courier New" panose="02070309020205020404" pitchFamily="49" charset="0"/>
-              </a:rPr>
-              <a:t>ytrain</a:t>
-            </a:r>
-            <a:r>
-              <a:rPr lang="en-US" dirty="0">
-                <a:latin typeface="Courier New" panose="02070309020205020404" pitchFamily="49" charset="0"/>
-                <a:cs typeface="Courier New" panose="02070309020205020404" pitchFamily="49" charset="0"/>
-              </a:rPr>
-              <a:t>, </a:t>
-            </a:r>
-            <a:r>
-              <a:rPr lang="en-US" dirty="0" err="1">
-                <a:latin typeface="Courier New" panose="02070309020205020404" pitchFamily="49" charset="0"/>
-                <a:cs typeface="Courier New" panose="02070309020205020404" pitchFamily="49" charset="0"/>
-              </a:rPr>
-              <a:t>ytest</a:t>
-            </a:r>
-            <a:r>
-              <a:rPr lang="en-US" dirty="0">
-                <a:latin typeface="Courier New" panose="02070309020205020404" pitchFamily="49" charset="0"/>
-                <a:cs typeface="Courier New" panose="02070309020205020404" pitchFamily="49" charset="0"/>
-              </a:rPr>
-              <a:t> = </a:t>
-            </a:r>
-            <a:r>
-              <a:rPr lang="en-US" dirty="0" err="1">
-                <a:latin typeface="Courier New" panose="02070309020205020404" pitchFamily="49" charset="0"/>
-                <a:cs typeface="Courier New" panose="02070309020205020404" pitchFamily="49" charset="0"/>
-              </a:rPr>
-              <a:t>ms.train_test_split</a:t>
-            </a:r>
-            <a:r>
-              <a:rPr lang="en-US" dirty="0">
-                <a:latin typeface="Courier New" panose="02070309020205020404" pitchFamily="49" charset="0"/>
-                <a:cs typeface="Courier New" panose="02070309020205020404" pitchFamily="49" charset="0"/>
-              </a:rPr>
-              <a:t>(data, target, </a:t>
-            </a:r>
-            <a:r>
-              <a:rPr lang="en-US" dirty="0" err="1">
-                <a:latin typeface="Courier New" panose="02070309020205020404" pitchFamily="49" charset="0"/>
-                <a:cs typeface="Courier New" panose="02070309020205020404" pitchFamily="49" charset="0"/>
-              </a:rPr>
-              <a:t>train_size</a:t>
-            </a:r>
-            <a:r>
-              <a:rPr lang="en-US" dirty="0">
-                <a:latin typeface="Courier New" panose="02070309020205020404" pitchFamily="49" charset="0"/>
-                <a:cs typeface="Courier New" panose="02070309020205020404" pitchFamily="49" charset="0"/>
-              </a:rPr>
-              <a:t>=0.8, </a:t>
-            </a:r>
-            <a:r>
-              <a:rPr lang="en-US" dirty="0" err="1">
-                <a:latin typeface="Courier New" panose="02070309020205020404" pitchFamily="49" charset="0"/>
-                <a:cs typeface="Courier New" panose="02070309020205020404" pitchFamily="49" charset="0"/>
-              </a:rPr>
-              <a:t>test_size</a:t>
-            </a:r>
-            <a:r>
-              <a:rPr lang="en-US" dirty="0">
-                <a:latin typeface="Courier New" panose="02070309020205020404" pitchFamily="49" charset="0"/>
-                <a:cs typeface="Courier New" panose="02070309020205020404" pitchFamily="49" charset="0"/>
-              </a:rPr>
-              <a:t>=0.2)</a:t>
-            </a:r>
-            <a:endParaRPr lang="fr-FR" dirty="0">
-              <a:latin typeface="Courier New" panose="02070309020205020404" pitchFamily="49" charset="0"/>
-              <a:cs typeface="Courier New" panose="02070309020205020404" pitchFamily="49" charset="0"/>
-            </a:endParaRPr>
-          </a:p>
-        </p:txBody>
-      </p:sp>
-    </p:spTree>
-    <p:extLst>
-      <p:ext uri="{BB962C8B-B14F-4D97-AF65-F5344CB8AC3E}">
-        <p14:creationId xmlns:p14="http://schemas.microsoft.com/office/powerpoint/2010/main" val="2210871484"/>
-      </p:ext>
-    </p:extLst>
-  </p:cSld>
-  <p:clrMapOvr>
-    <a:masterClrMapping/>
-  </p:clrMapOvr>
-  <p:timing>
-    <p:tnLst>
-      <p:par>
-        <p:cTn id="1" dur="indefinite" restart="never" nodeType="tmRoot"/>
-      </p:par>
-    </p:tnLst>
-  </p:timing>
-</p:sld>
-</file>
-
-<file path=ppt/slides/slide15.xml><?xml version="1.0" encoding="utf-8"?>
-<p:sld xmlns:a="http://schemas.openxmlformats.org/drawingml/2006/main" xmlns:r="http://schemas.openxmlformats.org/officeDocument/2006/relationships" xmlns:p="http://schemas.openxmlformats.org/presentationml/2006/main">
-  <p:cSld>
-    <p:spTree>
-      <p:nvGrpSpPr>
-        <p:cNvPr id="1" name=""/>
-        <p:cNvGrpSpPr/>
-        <p:nvPr/>
-      </p:nvGrpSpPr>
-      <p:grpSpPr>
-        <a:xfrm>
-          <a:off x="0" y="0"/>
-          <a:ext cx="0" cy="0"/>
-          <a:chOff x="0" y="0"/>
-          <a:chExt cx="0" cy="0"/>
-        </a:xfrm>
-      </p:grpSpPr>
-      <p:sp>
-        <p:nvSpPr>
-          <p:cNvPr id="2" name="Titre 1"/>
-          <p:cNvSpPr>
-            <a:spLocks noGrp="1"/>
-          </p:cNvSpPr>
-          <p:nvPr>
-            <p:ph type="title"/>
-          </p:nvPr>
-        </p:nvSpPr>
-        <p:spPr/>
-        <p:txBody>
-          <a:bodyPr/>
-          <a:lstStyle/>
-          <a:p>
-            <a:r>
-              <a:rPr lang="fr-FR" dirty="0" err="1" smtClean="0"/>
-              <a:t>Metrics</a:t>
-            </a:r>
-            <a:endParaRPr lang="fr-FR" dirty="0"/>
-          </a:p>
-        </p:txBody>
-      </p:sp>
-      <p:sp>
-        <p:nvSpPr>
-          <p:cNvPr id="3" name="Espace réservé du contenu 2"/>
-          <p:cNvSpPr>
-            <a:spLocks noGrp="1"/>
-          </p:cNvSpPr>
-          <p:nvPr>
-            <p:ph idx="1"/>
-          </p:nvPr>
-        </p:nvSpPr>
-        <p:spPr/>
-        <p:txBody>
-          <a:bodyPr/>
-          <a:lstStyle/>
-          <a:p>
-            <a:r>
-              <a:rPr lang="fr-FR" dirty="0" smtClean="0"/>
-              <a:t>Il est possible de calculer automatiquement l’erreur quadratique avec </a:t>
-            </a:r>
-            <a:r>
-              <a:rPr lang="fr-FR" dirty="0" err="1" smtClean="0"/>
-              <a:t>Metrics</a:t>
-            </a:r>
-            <a:endParaRPr lang="fr-FR" dirty="0" smtClean="0"/>
-          </a:p>
-          <a:p>
-            <a:pPr lvl="1"/>
-            <a:r>
-              <a:rPr lang="fr-FR" dirty="0"/>
-              <a:t>import </a:t>
-            </a:r>
-            <a:r>
-              <a:rPr lang="fr-FR" dirty="0" err="1"/>
-              <a:t>sklearn.metrics</a:t>
-            </a:r>
-            <a:r>
-              <a:rPr lang="fr-FR" dirty="0"/>
-              <a:t> as m</a:t>
-            </a:r>
-            <a:endParaRPr lang="fr-FR" dirty="0" smtClean="0"/>
-          </a:p>
-          <a:p>
-            <a:pPr lvl="1"/>
-            <a:r>
-              <a:rPr lang="fr-FR" dirty="0" err="1" smtClean="0"/>
-              <a:t>m.mean_squared_error</a:t>
-            </a:r>
-            <a:r>
-              <a:rPr lang="fr-FR" dirty="0" smtClean="0"/>
-              <a:t>(</a:t>
-            </a:r>
-            <a:r>
-              <a:rPr lang="fr-FR" dirty="0" err="1" smtClean="0"/>
-              <a:t>regr.predict</a:t>
-            </a:r>
-            <a:r>
-              <a:rPr lang="fr-FR" dirty="0" smtClean="0"/>
-              <a:t>(</a:t>
-            </a:r>
-            <a:r>
-              <a:rPr lang="fr-FR" dirty="0" err="1" smtClean="0"/>
-              <a:t>xtest</a:t>
-            </a:r>
-            <a:r>
-              <a:rPr lang="fr-FR" dirty="0"/>
-              <a:t>), </a:t>
-            </a:r>
-            <a:r>
-              <a:rPr lang="fr-FR" dirty="0" err="1"/>
-              <a:t>ytest</a:t>
-            </a:r>
-            <a:r>
-              <a:rPr lang="fr-FR" dirty="0" smtClean="0"/>
-              <a:t>)</a:t>
-            </a:r>
-          </a:p>
-          <a:p>
-            <a:pPr lvl="1"/>
-            <a:r>
-              <a:rPr lang="fr-FR" dirty="0" smtClean="0"/>
-              <a:t># A minimiser</a:t>
-            </a:r>
-            <a:endParaRPr lang="fr-FR" dirty="0"/>
-          </a:p>
-        </p:txBody>
-      </p:sp>
-    </p:spTree>
-    <p:extLst>
-      <p:ext uri="{BB962C8B-B14F-4D97-AF65-F5344CB8AC3E}">
-        <p14:creationId xmlns:p14="http://schemas.microsoft.com/office/powerpoint/2010/main" val="700905033"/>
-      </p:ext>
-    </p:extLst>
-  </p:cSld>
-  <p:clrMapOvr>
-    <a:masterClrMapping/>
-  </p:clrMapOvr>
-  <p:timing>
-    <p:tnLst>
-      <p:par>
-        <p:cTn id="1" dur="indefinite" restart="never" nodeType="tmRoot"/>
-      </p:par>
-    </p:tnLst>
-  </p:timing>
-</p:sld>
-</file>
-
-<file path=ppt/slides/slide16.xml><?xml version="1.0" encoding="utf-8"?>
 <p:sld xmlns:a="http://schemas.openxmlformats.org/drawingml/2006/main" xmlns:r="http://schemas.openxmlformats.org/officeDocument/2006/relationships" xmlns:p="http://schemas.openxmlformats.org/presentationml/2006/main">
   <p:cSld>
     <p:spTree>
@@ -5018,7 +4138,7 @@
 </p:sld>
 </file>
 
-<file path=ppt/slides/slide17.xml><?xml version="1.0" encoding="utf-8"?>
+<file path=ppt/slides/slide12.xml><?xml version="1.0" encoding="utf-8"?>
 <p:sld xmlns:a="http://schemas.openxmlformats.org/drawingml/2006/main" xmlns:r="http://schemas.openxmlformats.org/officeDocument/2006/relationships" xmlns:p="http://schemas.openxmlformats.org/presentationml/2006/main">
   <p:cSld>
     <p:spTree>
@@ -5150,7 +4270,7 @@
 </p:sld>
 </file>
 
-<file path=ppt/slides/slide18.xml><?xml version="1.0" encoding="utf-8"?>
+<file path=ppt/slides/slide13.xml><?xml version="1.0" encoding="utf-8"?>
 <p:sld xmlns:a="http://schemas.openxmlformats.org/drawingml/2006/main" xmlns:r="http://schemas.openxmlformats.org/officeDocument/2006/relationships" xmlns:p="http://schemas.openxmlformats.org/presentationml/2006/main">
   <p:cSld>
     <p:spTree>
@@ -5331,7 +4451,7 @@
 </p:sld>
 </file>
 
-<file path=ppt/slides/slide19.xml><?xml version="1.0" encoding="utf-8"?>
+<file path=ppt/slides/slide14.xml><?xml version="1.0" encoding="utf-8"?>
 <p:sld xmlns:a="http://schemas.openxmlformats.org/drawingml/2006/main" xmlns:r="http://schemas.openxmlformats.org/officeDocument/2006/relationships" xmlns:p="http://schemas.openxmlformats.org/presentationml/2006/main">
   <p:cSld>
     <p:spTree>
@@ -5496,6 +4616,530 @@
       </p:par>
     </p:tnLst>
   </p:timing>
+</p:sld>
+</file>
+
+<file path=ppt/slides/slide15.xml><?xml version="1.0" encoding="utf-8"?>
+<p:sld xmlns:a="http://schemas.openxmlformats.org/drawingml/2006/main" xmlns:r="http://schemas.openxmlformats.org/officeDocument/2006/relationships" xmlns:p="http://schemas.openxmlformats.org/presentationml/2006/main">
+  <p:cSld>
+    <p:spTree>
+      <p:nvGrpSpPr>
+        <p:cNvPr id="1" name=""/>
+        <p:cNvGrpSpPr/>
+        <p:nvPr/>
+      </p:nvGrpSpPr>
+      <p:grpSpPr>
+        <a:xfrm>
+          <a:off x="0" y="0"/>
+          <a:ext cx="0" cy="0"/>
+          <a:chOff x="0" y="0"/>
+          <a:chExt cx="0" cy="0"/>
+        </a:xfrm>
+      </p:grpSpPr>
+      <p:sp>
+        <p:nvSpPr>
+          <p:cNvPr id="2" name="Titre 1"/>
+          <p:cNvSpPr>
+            <a:spLocks noGrp="1"/>
+          </p:cNvSpPr>
+          <p:nvPr>
+            <p:ph type="title"/>
+          </p:nvPr>
+        </p:nvSpPr>
+        <p:spPr/>
+        <p:txBody>
+          <a:bodyPr/>
+          <a:lstStyle/>
+          <a:p>
+            <a:r>
+              <a:rPr lang="fr-FR" dirty="0" smtClean="0"/>
+              <a:t>Modélisation</a:t>
+            </a:r>
+            <a:endParaRPr lang="fr-FR" dirty="0"/>
+          </a:p>
+        </p:txBody>
+      </p:sp>
+      <p:sp>
+        <p:nvSpPr>
+          <p:cNvPr id="3" name="Espace réservé du contenu 2"/>
+          <p:cNvSpPr>
+            <a:spLocks noGrp="1"/>
+          </p:cNvSpPr>
+          <p:nvPr>
+            <p:ph idx="1"/>
+          </p:nvPr>
+        </p:nvSpPr>
+        <p:spPr/>
+        <p:txBody>
+          <a:bodyPr/>
+          <a:lstStyle/>
+          <a:p>
+            <a:r>
+              <a:rPr lang="fr-FR" dirty="0"/>
+              <a:t>Imaginez que vous êtes un data </a:t>
+            </a:r>
+            <a:r>
+              <a:rPr lang="fr-FR" dirty="0" err="1" smtClean="0"/>
+              <a:t>scientist</a:t>
+            </a:r>
+            <a:endParaRPr lang="fr-FR" dirty="0" smtClean="0"/>
+          </a:p>
+          <a:p>
+            <a:pPr lvl="1"/>
+            <a:r>
+              <a:rPr lang="fr-FR" dirty="0" smtClean="0"/>
+              <a:t>Vous </a:t>
+            </a:r>
+            <a:r>
+              <a:rPr lang="fr-FR" dirty="0"/>
+              <a:t>êtes maintenant confortable avec l'ensemble des données récupérées pour vos </a:t>
+            </a:r>
+            <a:r>
+              <a:rPr lang="fr-FR" dirty="0" smtClean="0"/>
+              <a:t>analyses</a:t>
+            </a:r>
+          </a:p>
+          <a:p>
+            <a:pPr lvl="1"/>
+            <a:r>
+              <a:rPr lang="fr-FR" dirty="0" smtClean="0"/>
+              <a:t>Vous </a:t>
+            </a:r>
+            <a:r>
+              <a:rPr lang="fr-FR" dirty="0"/>
+              <a:t>avez une connaissance des objectifs principaux de l'entreprise, ce qui vous a aidé à synthétiser les différentes variables qui interviennent, ainsi que visualiser les différents comportements et corrélations présents au sein de ces données</a:t>
+            </a:r>
+          </a:p>
+        </p:txBody>
+      </p:sp>
+    </p:spTree>
+    <p:extLst>
+      <p:ext uri="{BB962C8B-B14F-4D97-AF65-F5344CB8AC3E}">
+        <p14:creationId xmlns:p14="http://schemas.microsoft.com/office/powerpoint/2010/main" val="268645936"/>
+      </p:ext>
+    </p:extLst>
+  </p:cSld>
+  <p:clrMapOvr>
+    <a:masterClrMapping/>
+  </p:clrMapOvr>
+</p:sld>
+</file>
+
+<file path=ppt/slides/slide16.xml><?xml version="1.0" encoding="utf-8"?>
+<p:sld xmlns:a="http://schemas.openxmlformats.org/drawingml/2006/main" xmlns:r="http://schemas.openxmlformats.org/officeDocument/2006/relationships" xmlns:p="http://schemas.openxmlformats.org/presentationml/2006/main">
+  <p:cSld>
+    <p:spTree>
+      <p:nvGrpSpPr>
+        <p:cNvPr id="1" name=""/>
+        <p:cNvGrpSpPr/>
+        <p:nvPr/>
+      </p:nvGrpSpPr>
+      <p:grpSpPr>
+        <a:xfrm>
+          <a:off x="0" y="0"/>
+          <a:ext cx="0" cy="0"/>
+          <a:chOff x="0" y="0"/>
+          <a:chExt cx="0" cy="0"/>
+        </a:xfrm>
+      </p:grpSpPr>
+      <p:sp>
+        <p:nvSpPr>
+          <p:cNvPr id="2" name="Titre 1"/>
+          <p:cNvSpPr>
+            <a:spLocks noGrp="1"/>
+          </p:cNvSpPr>
+          <p:nvPr>
+            <p:ph type="title"/>
+          </p:nvPr>
+        </p:nvSpPr>
+        <p:spPr/>
+        <p:txBody>
+          <a:bodyPr/>
+          <a:lstStyle/>
+          <a:p>
+            <a:r>
+              <a:rPr lang="fr-FR" dirty="0" smtClean="0"/>
+              <a:t>Apprentissage</a:t>
+            </a:r>
+            <a:endParaRPr lang="fr-FR" dirty="0"/>
+          </a:p>
+        </p:txBody>
+      </p:sp>
+      <p:sp>
+        <p:nvSpPr>
+          <p:cNvPr id="3" name="Espace réservé du contenu 2"/>
+          <p:cNvSpPr>
+            <a:spLocks noGrp="1"/>
+          </p:cNvSpPr>
+          <p:nvPr>
+            <p:ph idx="1"/>
+          </p:nvPr>
+        </p:nvSpPr>
+        <p:spPr/>
+        <p:txBody>
+          <a:bodyPr/>
+          <a:lstStyle/>
+          <a:p>
+            <a:r>
+              <a:rPr lang="fr-FR" dirty="0"/>
+              <a:t>En machine </a:t>
+            </a:r>
+            <a:r>
+              <a:rPr lang="fr-FR" dirty="0" err="1"/>
+              <a:t>learning</a:t>
+            </a:r>
+            <a:r>
+              <a:rPr lang="fr-FR" dirty="0"/>
+              <a:t>, l'idée est que l'algorithme construise une "représentation interne" tout seul afin de pouvoir effectuer la tâche qui lui est demandée (prédiction, identification, </a:t>
+            </a:r>
+            <a:r>
+              <a:rPr lang="fr-FR" dirty="0" err="1" smtClean="0"/>
+              <a:t>etc</a:t>
+            </a:r>
+            <a:r>
+              <a:rPr lang="fr-FR" dirty="0" smtClean="0"/>
+              <a:t>)</a:t>
+            </a:r>
+          </a:p>
+          <a:p>
+            <a:r>
+              <a:rPr lang="fr-FR" dirty="0" smtClean="0"/>
+              <a:t>L’être humain est quasiment incapable d’écrire l’algorithme</a:t>
+            </a:r>
+          </a:p>
+          <a:p>
+            <a:r>
+              <a:rPr lang="fr-FR" dirty="0" smtClean="0"/>
+              <a:t>Pour </a:t>
+            </a:r>
+            <a:r>
+              <a:rPr lang="fr-FR" dirty="0"/>
+              <a:t>cela, il va d'abord falloir lui entrer un jeu de données d'exemples afin qu'il puisse s'entraîner et s'améliorer, d'où le mot </a:t>
+            </a:r>
+            <a:r>
+              <a:rPr lang="fr-FR" dirty="0" smtClean="0"/>
+              <a:t>apprentissage</a:t>
+            </a:r>
+          </a:p>
+          <a:p>
+            <a:r>
+              <a:rPr lang="fr-FR" dirty="0" smtClean="0"/>
+              <a:t>Ce </a:t>
+            </a:r>
+            <a:r>
+              <a:rPr lang="fr-FR" dirty="0"/>
+              <a:t>jeu de données s'appelle le </a:t>
+            </a:r>
+            <a:r>
+              <a:rPr lang="fr-FR" dirty="0" smtClean="0"/>
+              <a:t>training set</a:t>
+            </a:r>
+          </a:p>
+          <a:p>
+            <a:endParaRPr lang="fr-FR" dirty="0"/>
+          </a:p>
+        </p:txBody>
+      </p:sp>
+    </p:spTree>
+    <p:extLst>
+      <p:ext uri="{BB962C8B-B14F-4D97-AF65-F5344CB8AC3E}">
+        <p14:creationId xmlns:p14="http://schemas.microsoft.com/office/powerpoint/2010/main" val="4203667828"/>
+      </p:ext>
+    </p:extLst>
+  </p:cSld>
+  <p:clrMapOvr>
+    <a:masterClrMapping/>
+  </p:clrMapOvr>
+</p:sld>
+</file>
+
+<file path=ppt/slides/slide17.xml><?xml version="1.0" encoding="utf-8"?>
+<p:sld xmlns:a="http://schemas.openxmlformats.org/drawingml/2006/main" xmlns:r="http://schemas.openxmlformats.org/officeDocument/2006/relationships" xmlns:p="http://schemas.openxmlformats.org/presentationml/2006/main">
+  <p:cSld>
+    <p:spTree>
+      <p:nvGrpSpPr>
+        <p:cNvPr id="1" name=""/>
+        <p:cNvGrpSpPr/>
+        <p:nvPr/>
+      </p:nvGrpSpPr>
+      <p:grpSpPr>
+        <a:xfrm>
+          <a:off x="0" y="0"/>
+          <a:ext cx="0" cy="0"/>
+          <a:chOff x="0" y="0"/>
+          <a:chExt cx="0" cy="0"/>
+        </a:xfrm>
+      </p:grpSpPr>
+      <p:sp>
+        <p:nvSpPr>
+          <p:cNvPr id="2" name="Titre 1"/>
+          <p:cNvSpPr>
+            <a:spLocks noGrp="1"/>
+          </p:cNvSpPr>
+          <p:nvPr>
+            <p:ph type="title"/>
+          </p:nvPr>
+        </p:nvSpPr>
+        <p:spPr/>
+        <p:txBody>
+          <a:bodyPr/>
+          <a:lstStyle/>
+          <a:p>
+            <a:r>
+              <a:rPr lang="fr-FR" dirty="0" smtClean="0"/>
+              <a:t>Machine Learning </a:t>
+            </a:r>
+            <a:r>
+              <a:rPr lang="fr-FR" smtClean="0"/>
+              <a:t>vs Programmation</a:t>
+            </a:r>
+            <a:endParaRPr lang="fr-FR" dirty="0"/>
+          </a:p>
+        </p:txBody>
+      </p:sp>
+      <p:pic>
+        <p:nvPicPr>
+          <p:cNvPr id="1026" name="Picture 2" descr="https://dpzbhybb2pdcj.cloudfront.net/allaire/Figures/01fig02.jpg"/>
+          <p:cNvPicPr>
+            <a:picLocks noChangeAspect="1" noChangeArrowheads="1"/>
+          </p:cNvPicPr>
+          <p:nvPr/>
+        </p:nvPicPr>
+        <p:blipFill>
+          <a:blip r:embed="rId2">
+            <a:extLst>
+              <a:ext uri="{28A0092B-C50C-407E-A947-70E740481C1C}">
+                <a14:useLocalDpi xmlns:a14="http://schemas.microsoft.com/office/drawing/2010/main" val="0"/>
+              </a:ext>
+            </a:extLst>
+          </a:blip>
+          <a:srcRect/>
+          <a:stretch>
+            <a:fillRect/>
+          </a:stretch>
+        </p:blipFill>
+        <p:spPr bwMode="auto">
+          <a:xfrm>
+            <a:off x="1979712" y="2420888"/>
+            <a:ext cx="6048672" cy="3069477"/>
+          </a:xfrm>
+          <a:prstGeom prst="rect">
+            <a:avLst/>
+          </a:prstGeom>
+          <a:noFill/>
+          <a:extLst>
+            <a:ext uri="{909E8E84-426E-40DD-AFC4-6F175D3DCCD1}">
+              <a14:hiddenFill xmlns:a14="http://schemas.microsoft.com/office/drawing/2010/main">
+                <a:solidFill>
+                  <a:srgbClr val="FFFFFF"/>
+                </a:solidFill>
+              </a14:hiddenFill>
+            </a:ext>
+          </a:extLst>
+        </p:spPr>
+      </p:pic>
+    </p:spTree>
+    <p:extLst>
+      <p:ext uri="{BB962C8B-B14F-4D97-AF65-F5344CB8AC3E}">
+        <p14:creationId xmlns:p14="http://schemas.microsoft.com/office/powerpoint/2010/main" val="2463222783"/>
+      </p:ext>
+    </p:extLst>
+  </p:cSld>
+  <p:clrMapOvr>
+    <a:masterClrMapping/>
+  </p:clrMapOvr>
+</p:sld>
+</file>
+
+<file path=ppt/slides/slide18.xml><?xml version="1.0" encoding="utf-8"?>
+<p:sld xmlns:a="http://schemas.openxmlformats.org/drawingml/2006/main" xmlns:r="http://schemas.openxmlformats.org/officeDocument/2006/relationships" xmlns:p="http://schemas.openxmlformats.org/presentationml/2006/main">
+  <p:cSld>
+    <p:spTree>
+      <p:nvGrpSpPr>
+        <p:cNvPr id="1" name=""/>
+        <p:cNvGrpSpPr/>
+        <p:nvPr/>
+      </p:nvGrpSpPr>
+      <p:grpSpPr>
+        <a:xfrm>
+          <a:off x="0" y="0"/>
+          <a:ext cx="0" cy="0"/>
+          <a:chOff x="0" y="0"/>
+          <a:chExt cx="0" cy="0"/>
+        </a:xfrm>
+      </p:grpSpPr>
+      <p:sp>
+        <p:nvSpPr>
+          <p:cNvPr id="2" name="Titre 1"/>
+          <p:cNvSpPr>
+            <a:spLocks noGrp="1"/>
+          </p:cNvSpPr>
+          <p:nvPr>
+            <p:ph type="title"/>
+          </p:nvPr>
+        </p:nvSpPr>
+        <p:spPr/>
+        <p:txBody>
+          <a:bodyPr/>
+          <a:lstStyle/>
+          <a:p>
+            <a:r>
+              <a:rPr lang="fr-FR" dirty="0" smtClean="0"/>
+              <a:t>Exemple</a:t>
+            </a:r>
+            <a:endParaRPr lang="fr-FR" dirty="0"/>
+          </a:p>
+        </p:txBody>
+      </p:sp>
+      <p:pic>
+        <p:nvPicPr>
+          <p:cNvPr id="6146" name="Picture 2" descr="Un exemple de jeu de données classique (appelé CIFAR-10) qui permet d'entraîner un modèle de machine learning"/>
+          <p:cNvPicPr>
+            <a:picLocks noGrp="1" noChangeAspect="1" noChangeArrowheads="1"/>
+          </p:cNvPicPr>
+          <p:nvPr>
+            <p:ph idx="1"/>
+          </p:nvPr>
+        </p:nvPicPr>
+        <p:blipFill>
+          <a:blip r:embed="rId2">
+            <a:extLst>
+              <a:ext uri="{28A0092B-C50C-407E-A947-70E740481C1C}">
+                <a14:useLocalDpi xmlns:a14="http://schemas.microsoft.com/office/drawing/2010/main" val="0"/>
+              </a:ext>
+            </a:extLst>
+          </a:blip>
+          <a:srcRect/>
+          <a:stretch>
+            <a:fillRect/>
+          </a:stretch>
+        </p:blipFill>
+        <p:spPr bwMode="auto">
+          <a:xfrm>
+            <a:off x="970716" y="1156209"/>
+            <a:ext cx="6697627" cy="5177997"/>
+          </a:xfrm>
+          <a:prstGeom prst="rect">
+            <a:avLst/>
+          </a:prstGeom>
+          <a:noFill/>
+          <a:extLst>
+            <a:ext uri="{909E8E84-426E-40DD-AFC4-6F175D3DCCD1}">
+              <a14:hiddenFill xmlns:a14="http://schemas.microsoft.com/office/drawing/2010/main">
+                <a:solidFill>
+                  <a:srgbClr val="FFFFFF"/>
+                </a:solidFill>
+              </a14:hiddenFill>
+            </a:ext>
+          </a:extLst>
+        </p:spPr>
+      </p:pic>
+    </p:spTree>
+    <p:extLst>
+      <p:ext uri="{BB962C8B-B14F-4D97-AF65-F5344CB8AC3E}">
+        <p14:creationId xmlns:p14="http://schemas.microsoft.com/office/powerpoint/2010/main" val="4270934388"/>
+      </p:ext>
+    </p:extLst>
+  </p:cSld>
+  <p:clrMapOvr>
+    <a:masterClrMapping/>
+  </p:clrMapOvr>
+</p:sld>
+</file>
+
+<file path=ppt/slides/slide19.xml><?xml version="1.0" encoding="utf-8"?>
+<p:sld xmlns:a="http://schemas.openxmlformats.org/drawingml/2006/main" xmlns:r="http://schemas.openxmlformats.org/officeDocument/2006/relationships" xmlns:p="http://schemas.openxmlformats.org/presentationml/2006/main">
+  <p:cSld>
+    <p:spTree>
+      <p:nvGrpSpPr>
+        <p:cNvPr id="1" name=""/>
+        <p:cNvGrpSpPr/>
+        <p:nvPr/>
+      </p:nvGrpSpPr>
+      <p:grpSpPr>
+        <a:xfrm>
+          <a:off x="0" y="0"/>
+          <a:ext cx="0" cy="0"/>
+          <a:chOff x="0" y="0"/>
+          <a:chExt cx="0" cy="0"/>
+        </a:xfrm>
+      </p:grpSpPr>
+      <p:sp>
+        <p:nvSpPr>
+          <p:cNvPr id="2" name="Titre 1"/>
+          <p:cNvSpPr>
+            <a:spLocks noGrp="1"/>
+          </p:cNvSpPr>
+          <p:nvPr>
+            <p:ph type="title"/>
+          </p:nvPr>
+        </p:nvSpPr>
+        <p:spPr/>
+        <p:txBody>
+          <a:bodyPr/>
+          <a:lstStyle/>
+          <a:p>
+            <a:r>
+              <a:rPr lang="fr-FR" dirty="0" smtClean="0"/>
+              <a:t>Workflow</a:t>
+            </a:r>
+            <a:endParaRPr lang="fr-FR" dirty="0"/>
+          </a:p>
+        </p:txBody>
+      </p:sp>
+      <p:pic>
+        <p:nvPicPr>
+          <p:cNvPr id="7170" name="Picture 2" descr="Un détail de des deux phases du process de machine learning."/>
+          <p:cNvPicPr>
+            <a:picLocks noGrp="1" noChangeAspect="1" noChangeArrowheads="1"/>
+          </p:cNvPicPr>
+          <p:nvPr>
+            <p:ph idx="1"/>
+          </p:nvPr>
+        </p:nvPicPr>
+        <p:blipFill>
+          <a:blip r:embed="rId2">
+            <a:extLst>
+              <a:ext uri="{28A0092B-C50C-407E-A947-70E740481C1C}">
+                <a14:useLocalDpi xmlns:a14="http://schemas.microsoft.com/office/drawing/2010/main" val="0"/>
+              </a:ext>
+            </a:extLst>
+          </a:blip>
+          <a:srcRect/>
+          <a:stretch>
+            <a:fillRect/>
+          </a:stretch>
+        </p:blipFill>
+        <p:spPr bwMode="auto">
+          <a:xfrm>
+            <a:off x="1187624" y="1268760"/>
+            <a:ext cx="6902073" cy="4678809"/>
+          </a:xfrm>
+          <a:prstGeom prst="rect">
+            <a:avLst/>
+          </a:prstGeom>
+          <a:noFill/>
+          <a:extLst>
+            <a:ext uri="{909E8E84-426E-40DD-AFC4-6F175D3DCCD1}">
+              <a14:hiddenFill xmlns:a14="http://schemas.microsoft.com/office/drawing/2010/main">
+                <a:solidFill>
+                  <a:srgbClr val="FFFFFF"/>
+                </a:solidFill>
+              </a14:hiddenFill>
+            </a:ext>
+          </a:extLst>
+        </p:spPr>
+      </p:pic>
+    </p:spTree>
+    <p:extLst>
+      <p:ext uri="{BB962C8B-B14F-4D97-AF65-F5344CB8AC3E}">
+        <p14:creationId xmlns:p14="http://schemas.microsoft.com/office/powerpoint/2010/main" val="980869345"/>
+      </p:ext>
+    </p:extLst>
+  </p:cSld>
+  <p:clrMapOvr>
+    <a:masterClrMapping/>
+  </p:clrMapOvr>
 </p:sld>
 </file>
 
@@ -5719,8 +5363,12 @@
           <a:lstStyle/>
           <a:p>
             <a:r>
-              <a:rPr lang="fr-FR" dirty="0" smtClean="0"/>
-              <a:t>Modélisation</a:t>
+              <a:rPr lang="fr-FR" dirty="0"/>
+              <a:t>L'algorithme </a:t>
+            </a:r>
+            <a:r>
+              <a:rPr lang="fr-FR" dirty="0" smtClean="0"/>
+              <a:t>d'apprentissage</a:t>
             </a:r>
             <a:endParaRPr lang="fr-FR" dirty="0"/>
           </a:p>
@@ -5743,46 +5391,50 @@
           <a:p>
             <a:r>
               <a:rPr lang="fr-FR" dirty="0"/>
-              <a:t>Imaginez que vous êtes un data </a:t>
-            </a:r>
-            <a:r>
-              <a:rPr lang="fr-FR" dirty="0" err="1" smtClean="0"/>
-              <a:t>scientist</a:t>
-            </a:r>
-            <a:endParaRPr lang="fr-FR" dirty="0" smtClean="0"/>
+              <a:t>L'algorithme d'apprentissage constitue la méthode avec laquelle le modèle statistique va se paramétrer à partir des données </a:t>
+            </a:r>
+            <a:r>
+              <a:rPr lang="fr-FR" dirty="0" smtClean="0"/>
+              <a:t>d'exemple</a:t>
+            </a:r>
           </a:p>
           <a:p>
             <a:pPr lvl="1"/>
             <a:r>
               <a:rPr lang="fr-FR" dirty="0" smtClean="0"/>
-              <a:t>Vous </a:t>
+              <a:t>Il </a:t>
             </a:r>
             <a:r>
               <a:rPr lang="fr-FR" dirty="0"/>
-              <a:t>êtes maintenant confortable avec l'ensemble des données récupérées pour vos </a:t>
-            </a:r>
-            <a:r>
-              <a:rPr lang="fr-FR" dirty="0" smtClean="0"/>
-              <a:t>analyses</a:t>
+              <a:t>existe de nombreux algorithmes différents </a:t>
+            </a:r>
+            <a:r>
+              <a:rPr lang="fr-FR" dirty="0" smtClean="0"/>
+              <a:t>!</a:t>
             </a:r>
           </a:p>
           <a:p>
             <a:pPr lvl="1"/>
             <a:r>
               <a:rPr lang="fr-FR" dirty="0" smtClean="0"/>
-              <a:t>Vous </a:t>
+              <a:t>On </a:t>
             </a:r>
             <a:r>
               <a:rPr lang="fr-FR" dirty="0"/>
-              <a:t>avez une connaissance des objectifs principaux de l'entreprise, ce qui vous a aidé à synthétiser les différentes variables qui interviennent, ainsi que visualiser les différents comportements et corrélations présents au sein de ces données</a:t>
-            </a:r>
+              <a:t>choisira un type d'algorithme particulier en fonction du type de tâche que l'on souhaite accomplir et du type de données dont on </a:t>
+            </a:r>
+            <a:r>
+              <a:rPr lang="fr-FR" dirty="0" smtClean="0"/>
+              <a:t>dispose</a:t>
+            </a:r>
+            <a:endParaRPr lang="fr-FR" dirty="0"/>
           </a:p>
         </p:txBody>
       </p:sp>
     </p:spTree>
     <p:extLst>
       <p:ext uri="{BB962C8B-B14F-4D97-AF65-F5344CB8AC3E}">
-        <p14:creationId xmlns:p14="http://schemas.microsoft.com/office/powerpoint/2010/main" val="268645936"/>
+        <p14:creationId xmlns:p14="http://schemas.microsoft.com/office/powerpoint/2010/main" val="701142805"/>
       </p:ext>
     </p:extLst>
   </p:cSld>
@@ -5826,7 +5478,7 @@
           <a:p>
             <a:r>
               <a:rPr lang="fr-FR" dirty="0" smtClean="0"/>
-              <a:t>Apprentissage</a:t>
+              <a:t>Exemples</a:t>
             </a:r>
             <a:endParaRPr lang="fr-FR" dirty="0"/>
           </a:p>
@@ -5849,7 +5501,7 @@
           <a:p>
             <a:r>
               <a:rPr lang="fr-FR" dirty="0"/>
-              <a:t>En machine </a:t>
+              <a:t>Quelques exemples d'algorithmes de machine </a:t>
             </a:r>
             <a:r>
               <a:rPr lang="fr-FR" dirty="0" err="1"/>
@@ -5857,60 +5509,83 @@
             </a:r>
             <a:r>
               <a:rPr lang="fr-FR" dirty="0"/>
-              <a:t>, l'idée est que l'algorithme construise une "représentation interne" tout seul afin de pouvoir effectuer la tâche qui lui est demandée (prédiction, identification, </a:t>
-            </a:r>
-            <a:r>
-              <a:rPr lang="fr-FR" dirty="0" err="1" smtClean="0"/>
-              <a:t>etc</a:t>
-            </a:r>
-            <a:r>
-              <a:rPr lang="fr-FR" dirty="0" smtClean="0"/>
-              <a:t>)</a:t>
-            </a:r>
-          </a:p>
-          <a:p>
-            <a:r>
-              <a:rPr lang="fr-FR" dirty="0" smtClean="0"/>
-              <a:t>L’être humain est quasiment incapable d’écrire l’algorithme</a:t>
-            </a:r>
-          </a:p>
-          <a:p>
-            <a:r>
-              <a:rPr lang="fr-FR" dirty="0" smtClean="0"/>
-              <a:t>Pour </a:t>
+              <a:t>, dont vous avez peut-être déjà entendu parler :</a:t>
+            </a:r>
+          </a:p>
+          <a:p>
+            <a:pPr lvl="1"/>
+            <a:r>
+              <a:rPr lang="fr-FR" dirty="0" smtClean="0"/>
+              <a:t>La </a:t>
             </a:r>
             <a:r>
               <a:rPr lang="fr-FR" dirty="0"/>
-              <a:t>cela, il va d'abord falloir lui entrer un jeu de données d'exemples afin qu'il puisse s'entraîner et s'améliorer, d'où le mot </a:t>
-            </a:r>
-            <a:r>
-              <a:rPr lang="fr-FR" dirty="0" smtClean="0"/>
-              <a:t>apprentissage</a:t>
-            </a:r>
-          </a:p>
-          <a:p>
-            <a:r>
-              <a:rPr lang="fr-FR" dirty="0" smtClean="0"/>
-              <a:t>Ce </a:t>
-            </a:r>
+              <a:t>régression linéaire</a:t>
+            </a:r>
+          </a:p>
+          <a:p>
+            <a:pPr lvl="1"/>
+            <a:r>
+              <a:rPr lang="fr-FR" dirty="0" err="1"/>
+              <a:t>K-nn</a:t>
+            </a:r>
+            <a:endParaRPr lang="fr-FR" dirty="0"/>
+          </a:p>
+          <a:p>
+            <a:pPr lvl="1"/>
             <a:r>
               <a:rPr lang="fr-FR" dirty="0"/>
-              <a:t>jeu de données s'appelle le </a:t>
-            </a:r>
-            <a:r>
-              <a:rPr lang="fr-FR" dirty="0" smtClean="0"/>
-              <a:t>training set</a:t>
-            </a:r>
-          </a:p>
-          <a:p>
+              <a:t>Les Support </a:t>
+            </a:r>
+            <a:r>
+              <a:rPr lang="fr-FR" dirty="0" err="1"/>
+              <a:t>Vector</a:t>
+            </a:r>
+            <a:r>
+              <a:rPr lang="fr-FR" dirty="0"/>
+              <a:t> Machine (SVM)</a:t>
+            </a:r>
+          </a:p>
+          <a:p>
+            <a:pPr lvl="1"/>
+            <a:r>
+              <a:rPr lang="fr-FR" dirty="0"/>
+              <a:t>Les réseaux de neurones</a:t>
+            </a:r>
+          </a:p>
+          <a:p>
+            <a:pPr lvl="1"/>
+            <a:r>
+              <a:rPr lang="fr-FR" dirty="0"/>
+              <a:t>Les </a:t>
+            </a:r>
+            <a:r>
+              <a:rPr lang="fr-FR" dirty="0" err="1"/>
+              <a:t>random</a:t>
+            </a:r>
+            <a:r>
+              <a:rPr lang="fr-FR" dirty="0"/>
+              <a:t> </a:t>
+            </a:r>
+            <a:r>
+              <a:rPr lang="fr-FR" dirty="0" err="1"/>
+              <a:t>forests</a:t>
+            </a:r>
             <a:endParaRPr lang="fr-FR" dirty="0"/>
+          </a:p>
+          <a:p>
+            <a:pPr lvl="1"/>
+            <a:r>
+              <a:rPr lang="fr-FR" dirty="0"/>
+              <a:t>etc.</a:t>
+            </a:r>
           </a:p>
         </p:txBody>
       </p:sp>
     </p:spTree>
     <p:extLst>
       <p:ext uri="{BB962C8B-B14F-4D97-AF65-F5344CB8AC3E}">
-        <p14:creationId xmlns:p14="http://schemas.microsoft.com/office/powerpoint/2010/main" val="4203667828"/>
+        <p14:creationId xmlns:p14="http://schemas.microsoft.com/office/powerpoint/2010/main" val="1066145555"/>
       </p:ext>
     </p:extLst>
   </p:cSld>
@@ -5954,61 +5629,45 @@
           <a:p>
             <a:r>
               <a:rPr lang="fr-FR" dirty="0" smtClean="0"/>
-              <a:t>Machine Learning </a:t>
-            </a:r>
-            <a:r>
-              <a:rPr lang="fr-FR" smtClean="0"/>
-              <a:t>vs Programmation</a:t>
+              <a:t>Mesure de performance</a:t>
             </a:r>
             <a:endParaRPr lang="fr-FR" dirty="0"/>
           </a:p>
         </p:txBody>
       </p:sp>
-      <p:pic>
-        <p:nvPicPr>
-          <p:cNvPr id="1026" name="Picture 2" descr="https://dpzbhybb2pdcj.cloudfront.net/allaire/Figures/01fig02.jpg"/>
-          <p:cNvPicPr>
-            <a:picLocks noChangeAspect="1" noChangeArrowheads="1"/>
-          </p:cNvPicPr>
-          <p:nvPr/>
-        </p:nvPicPr>
-        <p:blipFill>
-          <a:blip r:embed="rId2">
-            <a:extLst>
-              <a:ext uri="{28A0092B-C50C-407E-A947-70E740481C1C}">
-                <a14:useLocalDpi xmlns:a14="http://schemas.microsoft.com/office/drawing/2010/main" val="0"/>
-              </a:ext>
-            </a:extLst>
-          </a:blip>
-          <a:srcRect/>
-          <a:stretch>
-            <a:fillRect/>
-          </a:stretch>
-        </p:blipFill>
-        <p:spPr bwMode="auto">
-          <a:xfrm>
-            <a:off x="1979712" y="2420888"/>
-            <a:ext cx="6048672" cy="3069477"/>
-          </a:xfrm>
-          <a:prstGeom prst="rect">
-            <a:avLst/>
-          </a:prstGeom>
-          <a:noFill/>
-          <a:extLst>
-            <a:ext uri="{909E8E84-426E-40DD-AFC4-6F175D3DCCD1}">
-              <a14:hiddenFill xmlns:a14="http://schemas.microsoft.com/office/drawing/2010/main">
-                <a:solidFill>
-                  <a:srgbClr val="FFFFFF"/>
-                </a:solidFill>
-              </a14:hiddenFill>
-            </a:ext>
-          </a:extLst>
-        </p:spPr>
-      </p:pic>
+      <p:sp>
+        <p:nvSpPr>
+          <p:cNvPr id="3" name="Espace réservé du contenu 2"/>
+          <p:cNvSpPr>
+            <a:spLocks noGrp="1"/>
+          </p:cNvSpPr>
+          <p:nvPr>
+            <p:ph idx="1"/>
+          </p:nvPr>
+        </p:nvSpPr>
+        <p:spPr/>
+        <p:txBody>
+          <a:bodyPr/>
+          <a:lstStyle/>
+          <a:p>
+            <a:r>
+              <a:rPr lang="fr-FR" dirty="0"/>
+              <a:t>Mesurer les performances fait partie intégrante du travail de modélisation. Il faut en général déterminer une mesure principale, souvent spécifique à la tâche à </a:t>
+            </a:r>
+            <a:r>
+              <a:rPr lang="fr-FR" dirty="0" smtClean="0"/>
+              <a:t>accomplir</a:t>
+            </a:r>
+          </a:p>
+          <a:p>
+            <a:endParaRPr lang="fr-FR" dirty="0"/>
+          </a:p>
+        </p:txBody>
+      </p:sp>
     </p:spTree>
     <p:extLst>
       <p:ext uri="{BB962C8B-B14F-4D97-AF65-F5344CB8AC3E}">
-        <p14:creationId xmlns:p14="http://schemas.microsoft.com/office/powerpoint/2010/main" val="2463222783"/>
+        <p14:creationId xmlns:p14="http://schemas.microsoft.com/office/powerpoint/2010/main" val="2894775755"/>
       </p:ext>
     </p:extLst>
   </p:cSld>
@@ -6058,53 +5717,113 @@
           </a:p>
         </p:txBody>
       </p:sp>
-      <p:pic>
-        <p:nvPicPr>
-          <p:cNvPr id="6146" name="Picture 2" descr="Un exemple de jeu de données classique (appelé CIFAR-10) qui permet d'entraîner un modèle de machine learning"/>
-          <p:cNvPicPr>
-            <a:picLocks noGrp="1" noChangeAspect="1" noChangeArrowheads="1"/>
-          </p:cNvPicPr>
+      <p:sp>
+        <p:nvSpPr>
+          <p:cNvPr id="3" name="Espace réservé du contenu 2"/>
+          <p:cNvSpPr>
+            <a:spLocks noGrp="1"/>
+          </p:cNvSpPr>
           <p:nvPr>
             <p:ph idx="1"/>
           </p:nvPr>
-        </p:nvPicPr>
-        <p:blipFill>
-          <a:blip r:embed="rId2">
-            <a:extLst>
-              <a:ext uri="{28A0092B-C50C-407E-A947-70E740481C1C}">
-                <a14:useLocalDpi xmlns:a14="http://schemas.microsoft.com/office/drawing/2010/main" val="0"/>
-              </a:ext>
-            </a:extLst>
-          </a:blip>
-          <a:srcRect/>
-          <a:stretch>
-            <a:fillRect/>
-          </a:stretch>
-        </p:blipFill>
-        <p:spPr bwMode="auto">
-          <a:xfrm>
-            <a:off x="970716" y="1156209"/>
-            <a:ext cx="6697627" cy="5177997"/>
-          </a:xfrm>
-          <a:prstGeom prst="rect">
-            <a:avLst/>
-          </a:prstGeom>
-          <a:noFill/>
-          <a:extLst>
-            <a:ext uri="{909E8E84-426E-40DD-AFC4-6F175D3DCCD1}">
-              <a14:hiddenFill xmlns:a14="http://schemas.microsoft.com/office/drawing/2010/main">
-                <a:solidFill>
-                  <a:srgbClr val="FFFFFF"/>
-                </a:solidFill>
-              </a14:hiddenFill>
-            </a:ext>
-          </a:extLst>
-        </p:spPr>
-      </p:pic>
+        </p:nvSpPr>
+        <p:spPr/>
+        <p:txBody>
+          <a:bodyPr/>
+          <a:lstStyle/>
+          <a:p>
+            <a:r>
+              <a:rPr lang="fr-FR" sz="2400" dirty="0"/>
+              <a:t>Imaginez que vous voulez créer un algorithme de détection de fraudes </a:t>
+            </a:r>
+            <a:r>
+              <a:rPr lang="fr-FR" sz="2400" dirty="0" smtClean="0"/>
+              <a:t>bancaires</a:t>
+            </a:r>
+          </a:p>
+          <a:p>
+            <a:pPr lvl="1"/>
+            <a:r>
+              <a:rPr lang="fr-FR" sz="2000" dirty="0" smtClean="0"/>
+              <a:t>Vous </a:t>
+            </a:r>
+            <a:r>
+              <a:rPr lang="fr-FR" sz="2000" dirty="0"/>
+              <a:t>voulez mesurer à quel point votre programme est </a:t>
+            </a:r>
+            <a:r>
+              <a:rPr lang="fr-FR" sz="2000" dirty="0" smtClean="0"/>
+              <a:t>performant</a:t>
+            </a:r>
+          </a:p>
+          <a:p>
+            <a:r>
+              <a:rPr lang="fr-FR" sz="2400" dirty="0" smtClean="0"/>
+              <a:t>Une </a:t>
+            </a:r>
+            <a:r>
+              <a:rPr lang="fr-FR" sz="2400" dirty="0"/>
+              <a:t>manière de faire serait de mesurer la proportion totale de transaction détectées comme </a:t>
+            </a:r>
+            <a:r>
+              <a:rPr lang="fr-FR" sz="2400" dirty="0" smtClean="0"/>
+              <a:t>fraude</a:t>
+            </a:r>
+          </a:p>
+          <a:p>
+            <a:pPr lvl="1"/>
+            <a:r>
+              <a:rPr lang="fr-FR" sz="2000" dirty="0" smtClean="0"/>
+              <a:t>Cependant</a:t>
+            </a:r>
+            <a:r>
+              <a:rPr lang="fr-FR" sz="2000" dirty="0"/>
+              <a:t>, on compte ici les transactions qui ne sont pas des fraudes et qui ont quand même été notées comme en étant (appelé "faux positifs</a:t>
+            </a:r>
+            <a:r>
+              <a:rPr lang="fr-FR" sz="2000" dirty="0" smtClean="0"/>
+              <a:t>")</a:t>
+            </a:r>
+          </a:p>
+          <a:p>
+            <a:pPr lvl="1"/>
+            <a:r>
+              <a:rPr lang="fr-FR" sz="2000" dirty="0" smtClean="0"/>
+              <a:t>Donc</a:t>
+            </a:r>
+            <a:r>
+              <a:rPr lang="fr-FR" sz="2000" dirty="0"/>
+              <a:t>, avec ce genre de métriques, on est pas exigeant sur ce type d'erreur que produit notre </a:t>
+            </a:r>
+            <a:r>
+              <a:rPr lang="fr-FR" sz="2000" dirty="0" smtClean="0"/>
+              <a:t>algorithme</a:t>
+            </a:r>
+          </a:p>
+          <a:p>
+            <a:r>
+              <a:rPr lang="fr-FR" sz="2400" dirty="0" smtClean="0"/>
+              <a:t>Il </a:t>
+            </a:r>
+            <a:r>
+              <a:rPr lang="fr-FR" sz="2400" dirty="0"/>
+              <a:t>faut peut être, utiliser une autre métrique plus pertinente. Par exemple, la précision qui est la proportion de "vraies fraudes" détectées par rapport au total de transactions </a:t>
+            </a:r>
+            <a:r>
+              <a:rPr lang="fr-FR" sz="2400" dirty="0" err="1"/>
+              <a:t>flagées</a:t>
+            </a:r>
+            <a:r>
+              <a:rPr lang="fr-FR" sz="2400" dirty="0"/>
+              <a:t> comme fraudes</a:t>
+            </a:r>
+          </a:p>
+        </p:txBody>
+      </p:sp>
     </p:spTree>
     <p:extLst>
       <p:ext uri="{BB962C8B-B14F-4D97-AF65-F5344CB8AC3E}">
-        <p14:creationId xmlns:p14="http://schemas.microsoft.com/office/powerpoint/2010/main" val="4270934388"/>
+        <p14:creationId xmlns:p14="http://schemas.microsoft.com/office/powerpoint/2010/main" val="143823929"/>
       </p:ext>
     </p:extLst>
   </p:cSld>
@@ -6148,59 +5867,45 @@
           <a:p>
             <a:r>
               <a:rPr lang="fr-FR" dirty="0" smtClean="0"/>
-              <a:t>Workflow</a:t>
+              <a:t>Autre exemple</a:t>
             </a:r>
             <a:endParaRPr lang="fr-FR" dirty="0"/>
           </a:p>
         </p:txBody>
       </p:sp>
-      <p:pic>
-        <p:nvPicPr>
-          <p:cNvPr id="7170" name="Picture 2" descr="Un détail de des deux phases du process de machine learning."/>
-          <p:cNvPicPr>
-            <a:picLocks noGrp="1" noChangeAspect="1" noChangeArrowheads="1"/>
-          </p:cNvPicPr>
+      <p:sp>
+        <p:nvSpPr>
+          <p:cNvPr id="3" name="Espace réservé du contenu 2"/>
+          <p:cNvSpPr>
+            <a:spLocks noGrp="1"/>
+          </p:cNvSpPr>
           <p:nvPr>
             <p:ph idx="1"/>
           </p:nvPr>
-        </p:nvPicPr>
-        <p:blipFill>
-          <a:blip r:embed="rId2">
-            <a:extLst>
-              <a:ext uri="{28A0092B-C50C-407E-A947-70E740481C1C}">
-                <a14:useLocalDpi xmlns:a14="http://schemas.microsoft.com/office/drawing/2010/main" val="0"/>
-              </a:ext>
-            </a:extLst>
-          </a:blip>
-          <a:srcRect/>
-          <a:stretch>
-            <a:fillRect/>
-          </a:stretch>
-        </p:blipFill>
-        <p:spPr bwMode="auto">
-          <a:xfrm>
-            <a:off x="1187624" y="1268760"/>
-            <a:ext cx="6902073" cy="4678809"/>
-          </a:xfrm>
-          <a:prstGeom prst="rect">
-            <a:avLst/>
-          </a:prstGeom>
-          <a:noFill/>
-          <a:extLst>
-            <a:ext uri="{909E8E84-426E-40DD-AFC4-6F175D3DCCD1}">
-              <a14:hiddenFill xmlns:a14="http://schemas.microsoft.com/office/drawing/2010/main">
-                <a:solidFill>
-                  <a:srgbClr val="FFFFFF"/>
-                </a:solidFill>
-              </a14:hiddenFill>
-            </a:ext>
-          </a:extLst>
-        </p:spPr>
-      </p:pic>
+        </p:nvSpPr>
+        <p:spPr/>
+        <p:txBody>
+          <a:bodyPr/>
+          <a:lstStyle/>
+          <a:p>
+            <a:r>
+              <a:rPr lang="fr-FR" dirty="0" smtClean="0"/>
+              <a:t>Dans la détection de maladie comme la méningite le nombre de faux positif n’est pas très important</a:t>
+            </a:r>
+          </a:p>
+          <a:p>
+            <a:r>
+              <a:rPr lang="fr-FR" dirty="0" smtClean="0"/>
+              <a:t>Alors que le nombre de faux négatif est potentiellement mortel</a:t>
+            </a:r>
+            <a:endParaRPr lang="fr-FR" dirty="0"/>
+          </a:p>
+        </p:txBody>
+      </p:sp>
     </p:spTree>
     <p:extLst>
       <p:ext uri="{BB962C8B-B14F-4D97-AF65-F5344CB8AC3E}">
-        <p14:creationId xmlns:p14="http://schemas.microsoft.com/office/powerpoint/2010/main" val="980869345"/>
+        <p14:creationId xmlns:p14="http://schemas.microsoft.com/office/powerpoint/2010/main" val="2895228986"/>
       </p:ext>
     </p:extLst>
   </p:cSld>
@@ -6244,7 +5949,7 @@
           <a:p>
             <a:r>
               <a:rPr lang="fr-FR" dirty="0" smtClean="0"/>
-              <a:t>Notre travail</a:t>
+              <a:t>Problème de la recommandation</a:t>
             </a:r>
             <a:endParaRPr lang="fr-FR" dirty="0"/>
           </a:p>
@@ -6266,89 +5971,106 @@
           <a:lstStyle/>
           <a:p>
             <a:r>
-              <a:rPr lang="fr-FR" dirty="0"/>
-              <a:t>L</a:t>
-            </a:r>
-            <a:r>
-              <a:rPr lang="fr-FR" dirty="0" smtClean="0"/>
-              <a:t>e </a:t>
-            </a:r>
-            <a:r>
-              <a:rPr lang="fr-FR" dirty="0"/>
-              <a:t>travail du data </a:t>
-            </a:r>
-            <a:r>
-              <a:rPr lang="fr-FR" dirty="0" err="1"/>
-              <a:t>scientist</a:t>
-            </a:r>
-            <a:r>
-              <a:rPr lang="fr-FR" dirty="0"/>
-              <a:t> en machine </a:t>
-            </a:r>
-            <a:r>
-              <a:rPr lang="fr-FR" dirty="0" err="1"/>
-              <a:t>learning</a:t>
-            </a:r>
-            <a:r>
-              <a:rPr lang="fr-FR" dirty="0"/>
-              <a:t> consiste à sélectionner les bonnes données test, choisir et entraîner le bon algorithme en vérifiant grâce à l'analyse d'erreurs que le modèle devient de plus en plus performant et </a:t>
-            </a:r>
-            <a:r>
-              <a:rPr lang="fr-FR" dirty="0" smtClean="0"/>
-              <a:t>robuste</a:t>
-            </a:r>
-          </a:p>
-          <a:p>
-            <a:r>
-              <a:rPr lang="fr-FR" dirty="0" smtClean="0"/>
-              <a:t>Si </a:t>
-            </a:r>
-            <a:r>
-              <a:rPr lang="fr-FR" dirty="0"/>
-              <a:t>les performances s'améliorent lorsqu'on lui fourni les données d'entraînement, on dit alors que la machine "apprend".</a:t>
-            </a:r>
-          </a:p>
-          <a:p>
-            <a:r>
-              <a:rPr lang="fr-FR" dirty="0" smtClean="0"/>
-              <a:t>Le </a:t>
-            </a:r>
-            <a:r>
-              <a:rPr lang="fr-FR" dirty="0"/>
-              <a:t>data </a:t>
-            </a:r>
-            <a:r>
-              <a:rPr lang="fr-FR" dirty="0" err="1"/>
-              <a:t>scientist</a:t>
-            </a:r>
-            <a:r>
-              <a:rPr lang="fr-FR" dirty="0"/>
-              <a:t> peut ensuite </a:t>
-            </a:r>
-            <a:r>
-              <a:rPr lang="fr-FR" dirty="0" smtClean="0"/>
-              <a:t>déployer le modèle </a:t>
-            </a:r>
-            <a:r>
-              <a:rPr lang="fr-FR" dirty="0"/>
-              <a:t>afin qu'il traite de nouvelles données, pour accomplir la tâche </a:t>
-            </a:r>
-            <a:r>
-              <a:rPr lang="fr-FR" dirty="0" smtClean="0"/>
-              <a:t>(prédiction</a:t>
-            </a:r>
-            <a:r>
-              <a:rPr lang="fr-FR" smtClean="0"/>
-              <a:t>, décision, ...).</a:t>
-            </a:r>
-            <a:endParaRPr lang="fr-FR" dirty="0"/>
+              <a:rPr lang="fr-FR" sz="2400" dirty="0"/>
+              <a:t>La recommandation est une problématique qui revient très souvent pour les data </a:t>
+            </a:r>
+            <a:r>
+              <a:rPr lang="fr-FR" sz="2400" dirty="0" err="1" smtClean="0"/>
+              <a:t>scientists</a:t>
+            </a:r>
+            <a:endParaRPr lang="fr-FR" sz="2400" dirty="0" smtClean="0"/>
+          </a:p>
+          <a:p>
+            <a:r>
+              <a:rPr lang="fr-FR" sz="2400" dirty="0" smtClean="0"/>
+              <a:t>Suggérer </a:t>
+            </a:r>
+            <a:r>
+              <a:rPr lang="fr-FR" sz="2400" dirty="0"/>
+              <a:t>d'autres produits à acheter sur Amazon, des films à regarder sur </a:t>
+            </a:r>
+            <a:r>
+              <a:rPr lang="fr-FR" sz="2400" dirty="0" err="1"/>
+              <a:t>Netflix</a:t>
+            </a:r>
+            <a:r>
+              <a:rPr lang="fr-FR" sz="2400" dirty="0"/>
+              <a:t>, des musiques à écouter sur </a:t>
+            </a:r>
+            <a:r>
+              <a:rPr lang="fr-FR" sz="2400" dirty="0" err="1"/>
+              <a:t>Spotify</a:t>
+            </a:r>
+            <a:r>
+              <a:rPr lang="fr-FR" sz="2400" dirty="0"/>
+              <a:t>, </a:t>
+            </a:r>
+            <a:r>
+              <a:rPr lang="fr-FR" sz="2400" dirty="0" err="1" smtClean="0"/>
+              <a:t>etc</a:t>
+            </a:r>
+            <a:endParaRPr lang="fr-FR" sz="2400" dirty="0" smtClean="0"/>
+          </a:p>
+          <a:p>
+            <a:pPr lvl="1"/>
+            <a:r>
+              <a:rPr lang="fr-FR" sz="2000" dirty="0" smtClean="0"/>
+              <a:t>La recommandation </a:t>
+            </a:r>
+            <a:r>
+              <a:rPr lang="fr-FR" sz="2000" dirty="0" err="1" smtClean="0"/>
+              <a:t>Spotify</a:t>
+            </a:r>
+            <a:r>
+              <a:rPr lang="fr-FR" sz="2000" dirty="0" smtClean="0"/>
+              <a:t> est en Python</a:t>
+            </a:r>
+          </a:p>
+          <a:p>
+            <a:r>
+              <a:rPr lang="fr-FR" sz="2400" dirty="0"/>
+              <a:t>Mais du coup c'est de la classification ? de la régression ? supervisé ? non-supervisé </a:t>
+            </a:r>
+            <a:r>
+              <a:rPr lang="fr-FR" sz="2400" dirty="0" smtClean="0"/>
+              <a:t>?</a:t>
+            </a:r>
+          </a:p>
+          <a:p>
+            <a:r>
+              <a:rPr lang="fr-FR" sz="2400" dirty="0"/>
+              <a:t> Une technique largement répandue est le "collaborative </a:t>
+            </a:r>
+            <a:r>
+              <a:rPr lang="fr-FR" sz="2400" dirty="0" err="1"/>
+              <a:t>filtering</a:t>
+            </a:r>
+            <a:r>
+              <a:rPr lang="fr-FR" sz="2400" dirty="0"/>
+              <a:t>", qui se base sur des </a:t>
+            </a:r>
+            <a:r>
+              <a:rPr lang="fr-FR" sz="2400" dirty="0" smtClean="0"/>
+              <a:t>similarités</a:t>
+            </a:r>
+          </a:p>
+          <a:p>
+            <a:pPr lvl="1"/>
+            <a:r>
+              <a:rPr lang="fr-FR" sz="2000" dirty="0" smtClean="0"/>
+              <a:t>c'est </a:t>
+            </a:r>
+            <a:r>
+              <a:rPr lang="fr-FR" sz="2000" dirty="0"/>
+              <a:t>un problème non-supervisé</a:t>
+            </a:r>
           </a:p>
         </p:txBody>
       </p:sp>
     </p:spTree>
     <p:extLst>
       <p:ext uri="{BB962C8B-B14F-4D97-AF65-F5344CB8AC3E}">
-        <p14:creationId xmlns:p14="http://schemas.microsoft.com/office/powerpoint/2010/main" val="2008487266"/>
+        <p14:creationId xmlns:p14="http://schemas.microsoft.com/office/powerpoint/2010/main" val="4087256749"/>
       </p:ext>
     </p:extLst>
   </p:cSld>
@@ -6391,12 +6113,12 @@
           <a:lstStyle/>
           <a:p>
             <a:r>
-              <a:rPr lang="fr-FR" dirty="0"/>
-              <a:t>L'algorithme </a:t>
-            </a:r>
-            <a:r>
-              <a:rPr lang="fr-FR" dirty="0" smtClean="0"/>
-              <a:t>d'apprentissage</a:t>
+              <a:rPr lang="fr-FR" dirty="0" smtClean="0"/>
+              <a:t>Démarrer le machine </a:t>
+            </a:r>
+            <a:r>
+              <a:rPr lang="fr-FR" dirty="0" err="1" smtClean="0"/>
+              <a:t>learning</a:t>
             </a:r>
             <a:endParaRPr lang="fr-FR" dirty="0"/>
           </a:p>
@@ -6418,51 +6140,129 @@
           <a:lstStyle/>
           <a:p>
             <a:r>
+              <a:rPr lang="fr-FR" dirty="0" smtClean="0"/>
+              <a:t>Nous avons un </a:t>
+            </a:r>
+            <a:r>
+              <a:rPr lang="fr-FR" dirty="0" err="1" smtClean="0"/>
+              <a:t>datalake</a:t>
+            </a:r>
+            <a:endParaRPr lang="fr-FR" dirty="0" smtClean="0"/>
+          </a:p>
+          <a:p>
+            <a:r>
+              <a:rPr lang="fr-FR" dirty="0" smtClean="0"/>
+              <a:t>Nous avons le </a:t>
+            </a:r>
+            <a:r>
+              <a:rPr lang="fr-FR" dirty="0" err="1" smtClean="0"/>
+              <a:t>datamart</a:t>
+            </a:r>
+            <a:r>
+              <a:rPr lang="fr-FR" dirty="0" smtClean="0"/>
+              <a:t> structuré et nettoyé</a:t>
+            </a:r>
+          </a:p>
+          <a:p>
+            <a:r>
+              <a:rPr lang="fr-FR" dirty="0" smtClean="0"/>
+              <a:t>L’objectif </a:t>
+            </a:r>
+            <a:r>
               <a:rPr lang="fr-FR" dirty="0"/>
-              <a:t>L'algorithme d'apprentissage constitue la méthode avec laquelle le modèle statistique va se paramétrer à partir des données </a:t>
-            </a:r>
-            <a:r>
-              <a:rPr lang="fr-FR" dirty="0" smtClean="0"/>
-              <a:t>d'exemple</a:t>
+              <a:t>du machine </a:t>
+            </a:r>
+            <a:r>
+              <a:rPr lang="fr-FR" dirty="0" err="1"/>
+              <a:t>learning</a:t>
+            </a:r>
+            <a:r>
+              <a:rPr lang="fr-FR" dirty="0"/>
+              <a:t> est de trouver un modèle qui effectue une approximation de la </a:t>
+            </a:r>
+            <a:r>
+              <a:rPr lang="fr-FR" dirty="0" smtClean="0"/>
+              <a:t>réalité, </a:t>
+            </a:r>
+            <a:r>
+              <a:rPr lang="fr-FR" dirty="0"/>
+              <a:t>à l’aide de laquelle on va pouvoir effectuer des </a:t>
+            </a:r>
+            <a:r>
+              <a:rPr lang="fr-FR" dirty="0" smtClean="0"/>
+              <a:t>prédictions</a:t>
+            </a:r>
+          </a:p>
+          <a:p>
+            <a:r>
+              <a:rPr lang="fr-FR" dirty="0" smtClean="0"/>
+              <a:t>DATA = Model + Bruit</a:t>
             </a:r>
           </a:p>
           <a:p>
             <a:pPr lvl="1"/>
             <a:r>
               <a:rPr lang="fr-FR" dirty="0" smtClean="0"/>
-              <a:t>Il </a:t>
-            </a:r>
-            <a:r>
-              <a:rPr lang="fr-FR" dirty="0"/>
-              <a:t>existe de nombreux algorithmes différents </a:t>
-            </a:r>
-            <a:r>
-              <a:rPr lang="fr-FR" dirty="0" smtClean="0"/>
-              <a:t>!</a:t>
+              <a:t>Model = cercle</a:t>
             </a:r>
           </a:p>
           <a:p>
             <a:pPr lvl="1"/>
             <a:r>
               <a:rPr lang="fr-FR" dirty="0" smtClean="0"/>
-              <a:t>On </a:t>
-            </a:r>
-            <a:r>
-              <a:rPr lang="fr-FR" dirty="0"/>
-              <a:t>choisira un type d'algorithme particulier en fonction du type de tâche que l'on souhaite accomplir et du type de données dont on </a:t>
-            </a:r>
-            <a:r>
-              <a:rPr lang="fr-FR" dirty="0" smtClean="0"/>
-              <a:t>dispose</a:t>
-            </a:r>
+              <a:t>Bruit = écart data réelle vs cercle</a:t>
+            </a:r>
+          </a:p>
+          <a:p>
             <a:endParaRPr lang="fr-FR" dirty="0"/>
           </a:p>
         </p:txBody>
       </p:sp>
+      <p:pic>
+        <p:nvPicPr>
+          <p:cNvPr id="5122" name="Picture 2" descr="Ici on voit facilement qu'on peut approximer le modèle à l'origine des données par un cercle"/>
+          <p:cNvPicPr>
+            <a:picLocks noChangeAspect="1" noChangeArrowheads="1"/>
+          </p:cNvPicPr>
+          <p:nvPr/>
+        </p:nvPicPr>
+        <p:blipFill>
+          <a:blip r:embed="rId2">
+            <a:extLst>
+              <a:ext uri="{28A0092B-C50C-407E-A947-70E740481C1C}">
+                <a14:useLocalDpi xmlns:a14="http://schemas.microsoft.com/office/drawing/2010/main" val="0"/>
+              </a:ext>
+            </a:extLst>
+          </a:blip>
+          <a:srcRect/>
+          <a:stretch>
+            <a:fillRect/>
+          </a:stretch>
+        </p:blipFill>
+        <p:spPr bwMode="auto">
+          <a:xfrm>
+            <a:off x="5436096" y="3753747"/>
+            <a:ext cx="3096344" cy="2956156"/>
+          </a:xfrm>
+          <a:prstGeom prst="rect">
+            <a:avLst/>
+          </a:prstGeom>
+          <a:noFill/>
+          <a:extLst>
+            <a:ext uri="{909E8E84-426E-40DD-AFC4-6F175D3DCCD1}">
+              <a14:hiddenFill xmlns:a14="http://schemas.microsoft.com/office/drawing/2010/main">
+                <a:solidFill>
+                  <a:srgbClr val="FFFFFF"/>
+                </a:solidFill>
+              </a14:hiddenFill>
+            </a:ext>
+          </a:extLst>
+        </p:spPr>
+      </p:pic>
     </p:spTree>
     <p:extLst>
       <p:ext uri="{BB962C8B-B14F-4D97-AF65-F5344CB8AC3E}">
-        <p14:creationId xmlns:p14="http://schemas.microsoft.com/office/powerpoint/2010/main" val="701142805"/>
+        <p14:creationId xmlns:p14="http://schemas.microsoft.com/office/powerpoint/2010/main" val="969752323"/>
       </p:ext>
     </p:extLst>
   </p:cSld>
@@ -6505,8 +6305,8 @@
           <a:lstStyle/>
           <a:p>
             <a:r>
-              <a:rPr lang="fr-FR" dirty="0" smtClean="0"/>
-              <a:t>Exemples</a:t>
+              <a:rPr lang="fr-FR" dirty="0" err="1" smtClean="0"/>
+              <a:t>Loss</a:t>
             </a:r>
             <a:endParaRPr lang="fr-FR" dirty="0"/>
           </a:p>
@@ -6529,83 +6329,37 @@
           <a:p>
             <a:r>
               <a:rPr lang="fr-FR" dirty="0"/>
-              <a:t>Quelques exemples d'algorithmes de machine </a:t>
+              <a:t>En apprentissage supervisé, la notion principale est celle de perte d’information (</a:t>
             </a:r>
             <a:r>
               <a:rPr lang="fr-FR" dirty="0" err="1"/>
-              <a:t>learning</a:t>
+              <a:t>loss</a:t>
             </a:r>
             <a:r>
               <a:rPr lang="fr-FR" dirty="0"/>
-              <a:t>, dont vous avez peut-être déjà entendu parler :</a:t>
-            </a:r>
-          </a:p>
-          <a:p>
-            <a:pPr lvl="1"/>
-            <a:r>
-              <a:rPr lang="fr-FR" dirty="0" smtClean="0"/>
-              <a:t>La </a:t>
+              <a:t> en anglais) due à l'approximation </a:t>
+            </a:r>
+            <a:r>
+              <a:rPr lang="fr-FR" dirty="0" smtClean="0"/>
+              <a:t>du modèle</a:t>
+            </a:r>
+          </a:p>
+          <a:p>
+            <a:r>
+              <a:rPr lang="fr-FR" dirty="0" smtClean="0"/>
+              <a:t>Elle </a:t>
             </a:r>
             <a:r>
               <a:rPr lang="fr-FR" dirty="0"/>
-              <a:t>régression linéaire</a:t>
-            </a:r>
-          </a:p>
-          <a:p>
-            <a:pPr lvl="1"/>
-            <a:r>
-              <a:rPr lang="fr-FR" dirty="0" err="1"/>
-              <a:t>K-nn</a:t>
-            </a:r>
-            <a:endParaRPr lang="fr-FR" dirty="0"/>
-          </a:p>
-          <a:p>
-            <a:pPr lvl="1"/>
+              <a:t>détermine à quel point notre modélisation du phénomène, qui est une approximation de la </a:t>
+            </a:r>
+            <a:r>
+              <a:rPr lang="fr-FR" dirty="0" smtClean="0"/>
+              <a:t>réalité (régression), </a:t>
+            </a:r>
             <a:r>
               <a:rPr lang="fr-FR" dirty="0"/>
-              <a:t>Les Support </a:t>
-            </a:r>
-            <a:r>
-              <a:rPr lang="fr-FR" dirty="0" err="1"/>
-              <a:t>Vector</a:t>
-            </a:r>
-            <a:r>
-              <a:rPr lang="fr-FR" dirty="0"/>
-              <a:t> Machine (SVM)</a:t>
-            </a:r>
-          </a:p>
-          <a:p>
-            <a:pPr lvl="1"/>
-            <a:r>
-              <a:rPr lang="fr-FR" dirty="0"/>
-              <a:t>Les réseaux de neurones</a:t>
-            </a:r>
-          </a:p>
-          <a:p>
-            <a:pPr lvl="1"/>
-            <a:r>
-              <a:rPr lang="fr-FR" dirty="0"/>
-              <a:t>Les </a:t>
-            </a:r>
-            <a:r>
-              <a:rPr lang="fr-FR" dirty="0" err="1"/>
-              <a:t>random</a:t>
-            </a:r>
-            <a:r>
-              <a:rPr lang="fr-FR" dirty="0"/>
-              <a:t> </a:t>
-            </a:r>
-            <a:r>
-              <a:rPr lang="fr-FR" dirty="0" err="1"/>
-              <a:t>forests</a:t>
-            </a:r>
-            <a:endParaRPr lang="fr-FR" dirty="0"/>
-          </a:p>
-          <a:p>
-            <a:pPr lvl="1"/>
-            <a:r>
-              <a:rPr lang="fr-FR" dirty="0"/>
-              <a:t>etc.</a:t>
+              <a:t>perd de l’information par rapport à la réalité observée à travers les données d’exemple</a:t>
             </a:r>
           </a:p>
         </p:txBody>
@@ -6613,7 +6367,7 @@
     </p:spTree>
     <p:extLst>
       <p:ext uri="{BB962C8B-B14F-4D97-AF65-F5344CB8AC3E}">
-        <p14:creationId xmlns:p14="http://schemas.microsoft.com/office/powerpoint/2010/main" val="1066145555"/>
+        <p14:creationId xmlns:p14="http://schemas.microsoft.com/office/powerpoint/2010/main" val="3147564616"/>
       </p:ext>
     </p:extLst>
   </p:cSld>
@@ -6656,8 +6410,16 @@
           <a:lstStyle/>
           <a:p>
             <a:r>
-              <a:rPr lang="fr-FR" dirty="0" smtClean="0"/>
-              <a:t>Mesure de performance</a:t>
+              <a:rPr lang="fr-FR" altLang="fr-FR" dirty="0" err="1"/>
+              <a:t>Nearest</a:t>
+            </a:r>
+            <a:r>
+              <a:rPr lang="fr-FR" altLang="fr-FR" dirty="0"/>
+              <a:t> </a:t>
+            </a:r>
+            <a:r>
+              <a:rPr lang="fr-FR" altLang="fr-FR" dirty="0" smtClean="0"/>
+              <a:t>Neighbors</a:t>
             </a:r>
             <a:endParaRPr lang="fr-FR" dirty="0"/>
           </a:p>
@@ -6680,14 +6442,56 @@
           <a:p>
             <a:r>
               <a:rPr lang="fr-FR" dirty="0"/>
-              <a:t>Mesurer les performances fait partie intégrante du travail de modélisation. Il faut en général déterminer une mesure principale, souvent spécifique à la tâche à </a:t>
-            </a:r>
-            <a:r>
-              <a:rPr lang="fr-FR" dirty="0" smtClean="0"/>
-              <a:t>accomplir</a:t>
-            </a:r>
-          </a:p>
-          <a:p>
+              <a:t>Le k-NN est le diminutif de k </a:t>
+            </a:r>
+            <a:r>
+              <a:rPr lang="fr-FR" dirty="0" err="1"/>
+              <a:t>Nearest</a:t>
+            </a:r>
+            <a:r>
+              <a:rPr lang="fr-FR" dirty="0"/>
+              <a:t> </a:t>
+            </a:r>
+            <a:r>
+              <a:rPr lang="fr-FR" dirty="0" smtClean="0"/>
+              <a:t>Neighbors</a:t>
+            </a:r>
+          </a:p>
+          <a:p>
+            <a:r>
+              <a:rPr lang="fr-FR" dirty="0" smtClean="0"/>
+              <a:t>C’est </a:t>
+            </a:r>
+            <a:r>
+              <a:rPr lang="fr-FR" dirty="0"/>
+              <a:t>un algorithme qui peut servir autant pour la classification que la </a:t>
+            </a:r>
+            <a:r>
+              <a:rPr lang="fr-FR" dirty="0" smtClean="0"/>
+              <a:t>régression</a:t>
+            </a:r>
+          </a:p>
+          <a:p>
+            <a:r>
+              <a:rPr lang="fr-FR" dirty="0" smtClean="0"/>
+              <a:t>Son </a:t>
+            </a:r>
+            <a:r>
+              <a:rPr lang="fr-FR" dirty="0"/>
+              <a:t>principe </a:t>
+            </a:r>
+            <a:r>
+              <a:rPr lang="fr-FR" dirty="0" smtClean="0"/>
+              <a:t>est de choisir </a:t>
+            </a:r>
+            <a:r>
+              <a:rPr lang="fr-FR" dirty="0"/>
+              <a:t>les k données les plus proches du point étudié afin d’en prédire sa valeur</a:t>
+            </a:r>
+            <a:endParaRPr lang="fr-FR" dirty="0" smtClean="0"/>
+          </a:p>
+          <a:p>
+            <a:pPr lvl="1"/>
             <a:endParaRPr lang="fr-FR" dirty="0"/>
           </a:p>
         </p:txBody>
@@ -6695,13 +6499,20 @@
     </p:spTree>
     <p:extLst>
       <p:ext uri="{BB962C8B-B14F-4D97-AF65-F5344CB8AC3E}">
-        <p14:creationId xmlns:p14="http://schemas.microsoft.com/office/powerpoint/2010/main" val="2894775755"/>
+        <p14:creationId xmlns:p14="http://schemas.microsoft.com/office/powerpoint/2010/main" val="2921624976"/>
       </p:ext>
     </p:extLst>
   </p:cSld>
   <p:clrMapOvr>
     <a:masterClrMapping/>
   </p:clrMapOvr>
+  <p:timing>
+    <p:tnLst>
+      <p:par>
+        <p:cTn id="1" dur="indefinite" restart="never" nodeType="tmRoot"/>
+      </p:par>
+    </p:tnLst>
+  </p:timing>
 </p:sld>
 </file>
 
@@ -6739,7 +6550,7 @@
           <a:p>
             <a:r>
               <a:rPr lang="fr-FR" dirty="0" smtClean="0"/>
-              <a:t>Exemple</a:t>
+              <a:t>Explication</a:t>
             </a:r>
             <a:endParaRPr lang="fr-FR" dirty="0"/>
           </a:p>
@@ -6761,103 +6572,79 @@
           <a:lstStyle/>
           <a:p>
             <a:r>
-              <a:rPr lang="fr-FR" sz="2400" dirty="0"/>
-              <a:t>Imaginez que vous voulez créer un algorithme de détection de fraudes </a:t>
-            </a:r>
-            <a:r>
-              <a:rPr lang="fr-FR" sz="2400" dirty="0" smtClean="0"/>
-              <a:t>bancaires</a:t>
-            </a:r>
-          </a:p>
-          <a:p>
-            <a:pPr lvl="1"/>
-            <a:r>
-              <a:rPr lang="fr-FR" sz="2000" dirty="0" smtClean="0"/>
-              <a:t>Vous </a:t>
-            </a:r>
-            <a:r>
-              <a:rPr lang="fr-FR" sz="2000" dirty="0"/>
-              <a:t>voulez mesurer à quel point votre programme est </a:t>
-            </a:r>
-            <a:r>
-              <a:rPr lang="fr-FR" sz="2000" dirty="0" smtClean="0"/>
-              <a:t>performant</a:t>
-            </a:r>
-          </a:p>
-          <a:p>
-            <a:r>
-              <a:rPr lang="fr-FR" sz="2400" dirty="0" smtClean="0"/>
-              <a:t>Une </a:t>
-            </a:r>
-            <a:r>
-              <a:rPr lang="fr-FR" sz="2400" dirty="0"/>
-              <a:t>manière de faire serait de mesurer la proportion totale de transaction détectées comme </a:t>
-            </a:r>
-            <a:r>
-              <a:rPr lang="fr-FR" sz="2400" dirty="0" smtClean="0"/>
-              <a:t>fraude</a:t>
-            </a:r>
-          </a:p>
-          <a:p>
-            <a:pPr lvl="1"/>
-            <a:r>
-              <a:rPr lang="fr-FR" sz="2000" dirty="0" smtClean="0"/>
-              <a:t>Cependant</a:t>
-            </a:r>
-            <a:r>
-              <a:rPr lang="fr-FR" sz="2000" dirty="0"/>
-              <a:t>, on compte ici les transactions qui ne sont pas des fraudes et qui ont quand même été notées comme en étant (appelé "faux positifs</a:t>
-            </a:r>
-            <a:r>
-              <a:rPr lang="fr-FR" sz="2000" dirty="0" smtClean="0"/>
-              <a:t>")</a:t>
-            </a:r>
-          </a:p>
-          <a:p>
-            <a:pPr lvl="1"/>
-            <a:r>
-              <a:rPr lang="fr-FR" sz="2000" dirty="0" smtClean="0"/>
-              <a:t>Donc</a:t>
-            </a:r>
-            <a:r>
-              <a:rPr lang="fr-FR" sz="2000" dirty="0"/>
-              <a:t>, avec ce genre de métriques, on est pas exigeant sur ce type d'erreur que produit notre </a:t>
-            </a:r>
-            <a:r>
-              <a:rPr lang="fr-FR" sz="2000" dirty="0" smtClean="0"/>
-              <a:t>algorithme</a:t>
-            </a:r>
-          </a:p>
-          <a:p>
-            <a:r>
-              <a:rPr lang="fr-FR" sz="2400" dirty="0" smtClean="0"/>
-              <a:t>Il </a:t>
-            </a:r>
-            <a:r>
-              <a:rPr lang="fr-FR" sz="2400" dirty="0"/>
-              <a:t>faut peut être, utiliser une autre métrique plus pertinente. Par exemple, la précision qui est la proportion de "vraies fraudes" détectées par rapport au total de transactions </a:t>
-            </a:r>
-            <a:r>
-              <a:rPr lang="fr-FR" sz="2400" dirty="0" err="1"/>
-              <a:t>flagées</a:t>
-            </a:r>
-            <a:r>
-              <a:rPr lang="fr-FR" sz="2400" dirty="0"/>
-              <a:t> comme fraudes</a:t>
-            </a:r>
-          </a:p>
-        </p:txBody>
-      </p:sp>
+              <a:rPr lang="fr-FR" dirty="0" smtClean="0"/>
+              <a:t>Quelle est la classe de la nouvelle données (en blanc) ?</a:t>
+            </a:r>
+          </a:p>
+          <a:p>
+            <a:pPr marL="0" indent="0">
+              <a:buNone/>
+            </a:pPr>
+            <a:endParaRPr lang="fr-FR" dirty="0" smtClean="0"/>
+          </a:p>
+          <a:p>
+            <a:endParaRPr lang="fr-FR" dirty="0"/>
+          </a:p>
+        </p:txBody>
+      </p:sp>
+      <p:pic>
+        <p:nvPicPr>
+          <p:cNvPr id="1028" name="Picture 4" descr="le point blanc est une nouvelle entrée"/>
+          <p:cNvPicPr>
+            <a:picLocks noChangeAspect="1" noChangeArrowheads="1"/>
+          </p:cNvPicPr>
+          <p:nvPr/>
+        </p:nvPicPr>
+        <p:blipFill>
+          <a:blip r:embed="rId2">
+            <a:extLst>
+              <a:ext uri="{28A0092B-C50C-407E-A947-70E740481C1C}">
+                <a14:useLocalDpi xmlns:a14="http://schemas.microsoft.com/office/drawing/2010/main" val="0"/>
+              </a:ext>
+            </a:extLst>
+          </a:blip>
+          <a:srcRect/>
+          <a:stretch>
+            <a:fillRect/>
+          </a:stretch>
+        </p:blipFill>
+        <p:spPr bwMode="auto">
+          <a:xfrm>
+            <a:off x="2411760" y="2276872"/>
+            <a:ext cx="5112568" cy="3507222"/>
+          </a:xfrm>
+          <a:prstGeom prst="rect">
+            <a:avLst/>
+          </a:prstGeom>
+          <a:noFill/>
+          <a:extLst>
+            <a:ext uri="{909E8E84-426E-40DD-AFC4-6F175D3DCCD1}">
+              <a14:hiddenFill xmlns:a14="http://schemas.microsoft.com/office/drawing/2010/main">
+                <a:solidFill>
+                  <a:srgbClr val="FFFFFF"/>
+                </a:solidFill>
+              </a14:hiddenFill>
+            </a:ext>
+          </a:extLst>
+        </p:spPr>
+      </p:pic>
     </p:spTree>
     <p:extLst>
       <p:ext uri="{BB962C8B-B14F-4D97-AF65-F5344CB8AC3E}">
-        <p14:creationId xmlns:p14="http://schemas.microsoft.com/office/powerpoint/2010/main" val="143823929"/>
+        <p14:creationId xmlns:p14="http://schemas.microsoft.com/office/powerpoint/2010/main" val="1878733558"/>
       </p:ext>
     </p:extLst>
   </p:cSld>
   <p:clrMapOvr>
     <a:masterClrMapping/>
   </p:clrMapOvr>
+  <p:timing>
+    <p:tnLst>
+      <p:par>
+        <p:cTn id="1" dur="indefinite" restart="never" nodeType="tmRoot"/>
+      </p:par>
+    </p:tnLst>
+  </p:timing>
 </p:sld>
 </file>
 
@@ -7107,940 +6894,6 @@
           <a:lstStyle/>
           <a:p>
             <a:r>
-              <a:rPr lang="fr-FR" dirty="0" smtClean="0"/>
-              <a:t>Autre exemple</a:t>
-            </a:r>
-            <a:endParaRPr lang="fr-FR" dirty="0"/>
-          </a:p>
-        </p:txBody>
-      </p:sp>
-      <p:sp>
-        <p:nvSpPr>
-          <p:cNvPr id="3" name="Espace réservé du contenu 2"/>
-          <p:cNvSpPr>
-            <a:spLocks noGrp="1"/>
-          </p:cNvSpPr>
-          <p:nvPr>
-            <p:ph idx="1"/>
-          </p:nvPr>
-        </p:nvSpPr>
-        <p:spPr/>
-        <p:txBody>
-          <a:bodyPr/>
-          <a:lstStyle/>
-          <a:p>
-            <a:r>
-              <a:rPr lang="fr-FR" dirty="0" smtClean="0"/>
-              <a:t>Dans la détection de maladie comme la méningite le nombre de faux positif n’est pas très important</a:t>
-            </a:r>
-          </a:p>
-          <a:p>
-            <a:r>
-              <a:rPr lang="fr-FR" dirty="0" smtClean="0"/>
-              <a:t>Alors que le nombre de faux négatif est potentiellement mortel</a:t>
-            </a:r>
-            <a:endParaRPr lang="fr-FR" dirty="0"/>
-          </a:p>
-        </p:txBody>
-      </p:sp>
-    </p:spTree>
-    <p:extLst>
-      <p:ext uri="{BB962C8B-B14F-4D97-AF65-F5344CB8AC3E}">
-        <p14:creationId xmlns:p14="http://schemas.microsoft.com/office/powerpoint/2010/main" val="2895228986"/>
-      </p:ext>
-    </p:extLst>
-  </p:cSld>
-  <p:clrMapOvr>
-    <a:masterClrMapping/>
-  </p:clrMapOvr>
-</p:sld>
-</file>
-
-<file path=ppt/slides/slide31.xml><?xml version="1.0" encoding="utf-8"?>
-<p:sld xmlns:a="http://schemas.openxmlformats.org/drawingml/2006/main" xmlns:r="http://schemas.openxmlformats.org/officeDocument/2006/relationships" xmlns:p="http://schemas.openxmlformats.org/presentationml/2006/main">
-  <p:cSld>
-    <p:spTree>
-      <p:nvGrpSpPr>
-        <p:cNvPr id="1" name=""/>
-        <p:cNvGrpSpPr/>
-        <p:nvPr/>
-      </p:nvGrpSpPr>
-      <p:grpSpPr>
-        <a:xfrm>
-          <a:off x="0" y="0"/>
-          <a:ext cx="0" cy="0"/>
-          <a:chOff x="0" y="0"/>
-          <a:chExt cx="0" cy="0"/>
-        </a:xfrm>
-      </p:grpSpPr>
-      <p:sp>
-        <p:nvSpPr>
-          <p:cNvPr id="2" name="Titre 1"/>
-          <p:cNvSpPr>
-            <a:spLocks noGrp="1"/>
-          </p:cNvSpPr>
-          <p:nvPr>
-            <p:ph type="title"/>
-          </p:nvPr>
-        </p:nvSpPr>
-        <p:spPr/>
-        <p:txBody>
-          <a:bodyPr/>
-          <a:lstStyle/>
-          <a:p>
-            <a:r>
-              <a:rPr lang="fr-FR" dirty="0" smtClean="0"/>
-              <a:t>Problème de la recommandation</a:t>
-            </a:r>
-            <a:endParaRPr lang="fr-FR" dirty="0"/>
-          </a:p>
-        </p:txBody>
-      </p:sp>
-      <p:sp>
-        <p:nvSpPr>
-          <p:cNvPr id="3" name="Espace réservé du contenu 2"/>
-          <p:cNvSpPr>
-            <a:spLocks noGrp="1"/>
-          </p:cNvSpPr>
-          <p:nvPr>
-            <p:ph idx="1"/>
-          </p:nvPr>
-        </p:nvSpPr>
-        <p:spPr/>
-        <p:txBody>
-          <a:bodyPr/>
-          <a:lstStyle/>
-          <a:p>
-            <a:r>
-              <a:rPr lang="fr-FR" sz="2400" dirty="0"/>
-              <a:t>La recommandation est une problématique qui revient très souvent pour les data </a:t>
-            </a:r>
-            <a:r>
-              <a:rPr lang="fr-FR" sz="2400" dirty="0" err="1" smtClean="0"/>
-              <a:t>scientists</a:t>
-            </a:r>
-            <a:endParaRPr lang="fr-FR" sz="2400" dirty="0" smtClean="0"/>
-          </a:p>
-          <a:p>
-            <a:r>
-              <a:rPr lang="fr-FR" sz="2400" dirty="0" smtClean="0"/>
-              <a:t>Suggérer </a:t>
-            </a:r>
-            <a:r>
-              <a:rPr lang="fr-FR" sz="2400" dirty="0"/>
-              <a:t>d'autres produits à acheter sur Amazon, des films à regarder sur </a:t>
-            </a:r>
-            <a:r>
-              <a:rPr lang="fr-FR" sz="2400" dirty="0" err="1"/>
-              <a:t>Netflix</a:t>
-            </a:r>
-            <a:r>
-              <a:rPr lang="fr-FR" sz="2400" dirty="0"/>
-              <a:t>, des musiques à écouter sur </a:t>
-            </a:r>
-            <a:r>
-              <a:rPr lang="fr-FR" sz="2400" dirty="0" err="1"/>
-              <a:t>Spotify</a:t>
-            </a:r>
-            <a:r>
-              <a:rPr lang="fr-FR" sz="2400" dirty="0"/>
-              <a:t>, </a:t>
-            </a:r>
-            <a:r>
-              <a:rPr lang="fr-FR" sz="2400" dirty="0" err="1" smtClean="0"/>
-              <a:t>etc</a:t>
-            </a:r>
-            <a:endParaRPr lang="fr-FR" sz="2400" dirty="0" smtClean="0"/>
-          </a:p>
-          <a:p>
-            <a:pPr lvl="1"/>
-            <a:r>
-              <a:rPr lang="fr-FR" sz="2000" dirty="0" smtClean="0"/>
-              <a:t>La recommandation </a:t>
-            </a:r>
-            <a:r>
-              <a:rPr lang="fr-FR" sz="2000" dirty="0" err="1" smtClean="0"/>
-              <a:t>Spotify</a:t>
-            </a:r>
-            <a:r>
-              <a:rPr lang="fr-FR" sz="2000" dirty="0" smtClean="0"/>
-              <a:t> est en Python</a:t>
-            </a:r>
-          </a:p>
-          <a:p>
-            <a:r>
-              <a:rPr lang="fr-FR" sz="2400" dirty="0"/>
-              <a:t>Mais du coup c'est de la classification ? de la régression ? supervisé ? non-supervisé </a:t>
-            </a:r>
-            <a:r>
-              <a:rPr lang="fr-FR" sz="2400" dirty="0" smtClean="0"/>
-              <a:t>?</a:t>
-            </a:r>
-          </a:p>
-          <a:p>
-            <a:r>
-              <a:rPr lang="fr-FR" sz="2400" dirty="0"/>
-              <a:t> Une technique largement répandue est le "collaborative </a:t>
-            </a:r>
-            <a:r>
-              <a:rPr lang="fr-FR" sz="2400" dirty="0" err="1"/>
-              <a:t>filtering</a:t>
-            </a:r>
-            <a:r>
-              <a:rPr lang="fr-FR" sz="2400" dirty="0"/>
-              <a:t>", qui se base sur des </a:t>
-            </a:r>
-            <a:r>
-              <a:rPr lang="fr-FR" sz="2400" dirty="0" smtClean="0"/>
-              <a:t>similarités</a:t>
-            </a:r>
-          </a:p>
-          <a:p>
-            <a:pPr lvl="1"/>
-            <a:r>
-              <a:rPr lang="fr-FR" sz="2000" dirty="0" smtClean="0"/>
-              <a:t>c'est </a:t>
-            </a:r>
-            <a:r>
-              <a:rPr lang="fr-FR" sz="2000" dirty="0"/>
-              <a:t>un problème non-supervisé</a:t>
-            </a:r>
-          </a:p>
-        </p:txBody>
-      </p:sp>
-    </p:spTree>
-    <p:extLst>
-      <p:ext uri="{BB962C8B-B14F-4D97-AF65-F5344CB8AC3E}">
-        <p14:creationId xmlns:p14="http://schemas.microsoft.com/office/powerpoint/2010/main" val="4087256749"/>
-      </p:ext>
-    </p:extLst>
-  </p:cSld>
-  <p:clrMapOvr>
-    <a:masterClrMapping/>
-  </p:clrMapOvr>
-</p:sld>
-</file>
-
-<file path=ppt/slides/slide32.xml><?xml version="1.0" encoding="utf-8"?>
-<p:sld xmlns:a="http://schemas.openxmlformats.org/drawingml/2006/main" xmlns:r="http://schemas.openxmlformats.org/officeDocument/2006/relationships" xmlns:p="http://schemas.openxmlformats.org/presentationml/2006/main">
-  <p:cSld>
-    <p:spTree>
-      <p:nvGrpSpPr>
-        <p:cNvPr id="1" name=""/>
-        <p:cNvGrpSpPr/>
-        <p:nvPr/>
-      </p:nvGrpSpPr>
-      <p:grpSpPr>
-        <a:xfrm>
-          <a:off x="0" y="0"/>
-          <a:ext cx="0" cy="0"/>
-          <a:chOff x="0" y="0"/>
-          <a:chExt cx="0" cy="0"/>
-        </a:xfrm>
-      </p:grpSpPr>
-      <p:sp>
-        <p:nvSpPr>
-          <p:cNvPr id="2" name="Titre 1"/>
-          <p:cNvSpPr>
-            <a:spLocks noGrp="1"/>
-          </p:cNvSpPr>
-          <p:nvPr>
-            <p:ph type="title"/>
-          </p:nvPr>
-        </p:nvSpPr>
-        <p:spPr/>
-        <p:txBody>
-          <a:bodyPr/>
-          <a:lstStyle/>
-          <a:p>
-            <a:r>
-              <a:rPr lang="fr-FR" dirty="0" smtClean="0"/>
-              <a:t>Le </a:t>
-            </a:r>
-            <a:r>
-              <a:rPr lang="fr-FR" dirty="0" err="1" smtClean="0"/>
-              <a:t>clustering</a:t>
-            </a:r>
-            <a:endParaRPr lang="fr-FR" dirty="0"/>
-          </a:p>
-        </p:txBody>
-      </p:sp>
-      <p:sp>
-        <p:nvSpPr>
-          <p:cNvPr id="3" name="Espace réservé du contenu 2"/>
-          <p:cNvSpPr>
-            <a:spLocks noGrp="1"/>
-          </p:cNvSpPr>
-          <p:nvPr>
-            <p:ph idx="1"/>
-          </p:nvPr>
-        </p:nvSpPr>
-        <p:spPr/>
-        <p:txBody>
-          <a:bodyPr/>
-          <a:lstStyle/>
-          <a:p>
-            <a:r>
-              <a:rPr lang="fr-FR" dirty="0"/>
-              <a:t>Le </a:t>
-            </a:r>
-            <a:r>
-              <a:rPr lang="fr-FR" dirty="0" err="1"/>
-              <a:t>clustering</a:t>
-            </a:r>
-            <a:r>
-              <a:rPr lang="fr-FR" dirty="0"/>
-              <a:t> désigne les méthodes de regroupement automatique de données qui se ressemblent le plus en un ensemble de "nuages", appelés </a:t>
-            </a:r>
-            <a:r>
-              <a:rPr lang="fr-FR" dirty="0" smtClean="0"/>
-              <a:t>clusters</a:t>
-            </a:r>
-          </a:p>
-          <a:p>
-            <a:r>
-              <a:rPr lang="fr-FR" dirty="0" smtClean="0"/>
-              <a:t>Un </a:t>
-            </a:r>
-            <a:r>
-              <a:rPr lang="fr-FR" dirty="0"/>
-              <a:t>ensemble d'algorithmes non-supervisés peuvent réaliser cette </a:t>
-            </a:r>
-            <a:r>
-              <a:rPr lang="fr-FR" dirty="0" smtClean="0"/>
-              <a:t>tâche</a:t>
-            </a:r>
-          </a:p>
-          <a:p>
-            <a:r>
-              <a:rPr lang="fr-FR" dirty="0" smtClean="0"/>
-              <a:t>Ils </a:t>
-            </a:r>
-            <a:r>
-              <a:rPr lang="fr-FR" dirty="0"/>
-              <a:t>mesurent donc de manière automatique la similarité entre les différentes </a:t>
-            </a:r>
-            <a:r>
-              <a:rPr lang="fr-FR" dirty="0" smtClean="0"/>
-              <a:t>données</a:t>
-            </a:r>
-          </a:p>
-        </p:txBody>
-      </p:sp>
-    </p:spTree>
-    <p:extLst>
-      <p:ext uri="{BB962C8B-B14F-4D97-AF65-F5344CB8AC3E}">
-        <p14:creationId xmlns:p14="http://schemas.microsoft.com/office/powerpoint/2010/main" val="3956727963"/>
-      </p:ext>
-    </p:extLst>
-  </p:cSld>
-  <p:clrMapOvr>
-    <a:masterClrMapping/>
-  </p:clrMapOvr>
-</p:sld>
-</file>
-
-<file path=ppt/slides/slide33.xml><?xml version="1.0" encoding="utf-8"?>
-<p:sld xmlns:a="http://schemas.openxmlformats.org/drawingml/2006/main" xmlns:r="http://schemas.openxmlformats.org/officeDocument/2006/relationships" xmlns:p="http://schemas.openxmlformats.org/presentationml/2006/main">
-  <p:cSld>
-    <p:spTree>
-      <p:nvGrpSpPr>
-        <p:cNvPr id="1" name=""/>
-        <p:cNvGrpSpPr/>
-        <p:nvPr/>
-      </p:nvGrpSpPr>
-      <p:grpSpPr>
-        <a:xfrm>
-          <a:off x="0" y="0"/>
-          <a:ext cx="0" cy="0"/>
-          <a:chOff x="0" y="0"/>
-          <a:chExt cx="0" cy="0"/>
-        </a:xfrm>
-      </p:grpSpPr>
-      <p:sp>
-        <p:nvSpPr>
-          <p:cNvPr id="2" name="Titre 1"/>
-          <p:cNvSpPr>
-            <a:spLocks noGrp="1"/>
-          </p:cNvSpPr>
-          <p:nvPr>
-            <p:ph type="title"/>
-          </p:nvPr>
-        </p:nvSpPr>
-        <p:spPr/>
-        <p:txBody>
-          <a:bodyPr/>
-          <a:lstStyle/>
-          <a:p>
-            <a:r>
-              <a:rPr lang="fr-FR" dirty="0" smtClean="0"/>
-              <a:t>Démarrer le machine </a:t>
-            </a:r>
-            <a:r>
-              <a:rPr lang="fr-FR" dirty="0" err="1" smtClean="0"/>
-              <a:t>learning</a:t>
-            </a:r>
-            <a:endParaRPr lang="fr-FR" dirty="0"/>
-          </a:p>
-        </p:txBody>
-      </p:sp>
-      <p:sp>
-        <p:nvSpPr>
-          <p:cNvPr id="3" name="Espace réservé du contenu 2"/>
-          <p:cNvSpPr>
-            <a:spLocks noGrp="1"/>
-          </p:cNvSpPr>
-          <p:nvPr>
-            <p:ph idx="1"/>
-          </p:nvPr>
-        </p:nvSpPr>
-        <p:spPr/>
-        <p:txBody>
-          <a:bodyPr/>
-          <a:lstStyle/>
-          <a:p>
-            <a:r>
-              <a:rPr lang="fr-FR" dirty="0" smtClean="0"/>
-              <a:t>Nous avons un </a:t>
-            </a:r>
-            <a:r>
-              <a:rPr lang="fr-FR" dirty="0" err="1" smtClean="0"/>
-              <a:t>datalake</a:t>
-            </a:r>
-            <a:endParaRPr lang="fr-FR" dirty="0" smtClean="0"/>
-          </a:p>
-          <a:p>
-            <a:r>
-              <a:rPr lang="fr-FR" dirty="0" smtClean="0"/>
-              <a:t>Nous avons le </a:t>
-            </a:r>
-            <a:r>
-              <a:rPr lang="fr-FR" dirty="0" err="1" smtClean="0"/>
-              <a:t>datamart</a:t>
-            </a:r>
-            <a:r>
-              <a:rPr lang="fr-FR" dirty="0" smtClean="0"/>
-              <a:t> structuré et nettoyé</a:t>
-            </a:r>
-          </a:p>
-          <a:p>
-            <a:r>
-              <a:rPr lang="fr-FR" dirty="0" smtClean="0"/>
-              <a:t>L’objectif </a:t>
-            </a:r>
-            <a:r>
-              <a:rPr lang="fr-FR" dirty="0"/>
-              <a:t>du machine </a:t>
-            </a:r>
-            <a:r>
-              <a:rPr lang="fr-FR" dirty="0" err="1"/>
-              <a:t>learning</a:t>
-            </a:r>
-            <a:r>
-              <a:rPr lang="fr-FR" dirty="0"/>
-              <a:t> est de trouver un modèle qui effectue une approximation de la </a:t>
-            </a:r>
-            <a:r>
-              <a:rPr lang="fr-FR" dirty="0" smtClean="0"/>
-              <a:t>réalité, </a:t>
-            </a:r>
-            <a:r>
-              <a:rPr lang="fr-FR" dirty="0"/>
-              <a:t>à l’aide de laquelle on va pouvoir effectuer des </a:t>
-            </a:r>
-            <a:r>
-              <a:rPr lang="fr-FR" dirty="0" smtClean="0"/>
-              <a:t>prédictions</a:t>
-            </a:r>
-          </a:p>
-          <a:p>
-            <a:r>
-              <a:rPr lang="fr-FR" dirty="0" smtClean="0"/>
-              <a:t>DATA = Model + Bruit</a:t>
-            </a:r>
-          </a:p>
-          <a:p>
-            <a:pPr lvl="1"/>
-            <a:r>
-              <a:rPr lang="fr-FR" dirty="0" smtClean="0"/>
-              <a:t>Model = cercle</a:t>
-            </a:r>
-          </a:p>
-          <a:p>
-            <a:pPr lvl="1"/>
-            <a:r>
-              <a:rPr lang="fr-FR" dirty="0" smtClean="0"/>
-              <a:t>Bruit = écart data réelle vs cercle</a:t>
-            </a:r>
-          </a:p>
-          <a:p>
-            <a:endParaRPr lang="fr-FR" dirty="0"/>
-          </a:p>
-        </p:txBody>
-      </p:sp>
-      <p:pic>
-        <p:nvPicPr>
-          <p:cNvPr id="5122" name="Picture 2" descr="Ici on voit facilement qu'on peut approximer le modèle à l'origine des données par un cercle"/>
-          <p:cNvPicPr>
-            <a:picLocks noChangeAspect="1" noChangeArrowheads="1"/>
-          </p:cNvPicPr>
-          <p:nvPr/>
-        </p:nvPicPr>
-        <p:blipFill>
-          <a:blip r:embed="rId2">
-            <a:extLst>
-              <a:ext uri="{28A0092B-C50C-407E-A947-70E740481C1C}">
-                <a14:useLocalDpi xmlns:a14="http://schemas.microsoft.com/office/drawing/2010/main" val="0"/>
-              </a:ext>
-            </a:extLst>
-          </a:blip>
-          <a:srcRect/>
-          <a:stretch>
-            <a:fillRect/>
-          </a:stretch>
-        </p:blipFill>
-        <p:spPr bwMode="auto">
-          <a:xfrm>
-            <a:off x="5436096" y="3753747"/>
-            <a:ext cx="3096344" cy="2956156"/>
-          </a:xfrm>
-          <a:prstGeom prst="rect">
-            <a:avLst/>
-          </a:prstGeom>
-          <a:noFill/>
-          <a:extLst>
-            <a:ext uri="{909E8E84-426E-40DD-AFC4-6F175D3DCCD1}">
-              <a14:hiddenFill xmlns:a14="http://schemas.microsoft.com/office/drawing/2010/main">
-                <a:solidFill>
-                  <a:srgbClr val="FFFFFF"/>
-                </a:solidFill>
-              </a14:hiddenFill>
-            </a:ext>
-          </a:extLst>
-        </p:spPr>
-      </p:pic>
-    </p:spTree>
-    <p:extLst>
-      <p:ext uri="{BB962C8B-B14F-4D97-AF65-F5344CB8AC3E}">
-        <p14:creationId xmlns:p14="http://schemas.microsoft.com/office/powerpoint/2010/main" val="969752323"/>
-      </p:ext>
-    </p:extLst>
-  </p:cSld>
-  <p:clrMapOvr>
-    <a:masterClrMapping/>
-  </p:clrMapOvr>
-</p:sld>
-</file>
-
-<file path=ppt/slides/slide34.xml><?xml version="1.0" encoding="utf-8"?>
-<p:sld xmlns:a="http://schemas.openxmlformats.org/drawingml/2006/main" xmlns:r="http://schemas.openxmlformats.org/officeDocument/2006/relationships" xmlns:p="http://schemas.openxmlformats.org/presentationml/2006/main">
-  <p:cSld>
-    <p:spTree>
-      <p:nvGrpSpPr>
-        <p:cNvPr id="1" name=""/>
-        <p:cNvGrpSpPr/>
-        <p:nvPr/>
-      </p:nvGrpSpPr>
-      <p:grpSpPr>
-        <a:xfrm>
-          <a:off x="0" y="0"/>
-          <a:ext cx="0" cy="0"/>
-          <a:chOff x="0" y="0"/>
-          <a:chExt cx="0" cy="0"/>
-        </a:xfrm>
-      </p:grpSpPr>
-      <p:sp>
-        <p:nvSpPr>
-          <p:cNvPr id="2" name="Titre 1"/>
-          <p:cNvSpPr>
-            <a:spLocks noGrp="1"/>
-          </p:cNvSpPr>
-          <p:nvPr>
-            <p:ph type="title"/>
-          </p:nvPr>
-        </p:nvSpPr>
-        <p:spPr/>
-        <p:txBody>
-          <a:bodyPr/>
-          <a:lstStyle/>
-          <a:p>
-            <a:r>
-              <a:rPr lang="fr-FR" dirty="0" err="1" smtClean="0"/>
-              <a:t>Loss</a:t>
-            </a:r>
-            <a:endParaRPr lang="fr-FR" dirty="0"/>
-          </a:p>
-        </p:txBody>
-      </p:sp>
-      <p:sp>
-        <p:nvSpPr>
-          <p:cNvPr id="3" name="Espace réservé du contenu 2"/>
-          <p:cNvSpPr>
-            <a:spLocks noGrp="1"/>
-          </p:cNvSpPr>
-          <p:nvPr>
-            <p:ph idx="1"/>
-          </p:nvPr>
-        </p:nvSpPr>
-        <p:spPr/>
-        <p:txBody>
-          <a:bodyPr/>
-          <a:lstStyle/>
-          <a:p>
-            <a:r>
-              <a:rPr lang="fr-FR" dirty="0"/>
-              <a:t>En apprentissage supervisé, la notion principale est celle de perte d’information (</a:t>
-            </a:r>
-            <a:r>
-              <a:rPr lang="fr-FR" dirty="0" err="1"/>
-              <a:t>loss</a:t>
-            </a:r>
-            <a:r>
-              <a:rPr lang="fr-FR" dirty="0"/>
-              <a:t> en anglais) due à l'approximation </a:t>
-            </a:r>
-            <a:r>
-              <a:rPr lang="fr-FR" dirty="0" smtClean="0"/>
-              <a:t>du modèle</a:t>
-            </a:r>
-          </a:p>
-          <a:p>
-            <a:r>
-              <a:rPr lang="fr-FR" dirty="0" smtClean="0"/>
-              <a:t>Elle </a:t>
-            </a:r>
-            <a:r>
-              <a:rPr lang="fr-FR" dirty="0"/>
-              <a:t>détermine à quel point notre modélisation du phénomène, qui est une approximation de la </a:t>
-            </a:r>
-            <a:r>
-              <a:rPr lang="fr-FR" dirty="0" smtClean="0"/>
-              <a:t>réalité (régression), </a:t>
-            </a:r>
-            <a:r>
-              <a:rPr lang="fr-FR" dirty="0"/>
-              <a:t>perd de l’information par rapport à la réalité observée à travers les données d’exemple</a:t>
-            </a:r>
-          </a:p>
-        </p:txBody>
-      </p:sp>
-    </p:spTree>
-    <p:extLst>
-      <p:ext uri="{BB962C8B-B14F-4D97-AF65-F5344CB8AC3E}">
-        <p14:creationId xmlns:p14="http://schemas.microsoft.com/office/powerpoint/2010/main" val="3147564616"/>
-      </p:ext>
-    </p:extLst>
-  </p:cSld>
-  <p:clrMapOvr>
-    <a:masterClrMapping/>
-  </p:clrMapOvr>
-</p:sld>
-</file>
-
-<file path=ppt/slides/slide35.xml><?xml version="1.0" encoding="utf-8"?>
-<p:sld xmlns:a="http://schemas.openxmlformats.org/drawingml/2006/main" xmlns:r="http://schemas.openxmlformats.org/officeDocument/2006/relationships" xmlns:p="http://schemas.openxmlformats.org/presentationml/2006/main">
-  <p:cSld>
-    <p:spTree>
-      <p:nvGrpSpPr>
-        <p:cNvPr id="1" name=""/>
-        <p:cNvGrpSpPr/>
-        <p:nvPr/>
-      </p:nvGrpSpPr>
-      <p:grpSpPr>
-        <a:xfrm>
-          <a:off x="0" y="0"/>
-          <a:ext cx="0" cy="0"/>
-          <a:chOff x="0" y="0"/>
-          <a:chExt cx="0" cy="0"/>
-        </a:xfrm>
-      </p:grpSpPr>
-      <p:sp>
-        <p:nvSpPr>
-          <p:cNvPr id="2" name="Titre 1"/>
-          <p:cNvSpPr>
-            <a:spLocks noGrp="1"/>
-          </p:cNvSpPr>
-          <p:nvPr>
-            <p:ph type="title"/>
-          </p:nvPr>
-        </p:nvSpPr>
-        <p:spPr/>
-        <p:txBody>
-          <a:bodyPr/>
-          <a:lstStyle/>
-          <a:p>
-            <a:r>
-              <a:rPr lang="fr-FR" altLang="fr-FR" dirty="0" err="1"/>
-              <a:t>Nearest</a:t>
-            </a:r>
-            <a:r>
-              <a:rPr lang="fr-FR" altLang="fr-FR" dirty="0"/>
-              <a:t> </a:t>
-            </a:r>
-            <a:r>
-              <a:rPr lang="fr-FR" altLang="fr-FR" dirty="0" smtClean="0"/>
-              <a:t>Neighbors</a:t>
-            </a:r>
-            <a:endParaRPr lang="fr-FR" dirty="0"/>
-          </a:p>
-        </p:txBody>
-      </p:sp>
-      <p:sp>
-        <p:nvSpPr>
-          <p:cNvPr id="3" name="Espace réservé du contenu 2"/>
-          <p:cNvSpPr>
-            <a:spLocks noGrp="1"/>
-          </p:cNvSpPr>
-          <p:nvPr>
-            <p:ph idx="1"/>
-          </p:nvPr>
-        </p:nvSpPr>
-        <p:spPr/>
-        <p:txBody>
-          <a:bodyPr/>
-          <a:lstStyle/>
-          <a:p>
-            <a:r>
-              <a:rPr lang="fr-FR" dirty="0"/>
-              <a:t>Le k-NN est le diminutif de k </a:t>
-            </a:r>
-            <a:r>
-              <a:rPr lang="fr-FR" dirty="0" err="1"/>
-              <a:t>Nearest</a:t>
-            </a:r>
-            <a:r>
-              <a:rPr lang="fr-FR" dirty="0"/>
-              <a:t> </a:t>
-            </a:r>
-            <a:r>
-              <a:rPr lang="fr-FR" dirty="0" smtClean="0"/>
-              <a:t>Neighbors</a:t>
-            </a:r>
-          </a:p>
-          <a:p>
-            <a:r>
-              <a:rPr lang="fr-FR" dirty="0" smtClean="0"/>
-              <a:t>C’est </a:t>
-            </a:r>
-            <a:r>
-              <a:rPr lang="fr-FR" dirty="0"/>
-              <a:t>un algorithme qui peut servir autant pour la classification que la </a:t>
-            </a:r>
-            <a:r>
-              <a:rPr lang="fr-FR" dirty="0" smtClean="0"/>
-              <a:t>régression</a:t>
-            </a:r>
-          </a:p>
-          <a:p>
-            <a:r>
-              <a:rPr lang="fr-FR" dirty="0" smtClean="0"/>
-              <a:t>Son </a:t>
-            </a:r>
-            <a:r>
-              <a:rPr lang="fr-FR" dirty="0"/>
-              <a:t>principe </a:t>
-            </a:r>
-            <a:r>
-              <a:rPr lang="fr-FR" dirty="0" smtClean="0"/>
-              <a:t>est de choisir </a:t>
-            </a:r>
-            <a:r>
-              <a:rPr lang="fr-FR" dirty="0"/>
-              <a:t>les k données les plus proches du point étudié afin d’en prédire sa valeur</a:t>
-            </a:r>
-            <a:endParaRPr lang="fr-FR" dirty="0" smtClean="0"/>
-          </a:p>
-          <a:p>
-            <a:pPr lvl="1"/>
-            <a:endParaRPr lang="fr-FR" dirty="0"/>
-          </a:p>
-        </p:txBody>
-      </p:sp>
-    </p:spTree>
-    <p:extLst>
-      <p:ext uri="{BB962C8B-B14F-4D97-AF65-F5344CB8AC3E}">
-        <p14:creationId xmlns:p14="http://schemas.microsoft.com/office/powerpoint/2010/main" val="2921624976"/>
-      </p:ext>
-    </p:extLst>
-  </p:cSld>
-  <p:clrMapOvr>
-    <a:masterClrMapping/>
-  </p:clrMapOvr>
-  <p:timing>
-    <p:tnLst>
-      <p:par>
-        <p:cTn id="1" dur="indefinite" restart="never" nodeType="tmRoot"/>
-      </p:par>
-    </p:tnLst>
-  </p:timing>
-</p:sld>
-</file>
-
-<file path=ppt/slides/slide36.xml><?xml version="1.0" encoding="utf-8"?>
-<p:sld xmlns:a="http://schemas.openxmlformats.org/drawingml/2006/main" xmlns:r="http://schemas.openxmlformats.org/officeDocument/2006/relationships" xmlns:p="http://schemas.openxmlformats.org/presentationml/2006/main">
-  <p:cSld>
-    <p:spTree>
-      <p:nvGrpSpPr>
-        <p:cNvPr id="1" name=""/>
-        <p:cNvGrpSpPr/>
-        <p:nvPr/>
-      </p:nvGrpSpPr>
-      <p:grpSpPr>
-        <a:xfrm>
-          <a:off x="0" y="0"/>
-          <a:ext cx="0" cy="0"/>
-          <a:chOff x="0" y="0"/>
-          <a:chExt cx="0" cy="0"/>
-        </a:xfrm>
-      </p:grpSpPr>
-      <p:sp>
-        <p:nvSpPr>
-          <p:cNvPr id="2" name="Titre 1"/>
-          <p:cNvSpPr>
-            <a:spLocks noGrp="1"/>
-          </p:cNvSpPr>
-          <p:nvPr>
-            <p:ph type="title"/>
-          </p:nvPr>
-        </p:nvSpPr>
-        <p:spPr/>
-        <p:txBody>
-          <a:bodyPr/>
-          <a:lstStyle/>
-          <a:p>
-            <a:r>
-              <a:rPr lang="fr-FR" dirty="0" smtClean="0"/>
-              <a:t>Explication</a:t>
-            </a:r>
-            <a:endParaRPr lang="fr-FR" dirty="0"/>
-          </a:p>
-        </p:txBody>
-      </p:sp>
-      <p:sp>
-        <p:nvSpPr>
-          <p:cNvPr id="3" name="Espace réservé du contenu 2"/>
-          <p:cNvSpPr>
-            <a:spLocks noGrp="1"/>
-          </p:cNvSpPr>
-          <p:nvPr>
-            <p:ph idx="1"/>
-          </p:nvPr>
-        </p:nvSpPr>
-        <p:spPr/>
-        <p:txBody>
-          <a:bodyPr/>
-          <a:lstStyle/>
-          <a:p>
-            <a:r>
-              <a:rPr lang="fr-FR" dirty="0" smtClean="0"/>
-              <a:t>Quelle est la classe de la nouvelle données (en blanc) ?</a:t>
-            </a:r>
-          </a:p>
-          <a:p>
-            <a:pPr marL="0" indent="0">
-              <a:buNone/>
-            </a:pPr>
-            <a:endParaRPr lang="fr-FR" dirty="0" smtClean="0"/>
-          </a:p>
-          <a:p>
-            <a:endParaRPr lang="fr-FR" dirty="0"/>
-          </a:p>
-        </p:txBody>
-      </p:sp>
-      <p:pic>
-        <p:nvPicPr>
-          <p:cNvPr id="1028" name="Picture 4" descr="le point blanc est une nouvelle entrée"/>
-          <p:cNvPicPr>
-            <a:picLocks noChangeAspect="1" noChangeArrowheads="1"/>
-          </p:cNvPicPr>
-          <p:nvPr/>
-        </p:nvPicPr>
-        <p:blipFill>
-          <a:blip r:embed="rId2">
-            <a:extLst>
-              <a:ext uri="{28A0092B-C50C-407E-A947-70E740481C1C}">
-                <a14:useLocalDpi xmlns:a14="http://schemas.microsoft.com/office/drawing/2010/main" val="0"/>
-              </a:ext>
-            </a:extLst>
-          </a:blip>
-          <a:srcRect/>
-          <a:stretch>
-            <a:fillRect/>
-          </a:stretch>
-        </p:blipFill>
-        <p:spPr bwMode="auto">
-          <a:xfrm>
-            <a:off x="2411760" y="2276872"/>
-            <a:ext cx="5112568" cy="3507222"/>
-          </a:xfrm>
-          <a:prstGeom prst="rect">
-            <a:avLst/>
-          </a:prstGeom>
-          <a:noFill/>
-          <a:extLst>
-            <a:ext uri="{909E8E84-426E-40DD-AFC4-6F175D3DCCD1}">
-              <a14:hiddenFill xmlns:a14="http://schemas.microsoft.com/office/drawing/2010/main">
-                <a:solidFill>
-                  <a:srgbClr val="FFFFFF"/>
-                </a:solidFill>
-              </a14:hiddenFill>
-            </a:ext>
-          </a:extLst>
-        </p:spPr>
-      </p:pic>
-    </p:spTree>
-    <p:extLst>
-      <p:ext uri="{BB962C8B-B14F-4D97-AF65-F5344CB8AC3E}">
-        <p14:creationId xmlns:p14="http://schemas.microsoft.com/office/powerpoint/2010/main" val="1878733558"/>
-      </p:ext>
-    </p:extLst>
-  </p:cSld>
-  <p:clrMapOvr>
-    <a:masterClrMapping/>
-  </p:clrMapOvr>
-  <p:timing>
-    <p:tnLst>
-      <p:par>
-        <p:cTn id="1" dur="indefinite" restart="never" nodeType="tmRoot"/>
-      </p:par>
-    </p:tnLst>
-  </p:timing>
-</p:sld>
-</file>
-
-<file path=ppt/slides/slide37.xml><?xml version="1.0" encoding="utf-8"?>
-<p:sld xmlns:a="http://schemas.openxmlformats.org/drawingml/2006/main" xmlns:r="http://schemas.openxmlformats.org/officeDocument/2006/relationships" xmlns:p="http://schemas.openxmlformats.org/presentationml/2006/main">
-  <p:cSld>
-    <p:spTree>
-      <p:nvGrpSpPr>
-        <p:cNvPr id="1" name=""/>
-        <p:cNvGrpSpPr/>
-        <p:nvPr/>
-      </p:nvGrpSpPr>
-      <p:grpSpPr>
-        <a:xfrm>
-          <a:off x="0" y="0"/>
-          <a:ext cx="0" cy="0"/>
-          <a:chOff x="0" y="0"/>
-          <a:chExt cx="0" cy="0"/>
-        </a:xfrm>
-      </p:grpSpPr>
-      <p:sp>
-        <p:nvSpPr>
-          <p:cNvPr id="2" name="Titre 1"/>
-          <p:cNvSpPr>
-            <a:spLocks noGrp="1"/>
-          </p:cNvSpPr>
-          <p:nvPr>
-            <p:ph type="title"/>
-          </p:nvPr>
-        </p:nvSpPr>
-        <p:spPr/>
-        <p:txBody>
-          <a:bodyPr/>
-          <a:lstStyle/>
-          <a:p>
-            <a:r>
               <a:rPr lang="fr-FR" dirty="0" err="1" smtClean="0"/>
               <a:t>knn</a:t>
             </a:r>
@@ -8146,7 +6999,7 @@
 </p:sld>
 </file>
 
-<file path=ppt/slides/slide38.xml><?xml version="1.0" encoding="utf-8"?>
+<file path=ppt/slides/slide31.xml><?xml version="1.0" encoding="utf-8"?>
 <p:sld xmlns:a="http://schemas.openxmlformats.org/drawingml/2006/main" xmlns:r="http://schemas.openxmlformats.org/officeDocument/2006/relationships" xmlns:p="http://schemas.openxmlformats.org/presentationml/2006/main">
   <p:cSld>
     <p:spTree>
@@ -8334,7 +7187,7 @@
 </p:sld>
 </file>
 
-<file path=ppt/slides/slide39.xml><?xml version="1.0" encoding="utf-8"?>
+<file path=ppt/slides/slide32.xml><?xml version="1.0" encoding="utf-8"?>
 <p:sld xmlns:a="http://schemas.openxmlformats.org/drawingml/2006/main" xmlns:r="http://schemas.openxmlformats.org/officeDocument/2006/relationships" xmlns:p="http://schemas.openxmlformats.org/presentationml/2006/main">
   <p:cSld>
     <p:spTree>
@@ -8583,313 +7436,7 @@
 </p:sld>
 </file>
 
-<file path=ppt/slides/slide4.xml><?xml version="1.0" encoding="utf-8"?>
-<p:sld xmlns:a="http://schemas.openxmlformats.org/drawingml/2006/main" xmlns:r="http://schemas.openxmlformats.org/officeDocument/2006/relationships" xmlns:p="http://schemas.openxmlformats.org/presentationml/2006/main">
-  <p:cSld>
-    <p:spTree>
-      <p:nvGrpSpPr>
-        <p:cNvPr id="1" name=""/>
-        <p:cNvGrpSpPr/>
-        <p:nvPr/>
-      </p:nvGrpSpPr>
-      <p:grpSpPr>
-        <a:xfrm>
-          <a:off x="0" y="0"/>
-          <a:ext cx="0" cy="0"/>
-          <a:chOff x="0" y="0"/>
-          <a:chExt cx="0" cy="0"/>
-        </a:xfrm>
-      </p:grpSpPr>
-      <p:sp>
-        <p:nvSpPr>
-          <p:cNvPr id="2" name="Titre 1"/>
-          <p:cNvSpPr>
-            <a:spLocks noGrp="1"/>
-          </p:cNvSpPr>
-          <p:nvPr>
-            <p:ph type="title"/>
-          </p:nvPr>
-        </p:nvSpPr>
-        <p:spPr/>
-        <p:txBody>
-          <a:bodyPr/>
-          <a:lstStyle/>
-          <a:p>
-            <a:r>
-              <a:rPr lang="fr-FR" dirty="0" smtClean="0"/>
-              <a:t>Régression</a:t>
-            </a:r>
-            <a:endParaRPr lang="fr-FR" dirty="0"/>
-          </a:p>
-        </p:txBody>
-      </p:sp>
-      <p:sp>
-        <p:nvSpPr>
-          <p:cNvPr id="3" name="Espace réservé du contenu 2"/>
-          <p:cNvSpPr>
-            <a:spLocks noGrp="1"/>
-          </p:cNvSpPr>
-          <p:nvPr>
-            <p:ph idx="1"/>
-          </p:nvPr>
-        </p:nvSpPr>
-        <p:spPr/>
-        <p:txBody>
-          <a:bodyPr/>
-          <a:lstStyle/>
-          <a:p>
-            <a:r>
-              <a:rPr lang="fr-FR" dirty="0" smtClean="0"/>
-              <a:t>Commençons par la régression linéaire</a:t>
-            </a:r>
-            <a:endParaRPr lang="fr-FR" dirty="0"/>
-          </a:p>
-          <a:p>
-            <a:r>
-              <a:rPr lang="fr-FR" dirty="0" smtClean="0"/>
-              <a:t>Import </a:t>
-            </a:r>
-            <a:r>
-              <a:rPr lang="fr-FR" dirty="0" err="1" smtClean="0"/>
-              <a:t>sklearn.linearmodel</a:t>
-            </a:r>
-            <a:endParaRPr lang="fr-FR" dirty="0" smtClean="0"/>
-          </a:p>
-          <a:p>
-            <a:pPr lvl="1"/>
-            <a:r>
-              <a:rPr lang="fr-FR" dirty="0" smtClean="0"/>
-              <a:t>Minimisation de l’erreur </a:t>
-            </a:r>
-            <a:r>
-              <a:rPr lang="fr-FR" dirty="0" err="1" smtClean="0"/>
-              <a:t>quadritique</a:t>
-            </a:r>
-            <a:endParaRPr lang="fr-FR" dirty="0" smtClean="0"/>
-          </a:p>
-          <a:p>
-            <a:r>
-              <a:rPr lang="fr-FR" dirty="0" smtClean="0"/>
-              <a:t>Classe </a:t>
-            </a:r>
-            <a:r>
-              <a:rPr lang="fr-FR" dirty="0" err="1" smtClean="0"/>
-              <a:t>LinearRegression</a:t>
-            </a:r>
-            <a:endParaRPr lang="fr-FR" dirty="0" smtClean="0"/>
-          </a:p>
-          <a:p>
-            <a:r>
-              <a:rPr lang="fr-FR" dirty="0" smtClean="0"/>
-              <a:t>Fit()</a:t>
-            </a:r>
-          </a:p>
-          <a:p>
-            <a:pPr lvl="1"/>
-            <a:r>
-              <a:rPr lang="fr-FR" dirty="0" smtClean="0"/>
-              <a:t>Va démarrer l’apprentissage</a:t>
-            </a:r>
-          </a:p>
-          <a:p>
-            <a:r>
-              <a:rPr lang="fr-FR" dirty="0" err="1" smtClean="0"/>
-              <a:t>Predict</a:t>
-            </a:r>
-            <a:r>
-              <a:rPr lang="fr-FR" dirty="0" smtClean="0"/>
-              <a:t>()</a:t>
-            </a:r>
-          </a:p>
-          <a:p>
-            <a:pPr lvl="1"/>
-            <a:r>
-              <a:rPr lang="fr-FR" dirty="0" smtClean="0"/>
-              <a:t>Joue le modèle</a:t>
-            </a:r>
-          </a:p>
-          <a:p>
-            <a:r>
-              <a:rPr lang="fr-FR" dirty="0" smtClean="0"/>
-              <a:t>Résultats identiques à </a:t>
-            </a:r>
-            <a:r>
-              <a:rPr lang="fr-FR" dirty="0" err="1" smtClean="0"/>
-              <a:t>SciPy</a:t>
-            </a:r>
-            <a:endParaRPr lang="fr-FR" dirty="0" smtClean="0"/>
-          </a:p>
-        </p:txBody>
-      </p:sp>
-    </p:spTree>
-    <p:extLst>
-      <p:ext uri="{BB962C8B-B14F-4D97-AF65-F5344CB8AC3E}">
-        <p14:creationId xmlns:p14="http://schemas.microsoft.com/office/powerpoint/2010/main" val="1909837884"/>
-      </p:ext>
-    </p:extLst>
-  </p:cSld>
-  <p:clrMapOvr>
-    <a:masterClrMapping/>
-  </p:clrMapOvr>
-  <p:timing>
-    <p:tnLst>
-      <p:par>
-        <p:cTn id="1" dur="indefinite" restart="never" nodeType="tmRoot"/>
-      </p:par>
-    </p:tnLst>
-  </p:timing>
-</p:sld>
-</file>
-
-<file path=ppt/slides/slide40.xml><?xml version="1.0" encoding="utf-8"?>
-<p:sld xmlns:a="http://schemas.openxmlformats.org/drawingml/2006/main" xmlns:r="http://schemas.openxmlformats.org/officeDocument/2006/relationships" xmlns:p="http://schemas.openxmlformats.org/presentationml/2006/main">
-  <p:cSld>
-    <p:spTree>
-      <p:nvGrpSpPr>
-        <p:cNvPr id="1" name=""/>
-        <p:cNvGrpSpPr/>
-        <p:nvPr/>
-      </p:nvGrpSpPr>
-      <p:grpSpPr>
-        <a:xfrm>
-          <a:off x="0" y="0"/>
-          <a:ext cx="0" cy="0"/>
-          <a:chOff x="0" y="0"/>
-          <a:chExt cx="0" cy="0"/>
-        </a:xfrm>
-      </p:grpSpPr>
-      <p:sp>
-        <p:nvSpPr>
-          <p:cNvPr id="2" name="Titre 1"/>
-          <p:cNvSpPr>
-            <a:spLocks noGrp="1"/>
-          </p:cNvSpPr>
-          <p:nvPr>
-            <p:ph type="title"/>
-          </p:nvPr>
-        </p:nvSpPr>
-        <p:spPr/>
-        <p:txBody>
-          <a:bodyPr/>
-          <a:lstStyle/>
-          <a:p>
-            <a:r>
-              <a:rPr lang="fr-FR" dirty="0" smtClean="0"/>
-              <a:t>Décomposition de l’</a:t>
-            </a:r>
-            <a:endParaRPr lang="fr-FR" dirty="0"/>
-          </a:p>
-        </p:txBody>
-      </p:sp>
-      <p:sp>
-        <p:nvSpPr>
-          <p:cNvPr id="3" name="Espace réservé du contenu 2"/>
-          <p:cNvSpPr>
-            <a:spLocks noGrp="1"/>
-          </p:cNvSpPr>
-          <p:nvPr>
-            <p:ph idx="1"/>
-          </p:nvPr>
-        </p:nvSpPr>
-        <p:spPr/>
-        <p:txBody>
-          <a:bodyPr/>
-          <a:lstStyle/>
-          <a:p>
-            <a:r>
-              <a:rPr lang="fr-FR" dirty="0" smtClean="0"/>
-              <a:t>L’erreur peut s’écrire</a:t>
-            </a:r>
-          </a:p>
-          <a:p>
-            <a:r>
-              <a:rPr lang="fr-FR" dirty="0" err="1"/>
-              <a:t>Err</a:t>
-            </a:r>
-            <a:r>
-              <a:rPr lang="fr-FR" dirty="0"/>
-              <a:t>(x</a:t>
-            </a:r>
-            <a:r>
-              <a:rPr lang="fr-FR"/>
-              <a:t>)=</a:t>
-            </a:r>
-            <a:r>
-              <a:rPr lang="fr-FR" smtClean="0"/>
-              <a:t>Biais²+Variance+Erreur </a:t>
-            </a:r>
-            <a:r>
-              <a:rPr lang="fr-FR" dirty="0" smtClean="0"/>
-              <a:t>Irréductible</a:t>
-            </a:r>
-          </a:p>
-          <a:p>
-            <a:endParaRPr lang="fr-FR" dirty="0"/>
-          </a:p>
-        </p:txBody>
-      </p:sp>
-      <p:pic>
-        <p:nvPicPr>
-          <p:cNvPr id="3074" name="Picture 2" descr="On cherche à se placer au minimum de l'erreur totale"/>
-          <p:cNvPicPr>
-            <a:picLocks noChangeAspect="1" noChangeArrowheads="1"/>
-          </p:cNvPicPr>
-          <p:nvPr/>
-        </p:nvPicPr>
-        <p:blipFill>
-          <a:blip r:embed="rId2">
-            <a:extLst>
-              <a:ext uri="{28A0092B-C50C-407E-A947-70E740481C1C}">
-                <a14:useLocalDpi xmlns:a14="http://schemas.microsoft.com/office/drawing/2010/main" val="0"/>
-              </a:ext>
-            </a:extLst>
-          </a:blip>
-          <a:srcRect/>
-          <a:stretch>
-            <a:fillRect/>
-          </a:stretch>
-        </p:blipFill>
-        <p:spPr bwMode="auto">
-          <a:xfrm>
-            <a:off x="1331640" y="2780928"/>
-            <a:ext cx="5256584" cy="3301391"/>
-          </a:xfrm>
-          <a:prstGeom prst="rect">
-            <a:avLst/>
-          </a:prstGeom>
-          <a:noFill/>
-          <a:extLst>
-            <a:ext uri="{909E8E84-426E-40DD-AFC4-6F175D3DCCD1}">
-              <a14:hiddenFill xmlns:a14="http://schemas.microsoft.com/office/drawing/2010/main">
-                <a:solidFill>
-                  <a:srgbClr val="FFFFFF"/>
-                </a:solidFill>
-              </a14:hiddenFill>
-            </a:ext>
-          </a:extLst>
-        </p:spPr>
-      </p:pic>
-    </p:spTree>
-    <p:extLst>
-      <p:ext uri="{BB962C8B-B14F-4D97-AF65-F5344CB8AC3E}">
-        <p14:creationId xmlns:p14="http://schemas.microsoft.com/office/powerpoint/2010/main" val="1771983252"/>
-      </p:ext>
-    </p:extLst>
-  </p:cSld>
-  <p:clrMapOvr>
-    <a:masterClrMapping/>
-  </p:clrMapOvr>
-  <p:timing>
-    <p:tnLst>
-      <p:par>
-        <p:cTn id="1" dur="indefinite" restart="never" nodeType="tmRoot"/>
-      </p:par>
-    </p:tnLst>
-  </p:timing>
-</p:sld>
-</file>
-
-<file path=ppt/slides/slide41.xml><?xml version="1.0" encoding="utf-8"?>
+<file path=ppt/slides/slide33.xml><?xml version="1.0" encoding="utf-8"?>
 <p:sld xmlns:a="http://schemas.openxmlformats.org/drawingml/2006/main" xmlns:r="http://schemas.openxmlformats.org/officeDocument/2006/relationships" xmlns:p="http://schemas.openxmlformats.org/presentationml/2006/main">
   <p:cSld>
     <p:spTree>
@@ -9188,7 +7735,7 @@
 </p:sld>
 </file>
 
-<file path=ppt/slides/slide42.xml><?xml version="1.0" encoding="utf-8"?>
+<file path=ppt/slides/slide34.xml><?xml version="1.0" encoding="utf-8"?>
 <p:sld xmlns:a="http://schemas.openxmlformats.org/drawingml/2006/main" xmlns:r="http://schemas.openxmlformats.org/officeDocument/2006/relationships" xmlns:p="http://schemas.openxmlformats.org/presentationml/2006/main">
   <p:cSld>
     <p:spTree>
@@ -9329,7 +7876,7 @@
 </p:sld>
 </file>
 
-<file path=ppt/slides/slide43.xml><?xml version="1.0" encoding="utf-8"?>
+<file path=ppt/slides/slide35.xml><?xml version="1.0" encoding="utf-8"?>
 <p:sld xmlns:a="http://schemas.openxmlformats.org/drawingml/2006/main" xmlns:r="http://schemas.openxmlformats.org/officeDocument/2006/relationships" xmlns:p="http://schemas.openxmlformats.org/presentationml/2006/main">
   <p:cSld>
     <p:spTree>
@@ -9466,7 +8013,7 @@
 </p:sld>
 </file>
 
-<file path=ppt/slides/slide44.xml><?xml version="1.0" encoding="utf-8"?>
+<file path=ppt/slides/slide36.xml><?xml version="1.0" encoding="utf-8"?>
 <p:sld xmlns:a="http://schemas.openxmlformats.org/drawingml/2006/main" xmlns:r="http://schemas.openxmlformats.org/officeDocument/2006/relationships" xmlns:p="http://schemas.openxmlformats.org/presentationml/2006/main">
   <p:cSld>
     <p:spTree>
@@ -9598,7 +8145,7 @@
 </p:sld>
 </file>
 
-<file path=ppt/slides/slide45.xml><?xml version="1.0" encoding="utf-8"?>
+<file path=ppt/slides/slide37.xml><?xml version="1.0" encoding="utf-8"?>
 <p:sld xmlns:a="http://schemas.openxmlformats.org/drawingml/2006/main" xmlns:r="http://schemas.openxmlformats.org/officeDocument/2006/relationships" xmlns:p="http://schemas.openxmlformats.org/presentationml/2006/main">
   <p:cSld>
     <p:spTree>
@@ -9706,7 +8253,7 @@
 </p:sld>
 </file>
 
-<file path=ppt/slides/slide46.xml><?xml version="1.0" encoding="utf-8"?>
+<file path=ppt/slides/slide38.xml><?xml version="1.0" encoding="utf-8"?>
 <p:sld xmlns:a="http://schemas.openxmlformats.org/drawingml/2006/main" xmlns:r="http://schemas.openxmlformats.org/officeDocument/2006/relationships" xmlns:p="http://schemas.openxmlformats.org/presentationml/2006/main">
   <p:cSld>
     <p:spTree>
@@ -9853,7 +8400,7 @@
 </p:sld>
 </file>
 
-<file path=ppt/slides/slide47.xml><?xml version="1.0" encoding="utf-8"?>
+<file path=ppt/slides/slide39.xml><?xml version="1.0" encoding="utf-8"?>
 <p:sld xmlns:a="http://schemas.openxmlformats.org/drawingml/2006/main" xmlns:r="http://schemas.openxmlformats.org/officeDocument/2006/relationships" xmlns:p="http://schemas.openxmlformats.org/presentationml/2006/main">
   <p:cSld>
     <p:spTree>
@@ -9973,6 +8520,1325 @@
 </p:sld>
 </file>
 
+<file path=ppt/slides/slide4.xml><?xml version="1.0" encoding="utf-8"?>
+<p:sld xmlns:a="http://schemas.openxmlformats.org/drawingml/2006/main" xmlns:r="http://schemas.openxmlformats.org/officeDocument/2006/relationships" xmlns:p="http://schemas.openxmlformats.org/presentationml/2006/main">
+  <p:cSld>
+    <p:spTree>
+      <p:nvGrpSpPr>
+        <p:cNvPr id="1" name=""/>
+        <p:cNvGrpSpPr/>
+        <p:nvPr/>
+      </p:nvGrpSpPr>
+      <p:grpSpPr>
+        <a:xfrm>
+          <a:off x="0" y="0"/>
+          <a:ext cx="0" cy="0"/>
+          <a:chOff x="0" y="0"/>
+          <a:chExt cx="0" cy="0"/>
+        </a:xfrm>
+      </p:grpSpPr>
+      <p:sp>
+        <p:nvSpPr>
+          <p:cNvPr id="2" name="Titre 1"/>
+          <p:cNvSpPr>
+            <a:spLocks noGrp="1"/>
+          </p:cNvSpPr>
+          <p:nvPr>
+            <p:ph type="title"/>
+          </p:nvPr>
+        </p:nvSpPr>
+        <p:spPr/>
+        <p:txBody>
+          <a:bodyPr/>
+          <a:lstStyle/>
+          <a:p>
+            <a:r>
+              <a:rPr lang="fr-FR" dirty="0" smtClean="0"/>
+              <a:t>Régression</a:t>
+            </a:r>
+            <a:endParaRPr lang="fr-FR" dirty="0"/>
+          </a:p>
+        </p:txBody>
+      </p:sp>
+      <p:sp>
+        <p:nvSpPr>
+          <p:cNvPr id="3" name="Espace réservé du contenu 2"/>
+          <p:cNvSpPr>
+            <a:spLocks noGrp="1"/>
+          </p:cNvSpPr>
+          <p:nvPr>
+            <p:ph idx="1"/>
+          </p:nvPr>
+        </p:nvSpPr>
+        <p:spPr/>
+        <p:txBody>
+          <a:bodyPr/>
+          <a:lstStyle/>
+          <a:p>
+            <a:r>
+              <a:rPr lang="fr-FR" dirty="0" smtClean="0"/>
+              <a:t>Commençons par la régression linéaire</a:t>
+            </a:r>
+            <a:endParaRPr lang="fr-FR" dirty="0"/>
+          </a:p>
+          <a:p>
+            <a:r>
+              <a:rPr lang="fr-FR" dirty="0" smtClean="0"/>
+              <a:t>Import </a:t>
+            </a:r>
+            <a:r>
+              <a:rPr lang="fr-FR" dirty="0" err="1" smtClean="0"/>
+              <a:t>sklearn.linearmodel</a:t>
+            </a:r>
+            <a:endParaRPr lang="fr-FR" dirty="0" smtClean="0"/>
+          </a:p>
+          <a:p>
+            <a:pPr lvl="1"/>
+            <a:r>
+              <a:rPr lang="fr-FR" dirty="0" smtClean="0"/>
+              <a:t>Minimisation de l’erreur </a:t>
+            </a:r>
+            <a:r>
+              <a:rPr lang="fr-FR" dirty="0" err="1" smtClean="0"/>
+              <a:t>quadritique</a:t>
+            </a:r>
+            <a:endParaRPr lang="fr-FR" dirty="0" smtClean="0"/>
+          </a:p>
+          <a:p>
+            <a:r>
+              <a:rPr lang="fr-FR" dirty="0" smtClean="0"/>
+              <a:t>Classe </a:t>
+            </a:r>
+            <a:r>
+              <a:rPr lang="fr-FR" dirty="0" err="1" smtClean="0"/>
+              <a:t>LinearRegression</a:t>
+            </a:r>
+            <a:endParaRPr lang="fr-FR" dirty="0" smtClean="0"/>
+          </a:p>
+          <a:p>
+            <a:r>
+              <a:rPr lang="fr-FR" dirty="0" smtClean="0"/>
+              <a:t>Fit()</a:t>
+            </a:r>
+          </a:p>
+          <a:p>
+            <a:pPr lvl="1"/>
+            <a:r>
+              <a:rPr lang="fr-FR" dirty="0" smtClean="0"/>
+              <a:t>Va démarrer l’apprentissage</a:t>
+            </a:r>
+          </a:p>
+          <a:p>
+            <a:r>
+              <a:rPr lang="fr-FR" dirty="0" err="1" smtClean="0"/>
+              <a:t>Predict</a:t>
+            </a:r>
+            <a:r>
+              <a:rPr lang="fr-FR" dirty="0" smtClean="0"/>
+              <a:t>()</a:t>
+            </a:r>
+          </a:p>
+          <a:p>
+            <a:pPr lvl="1"/>
+            <a:r>
+              <a:rPr lang="fr-FR" dirty="0" smtClean="0"/>
+              <a:t>Joue le modèle</a:t>
+            </a:r>
+          </a:p>
+          <a:p>
+            <a:r>
+              <a:rPr lang="fr-FR" dirty="0" smtClean="0"/>
+              <a:t>Résultats identiques à </a:t>
+            </a:r>
+            <a:r>
+              <a:rPr lang="fr-FR" dirty="0" err="1" smtClean="0"/>
+              <a:t>SciPy</a:t>
+            </a:r>
+            <a:endParaRPr lang="fr-FR" dirty="0" smtClean="0"/>
+          </a:p>
+        </p:txBody>
+      </p:sp>
+    </p:spTree>
+    <p:extLst>
+      <p:ext uri="{BB962C8B-B14F-4D97-AF65-F5344CB8AC3E}">
+        <p14:creationId xmlns:p14="http://schemas.microsoft.com/office/powerpoint/2010/main" val="1909837884"/>
+      </p:ext>
+    </p:extLst>
+  </p:cSld>
+  <p:clrMapOvr>
+    <a:masterClrMapping/>
+  </p:clrMapOvr>
+  <p:timing>
+    <p:tnLst>
+      <p:par>
+        <p:cTn id="1" dur="indefinite" restart="never" nodeType="tmRoot"/>
+      </p:par>
+    </p:tnLst>
+  </p:timing>
+</p:sld>
+</file>
+
+<file path=ppt/slides/slide40.xml><?xml version="1.0" encoding="utf-8"?>
+<p:sld xmlns:a="http://schemas.openxmlformats.org/drawingml/2006/main" xmlns:r="http://schemas.openxmlformats.org/officeDocument/2006/relationships" xmlns:p="http://schemas.openxmlformats.org/presentationml/2006/main">
+  <p:cSld>
+    <p:spTree>
+      <p:nvGrpSpPr>
+        <p:cNvPr id="1" name=""/>
+        <p:cNvGrpSpPr/>
+        <p:nvPr/>
+      </p:nvGrpSpPr>
+      <p:grpSpPr>
+        <a:xfrm>
+          <a:off x="0" y="0"/>
+          <a:ext cx="0" cy="0"/>
+          <a:chOff x="0" y="0"/>
+          <a:chExt cx="0" cy="0"/>
+        </a:xfrm>
+      </p:grpSpPr>
+      <p:sp>
+        <p:nvSpPr>
+          <p:cNvPr id="2" name="Titre 1"/>
+          <p:cNvSpPr>
+            <a:spLocks noGrp="1"/>
+          </p:cNvSpPr>
+          <p:nvPr>
+            <p:ph type="title"/>
+          </p:nvPr>
+        </p:nvSpPr>
+        <p:spPr/>
+        <p:txBody>
+          <a:bodyPr/>
+          <a:lstStyle/>
+          <a:p>
+            <a:r>
+              <a:rPr lang="fr-FR" dirty="0" smtClean="0"/>
+              <a:t>Importances des </a:t>
+            </a:r>
+            <a:r>
+              <a:rPr lang="fr-FR" dirty="0" err="1" smtClean="0"/>
+              <a:t>features</a:t>
+            </a:r>
+            <a:endParaRPr lang="fr-FR" dirty="0"/>
+          </a:p>
+        </p:txBody>
+      </p:sp>
+      <p:sp>
+        <p:nvSpPr>
+          <p:cNvPr id="3" name="Espace réservé du contenu 2"/>
+          <p:cNvSpPr>
+            <a:spLocks noGrp="1"/>
+          </p:cNvSpPr>
+          <p:nvPr>
+            <p:ph idx="1"/>
+          </p:nvPr>
+        </p:nvSpPr>
+        <p:spPr/>
+        <p:txBody>
+          <a:bodyPr/>
+          <a:lstStyle/>
+          <a:p>
+            <a:r>
+              <a:rPr lang="fr-FR" dirty="0" smtClean="0"/>
+              <a:t>Les précédents algorithmes ne permettaient pas de connaître l'importance de chaque </a:t>
+            </a:r>
+            <a:r>
+              <a:rPr lang="fr-FR" dirty="0" err="1" smtClean="0"/>
+              <a:t>feature</a:t>
+            </a:r>
+            <a:endParaRPr lang="fr-FR" dirty="0" smtClean="0"/>
+          </a:p>
+          <a:p>
+            <a:r>
+              <a:rPr lang="fr-FR" dirty="0" smtClean="0"/>
+              <a:t>Il est souvent utile de savoir les </a:t>
+            </a:r>
+            <a:r>
+              <a:rPr lang="fr-FR" dirty="0" err="1" smtClean="0"/>
+              <a:t>features</a:t>
+            </a:r>
+            <a:r>
+              <a:rPr lang="fr-FR" dirty="0" smtClean="0"/>
+              <a:t> prépondérantes</a:t>
+            </a:r>
+          </a:p>
+          <a:p>
+            <a:pPr lvl="1"/>
+            <a:r>
+              <a:rPr lang="fr-FR" dirty="0" smtClean="0"/>
+              <a:t>Et l'inverse celle qui ne le sont pas</a:t>
+            </a:r>
+          </a:p>
+          <a:p>
+            <a:pPr lvl="1"/>
+            <a:r>
+              <a:rPr lang="fr-FR" dirty="0"/>
+              <a:t>Permet de faire baisser le nombre de dimension</a:t>
+            </a:r>
+          </a:p>
+          <a:p>
+            <a:pPr lvl="1"/>
+            <a:endParaRPr lang="fr-FR" dirty="0" smtClean="0"/>
+          </a:p>
+          <a:p>
+            <a:endParaRPr lang="fr-FR" dirty="0"/>
+          </a:p>
+        </p:txBody>
+      </p:sp>
+    </p:spTree>
+    <p:extLst>
+      <p:ext uri="{BB962C8B-B14F-4D97-AF65-F5344CB8AC3E}">
+        <p14:creationId xmlns:p14="http://schemas.microsoft.com/office/powerpoint/2010/main" val="2130078548"/>
+      </p:ext>
+    </p:extLst>
+  </p:cSld>
+  <p:clrMapOvr>
+    <a:masterClrMapping/>
+  </p:clrMapOvr>
+  <p:timing>
+    <p:tnLst>
+      <p:par>
+        <p:cTn id="1" dur="indefinite" restart="never" nodeType="tmRoot"/>
+      </p:par>
+    </p:tnLst>
+  </p:timing>
+</p:sld>
+</file>
+
+<file path=ppt/slides/slide41.xml><?xml version="1.0" encoding="utf-8"?>
+<p:sld xmlns:a="http://schemas.openxmlformats.org/drawingml/2006/main" xmlns:r="http://schemas.openxmlformats.org/officeDocument/2006/relationships" xmlns:p="http://schemas.openxmlformats.org/presentationml/2006/main">
+  <p:cSld>
+    <p:spTree>
+      <p:nvGrpSpPr>
+        <p:cNvPr id="1" name=""/>
+        <p:cNvGrpSpPr/>
+        <p:nvPr/>
+      </p:nvGrpSpPr>
+      <p:grpSpPr>
+        <a:xfrm>
+          <a:off x="0" y="0"/>
+          <a:ext cx="0" cy="0"/>
+          <a:chOff x="0" y="0"/>
+          <a:chExt cx="0" cy="0"/>
+        </a:xfrm>
+      </p:grpSpPr>
+      <p:sp>
+        <p:nvSpPr>
+          <p:cNvPr id="2" name="Titre 1"/>
+          <p:cNvSpPr>
+            <a:spLocks noGrp="1"/>
+          </p:cNvSpPr>
+          <p:nvPr>
+            <p:ph type="title"/>
+          </p:nvPr>
+        </p:nvSpPr>
+        <p:spPr/>
+        <p:txBody>
+          <a:bodyPr/>
+          <a:lstStyle/>
+          <a:p>
+            <a:r>
+              <a:rPr lang="fr-FR" dirty="0" smtClean="0"/>
+              <a:t>Importance </a:t>
+            </a:r>
+            <a:r>
+              <a:rPr lang="fr-FR" dirty="0" err="1" smtClean="0"/>
+              <a:t>Feature</a:t>
+            </a:r>
+            <a:endParaRPr lang="fr-FR" dirty="0"/>
+          </a:p>
+        </p:txBody>
+      </p:sp>
+      <p:sp>
+        <p:nvSpPr>
+          <p:cNvPr id="3" name="Espace réservé du contenu 2"/>
+          <p:cNvSpPr>
+            <a:spLocks noGrp="1"/>
+          </p:cNvSpPr>
+          <p:nvPr>
+            <p:ph idx="1"/>
+          </p:nvPr>
+        </p:nvSpPr>
+        <p:spPr/>
+        <p:txBody>
+          <a:bodyPr/>
+          <a:lstStyle/>
+          <a:p>
+            <a:r>
+              <a:rPr lang="fr-FR" dirty="0" err="1" smtClean="0"/>
+              <a:t>forest.feature_importances</a:t>
+            </a:r>
+            <a:r>
+              <a:rPr lang="fr-FR" dirty="0" smtClean="0"/>
+              <a:t>_</a:t>
+            </a:r>
+          </a:p>
+          <a:p>
+            <a:pPr lvl="1"/>
+            <a:r>
+              <a:rPr lang="fr-FR" dirty="0" smtClean="0"/>
+              <a:t>Permet de donner pour chaque </a:t>
+            </a:r>
+            <a:r>
+              <a:rPr lang="fr-FR" dirty="0" err="1" smtClean="0"/>
+              <a:t>feature</a:t>
+            </a:r>
+            <a:r>
+              <a:rPr lang="fr-FR" dirty="0" smtClean="0"/>
+              <a:t> son importance sur 1</a:t>
+            </a:r>
+            <a:endParaRPr lang="fr-FR" dirty="0"/>
+          </a:p>
+        </p:txBody>
+      </p:sp>
+    </p:spTree>
+    <p:extLst>
+      <p:ext uri="{BB962C8B-B14F-4D97-AF65-F5344CB8AC3E}">
+        <p14:creationId xmlns:p14="http://schemas.microsoft.com/office/powerpoint/2010/main" val="3660286143"/>
+      </p:ext>
+    </p:extLst>
+  </p:cSld>
+  <p:clrMapOvr>
+    <a:masterClrMapping/>
+  </p:clrMapOvr>
+  <p:timing>
+    <p:tnLst>
+      <p:par>
+        <p:cTn id="1" dur="indefinite" restart="never" nodeType="tmRoot"/>
+      </p:par>
+    </p:tnLst>
+  </p:timing>
+</p:sld>
+</file>
+
+<file path=ppt/slides/slide42.xml><?xml version="1.0" encoding="utf-8"?>
+<p:sld xmlns:a="http://schemas.openxmlformats.org/drawingml/2006/main" xmlns:r="http://schemas.openxmlformats.org/officeDocument/2006/relationships" xmlns:p="http://schemas.openxmlformats.org/presentationml/2006/main">
+  <p:cSld>
+    <p:spTree>
+      <p:nvGrpSpPr>
+        <p:cNvPr id="1" name=""/>
+        <p:cNvGrpSpPr/>
+        <p:nvPr/>
+      </p:nvGrpSpPr>
+      <p:grpSpPr>
+        <a:xfrm>
+          <a:off x="0" y="0"/>
+          <a:ext cx="0" cy="0"/>
+          <a:chOff x="0" y="0"/>
+          <a:chExt cx="0" cy="0"/>
+        </a:xfrm>
+      </p:grpSpPr>
+      <p:sp>
+        <p:nvSpPr>
+          <p:cNvPr id="2" name="Titre 1"/>
+          <p:cNvSpPr>
+            <a:spLocks noGrp="1"/>
+          </p:cNvSpPr>
+          <p:nvPr>
+            <p:ph type="title"/>
+          </p:nvPr>
+        </p:nvSpPr>
+        <p:spPr/>
+        <p:txBody>
+          <a:bodyPr/>
+          <a:lstStyle/>
+          <a:p>
+            <a:r>
+              <a:rPr lang="fr-FR" smtClean="0"/>
+              <a:t>Neurone</a:t>
+            </a:r>
+            <a:endParaRPr lang="fr-FR"/>
+          </a:p>
+        </p:txBody>
+      </p:sp>
+      <p:sp>
+        <p:nvSpPr>
+          <p:cNvPr id="3" name="Espace réservé du contenu 2"/>
+          <p:cNvSpPr>
+            <a:spLocks noGrp="1"/>
+          </p:cNvSpPr>
+          <p:nvPr>
+            <p:ph idx="1"/>
+          </p:nvPr>
+        </p:nvSpPr>
+        <p:spPr/>
+        <p:txBody>
+          <a:bodyPr/>
+          <a:lstStyle/>
+          <a:p>
+            <a:r>
+              <a:rPr lang="fr-FR" dirty="0" smtClean="0"/>
+              <a:t>En biologie un neurone est une cellule connecté à d’autre neurones qui a la faculté de laisser passer ou non un courant électrique</a:t>
+            </a:r>
+          </a:p>
+          <a:p>
+            <a:r>
+              <a:rPr lang="fr-FR" dirty="0" smtClean="0"/>
+              <a:t>Sa modélisation mathématique est appelé perceptron</a:t>
+            </a:r>
+          </a:p>
+          <a:p>
+            <a:endParaRPr lang="fr-FR" dirty="0"/>
+          </a:p>
+        </p:txBody>
+      </p:sp>
+    </p:spTree>
+    <p:extLst>
+      <p:ext uri="{BB962C8B-B14F-4D97-AF65-F5344CB8AC3E}">
+        <p14:creationId xmlns:p14="http://schemas.microsoft.com/office/powerpoint/2010/main" val="1551540444"/>
+      </p:ext>
+    </p:extLst>
+  </p:cSld>
+  <p:clrMapOvr>
+    <a:masterClrMapping/>
+  </p:clrMapOvr>
+  <p:timing>
+    <p:tnLst>
+      <p:par>
+        <p:cTn id="1" dur="indefinite" restart="never" nodeType="tmRoot"/>
+      </p:par>
+    </p:tnLst>
+  </p:timing>
+</p:sld>
+</file>
+
+<file path=ppt/slides/slide43.xml><?xml version="1.0" encoding="utf-8"?>
+<p:sld xmlns:a="http://schemas.openxmlformats.org/drawingml/2006/main" xmlns:r="http://schemas.openxmlformats.org/officeDocument/2006/relationships" xmlns:p="http://schemas.openxmlformats.org/presentationml/2006/main">
+  <p:cSld>
+    <p:spTree>
+      <p:nvGrpSpPr>
+        <p:cNvPr id="1" name=""/>
+        <p:cNvGrpSpPr/>
+        <p:nvPr/>
+      </p:nvGrpSpPr>
+      <p:grpSpPr>
+        <a:xfrm>
+          <a:off x="0" y="0"/>
+          <a:ext cx="0" cy="0"/>
+          <a:chOff x="0" y="0"/>
+          <a:chExt cx="0" cy="0"/>
+        </a:xfrm>
+      </p:grpSpPr>
+      <p:sp>
+        <p:nvSpPr>
+          <p:cNvPr id="2" name="Titre 1"/>
+          <p:cNvSpPr>
+            <a:spLocks noGrp="1"/>
+          </p:cNvSpPr>
+          <p:nvPr>
+            <p:ph type="title"/>
+          </p:nvPr>
+        </p:nvSpPr>
+        <p:spPr/>
+        <p:txBody>
+          <a:bodyPr/>
+          <a:lstStyle/>
+          <a:p>
+            <a:r>
+              <a:rPr lang="fr-FR" dirty="0" smtClean="0"/>
+              <a:t>Exemple simple</a:t>
+            </a:r>
+            <a:endParaRPr lang="fr-FR" dirty="0"/>
+          </a:p>
+        </p:txBody>
+      </p:sp>
+      <p:sp>
+        <p:nvSpPr>
+          <p:cNvPr id="3" name="Espace réservé du contenu 2"/>
+          <p:cNvSpPr>
+            <a:spLocks noGrp="1"/>
+          </p:cNvSpPr>
+          <p:nvPr>
+            <p:ph idx="1"/>
+          </p:nvPr>
+        </p:nvSpPr>
+        <p:spPr/>
+        <p:txBody>
+          <a:bodyPr/>
+          <a:lstStyle/>
+          <a:p>
+            <a:r>
+              <a:rPr lang="fr-FR" dirty="0" smtClean="0"/>
+              <a:t>Réseau (2,2,2)</a:t>
+            </a:r>
+          </a:p>
+          <a:p>
+            <a:pPr lvl="1"/>
+            <a:r>
+              <a:rPr lang="fr-FR" dirty="0" smtClean="0"/>
+              <a:t>2 inputs</a:t>
+            </a:r>
+          </a:p>
+          <a:p>
+            <a:pPr lvl="1"/>
+            <a:r>
+              <a:rPr lang="fr-FR" dirty="0" smtClean="0"/>
+              <a:t>2 </a:t>
+            </a:r>
+            <a:r>
+              <a:rPr lang="fr-FR" dirty="0" err="1" smtClean="0"/>
+              <a:t>hiddens</a:t>
+            </a:r>
+            <a:endParaRPr lang="fr-FR" dirty="0" smtClean="0"/>
+          </a:p>
+          <a:p>
+            <a:pPr lvl="1"/>
+            <a:r>
+              <a:rPr lang="fr-FR" dirty="0" smtClean="0"/>
+              <a:t>2 outputs</a:t>
+            </a:r>
+          </a:p>
+          <a:p>
+            <a:r>
+              <a:rPr lang="fr-FR" dirty="0" smtClean="0"/>
+              <a:t>Input [0.05, 0.1]</a:t>
+            </a:r>
+          </a:p>
+          <a:p>
+            <a:r>
+              <a:rPr lang="fr-FR" dirty="0" smtClean="0"/>
+              <a:t>Output </a:t>
+            </a:r>
+            <a:r>
+              <a:rPr lang="fr-FR" dirty="0" err="1" smtClean="0"/>
+              <a:t>target</a:t>
+            </a:r>
+            <a:r>
+              <a:rPr lang="fr-FR" dirty="0" smtClean="0"/>
+              <a:t> [0.01, 0.99]</a:t>
+            </a:r>
+          </a:p>
+          <a:p>
+            <a:r>
+              <a:rPr lang="fr-FR" dirty="0" err="1" smtClean="0"/>
+              <a:t>wx</a:t>
+            </a:r>
+            <a:r>
+              <a:rPr lang="fr-FR" dirty="0" smtClean="0"/>
+              <a:t> = Poids</a:t>
+            </a:r>
+          </a:p>
+          <a:p>
+            <a:r>
+              <a:rPr lang="fr-FR" dirty="0" err="1" smtClean="0"/>
+              <a:t>bx</a:t>
+            </a:r>
+            <a:r>
+              <a:rPr lang="fr-FR" dirty="0" smtClean="0"/>
+              <a:t> = </a:t>
+            </a:r>
+            <a:r>
+              <a:rPr lang="fr-FR" dirty="0" err="1" smtClean="0"/>
+              <a:t>Bias</a:t>
+            </a:r>
+            <a:r>
+              <a:rPr lang="fr-FR" dirty="0" smtClean="0"/>
+              <a:t> (seuils)</a:t>
+            </a:r>
+            <a:endParaRPr lang="fr-FR" dirty="0"/>
+          </a:p>
+        </p:txBody>
+      </p:sp>
+      <p:pic>
+        <p:nvPicPr>
+          <p:cNvPr id="1028" name="Picture 4" descr="neural_network (9)"/>
+          <p:cNvPicPr>
+            <a:picLocks noChangeAspect="1" noChangeArrowheads="1"/>
+          </p:cNvPicPr>
+          <p:nvPr/>
+        </p:nvPicPr>
+        <p:blipFill>
+          <a:blip r:embed="rId2">
+            <a:extLst>
+              <a:ext uri="{28A0092B-C50C-407E-A947-70E740481C1C}">
+                <a14:useLocalDpi xmlns:a14="http://schemas.microsoft.com/office/drawing/2010/main" val="0"/>
+              </a:ext>
+            </a:extLst>
+          </a:blip>
+          <a:srcRect/>
+          <a:stretch>
+            <a:fillRect/>
+          </a:stretch>
+        </p:blipFill>
+        <p:spPr bwMode="auto">
+          <a:xfrm>
+            <a:off x="4562537" y="1556792"/>
+            <a:ext cx="4152900" cy="3533776"/>
+          </a:xfrm>
+          <a:prstGeom prst="rect">
+            <a:avLst/>
+          </a:prstGeom>
+          <a:noFill/>
+          <a:extLst>
+            <a:ext uri="{909E8E84-426E-40DD-AFC4-6F175D3DCCD1}">
+              <a14:hiddenFill xmlns:a14="http://schemas.microsoft.com/office/drawing/2010/main">
+                <a:solidFill>
+                  <a:srgbClr val="FFFFFF"/>
+                </a:solidFill>
+              </a14:hiddenFill>
+            </a:ext>
+          </a:extLst>
+        </p:spPr>
+      </p:pic>
+    </p:spTree>
+    <p:extLst>
+      <p:ext uri="{BB962C8B-B14F-4D97-AF65-F5344CB8AC3E}">
+        <p14:creationId xmlns:p14="http://schemas.microsoft.com/office/powerpoint/2010/main" val="113919645"/>
+      </p:ext>
+    </p:extLst>
+  </p:cSld>
+  <p:clrMapOvr>
+    <a:masterClrMapping/>
+  </p:clrMapOvr>
+</p:sld>
+</file>
+
+<file path=ppt/slides/slide44.xml><?xml version="1.0" encoding="utf-8"?>
+<p:sld xmlns:a="http://schemas.openxmlformats.org/drawingml/2006/main" xmlns:r="http://schemas.openxmlformats.org/officeDocument/2006/relationships" xmlns:p="http://schemas.openxmlformats.org/presentationml/2006/main">
+  <p:cSld>
+    <p:spTree>
+      <p:nvGrpSpPr>
+        <p:cNvPr id="1" name=""/>
+        <p:cNvGrpSpPr/>
+        <p:nvPr/>
+      </p:nvGrpSpPr>
+      <p:grpSpPr>
+        <a:xfrm>
+          <a:off x="0" y="0"/>
+          <a:ext cx="0" cy="0"/>
+          <a:chOff x="0" y="0"/>
+          <a:chExt cx="0" cy="0"/>
+        </a:xfrm>
+      </p:grpSpPr>
+      <p:sp>
+        <p:nvSpPr>
+          <p:cNvPr id="2" name="Titre 1"/>
+          <p:cNvSpPr>
+            <a:spLocks noGrp="1"/>
+          </p:cNvSpPr>
+          <p:nvPr>
+            <p:ph type="title"/>
+          </p:nvPr>
+        </p:nvSpPr>
+        <p:spPr/>
+        <p:txBody>
+          <a:bodyPr/>
+          <a:lstStyle/>
+          <a:p>
+            <a:r>
+              <a:rPr lang="fr-FR" dirty="0" err="1" smtClean="0"/>
+              <a:t>Backpropagation</a:t>
+            </a:r>
+            <a:endParaRPr lang="fr-FR" dirty="0"/>
+          </a:p>
+        </p:txBody>
+      </p:sp>
+      <p:sp>
+        <p:nvSpPr>
+          <p:cNvPr id="3" name="Espace réservé du contenu 2"/>
+          <p:cNvSpPr>
+            <a:spLocks noGrp="1"/>
+          </p:cNvSpPr>
+          <p:nvPr>
+            <p:ph idx="1"/>
+          </p:nvPr>
+        </p:nvSpPr>
+        <p:spPr/>
+        <p:txBody>
+          <a:bodyPr/>
+          <a:lstStyle/>
+          <a:p>
+            <a:r>
+              <a:rPr lang="fr-FR" dirty="0" smtClean="0"/>
+              <a:t>Les réseaux de neurones sont souvent supervisé</a:t>
+            </a:r>
+          </a:p>
+          <a:p>
+            <a:pPr lvl="1"/>
+            <a:r>
+              <a:rPr lang="fr-FR" dirty="0" smtClean="0"/>
+              <a:t>Présence d’un feedback pour indiquer si le calcul est bon</a:t>
+            </a:r>
+          </a:p>
+          <a:p>
+            <a:r>
+              <a:rPr lang="fr-FR" dirty="0" smtClean="0"/>
+              <a:t>Si le feedback est bon, le neurone se fige un peu plus</a:t>
+            </a:r>
+          </a:p>
+          <a:p>
+            <a:r>
+              <a:rPr lang="fr-FR" dirty="0" smtClean="0"/>
+              <a:t>Sinon, le seuil et les poids changent un peu</a:t>
+            </a:r>
+          </a:p>
+          <a:p>
+            <a:endParaRPr lang="fr-FR" dirty="0" smtClean="0"/>
+          </a:p>
+          <a:p>
+            <a:endParaRPr lang="fr-FR" dirty="0"/>
+          </a:p>
+        </p:txBody>
+      </p:sp>
+    </p:spTree>
+    <p:extLst>
+      <p:ext uri="{BB962C8B-B14F-4D97-AF65-F5344CB8AC3E}">
+        <p14:creationId xmlns:p14="http://schemas.microsoft.com/office/powerpoint/2010/main" val="1210553398"/>
+      </p:ext>
+    </p:extLst>
+  </p:cSld>
+  <p:clrMapOvr>
+    <a:masterClrMapping/>
+  </p:clrMapOvr>
+  <p:timing>
+    <p:tnLst>
+      <p:par>
+        <p:cTn id="1" dur="indefinite" restart="never" nodeType="tmRoot"/>
+      </p:par>
+    </p:tnLst>
+  </p:timing>
+</p:sld>
+</file>
+
+<file path=ppt/slides/slide45.xml><?xml version="1.0" encoding="utf-8"?>
+<p:sld xmlns:a="http://schemas.openxmlformats.org/drawingml/2006/main" xmlns:r="http://schemas.openxmlformats.org/officeDocument/2006/relationships" xmlns:p="http://schemas.openxmlformats.org/presentationml/2006/main">
+  <p:cSld>
+    <p:spTree>
+      <p:nvGrpSpPr>
+        <p:cNvPr id="1" name=""/>
+        <p:cNvGrpSpPr/>
+        <p:nvPr/>
+      </p:nvGrpSpPr>
+      <p:grpSpPr>
+        <a:xfrm>
+          <a:off x="0" y="0"/>
+          <a:ext cx="0" cy="0"/>
+          <a:chOff x="0" y="0"/>
+          <a:chExt cx="0" cy="0"/>
+        </a:xfrm>
+      </p:grpSpPr>
+      <p:sp>
+        <p:nvSpPr>
+          <p:cNvPr id="2" name="Titre 1"/>
+          <p:cNvSpPr>
+            <a:spLocks noGrp="1"/>
+          </p:cNvSpPr>
+          <p:nvPr>
+            <p:ph type="title"/>
+          </p:nvPr>
+        </p:nvSpPr>
+        <p:spPr/>
+        <p:txBody>
+          <a:bodyPr/>
+          <a:lstStyle/>
+          <a:p>
+            <a:r>
+              <a:rPr lang="fr-FR" dirty="0" err="1" smtClean="0"/>
+              <a:t>Backpropagation</a:t>
+            </a:r>
+            <a:endParaRPr lang="fr-FR" dirty="0"/>
+          </a:p>
+        </p:txBody>
+      </p:sp>
+      <p:pic>
+        <p:nvPicPr>
+          <p:cNvPr id="4098" name="Picture 2" descr="https://dpzbhybb2pdcj.cloudfront.net/allaire/Figures/01fig09.jpg"/>
+          <p:cNvPicPr>
+            <a:picLocks noGrp="1" noChangeAspect="1" noChangeArrowheads="1"/>
+          </p:cNvPicPr>
+          <p:nvPr>
+            <p:ph idx="1"/>
+          </p:nvPr>
+        </p:nvPicPr>
+        <p:blipFill>
+          <a:blip r:embed="rId2">
+            <a:extLst>
+              <a:ext uri="{28A0092B-C50C-407E-A947-70E740481C1C}">
+                <a14:useLocalDpi xmlns:a14="http://schemas.microsoft.com/office/drawing/2010/main" val="0"/>
+              </a:ext>
+            </a:extLst>
+          </a:blip>
+          <a:srcRect/>
+          <a:stretch>
+            <a:fillRect/>
+          </a:stretch>
+        </p:blipFill>
+        <p:spPr bwMode="auto">
+          <a:xfrm>
+            <a:off x="2798341" y="1772816"/>
+            <a:ext cx="4608512" cy="3657214"/>
+          </a:xfrm>
+          <a:prstGeom prst="rect">
+            <a:avLst/>
+          </a:prstGeom>
+          <a:noFill/>
+          <a:extLst>
+            <a:ext uri="{909E8E84-426E-40DD-AFC4-6F175D3DCCD1}">
+              <a14:hiddenFill xmlns:a14="http://schemas.microsoft.com/office/drawing/2010/main">
+                <a:solidFill>
+                  <a:srgbClr val="FFFFFF"/>
+                </a:solidFill>
+              </a14:hiddenFill>
+            </a:ext>
+          </a:extLst>
+        </p:spPr>
+      </p:pic>
+    </p:spTree>
+    <p:extLst>
+      <p:ext uri="{BB962C8B-B14F-4D97-AF65-F5344CB8AC3E}">
+        <p14:creationId xmlns:p14="http://schemas.microsoft.com/office/powerpoint/2010/main" val="338348278"/>
+      </p:ext>
+    </p:extLst>
+  </p:cSld>
+  <p:clrMapOvr>
+    <a:masterClrMapping/>
+  </p:clrMapOvr>
+  <p:timing>
+    <p:tnLst>
+      <p:par>
+        <p:cTn id="1" dur="indefinite" restart="never" nodeType="tmRoot"/>
+      </p:par>
+    </p:tnLst>
+  </p:timing>
+</p:sld>
+</file>
+
+<file path=ppt/slides/slide46.xml><?xml version="1.0" encoding="utf-8"?>
+<p:sld xmlns:a="http://schemas.openxmlformats.org/drawingml/2006/main" xmlns:r="http://schemas.openxmlformats.org/officeDocument/2006/relationships" xmlns:p="http://schemas.openxmlformats.org/presentationml/2006/main">
+  <p:cSld>
+    <p:spTree>
+      <p:nvGrpSpPr>
+        <p:cNvPr id="1" name=""/>
+        <p:cNvGrpSpPr/>
+        <p:nvPr/>
+      </p:nvGrpSpPr>
+      <p:grpSpPr>
+        <a:xfrm>
+          <a:off x="0" y="0"/>
+          <a:ext cx="0" cy="0"/>
+          <a:chOff x="0" y="0"/>
+          <a:chExt cx="0" cy="0"/>
+        </a:xfrm>
+      </p:grpSpPr>
+      <p:sp>
+        <p:nvSpPr>
+          <p:cNvPr id="2" name="Titre 1"/>
+          <p:cNvSpPr>
+            <a:spLocks noGrp="1"/>
+          </p:cNvSpPr>
+          <p:nvPr>
+            <p:ph type="title"/>
+          </p:nvPr>
+        </p:nvSpPr>
+        <p:spPr/>
+        <p:txBody>
+          <a:bodyPr/>
+          <a:lstStyle/>
+          <a:p>
+            <a:r>
+              <a:rPr lang="fr-FR" smtClean="0"/>
+              <a:t>MLPClassifier</a:t>
+            </a:r>
+            <a:endParaRPr lang="fr-FR" dirty="0"/>
+          </a:p>
+        </p:txBody>
+      </p:sp>
+      <p:sp>
+        <p:nvSpPr>
+          <p:cNvPr id="3" name="Espace réservé du contenu 2"/>
+          <p:cNvSpPr>
+            <a:spLocks noGrp="1"/>
+          </p:cNvSpPr>
+          <p:nvPr>
+            <p:ph idx="1"/>
+          </p:nvPr>
+        </p:nvSpPr>
+        <p:spPr/>
+        <p:txBody>
+          <a:bodyPr/>
+          <a:lstStyle/>
+          <a:p>
+            <a:r>
+              <a:rPr lang="fr-FR" dirty="0" smtClean="0"/>
+              <a:t>Multi Layer Perceptron Classifier</a:t>
+            </a:r>
+          </a:p>
+          <a:p>
+            <a:r>
+              <a:rPr lang="fr-FR" dirty="0" err="1" smtClean="0"/>
+              <a:t>Hidden_layer_size</a:t>
+            </a:r>
+            <a:endParaRPr lang="fr-FR" dirty="0"/>
+          </a:p>
+          <a:p>
+            <a:pPr lvl="1"/>
+            <a:r>
+              <a:rPr lang="fr-FR" dirty="0" smtClean="0"/>
+              <a:t>nombre de perceptron par couche</a:t>
+            </a:r>
+          </a:p>
+          <a:p>
+            <a:pPr lvl="1"/>
+            <a:r>
+              <a:rPr lang="fr-FR" dirty="0" smtClean="0"/>
+              <a:t>(30,30,30) : trois couches de 30 perceptrons</a:t>
+            </a:r>
+          </a:p>
+          <a:p>
+            <a:r>
+              <a:rPr lang="fr-FR" dirty="0" smtClean="0"/>
+              <a:t>Activation</a:t>
+            </a:r>
+          </a:p>
+          <a:p>
+            <a:pPr lvl="1"/>
+            <a:r>
+              <a:rPr lang="fr-FR" dirty="0" smtClean="0"/>
+              <a:t>Fonction d’activation</a:t>
+            </a:r>
+          </a:p>
+          <a:p>
+            <a:pPr lvl="1"/>
+            <a:r>
+              <a:rPr lang="fr-FR" dirty="0" err="1" smtClean="0"/>
+              <a:t>Logistic</a:t>
+            </a:r>
+            <a:r>
+              <a:rPr lang="fr-FR" dirty="0" smtClean="0"/>
+              <a:t> : </a:t>
+            </a:r>
+            <a:r>
+              <a:rPr lang="fr-FR" dirty="0" err="1" smtClean="0"/>
+              <a:t>sigmoide</a:t>
+            </a:r>
+            <a:r>
+              <a:rPr lang="fr-FR" dirty="0" smtClean="0"/>
+              <a:t> bien répartie mais couteuse : </a:t>
+            </a:r>
+            <a:r>
+              <a:rPr lang="fr-FR" sz="2200" dirty="0" smtClean="0"/>
+              <a:t>f(x) = 1/1+exp(-x))</a:t>
+            </a:r>
+          </a:p>
+          <a:p>
+            <a:pPr lvl="1"/>
+            <a:r>
+              <a:rPr lang="fr-FR" dirty="0" err="1" smtClean="0"/>
+              <a:t>Tanh</a:t>
+            </a:r>
+            <a:r>
+              <a:rPr lang="fr-FR" dirty="0" smtClean="0"/>
+              <a:t> : </a:t>
+            </a:r>
+            <a:r>
+              <a:rPr lang="fr-FR" dirty="0" err="1" smtClean="0"/>
+              <a:t>sigmoide</a:t>
+            </a:r>
+            <a:r>
+              <a:rPr lang="fr-FR" dirty="0" smtClean="0"/>
+              <a:t> </a:t>
+            </a:r>
+            <a:r>
+              <a:rPr lang="fr-FR" dirty="0" err="1" smtClean="0"/>
+              <a:t>simplifée</a:t>
+            </a:r>
+            <a:r>
+              <a:rPr lang="fr-FR" dirty="0" smtClean="0"/>
+              <a:t> : </a:t>
+            </a:r>
+            <a:r>
+              <a:rPr lang="fr-FR" dirty="0"/>
+              <a:t>f(x) = </a:t>
+            </a:r>
+            <a:r>
+              <a:rPr lang="fr-FR" dirty="0" err="1"/>
+              <a:t>tanh</a:t>
+            </a:r>
+            <a:r>
+              <a:rPr lang="fr-FR" dirty="0"/>
+              <a:t>(x</a:t>
+            </a:r>
+            <a:r>
+              <a:rPr lang="fr-FR" dirty="0" smtClean="0"/>
+              <a:t>)</a:t>
+            </a:r>
+          </a:p>
+          <a:p>
+            <a:pPr lvl="1"/>
+            <a:r>
+              <a:rPr lang="fr-FR" dirty="0" smtClean="0"/>
+              <a:t>Relu (par défaut) : f(x) = max (0, x) rapide mais ne permet pas de tout faire </a:t>
+            </a:r>
+          </a:p>
+        </p:txBody>
+      </p:sp>
+      <p:pic>
+        <p:nvPicPr>
+          <p:cNvPr id="2050" name="Picture 2" descr="Résultat de recherche d'images pour &quot;sigmoide&quot;"/>
+          <p:cNvPicPr>
+            <a:picLocks noChangeAspect="1" noChangeArrowheads="1"/>
+          </p:cNvPicPr>
+          <p:nvPr/>
+        </p:nvPicPr>
+        <p:blipFill>
+          <a:blip r:embed="rId2">
+            <a:extLst>
+              <a:ext uri="{28A0092B-C50C-407E-A947-70E740481C1C}">
+                <a14:useLocalDpi xmlns:a14="http://schemas.microsoft.com/office/drawing/2010/main" val="0"/>
+              </a:ext>
+            </a:extLst>
+          </a:blip>
+          <a:srcRect/>
+          <a:stretch>
+            <a:fillRect/>
+          </a:stretch>
+        </p:blipFill>
+        <p:spPr bwMode="auto">
+          <a:xfrm>
+            <a:off x="7337450" y="2636912"/>
+            <a:ext cx="1680121" cy="1680122"/>
+          </a:xfrm>
+          <a:prstGeom prst="rect">
+            <a:avLst/>
+          </a:prstGeom>
+          <a:noFill/>
+          <a:extLst>
+            <a:ext uri="{909E8E84-426E-40DD-AFC4-6F175D3DCCD1}">
+              <a14:hiddenFill xmlns:a14="http://schemas.microsoft.com/office/drawing/2010/main">
+                <a:solidFill>
+                  <a:srgbClr val="FFFFFF"/>
+                </a:solidFill>
+              </a14:hiddenFill>
+            </a:ext>
+          </a:extLst>
+        </p:spPr>
+      </p:pic>
+    </p:spTree>
+    <p:extLst>
+      <p:ext uri="{BB962C8B-B14F-4D97-AF65-F5344CB8AC3E}">
+        <p14:creationId xmlns:p14="http://schemas.microsoft.com/office/powerpoint/2010/main" val="1573822535"/>
+      </p:ext>
+    </p:extLst>
+  </p:cSld>
+  <p:clrMapOvr>
+    <a:masterClrMapping/>
+  </p:clrMapOvr>
+  <p:timing>
+    <p:tnLst>
+      <p:par>
+        <p:cTn id="1" dur="indefinite" restart="never" nodeType="tmRoot"/>
+      </p:par>
+    </p:tnLst>
+  </p:timing>
+</p:sld>
+</file>
+
+<file path=ppt/slides/slide47.xml><?xml version="1.0" encoding="utf-8"?>
+<p:sld xmlns:a="http://schemas.openxmlformats.org/drawingml/2006/main" xmlns:r="http://schemas.openxmlformats.org/officeDocument/2006/relationships" xmlns:p="http://schemas.openxmlformats.org/presentationml/2006/main">
+  <p:cSld>
+    <p:spTree>
+      <p:nvGrpSpPr>
+        <p:cNvPr id="1" name=""/>
+        <p:cNvGrpSpPr/>
+        <p:nvPr/>
+      </p:nvGrpSpPr>
+      <p:grpSpPr>
+        <a:xfrm>
+          <a:off x="0" y="0"/>
+          <a:ext cx="0" cy="0"/>
+          <a:chOff x="0" y="0"/>
+          <a:chExt cx="0" cy="0"/>
+        </a:xfrm>
+      </p:grpSpPr>
+      <p:sp>
+        <p:nvSpPr>
+          <p:cNvPr id="2" name="Titre 1"/>
+          <p:cNvSpPr>
+            <a:spLocks noGrp="1"/>
+          </p:cNvSpPr>
+          <p:nvPr>
+            <p:ph type="title"/>
+          </p:nvPr>
+        </p:nvSpPr>
+        <p:spPr/>
+        <p:txBody>
+          <a:bodyPr/>
+          <a:lstStyle/>
+          <a:p>
+            <a:r>
+              <a:rPr lang="fr-FR" dirty="0" err="1" smtClean="0"/>
+              <a:t>MLPClassifier</a:t>
+            </a:r>
+            <a:endParaRPr lang="fr-FR" dirty="0"/>
+          </a:p>
+        </p:txBody>
+      </p:sp>
+      <p:sp>
+        <p:nvSpPr>
+          <p:cNvPr id="3" name="Espace réservé du contenu 2"/>
+          <p:cNvSpPr>
+            <a:spLocks noGrp="1"/>
+          </p:cNvSpPr>
+          <p:nvPr>
+            <p:ph idx="1"/>
+          </p:nvPr>
+        </p:nvSpPr>
+        <p:spPr/>
+        <p:txBody>
+          <a:bodyPr/>
+          <a:lstStyle/>
+          <a:p>
+            <a:r>
+              <a:rPr lang="fr-FR" sz="2400" dirty="0" err="1" smtClean="0"/>
+              <a:t>Solver</a:t>
+            </a:r>
+            <a:endParaRPr lang="fr-FR" sz="2400" dirty="0" smtClean="0"/>
+          </a:p>
+          <a:p>
+            <a:pPr lvl="1"/>
+            <a:r>
+              <a:rPr lang="fr-FR" sz="2000" dirty="0" smtClean="0"/>
+              <a:t>Algorithme du changement du poids</a:t>
+            </a:r>
+            <a:endParaRPr lang="fr-FR" sz="2000" dirty="0"/>
+          </a:p>
+          <a:p>
+            <a:pPr lvl="1"/>
+            <a:r>
+              <a:rPr lang="fr-FR" sz="2000" dirty="0" smtClean="0"/>
+              <a:t>Par défaut </a:t>
+            </a:r>
+            <a:r>
+              <a:rPr lang="fr-FR" sz="2000" dirty="0" err="1" smtClean="0"/>
+              <a:t>adam</a:t>
+            </a:r>
+            <a:r>
+              <a:rPr lang="fr-FR" sz="2000" dirty="0"/>
+              <a:t> (</a:t>
+            </a:r>
+            <a:r>
+              <a:rPr lang="fr-FR" sz="2000" dirty="0" err="1"/>
+              <a:t>stochastic</a:t>
+            </a:r>
+            <a:r>
+              <a:rPr lang="fr-FR" sz="2000" dirty="0"/>
+              <a:t> gradient-</a:t>
+            </a:r>
+            <a:r>
+              <a:rPr lang="fr-FR" sz="2000" dirty="0" err="1"/>
+              <a:t>based</a:t>
+            </a:r>
+            <a:r>
+              <a:rPr lang="fr-FR" sz="2000" dirty="0"/>
+              <a:t> </a:t>
+            </a:r>
+            <a:r>
+              <a:rPr lang="fr-FR" sz="2000" dirty="0" err="1" smtClean="0"/>
+              <a:t>optimizer</a:t>
+            </a:r>
+            <a:r>
+              <a:rPr lang="fr-FR" sz="2000" dirty="0" smtClean="0"/>
+              <a:t>)</a:t>
+            </a:r>
+          </a:p>
+          <a:p>
+            <a:pPr lvl="1"/>
+            <a:r>
+              <a:rPr lang="fr-FR" sz="2000" dirty="0" err="1" smtClean="0"/>
+              <a:t>Sgd</a:t>
+            </a:r>
+            <a:r>
+              <a:rPr lang="fr-FR" sz="2000" dirty="0" smtClean="0"/>
+              <a:t> va utiliser </a:t>
+            </a:r>
+            <a:r>
+              <a:rPr lang="fr-FR" sz="2000" dirty="0" err="1" smtClean="0"/>
+              <a:t>Learning_rate</a:t>
+            </a:r>
+            <a:endParaRPr lang="fr-FR" sz="2000" dirty="0" smtClean="0"/>
+          </a:p>
+          <a:p>
+            <a:r>
+              <a:rPr lang="fr-FR" sz="2400" dirty="0" smtClean="0"/>
+              <a:t>Alpha</a:t>
+            </a:r>
+          </a:p>
+          <a:p>
+            <a:pPr lvl="1"/>
+            <a:r>
+              <a:rPr lang="fr-FR" sz="2000" dirty="0" smtClean="0"/>
+              <a:t>0.00001</a:t>
+            </a:r>
+          </a:p>
+          <a:p>
+            <a:pPr lvl="1"/>
+            <a:r>
+              <a:rPr lang="fr-FR" sz="2000" dirty="0" smtClean="0"/>
+              <a:t>Pénalité</a:t>
+            </a:r>
+          </a:p>
+          <a:p>
+            <a:r>
+              <a:rPr lang="fr-FR" sz="2400" dirty="0" err="1" smtClean="0"/>
+              <a:t>Learning_rate</a:t>
+            </a:r>
+            <a:endParaRPr lang="fr-FR" sz="2400" dirty="0" smtClean="0"/>
+          </a:p>
+          <a:p>
+            <a:pPr lvl="1"/>
+            <a:r>
+              <a:rPr lang="fr-FR" sz="2000" dirty="0" smtClean="0"/>
+              <a:t>Constant : changement de poids constant</a:t>
+            </a:r>
+          </a:p>
+          <a:p>
+            <a:pPr lvl="1"/>
+            <a:r>
+              <a:rPr lang="fr-FR" sz="2000" dirty="0" smtClean="0"/>
+              <a:t>Adaptive : Augmente en cas d’erreurs successive, abaisse en cas de succès successif, d’une valeur décrite dans </a:t>
+            </a:r>
+            <a:r>
+              <a:rPr lang="fr-FR" sz="2000" dirty="0" err="1" smtClean="0"/>
+              <a:t>momentum</a:t>
+            </a:r>
+            <a:endParaRPr lang="fr-FR" sz="2000" dirty="0" smtClean="0"/>
+          </a:p>
+          <a:p>
+            <a:pPr lvl="1"/>
+            <a:r>
+              <a:rPr lang="fr-FR" sz="2000" dirty="0" err="1" smtClean="0"/>
+              <a:t>Invscaling</a:t>
+            </a:r>
+            <a:r>
+              <a:rPr lang="fr-FR" sz="2000" dirty="0" smtClean="0"/>
+              <a:t> : baisse dans le temps</a:t>
+            </a:r>
+          </a:p>
+          <a:p>
+            <a:pPr lvl="1"/>
+            <a:endParaRPr lang="fr-FR" dirty="0"/>
+          </a:p>
+        </p:txBody>
+      </p:sp>
+    </p:spTree>
+    <p:extLst>
+      <p:ext uri="{BB962C8B-B14F-4D97-AF65-F5344CB8AC3E}">
+        <p14:creationId xmlns:p14="http://schemas.microsoft.com/office/powerpoint/2010/main" val="149886064"/>
+      </p:ext>
+    </p:extLst>
+  </p:cSld>
+  <p:clrMapOvr>
+    <a:masterClrMapping/>
+  </p:clrMapOvr>
+  <p:timing>
+    <p:tnLst>
+      <p:par>
+        <p:cTn id="1" dur="indefinite" restart="never" nodeType="tmRoot"/>
+      </p:par>
+    </p:tnLst>
+  </p:timing>
+</p:sld>
+</file>
+
 <file path=ppt/slides/slide48.xml><?xml version="1.0" encoding="utf-8"?>
 <p:sld xmlns:a="http://schemas.openxmlformats.org/drawingml/2006/main" xmlns:r="http://schemas.openxmlformats.org/officeDocument/2006/relationships" xmlns:p="http://schemas.openxmlformats.org/presentationml/2006/main">
   <p:cSld>
@@ -10006,12 +9872,8 @@
           <a:lstStyle/>
           <a:p>
             <a:r>
-              <a:rPr lang="fr-FR" dirty="0" smtClean="0"/>
-              <a:t>Importances des </a:t>
-            </a:r>
-            <a:r>
               <a:rPr lang="fr-FR" dirty="0" err="1" smtClean="0"/>
-              <a:t>features</a:t>
+              <a:t>MLPClassifier</a:t>
             </a:r>
             <a:endParaRPr lang="fr-FR" dirty="0"/>
           </a:p>
@@ -10033,48 +9895,53 @@
           <a:lstStyle/>
           <a:p>
             <a:r>
-              <a:rPr lang="fr-FR" dirty="0" smtClean="0"/>
-              <a:t>Les précédents algorithmes ne permettaient pas de connaître l'importance de chaque </a:t>
-            </a:r>
-            <a:r>
               <a:rPr lang="fr-FR" dirty="0" err="1" smtClean="0"/>
-              <a:t>feature</a:t>
+              <a:t>Max_iter</a:t>
             </a:r>
             <a:endParaRPr lang="fr-FR" dirty="0" smtClean="0"/>
           </a:p>
           <a:p>
-            <a:r>
-              <a:rPr lang="fr-FR" dirty="0" smtClean="0"/>
-              <a:t>Il est souvent utile de savoir les </a:t>
-            </a:r>
+            <a:pPr lvl="1"/>
+            <a:r>
+              <a:rPr lang="fr-FR" dirty="0" smtClean="0"/>
+              <a:t>Nombre d’itération</a:t>
+            </a:r>
+          </a:p>
+          <a:p>
+            <a:pPr lvl="1"/>
+            <a:r>
+              <a:rPr lang="fr-FR" dirty="0" smtClean="0"/>
+              <a:t>200 par défaut</a:t>
+            </a:r>
+          </a:p>
+          <a:p>
             <a:r>
               <a:rPr lang="fr-FR" dirty="0" err="1" smtClean="0"/>
-              <a:t>features</a:t>
-            </a:r>
-            <a:r>
-              <a:rPr lang="fr-FR" dirty="0" smtClean="0"/>
-              <a:t> prépondérantes</a:t>
-            </a:r>
+              <a:t>Tol</a:t>
+            </a:r>
+            <a:endParaRPr lang="fr-FR" dirty="0" smtClean="0"/>
           </a:p>
           <a:p>
             <a:pPr lvl="1"/>
             <a:r>
               <a:rPr lang="fr-FR" dirty="0" smtClean="0"/>
-              <a:t>Et l'inverse celle qui ne le sont pas</a:t>
-            </a:r>
-          </a:p>
-          <a:p>
-            <a:pPr lvl="1"/>
-            <a:r>
-              <a:rPr lang="fr-FR" dirty="0"/>
-              <a:t>Permet de faire baisser le nombre de dimension</a:t>
-            </a:r>
-          </a:p>
-          <a:p>
-            <a:pPr lvl="1"/>
-            <a:endParaRPr lang="fr-FR" dirty="0" smtClean="0"/>
-          </a:p>
-          <a:p>
+              <a:t>Tolérance au score</a:t>
+            </a:r>
+          </a:p>
+          <a:p>
+            <a:pPr lvl="2"/>
+            <a:r>
+              <a:rPr lang="fr-FR" dirty="0" smtClean="0"/>
+              <a:t>10</a:t>
+            </a:r>
+            <a:r>
+              <a:rPr lang="fr-FR" baseline="30000" dirty="0" smtClean="0"/>
+              <a:t>E</a:t>
+            </a:r>
+            <a:r>
+              <a:rPr lang="fr-FR" dirty="0" smtClean="0"/>
+              <a:t>-4</a:t>
+            </a:r>
             <a:endParaRPr lang="fr-FR" dirty="0"/>
           </a:p>
         </p:txBody>
@@ -10082,7 +9949,7 @@
     </p:spTree>
     <p:extLst>
       <p:ext uri="{BB962C8B-B14F-4D97-AF65-F5344CB8AC3E}">
-        <p14:creationId xmlns:p14="http://schemas.microsoft.com/office/powerpoint/2010/main" val="2130078548"/>
+        <p14:creationId xmlns:p14="http://schemas.microsoft.com/office/powerpoint/2010/main" val="2535759257"/>
       </p:ext>
     </p:extLst>
   </p:cSld>
@@ -10132,63 +9999,41 @@
           <a:lstStyle/>
           <a:p>
             <a:r>
-              <a:rPr lang="fr-FR" dirty="0" smtClean="0"/>
-              <a:t>Importance </a:t>
-            </a:r>
-            <a:r>
               <a:rPr lang="fr-FR" dirty="0" err="1" smtClean="0"/>
-              <a:t>Feature</a:t>
+              <a:t>MLPClassifier</a:t>
             </a:r>
             <a:endParaRPr lang="fr-FR" dirty="0"/>
           </a:p>
         </p:txBody>
       </p:sp>
-      <p:sp>
-        <p:nvSpPr>
-          <p:cNvPr id="3" name="Espace réservé du contenu 2"/>
-          <p:cNvSpPr>
-            <a:spLocks noGrp="1"/>
-          </p:cNvSpPr>
-          <p:nvPr>
-            <p:ph idx="1"/>
-          </p:nvPr>
-        </p:nvSpPr>
-        <p:spPr/>
-        <p:txBody>
-          <a:bodyPr/>
-          <a:lstStyle/>
-          <a:p>
-            <a:r>
-              <a:rPr lang="fr-FR" dirty="0" err="1" smtClean="0"/>
-              <a:t>forest.feature_importances</a:t>
-            </a:r>
-            <a:r>
-              <a:rPr lang="fr-FR" dirty="0" smtClean="0"/>
-              <a:t>_</a:t>
-            </a:r>
-          </a:p>
-          <a:p>
-            <a:pPr lvl="1"/>
-            <a:r>
-              <a:rPr lang="fr-FR" dirty="0" smtClean="0"/>
-              <a:t>Permet de donner pour chaque </a:t>
-            </a:r>
-            <a:r>
-              <a:rPr lang="fr-FR" dirty="0" err="1" smtClean="0"/>
-              <a:t>feature</a:t>
-            </a:r>
-            <a:r>
-              <a:rPr lang="fr-FR" dirty="0" smtClean="0"/>
-              <a:t> son importance sur 1</a:t>
-            </a:r>
-            <a:endParaRPr lang="fr-FR" dirty="0"/>
-          </a:p>
-        </p:txBody>
-      </p:sp>
+      <p:pic>
+        <p:nvPicPr>
+          <p:cNvPr id="4" name="Image 3"/>
+          <p:cNvPicPr>
+            <a:picLocks noChangeAspect="1"/>
+          </p:cNvPicPr>
+          <p:nvPr/>
+        </p:nvPicPr>
+        <p:blipFill>
+          <a:blip r:embed="rId2"/>
+          <a:stretch>
+            <a:fillRect/>
+          </a:stretch>
+        </p:blipFill>
+        <p:spPr>
+          <a:xfrm>
+            <a:off x="85816" y="1433512"/>
+            <a:ext cx="9011862" cy="4731792"/>
+          </a:xfrm>
+          <a:prstGeom prst="rect">
+            <a:avLst/>
+          </a:prstGeom>
+        </p:spPr>
+      </p:pic>
     </p:spTree>
     <p:extLst>
       <p:ext uri="{BB962C8B-B14F-4D97-AF65-F5344CB8AC3E}">
-        <p14:creationId xmlns:p14="http://schemas.microsoft.com/office/powerpoint/2010/main" val="3660286143"/>
+        <p14:creationId xmlns:p14="http://schemas.microsoft.com/office/powerpoint/2010/main" val="1906528269"/>
       </p:ext>
     </p:extLst>
   </p:cSld>
@@ -10340,2011 +10185,6 @@
           <a:p>
             <a:r>
               <a:rPr lang="fr-FR" dirty="0" smtClean="0"/>
-              <a:t>SVM</a:t>
-            </a:r>
-            <a:endParaRPr lang="fr-FR" dirty="0"/>
-          </a:p>
-        </p:txBody>
-      </p:sp>
-      <p:sp>
-        <p:nvSpPr>
-          <p:cNvPr id="3" name="Espace réservé du contenu 2"/>
-          <p:cNvSpPr>
-            <a:spLocks noGrp="1"/>
-          </p:cNvSpPr>
-          <p:nvPr>
-            <p:ph idx="1"/>
-          </p:nvPr>
-        </p:nvSpPr>
-        <p:spPr/>
-        <p:txBody>
-          <a:bodyPr/>
-          <a:lstStyle/>
-          <a:p>
-            <a:r>
-              <a:rPr lang="fr-FR" dirty="0"/>
-              <a:t>Les machines à vecteurs de </a:t>
-            </a:r>
-            <a:r>
-              <a:rPr lang="fr-FR" dirty="0" smtClean="0"/>
-              <a:t>support sont </a:t>
-            </a:r>
-            <a:r>
-              <a:rPr lang="fr-FR" dirty="0"/>
-              <a:t>un ensemble de techniques d'apprentissage supervisé destinées à résoudre des problèmes de </a:t>
-            </a:r>
-            <a:r>
-              <a:rPr lang="fr-FR" dirty="0" smtClean="0"/>
-              <a:t>discrimination</a:t>
-            </a:r>
-          </a:p>
-          <a:p>
-            <a:pPr lvl="1"/>
-            <a:r>
-              <a:rPr lang="fr-FR" dirty="0" smtClean="0"/>
-              <a:t>Les </a:t>
-            </a:r>
-            <a:r>
-              <a:rPr lang="fr-FR" dirty="0"/>
-              <a:t>SVM sont une généralisation des </a:t>
-            </a:r>
-            <a:r>
-              <a:rPr lang="fr-FR" dirty="0" err="1"/>
-              <a:t>classifieurs</a:t>
-            </a:r>
-            <a:r>
-              <a:rPr lang="fr-FR" dirty="0"/>
-              <a:t> linéaires.</a:t>
-            </a:r>
-          </a:p>
-          <a:p>
-            <a:pPr lvl="1"/>
-            <a:r>
-              <a:rPr lang="fr-FR" dirty="0" smtClean="0"/>
-              <a:t>Date </a:t>
-            </a:r>
-            <a:r>
-              <a:rPr lang="fr-FR" dirty="0"/>
-              <a:t>années 1990 à partir des considérations théoriques de Vladimir </a:t>
-            </a:r>
-            <a:r>
-              <a:rPr lang="fr-FR" dirty="0" err="1"/>
-              <a:t>Vapnik</a:t>
-            </a:r>
-            <a:r>
-              <a:rPr lang="fr-FR" dirty="0"/>
-              <a:t> sur le développement d'une théorie statistique de l'apprentissage : la théorie de </a:t>
-            </a:r>
-            <a:r>
-              <a:rPr lang="fr-FR" dirty="0" err="1" smtClean="0"/>
-              <a:t>Vapnik-Chervonenkis</a:t>
-            </a:r>
-            <a:endParaRPr lang="fr-FR" dirty="0"/>
-          </a:p>
-        </p:txBody>
-      </p:sp>
-    </p:spTree>
-    <p:extLst>
-      <p:ext uri="{BB962C8B-B14F-4D97-AF65-F5344CB8AC3E}">
-        <p14:creationId xmlns:p14="http://schemas.microsoft.com/office/powerpoint/2010/main" val="1643540750"/>
-      </p:ext>
-    </p:extLst>
-  </p:cSld>
-  <p:clrMapOvr>
-    <a:masterClrMapping/>
-  </p:clrMapOvr>
-  <p:timing>
-    <p:tnLst>
-      <p:par>
-        <p:cTn id="1" dur="indefinite" restart="never" nodeType="tmRoot"/>
-      </p:par>
-    </p:tnLst>
-  </p:timing>
-</p:sld>
-</file>
-
-<file path=ppt/slides/slide51.xml><?xml version="1.0" encoding="utf-8"?>
-<p:sld xmlns:a="http://schemas.openxmlformats.org/drawingml/2006/main" xmlns:r="http://schemas.openxmlformats.org/officeDocument/2006/relationships" xmlns:p="http://schemas.openxmlformats.org/presentationml/2006/main">
-  <p:cSld>
-    <p:spTree>
-      <p:nvGrpSpPr>
-        <p:cNvPr id="1" name=""/>
-        <p:cNvGrpSpPr/>
-        <p:nvPr/>
-      </p:nvGrpSpPr>
-      <p:grpSpPr>
-        <a:xfrm>
-          <a:off x="0" y="0"/>
-          <a:ext cx="0" cy="0"/>
-          <a:chOff x="0" y="0"/>
-          <a:chExt cx="0" cy="0"/>
-        </a:xfrm>
-      </p:grpSpPr>
-      <p:sp>
-        <p:nvSpPr>
-          <p:cNvPr id="2" name="Titre 1"/>
-          <p:cNvSpPr>
-            <a:spLocks noGrp="1"/>
-          </p:cNvSpPr>
-          <p:nvPr>
-            <p:ph type="title"/>
-          </p:nvPr>
-        </p:nvSpPr>
-        <p:spPr/>
-        <p:txBody>
-          <a:bodyPr/>
-          <a:lstStyle/>
-          <a:p>
-            <a:r>
-              <a:rPr lang="fr-FR" dirty="0" smtClean="0"/>
-              <a:t>SVM</a:t>
-            </a:r>
-            <a:endParaRPr lang="fr-FR" dirty="0"/>
-          </a:p>
-        </p:txBody>
-      </p:sp>
-      <p:sp>
-        <p:nvSpPr>
-          <p:cNvPr id="3" name="Espace réservé du contenu 2"/>
-          <p:cNvSpPr>
-            <a:spLocks noGrp="1"/>
-          </p:cNvSpPr>
-          <p:nvPr>
-            <p:ph idx="1"/>
-          </p:nvPr>
-        </p:nvSpPr>
-        <p:spPr/>
-        <p:txBody>
-          <a:bodyPr/>
-          <a:lstStyle/>
-          <a:p>
-            <a:r>
-              <a:rPr lang="fr-FR" dirty="0" smtClean="0"/>
-              <a:t>Support </a:t>
-            </a:r>
-            <a:r>
-              <a:rPr lang="fr-FR" dirty="0" err="1" smtClean="0"/>
-              <a:t>Vector</a:t>
-            </a:r>
-            <a:r>
-              <a:rPr lang="fr-FR" dirty="0" smtClean="0"/>
-              <a:t> Machine est une alternative à k-NN</a:t>
-            </a:r>
-          </a:p>
-          <a:p>
-            <a:pPr lvl="1"/>
-            <a:r>
-              <a:rPr lang="fr-FR" dirty="0" smtClean="0"/>
-              <a:t>Très efficace</a:t>
-            </a:r>
-          </a:p>
-          <a:p>
-            <a:pPr lvl="1"/>
-            <a:r>
-              <a:rPr lang="fr-FR" dirty="0" smtClean="0"/>
-              <a:t>Ne fournit pas de calcul d’erreur aisément</a:t>
-            </a:r>
-          </a:p>
-          <a:p>
-            <a:pPr lvl="1"/>
-            <a:r>
-              <a:rPr lang="fr-FR" dirty="0" smtClean="0"/>
-              <a:t>Les séparations des catégories peuvent être vectorielles</a:t>
-            </a:r>
-          </a:p>
-          <a:p>
-            <a:pPr lvl="1"/>
-            <a:r>
-              <a:rPr lang="en-US" dirty="0" err="1"/>
-              <a:t>clf</a:t>
-            </a:r>
-            <a:r>
-              <a:rPr lang="en-US" dirty="0"/>
-              <a:t> = </a:t>
-            </a:r>
-            <a:r>
-              <a:rPr lang="en-US" dirty="0" err="1" smtClean="0"/>
-              <a:t>svm.SVC</a:t>
-            </a:r>
-            <a:r>
-              <a:rPr lang="en-US" dirty="0" smtClean="0"/>
-              <a:t>(kernel=“poly”)</a:t>
-            </a:r>
-            <a:endParaRPr lang="en-US" dirty="0"/>
-          </a:p>
-          <a:p>
-            <a:pPr lvl="1"/>
-            <a:r>
-              <a:rPr lang="en-US" dirty="0" err="1" smtClean="0"/>
-              <a:t>clf.fit</a:t>
-            </a:r>
-            <a:r>
-              <a:rPr lang="en-US" dirty="0" smtClean="0"/>
-              <a:t>(X</a:t>
-            </a:r>
-            <a:r>
-              <a:rPr lang="en-US" dirty="0"/>
-              <a:t>, Y) </a:t>
-            </a:r>
-            <a:endParaRPr lang="fr-FR" dirty="0" smtClean="0"/>
-          </a:p>
-          <a:p>
-            <a:pPr lvl="1"/>
-            <a:endParaRPr lang="fr-FR" dirty="0" smtClean="0"/>
-          </a:p>
-          <a:p>
-            <a:pPr lvl="1"/>
-            <a:endParaRPr lang="fr-FR" dirty="0"/>
-          </a:p>
-        </p:txBody>
-      </p:sp>
-      <p:pic>
-        <p:nvPicPr>
-          <p:cNvPr id="4" name="Image 3"/>
-          <p:cNvPicPr>
-            <a:picLocks noChangeAspect="1"/>
-          </p:cNvPicPr>
-          <p:nvPr/>
-        </p:nvPicPr>
-        <p:blipFill>
-          <a:blip r:embed="rId2"/>
-          <a:stretch>
-            <a:fillRect/>
-          </a:stretch>
-        </p:blipFill>
-        <p:spPr>
-          <a:xfrm>
-            <a:off x="4499992" y="3742126"/>
-            <a:ext cx="4320480" cy="3137739"/>
-          </a:xfrm>
-          <a:prstGeom prst="rect">
-            <a:avLst/>
-          </a:prstGeom>
-        </p:spPr>
-      </p:pic>
-    </p:spTree>
-    <p:extLst>
-      <p:ext uri="{BB962C8B-B14F-4D97-AF65-F5344CB8AC3E}">
-        <p14:creationId xmlns:p14="http://schemas.microsoft.com/office/powerpoint/2010/main" val="791535760"/>
-      </p:ext>
-    </p:extLst>
-  </p:cSld>
-  <p:clrMapOvr>
-    <a:masterClrMapping/>
-  </p:clrMapOvr>
-  <p:timing>
-    <p:tnLst>
-      <p:par>
-        <p:cTn id="1" dur="indefinite" restart="never" nodeType="tmRoot"/>
-      </p:par>
-    </p:tnLst>
-  </p:timing>
-</p:sld>
-</file>
-
-<file path=ppt/slides/slide52.xml><?xml version="1.0" encoding="utf-8"?>
-<p:sld xmlns:a="http://schemas.openxmlformats.org/drawingml/2006/main" xmlns:r="http://schemas.openxmlformats.org/officeDocument/2006/relationships" xmlns:p="http://schemas.openxmlformats.org/presentationml/2006/main">
-  <p:cSld>
-    <p:spTree>
-      <p:nvGrpSpPr>
-        <p:cNvPr id="1" name=""/>
-        <p:cNvGrpSpPr/>
-        <p:nvPr/>
-      </p:nvGrpSpPr>
-      <p:grpSpPr>
-        <a:xfrm>
-          <a:off x="0" y="0"/>
-          <a:ext cx="0" cy="0"/>
-          <a:chOff x="0" y="0"/>
-          <a:chExt cx="0" cy="0"/>
-        </a:xfrm>
-      </p:grpSpPr>
-      <p:sp>
-        <p:nvSpPr>
-          <p:cNvPr id="2" name="Titre 1"/>
-          <p:cNvSpPr>
-            <a:spLocks noGrp="1"/>
-          </p:cNvSpPr>
-          <p:nvPr>
-            <p:ph type="title"/>
-          </p:nvPr>
-        </p:nvSpPr>
-        <p:spPr/>
-        <p:txBody>
-          <a:bodyPr/>
-          <a:lstStyle/>
-          <a:p>
-            <a:r>
-              <a:rPr lang="fr-FR" smtClean="0"/>
-              <a:t>Neurone</a:t>
-            </a:r>
-            <a:endParaRPr lang="fr-FR"/>
-          </a:p>
-        </p:txBody>
-      </p:sp>
-      <p:sp>
-        <p:nvSpPr>
-          <p:cNvPr id="3" name="Espace réservé du contenu 2"/>
-          <p:cNvSpPr>
-            <a:spLocks noGrp="1"/>
-          </p:cNvSpPr>
-          <p:nvPr>
-            <p:ph idx="1"/>
-          </p:nvPr>
-        </p:nvSpPr>
-        <p:spPr/>
-        <p:txBody>
-          <a:bodyPr/>
-          <a:lstStyle/>
-          <a:p>
-            <a:r>
-              <a:rPr lang="fr-FR" dirty="0" smtClean="0"/>
-              <a:t>En biologie un neurone est une cellule connecté à d’autre neurones qui a la faculté de laisser passer ou non un courant électrique</a:t>
-            </a:r>
-          </a:p>
-          <a:p>
-            <a:r>
-              <a:rPr lang="fr-FR" dirty="0" smtClean="0"/>
-              <a:t>Sa modélisation mathématique est appelé perceptron</a:t>
-            </a:r>
-          </a:p>
-          <a:p>
-            <a:endParaRPr lang="fr-FR" dirty="0"/>
-          </a:p>
-        </p:txBody>
-      </p:sp>
-    </p:spTree>
-    <p:extLst>
-      <p:ext uri="{BB962C8B-B14F-4D97-AF65-F5344CB8AC3E}">
-        <p14:creationId xmlns:p14="http://schemas.microsoft.com/office/powerpoint/2010/main" val="1551540444"/>
-      </p:ext>
-    </p:extLst>
-  </p:cSld>
-  <p:clrMapOvr>
-    <a:masterClrMapping/>
-  </p:clrMapOvr>
-  <p:timing>
-    <p:tnLst>
-      <p:par>
-        <p:cTn id="1" dur="indefinite" restart="never" nodeType="tmRoot"/>
-      </p:par>
-    </p:tnLst>
-  </p:timing>
-</p:sld>
-</file>
-
-<file path=ppt/slides/slide53.xml><?xml version="1.0" encoding="utf-8"?>
-<p:sld xmlns:a="http://schemas.openxmlformats.org/drawingml/2006/main" xmlns:r="http://schemas.openxmlformats.org/officeDocument/2006/relationships" xmlns:p="http://schemas.openxmlformats.org/presentationml/2006/main">
-  <p:cSld>
-    <p:spTree>
-      <p:nvGrpSpPr>
-        <p:cNvPr id="1" name=""/>
-        <p:cNvGrpSpPr/>
-        <p:nvPr/>
-      </p:nvGrpSpPr>
-      <p:grpSpPr>
-        <a:xfrm>
-          <a:off x="0" y="0"/>
-          <a:ext cx="0" cy="0"/>
-          <a:chOff x="0" y="0"/>
-          <a:chExt cx="0" cy="0"/>
-        </a:xfrm>
-      </p:grpSpPr>
-      <p:sp>
-        <p:nvSpPr>
-          <p:cNvPr id="2" name="Titre 1"/>
-          <p:cNvSpPr>
-            <a:spLocks noGrp="1"/>
-          </p:cNvSpPr>
-          <p:nvPr>
-            <p:ph type="title"/>
-          </p:nvPr>
-        </p:nvSpPr>
-        <p:spPr/>
-        <p:txBody>
-          <a:bodyPr/>
-          <a:lstStyle/>
-          <a:p>
-            <a:r>
-              <a:rPr lang="fr-FR" smtClean="0"/>
-              <a:t>Neurone</a:t>
-            </a:r>
-            <a:endParaRPr lang="fr-FR"/>
-          </a:p>
-        </p:txBody>
-      </p:sp>
-      <p:sp>
-        <p:nvSpPr>
-          <p:cNvPr id="3" name="Espace réservé du contenu 2"/>
-          <p:cNvSpPr>
-            <a:spLocks noGrp="1"/>
-          </p:cNvSpPr>
-          <p:nvPr>
-            <p:ph idx="1"/>
-          </p:nvPr>
-        </p:nvSpPr>
-        <p:spPr/>
-        <p:txBody>
-          <a:bodyPr/>
-          <a:lstStyle/>
-          <a:p>
-            <a:r>
-              <a:rPr lang="fr-FR" dirty="0" smtClean="0"/>
-              <a:t>En biologie un neurone est une cellule connecté à d’autre neurones qui a la faculté de laisser passer ou non un courant électrique</a:t>
-            </a:r>
-          </a:p>
-          <a:p>
-            <a:pPr lvl="1"/>
-            <a:r>
-              <a:rPr lang="fr-FR" dirty="0" smtClean="0"/>
-              <a:t>Sa modélisation mathématique est appelé perceptron</a:t>
-            </a:r>
-          </a:p>
-          <a:p>
-            <a:endParaRPr lang="fr-FR" dirty="0"/>
-          </a:p>
-        </p:txBody>
-      </p:sp>
-      <p:pic>
-        <p:nvPicPr>
-          <p:cNvPr id="6146" name="Picture 2" descr="RÃ©sultat de recherche d'images pour &quot;neurone&quot;"/>
-          <p:cNvPicPr>
-            <a:picLocks noChangeAspect="1" noChangeArrowheads="1"/>
-          </p:cNvPicPr>
-          <p:nvPr/>
-        </p:nvPicPr>
-        <p:blipFill>
-          <a:blip r:embed="rId2">
-            <a:extLst>
-              <a:ext uri="{28A0092B-C50C-407E-A947-70E740481C1C}">
-                <a14:useLocalDpi xmlns:a14="http://schemas.microsoft.com/office/drawing/2010/main" val="0"/>
-              </a:ext>
-            </a:extLst>
-          </a:blip>
-          <a:srcRect/>
-          <a:stretch>
-            <a:fillRect/>
-          </a:stretch>
-        </p:blipFill>
-        <p:spPr bwMode="auto">
-          <a:xfrm>
-            <a:off x="2627784" y="3429000"/>
-            <a:ext cx="5184576" cy="2912774"/>
-          </a:xfrm>
-          <a:prstGeom prst="rect">
-            <a:avLst/>
-          </a:prstGeom>
-          <a:noFill/>
-          <a:extLst>
-            <a:ext uri="{909E8E84-426E-40DD-AFC4-6F175D3DCCD1}">
-              <a14:hiddenFill xmlns:a14="http://schemas.microsoft.com/office/drawing/2010/main">
-                <a:solidFill>
-                  <a:srgbClr val="FFFFFF"/>
-                </a:solidFill>
-              </a14:hiddenFill>
-            </a:ext>
-          </a:extLst>
-        </p:spPr>
-      </p:pic>
-    </p:spTree>
-    <p:extLst>
-      <p:ext uri="{BB962C8B-B14F-4D97-AF65-F5344CB8AC3E}">
-        <p14:creationId xmlns:p14="http://schemas.microsoft.com/office/powerpoint/2010/main" val="1405190073"/>
-      </p:ext>
-    </p:extLst>
-  </p:cSld>
-  <p:clrMapOvr>
-    <a:masterClrMapping/>
-  </p:clrMapOvr>
-  <p:timing>
-    <p:tnLst>
-      <p:par>
-        <p:cTn id="1" dur="indefinite" restart="never" nodeType="tmRoot"/>
-      </p:par>
-    </p:tnLst>
-  </p:timing>
-</p:sld>
-</file>
-
-<file path=ppt/slides/slide54.xml><?xml version="1.0" encoding="utf-8"?>
-<p:sld xmlns:a="http://schemas.openxmlformats.org/drawingml/2006/main" xmlns:r="http://schemas.openxmlformats.org/officeDocument/2006/relationships" xmlns:p="http://schemas.openxmlformats.org/presentationml/2006/main">
-  <p:cSld>
-    <p:spTree>
-      <p:nvGrpSpPr>
-        <p:cNvPr id="1" name=""/>
-        <p:cNvGrpSpPr/>
-        <p:nvPr/>
-      </p:nvGrpSpPr>
-      <p:grpSpPr>
-        <a:xfrm>
-          <a:off x="0" y="0"/>
-          <a:ext cx="0" cy="0"/>
-          <a:chOff x="0" y="0"/>
-          <a:chExt cx="0" cy="0"/>
-        </a:xfrm>
-      </p:grpSpPr>
-      <p:sp>
-        <p:nvSpPr>
-          <p:cNvPr id="2" name="Titre 1"/>
-          <p:cNvSpPr>
-            <a:spLocks noGrp="1"/>
-          </p:cNvSpPr>
-          <p:nvPr>
-            <p:ph type="title"/>
-          </p:nvPr>
-        </p:nvSpPr>
-        <p:spPr/>
-        <p:txBody>
-          <a:bodyPr/>
-          <a:lstStyle/>
-          <a:p>
-            <a:r>
-              <a:rPr lang="fr-FR" dirty="0" smtClean="0"/>
-              <a:t>Perceptron</a:t>
-            </a:r>
-            <a:endParaRPr lang="fr-FR" dirty="0"/>
-          </a:p>
-        </p:txBody>
-      </p:sp>
-      <p:sp>
-        <p:nvSpPr>
-          <p:cNvPr id="3" name="Espace réservé du contenu 2"/>
-          <p:cNvSpPr>
-            <a:spLocks noGrp="1"/>
-          </p:cNvSpPr>
-          <p:nvPr>
-            <p:ph idx="1"/>
-          </p:nvPr>
-        </p:nvSpPr>
-        <p:spPr/>
-        <p:txBody>
-          <a:bodyPr/>
-          <a:lstStyle/>
-          <a:p>
-            <a:r>
-              <a:rPr lang="fr-FR" dirty="0" smtClean="0"/>
-              <a:t>Un perceptron possède plusieurs entrées (ix), une sortie (o), un seuil et une fonction d’activation (f)</a:t>
-            </a:r>
-          </a:p>
-          <a:p>
-            <a:r>
-              <a:rPr lang="fr-FR" dirty="0" smtClean="0"/>
-              <a:t>Chaque entrée possède un poids (</a:t>
-            </a:r>
-            <a:r>
-              <a:rPr lang="fr-FR" dirty="0" err="1" smtClean="0"/>
-              <a:t>Wx</a:t>
-            </a:r>
-            <a:r>
-              <a:rPr lang="fr-FR" dirty="0" smtClean="0"/>
-              <a:t>)</a:t>
-            </a:r>
-          </a:p>
-          <a:p>
-            <a:endParaRPr lang="fr-FR" dirty="0"/>
-          </a:p>
-        </p:txBody>
-      </p:sp>
-      <p:pic>
-        <p:nvPicPr>
-          <p:cNvPr id="1026" name="Picture 2" descr="Schéma d'un perceptron à n entrées."/>
-          <p:cNvPicPr>
-            <a:picLocks noChangeAspect="1" noChangeArrowheads="1"/>
-          </p:cNvPicPr>
-          <p:nvPr/>
-        </p:nvPicPr>
-        <p:blipFill>
-          <a:blip r:embed="rId2">
-            <a:extLst>
-              <a:ext uri="{28A0092B-C50C-407E-A947-70E740481C1C}">
-                <a14:useLocalDpi xmlns:a14="http://schemas.microsoft.com/office/drawing/2010/main" val="0"/>
-              </a:ext>
-            </a:extLst>
-          </a:blip>
-          <a:srcRect/>
-          <a:stretch>
-            <a:fillRect/>
-          </a:stretch>
-        </p:blipFill>
-        <p:spPr bwMode="auto">
-          <a:xfrm>
-            <a:off x="1216473" y="2719205"/>
-            <a:ext cx="5640561" cy="3990698"/>
-          </a:xfrm>
-          <a:prstGeom prst="rect">
-            <a:avLst/>
-          </a:prstGeom>
-          <a:noFill/>
-          <a:extLst>
-            <a:ext uri="{909E8E84-426E-40DD-AFC4-6F175D3DCCD1}">
-              <a14:hiddenFill xmlns:a14="http://schemas.microsoft.com/office/drawing/2010/main">
-                <a:solidFill>
-                  <a:srgbClr val="FFFFFF"/>
-                </a:solidFill>
-              </a14:hiddenFill>
-            </a:ext>
-          </a:extLst>
-        </p:spPr>
-      </p:pic>
-    </p:spTree>
-    <p:extLst>
-      <p:ext uri="{BB962C8B-B14F-4D97-AF65-F5344CB8AC3E}">
-        <p14:creationId xmlns:p14="http://schemas.microsoft.com/office/powerpoint/2010/main" val="551044045"/>
-      </p:ext>
-    </p:extLst>
-  </p:cSld>
-  <p:clrMapOvr>
-    <a:masterClrMapping/>
-  </p:clrMapOvr>
-  <p:timing>
-    <p:tnLst>
-      <p:par>
-        <p:cTn id="1" dur="indefinite" restart="never" nodeType="tmRoot"/>
-      </p:par>
-    </p:tnLst>
-  </p:timing>
-</p:sld>
-</file>
-
-<file path=ppt/slides/slide55.xml><?xml version="1.0" encoding="utf-8"?>
-<p:sld xmlns:a="http://schemas.openxmlformats.org/drawingml/2006/main" xmlns:r="http://schemas.openxmlformats.org/officeDocument/2006/relationships" xmlns:p="http://schemas.openxmlformats.org/presentationml/2006/main">
-  <p:cSld>
-    <p:spTree>
-      <p:nvGrpSpPr>
-        <p:cNvPr id="1" name=""/>
-        <p:cNvGrpSpPr/>
-        <p:nvPr/>
-      </p:nvGrpSpPr>
-      <p:grpSpPr>
-        <a:xfrm>
-          <a:off x="0" y="0"/>
-          <a:ext cx="0" cy="0"/>
-          <a:chOff x="0" y="0"/>
-          <a:chExt cx="0" cy="0"/>
-        </a:xfrm>
-      </p:grpSpPr>
-      <p:sp>
-        <p:nvSpPr>
-          <p:cNvPr id="2" name="Titre 1"/>
-          <p:cNvSpPr>
-            <a:spLocks noGrp="1"/>
-          </p:cNvSpPr>
-          <p:nvPr>
-            <p:ph type="title"/>
-          </p:nvPr>
-        </p:nvSpPr>
-        <p:spPr/>
-        <p:txBody>
-          <a:bodyPr/>
-          <a:lstStyle/>
-          <a:p>
-            <a:r>
-              <a:rPr lang="fr-FR" dirty="0" smtClean="0"/>
-              <a:t>Perceptron</a:t>
-            </a:r>
-            <a:endParaRPr lang="fr-FR" dirty="0"/>
-          </a:p>
-        </p:txBody>
-      </p:sp>
-      <p:sp>
-        <p:nvSpPr>
-          <p:cNvPr id="3" name="Espace réservé du contenu 2"/>
-          <p:cNvSpPr>
-            <a:spLocks noGrp="1"/>
-          </p:cNvSpPr>
-          <p:nvPr>
-            <p:ph idx="1"/>
-          </p:nvPr>
-        </p:nvSpPr>
-        <p:spPr/>
-        <p:txBody>
-          <a:bodyPr/>
-          <a:lstStyle/>
-          <a:p>
-            <a:r>
-              <a:rPr lang="fr-FR" dirty="0" smtClean="0"/>
-              <a:t>L’ensemble des entrées sont multipliés à leurs poids puis sommés</a:t>
-            </a:r>
-          </a:p>
-          <a:p>
-            <a:r>
-              <a:rPr lang="fr-FR" dirty="0"/>
-              <a:t>s</a:t>
-            </a:r>
-            <a:r>
-              <a:rPr lang="fr-FR" dirty="0" smtClean="0"/>
-              <a:t>ignal = </a:t>
-            </a:r>
-            <a:r>
-              <a:rPr lang="fr-FR" dirty="0" err="1" smtClean="0"/>
-              <a:t>sum</a:t>
-            </a:r>
-            <a:r>
-              <a:rPr lang="fr-FR" dirty="0" smtClean="0"/>
-              <a:t>(i[x]*W[x])</a:t>
-            </a:r>
-          </a:p>
-          <a:p>
-            <a:r>
-              <a:rPr lang="fr-FR" dirty="0" smtClean="0"/>
-              <a:t>Si f(signal) &gt; seuil (ou biais) alors le signal passe dans le sortie</a:t>
-            </a:r>
-          </a:p>
-          <a:p>
-            <a:r>
-              <a:rPr lang="fr-FR" dirty="0" smtClean="0"/>
-              <a:t>f est souvent une tangente hyperbolique ou une sigmoïde</a:t>
-            </a:r>
-          </a:p>
-          <a:p>
-            <a:pPr lvl="1"/>
-            <a:r>
-              <a:rPr lang="fr-FR" dirty="0" smtClean="0"/>
-              <a:t>F = </a:t>
-            </a:r>
-            <a:r>
-              <a:rPr lang="fr-FR" dirty="0" err="1" smtClean="0"/>
-              <a:t>math.tanh</a:t>
-            </a:r>
-            <a:endParaRPr lang="fr-FR" dirty="0"/>
-          </a:p>
-        </p:txBody>
-      </p:sp>
-      <p:pic>
-        <p:nvPicPr>
-          <p:cNvPr id="2050" name="Picture 2" descr="https://upload.wikimedia.org/wikipedia/commons/9/9d/Sigmoide.PNG"/>
-          <p:cNvPicPr>
-            <a:picLocks noChangeAspect="1" noChangeArrowheads="1"/>
-          </p:cNvPicPr>
-          <p:nvPr/>
-        </p:nvPicPr>
-        <p:blipFill>
-          <a:blip r:embed="rId2">
-            <a:extLst>
-              <a:ext uri="{28A0092B-C50C-407E-A947-70E740481C1C}">
-                <a14:useLocalDpi xmlns:a14="http://schemas.microsoft.com/office/drawing/2010/main" val="0"/>
-              </a:ext>
-            </a:extLst>
-          </a:blip>
-          <a:srcRect/>
-          <a:stretch>
-            <a:fillRect/>
-          </a:stretch>
-        </p:blipFill>
-        <p:spPr bwMode="auto">
-          <a:xfrm>
-            <a:off x="5580112" y="4449855"/>
-            <a:ext cx="2328193" cy="1973613"/>
-          </a:xfrm>
-          <a:prstGeom prst="rect">
-            <a:avLst/>
-          </a:prstGeom>
-          <a:noFill/>
-          <a:extLst>
-            <a:ext uri="{909E8E84-426E-40DD-AFC4-6F175D3DCCD1}">
-              <a14:hiddenFill xmlns:a14="http://schemas.microsoft.com/office/drawing/2010/main">
-                <a:solidFill>
-                  <a:srgbClr val="FFFFFF"/>
-                </a:solidFill>
-              </a14:hiddenFill>
-            </a:ext>
-          </a:extLst>
-        </p:spPr>
-      </p:pic>
-    </p:spTree>
-    <p:extLst>
-      <p:ext uri="{BB962C8B-B14F-4D97-AF65-F5344CB8AC3E}">
-        <p14:creationId xmlns:p14="http://schemas.microsoft.com/office/powerpoint/2010/main" val="2939660899"/>
-      </p:ext>
-    </p:extLst>
-  </p:cSld>
-  <p:clrMapOvr>
-    <a:masterClrMapping/>
-  </p:clrMapOvr>
-  <p:timing>
-    <p:tnLst>
-      <p:par>
-        <p:cTn id="1" dur="indefinite" restart="never" nodeType="tmRoot"/>
-      </p:par>
-    </p:tnLst>
-  </p:timing>
-</p:sld>
-</file>
-
-<file path=ppt/slides/slide56.xml><?xml version="1.0" encoding="utf-8"?>
-<p:sld xmlns:a="http://schemas.openxmlformats.org/drawingml/2006/main" xmlns:r="http://schemas.openxmlformats.org/officeDocument/2006/relationships" xmlns:p="http://schemas.openxmlformats.org/presentationml/2006/main">
-  <p:cSld>
-    <p:spTree>
-      <p:nvGrpSpPr>
-        <p:cNvPr id="1" name=""/>
-        <p:cNvGrpSpPr/>
-        <p:nvPr/>
-      </p:nvGrpSpPr>
-      <p:grpSpPr>
-        <a:xfrm>
-          <a:off x="0" y="0"/>
-          <a:ext cx="0" cy="0"/>
-          <a:chOff x="0" y="0"/>
-          <a:chExt cx="0" cy="0"/>
-        </a:xfrm>
-      </p:grpSpPr>
-      <p:sp>
-        <p:nvSpPr>
-          <p:cNvPr id="2" name="Titre 1"/>
-          <p:cNvSpPr>
-            <a:spLocks noGrp="1"/>
-          </p:cNvSpPr>
-          <p:nvPr>
-            <p:ph type="title"/>
-          </p:nvPr>
-        </p:nvSpPr>
-        <p:spPr/>
-        <p:txBody>
-          <a:bodyPr/>
-          <a:lstStyle/>
-          <a:p>
-            <a:r>
-              <a:rPr lang="fr-FR" dirty="0" smtClean="0"/>
-              <a:t>Exemple simple</a:t>
-            </a:r>
-            <a:endParaRPr lang="fr-FR" dirty="0"/>
-          </a:p>
-        </p:txBody>
-      </p:sp>
-      <p:sp>
-        <p:nvSpPr>
-          <p:cNvPr id="3" name="Espace réservé du contenu 2"/>
-          <p:cNvSpPr>
-            <a:spLocks noGrp="1"/>
-          </p:cNvSpPr>
-          <p:nvPr>
-            <p:ph idx="1"/>
-          </p:nvPr>
-        </p:nvSpPr>
-        <p:spPr/>
-        <p:txBody>
-          <a:bodyPr/>
-          <a:lstStyle/>
-          <a:p>
-            <a:r>
-              <a:rPr lang="fr-FR" dirty="0" smtClean="0"/>
-              <a:t>Réseau (2,2,2)</a:t>
-            </a:r>
-          </a:p>
-          <a:p>
-            <a:pPr lvl="1"/>
-            <a:r>
-              <a:rPr lang="fr-FR" dirty="0" smtClean="0"/>
-              <a:t>2 inputs</a:t>
-            </a:r>
-          </a:p>
-          <a:p>
-            <a:pPr lvl="1"/>
-            <a:r>
-              <a:rPr lang="fr-FR" dirty="0" smtClean="0"/>
-              <a:t>2 </a:t>
-            </a:r>
-            <a:r>
-              <a:rPr lang="fr-FR" dirty="0" err="1" smtClean="0"/>
-              <a:t>hiddens</a:t>
-            </a:r>
-            <a:endParaRPr lang="fr-FR" dirty="0" smtClean="0"/>
-          </a:p>
-          <a:p>
-            <a:pPr lvl="1"/>
-            <a:r>
-              <a:rPr lang="fr-FR" dirty="0" smtClean="0"/>
-              <a:t>2 outputs</a:t>
-            </a:r>
-          </a:p>
-          <a:p>
-            <a:r>
-              <a:rPr lang="fr-FR" dirty="0" smtClean="0"/>
-              <a:t>Input [0.05, 0.1]</a:t>
-            </a:r>
-          </a:p>
-          <a:p>
-            <a:r>
-              <a:rPr lang="fr-FR" dirty="0" smtClean="0"/>
-              <a:t>Output </a:t>
-            </a:r>
-            <a:r>
-              <a:rPr lang="fr-FR" dirty="0" err="1" smtClean="0"/>
-              <a:t>target</a:t>
-            </a:r>
-            <a:r>
-              <a:rPr lang="fr-FR" dirty="0" smtClean="0"/>
-              <a:t> [0.01, 0.99]</a:t>
-            </a:r>
-          </a:p>
-          <a:p>
-            <a:r>
-              <a:rPr lang="fr-FR" dirty="0" err="1" smtClean="0"/>
-              <a:t>wx</a:t>
-            </a:r>
-            <a:r>
-              <a:rPr lang="fr-FR" dirty="0" smtClean="0"/>
-              <a:t> = Poids</a:t>
-            </a:r>
-          </a:p>
-          <a:p>
-            <a:r>
-              <a:rPr lang="fr-FR" dirty="0" err="1" smtClean="0"/>
-              <a:t>bx</a:t>
-            </a:r>
-            <a:r>
-              <a:rPr lang="fr-FR" dirty="0" smtClean="0"/>
-              <a:t> = </a:t>
-            </a:r>
-            <a:r>
-              <a:rPr lang="fr-FR" dirty="0" err="1" smtClean="0"/>
-              <a:t>Bias</a:t>
-            </a:r>
-            <a:r>
-              <a:rPr lang="fr-FR" dirty="0" smtClean="0"/>
-              <a:t> (seuils)</a:t>
-            </a:r>
-            <a:endParaRPr lang="fr-FR" dirty="0"/>
-          </a:p>
-        </p:txBody>
-      </p:sp>
-      <p:pic>
-        <p:nvPicPr>
-          <p:cNvPr id="1028" name="Picture 4" descr="neural_network (9)"/>
-          <p:cNvPicPr>
-            <a:picLocks noChangeAspect="1" noChangeArrowheads="1"/>
-          </p:cNvPicPr>
-          <p:nvPr/>
-        </p:nvPicPr>
-        <p:blipFill>
-          <a:blip r:embed="rId2">
-            <a:extLst>
-              <a:ext uri="{28A0092B-C50C-407E-A947-70E740481C1C}">
-                <a14:useLocalDpi xmlns:a14="http://schemas.microsoft.com/office/drawing/2010/main" val="0"/>
-              </a:ext>
-            </a:extLst>
-          </a:blip>
-          <a:srcRect/>
-          <a:stretch>
-            <a:fillRect/>
-          </a:stretch>
-        </p:blipFill>
-        <p:spPr bwMode="auto">
-          <a:xfrm>
-            <a:off x="4562537" y="1556792"/>
-            <a:ext cx="4152900" cy="3533776"/>
-          </a:xfrm>
-          <a:prstGeom prst="rect">
-            <a:avLst/>
-          </a:prstGeom>
-          <a:noFill/>
-          <a:extLst>
-            <a:ext uri="{909E8E84-426E-40DD-AFC4-6F175D3DCCD1}">
-              <a14:hiddenFill xmlns:a14="http://schemas.microsoft.com/office/drawing/2010/main">
-                <a:solidFill>
-                  <a:srgbClr val="FFFFFF"/>
-                </a:solidFill>
-              </a14:hiddenFill>
-            </a:ext>
-          </a:extLst>
-        </p:spPr>
-      </p:pic>
-    </p:spTree>
-    <p:extLst>
-      <p:ext uri="{BB962C8B-B14F-4D97-AF65-F5344CB8AC3E}">
-        <p14:creationId xmlns:p14="http://schemas.microsoft.com/office/powerpoint/2010/main" val="113919645"/>
-      </p:ext>
-    </p:extLst>
-  </p:cSld>
-  <p:clrMapOvr>
-    <a:masterClrMapping/>
-  </p:clrMapOvr>
-</p:sld>
-</file>
-
-<file path=ppt/slides/slide57.xml><?xml version="1.0" encoding="utf-8"?>
-<p:sld xmlns:a="http://schemas.openxmlformats.org/drawingml/2006/main" xmlns:r="http://schemas.openxmlformats.org/officeDocument/2006/relationships" xmlns:p="http://schemas.openxmlformats.org/presentationml/2006/main">
-  <p:cSld>
-    <p:spTree>
-      <p:nvGrpSpPr>
-        <p:cNvPr id="1" name=""/>
-        <p:cNvGrpSpPr/>
-        <p:nvPr/>
-      </p:nvGrpSpPr>
-      <p:grpSpPr>
-        <a:xfrm>
-          <a:off x="0" y="0"/>
-          <a:ext cx="0" cy="0"/>
-          <a:chOff x="0" y="0"/>
-          <a:chExt cx="0" cy="0"/>
-        </a:xfrm>
-      </p:grpSpPr>
-      <p:sp>
-        <p:nvSpPr>
-          <p:cNvPr id="2" name="Titre 1"/>
-          <p:cNvSpPr>
-            <a:spLocks noGrp="1"/>
-          </p:cNvSpPr>
-          <p:nvPr>
-            <p:ph type="title"/>
-          </p:nvPr>
-        </p:nvSpPr>
-        <p:spPr/>
-        <p:txBody>
-          <a:bodyPr/>
-          <a:lstStyle/>
-          <a:p>
-            <a:r>
-              <a:rPr lang="fr-FR" dirty="0" err="1" smtClean="0"/>
-              <a:t>Backpropagation</a:t>
-            </a:r>
-            <a:endParaRPr lang="fr-FR" dirty="0"/>
-          </a:p>
-        </p:txBody>
-      </p:sp>
-      <p:sp>
-        <p:nvSpPr>
-          <p:cNvPr id="3" name="Espace réservé du contenu 2"/>
-          <p:cNvSpPr>
-            <a:spLocks noGrp="1"/>
-          </p:cNvSpPr>
-          <p:nvPr>
-            <p:ph idx="1"/>
-          </p:nvPr>
-        </p:nvSpPr>
-        <p:spPr/>
-        <p:txBody>
-          <a:bodyPr/>
-          <a:lstStyle/>
-          <a:p>
-            <a:r>
-              <a:rPr lang="fr-FR" dirty="0" smtClean="0"/>
-              <a:t>Les réseaux de neurones sont souvent supervisé</a:t>
-            </a:r>
-          </a:p>
-          <a:p>
-            <a:pPr lvl="1"/>
-            <a:r>
-              <a:rPr lang="fr-FR" dirty="0" smtClean="0"/>
-              <a:t>Présence d’un feedback pour indiquer si le calcul est bon</a:t>
-            </a:r>
-          </a:p>
-          <a:p>
-            <a:r>
-              <a:rPr lang="fr-FR" dirty="0" smtClean="0"/>
-              <a:t>Si le feedback est bon, le neurone se fige un peu plus</a:t>
-            </a:r>
-          </a:p>
-          <a:p>
-            <a:r>
-              <a:rPr lang="fr-FR" dirty="0" smtClean="0"/>
-              <a:t>Sinon, le seuil et les poids changent un peu</a:t>
-            </a:r>
-          </a:p>
-          <a:p>
-            <a:endParaRPr lang="fr-FR" dirty="0" smtClean="0"/>
-          </a:p>
-          <a:p>
-            <a:endParaRPr lang="fr-FR" dirty="0"/>
-          </a:p>
-        </p:txBody>
-      </p:sp>
-    </p:spTree>
-    <p:extLst>
-      <p:ext uri="{BB962C8B-B14F-4D97-AF65-F5344CB8AC3E}">
-        <p14:creationId xmlns:p14="http://schemas.microsoft.com/office/powerpoint/2010/main" val="1210553398"/>
-      </p:ext>
-    </p:extLst>
-  </p:cSld>
-  <p:clrMapOvr>
-    <a:masterClrMapping/>
-  </p:clrMapOvr>
-  <p:timing>
-    <p:tnLst>
-      <p:par>
-        <p:cTn id="1" dur="indefinite" restart="never" nodeType="tmRoot"/>
-      </p:par>
-    </p:tnLst>
-  </p:timing>
-</p:sld>
-</file>
-
-<file path=ppt/slides/slide58.xml><?xml version="1.0" encoding="utf-8"?>
-<p:sld xmlns:a="http://schemas.openxmlformats.org/drawingml/2006/main" xmlns:r="http://schemas.openxmlformats.org/officeDocument/2006/relationships" xmlns:p="http://schemas.openxmlformats.org/presentationml/2006/main">
-  <p:cSld>
-    <p:spTree>
-      <p:nvGrpSpPr>
-        <p:cNvPr id="1" name=""/>
-        <p:cNvGrpSpPr/>
-        <p:nvPr/>
-      </p:nvGrpSpPr>
-      <p:grpSpPr>
-        <a:xfrm>
-          <a:off x="0" y="0"/>
-          <a:ext cx="0" cy="0"/>
-          <a:chOff x="0" y="0"/>
-          <a:chExt cx="0" cy="0"/>
-        </a:xfrm>
-      </p:grpSpPr>
-      <p:sp>
-        <p:nvSpPr>
-          <p:cNvPr id="2" name="Titre 1"/>
-          <p:cNvSpPr>
-            <a:spLocks noGrp="1"/>
-          </p:cNvSpPr>
-          <p:nvPr>
-            <p:ph type="title"/>
-          </p:nvPr>
-        </p:nvSpPr>
-        <p:spPr/>
-        <p:txBody>
-          <a:bodyPr/>
-          <a:lstStyle/>
-          <a:p>
-            <a:r>
-              <a:rPr lang="fr-FR" dirty="0" err="1" smtClean="0"/>
-              <a:t>Backpropagation</a:t>
-            </a:r>
-            <a:endParaRPr lang="fr-FR" dirty="0"/>
-          </a:p>
-        </p:txBody>
-      </p:sp>
-      <p:pic>
-        <p:nvPicPr>
-          <p:cNvPr id="4098" name="Picture 2" descr="https://dpzbhybb2pdcj.cloudfront.net/allaire/Figures/01fig09.jpg"/>
-          <p:cNvPicPr>
-            <a:picLocks noGrp="1" noChangeAspect="1" noChangeArrowheads="1"/>
-          </p:cNvPicPr>
-          <p:nvPr>
-            <p:ph idx="1"/>
-          </p:nvPr>
-        </p:nvPicPr>
-        <p:blipFill>
-          <a:blip r:embed="rId2">
-            <a:extLst>
-              <a:ext uri="{28A0092B-C50C-407E-A947-70E740481C1C}">
-                <a14:useLocalDpi xmlns:a14="http://schemas.microsoft.com/office/drawing/2010/main" val="0"/>
-              </a:ext>
-            </a:extLst>
-          </a:blip>
-          <a:srcRect/>
-          <a:stretch>
-            <a:fillRect/>
-          </a:stretch>
-        </p:blipFill>
-        <p:spPr bwMode="auto">
-          <a:xfrm>
-            <a:off x="2798341" y="1772816"/>
-            <a:ext cx="4608512" cy="3657214"/>
-          </a:xfrm>
-          <a:prstGeom prst="rect">
-            <a:avLst/>
-          </a:prstGeom>
-          <a:noFill/>
-          <a:extLst>
-            <a:ext uri="{909E8E84-426E-40DD-AFC4-6F175D3DCCD1}">
-              <a14:hiddenFill xmlns:a14="http://schemas.microsoft.com/office/drawing/2010/main">
-                <a:solidFill>
-                  <a:srgbClr val="FFFFFF"/>
-                </a:solidFill>
-              </a14:hiddenFill>
-            </a:ext>
-          </a:extLst>
-        </p:spPr>
-      </p:pic>
-    </p:spTree>
-    <p:extLst>
-      <p:ext uri="{BB962C8B-B14F-4D97-AF65-F5344CB8AC3E}">
-        <p14:creationId xmlns:p14="http://schemas.microsoft.com/office/powerpoint/2010/main" val="338348278"/>
-      </p:ext>
-    </p:extLst>
-  </p:cSld>
-  <p:clrMapOvr>
-    <a:masterClrMapping/>
-  </p:clrMapOvr>
-  <p:timing>
-    <p:tnLst>
-      <p:par>
-        <p:cTn id="1" dur="indefinite" restart="never" nodeType="tmRoot"/>
-      </p:par>
-    </p:tnLst>
-  </p:timing>
-</p:sld>
-</file>
-
-<file path=ppt/slides/slide59.xml><?xml version="1.0" encoding="utf-8"?>
-<p:sld xmlns:a="http://schemas.openxmlformats.org/drawingml/2006/main" xmlns:r="http://schemas.openxmlformats.org/officeDocument/2006/relationships" xmlns:p="http://schemas.openxmlformats.org/presentationml/2006/main">
-  <p:cSld>
-    <p:spTree>
-      <p:nvGrpSpPr>
-        <p:cNvPr id="1" name=""/>
-        <p:cNvGrpSpPr/>
-        <p:nvPr/>
-      </p:nvGrpSpPr>
-      <p:grpSpPr>
-        <a:xfrm>
-          <a:off x="0" y="0"/>
-          <a:ext cx="0" cy="0"/>
-          <a:chOff x="0" y="0"/>
-          <a:chExt cx="0" cy="0"/>
-        </a:xfrm>
-      </p:grpSpPr>
-      <p:sp>
-        <p:nvSpPr>
-          <p:cNvPr id="2" name="Titre 1"/>
-          <p:cNvSpPr>
-            <a:spLocks noGrp="1"/>
-          </p:cNvSpPr>
-          <p:nvPr>
-            <p:ph type="title"/>
-          </p:nvPr>
-        </p:nvSpPr>
-        <p:spPr/>
-        <p:txBody>
-          <a:bodyPr/>
-          <a:lstStyle/>
-          <a:p>
-            <a:r>
-              <a:rPr lang="fr-FR" smtClean="0"/>
-              <a:t>MLPClassifier</a:t>
-            </a:r>
-            <a:endParaRPr lang="fr-FR" dirty="0"/>
-          </a:p>
-        </p:txBody>
-      </p:sp>
-      <p:sp>
-        <p:nvSpPr>
-          <p:cNvPr id="3" name="Espace réservé du contenu 2"/>
-          <p:cNvSpPr>
-            <a:spLocks noGrp="1"/>
-          </p:cNvSpPr>
-          <p:nvPr>
-            <p:ph idx="1"/>
-          </p:nvPr>
-        </p:nvSpPr>
-        <p:spPr/>
-        <p:txBody>
-          <a:bodyPr/>
-          <a:lstStyle/>
-          <a:p>
-            <a:r>
-              <a:rPr lang="fr-FR" dirty="0" smtClean="0"/>
-              <a:t>Multi Layer Perceptron Classifier</a:t>
-            </a:r>
-          </a:p>
-          <a:p>
-            <a:r>
-              <a:rPr lang="fr-FR" dirty="0" err="1" smtClean="0"/>
-              <a:t>Hidden_layer_size</a:t>
-            </a:r>
-            <a:endParaRPr lang="fr-FR" dirty="0"/>
-          </a:p>
-          <a:p>
-            <a:pPr lvl="1"/>
-            <a:r>
-              <a:rPr lang="fr-FR" dirty="0" smtClean="0"/>
-              <a:t>nombre de perceptron par couche</a:t>
-            </a:r>
-          </a:p>
-          <a:p>
-            <a:pPr lvl="1"/>
-            <a:r>
-              <a:rPr lang="fr-FR" dirty="0" smtClean="0"/>
-              <a:t>(30,30,30) : trois couches de 30 perceptrons</a:t>
-            </a:r>
-          </a:p>
-          <a:p>
-            <a:r>
-              <a:rPr lang="fr-FR" dirty="0" smtClean="0"/>
-              <a:t>Activation</a:t>
-            </a:r>
-          </a:p>
-          <a:p>
-            <a:pPr lvl="1"/>
-            <a:r>
-              <a:rPr lang="fr-FR" dirty="0" smtClean="0"/>
-              <a:t>Fonction d’activation</a:t>
-            </a:r>
-          </a:p>
-          <a:p>
-            <a:pPr lvl="1"/>
-            <a:r>
-              <a:rPr lang="fr-FR" dirty="0" err="1" smtClean="0"/>
-              <a:t>Logistic</a:t>
-            </a:r>
-            <a:r>
-              <a:rPr lang="fr-FR" dirty="0" smtClean="0"/>
-              <a:t> : </a:t>
-            </a:r>
-            <a:r>
-              <a:rPr lang="fr-FR" dirty="0" err="1" smtClean="0"/>
-              <a:t>sigmoide</a:t>
-            </a:r>
-            <a:r>
-              <a:rPr lang="fr-FR" dirty="0" smtClean="0"/>
-              <a:t> bien répartie mais couteuse : </a:t>
-            </a:r>
-            <a:r>
-              <a:rPr lang="fr-FR" sz="2200" dirty="0" smtClean="0"/>
-              <a:t>f(x) = 1/1+exp(-x))</a:t>
-            </a:r>
-          </a:p>
-          <a:p>
-            <a:pPr lvl="1"/>
-            <a:r>
-              <a:rPr lang="fr-FR" dirty="0" err="1" smtClean="0"/>
-              <a:t>Tanh</a:t>
-            </a:r>
-            <a:r>
-              <a:rPr lang="fr-FR" dirty="0" smtClean="0"/>
-              <a:t> : </a:t>
-            </a:r>
-            <a:r>
-              <a:rPr lang="fr-FR" dirty="0" err="1" smtClean="0"/>
-              <a:t>sigmoide</a:t>
-            </a:r>
-            <a:r>
-              <a:rPr lang="fr-FR" dirty="0" smtClean="0"/>
-              <a:t> </a:t>
-            </a:r>
-            <a:r>
-              <a:rPr lang="fr-FR" dirty="0" err="1" smtClean="0"/>
-              <a:t>simplifée</a:t>
-            </a:r>
-            <a:r>
-              <a:rPr lang="fr-FR" dirty="0" smtClean="0"/>
-              <a:t> : </a:t>
-            </a:r>
-            <a:r>
-              <a:rPr lang="fr-FR" dirty="0"/>
-              <a:t>f(x) = </a:t>
-            </a:r>
-            <a:r>
-              <a:rPr lang="fr-FR" dirty="0" err="1"/>
-              <a:t>tanh</a:t>
-            </a:r>
-            <a:r>
-              <a:rPr lang="fr-FR" dirty="0"/>
-              <a:t>(x</a:t>
-            </a:r>
-            <a:r>
-              <a:rPr lang="fr-FR" dirty="0" smtClean="0"/>
-              <a:t>)</a:t>
-            </a:r>
-          </a:p>
-          <a:p>
-            <a:pPr lvl="1"/>
-            <a:r>
-              <a:rPr lang="fr-FR" dirty="0" smtClean="0"/>
-              <a:t>Relu (par défaut) : f(x) = max (0, x) rapide mais ne permet pas de tout faire </a:t>
-            </a:r>
-          </a:p>
-        </p:txBody>
-      </p:sp>
-      <p:pic>
-        <p:nvPicPr>
-          <p:cNvPr id="2050" name="Picture 2" descr="Résultat de recherche d'images pour &quot;sigmoide&quot;"/>
-          <p:cNvPicPr>
-            <a:picLocks noChangeAspect="1" noChangeArrowheads="1"/>
-          </p:cNvPicPr>
-          <p:nvPr/>
-        </p:nvPicPr>
-        <p:blipFill>
-          <a:blip r:embed="rId2">
-            <a:extLst>
-              <a:ext uri="{28A0092B-C50C-407E-A947-70E740481C1C}">
-                <a14:useLocalDpi xmlns:a14="http://schemas.microsoft.com/office/drawing/2010/main" val="0"/>
-              </a:ext>
-            </a:extLst>
-          </a:blip>
-          <a:srcRect/>
-          <a:stretch>
-            <a:fillRect/>
-          </a:stretch>
-        </p:blipFill>
-        <p:spPr bwMode="auto">
-          <a:xfrm>
-            <a:off x="7337450" y="2636912"/>
-            <a:ext cx="1680121" cy="1680122"/>
-          </a:xfrm>
-          <a:prstGeom prst="rect">
-            <a:avLst/>
-          </a:prstGeom>
-          <a:noFill/>
-          <a:extLst>
-            <a:ext uri="{909E8E84-426E-40DD-AFC4-6F175D3DCCD1}">
-              <a14:hiddenFill xmlns:a14="http://schemas.microsoft.com/office/drawing/2010/main">
-                <a:solidFill>
-                  <a:srgbClr val="FFFFFF"/>
-                </a:solidFill>
-              </a14:hiddenFill>
-            </a:ext>
-          </a:extLst>
-        </p:spPr>
-      </p:pic>
-    </p:spTree>
-    <p:extLst>
-      <p:ext uri="{BB962C8B-B14F-4D97-AF65-F5344CB8AC3E}">
-        <p14:creationId xmlns:p14="http://schemas.microsoft.com/office/powerpoint/2010/main" val="1573822535"/>
-      </p:ext>
-    </p:extLst>
-  </p:cSld>
-  <p:clrMapOvr>
-    <a:masterClrMapping/>
-  </p:clrMapOvr>
-  <p:timing>
-    <p:tnLst>
-      <p:par>
-        <p:cTn id="1" dur="indefinite" restart="never" nodeType="tmRoot"/>
-      </p:par>
-    </p:tnLst>
-  </p:timing>
-</p:sld>
-</file>
-
-<file path=ppt/slides/slide6.xml><?xml version="1.0" encoding="utf-8"?>
-<p:sld xmlns:a="http://schemas.openxmlformats.org/drawingml/2006/main" xmlns:r="http://schemas.openxmlformats.org/officeDocument/2006/relationships" xmlns:p="http://schemas.openxmlformats.org/presentationml/2006/main">
-  <p:cSld>
-    <p:spTree>
-      <p:nvGrpSpPr>
-        <p:cNvPr id="1" name=""/>
-        <p:cNvGrpSpPr/>
-        <p:nvPr/>
-      </p:nvGrpSpPr>
-      <p:grpSpPr>
-        <a:xfrm>
-          <a:off x="0" y="0"/>
-          <a:ext cx="0" cy="0"/>
-          <a:chOff x="0" y="0"/>
-          <a:chExt cx="0" cy="0"/>
-        </a:xfrm>
-      </p:grpSpPr>
-      <p:sp>
-        <p:nvSpPr>
-          <p:cNvPr id="2" name="Titre 1"/>
-          <p:cNvSpPr>
-            <a:spLocks noGrp="1"/>
-          </p:cNvSpPr>
-          <p:nvPr>
-            <p:ph type="title"/>
-          </p:nvPr>
-        </p:nvSpPr>
-        <p:spPr/>
-        <p:txBody>
-          <a:bodyPr/>
-          <a:lstStyle/>
-          <a:p>
-            <a:r>
-              <a:rPr lang="fr-FR" dirty="0" err="1" smtClean="0"/>
-              <a:t>Dataset</a:t>
-            </a:r>
-            <a:endParaRPr lang="fr-FR" dirty="0"/>
-          </a:p>
-        </p:txBody>
-      </p:sp>
-      <p:sp>
-        <p:nvSpPr>
-          <p:cNvPr id="3" name="Espace réservé du contenu 2"/>
-          <p:cNvSpPr>
-            <a:spLocks noGrp="1"/>
-          </p:cNvSpPr>
-          <p:nvPr>
-            <p:ph idx="1"/>
-          </p:nvPr>
-        </p:nvSpPr>
-        <p:spPr/>
-        <p:txBody>
-          <a:bodyPr/>
-          <a:lstStyle/>
-          <a:p>
-            <a:r>
-              <a:rPr lang="fr-FR" dirty="0" smtClean="0"/>
-              <a:t>X représente le </a:t>
-            </a:r>
-            <a:r>
-              <a:rPr lang="fr-FR" dirty="0" err="1" smtClean="0"/>
-              <a:t>Dataset</a:t>
-            </a:r>
-            <a:endParaRPr lang="fr-FR" dirty="0" smtClean="0"/>
-          </a:p>
-          <a:p>
-            <a:pPr lvl="1"/>
-            <a:r>
-              <a:rPr lang="fr-FR" dirty="0" smtClean="0"/>
-              <a:t>S’exprime en majuscule car il s’agit d’une matrice</a:t>
-            </a:r>
-          </a:p>
-          <a:p>
-            <a:pPr lvl="1"/>
-            <a:r>
-              <a:rPr lang="fr-FR" dirty="0" smtClean="0"/>
-              <a:t>1 dimension = 1 variable</a:t>
-            </a:r>
-          </a:p>
-          <a:p>
-            <a:r>
-              <a:rPr lang="fr-FR" dirty="0"/>
-              <a:t>y</a:t>
-            </a:r>
-            <a:r>
-              <a:rPr lang="fr-FR" dirty="0" smtClean="0"/>
-              <a:t> représente le résultat</a:t>
-            </a:r>
-          </a:p>
-        </p:txBody>
-      </p:sp>
-    </p:spTree>
-    <p:extLst>
-      <p:ext uri="{BB962C8B-B14F-4D97-AF65-F5344CB8AC3E}">
-        <p14:creationId xmlns:p14="http://schemas.microsoft.com/office/powerpoint/2010/main" val="3497601935"/>
-      </p:ext>
-    </p:extLst>
-  </p:cSld>
-  <p:clrMapOvr>
-    <a:masterClrMapping/>
-  </p:clrMapOvr>
-  <p:timing>
-    <p:tnLst>
-      <p:par>
-        <p:cTn id="1" dur="indefinite" restart="never" nodeType="tmRoot"/>
-      </p:par>
-    </p:tnLst>
-  </p:timing>
-</p:sld>
-</file>
-
-<file path=ppt/slides/slide60.xml><?xml version="1.0" encoding="utf-8"?>
-<p:sld xmlns:a="http://schemas.openxmlformats.org/drawingml/2006/main" xmlns:r="http://schemas.openxmlformats.org/officeDocument/2006/relationships" xmlns:p="http://schemas.openxmlformats.org/presentationml/2006/main">
-  <p:cSld>
-    <p:spTree>
-      <p:nvGrpSpPr>
-        <p:cNvPr id="1" name=""/>
-        <p:cNvGrpSpPr/>
-        <p:nvPr/>
-      </p:nvGrpSpPr>
-      <p:grpSpPr>
-        <a:xfrm>
-          <a:off x="0" y="0"/>
-          <a:ext cx="0" cy="0"/>
-          <a:chOff x="0" y="0"/>
-          <a:chExt cx="0" cy="0"/>
-        </a:xfrm>
-      </p:grpSpPr>
-      <p:sp>
-        <p:nvSpPr>
-          <p:cNvPr id="2" name="Titre 1"/>
-          <p:cNvSpPr>
-            <a:spLocks noGrp="1"/>
-          </p:cNvSpPr>
-          <p:nvPr>
-            <p:ph type="title"/>
-          </p:nvPr>
-        </p:nvSpPr>
-        <p:spPr/>
-        <p:txBody>
-          <a:bodyPr/>
-          <a:lstStyle/>
-          <a:p>
-            <a:r>
-              <a:rPr lang="fr-FR" dirty="0" err="1" smtClean="0"/>
-              <a:t>MLPClassifier</a:t>
-            </a:r>
-            <a:endParaRPr lang="fr-FR" dirty="0"/>
-          </a:p>
-        </p:txBody>
-      </p:sp>
-      <p:sp>
-        <p:nvSpPr>
-          <p:cNvPr id="3" name="Espace réservé du contenu 2"/>
-          <p:cNvSpPr>
-            <a:spLocks noGrp="1"/>
-          </p:cNvSpPr>
-          <p:nvPr>
-            <p:ph idx="1"/>
-          </p:nvPr>
-        </p:nvSpPr>
-        <p:spPr/>
-        <p:txBody>
-          <a:bodyPr/>
-          <a:lstStyle/>
-          <a:p>
-            <a:r>
-              <a:rPr lang="fr-FR" sz="2400" dirty="0" err="1" smtClean="0"/>
-              <a:t>Solver</a:t>
-            </a:r>
-            <a:endParaRPr lang="fr-FR" sz="2400" dirty="0" smtClean="0"/>
-          </a:p>
-          <a:p>
-            <a:pPr lvl="1"/>
-            <a:r>
-              <a:rPr lang="fr-FR" sz="2000" dirty="0" smtClean="0"/>
-              <a:t>Algorithme du changement du poids</a:t>
-            </a:r>
-            <a:endParaRPr lang="fr-FR" sz="2000" dirty="0"/>
-          </a:p>
-          <a:p>
-            <a:pPr lvl="1"/>
-            <a:r>
-              <a:rPr lang="fr-FR" sz="2000" dirty="0" smtClean="0"/>
-              <a:t>Par défaut </a:t>
-            </a:r>
-            <a:r>
-              <a:rPr lang="fr-FR" sz="2000" dirty="0" err="1" smtClean="0"/>
-              <a:t>adam</a:t>
-            </a:r>
-            <a:r>
-              <a:rPr lang="fr-FR" sz="2000" dirty="0"/>
-              <a:t> (</a:t>
-            </a:r>
-            <a:r>
-              <a:rPr lang="fr-FR" sz="2000" dirty="0" err="1"/>
-              <a:t>stochastic</a:t>
-            </a:r>
-            <a:r>
-              <a:rPr lang="fr-FR" sz="2000" dirty="0"/>
-              <a:t> gradient-</a:t>
-            </a:r>
-            <a:r>
-              <a:rPr lang="fr-FR" sz="2000" dirty="0" err="1"/>
-              <a:t>based</a:t>
-            </a:r>
-            <a:r>
-              <a:rPr lang="fr-FR" sz="2000" dirty="0"/>
-              <a:t> </a:t>
-            </a:r>
-            <a:r>
-              <a:rPr lang="fr-FR" sz="2000" dirty="0" err="1" smtClean="0"/>
-              <a:t>optimizer</a:t>
-            </a:r>
-            <a:r>
-              <a:rPr lang="fr-FR" sz="2000" dirty="0" smtClean="0"/>
-              <a:t>)</a:t>
-            </a:r>
-          </a:p>
-          <a:p>
-            <a:pPr lvl="1"/>
-            <a:r>
-              <a:rPr lang="fr-FR" sz="2000" dirty="0" err="1" smtClean="0"/>
-              <a:t>Sgd</a:t>
-            </a:r>
-            <a:r>
-              <a:rPr lang="fr-FR" sz="2000" dirty="0" smtClean="0"/>
-              <a:t> va utiliser </a:t>
-            </a:r>
-            <a:r>
-              <a:rPr lang="fr-FR" sz="2000" dirty="0" err="1" smtClean="0"/>
-              <a:t>Learning_rate</a:t>
-            </a:r>
-            <a:endParaRPr lang="fr-FR" sz="2000" dirty="0" smtClean="0"/>
-          </a:p>
-          <a:p>
-            <a:r>
-              <a:rPr lang="fr-FR" sz="2400" dirty="0" smtClean="0"/>
-              <a:t>Alpha</a:t>
-            </a:r>
-          </a:p>
-          <a:p>
-            <a:pPr lvl="1"/>
-            <a:r>
-              <a:rPr lang="fr-FR" sz="2000" dirty="0" smtClean="0"/>
-              <a:t>0.00001</a:t>
-            </a:r>
-          </a:p>
-          <a:p>
-            <a:pPr lvl="1"/>
-            <a:r>
-              <a:rPr lang="fr-FR" sz="2000" dirty="0" smtClean="0"/>
-              <a:t>Pénalité</a:t>
-            </a:r>
-          </a:p>
-          <a:p>
-            <a:r>
-              <a:rPr lang="fr-FR" sz="2400" dirty="0" err="1" smtClean="0"/>
-              <a:t>Learning_rate</a:t>
-            </a:r>
-            <a:endParaRPr lang="fr-FR" sz="2400" dirty="0" smtClean="0"/>
-          </a:p>
-          <a:p>
-            <a:pPr lvl="1"/>
-            <a:r>
-              <a:rPr lang="fr-FR" sz="2000" dirty="0" smtClean="0"/>
-              <a:t>Constant : changement de poids constant</a:t>
-            </a:r>
-          </a:p>
-          <a:p>
-            <a:pPr lvl="1"/>
-            <a:r>
-              <a:rPr lang="fr-FR" sz="2000" dirty="0" smtClean="0"/>
-              <a:t>Adaptive : Augmente en cas d’erreurs successive, abaisse en cas de succès successif, d’une valeur décrite dans </a:t>
-            </a:r>
-            <a:r>
-              <a:rPr lang="fr-FR" sz="2000" dirty="0" err="1" smtClean="0"/>
-              <a:t>momentum</a:t>
-            </a:r>
-            <a:endParaRPr lang="fr-FR" sz="2000" dirty="0" smtClean="0"/>
-          </a:p>
-          <a:p>
-            <a:pPr lvl="1"/>
-            <a:r>
-              <a:rPr lang="fr-FR" sz="2000" dirty="0" err="1" smtClean="0"/>
-              <a:t>Invscaling</a:t>
-            </a:r>
-            <a:r>
-              <a:rPr lang="fr-FR" sz="2000" dirty="0" smtClean="0"/>
-              <a:t> : baisse dans le temps</a:t>
-            </a:r>
-          </a:p>
-          <a:p>
-            <a:pPr lvl="1"/>
-            <a:endParaRPr lang="fr-FR" dirty="0"/>
-          </a:p>
-        </p:txBody>
-      </p:sp>
-    </p:spTree>
-    <p:extLst>
-      <p:ext uri="{BB962C8B-B14F-4D97-AF65-F5344CB8AC3E}">
-        <p14:creationId xmlns:p14="http://schemas.microsoft.com/office/powerpoint/2010/main" val="149886064"/>
-      </p:ext>
-    </p:extLst>
-  </p:cSld>
-  <p:clrMapOvr>
-    <a:masterClrMapping/>
-  </p:clrMapOvr>
-  <p:timing>
-    <p:tnLst>
-      <p:par>
-        <p:cTn id="1" dur="indefinite" restart="never" nodeType="tmRoot"/>
-      </p:par>
-    </p:tnLst>
-  </p:timing>
-</p:sld>
-</file>
-
-<file path=ppt/slides/slide61.xml><?xml version="1.0" encoding="utf-8"?>
-<p:sld xmlns:a="http://schemas.openxmlformats.org/drawingml/2006/main" xmlns:r="http://schemas.openxmlformats.org/officeDocument/2006/relationships" xmlns:p="http://schemas.openxmlformats.org/presentationml/2006/main">
-  <p:cSld>
-    <p:spTree>
-      <p:nvGrpSpPr>
-        <p:cNvPr id="1" name=""/>
-        <p:cNvGrpSpPr/>
-        <p:nvPr/>
-      </p:nvGrpSpPr>
-      <p:grpSpPr>
-        <a:xfrm>
-          <a:off x="0" y="0"/>
-          <a:ext cx="0" cy="0"/>
-          <a:chOff x="0" y="0"/>
-          <a:chExt cx="0" cy="0"/>
-        </a:xfrm>
-      </p:grpSpPr>
-      <p:sp>
-        <p:nvSpPr>
-          <p:cNvPr id="2" name="Titre 1"/>
-          <p:cNvSpPr>
-            <a:spLocks noGrp="1"/>
-          </p:cNvSpPr>
-          <p:nvPr>
-            <p:ph type="title"/>
-          </p:nvPr>
-        </p:nvSpPr>
-        <p:spPr/>
-        <p:txBody>
-          <a:bodyPr/>
-          <a:lstStyle/>
-          <a:p>
-            <a:r>
-              <a:rPr lang="fr-FR" dirty="0" err="1" smtClean="0"/>
-              <a:t>MLPClassifier</a:t>
-            </a:r>
-            <a:endParaRPr lang="fr-FR" dirty="0"/>
-          </a:p>
-        </p:txBody>
-      </p:sp>
-      <p:sp>
-        <p:nvSpPr>
-          <p:cNvPr id="3" name="Espace réservé du contenu 2"/>
-          <p:cNvSpPr>
-            <a:spLocks noGrp="1"/>
-          </p:cNvSpPr>
-          <p:nvPr>
-            <p:ph idx="1"/>
-          </p:nvPr>
-        </p:nvSpPr>
-        <p:spPr/>
-        <p:txBody>
-          <a:bodyPr/>
-          <a:lstStyle/>
-          <a:p>
-            <a:r>
-              <a:rPr lang="fr-FR" dirty="0" err="1" smtClean="0"/>
-              <a:t>Max_iter</a:t>
-            </a:r>
-            <a:endParaRPr lang="fr-FR" dirty="0" smtClean="0"/>
-          </a:p>
-          <a:p>
-            <a:pPr lvl="1"/>
-            <a:r>
-              <a:rPr lang="fr-FR" dirty="0" smtClean="0"/>
-              <a:t>Nombre d’itération</a:t>
-            </a:r>
-          </a:p>
-          <a:p>
-            <a:pPr lvl="1"/>
-            <a:r>
-              <a:rPr lang="fr-FR" dirty="0" smtClean="0"/>
-              <a:t>200 par défaut</a:t>
-            </a:r>
-          </a:p>
-          <a:p>
-            <a:r>
-              <a:rPr lang="fr-FR" dirty="0" err="1" smtClean="0"/>
-              <a:t>Tol</a:t>
-            </a:r>
-            <a:endParaRPr lang="fr-FR" dirty="0" smtClean="0"/>
-          </a:p>
-          <a:p>
-            <a:pPr lvl="1"/>
-            <a:r>
-              <a:rPr lang="fr-FR" dirty="0" smtClean="0"/>
-              <a:t>Tolérance au score</a:t>
-            </a:r>
-          </a:p>
-          <a:p>
-            <a:pPr lvl="2"/>
-            <a:r>
-              <a:rPr lang="fr-FR" dirty="0" smtClean="0"/>
-              <a:t>10</a:t>
-            </a:r>
-            <a:r>
-              <a:rPr lang="fr-FR" baseline="30000" dirty="0" smtClean="0"/>
-              <a:t>E</a:t>
-            </a:r>
-            <a:r>
-              <a:rPr lang="fr-FR" dirty="0" smtClean="0"/>
-              <a:t>-4</a:t>
-            </a:r>
-            <a:endParaRPr lang="fr-FR" dirty="0"/>
-          </a:p>
-        </p:txBody>
-      </p:sp>
-    </p:spTree>
-    <p:extLst>
-      <p:ext uri="{BB962C8B-B14F-4D97-AF65-F5344CB8AC3E}">
-        <p14:creationId xmlns:p14="http://schemas.microsoft.com/office/powerpoint/2010/main" val="2535759257"/>
-      </p:ext>
-    </p:extLst>
-  </p:cSld>
-  <p:clrMapOvr>
-    <a:masterClrMapping/>
-  </p:clrMapOvr>
-  <p:timing>
-    <p:tnLst>
-      <p:par>
-        <p:cTn id="1" dur="indefinite" restart="never" nodeType="tmRoot"/>
-      </p:par>
-    </p:tnLst>
-  </p:timing>
-</p:sld>
-</file>
-
-<file path=ppt/slides/slide62.xml><?xml version="1.0" encoding="utf-8"?>
-<p:sld xmlns:a="http://schemas.openxmlformats.org/drawingml/2006/main" xmlns:r="http://schemas.openxmlformats.org/officeDocument/2006/relationships" xmlns:p="http://schemas.openxmlformats.org/presentationml/2006/main">
-  <p:cSld>
-    <p:spTree>
-      <p:nvGrpSpPr>
-        <p:cNvPr id="1" name=""/>
-        <p:cNvGrpSpPr/>
-        <p:nvPr/>
-      </p:nvGrpSpPr>
-      <p:grpSpPr>
-        <a:xfrm>
-          <a:off x="0" y="0"/>
-          <a:ext cx="0" cy="0"/>
-          <a:chOff x="0" y="0"/>
-          <a:chExt cx="0" cy="0"/>
-        </a:xfrm>
-      </p:grpSpPr>
-      <p:sp>
-        <p:nvSpPr>
-          <p:cNvPr id="2" name="Titre 1"/>
-          <p:cNvSpPr>
-            <a:spLocks noGrp="1"/>
-          </p:cNvSpPr>
-          <p:nvPr>
-            <p:ph type="title"/>
-          </p:nvPr>
-        </p:nvSpPr>
-        <p:spPr/>
-        <p:txBody>
-          <a:bodyPr/>
-          <a:lstStyle/>
-          <a:p>
-            <a:r>
-              <a:rPr lang="fr-FR" dirty="0" err="1" smtClean="0"/>
-              <a:t>MLPClassifier</a:t>
-            </a:r>
-            <a:endParaRPr lang="fr-FR" dirty="0"/>
-          </a:p>
-        </p:txBody>
-      </p:sp>
-      <p:pic>
-        <p:nvPicPr>
-          <p:cNvPr id="4" name="Image 3"/>
-          <p:cNvPicPr>
-            <a:picLocks noChangeAspect="1"/>
-          </p:cNvPicPr>
-          <p:nvPr/>
-        </p:nvPicPr>
-        <p:blipFill>
-          <a:blip r:embed="rId2"/>
-          <a:stretch>
-            <a:fillRect/>
-          </a:stretch>
-        </p:blipFill>
-        <p:spPr>
-          <a:xfrm>
-            <a:off x="85816" y="1433512"/>
-            <a:ext cx="9011862" cy="4731792"/>
-          </a:xfrm>
-          <a:prstGeom prst="rect">
-            <a:avLst/>
-          </a:prstGeom>
-        </p:spPr>
-      </p:pic>
-    </p:spTree>
-    <p:extLst>
-      <p:ext uri="{BB962C8B-B14F-4D97-AF65-F5344CB8AC3E}">
-        <p14:creationId xmlns:p14="http://schemas.microsoft.com/office/powerpoint/2010/main" val="1906528269"/>
-      </p:ext>
-    </p:extLst>
-  </p:cSld>
-  <p:clrMapOvr>
-    <a:masterClrMapping/>
-  </p:clrMapOvr>
-  <p:timing>
-    <p:tnLst>
-      <p:par>
-        <p:cTn id="1" dur="indefinite" restart="never" nodeType="tmRoot"/>
-      </p:par>
-    </p:tnLst>
-  </p:timing>
-</p:sld>
-</file>
-
-<file path=ppt/slides/slide63.xml><?xml version="1.0" encoding="utf-8"?>
-<p:sld xmlns:a="http://schemas.openxmlformats.org/drawingml/2006/main" xmlns:r="http://schemas.openxmlformats.org/officeDocument/2006/relationships" xmlns:p="http://schemas.openxmlformats.org/presentationml/2006/main">
-  <p:cSld>
-    <p:spTree>
-      <p:nvGrpSpPr>
-        <p:cNvPr id="1" name=""/>
-        <p:cNvGrpSpPr/>
-        <p:nvPr/>
-      </p:nvGrpSpPr>
-      <p:grpSpPr>
-        <a:xfrm>
-          <a:off x="0" y="0"/>
-          <a:ext cx="0" cy="0"/>
-          <a:chOff x="0" y="0"/>
-          <a:chExt cx="0" cy="0"/>
-        </a:xfrm>
-      </p:grpSpPr>
-      <p:sp>
-        <p:nvSpPr>
-          <p:cNvPr id="2" name="Titre 1"/>
-          <p:cNvSpPr>
-            <a:spLocks noGrp="1"/>
-          </p:cNvSpPr>
-          <p:nvPr>
-            <p:ph type="title"/>
-          </p:nvPr>
-        </p:nvSpPr>
-        <p:spPr/>
-        <p:txBody>
-          <a:bodyPr/>
-          <a:lstStyle/>
-          <a:p>
-            <a:r>
-              <a:rPr lang="fr-FR" dirty="0" smtClean="0"/>
               <a:t>Standardisation d’un jeux de données</a:t>
             </a:r>
             <a:endParaRPr lang="fr-FR" dirty="0"/>
@@ -12507,7 +10347,7 @@
 </p:sld>
 </file>
 
-<file path=ppt/slides/slide64.xml><?xml version="1.0" encoding="utf-8"?>
+<file path=ppt/slides/slide51.xml><?xml version="1.0" encoding="utf-8"?>
 <p:sld xmlns:a="http://schemas.openxmlformats.org/drawingml/2006/main" xmlns:r="http://schemas.openxmlformats.org/officeDocument/2006/relationships" xmlns:p="http://schemas.openxmlformats.org/presentationml/2006/main">
   <p:cSld>
     <p:spTree>
@@ -12631,7 +10471,7 @@
 </p:sld>
 </file>
 
-<file path=ppt/slides/slide65.xml><?xml version="1.0" encoding="utf-8"?>
+<file path=ppt/slides/slide52.xml><?xml version="1.0" encoding="utf-8"?>
 <p:sld xmlns:a="http://schemas.openxmlformats.org/drawingml/2006/main" xmlns:r="http://schemas.openxmlformats.org/officeDocument/2006/relationships" xmlns:p="http://schemas.openxmlformats.org/presentationml/2006/main">
   <p:cSld>
     <p:spTree>
@@ -12826,7 +10666,401 @@
 </p:sld>
 </file>
 
+<file path=ppt/slides/slide6.xml><?xml version="1.0" encoding="utf-8"?>
+<p:sld xmlns:a="http://schemas.openxmlformats.org/drawingml/2006/main" xmlns:r="http://schemas.openxmlformats.org/officeDocument/2006/relationships" xmlns:p="http://schemas.openxmlformats.org/presentationml/2006/main">
+  <p:cSld>
+    <p:spTree>
+      <p:nvGrpSpPr>
+        <p:cNvPr id="1" name=""/>
+        <p:cNvGrpSpPr/>
+        <p:nvPr/>
+      </p:nvGrpSpPr>
+      <p:grpSpPr>
+        <a:xfrm>
+          <a:off x="0" y="0"/>
+          <a:ext cx="0" cy="0"/>
+          <a:chOff x="0" y="0"/>
+          <a:chExt cx="0" cy="0"/>
+        </a:xfrm>
+      </p:grpSpPr>
+      <p:sp>
+        <p:nvSpPr>
+          <p:cNvPr id="2" name="Titre 1"/>
+          <p:cNvSpPr>
+            <a:spLocks noGrp="1"/>
+          </p:cNvSpPr>
+          <p:nvPr>
+            <p:ph type="title"/>
+          </p:nvPr>
+        </p:nvSpPr>
+        <p:spPr/>
+        <p:txBody>
+          <a:bodyPr/>
+          <a:lstStyle/>
+          <a:p>
+            <a:r>
+              <a:rPr lang="fr-FR" dirty="0" err="1" smtClean="0"/>
+              <a:t>Dataset</a:t>
+            </a:r>
+            <a:endParaRPr lang="fr-FR" dirty="0"/>
+          </a:p>
+        </p:txBody>
+      </p:sp>
+      <p:sp>
+        <p:nvSpPr>
+          <p:cNvPr id="3" name="Espace réservé du contenu 2"/>
+          <p:cNvSpPr>
+            <a:spLocks noGrp="1"/>
+          </p:cNvSpPr>
+          <p:nvPr>
+            <p:ph idx="1"/>
+          </p:nvPr>
+        </p:nvSpPr>
+        <p:spPr/>
+        <p:txBody>
+          <a:bodyPr/>
+          <a:lstStyle/>
+          <a:p>
+            <a:r>
+              <a:rPr lang="fr-FR" dirty="0" smtClean="0"/>
+              <a:t>X représente le </a:t>
+            </a:r>
+            <a:r>
+              <a:rPr lang="fr-FR" dirty="0" err="1" smtClean="0"/>
+              <a:t>Dataset</a:t>
+            </a:r>
+            <a:endParaRPr lang="fr-FR" dirty="0" smtClean="0"/>
+          </a:p>
+          <a:p>
+            <a:pPr lvl="1"/>
+            <a:r>
+              <a:rPr lang="fr-FR" dirty="0" smtClean="0"/>
+              <a:t>S’exprime en majuscule car il s’agit d’une matrice</a:t>
+            </a:r>
+          </a:p>
+          <a:p>
+            <a:pPr lvl="1"/>
+            <a:r>
+              <a:rPr lang="fr-FR" dirty="0" smtClean="0"/>
+              <a:t>1 dimension = 1 variable</a:t>
+            </a:r>
+          </a:p>
+          <a:p>
+            <a:r>
+              <a:rPr lang="fr-FR" dirty="0"/>
+              <a:t>y</a:t>
+            </a:r>
+            <a:r>
+              <a:rPr lang="fr-FR" dirty="0" smtClean="0"/>
+              <a:t> représente le résultat</a:t>
+            </a:r>
+          </a:p>
+        </p:txBody>
+      </p:sp>
+    </p:spTree>
+    <p:extLst>
+      <p:ext uri="{BB962C8B-B14F-4D97-AF65-F5344CB8AC3E}">
+        <p14:creationId xmlns:p14="http://schemas.microsoft.com/office/powerpoint/2010/main" val="3497601935"/>
+      </p:ext>
+    </p:extLst>
+  </p:cSld>
+  <p:clrMapOvr>
+    <a:masterClrMapping/>
+  </p:clrMapOvr>
+  <p:timing>
+    <p:tnLst>
+      <p:par>
+        <p:cTn id="1" dur="indefinite" restart="never" nodeType="tmRoot"/>
+      </p:par>
+    </p:tnLst>
+  </p:timing>
+</p:sld>
+</file>
+
 <file path=ppt/slides/slide7.xml><?xml version="1.0" encoding="utf-8"?>
+<p:sld xmlns:a="http://schemas.openxmlformats.org/drawingml/2006/main" xmlns:r="http://schemas.openxmlformats.org/officeDocument/2006/relationships" xmlns:p="http://schemas.openxmlformats.org/presentationml/2006/main">
+  <p:cSld>
+    <p:spTree>
+      <p:nvGrpSpPr>
+        <p:cNvPr id="1" name=""/>
+        <p:cNvGrpSpPr/>
+        <p:nvPr/>
+      </p:nvGrpSpPr>
+      <p:grpSpPr>
+        <a:xfrm>
+          <a:off x="0" y="0"/>
+          <a:ext cx="0" cy="0"/>
+          <a:chOff x="0" y="0"/>
+          <a:chExt cx="0" cy="0"/>
+        </a:xfrm>
+      </p:grpSpPr>
+      <p:sp>
+        <p:nvSpPr>
+          <p:cNvPr id="2" name="Titre 1"/>
+          <p:cNvSpPr>
+            <a:spLocks noGrp="1"/>
+          </p:cNvSpPr>
+          <p:nvPr>
+            <p:ph type="title"/>
+          </p:nvPr>
+        </p:nvSpPr>
+        <p:spPr/>
+        <p:txBody>
+          <a:bodyPr/>
+          <a:lstStyle/>
+          <a:p>
+            <a:r>
+              <a:rPr lang="fr-FR" dirty="0" smtClean="0"/>
+              <a:t>Randomisation</a:t>
+            </a:r>
+            <a:endParaRPr lang="fr-FR" dirty="0"/>
+          </a:p>
+        </p:txBody>
+      </p:sp>
+      <p:sp>
+        <p:nvSpPr>
+          <p:cNvPr id="3" name="Espace réservé du contenu 2"/>
+          <p:cNvSpPr>
+            <a:spLocks noGrp="1"/>
+          </p:cNvSpPr>
+          <p:nvPr>
+            <p:ph idx="1"/>
+          </p:nvPr>
+        </p:nvSpPr>
+        <p:spPr/>
+        <p:txBody>
+          <a:bodyPr/>
+          <a:lstStyle/>
+          <a:p>
+            <a:r>
+              <a:rPr lang="fr-FR" dirty="0" smtClean="0"/>
+              <a:t>Il faut utiliser le bon échantillon</a:t>
+            </a:r>
+          </a:p>
+          <a:p>
+            <a:pPr lvl="1"/>
+            <a:r>
+              <a:rPr lang="fr-FR" dirty="0" smtClean="0"/>
+              <a:t>Bien répartis</a:t>
+            </a:r>
+          </a:p>
+          <a:p>
+            <a:pPr lvl="1"/>
+            <a:r>
+              <a:rPr lang="fr-FR" dirty="0" smtClean="0"/>
+              <a:t>Ne pas introduire de biais</a:t>
+            </a:r>
+          </a:p>
+          <a:p>
+            <a:pPr lvl="1"/>
+            <a:r>
+              <a:rPr lang="fr-FR" dirty="0" smtClean="0"/>
+              <a:t>Par exemple à Paris les loyers sont plus chères qu’ailleurs</a:t>
+            </a:r>
+          </a:p>
+          <a:p>
+            <a:r>
+              <a:rPr lang="fr-FR" dirty="0" smtClean="0"/>
+              <a:t>Il faut ensuite découper l’échantillon avec le</a:t>
+            </a:r>
+          </a:p>
+          <a:p>
+            <a:pPr lvl="1"/>
+            <a:r>
+              <a:rPr lang="fr-FR" dirty="0" smtClean="0"/>
+              <a:t>Training Set</a:t>
+            </a:r>
+          </a:p>
+          <a:p>
+            <a:pPr lvl="1"/>
+            <a:r>
+              <a:rPr lang="fr-FR" dirty="0" err="1" smtClean="0"/>
+              <a:t>Testing</a:t>
+            </a:r>
+            <a:r>
+              <a:rPr lang="fr-FR" dirty="0" smtClean="0"/>
+              <a:t> Set</a:t>
+            </a:r>
+          </a:p>
+          <a:p>
+            <a:r>
+              <a:rPr lang="fr-FR" dirty="0" smtClean="0"/>
+              <a:t>L’un sert à l’apprentissage, l’autre au test</a:t>
+            </a:r>
+          </a:p>
+          <a:p>
+            <a:pPr lvl="1"/>
+            <a:r>
+              <a:rPr lang="fr-FR" dirty="0" smtClean="0"/>
+              <a:t>Souvent 80/20</a:t>
+            </a:r>
+            <a:endParaRPr lang="fr-FR" dirty="0"/>
+          </a:p>
+        </p:txBody>
+      </p:sp>
+    </p:spTree>
+    <p:extLst>
+      <p:ext uri="{BB962C8B-B14F-4D97-AF65-F5344CB8AC3E}">
+        <p14:creationId xmlns:p14="http://schemas.microsoft.com/office/powerpoint/2010/main" val="2196960570"/>
+      </p:ext>
+    </p:extLst>
+  </p:cSld>
+  <p:clrMapOvr>
+    <a:masterClrMapping/>
+  </p:clrMapOvr>
+  <p:timing>
+    <p:tnLst>
+      <p:par>
+        <p:cTn id="1" dur="indefinite" restart="never" nodeType="tmRoot"/>
+      </p:par>
+    </p:tnLst>
+  </p:timing>
+</p:sld>
+</file>
+
+<file path=ppt/slides/slide8.xml><?xml version="1.0" encoding="utf-8"?>
+<p:sld xmlns:a="http://schemas.openxmlformats.org/drawingml/2006/main" xmlns:r="http://schemas.openxmlformats.org/officeDocument/2006/relationships" xmlns:p="http://schemas.openxmlformats.org/presentationml/2006/main">
+  <p:cSld>
+    <p:spTree>
+      <p:nvGrpSpPr>
+        <p:cNvPr id="1" name=""/>
+        <p:cNvGrpSpPr/>
+        <p:nvPr/>
+      </p:nvGrpSpPr>
+      <p:grpSpPr>
+        <a:xfrm>
+          <a:off x="0" y="0"/>
+          <a:ext cx="0" cy="0"/>
+          <a:chOff x="0" y="0"/>
+          <a:chExt cx="0" cy="0"/>
+        </a:xfrm>
+      </p:grpSpPr>
+      <p:sp>
+        <p:nvSpPr>
+          <p:cNvPr id="2" name="Titre 1"/>
+          <p:cNvSpPr>
+            <a:spLocks noGrp="1"/>
+          </p:cNvSpPr>
+          <p:nvPr>
+            <p:ph type="title"/>
+          </p:nvPr>
+        </p:nvSpPr>
+        <p:spPr/>
+        <p:txBody>
+          <a:bodyPr/>
+          <a:lstStyle/>
+          <a:p>
+            <a:r>
+              <a:rPr lang="fr-FR" dirty="0" smtClean="0"/>
+              <a:t>Randomisation</a:t>
+            </a:r>
+            <a:endParaRPr lang="fr-FR" dirty="0"/>
+          </a:p>
+        </p:txBody>
+      </p:sp>
+      <p:sp>
+        <p:nvSpPr>
+          <p:cNvPr id="3" name="Espace réservé du contenu 2"/>
+          <p:cNvSpPr>
+            <a:spLocks noGrp="1"/>
+          </p:cNvSpPr>
+          <p:nvPr>
+            <p:ph idx="1"/>
+          </p:nvPr>
+        </p:nvSpPr>
+        <p:spPr/>
+        <p:txBody>
+          <a:bodyPr/>
+          <a:lstStyle/>
+          <a:p>
+            <a:r>
+              <a:rPr lang="fr-FR" dirty="0"/>
+              <a:t>I</a:t>
+            </a:r>
+            <a:r>
+              <a:rPr lang="fr-FR" dirty="0" smtClean="0"/>
+              <a:t>l </a:t>
+            </a:r>
+            <a:r>
+              <a:rPr lang="fr-FR" dirty="0"/>
+              <a:t>s’avère que si on entraîne le modèle avec des données, il va naturellement être plus performant sur ces </a:t>
+            </a:r>
+            <a:r>
+              <a:rPr lang="fr-FR" dirty="0" smtClean="0"/>
+              <a:t>données-là</a:t>
+            </a:r>
+          </a:p>
+          <a:p>
+            <a:r>
+              <a:rPr lang="fr-FR" dirty="0" smtClean="0"/>
+              <a:t>Ce </a:t>
+            </a:r>
+            <a:r>
+              <a:rPr lang="fr-FR" dirty="0"/>
+              <a:t>qui nous intéresse c’est de mesurer sa performance sur des données qu’il n’a jamais vues puisque c’est ce qui va se passer en </a:t>
+            </a:r>
+            <a:r>
+              <a:rPr lang="fr-FR" dirty="0" smtClean="0"/>
+              <a:t>pratique</a:t>
+            </a:r>
+          </a:p>
+          <a:p>
+            <a:r>
+              <a:rPr lang="fr-FR" dirty="0" smtClean="0"/>
+              <a:t>Cette </a:t>
+            </a:r>
+            <a:r>
+              <a:rPr lang="fr-FR" dirty="0"/>
+              <a:t>performance est appelée la </a:t>
+            </a:r>
+            <a:r>
+              <a:rPr lang="fr-FR" b="1" dirty="0"/>
+              <a:t>généralisation</a:t>
+            </a:r>
+            <a:r>
+              <a:rPr lang="fr-FR" dirty="0"/>
+              <a:t> du </a:t>
+            </a:r>
+            <a:r>
+              <a:rPr lang="fr-FR" dirty="0" smtClean="0"/>
+              <a:t>modèle</a:t>
+            </a:r>
+            <a:endParaRPr lang="fr-FR" dirty="0"/>
+          </a:p>
+          <a:p>
+            <a:pPr lvl="1"/>
+            <a:r>
+              <a:rPr lang="fr-FR" dirty="0" smtClean="0"/>
+              <a:t>Sa </a:t>
+            </a:r>
+            <a:r>
+              <a:rPr lang="fr-FR" dirty="0"/>
+              <a:t>capacité à effectuer des prédictions de qualité sur des situations jamais rencontrées.</a:t>
+            </a:r>
+          </a:p>
+        </p:txBody>
+      </p:sp>
+    </p:spTree>
+    <p:extLst>
+      <p:ext uri="{BB962C8B-B14F-4D97-AF65-F5344CB8AC3E}">
+        <p14:creationId xmlns:p14="http://schemas.microsoft.com/office/powerpoint/2010/main" val="2686961324"/>
+      </p:ext>
+    </p:extLst>
+  </p:cSld>
+  <p:clrMapOvr>
+    <a:masterClrMapping/>
+  </p:clrMapOvr>
+  <p:timing>
+    <p:tnLst>
+      <p:par>
+        <p:cTn id="1" dur="indefinite" restart="never" nodeType="tmRoot"/>
+      </p:par>
+    </p:tnLst>
+  </p:timing>
+</p:sld>
+</file>
+
+<file path=ppt/slides/slide9.xml><?xml version="1.0" encoding="utf-8"?>
 <p:sld xmlns:a="http://schemas.openxmlformats.org/drawingml/2006/main" xmlns:r="http://schemas.openxmlformats.org/officeDocument/2006/relationships" xmlns:p="http://schemas.openxmlformats.org/presentationml/2006/main">
   <p:cSld>
     <p:spTree>
@@ -12996,319 +11230,7 @@
     </p:spTree>
     <p:extLst>
       <p:ext uri="{BB962C8B-B14F-4D97-AF65-F5344CB8AC3E}">
-        <p14:creationId xmlns:p14="http://schemas.microsoft.com/office/powerpoint/2010/main" val="2786832870"/>
-      </p:ext>
-    </p:extLst>
-  </p:cSld>
-  <p:clrMapOvr>
-    <a:masterClrMapping/>
-  </p:clrMapOvr>
-  <p:timing>
-    <p:tnLst>
-      <p:par>
-        <p:cTn id="1" dur="indefinite" restart="never" nodeType="tmRoot"/>
-      </p:par>
-    </p:tnLst>
-  </p:timing>
-</p:sld>
-</file>
-
-<file path=ppt/slides/slide8.xml><?xml version="1.0" encoding="utf-8"?>
-<p:sld xmlns:a="http://schemas.openxmlformats.org/drawingml/2006/main" xmlns:r="http://schemas.openxmlformats.org/officeDocument/2006/relationships" xmlns:p="http://schemas.openxmlformats.org/presentationml/2006/main">
-  <p:cSld>
-    <p:spTree>
-      <p:nvGrpSpPr>
-        <p:cNvPr id="1" name=""/>
-        <p:cNvGrpSpPr/>
-        <p:nvPr/>
-      </p:nvGrpSpPr>
-      <p:grpSpPr>
-        <a:xfrm>
-          <a:off x="0" y="0"/>
-          <a:ext cx="0" cy="0"/>
-          <a:chOff x="0" y="0"/>
-          <a:chExt cx="0" cy="0"/>
-        </a:xfrm>
-      </p:grpSpPr>
-      <p:sp>
-        <p:nvSpPr>
-          <p:cNvPr id="2" name="Titre 1"/>
-          <p:cNvSpPr>
-            <a:spLocks noGrp="1"/>
-          </p:cNvSpPr>
-          <p:nvPr>
-            <p:ph type="title"/>
-          </p:nvPr>
-        </p:nvSpPr>
-        <p:spPr/>
-        <p:txBody>
-          <a:bodyPr/>
-          <a:lstStyle/>
-          <a:p>
-            <a:r>
-              <a:rPr lang="fr-FR" dirty="0" err="1" smtClean="0"/>
-              <a:t>Echantillonage</a:t>
-            </a:r>
-            <a:endParaRPr lang="fr-FR" dirty="0"/>
-          </a:p>
-        </p:txBody>
-      </p:sp>
-      <p:sp>
-        <p:nvSpPr>
-          <p:cNvPr id="3" name="Espace réservé du contenu 2"/>
-          <p:cNvSpPr>
-            <a:spLocks noGrp="1"/>
-          </p:cNvSpPr>
-          <p:nvPr>
-            <p:ph idx="1"/>
-          </p:nvPr>
-        </p:nvSpPr>
-        <p:spPr/>
-        <p:txBody>
-          <a:bodyPr/>
-          <a:lstStyle/>
-          <a:p>
-            <a:r>
-              <a:rPr lang="fr-FR" dirty="0"/>
-              <a:t>Le jeu de données (</a:t>
-            </a:r>
-            <a:r>
-              <a:rPr lang="fr-FR" dirty="0" err="1"/>
-              <a:t>dataset</a:t>
-            </a:r>
-            <a:r>
-              <a:rPr lang="fr-FR" dirty="0"/>
-              <a:t>) dont vous disposez constitue une ressource </a:t>
-            </a:r>
-            <a:r>
-              <a:rPr lang="fr-FR" dirty="0" smtClean="0"/>
-              <a:t>précieuse</a:t>
-            </a:r>
-          </a:p>
-          <a:p>
-            <a:pPr lvl="1"/>
-            <a:r>
-              <a:rPr lang="fr-FR" dirty="0" smtClean="0"/>
-              <a:t>Il </a:t>
-            </a:r>
-            <a:r>
-              <a:rPr lang="fr-FR" dirty="0"/>
-              <a:t>faut pouvoir l’utiliser à bon escient afin de pouvoir à la fois choisir un modèle et </a:t>
-            </a:r>
-            <a:r>
-              <a:rPr lang="fr-FR" dirty="0" smtClean="0"/>
-              <a:t>l'entraîner</a:t>
-            </a:r>
-          </a:p>
-          <a:p>
-            <a:pPr lvl="1"/>
-            <a:r>
-              <a:rPr lang="fr-FR" dirty="0" smtClean="0"/>
-              <a:t>mais </a:t>
-            </a:r>
-            <a:r>
-              <a:rPr lang="fr-FR" dirty="0"/>
-              <a:t>aussi de pouvoir tester la qualité de ce </a:t>
-            </a:r>
-            <a:r>
-              <a:rPr lang="fr-FR" dirty="0" smtClean="0"/>
-              <a:t>modèle</a:t>
-            </a:r>
-          </a:p>
-          <a:p>
-            <a:r>
-              <a:rPr lang="fr-FR" dirty="0"/>
-              <a:t>La première question à se poser </a:t>
-            </a:r>
-            <a:r>
-              <a:rPr lang="fr-FR" dirty="0" smtClean="0"/>
-              <a:t>est</a:t>
-            </a:r>
-          </a:p>
-          <a:p>
-            <a:pPr lvl="1"/>
-            <a:r>
-              <a:rPr lang="fr-FR" dirty="0" smtClean="0"/>
-              <a:t>Est-ce </a:t>
-            </a:r>
-            <a:r>
-              <a:rPr lang="fr-FR" dirty="0"/>
-              <a:t>qu’on va utiliser toutes les données d'exemple dont on </a:t>
-            </a:r>
-            <a:r>
-              <a:rPr lang="fr-FR" dirty="0" smtClean="0"/>
-              <a:t>dispose ?</a:t>
-            </a:r>
-          </a:p>
-          <a:p>
-            <a:pPr lvl="1"/>
-            <a:r>
-              <a:rPr lang="fr-FR" dirty="0" smtClean="0"/>
-              <a:t>Volume, tests, …</a:t>
-            </a:r>
-          </a:p>
-          <a:p>
-            <a:r>
-              <a:rPr lang="fr-FR" dirty="0" smtClean="0"/>
-              <a:t>Il faut échantillonner (</a:t>
-            </a:r>
-            <a:r>
-              <a:rPr lang="fr-FR" dirty="0" err="1" smtClean="0"/>
-              <a:t>sampling</a:t>
-            </a:r>
-            <a:r>
-              <a:rPr lang="fr-FR" dirty="0" smtClean="0"/>
-              <a:t>) les données à tester</a:t>
-            </a:r>
-            <a:endParaRPr lang="fr-FR" dirty="0"/>
-          </a:p>
-        </p:txBody>
-      </p:sp>
-    </p:spTree>
-    <p:extLst>
-      <p:ext uri="{BB962C8B-B14F-4D97-AF65-F5344CB8AC3E}">
-        <p14:creationId xmlns:p14="http://schemas.microsoft.com/office/powerpoint/2010/main" val="4194262031"/>
-      </p:ext>
-    </p:extLst>
-  </p:cSld>
-  <p:clrMapOvr>
-    <a:masterClrMapping/>
-  </p:clrMapOvr>
-  <p:timing>
-    <p:tnLst>
-      <p:par>
-        <p:cTn id="1" dur="indefinite" restart="never" nodeType="tmRoot"/>
-      </p:par>
-    </p:tnLst>
-  </p:timing>
-</p:sld>
-</file>
-
-<file path=ppt/slides/slide9.xml><?xml version="1.0" encoding="utf-8"?>
-<p:sld xmlns:a="http://schemas.openxmlformats.org/drawingml/2006/main" xmlns:r="http://schemas.openxmlformats.org/officeDocument/2006/relationships" xmlns:p="http://schemas.openxmlformats.org/presentationml/2006/main">
-  <p:cSld>
-    <p:spTree>
-      <p:nvGrpSpPr>
-        <p:cNvPr id="1" name=""/>
-        <p:cNvGrpSpPr/>
-        <p:nvPr/>
-      </p:nvGrpSpPr>
-      <p:grpSpPr>
-        <a:xfrm>
-          <a:off x="0" y="0"/>
-          <a:ext cx="0" cy="0"/>
-          <a:chOff x="0" y="0"/>
-          <a:chExt cx="0" cy="0"/>
-        </a:xfrm>
-      </p:grpSpPr>
-      <p:sp>
-        <p:nvSpPr>
-          <p:cNvPr id="2" name="Titre 1"/>
-          <p:cNvSpPr>
-            <a:spLocks noGrp="1"/>
-          </p:cNvSpPr>
-          <p:nvPr>
-            <p:ph type="title"/>
-          </p:nvPr>
-        </p:nvSpPr>
-        <p:spPr/>
-        <p:txBody>
-          <a:bodyPr/>
-          <a:lstStyle/>
-          <a:p>
-            <a:r>
-              <a:rPr lang="fr-FR" dirty="0" smtClean="0"/>
-              <a:t>Randomisation</a:t>
-            </a:r>
-            <a:endParaRPr lang="fr-FR" dirty="0"/>
-          </a:p>
-        </p:txBody>
-      </p:sp>
-      <p:sp>
-        <p:nvSpPr>
-          <p:cNvPr id="3" name="Espace réservé du contenu 2"/>
-          <p:cNvSpPr>
-            <a:spLocks noGrp="1"/>
-          </p:cNvSpPr>
-          <p:nvPr>
-            <p:ph idx="1"/>
-          </p:nvPr>
-        </p:nvSpPr>
-        <p:spPr/>
-        <p:txBody>
-          <a:bodyPr/>
-          <a:lstStyle/>
-          <a:p>
-            <a:r>
-              <a:rPr lang="fr-FR" dirty="0" smtClean="0"/>
-              <a:t>Il faut utiliser le bon échantillon</a:t>
-            </a:r>
-          </a:p>
-          <a:p>
-            <a:pPr lvl="1"/>
-            <a:r>
-              <a:rPr lang="fr-FR" dirty="0" smtClean="0"/>
-              <a:t>Bien répartis</a:t>
-            </a:r>
-          </a:p>
-          <a:p>
-            <a:pPr lvl="1"/>
-            <a:r>
-              <a:rPr lang="fr-FR" dirty="0" smtClean="0"/>
-              <a:t>Ne pas introduire de biais</a:t>
-            </a:r>
-          </a:p>
-          <a:p>
-            <a:pPr lvl="1"/>
-            <a:r>
-              <a:rPr lang="fr-FR" dirty="0" smtClean="0"/>
-              <a:t>Par exemple à Paris les loyers sont plus chères qu’ailleurs</a:t>
-            </a:r>
-          </a:p>
-          <a:p>
-            <a:r>
-              <a:rPr lang="fr-FR" dirty="0" smtClean="0"/>
-              <a:t>Il faut ensuite découper l’échantillon avec le</a:t>
-            </a:r>
-          </a:p>
-          <a:p>
-            <a:pPr lvl="1"/>
-            <a:r>
-              <a:rPr lang="fr-FR" dirty="0" smtClean="0"/>
-              <a:t>Training Set</a:t>
-            </a:r>
-          </a:p>
-          <a:p>
-            <a:pPr lvl="1"/>
-            <a:r>
-              <a:rPr lang="fr-FR" dirty="0" err="1" smtClean="0"/>
-              <a:t>Testing</a:t>
-            </a:r>
-            <a:r>
-              <a:rPr lang="fr-FR" dirty="0" smtClean="0"/>
-              <a:t> Set</a:t>
-            </a:r>
-          </a:p>
-          <a:p>
-            <a:r>
-              <a:rPr lang="fr-FR" dirty="0" smtClean="0"/>
-              <a:t>L’un sert à l’apprentissage, l’autre au test</a:t>
-            </a:r>
-          </a:p>
-          <a:p>
-            <a:pPr lvl="1"/>
-            <a:r>
-              <a:rPr lang="fr-FR" dirty="0" smtClean="0"/>
-              <a:t>Souvent 80/20</a:t>
-            </a:r>
-            <a:endParaRPr lang="fr-FR" dirty="0"/>
-          </a:p>
-        </p:txBody>
-      </p:sp>
-    </p:spTree>
-    <p:extLst>
-      <p:ext uri="{BB962C8B-B14F-4D97-AF65-F5344CB8AC3E}">
-        <p14:creationId xmlns:p14="http://schemas.microsoft.com/office/powerpoint/2010/main" val="2196960570"/>
+        <p14:creationId xmlns:p14="http://schemas.microsoft.com/office/powerpoint/2010/main" val="2242772506"/>
       </p:ext>
     </p:extLst>
   </p:cSld>

--- a/ppt/PythonMath12-ScikitLearn.pptx
+++ b/ppt/PythonMath12-ScikitLearn.pptx
@@ -4722,6 +4722,13 @@
   <p:clrMapOvr>
     <a:masterClrMapping/>
   </p:clrMapOvr>
+  <p:timing>
+    <p:tnLst>
+      <p:par>
+        <p:cTn id="1" dur="indefinite" restart="never" nodeType="tmRoot"/>
+      </p:par>
+    </p:tnLst>
+  </p:timing>
 </p:sld>
 </file>
 
@@ -4850,6 +4857,13 @@
   <p:clrMapOvr>
     <a:masterClrMapping/>
   </p:clrMapOvr>
+  <p:timing>
+    <p:tnLst>
+      <p:par>
+        <p:cTn id="1" dur="indefinite" restart="never" nodeType="tmRoot"/>
+      </p:par>
+    </p:tnLst>
+  </p:timing>
 </p:sld>
 </file>
 
@@ -4948,6 +4962,13 @@
   <p:clrMapOvr>
     <a:masterClrMapping/>
   </p:clrMapOvr>
+  <p:timing>
+    <p:tnLst>
+      <p:par>
+        <p:cTn id="1" dur="indefinite" restart="never" nodeType="tmRoot"/>
+      </p:par>
+    </p:tnLst>
+  </p:timing>
 </p:sld>
 </file>
 
@@ -5044,6 +5065,13 @@
   <p:clrMapOvr>
     <a:masterClrMapping/>
   </p:clrMapOvr>
+  <p:timing>
+    <p:tnLst>
+      <p:par>
+        <p:cTn id="1" dur="indefinite" restart="never" nodeType="tmRoot"/>
+      </p:par>
+    </p:tnLst>
+  </p:timing>
 </p:sld>
 </file>
 
@@ -5140,6 +5168,13 @@
   <p:clrMapOvr>
     <a:masterClrMapping/>
   </p:clrMapOvr>
+  <p:timing>
+    <p:tnLst>
+      <p:par>
+        <p:cTn id="1" dur="indefinite" restart="never" nodeType="tmRoot"/>
+      </p:par>
+    </p:tnLst>
+  </p:timing>
 </p:sld>
 </file>
 
@@ -5441,6 +5476,13 @@
   <p:clrMapOvr>
     <a:masterClrMapping/>
   </p:clrMapOvr>
+  <p:timing>
+    <p:tnLst>
+      <p:par>
+        <p:cTn id="1" dur="indefinite" restart="never" nodeType="tmRoot"/>
+      </p:par>
+    </p:tnLst>
+  </p:timing>
 </p:sld>
 </file>
 
@@ -5592,6 +5634,13 @@
   <p:clrMapOvr>
     <a:masterClrMapping/>
   </p:clrMapOvr>
+  <p:timing>
+    <p:tnLst>
+      <p:par>
+        <p:cTn id="1" dur="indefinite" restart="never" nodeType="tmRoot"/>
+      </p:par>
+    </p:tnLst>
+  </p:timing>
 </p:sld>
 </file>
 
@@ -5674,6 +5723,13 @@
   <p:clrMapOvr>
     <a:masterClrMapping/>
   </p:clrMapOvr>
+  <p:timing>
+    <p:tnLst>
+      <p:par>
+        <p:cTn id="1" dur="indefinite" restart="never" nodeType="tmRoot"/>
+      </p:par>
+    </p:tnLst>
+  </p:timing>
 </p:sld>
 </file>
 
@@ -5830,6 +5886,13 @@
   <p:clrMapOvr>
     <a:masterClrMapping/>
   </p:clrMapOvr>
+  <p:timing>
+    <p:tnLst>
+      <p:par>
+        <p:cTn id="1" dur="indefinite" restart="never" nodeType="tmRoot"/>
+      </p:par>
+    </p:tnLst>
+  </p:timing>
 </p:sld>
 </file>
 
@@ -5912,6 +5975,13 @@
   <p:clrMapOvr>
     <a:masterClrMapping/>
   </p:clrMapOvr>
+  <p:timing>
+    <p:tnLst>
+      <p:par>
+        <p:cTn id="1" dur="indefinite" restart="never" nodeType="tmRoot"/>
+      </p:par>
+    </p:tnLst>
+  </p:timing>
 </p:sld>
 </file>
 
@@ -6077,6 +6147,13 @@
   <p:clrMapOvr>
     <a:masterClrMapping/>
   </p:clrMapOvr>
+  <p:timing>
+    <p:tnLst>
+      <p:par>
+        <p:cTn id="1" dur="indefinite" restart="never" nodeType="tmRoot"/>
+      </p:par>
+    </p:tnLst>
+  </p:timing>
 </p:sld>
 </file>
 
@@ -6269,6 +6346,13 @@
   <p:clrMapOvr>
     <a:masterClrMapping/>
   </p:clrMapOvr>
+  <p:timing>
+    <p:tnLst>
+      <p:par>
+        <p:cTn id="1" dur="indefinite" restart="never" nodeType="tmRoot"/>
+      </p:par>
+    </p:tnLst>
+  </p:timing>
 </p:sld>
 </file>
 
@@ -6374,6 +6458,13 @@
   <p:clrMapOvr>
     <a:masterClrMapping/>
   </p:clrMapOvr>
+  <p:timing>
+    <p:tnLst>
+      <p:par>
+        <p:cTn id="1" dur="indefinite" restart="never" nodeType="tmRoot"/>
+      </p:par>
+    </p:tnLst>
+  </p:timing>
 </p:sld>
 </file>
 
@@ -9189,6 +9280,13 @@
   <p:clrMapOvr>
     <a:masterClrMapping/>
   </p:clrMapOvr>
+  <p:timing>
+    <p:tnLst>
+      <p:par>
+        <p:cTn id="1" dur="indefinite" restart="never" nodeType="tmRoot"/>
+      </p:par>
+    </p:tnLst>
+  </p:timing>
 </p:sld>
 </file>
 
@@ -9946,6 +10044,47 @@
           </a:p>
         </p:txBody>
       </p:sp>
+      <p:pic>
+        <p:nvPicPr>
+          <p:cNvPr id="1026" name="Picture 2" descr="https://upload.wikimedia.org/wikipedia/commons/thumb/9/99/Neural_network_example.svg/220px-Neural_network_example.svg.png"/>
+          <p:cNvPicPr>
+            <a:picLocks noChangeAspect="1" noChangeArrowheads="1"/>
+          </p:cNvPicPr>
+          <p:nvPr/>
+        </p:nvPicPr>
+        <p:blipFill>
+          <a:blip r:embed="rId2">
+            <a:extLst>
+              <a:ext uri="{28A0092B-C50C-407E-A947-70E740481C1C}">
+                <a14:useLocalDpi xmlns:a14="http://schemas.microsoft.com/office/drawing/2010/main" val="0"/>
+              </a:ext>
+            </a:extLst>
+          </a:blip>
+          <a:srcRect/>
+          <a:stretch>
+            <a:fillRect/>
+          </a:stretch>
+        </p:blipFill>
+        <p:spPr bwMode="auto">
+          <a:xfrm>
+            <a:off x="5364088" y="1628800"/>
+            <a:ext cx="2095500" cy="2790825"/>
+          </a:xfrm>
+          <a:prstGeom prst="rect">
+            <a:avLst/>
+          </a:prstGeom>
+          <a:noFill/>
+          <a:extLst>
+            <a:ext uri="{909E8E84-426E-40DD-AFC4-6F175D3DCCD1}">
+              <a14:hiddenFill xmlns:a14="http://schemas.microsoft.com/office/drawing/2010/main">
+                <a:solidFill>
+                  <a:srgbClr val="FFFFFF"/>
+                </a:solidFill>
+              </a14:hiddenFill>
+            </a:ext>
+          </a:extLst>
+        </p:spPr>
+      </p:pic>
     </p:spTree>
     <p:extLst>
       <p:ext uri="{BB962C8B-B14F-4D97-AF65-F5344CB8AC3E}">
@@ -10215,14 +10354,13 @@
               <a:t>normaliser </a:t>
             </a:r>
             <a:r>
-              <a:rPr lang="fr-FR" sz="2400"/>
+              <a:rPr lang="fr-FR" sz="2400" dirty="0"/>
               <a:t>les </a:t>
             </a:r>
             <a:r>
-              <a:rPr lang="fr-FR" sz="2400" smtClean="0"/>
+              <a:rPr lang="fr-FR" sz="2400" dirty="0" smtClean="0"/>
               <a:t>données</a:t>
             </a:r>
-            <a:endParaRPr lang="fr-FR" sz="2400" dirty="0" smtClean="0"/>
           </a:p>
           <a:p>
             <a:r>

--- a/ppt/PythonMath12-ScikitLearn.pptx
+++ b/ppt/PythonMath12-ScikitLearn.pptx
@@ -5,10 +5,10 @@
     <p:sldMasterId id="2147483653" r:id="rId1"/>
   </p:sldMasterIdLst>
   <p:notesMasterIdLst>
-    <p:notesMasterId r:id="rId54"/>
+    <p:notesMasterId r:id="rId55"/>
   </p:notesMasterIdLst>
   <p:handoutMasterIdLst>
-    <p:handoutMasterId r:id="rId55"/>
+    <p:handoutMasterId r:id="rId56"/>
   </p:handoutMasterIdLst>
   <p:sldIdLst>
     <p:sldId id="264" r:id="rId2"/>
@@ -20,49 +20,50 @@
     <p:sldId id="268" r:id="rId8"/>
     <p:sldId id="270" r:id="rId9"/>
     <p:sldId id="375" r:id="rId10"/>
-    <p:sldId id="376" r:id="rId11"/>
-    <p:sldId id="273" r:id="rId12"/>
-    <p:sldId id="275" r:id="rId13"/>
-    <p:sldId id="274" r:id="rId14"/>
-    <p:sldId id="276" r:id="rId15"/>
-    <p:sldId id="286" r:id="rId16"/>
-    <p:sldId id="287" r:id="rId17"/>
-    <p:sldId id="288" r:id="rId18"/>
-    <p:sldId id="289" r:id="rId19"/>
-    <p:sldId id="290" r:id="rId20"/>
-    <p:sldId id="292" r:id="rId21"/>
-    <p:sldId id="293" r:id="rId22"/>
-    <p:sldId id="294" r:id="rId23"/>
-    <p:sldId id="295" r:id="rId24"/>
-    <p:sldId id="296" r:id="rId25"/>
-    <p:sldId id="297" r:id="rId26"/>
-    <p:sldId id="300" r:id="rId27"/>
-    <p:sldId id="301" r:id="rId28"/>
-    <p:sldId id="363" r:id="rId29"/>
-    <p:sldId id="364" r:id="rId30"/>
-    <p:sldId id="365" r:id="rId31"/>
-    <p:sldId id="366" r:id="rId32"/>
-    <p:sldId id="367" r:id="rId33"/>
-    <p:sldId id="372" r:id="rId34"/>
-    <p:sldId id="373" r:id="rId35"/>
-    <p:sldId id="374" r:id="rId36"/>
-    <p:sldId id="304" r:id="rId37"/>
-    <p:sldId id="306" r:id="rId38"/>
-    <p:sldId id="307" r:id="rId39"/>
-    <p:sldId id="308" r:id="rId40"/>
-    <p:sldId id="309" r:id="rId41"/>
-    <p:sldId id="310" r:id="rId42"/>
-    <p:sldId id="334" r:id="rId43"/>
-    <p:sldId id="338" r:id="rId44"/>
-    <p:sldId id="344" r:id="rId45"/>
-    <p:sldId id="345" r:id="rId46"/>
-    <p:sldId id="353" r:id="rId47"/>
-    <p:sldId id="354" r:id="rId48"/>
-    <p:sldId id="355" r:id="rId49"/>
-    <p:sldId id="356" r:id="rId50"/>
-    <p:sldId id="358" r:id="rId51"/>
-    <p:sldId id="359" r:id="rId52"/>
-    <p:sldId id="360" r:id="rId53"/>
+    <p:sldId id="377" r:id="rId11"/>
+    <p:sldId id="376" r:id="rId12"/>
+    <p:sldId id="273" r:id="rId13"/>
+    <p:sldId id="275" r:id="rId14"/>
+    <p:sldId id="274" r:id="rId15"/>
+    <p:sldId id="276" r:id="rId16"/>
+    <p:sldId id="286" r:id="rId17"/>
+    <p:sldId id="287" r:id="rId18"/>
+    <p:sldId id="288" r:id="rId19"/>
+    <p:sldId id="289" r:id="rId20"/>
+    <p:sldId id="290" r:id="rId21"/>
+    <p:sldId id="292" r:id="rId22"/>
+    <p:sldId id="293" r:id="rId23"/>
+    <p:sldId id="294" r:id="rId24"/>
+    <p:sldId id="295" r:id="rId25"/>
+    <p:sldId id="296" r:id="rId26"/>
+    <p:sldId id="297" r:id="rId27"/>
+    <p:sldId id="300" r:id="rId28"/>
+    <p:sldId id="301" r:id="rId29"/>
+    <p:sldId id="363" r:id="rId30"/>
+    <p:sldId id="364" r:id="rId31"/>
+    <p:sldId id="365" r:id="rId32"/>
+    <p:sldId id="366" r:id="rId33"/>
+    <p:sldId id="367" r:id="rId34"/>
+    <p:sldId id="372" r:id="rId35"/>
+    <p:sldId id="373" r:id="rId36"/>
+    <p:sldId id="374" r:id="rId37"/>
+    <p:sldId id="304" r:id="rId38"/>
+    <p:sldId id="306" r:id="rId39"/>
+    <p:sldId id="307" r:id="rId40"/>
+    <p:sldId id="308" r:id="rId41"/>
+    <p:sldId id="309" r:id="rId42"/>
+    <p:sldId id="310" r:id="rId43"/>
+    <p:sldId id="334" r:id="rId44"/>
+    <p:sldId id="338" r:id="rId45"/>
+    <p:sldId id="344" r:id="rId46"/>
+    <p:sldId id="345" r:id="rId47"/>
+    <p:sldId id="353" r:id="rId48"/>
+    <p:sldId id="354" r:id="rId49"/>
+    <p:sldId id="355" r:id="rId50"/>
+    <p:sldId id="356" r:id="rId51"/>
+    <p:sldId id="358" r:id="rId52"/>
+    <p:sldId id="359" r:id="rId53"/>
+    <p:sldId id="360" r:id="rId54"/>
   </p:sldIdLst>
   <p:sldSz cx="9144000" cy="6858000" type="screen4x3"/>
   <p:notesSz cx="6648450" cy="9782175"/>
@@ -655,35 +656,35 @@
           <a:p>
             <a:pPr lvl="0"/>
             <a:r>
-              <a:rPr lang="fr-FR" noProof="0" smtClean="0"/>
+              <a:rPr lang="fr-FR" noProof="0"/>
               <a:t>Cliquez pour modifier les styles du texte du masque</a:t>
             </a:r>
           </a:p>
           <a:p>
             <a:pPr lvl="1"/>
             <a:r>
-              <a:rPr lang="fr-FR" noProof="0" smtClean="0"/>
+              <a:rPr lang="fr-FR" noProof="0"/>
               <a:t>Deuxième niveau</a:t>
             </a:r>
           </a:p>
           <a:p>
             <a:pPr lvl="2"/>
             <a:r>
-              <a:rPr lang="fr-FR" noProof="0" smtClean="0"/>
+              <a:rPr lang="fr-FR" noProof="0"/>
               <a:t>Troisième niveau</a:t>
             </a:r>
           </a:p>
           <a:p>
             <a:pPr lvl="3"/>
             <a:r>
-              <a:rPr lang="fr-FR" noProof="0" smtClean="0"/>
+              <a:rPr lang="fr-FR" noProof="0"/>
               <a:t>Quatrième niveau</a:t>
             </a:r>
           </a:p>
           <a:p>
             <a:pPr lvl="4"/>
             <a:r>
-              <a:rPr lang="fr-FR" noProof="0" smtClean="0"/>
+              <a:rPr lang="fr-FR" noProof="0"/>
               <a:t>Cinquième niveau</a:t>
             </a:r>
           </a:p>
@@ -971,10 +972,9 @@
           <a:lstStyle/>
           <a:p>
             <a:r>
-              <a:rPr lang="fr-FR" smtClean="0"/>
+              <a:rPr lang="fr-FR"/>
               <a:t>Cliquez pour modifier le style du titre</a:t>
             </a:r>
-            <a:endParaRPr lang="fr-FR"/>
           </a:p>
         </p:txBody>
       </p:sp>
@@ -1036,10 +1036,9 @@
           </a:lstStyle>
           <a:p>
             <a:r>
-              <a:rPr lang="fr-FR" smtClean="0"/>
+              <a:rPr lang="fr-FR"/>
               <a:t>Cliquez pour modifier le style des sous-titres du masque</a:t>
             </a:r>
-            <a:endParaRPr lang="fr-FR"/>
           </a:p>
         </p:txBody>
       </p:sp>
@@ -1094,10 +1093,9 @@
           <a:lstStyle/>
           <a:p>
             <a:r>
-              <a:rPr lang="fr-FR" smtClean="0"/>
+              <a:rPr lang="fr-FR"/>
               <a:t>Cliquez pour modifier le style du titre</a:t>
             </a:r>
-            <a:endParaRPr lang="fr-FR"/>
           </a:p>
         </p:txBody>
       </p:sp>
@@ -1123,38 +1121,37 @@
           <a:p>
             <a:pPr lvl="0"/>
             <a:r>
-              <a:rPr lang="fr-FR" smtClean="0"/>
+              <a:rPr lang="fr-FR"/>
               <a:t>Cliquez pour modifier les styles du texte du masque</a:t>
             </a:r>
           </a:p>
           <a:p>
             <a:pPr lvl="1"/>
             <a:r>
-              <a:rPr lang="fr-FR" smtClean="0"/>
+              <a:rPr lang="fr-FR"/>
               <a:t>Deuxième niveau</a:t>
             </a:r>
           </a:p>
           <a:p>
             <a:pPr lvl="2"/>
             <a:r>
-              <a:rPr lang="fr-FR" smtClean="0"/>
+              <a:rPr lang="fr-FR"/>
               <a:t>Troisième niveau</a:t>
             </a:r>
           </a:p>
           <a:p>
             <a:pPr lvl="3"/>
             <a:r>
-              <a:rPr lang="fr-FR" smtClean="0"/>
+              <a:rPr lang="fr-FR"/>
               <a:t>Quatrième niveau</a:t>
             </a:r>
           </a:p>
           <a:p>
             <a:pPr lvl="4"/>
             <a:r>
-              <a:rPr lang="fr-FR" smtClean="0"/>
+              <a:rPr lang="fr-FR"/>
               <a:t>Cinquième niveau</a:t>
             </a:r>
-            <a:endParaRPr lang="fr-FR"/>
           </a:p>
         </p:txBody>
       </p:sp>
@@ -1213,10 +1210,9 @@
           </a:lstStyle>
           <a:p>
             <a:r>
-              <a:rPr lang="fr-FR" dirty="0" smtClean="0"/>
+              <a:rPr lang="fr-FR" dirty="0"/>
               <a:t>Cliquez pour modifier le style du titre</a:t>
             </a:r>
-            <a:endParaRPr lang="fr-FR" dirty="0"/>
           </a:p>
         </p:txBody>
       </p:sp>
@@ -1242,38 +1238,37 @@
           <a:p>
             <a:pPr lvl="0"/>
             <a:r>
-              <a:rPr lang="fr-FR" dirty="0" smtClean="0"/>
+              <a:rPr lang="fr-FR" dirty="0"/>
               <a:t>Cliquez pour modifier les styles du texte du masque</a:t>
             </a:r>
           </a:p>
           <a:p>
             <a:pPr lvl="1"/>
             <a:r>
-              <a:rPr lang="fr-FR" dirty="0" smtClean="0"/>
+              <a:rPr lang="fr-FR" dirty="0"/>
               <a:t>Deuxième niveau</a:t>
             </a:r>
           </a:p>
           <a:p>
             <a:pPr lvl="2"/>
             <a:r>
-              <a:rPr lang="fr-FR" dirty="0" smtClean="0"/>
+              <a:rPr lang="fr-FR" dirty="0"/>
               <a:t>Troisième niveau</a:t>
             </a:r>
           </a:p>
           <a:p>
             <a:pPr lvl="3"/>
             <a:r>
-              <a:rPr lang="fr-FR" dirty="0" smtClean="0"/>
+              <a:rPr lang="fr-FR" dirty="0"/>
               <a:t>Quatrième niveau</a:t>
             </a:r>
           </a:p>
           <a:p>
             <a:pPr lvl="4"/>
             <a:r>
-              <a:rPr lang="fr-FR" dirty="0" smtClean="0"/>
+              <a:rPr lang="fr-FR" dirty="0"/>
               <a:t>Cinquième niveau</a:t>
             </a:r>
-            <a:endParaRPr lang="fr-FR" dirty="0"/>
           </a:p>
         </p:txBody>
       </p:sp>
@@ -1323,10 +1318,9 @@
           <a:lstStyle/>
           <a:p>
             <a:r>
-              <a:rPr lang="fr-FR" smtClean="0"/>
+              <a:rPr lang="fr-FR"/>
               <a:t>Cliquez pour modifier le style du titre</a:t>
             </a:r>
-            <a:endParaRPr lang="fr-FR"/>
           </a:p>
         </p:txBody>
       </p:sp>
@@ -1380,38 +1374,37 @@
           <a:p>
             <a:pPr lvl="0"/>
             <a:r>
-              <a:rPr lang="fr-FR" smtClean="0"/>
+              <a:rPr lang="fr-FR"/>
               <a:t>Cliquez pour modifier les styles du texte du masque</a:t>
             </a:r>
           </a:p>
           <a:p>
             <a:pPr lvl="1"/>
             <a:r>
-              <a:rPr lang="fr-FR" smtClean="0"/>
+              <a:rPr lang="fr-FR"/>
               <a:t>Deuxième niveau</a:t>
             </a:r>
           </a:p>
           <a:p>
             <a:pPr lvl="2"/>
             <a:r>
-              <a:rPr lang="fr-FR" smtClean="0"/>
+              <a:rPr lang="fr-FR"/>
               <a:t>Troisième niveau</a:t>
             </a:r>
           </a:p>
           <a:p>
             <a:pPr lvl="3"/>
             <a:r>
-              <a:rPr lang="fr-FR" smtClean="0"/>
+              <a:rPr lang="fr-FR"/>
               <a:t>Quatrième niveau</a:t>
             </a:r>
           </a:p>
           <a:p>
             <a:pPr lvl="4"/>
             <a:r>
-              <a:rPr lang="fr-FR" smtClean="0"/>
+              <a:rPr lang="fr-FR"/>
               <a:t>Cinquième niveau</a:t>
             </a:r>
-            <a:endParaRPr lang="fr-FR"/>
           </a:p>
         </p:txBody>
       </p:sp>
@@ -1465,38 +1458,37 @@
           <a:p>
             <a:pPr lvl="0"/>
             <a:r>
-              <a:rPr lang="fr-FR" smtClean="0"/>
+              <a:rPr lang="fr-FR"/>
               <a:t>Cliquez pour modifier les styles du texte du masque</a:t>
             </a:r>
           </a:p>
           <a:p>
             <a:pPr lvl="1"/>
             <a:r>
-              <a:rPr lang="fr-FR" smtClean="0"/>
+              <a:rPr lang="fr-FR"/>
               <a:t>Deuxième niveau</a:t>
             </a:r>
           </a:p>
           <a:p>
             <a:pPr lvl="2"/>
             <a:r>
-              <a:rPr lang="fr-FR" smtClean="0"/>
+              <a:rPr lang="fr-FR"/>
               <a:t>Troisième niveau</a:t>
             </a:r>
           </a:p>
           <a:p>
             <a:pPr lvl="3"/>
             <a:r>
-              <a:rPr lang="fr-FR" smtClean="0"/>
+              <a:rPr lang="fr-FR"/>
               <a:t>Quatrième niveau</a:t>
             </a:r>
           </a:p>
           <a:p>
             <a:pPr lvl="4"/>
             <a:r>
-              <a:rPr lang="fr-FR" smtClean="0"/>
+              <a:rPr lang="fr-FR"/>
               <a:t>Cinquième niveau</a:t>
             </a:r>
-            <a:endParaRPr lang="fr-FR"/>
           </a:p>
         </p:txBody>
       </p:sp>
@@ -1555,10 +1547,9 @@
           </a:lstStyle>
           <a:p>
             <a:r>
-              <a:rPr lang="fr-FR" smtClean="0"/>
+              <a:rPr lang="fr-FR"/>
               <a:t>Cliquez pour modifier le style du titre</a:t>
             </a:r>
-            <a:endParaRPr lang="fr-FR"/>
           </a:p>
         </p:txBody>
       </p:sp>
@@ -1621,7 +1612,7 @@
           <a:p>
             <a:pPr lvl="0"/>
             <a:r>
-              <a:rPr lang="fr-FR" smtClean="0"/>
+              <a:rPr lang="fr-FR"/>
               <a:t>Cliquez pour modifier les styles du texte du masque</a:t>
             </a:r>
           </a:p>
@@ -1677,38 +1668,37 @@
           <a:p>
             <a:pPr lvl="0"/>
             <a:r>
-              <a:rPr lang="fr-FR" smtClean="0"/>
+              <a:rPr lang="fr-FR"/>
               <a:t>Cliquez pour modifier les styles du texte du masque</a:t>
             </a:r>
           </a:p>
           <a:p>
             <a:pPr lvl="1"/>
             <a:r>
-              <a:rPr lang="fr-FR" smtClean="0"/>
+              <a:rPr lang="fr-FR"/>
               <a:t>Deuxième niveau</a:t>
             </a:r>
           </a:p>
           <a:p>
             <a:pPr lvl="2"/>
             <a:r>
-              <a:rPr lang="fr-FR" smtClean="0"/>
+              <a:rPr lang="fr-FR"/>
               <a:t>Troisième niveau</a:t>
             </a:r>
           </a:p>
           <a:p>
             <a:pPr lvl="3"/>
             <a:r>
-              <a:rPr lang="fr-FR" smtClean="0"/>
+              <a:rPr lang="fr-FR"/>
               <a:t>Quatrième niveau</a:t>
             </a:r>
           </a:p>
           <a:p>
             <a:pPr lvl="4"/>
             <a:r>
-              <a:rPr lang="fr-FR" smtClean="0"/>
+              <a:rPr lang="fr-FR"/>
               <a:t>Cinquième niveau</a:t>
             </a:r>
-            <a:endParaRPr lang="fr-FR"/>
           </a:p>
         </p:txBody>
       </p:sp>
@@ -1771,7 +1761,7 @@
           <a:p>
             <a:pPr lvl="0"/>
             <a:r>
-              <a:rPr lang="fr-FR" smtClean="0"/>
+              <a:rPr lang="fr-FR"/>
               <a:t>Cliquez pour modifier les styles du texte du masque</a:t>
             </a:r>
           </a:p>
@@ -1827,38 +1817,37 @@
           <a:p>
             <a:pPr lvl="0"/>
             <a:r>
-              <a:rPr lang="fr-FR" smtClean="0"/>
+              <a:rPr lang="fr-FR"/>
               <a:t>Cliquez pour modifier les styles du texte du masque</a:t>
             </a:r>
           </a:p>
           <a:p>
             <a:pPr lvl="1"/>
             <a:r>
-              <a:rPr lang="fr-FR" smtClean="0"/>
+              <a:rPr lang="fr-FR"/>
               <a:t>Deuxième niveau</a:t>
             </a:r>
           </a:p>
           <a:p>
             <a:pPr lvl="2"/>
             <a:r>
-              <a:rPr lang="fr-FR" smtClean="0"/>
+              <a:rPr lang="fr-FR"/>
               <a:t>Troisième niveau</a:t>
             </a:r>
           </a:p>
           <a:p>
             <a:pPr lvl="3"/>
             <a:r>
-              <a:rPr lang="fr-FR" smtClean="0"/>
+              <a:rPr lang="fr-FR"/>
               <a:t>Quatrième niveau</a:t>
             </a:r>
           </a:p>
           <a:p>
             <a:pPr lvl="4"/>
             <a:r>
-              <a:rPr lang="fr-FR" smtClean="0"/>
+              <a:rPr lang="fr-FR"/>
               <a:t>Cinquième niveau</a:t>
             </a:r>
-            <a:endParaRPr lang="fr-FR"/>
           </a:p>
         </p:txBody>
       </p:sp>
@@ -1908,10 +1897,9 @@
           <a:lstStyle/>
           <a:p>
             <a:r>
-              <a:rPr lang="fr-FR" smtClean="0"/>
+              <a:rPr lang="fr-FR"/>
               <a:t>Cliquez pour modifier le style du titre</a:t>
             </a:r>
-            <a:endParaRPr lang="fr-FR"/>
           </a:p>
         </p:txBody>
       </p:sp>
@@ -2000,10 +1988,9 @@
           </a:lstStyle>
           <a:p>
             <a:r>
-              <a:rPr lang="fr-FR" smtClean="0"/>
+              <a:rPr lang="fr-FR"/>
               <a:t>Cliquez pour modifier le style du titre</a:t>
             </a:r>
-            <a:endParaRPr lang="fr-FR"/>
           </a:p>
         </p:txBody>
       </p:sp>
@@ -2057,38 +2044,37 @@
           <a:p>
             <a:pPr lvl="0"/>
             <a:r>
-              <a:rPr lang="fr-FR" smtClean="0"/>
+              <a:rPr lang="fr-FR"/>
               <a:t>Cliquez pour modifier les styles du texte du masque</a:t>
             </a:r>
           </a:p>
           <a:p>
             <a:pPr lvl="1"/>
             <a:r>
-              <a:rPr lang="fr-FR" smtClean="0"/>
+              <a:rPr lang="fr-FR"/>
               <a:t>Deuxième niveau</a:t>
             </a:r>
           </a:p>
           <a:p>
             <a:pPr lvl="2"/>
             <a:r>
-              <a:rPr lang="fr-FR" smtClean="0"/>
+              <a:rPr lang="fr-FR"/>
               <a:t>Troisième niveau</a:t>
             </a:r>
           </a:p>
           <a:p>
             <a:pPr lvl="3"/>
             <a:r>
-              <a:rPr lang="fr-FR" smtClean="0"/>
+              <a:rPr lang="fr-FR"/>
               <a:t>Quatrième niveau</a:t>
             </a:r>
           </a:p>
           <a:p>
             <a:pPr lvl="4"/>
             <a:r>
-              <a:rPr lang="fr-FR" smtClean="0"/>
+              <a:rPr lang="fr-FR"/>
               <a:t>Cinquième niveau</a:t>
             </a:r>
-            <a:endParaRPr lang="fr-FR"/>
           </a:p>
         </p:txBody>
       </p:sp>
@@ -2151,7 +2137,7 @@
           <a:p>
             <a:pPr lvl="0"/>
             <a:r>
-              <a:rPr lang="fr-FR" smtClean="0"/>
+              <a:rPr lang="fr-FR"/>
               <a:t>Cliquez pour modifier les styles du texte du masque</a:t>
             </a:r>
           </a:p>
@@ -2212,10 +2198,9 @@
           </a:lstStyle>
           <a:p>
             <a:r>
-              <a:rPr lang="fr-FR" smtClean="0"/>
+              <a:rPr lang="fr-FR"/>
               <a:t>Cliquez pour modifier le style du titre</a:t>
             </a:r>
-            <a:endParaRPr lang="fr-FR"/>
           </a:p>
         </p:txBody>
       </p:sp>
@@ -2277,7 +2262,7 @@
           </a:lstStyle>
           <a:p>
             <a:pPr lvl="0"/>
-            <a:endParaRPr lang="fr-FR" noProof="0" smtClean="0"/>
+            <a:endParaRPr lang="fr-FR" noProof="0"/>
           </a:p>
         </p:txBody>
       </p:sp>
@@ -2340,7 +2325,7 @@
           <a:p>
             <a:pPr lvl="0"/>
             <a:r>
-              <a:rPr lang="fr-FR" smtClean="0"/>
+              <a:rPr lang="fr-FR"/>
               <a:t>Cliquez pour modifier les styles du texte du masque</a:t>
             </a:r>
           </a:p>
@@ -2392,10 +2377,9 @@
           <a:lstStyle/>
           <a:p>
             <a:r>
-              <a:rPr lang="fr-FR" smtClean="0"/>
+              <a:rPr lang="fr-FR"/>
               <a:t>Cliquez pour modifier le style du titre</a:t>
             </a:r>
-            <a:endParaRPr lang="fr-FR"/>
           </a:p>
         </p:txBody>
       </p:sp>
@@ -2416,38 +2400,37 @@
           <a:p>
             <a:pPr lvl="0"/>
             <a:r>
-              <a:rPr lang="fr-FR" smtClean="0"/>
+              <a:rPr lang="fr-FR"/>
               <a:t>Cliquez pour modifier les styles du texte du masque</a:t>
             </a:r>
           </a:p>
           <a:p>
             <a:pPr lvl="1"/>
             <a:r>
-              <a:rPr lang="fr-FR" smtClean="0"/>
+              <a:rPr lang="fr-FR"/>
               <a:t>Deuxième niveau</a:t>
             </a:r>
           </a:p>
           <a:p>
             <a:pPr lvl="2"/>
             <a:r>
-              <a:rPr lang="fr-FR" smtClean="0"/>
+              <a:rPr lang="fr-FR"/>
               <a:t>Troisième niveau</a:t>
             </a:r>
           </a:p>
           <a:p>
             <a:pPr lvl="3"/>
             <a:r>
-              <a:rPr lang="fr-FR" smtClean="0"/>
+              <a:rPr lang="fr-FR"/>
               <a:t>Quatrième niveau</a:t>
             </a:r>
           </a:p>
           <a:p>
             <a:pPr lvl="4"/>
             <a:r>
-              <a:rPr lang="fr-FR" smtClean="0"/>
+              <a:rPr lang="fr-FR"/>
               <a:t>Cinquième niveau</a:t>
             </a:r>
-            <a:endParaRPr lang="fr-FR"/>
           </a:p>
         </p:txBody>
       </p:sp>
@@ -2628,7 +2611,7 @@
             <a:pPr eaLnBrk="1" hangingPunct="1">
               <a:defRPr/>
             </a:pPr>
-            <a:endParaRPr lang="fr-FR" altLang="fr-FR" smtClean="0"/>
+            <a:endParaRPr lang="fr-FR" altLang="fr-FR"/>
           </a:p>
         </p:txBody>
       </p:sp>
@@ -2782,7 +2765,7 @@
               <a:defRPr/>
             </a:pPr>
             <a:r>
-              <a:rPr lang="fr-FR" sz="1200" dirty="0" smtClean="0"/>
+              <a:rPr lang="fr-FR" sz="1200" dirty="0"/>
               <a:t>Page </a:t>
             </a:r>
             <a:fld id="{E218E9B1-FD08-4C80-902E-210BA2967D0D}" type="slidenum">
@@ -2795,7 +2778,7 @@
               </a:pPr>
               <a:t>‹N°›</a:t>
             </a:fld>
-            <a:endParaRPr lang="fr-FR" dirty="0" smtClean="0">
+            <a:endParaRPr lang="fr-FR" dirty="0">
               <a:latin typeface="Times New Roman" pitchFamily="18" charset="0"/>
             </a:endParaRPr>
           </a:p>
@@ -2951,10 +2934,10 @@
               <a:defRPr/>
             </a:pPr>
             <a:r>
-              <a:rPr lang="fr-FR" sz="1600" dirty="0" smtClean="0"/>
+              <a:rPr lang="fr-FR" sz="1600" dirty="0"/>
               <a:t>Python</a:t>
             </a:r>
-            <a:endParaRPr lang="fr-FR" dirty="0" smtClean="0">
+            <a:endParaRPr lang="fr-FR" dirty="0">
               <a:latin typeface="Times New Roman" pitchFamily="18" charset="0"/>
             </a:endParaRPr>
           </a:p>
@@ -3012,7 +2995,7 @@
           <a:p>
             <a:pPr lvl="0"/>
             <a:r>
-              <a:rPr lang="fr-FR" altLang="fr-FR" smtClean="0"/>
+              <a:rPr lang="fr-FR" altLang="fr-FR"/>
               <a:t>Cliquez pour modifier le style du titre du masque</a:t>
             </a:r>
           </a:p>
@@ -3070,35 +3053,35 @@
           <a:p>
             <a:pPr lvl="0"/>
             <a:r>
-              <a:rPr lang="fr-FR" altLang="fr-FR" smtClean="0"/>
+              <a:rPr lang="fr-FR" altLang="fr-FR"/>
               <a:t>Cliquez pour modifier les styles du texte du masque</a:t>
             </a:r>
           </a:p>
           <a:p>
             <a:pPr lvl="1"/>
             <a:r>
-              <a:rPr lang="fr-FR" altLang="fr-FR" smtClean="0"/>
+              <a:rPr lang="fr-FR" altLang="fr-FR"/>
               <a:t>Deuxième niveau</a:t>
             </a:r>
           </a:p>
           <a:p>
             <a:pPr lvl="2"/>
             <a:r>
-              <a:rPr lang="fr-FR" altLang="fr-FR" smtClean="0"/>
+              <a:rPr lang="fr-FR" altLang="fr-FR"/>
               <a:t>Troisième niveau</a:t>
             </a:r>
           </a:p>
           <a:p>
             <a:pPr lvl="3"/>
             <a:r>
-              <a:rPr lang="fr-FR" altLang="fr-FR" smtClean="0"/>
+              <a:rPr lang="fr-FR" altLang="fr-FR"/>
               <a:t>Quatrième niveau</a:t>
             </a:r>
           </a:p>
           <a:p>
             <a:pPr lvl="4"/>
             <a:r>
-              <a:rPr lang="fr-FR" altLang="fr-FR" smtClean="0"/>
+              <a:rPr lang="fr-FR" altLang="fr-FR"/>
               <a:t>Cinquième niveau</a:t>
             </a:r>
           </a:p>
@@ -3254,10 +3237,10 @@
               <a:defRPr/>
             </a:pPr>
             <a:r>
-              <a:rPr lang="fr-FR" sz="1200" smtClean="0"/>
+              <a:rPr lang="fr-FR" sz="1200"/>
               <a:t>© Cyril Vincent Conseil</a:t>
             </a:r>
-            <a:endParaRPr lang="fr-FR" smtClean="0">
+            <a:endParaRPr lang="fr-FR">
               <a:latin typeface="Times New Roman" pitchFamily="18" charset="0"/>
             </a:endParaRPr>
           </a:p>
@@ -3739,10 +3722,10 @@
           <a:p>
             <a:pPr eaLnBrk="1" hangingPunct="1"/>
             <a:r>
-              <a:rPr lang="fr-FR" altLang="fr-FR" smtClean="0"/>
+              <a:rPr lang="fr-FR" altLang="fr-FR"/>
               <a:t>Chapitre 12</a:t>
             </a:r>
-            <a:endParaRPr lang="fr-FR" altLang="fr-FR" dirty="0" smtClean="0"/>
+            <a:endParaRPr lang="fr-FR" altLang="fr-FR" dirty="0"/>
           </a:p>
         </p:txBody>
       </p:sp>
@@ -3793,10 +3776,9 @@
           <a:lstStyle/>
           <a:p>
             <a:r>
-              <a:rPr lang="fr-FR" sz="3600" dirty="0" smtClean="0"/>
+              <a:rPr lang="fr-FR" sz="3600" dirty="0"/>
               <a:t>Data Science</a:t>
             </a:r>
-            <a:endParaRPr lang="fr-FR" sz="3600" dirty="0"/>
           </a:p>
         </p:txBody>
       </p:sp>
@@ -3829,13 +3811,6 @@
   <p:clrMapOvr>
     <a:masterClrMapping/>
   </p:clrMapOvr>
-  <p:timing>
-    <p:tnLst>
-      <p:par>
-        <p:cTn id="1" dur="indefinite" restart="never" nodeType="tmRoot"/>
-      </p:par>
-    </p:tnLst>
-  </p:timing>
 </p:sld>
 </file>
 
@@ -3858,7 +3833,13 @@
       </p:grpSpPr>
       <p:sp>
         <p:nvSpPr>
-          <p:cNvPr id="2" name="Titre 1"/>
+          <p:cNvPr id="2" name="Titre 1">
+            <a:extLst>
+              <a:ext uri="{FF2B5EF4-FFF2-40B4-BE49-F238E27FC236}">
+                <a16:creationId xmlns:a16="http://schemas.microsoft.com/office/drawing/2014/main" id="{FAEA49F4-C275-48EC-A889-D3FD19BF21F1}"/>
+              </a:ext>
+            </a:extLst>
+          </p:cNvPr>
           <p:cNvSpPr>
             <a:spLocks noGrp="1"/>
           </p:cNvSpPr>
@@ -3872,8 +3853,16 @@
           <a:lstStyle/>
           <a:p>
             <a:r>
-              <a:rPr lang="fr-FR" dirty="0" err="1" smtClean="0"/>
-              <a:t>Echantillonage</a:t>
+              <a:rPr lang="fr-FR" dirty="0" err="1"/>
+              <a:t>Underfitting</a:t>
+            </a:r>
+            <a:r>
+              <a:rPr lang="fr-FR" dirty="0"/>
+              <a:t> vs </a:t>
+            </a:r>
+            <a:r>
+              <a:rPr lang="fr-FR" dirty="0" err="1"/>
+              <a:t>Overfitting</a:t>
             </a:r>
             <a:endParaRPr lang="fr-FR" dirty="0"/>
           </a:p>
@@ -3881,7 +3870,13 @@
       </p:sp>
       <p:sp>
         <p:nvSpPr>
-          <p:cNvPr id="3" name="Espace réservé du contenu 2"/>
+          <p:cNvPr id="3" name="Espace réservé du contenu 2">
+            <a:extLst>
+              <a:ext uri="{FF2B5EF4-FFF2-40B4-BE49-F238E27FC236}">
+                <a16:creationId xmlns:a16="http://schemas.microsoft.com/office/drawing/2014/main" id="{12585B36-F4DA-44E9-AE87-B3CCBEC1F5D1}"/>
+              </a:ext>
+            </a:extLst>
+          </p:cNvPr>
           <p:cNvSpPr>
             <a:spLocks noGrp="1"/>
           </p:cNvSpPr>
@@ -3894,119 +3889,50 @@
           <a:bodyPr/>
           <a:lstStyle/>
           <a:p>
-            <a:r>
-              <a:rPr lang="fr-FR" dirty="0"/>
-              <a:t>Le jeu de données (</a:t>
-            </a:r>
-            <a:r>
-              <a:rPr lang="fr-FR" dirty="0" err="1"/>
-              <a:t>dataset</a:t>
-            </a:r>
-            <a:r>
-              <a:rPr lang="fr-FR" dirty="0"/>
-              <a:t>) dont vous disposez constitue une ressource </a:t>
-            </a:r>
-            <a:r>
-              <a:rPr lang="fr-FR" dirty="0" smtClean="0"/>
-              <a:t>précieuse</a:t>
-            </a:r>
-          </a:p>
-          <a:p>
-            <a:pPr lvl="1"/>
-            <a:r>
-              <a:rPr lang="fr-FR" dirty="0" smtClean="0"/>
-              <a:t>Il </a:t>
-            </a:r>
-            <a:r>
-              <a:rPr lang="fr-FR" dirty="0"/>
-              <a:t>faut pouvoir l’utiliser à bon escient afin de pouvoir à la fois choisir un modèle et </a:t>
-            </a:r>
-            <a:r>
-              <a:rPr lang="fr-FR" dirty="0" smtClean="0"/>
-              <a:t>l'entraîner</a:t>
-            </a:r>
-          </a:p>
-          <a:p>
-            <a:pPr lvl="1"/>
-            <a:r>
-              <a:rPr lang="fr-FR" dirty="0" smtClean="0"/>
-              <a:t>mais </a:t>
-            </a:r>
-            <a:r>
-              <a:rPr lang="fr-FR" dirty="0"/>
-              <a:t>aussi de pouvoir tester la qualité de ce </a:t>
-            </a:r>
-            <a:r>
-              <a:rPr lang="fr-FR" dirty="0" smtClean="0"/>
-              <a:t>modèle</a:t>
-            </a:r>
-          </a:p>
-          <a:p>
-            <a:r>
-              <a:rPr lang="fr-FR" dirty="0"/>
-              <a:t>La première question à se poser </a:t>
-            </a:r>
-            <a:r>
-              <a:rPr lang="fr-FR" dirty="0" smtClean="0"/>
-              <a:t>est</a:t>
-            </a:r>
-          </a:p>
-          <a:p>
-            <a:pPr lvl="1"/>
-            <a:r>
-              <a:rPr lang="fr-FR" dirty="0" smtClean="0"/>
-              <a:t>Est-ce </a:t>
-            </a:r>
-            <a:r>
-              <a:rPr lang="fr-FR" dirty="0"/>
-              <a:t>qu’on va utiliser toutes les données d'exemple dont on </a:t>
-            </a:r>
-            <a:r>
-              <a:rPr lang="fr-FR" dirty="0" smtClean="0"/>
-              <a:t>dispose ?</a:t>
-            </a:r>
-          </a:p>
-          <a:p>
-            <a:pPr lvl="1"/>
-            <a:r>
-              <a:rPr lang="fr-FR" dirty="0" smtClean="0"/>
-              <a:t>Volume, tests, …</a:t>
-            </a:r>
-          </a:p>
-          <a:p>
-            <a:r>
-              <a:rPr lang="fr-FR" dirty="0" smtClean="0"/>
-              <a:t>Il faut échantillonner (</a:t>
-            </a:r>
-            <a:r>
-              <a:rPr lang="fr-FR" dirty="0" err="1" smtClean="0"/>
-              <a:t>sampling</a:t>
-            </a:r>
-            <a:r>
-              <a:rPr lang="fr-FR" dirty="0" smtClean="0"/>
-              <a:t>) les données à tester</a:t>
-            </a:r>
-            <a:endParaRPr lang="fr-FR" dirty="0"/>
-          </a:p>
-        </p:txBody>
-      </p:sp>
+            <a:endParaRPr lang="fr-FR"/>
+          </a:p>
+        </p:txBody>
+      </p:sp>
+      <p:pic>
+        <p:nvPicPr>
+          <p:cNvPr id="5" name="Image 4">
+            <a:extLst>
+              <a:ext uri="{FF2B5EF4-FFF2-40B4-BE49-F238E27FC236}">
+                <a16:creationId xmlns:a16="http://schemas.microsoft.com/office/drawing/2014/main" id="{24AA51B4-41B5-4A72-9C3B-E3561DC657F7}"/>
+              </a:ext>
+            </a:extLst>
+          </p:cNvPr>
+          <p:cNvPicPr>
+            <a:picLocks noChangeAspect="1"/>
+          </p:cNvPicPr>
+          <p:nvPr/>
+        </p:nvPicPr>
+        <p:blipFill>
+          <a:blip r:embed="rId2"/>
+          <a:stretch>
+            <a:fillRect/>
+          </a:stretch>
+        </p:blipFill>
+        <p:spPr>
+          <a:xfrm>
+            <a:off x="1203265" y="2564904"/>
+            <a:ext cx="7839075" cy="3286125"/>
+          </a:xfrm>
+          <a:prstGeom prst="rect">
+            <a:avLst/>
+          </a:prstGeom>
+        </p:spPr>
+      </p:pic>
     </p:spTree>
     <p:extLst>
       <p:ext uri="{BB962C8B-B14F-4D97-AF65-F5344CB8AC3E}">
-        <p14:creationId xmlns:p14="http://schemas.microsoft.com/office/powerpoint/2010/main" val="298607567"/>
+        <p14:creationId xmlns:p14="http://schemas.microsoft.com/office/powerpoint/2010/main" val="1913676403"/>
       </p:ext>
     </p:extLst>
   </p:cSld>
   <p:clrMapOvr>
     <a:masterClrMapping/>
   </p:clrMapOvr>
-  <p:timing>
-    <p:tnLst>
-      <p:par>
-        <p:cTn id="1" dur="indefinite" restart="never" nodeType="tmRoot"/>
-      </p:par>
-    </p:tnLst>
-  </p:timing>
 </p:sld>
 </file>
 
@@ -4043,8 +3969,8 @@
           <a:lstStyle/>
           <a:p>
             <a:r>
-              <a:rPr lang="fr-FR" dirty="0" smtClean="0"/>
-              <a:t>Régression polynomiale</a:t>
+              <a:rPr lang="fr-FR" dirty="0" err="1"/>
+              <a:t>Echantillonage</a:t>
             </a:r>
             <a:endParaRPr lang="fr-FR" dirty="0"/>
           </a:p>
@@ -4066,14 +3992,143 @@
           <a:lstStyle/>
           <a:p>
             <a:r>
-              <a:rPr lang="fr-FR" dirty="0" err="1" smtClean="0"/>
+              <a:rPr lang="fr-FR" dirty="0"/>
+              <a:t>Le jeu de données (</a:t>
+            </a:r>
+            <a:r>
+              <a:rPr lang="fr-FR" dirty="0" err="1"/>
+              <a:t>dataset</a:t>
+            </a:r>
+            <a:r>
+              <a:rPr lang="fr-FR" dirty="0"/>
+              <a:t>) dont vous disposez constitue une ressource précieuse</a:t>
+            </a:r>
+          </a:p>
+          <a:p>
+            <a:pPr lvl="1"/>
+            <a:r>
+              <a:rPr lang="fr-FR" dirty="0"/>
+              <a:t>Il faut pouvoir l’utiliser à bon escient afin de pouvoir à la fois choisir un modèle et l'entraîner</a:t>
+            </a:r>
+          </a:p>
+          <a:p>
+            <a:pPr lvl="1"/>
+            <a:r>
+              <a:rPr lang="fr-FR" dirty="0"/>
+              <a:t>mais aussi de pouvoir tester la qualité de ce modèle</a:t>
+            </a:r>
+          </a:p>
+          <a:p>
+            <a:r>
+              <a:rPr lang="fr-FR" dirty="0"/>
+              <a:t>La première question à se poser est</a:t>
+            </a:r>
+          </a:p>
+          <a:p>
+            <a:pPr lvl="1"/>
+            <a:r>
+              <a:rPr lang="fr-FR" dirty="0"/>
+              <a:t>Est-ce qu’on va utiliser toutes les données d'exemple dont on dispose ?</a:t>
+            </a:r>
+          </a:p>
+          <a:p>
+            <a:pPr lvl="1"/>
+            <a:r>
+              <a:rPr lang="fr-FR" dirty="0"/>
+              <a:t>Volume, tests, …</a:t>
+            </a:r>
+          </a:p>
+          <a:p>
+            <a:r>
+              <a:rPr lang="fr-FR" dirty="0"/>
+              <a:t>Il faut échantillonner (</a:t>
+            </a:r>
+            <a:r>
+              <a:rPr lang="fr-FR" dirty="0" err="1"/>
+              <a:t>sampling</a:t>
+            </a:r>
+            <a:r>
+              <a:rPr lang="fr-FR" dirty="0"/>
+              <a:t>) les données à tester</a:t>
+            </a:r>
+          </a:p>
+        </p:txBody>
+      </p:sp>
+    </p:spTree>
+    <p:extLst>
+      <p:ext uri="{BB962C8B-B14F-4D97-AF65-F5344CB8AC3E}">
+        <p14:creationId xmlns:p14="http://schemas.microsoft.com/office/powerpoint/2010/main" val="298607567"/>
+      </p:ext>
+    </p:extLst>
+  </p:cSld>
+  <p:clrMapOvr>
+    <a:masterClrMapping/>
+  </p:clrMapOvr>
+</p:sld>
+</file>
+
+<file path=ppt/slides/slide12.xml><?xml version="1.0" encoding="utf-8"?>
+<p:sld xmlns:a="http://schemas.openxmlformats.org/drawingml/2006/main" xmlns:r="http://schemas.openxmlformats.org/officeDocument/2006/relationships" xmlns:p="http://schemas.openxmlformats.org/presentationml/2006/main">
+  <p:cSld>
+    <p:spTree>
+      <p:nvGrpSpPr>
+        <p:cNvPr id="1" name=""/>
+        <p:cNvGrpSpPr/>
+        <p:nvPr/>
+      </p:nvGrpSpPr>
+      <p:grpSpPr>
+        <a:xfrm>
+          <a:off x="0" y="0"/>
+          <a:ext cx="0" cy="0"/>
+          <a:chOff x="0" y="0"/>
+          <a:chExt cx="0" cy="0"/>
+        </a:xfrm>
+      </p:grpSpPr>
+      <p:sp>
+        <p:nvSpPr>
+          <p:cNvPr id="2" name="Titre 1"/>
+          <p:cNvSpPr>
+            <a:spLocks noGrp="1"/>
+          </p:cNvSpPr>
+          <p:nvPr>
+            <p:ph type="title"/>
+          </p:nvPr>
+        </p:nvSpPr>
+        <p:spPr/>
+        <p:txBody>
+          <a:bodyPr/>
+          <a:lstStyle/>
+          <a:p>
+            <a:r>
+              <a:rPr lang="fr-FR" dirty="0"/>
+              <a:t>Régression polynomiale</a:t>
+            </a:r>
+          </a:p>
+        </p:txBody>
+      </p:sp>
+      <p:sp>
+        <p:nvSpPr>
+          <p:cNvPr id="3" name="Espace réservé du contenu 2"/>
+          <p:cNvSpPr>
+            <a:spLocks noGrp="1"/>
+          </p:cNvSpPr>
+          <p:nvPr>
+            <p:ph idx="1"/>
+          </p:nvPr>
+        </p:nvSpPr>
+        <p:spPr/>
+        <p:txBody>
+          <a:bodyPr/>
+          <a:lstStyle/>
+          <a:p>
+            <a:r>
+              <a:rPr lang="fr-FR" dirty="0" err="1"/>
               <a:t>Sklearn</a:t>
             </a:r>
             <a:r>
-              <a:rPr lang="fr-FR" dirty="0" smtClean="0"/>
+              <a:rPr lang="fr-FR" dirty="0"/>
               <a:t> effectue des régressions polynomiale</a:t>
             </a:r>
-            <a:endParaRPr lang="fr-FR" dirty="0"/>
           </a:p>
         </p:txBody>
       </p:sp>
@@ -4128,145 +4183,6 @@
   <p:clrMapOvr>
     <a:masterClrMapping/>
   </p:clrMapOvr>
-  <p:timing>
-    <p:tnLst>
-      <p:par>
-        <p:cTn id="1" dur="indefinite" restart="never" nodeType="tmRoot"/>
-      </p:par>
-    </p:tnLst>
-  </p:timing>
-</p:sld>
-</file>
-
-<file path=ppt/slides/slide12.xml><?xml version="1.0" encoding="utf-8"?>
-<p:sld xmlns:a="http://schemas.openxmlformats.org/drawingml/2006/main" xmlns:r="http://schemas.openxmlformats.org/officeDocument/2006/relationships" xmlns:p="http://schemas.openxmlformats.org/presentationml/2006/main">
-  <p:cSld>
-    <p:spTree>
-      <p:nvGrpSpPr>
-        <p:cNvPr id="1" name=""/>
-        <p:cNvGrpSpPr/>
-        <p:nvPr/>
-      </p:nvGrpSpPr>
-      <p:grpSpPr>
-        <a:xfrm>
-          <a:off x="0" y="0"/>
-          <a:ext cx="0" cy="0"/>
-          <a:chOff x="0" y="0"/>
-          <a:chExt cx="0" cy="0"/>
-        </a:xfrm>
-      </p:grpSpPr>
-      <p:sp>
-        <p:nvSpPr>
-          <p:cNvPr id="2" name="Titre 1"/>
-          <p:cNvSpPr>
-            <a:spLocks noGrp="1"/>
-          </p:cNvSpPr>
-          <p:nvPr>
-            <p:ph type="title"/>
-          </p:nvPr>
-        </p:nvSpPr>
-        <p:spPr/>
-        <p:txBody>
-          <a:bodyPr/>
-          <a:lstStyle/>
-          <a:p>
-            <a:r>
-              <a:rPr lang="fr-FR" dirty="0" err="1" smtClean="0"/>
-              <a:t>PreProcessing</a:t>
-            </a:r>
-            <a:endParaRPr lang="fr-FR" dirty="0"/>
-          </a:p>
-        </p:txBody>
-      </p:sp>
-      <p:sp>
-        <p:nvSpPr>
-          <p:cNvPr id="3" name="Espace réservé du contenu 2"/>
-          <p:cNvSpPr>
-            <a:spLocks noGrp="1"/>
-          </p:cNvSpPr>
-          <p:nvPr>
-            <p:ph idx="1"/>
-          </p:nvPr>
-        </p:nvSpPr>
-        <p:spPr/>
-        <p:txBody>
-          <a:bodyPr/>
-          <a:lstStyle/>
-          <a:p>
-            <a:r>
-              <a:rPr lang="fr-FR" dirty="0" err="1" smtClean="0"/>
-              <a:t>Preprocessing</a:t>
-            </a:r>
-            <a:r>
-              <a:rPr lang="fr-FR" dirty="0" smtClean="0"/>
-              <a:t> contient des </a:t>
-            </a:r>
-            <a:r>
-              <a:rPr lang="fr-FR" dirty="0" err="1" smtClean="0"/>
-              <a:t>Features</a:t>
-            </a:r>
-            <a:r>
-              <a:rPr lang="fr-FR" dirty="0" smtClean="0"/>
-              <a:t> qui sont des algorithmes de modèles pré-calculés</a:t>
-            </a:r>
-          </a:p>
-          <a:p>
-            <a:r>
-              <a:rPr lang="fr-FR" dirty="0" smtClean="0"/>
-              <a:t>Il en existe des centaines</a:t>
-            </a:r>
-          </a:p>
-          <a:p>
-            <a:r>
-              <a:rPr lang="fr-FR" dirty="0"/>
-              <a:t>import </a:t>
-            </a:r>
-            <a:r>
-              <a:rPr lang="fr-FR" dirty="0" err="1"/>
-              <a:t>sklearn.preprocessing</a:t>
-            </a:r>
-            <a:r>
-              <a:rPr lang="fr-FR" dirty="0"/>
-              <a:t> as </a:t>
-            </a:r>
-            <a:r>
-              <a:rPr lang="fr-FR" dirty="0" smtClean="0"/>
-              <a:t>pp</a:t>
-            </a:r>
-          </a:p>
-          <a:p>
-            <a:r>
-              <a:rPr lang="fr-FR" dirty="0" err="1"/>
-              <a:t>pp.PolynomialFeatures</a:t>
-            </a:r>
-            <a:r>
-              <a:rPr lang="fr-FR" dirty="0"/>
-              <a:t>(2)</a:t>
-            </a:r>
-            <a:endParaRPr lang="fr-FR" dirty="0" smtClean="0"/>
-          </a:p>
-          <a:p>
-            <a:endParaRPr lang="fr-FR" dirty="0"/>
-          </a:p>
-        </p:txBody>
-      </p:sp>
-    </p:spTree>
-    <p:extLst>
-      <p:ext uri="{BB962C8B-B14F-4D97-AF65-F5344CB8AC3E}">
-        <p14:creationId xmlns:p14="http://schemas.microsoft.com/office/powerpoint/2010/main" val="1233238204"/>
-      </p:ext>
-    </p:extLst>
-  </p:cSld>
-  <p:clrMapOvr>
-    <a:masterClrMapping/>
-  </p:clrMapOvr>
-  <p:timing>
-    <p:tnLst>
-      <p:par>
-        <p:cTn id="1" dur="indefinite" restart="never" nodeType="tmRoot"/>
-      </p:par>
-    </p:tnLst>
-  </p:timing>
 </p:sld>
 </file>
 
@@ -4303,8 +4219,8 @@
           <a:lstStyle/>
           <a:p>
             <a:r>
-              <a:rPr lang="fr-FR" dirty="0" smtClean="0"/>
-              <a:t>Pipeline</a:t>
+              <a:rPr lang="fr-FR" dirty="0" err="1"/>
+              <a:t>PreProcessing</a:t>
             </a:r>
             <a:endParaRPr lang="fr-FR" dirty="0"/>
           </a:p>
@@ -4326,16 +4242,26 @@
           <a:lstStyle/>
           <a:p>
             <a:r>
-              <a:rPr lang="fr-FR" dirty="0" smtClean="0"/>
-              <a:t>Pipeline permet de créer des modèles avec des </a:t>
-            </a:r>
-            <a:r>
-              <a:rPr lang="fr-FR" dirty="0" err="1" smtClean="0"/>
-              <a:t>features</a:t>
-            </a:r>
-            <a:r>
-              <a:rPr lang="fr-FR" dirty="0" smtClean="0"/>
-              <a:t> et des calculs d’erreurs paramétrables</a:t>
+              <a:rPr lang="fr-FR" dirty="0" err="1"/>
+              <a:t>Preprocessing</a:t>
+            </a:r>
+            <a:r>
+              <a:rPr lang="fr-FR" dirty="0"/>
+              <a:t> contient des </a:t>
+            </a:r>
+            <a:r>
+              <a:rPr lang="fr-FR" dirty="0" err="1"/>
+              <a:t>Features</a:t>
+            </a:r>
+            <a:r>
+              <a:rPr lang="fr-FR" dirty="0"/>
+              <a:t> qui sont des algorithmes de modèles pré-calculés</a:t>
+            </a:r>
+          </a:p>
+          <a:p>
+            <a:r>
+              <a:rPr lang="fr-FR" dirty="0"/>
+              <a:t>Il en existe des centaines</a:t>
             </a:r>
           </a:p>
           <a:p>
@@ -4345,88 +4271,24 @@
             </a:r>
             <a:r>
               <a:rPr lang="fr-FR" dirty="0" err="1"/>
-              <a:t>sklearn.pipeline</a:t>
-            </a:r>
-            <a:r>
-              <a:rPr lang="fr-FR" dirty="0"/>
-              <a:t> as </a:t>
-            </a:r>
-            <a:r>
-              <a:rPr lang="fr-FR" dirty="0" smtClean="0"/>
-              <a:t>pipe</a:t>
-            </a:r>
-          </a:p>
-          <a:p>
-            <a:r>
-              <a:rPr lang="fr-FR" dirty="0" err="1" smtClean="0"/>
-              <a:t>pipe.make_pipeline</a:t>
-            </a:r>
-            <a:r>
-              <a:rPr lang="fr-FR" dirty="0" smtClean="0"/>
-              <a:t>(</a:t>
-            </a:r>
-            <a:r>
-              <a:rPr lang="fr-FR" dirty="0" err="1" smtClean="0"/>
+              <a:t>sklearn.preprocessing</a:t>
+            </a:r>
+            <a:r>
+              <a:rPr lang="fr-FR" dirty="0"/>
+              <a:t> as pp</a:t>
+            </a:r>
+          </a:p>
+          <a:p>
+            <a:r>
+              <a:rPr lang="fr-FR" dirty="0" err="1"/>
               <a:t>pp.PolynomialFeatures</a:t>
             </a:r>
             <a:r>
-              <a:rPr lang="fr-FR" dirty="0" smtClean="0"/>
-              <a:t>(2</a:t>
-            </a:r>
-            <a:r>
-              <a:rPr lang="fr-FR" dirty="0"/>
-              <a:t>), </a:t>
-            </a:r>
-            <a:r>
-              <a:rPr lang="fr-FR" dirty="0" err="1"/>
-              <a:t>sklm.Ridge</a:t>
-            </a:r>
-            <a:r>
-              <a:rPr lang="fr-FR" dirty="0" smtClean="0"/>
-              <a:t>())</a:t>
-            </a:r>
-          </a:p>
-          <a:p>
-            <a:pPr lvl="1"/>
-            <a:r>
-              <a:rPr lang="fr-FR" dirty="0" smtClean="0"/>
-              <a:t>Ridge est l’algorithme de calcul de l’erreur quadratique</a:t>
-            </a:r>
-          </a:p>
-          <a:p>
-            <a:pPr lvl="1"/>
-            <a:r>
-              <a:rPr lang="fr-FR" dirty="0"/>
-              <a:t>model = </a:t>
-            </a:r>
-            <a:r>
-              <a:rPr lang="fr-FR" dirty="0" err="1"/>
-              <a:t>pp.make_pipeline</a:t>
-            </a:r>
-            <a:r>
-              <a:rPr lang="fr-FR" dirty="0"/>
-              <a:t>(</a:t>
-            </a:r>
-            <a:r>
-              <a:rPr lang="fr-FR" dirty="0" err="1"/>
-              <a:t>pipe.PolynomialFeatures</a:t>
-            </a:r>
-            <a:r>
-              <a:rPr lang="fr-FR" dirty="0"/>
-              <a:t>(1), </a:t>
-            </a:r>
-            <a:r>
-              <a:rPr lang="fr-FR" dirty="0" err="1"/>
-              <a:t>sklm.Ridge</a:t>
-            </a:r>
-            <a:r>
-              <a:rPr lang="fr-FR" dirty="0" smtClean="0"/>
-              <a:t>()) # est identique à </a:t>
-            </a:r>
-            <a:r>
-              <a:rPr lang="fr-FR" dirty="0" err="1" smtClean="0"/>
-              <a:t>LinearRegression</a:t>
-            </a:r>
+              <a:rPr lang="fr-FR" dirty="0"/>
+              <a:t>(2)</a:t>
+            </a:r>
+          </a:p>
+          <a:p>
             <a:endParaRPr lang="fr-FR" dirty="0"/>
           </a:p>
         </p:txBody>
@@ -4434,20 +4296,13 @@
     </p:spTree>
     <p:extLst>
       <p:ext uri="{BB962C8B-B14F-4D97-AF65-F5344CB8AC3E}">
-        <p14:creationId xmlns:p14="http://schemas.microsoft.com/office/powerpoint/2010/main" val="1835056303"/>
+        <p14:creationId xmlns:p14="http://schemas.microsoft.com/office/powerpoint/2010/main" val="1233238204"/>
       </p:ext>
     </p:extLst>
   </p:cSld>
   <p:clrMapOvr>
     <a:masterClrMapping/>
   </p:clrMapOvr>
-  <p:timing>
-    <p:tnLst>
-      <p:par>
-        <p:cTn id="1" dur="indefinite" restart="never" nodeType="tmRoot"/>
-      </p:par>
-    </p:tnLst>
-  </p:timing>
 </p:sld>
 </file>
 
@@ -4484,10 +4339,9 @@
           <a:lstStyle/>
           <a:p>
             <a:r>
-              <a:rPr lang="fr-FR" dirty="0" smtClean="0"/>
-              <a:t>Interprétation</a:t>
-            </a:r>
-            <a:endParaRPr lang="fr-FR" dirty="0"/>
+              <a:rPr lang="fr-FR" dirty="0"/>
+              <a:t>Pipeline</a:t>
+            </a:r>
           </a:p>
         </p:txBody>
       </p:sp>
@@ -4507,14 +4361,179 @@
           <a:lstStyle/>
           <a:p>
             <a:r>
-              <a:rPr lang="fr-FR" dirty="0" smtClean="0"/>
+              <a:rPr lang="fr-FR" dirty="0"/>
+              <a:t>Pipeline permet de créer des modèles avec des </a:t>
+            </a:r>
+            <a:r>
+              <a:rPr lang="fr-FR" dirty="0" err="1"/>
+              <a:t>features</a:t>
+            </a:r>
+            <a:r>
+              <a:rPr lang="fr-FR" dirty="0"/>
+              <a:t> et des calculs d’erreurs paramétrables</a:t>
+            </a:r>
+          </a:p>
+          <a:p>
+            <a:r>
+              <a:rPr lang="fr-FR" dirty="0"/>
+              <a:t>import </a:t>
+            </a:r>
+            <a:r>
+              <a:rPr lang="fr-FR" dirty="0" err="1"/>
+              <a:t>sklearn.pipeline</a:t>
+            </a:r>
+            <a:r>
+              <a:rPr lang="fr-FR" dirty="0"/>
+              <a:t> as pipe</a:t>
+            </a:r>
+          </a:p>
+          <a:p>
+            <a:r>
+              <a:rPr lang="fr-FR" dirty="0" err="1"/>
+              <a:t>pipe.make_pipeline</a:t>
+            </a:r>
+            <a:r>
+              <a:rPr lang="fr-FR" dirty="0"/>
+              <a:t>(</a:t>
+            </a:r>
+            <a:r>
+              <a:rPr lang="fr-FR" dirty="0" err="1"/>
+              <a:t>pp.PolynomialFeatures</a:t>
+            </a:r>
+            <a:r>
+              <a:rPr lang="fr-FR" dirty="0"/>
+              <a:t>(2), </a:t>
+            </a:r>
+            <a:r>
+              <a:rPr lang="fr-FR" dirty="0" err="1"/>
+              <a:t>sklm.Ridge</a:t>
+            </a:r>
+            <a:r>
+              <a:rPr lang="fr-FR" dirty="0"/>
+              <a:t>())</a:t>
+            </a:r>
+          </a:p>
+          <a:p>
+            <a:pPr lvl="1"/>
+            <a:r>
+              <a:rPr lang="fr-FR" dirty="0"/>
+              <a:t>Ridge est l’algorithme de calcul de l’erreur quadratique</a:t>
+            </a:r>
+          </a:p>
+          <a:p>
+            <a:pPr lvl="1"/>
+            <a:r>
+              <a:rPr lang="fr-FR" dirty="0"/>
+              <a:t>model = </a:t>
+            </a:r>
+            <a:r>
+              <a:rPr lang="fr-FR" dirty="0" err="1"/>
+              <a:t>pp.make_pipeline</a:t>
+            </a:r>
+            <a:r>
+              <a:rPr lang="fr-FR" dirty="0"/>
+              <a:t>(</a:t>
+            </a:r>
+            <a:r>
+              <a:rPr lang="fr-FR" dirty="0" err="1"/>
+              <a:t>pipe.PolynomialFeatures</a:t>
+            </a:r>
+            <a:r>
+              <a:rPr lang="fr-FR" dirty="0"/>
+              <a:t>(1), </a:t>
+            </a:r>
+            <a:r>
+              <a:rPr lang="fr-FR" dirty="0" err="1"/>
+              <a:t>sklm.Ridge</a:t>
+            </a:r>
+            <a:r>
+              <a:rPr lang="fr-FR" dirty="0"/>
+              <a:t>()) # est identique à </a:t>
+            </a:r>
+            <a:r>
+              <a:rPr lang="fr-FR" dirty="0" err="1"/>
+              <a:t>LinearRegression</a:t>
+            </a:r>
+            <a:endParaRPr lang="fr-FR" dirty="0"/>
+          </a:p>
+        </p:txBody>
+      </p:sp>
+    </p:spTree>
+    <p:extLst>
+      <p:ext uri="{BB962C8B-B14F-4D97-AF65-F5344CB8AC3E}">
+        <p14:creationId xmlns:p14="http://schemas.microsoft.com/office/powerpoint/2010/main" val="1835056303"/>
+      </p:ext>
+    </p:extLst>
+  </p:cSld>
+  <p:clrMapOvr>
+    <a:masterClrMapping/>
+  </p:clrMapOvr>
+</p:sld>
+</file>
+
+<file path=ppt/slides/slide15.xml><?xml version="1.0" encoding="utf-8"?>
+<p:sld xmlns:a="http://schemas.openxmlformats.org/drawingml/2006/main" xmlns:r="http://schemas.openxmlformats.org/officeDocument/2006/relationships" xmlns:p="http://schemas.openxmlformats.org/presentationml/2006/main">
+  <p:cSld>
+    <p:spTree>
+      <p:nvGrpSpPr>
+        <p:cNvPr id="1" name=""/>
+        <p:cNvGrpSpPr/>
+        <p:nvPr/>
+      </p:nvGrpSpPr>
+      <p:grpSpPr>
+        <a:xfrm>
+          <a:off x="0" y="0"/>
+          <a:ext cx="0" cy="0"/>
+          <a:chOff x="0" y="0"/>
+          <a:chExt cx="0" cy="0"/>
+        </a:xfrm>
+      </p:grpSpPr>
+      <p:sp>
+        <p:nvSpPr>
+          <p:cNvPr id="2" name="Titre 1"/>
+          <p:cNvSpPr>
+            <a:spLocks noGrp="1"/>
+          </p:cNvSpPr>
+          <p:nvPr>
+            <p:ph type="title"/>
+          </p:nvPr>
+        </p:nvSpPr>
+        <p:spPr/>
+        <p:txBody>
+          <a:bodyPr/>
+          <a:lstStyle/>
+          <a:p>
+            <a:r>
+              <a:rPr lang="fr-FR" dirty="0"/>
+              <a:t>Interprétation</a:t>
+            </a:r>
+          </a:p>
+        </p:txBody>
+      </p:sp>
+      <p:sp>
+        <p:nvSpPr>
+          <p:cNvPr id="3" name="Espace réservé du contenu 2"/>
+          <p:cNvSpPr>
+            <a:spLocks noGrp="1"/>
+          </p:cNvSpPr>
+          <p:nvPr>
+            <p:ph idx="1"/>
+          </p:nvPr>
+        </p:nvSpPr>
+        <p:spPr/>
+        <p:txBody>
+          <a:bodyPr/>
+          <a:lstStyle/>
+          <a:p>
+            <a:r>
+              <a:rPr lang="fr-FR" dirty="0"/>
               <a:t>Polynôme degré 4</a:t>
             </a:r>
           </a:p>
           <a:p>
             <a:pPr lvl="1"/>
             <a:r>
-              <a:rPr lang="fr-FR" dirty="0" smtClean="0"/>
+              <a:rPr lang="fr-FR" dirty="0"/>
               <a:t>Erreur 61%</a:t>
             </a:r>
           </a:p>
@@ -4522,32 +4541,30 @@
             <a:endParaRPr lang="fr-FR" dirty="0"/>
           </a:p>
           <a:p>
-            <a:endParaRPr lang="fr-FR" dirty="0" smtClean="0"/>
-          </a:p>
-          <a:p>
             <a:endParaRPr lang="fr-FR" dirty="0"/>
           </a:p>
           <a:p>
-            <a:endParaRPr lang="fr-FR" dirty="0" smtClean="0"/>
-          </a:p>
-          <a:p>
-            <a:r>
-              <a:rPr lang="fr-FR" smtClean="0"/>
+            <a:endParaRPr lang="fr-FR" dirty="0"/>
+          </a:p>
+          <a:p>
+            <a:endParaRPr lang="fr-FR" dirty="0"/>
+          </a:p>
+          <a:p>
+            <a:r>
+              <a:rPr lang="fr-FR"/>
               <a:t>Polynôme </a:t>
             </a:r>
             <a:r>
-              <a:rPr lang="fr-FR" dirty="0" smtClean="0"/>
+              <a:rPr lang="fr-FR" dirty="0"/>
               <a:t>degré 6</a:t>
             </a:r>
-            <a:endParaRPr lang="fr-FR" dirty="0"/>
-          </a:p>
-          <a:p>
-            <a:pPr lvl="1"/>
-            <a:r>
-              <a:rPr lang="fr-FR" dirty="0" smtClean="0"/>
+          </a:p>
+          <a:p>
+            <a:pPr lvl="1"/>
+            <a:r>
+              <a:rPr lang="fr-FR" dirty="0"/>
               <a:t>Erreur 3%</a:t>
             </a:r>
-            <a:endParaRPr lang="fr-FR" dirty="0"/>
           </a:p>
         </p:txBody>
       </p:sp>
@@ -4609,126 +4626,6 @@
   <p:clrMapOvr>
     <a:masterClrMapping/>
   </p:clrMapOvr>
-  <p:timing>
-    <p:tnLst>
-      <p:par>
-        <p:cTn id="1" dur="indefinite" restart="never" nodeType="tmRoot"/>
-      </p:par>
-    </p:tnLst>
-  </p:timing>
-</p:sld>
-</file>
-
-<file path=ppt/slides/slide15.xml><?xml version="1.0" encoding="utf-8"?>
-<p:sld xmlns:a="http://schemas.openxmlformats.org/drawingml/2006/main" xmlns:r="http://schemas.openxmlformats.org/officeDocument/2006/relationships" xmlns:p="http://schemas.openxmlformats.org/presentationml/2006/main">
-  <p:cSld>
-    <p:spTree>
-      <p:nvGrpSpPr>
-        <p:cNvPr id="1" name=""/>
-        <p:cNvGrpSpPr/>
-        <p:nvPr/>
-      </p:nvGrpSpPr>
-      <p:grpSpPr>
-        <a:xfrm>
-          <a:off x="0" y="0"/>
-          <a:ext cx="0" cy="0"/>
-          <a:chOff x="0" y="0"/>
-          <a:chExt cx="0" cy="0"/>
-        </a:xfrm>
-      </p:grpSpPr>
-      <p:sp>
-        <p:nvSpPr>
-          <p:cNvPr id="2" name="Titre 1"/>
-          <p:cNvSpPr>
-            <a:spLocks noGrp="1"/>
-          </p:cNvSpPr>
-          <p:nvPr>
-            <p:ph type="title"/>
-          </p:nvPr>
-        </p:nvSpPr>
-        <p:spPr/>
-        <p:txBody>
-          <a:bodyPr/>
-          <a:lstStyle/>
-          <a:p>
-            <a:r>
-              <a:rPr lang="fr-FR" dirty="0" smtClean="0"/>
-              <a:t>Modélisation</a:t>
-            </a:r>
-            <a:endParaRPr lang="fr-FR" dirty="0"/>
-          </a:p>
-        </p:txBody>
-      </p:sp>
-      <p:sp>
-        <p:nvSpPr>
-          <p:cNvPr id="3" name="Espace réservé du contenu 2"/>
-          <p:cNvSpPr>
-            <a:spLocks noGrp="1"/>
-          </p:cNvSpPr>
-          <p:nvPr>
-            <p:ph idx="1"/>
-          </p:nvPr>
-        </p:nvSpPr>
-        <p:spPr/>
-        <p:txBody>
-          <a:bodyPr/>
-          <a:lstStyle/>
-          <a:p>
-            <a:r>
-              <a:rPr lang="fr-FR" dirty="0"/>
-              <a:t>Imaginez que vous êtes un data </a:t>
-            </a:r>
-            <a:r>
-              <a:rPr lang="fr-FR" dirty="0" err="1" smtClean="0"/>
-              <a:t>scientist</a:t>
-            </a:r>
-            <a:endParaRPr lang="fr-FR" dirty="0" smtClean="0"/>
-          </a:p>
-          <a:p>
-            <a:pPr lvl="1"/>
-            <a:r>
-              <a:rPr lang="fr-FR" dirty="0" smtClean="0"/>
-              <a:t>Vous </a:t>
-            </a:r>
-            <a:r>
-              <a:rPr lang="fr-FR" dirty="0"/>
-              <a:t>êtes maintenant confortable avec l'ensemble des données récupérées pour vos </a:t>
-            </a:r>
-            <a:r>
-              <a:rPr lang="fr-FR" dirty="0" smtClean="0"/>
-              <a:t>analyses</a:t>
-            </a:r>
-          </a:p>
-          <a:p>
-            <a:pPr lvl="1"/>
-            <a:r>
-              <a:rPr lang="fr-FR" dirty="0" smtClean="0"/>
-              <a:t>Vous </a:t>
-            </a:r>
-            <a:r>
-              <a:rPr lang="fr-FR" dirty="0"/>
-              <a:t>avez une connaissance des objectifs principaux de l'entreprise, ce qui vous a aidé à synthétiser les différentes variables qui interviennent, ainsi que visualiser les différents comportements et corrélations présents au sein de ces données</a:t>
-            </a:r>
-          </a:p>
-        </p:txBody>
-      </p:sp>
-    </p:spTree>
-    <p:extLst>
-      <p:ext uri="{BB962C8B-B14F-4D97-AF65-F5344CB8AC3E}">
-        <p14:creationId xmlns:p14="http://schemas.microsoft.com/office/powerpoint/2010/main" val="268645936"/>
-      </p:ext>
-    </p:extLst>
-  </p:cSld>
-  <p:clrMapOvr>
-    <a:masterClrMapping/>
-  </p:clrMapOvr>
-  <p:timing>
-    <p:tnLst>
-      <p:par>
-        <p:cTn id="1" dur="indefinite" restart="never" nodeType="tmRoot"/>
-      </p:par>
-    </p:tnLst>
-  </p:timing>
 </p:sld>
 </file>
 
@@ -4765,10 +4662,9 @@
           <a:lstStyle/>
           <a:p>
             <a:r>
-              <a:rPr lang="fr-FR" dirty="0" smtClean="0"/>
-              <a:t>Apprentissage</a:t>
-            </a:r>
-            <a:endParaRPr lang="fr-FR" dirty="0"/>
+              <a:rPr lang="fr-FR" dirty="0"/>
+              <a:t>Modélisation</a:t>
+            </a:r>
           </a:p>
         </p:txBody>
       </p:sp>
@@ -4789,81 +4685,40 @@
           <a:p>
             <a:r>
               <a:rPr lang="fr-FR" dirty="0"/>
-              <a:t>En machine </a:t>
+              <a:t>Imaginez que vous êtes un data </a:t>
             </a:r>
             <a:r>
               <a:rPr lang="fr-FR" dirty="0" err="1"/>
-              <a:t>learning</a:t>
-            </a:r>
-            <a:r>
-              <a:rPr lang="fr-FR" dirty="0"/>
-              <a:t>, l'idée est que l'algorithme construise une "représentation interne" tout seul afin de pouvoir effectuer la tâche qui lui est demandée (prédiction, identification, </a:t>
-            </a:r>
-            <a:r>
-              <a:rPr lang="fr-FR" dirty="0" err="1" smtClean="0"/>
-              <a:t>etc</a:t>
-            </a:r>
-            <a:r>
-              <a:rPr lang="fr-FR" dirty="0" smtClean="0"/>
-              <a:t>)</a:t>
-            </a:r>
-          </a:p>
-          <a:p>
-            <a:r>
-              <a:rPr lang="fr-FR" dirty="0" smtClean="0"/>
-              <a:t>L’être humain est quasiment incapable d’écrire l’algorithme</a:t>
-            </a:r>
-          </a:p>
-          <a:p>
-            <a:r>
-              <a:rPr lang="fr-FR" dirty="0" smtClean="0"/>
-              <a:t>Pour </a:t>
-            </a:r>
-            <a:r>
-              <a:rPr lang="fr-FR" dirty="0"/>
-              <a:t>cela, il va d'abord falloir lui entrer un jeu de données d'exemples afin qu'il puisse s'entraîner et s'améliorer, d'où le mot </a:t>
-            </a:r>
-            <a:r>
-              <a:rPr lang="fr-FR" dirty="0" smtClean="0"/>
-              <a:t>apprentissage</a:t>
-            </a:r>
-          </a:p>
-          <a:p>
-            <a:r>
-              <a:rPr lang="fr-FR" dirty="0" smtClean="0"/>
-              <a:t>Ce </a:t>
-            </a:r>
-            <a:r>
-              <a:rPr lang="fr-FR" dirty="0"/>
-              <a:t>jeu de données s'appelle le </a:t>
-            </a:r>
-            <a:r>
-              <a:rPr lang="fr-FR" dirty="0" smtClean="0"/>
-              <a:t>training set</a:t>
-            </a:r>
-          </a:p>
-          <a:p>
+              <a:t>scientist</a:t>
+            </a:r>
             <a:endParaRPr lang="fr-FR" dirty="0"/>
+          </a:p>
+          <a:p>
+            <a:pPr lvl="1"/>
+            <a:r>
+              <a:rPr lang="fr-FR" dirty="0"/>
+              <a:t>Vous êtes maintenant confortable avec l'ensemble des données récupérées pour vos analyses</a:t>
+            </a:r>
+          </a:p>
+          <a:p>
+            <a:pPr lvl="1"/>
+            <a:r>
+              <a:rPr lang="fr-FR" dirty="0"/>
+              <a:t>Vous avez une connaissance des objectifs principaux de l'entreprise, ce qui vous a aidé à synthétiser les différentes variables qui interviennent, ainsi que visualiser les différents comportements et corrélations présents au sein de ces données</a:t>
+            </a:r>
           </a:p>
         </p:txBody>
       </p:sp>
     </p:spTree>
     <p:extLst>
       <p:ext uri="{BB962C8B-B14F-4D97-AF65-F5344CB8AC3E}">
-        <p14:creationId xmlns:p14="http://schemas.microsoft.com/office/powerpoint/2010/main" val="4203667828"/>
+        <p14:creationId xmlns:p14="http://schemas.microsoft.com/office/powerpoint/2010/main" val="268645936"/>
       </p:ext>
     </p:extLst>
   </p:cSld>
   <p:clrMapOvr>
     <a:masterClrMapping/>
   </p:clrMapOvr>
-  <p:timing>
-    <p:tnLst>
-      <p:par>
-        <p:cTn id="1" dur="indefinite" restart="never" nodeType="tmRoot"/>
-      </p:par>
-    </p:tnLst>
-  </p:timing>
 </p:sld>
 </file>
 
@@ -4900,11 +4755,122 @@
           <a:lstStyle/>
           <a:p>
             <a:r>
-              <a:rPr lang="fr-FR" dirty="0" smtClean="0"/>
+              <a:rPr lang="fr-FR" dirty="0"/>
+              <a:t>Apprentissage</a:t>
+            </a:r>
+          </a:p>
+        </p:txBody>
+      </p:sp>
+      <p:sp>
+        <p:nvSpPr>
+          <p:cNvPr id="3" name="Espace réservé du contenu 2"/>
+          <p:cNvSpPr>
+            <a:spLocks noGrp="1"/>
+          </p:cNvSpPr>
+          <p:nvPr>
+            <p:ph idx="1"/>
+          </p:nvPr>
+        </p:nvSpPr>
+        <p:spPr/>
+        <p:txBody>
+          <a:bodyPr/>
+          <a:lstStyle/>
+          <a:p>
+            <a:r>
+              <a:rPr lang="fr-FR" dirty="0"/>
+              <a:t>En machine </a:t>
+            </a:r>
+            <a:r>
+              <a:rPr lang="fr-FR" dirty="0" err="1"/>
+              <a:t>learning</a:t>
+            </a:r>
+            <a:r>
+              <a:rPr lang="fr-FR" dirty="0"/>
+              <a:t>, l'idée est que l'algorithme construise une "représentation interne" tout seul afin de pouvoir effectuer la tâche qui lui est demandée (prédiction, identification, </a:t>
+            </a:r>
+            <a:r>
+              <a:rPr lang="fr-FR" dirty="0" err="1"/>
+              <a:t>etc</a:t>
+            </a:r>
+            <a:r>
+              <a:rPr lang="fr-FR" dirty="0"/>
+              <a:t>)</a:t>
+            </a:r>
+          </a:p>
+          <a:p>
+            <a:r>
+              <a:rPr lang="fr-FR" dirty="0"/>
+              <a:t>L’être humain est quasiment incapable d’écrire l’algorithme</a:t>
+            </a:r>
+          </a:p>
+          <a:p>
+            <a:r>
+              <a:rPr lang="fr-FR" dirty="0"/>
+              <a:t>Pour cela, il va d'abord falloir lui entrer un jeu de données d'exemples afin qu'il puisse s'entraîner et s'améliorer, d'où le mot apprentissage</a:t>
+            </a:r>
+          </a:p>
+          <a:p>
+            <a:r>
+              <a:rPr lang="fr-FR" dirty="0"/>
+              <a:t>Ce jeu de données s'appelle le training set</a:t>
+            </a:r>
+          </a:p>
+          <a:p>
+            <a:endParaRPr lang="fr-FR" dirty="0"/>
+          </a:p>
+        </p:txBody>
+      </p:sp>
+    </p:spTree>
+    <p:extLst>
+      <p:ext uri="{BB962C8B-B14F-4D97-AF65-F5344CB8AC3E}">
+        <p14:creationId xmlns:p14="http://schemas.microsoft.com/office/powerpoint/2010/main" val="4203667828"/>
+      </p:ext>
+    </p:extLst>
+  </p:cSld>
+  <p:clrMapOvr>
+    <a:masterClrMapping/>
+  </p:clrMapOvr>
+</p:sld>
+</file>
+
+<file path=ppt/slides/slide18.xml><?xml version="1.0" encoding="utf-8"?>
+<p:sld xmlns:a="http://schemas.openxmlformats.org/drawingml/2006/main" xmlns:r="http://schemas.openxmlformats.org/officeDocument/2006/relationships" xmlns:p="http://schemas.openxmlformats.org/presentationml/2006/main">
+  <p:cSld>
+    <p:spTree>
+      <p:nvGrpSpPr>
+        <p:cNvPr id="1" name=""/>
+        <p:cNvGrpSpPr/>
+        <p:nvPr/>
+      </p:nvGrpSpPr>
+      <p:grpSpPr>
+        <a:xfrm>
+          <a:off x="0" y="0"/>
+          <a:ext cx="0" cy="0"/>
+          <a:chOff x="0" y="0"/>
+          <a:chExt cx="0" cy="0"/>
+        </a:xfrm>
+      </p:grpSpPr>
+      <p:sp>
+        <p:nvSpPr>
+          <p:cNvPr id="2" name="Titre 1"/>
+          <p:cNvSpPr>
+            <a:spLocks noGrp="1"/>
+          </p:cNvSpPr>
+          <p:nvPr>
+            <p:ph type="title"/>
+          </p:nvPr>
+        </p:nvSpPr>
+        <p:spPr/>
+        <p:txBody>
+          <a:bodyPr/>
+          <a:lstStyle/>
+          <a:p>
+            <a:r>
+              <a:rPr lang="fr-FR" dirty="0"/>
               <a:t>Machine Learning </a:t>
             </a:r>
             <a:r>
-              <a:rPr lang="fr-FR" smtClean="0"/>
+              <a:rPr lang="fr-FR"/>
               <a:t>vs Programmation</a:t>
             </a:r>
             <a:endParaRPr lang="fr-FR" dirty="0"/>
@@ -4962,17 +4928,10 @@
   <p:clrMapOvr>
     <a:masterClrMapping/>
   </p:clrMapOvr>
-  <p:timing>
-    <p:tnLst>
-      <p:par>
-        <p:cTn id="1" dur="indefinite" restart="never" nodeType="tmRoot"/>
-      </p:par>
-    </p:tnLst>
-  </p:timing>
 </p:sld>
 </file>
 
-<file path=ppt/slides/slide18.xml><?xml version="1.0" encoding="utf-8"?>
+<file path=ppt/slides/slide19.xml><?xml version="1.0" encoding="utf-8"?>
 <p:sld xmlns:a="http://schemas.openxmlformats.org/drawingml/2006/main" xmlns:r="http://schemas.openxmlformats.org/officeDocument/2006/relationships" xmlns:p="http://schemas.openxmlformats.org/presentationml/2006/main">
   <p:cSld>
     <p:spTree>
@@ -5005,10 +4964,9 @@
           <a:lstStyle/>
           <a:p>
             <a:r>
-              <a:rPr lang="fr-FR" dirty="0" smtClean="0"/>
+              <a:rPr lang="fr-FR" dirty="0"/>
               <a:t>Exemple</a:t>
             </a:r>
-            <a:endParaRPr lang="fr-FR" dirty="0"/>
           </a:p>
         </p:txBody>
       </p:sp>
@@ -5065,116 +5023,6 @@
   <p:clrMapOvr>
     <a:masterClrMapping/>
   </p:clrMapOvr>
-  <p:timing>
-    <p:tnLst>
-      <p:par>
-        <p:cTn id="1" dur="indefinite" restart="never" nodeType="tmRoot"/>
-      </p:par>
-    </p:tnLst>
-  </p:timing>
-</p:sld>
-</file>
-
-<file path=ppt/slides/slide19.xml><?xml version="1.0" encoding="utf-8"?>
-<p:sld xmlns:a="http://schemas.openxmlformats.org/drawingml/2006/main" xmlns:r="http://schemas.openxmlformats.org/officeDocument/2006/relationships" xmlns:p="http://schemas.openxmlformats.org/presentationml/2006/main">
-  <p:cSld>
-    <p:spTree>
-      <p:nvGrpSpPr>
-        <p:cNvPr id="1" name=""/>
-        <p:cNvGrpSpPr/>
-        <p:nvPr/>
-      </p:nvGrpSpPr>
-      <p:grpSpPr>
-        <a:xfrm>
-          <a:off x="0" y="0"/>
-          <a:ext cx="0" cy="0"/>
-          <a:chOff x="0" y="0"/>
-          <a:chExt cx="0" cy="0"/>
-        </a:xfrm>
-      </p:grpSpPr>
-      <p:sp>
-        <p:nvSpPr>
-          <p:cNvPr id="2" name="Titre 1"/>
-          <p:cNvSpPr>
-            <a:spLocks noGrp="1"/>
-          </p:cNvSpPr>
-          <p:nvPr>
-            <p:ph type="title"/>
-          </p:nvPr>
-        </p:nvSpPr>
-        <p:spPr/>
-        <p:txBody>
-          <a:bodyPr/>
-          <a:lstStyle/>
-          <a:p>
-            <a:r>
-              <a:rPr lang="fr-FR" dirty="0" smtClean="0"/>
-              <a:t>Workflow</a:t>
-            </a:r>
-            <a:endParaRPr lang="fr-FR" dirty="0"/>
-          </a:p>
-        </p:txBody>
-      </p:sp>
-      <p:pic>
-        <p:nvPicPr>
-          <p:cNvPr id="7170" name="Picture 2" descr="Un détail de des deux phases du process de machine learning."/>
-          <p:cNvPicPr>
-            <a:picLocks noGrp="1" noChangeAspect="1" noChangeArrowheads="1"/>
-          </p:cNvPicPr>
-          <p:nvPr>
-            <p:ph idx="1"/>
-          </p:nvPr>
-        </p:nvPicPr>
-        <p:blipFill>
-          <a:blip r:embed="rId2">
-            <a:extLst>
-              <a:ext uri="{28A0092B-C50C-407E-A947-70E740481C1C}">
-                <a14:useLocalDpi xmlns:a14="http://schemas.microsoft.com/office/drawing/2010/main" val="0"/>
-              </a:ext>
-            </a:extLst>
-          </a:blip>
-          <a:srcRect/>
-          <a:stretch>
-            <a:fillRect/>
-          </a:stretch>
-        </p:blipFill>
-        <p:spPr bwMode="auto">
-          <a:xfrm>
-            <a:off x="1187624" y="1268760"/>
-            <a:ext cx="6902073" cy="4678809"/>
-          </a:xfrm>
-          <a:prstGeom prst="rect">
-            <a:avLst/>
-          </a:prstGeom>
-          <a:noFill/>
-          <a:extLst>
-            <a:ext uri="{909E8E84-426E-40DD-AFC4-6F175D3DCCD1}">
-              <a14:hiddenFill xmlns:a14="http://schemas.microsoft.com/office/drawing/2010/main">
-                <a:solidFill>
-                  <a:srgbClr val="FFFFFF"/>
-                </a:solidFill>
-              </a14:hiddenFill>
-            </a:ext>
-          </a:extLst>
-        </p:spPr>
-      </p:pic>
-    </p:spTree>
-    <p:extLst>
-      <p:ext uri="{BB962C8B-B14F-4D97-AF65-F5344CB8AC3E}">
-        <p14:creationId xmlns:p14="http://schemas.microsoft.com/office/powerpoint/2010/main" val="980869345"/>
-      </p:ext>
-    </p:extLst>
-  </p:cSld>
-  <p:clrMapOvr>
-    <a:masterClrMapping/>
-  </p:clrMapOvr>
-  <p:timing>
-    <p:tnLst>
-      <p:par>
-        <p:cTn id="1" dur="indefinite" restart="never" nodeType="tmRoot"/>
-      </p:par>
-    </p:tnLst>
-  </p:timing>
 </p:sld>
 </file>
 
@@ -5252,26 +5100,14 @@
             </a:r>
             <a:r>
               <a:rPr lang="fr-FR" sz="2400" dirty="0"/>
-              <a:t> est devenu une référence dans le monde de l'intelligence </a:t>
-            </a:r>
-            <a:r>
-              <a:rPr lang="fr-FR" sz="2400" dirty="0" smtClean="0"/>
-              <a:t>artificielle</a:t>
+              <a:t> est devenu une référence dans le monde de l'intelligence artificielle</a:t>
             </a:r>
           </a:p>
           <a:p>
             <a:pPr lvl="1"/>
             <a:r>
               <a:rPr lang="fr-FR" sz="2000" dirty="0"/>
-              <a:t>D</a:t>
-            </a:r>
-            <a:r>
-              <a:rPr lang="fr-FR" sz="2000" dirty="0" smtClean="0"/>
-              <a:t>e </a:t>
-            </a:r>
-            <a:r>
-              <a:rPr lang="fr-FR" sz="2000" dirty="0"/>
-              <a:t>Paris à San Francisco en passant par Singapour, la bibliothèque de machine </a:t>
+              <a:t>De Paris à San Francisco en passant par Singapour, la bibliothèque de machine </a:t>
             </a:r>
             <a:r>
               <a:rPr lang="fr-FR" sz="2000" dirty="0" err="1"/>
@@ -5289,7 +5125,6 @@
               <a:rPr lang="fr-FR" sz="2000" dirty="0"/>
               <a:t> compris.</a:t>
             </a:r>
-            <a:endParaRPr lang="fr-FR" sz="2000" dirty="0" smtClean="0"/>
           </a:p>
           <a:p>
             <a:pPr lvl="1"/>
@@ -5355,13 +5190,6 @@
   <p:clrMapOvr>
     <a:masterClrMapping/>
   </p:clrMapOvr>
-  <p:timing>
-    <p:tnLst>
-      <p:par>
-        <p:cTn id="1" dur="indefinite" restart="never" nodeType="tmRoot"/>
-      </p:par>
-    </p:tnLst>
-  </p:timing>
 </p:sld>
 </file>
 
@@ -5399,90 +5227,64 @@
           <a:p>
             <a:r>
               <a:rPr lang="fr-FR" dirty="0"/>
-              <a:t>L'algorithme </a:t>
-            </a:r>
-            <a:r>
-              <a:rPr lang="fr-FR" dirty="0" smtClean="0"/>
-              <a:t>d'apprentissage</a:t>
-            </a:r>
-            <a:endParaRPr lang="fr-FR" dirty="0"/>
-          </a:p>
-        </p:txBody>
-      </p:sp>
-      <p:sp>
-        <p:nvSpPr>
-          <p:cNvPr id="3" name="Espace réservé du contenu 2"/>
-          <p:cNvSpPr>
-            <a:spLocks noGrp="1"/>
-          </p:cNvSpPr>
+              <a:t>Workflow</a:t>
+            </a:r>
+          </a:p>
+        </p:txBody>
+      </p:sp>
+      <p:pic>
+        <p:nvPicPr>
+          <p:cNvPr id="7170" name="Picture 2" descr="Un détail de des deux phases du process de machine learning."/>
+          <p:cNvPicPr>
+            <a:picLocks noGrp="1" noChangeAspect="1" noChangeArrowheads="1"/>
+          </p:cNvPicPr>
           <p:nvPr>
             <p:ph idx="1"/>
           </p:nvPr>
-        </p:nvSpPr>
-        <p:spPr/>
-        <p:txBody>
-          <a:bodyPr/>
-          <a:lstStyle/>
-          <a:p>
-            <a:r>
-              <a:rPr lang="fr-FR" dirty="0"/>
-              <a:t>L'algorithme d'apprentissage constitue la méthode avec laquelle le modèle statistique va se paramétrer à partir des données </a:t>
-            </a:r>
-            <a:r>
-              <a:rPr lang="fr-FR" dirty="0" smtClean="0"/>
-              <a:t>d'exemple</a:t>
-            </a:r>
-          </a:p>
-          <a:p>
-            <a:pPr lvl="1"/>
-            <a:r>
-              <a:rPr lang="fr-FR" dirty="0" smtClean="0"/>
-              <a:t>Il </a:t>
-            </a:r>
-            <a:r>
-              <a:rPr lang="fr-FR" dirty="0"/>
-              <a:t>existe de nombreux algorithmes différents </a:t>
-            </a:r>
-            <a:r>
-              <a:rPr lang="fr-FR" dirty="0" smtClean="0"/>
-              <a:t>!</a:t>
-            </a:r>
-          </a:p>
-          <a:p>
-            <a:pPr lvl="1"/>
-            <a:r>
-              <a:rPr lang="fr-FR" dirty="0" smtClean="0"/>
-              <a:t>On </a:t>
-            </a:r>
-            <a:r>
-              <a:rPr lang="fr-FR" dirty="0"/>
-              <a:t>choisira un type d'algorithme particulier en fonction du type de tâche que l'on souhaite accomplir et du type de données dont on </a:t>
-            </a:r>
-            <a:r>
-              <a:rPr lang="fr-FR" dirty="0" smtClean="0"/>
-              <a:t>dispose</a:t>
-            </a:r>
-            <a:endParaRPr lang="fr-FR" dirty="0"/>
-          </a:p>
-        </p:txBody>
-      </p:sp>
+        </p:nvPicPr>
+        <p:blipFill>
+          <a:blip r:embed="rId2">
+            <a:extLst>
+              <a:ext uri="{28A0092B-C50C-407E-A947-70E740481C1C}">
+                <a14:useLocalDpi xmlns:a14="http://schemas.microsoft.com/office/drawing/2010/main" val="0"/>
+              </a:ext>
+            </a:extLst>
+          </a:blip>
+          <a:srcRect/>
+          <a:stretch>
+            <a:fillRect/>
+          </a:stretch>
+        </p:blipFill>
+        <p:spPr bwMode="auto">
+          <a:xfrm>
+            <a:off x="1187624" y="1268760"/>
+            <a:ext cx="6902073" cy="4678809"/>
+          </a:xfrm>
+          <a:prstGeom prst="rect">
+            <a:avLst/>
+          </a:prstGeom>
+          <a:noFill/>
+          <a:extLst>
+            <a:ext uri="{909E8E84-426E-40DD-AFC4-6F175D3DCCD1}">
+              <a14:hiddenFill xmlns:a14="http://schemas.microsoft.com/office/drawing/2010/main">
+                <a:solidFill>
+                  <a:srgbClr val="FFFFFF"/>
+                </a:solidFill>
+              </a14:hiddenFill>
+            </a:ext>
+          </a:extLst>
+        </p:spPr>
+      </p:pic>
     </p:spTree>
     <p:extLst>
       <p:ext uri="{BB962C8B-B14F-4D97-AF65-F5344CB8AC3E}">
-        <p14:creationId xmlns:p14="http://schemas.microsoft.com/office/powerpoint/2010/main" val="701142805"/>
+        <p14:creationId xmlns:p14="http://schemas.microsoft.com/office/powerpoint/2010/main" val="980869345"/>
       </p:ext>
     </p:extLst>
   </p:cSld>
   <p:clrMapOvr>
     <a:masterClrMapping/>
   </p:clrMapOvr>
-  <p:timing>
-    <p:tnLst>
-      <p:par>
-        <p:cTn id="1" dur="indefinite" restart="never" nodeType="tmRoot"/>
-      </p:par>
-    </p:tnLst>
-  </p:timing>
 </p:sld>
 </file>
 
@@ -5519,10 +5321,9 @@
           <a:lstStyle/>
           <a:p>
             <a:r>
-              <a:rPr lang="fr-FR" dirty="0" smtClean="0"/>
-              <a:t>Exemples</a:t>
-            </a:r>
-            <a:endParaRPr lang="fr-FR" dirty="0"/>
+              <a:rPr lang="fr-FR" dirty="0"/>
+              <a:t>L'algorithme d'apprentissage</a:t>
+            </a:r>
           </a:p>
         </p:txBody>
       </p:sp>
@@ -5543,83 +5344,21 @@
           <a:p>
             <a:r>
               <a:rPr lang="fr-FR" dirty="0"/>
-              <a:t>Quelques exemples d'algorithmes de machine </a:t>
-            </a:r>
-            <a:r>
-              <a:rPr lang="fr-FR" dirty="0" err="1"/>
-              <a:t>learning</a:t>
-            </a:r>
-            <a:r>
-              <a:rPr lang="fr-FR" dirty="0"/>
-              <a:t>, dont vous avez peut-être déjà entendu parler :</a:t>
-            </a:r>
-          </a:p>
-          <a:p>
-            <a:pPr lvl="1"/>
-            <a:r>
-              <a:rPr lang="fr-FR" dirty="0" smtClean="0"/>
-              <a:t>La </a:t>
-            </a:r>
-            <a:r>
-              <a:rPr lang="fr-FR" dirty="0"/>
-              <a:t>régression linéaire</a:t>
-            </a:r>
-          </a:p>
-          <a:p>
-            <a:pPr lvl="1"/>
-            <a:r>
-              <a:rPr lang="fr-FR" dirty="0" err="1"/>
-              <a:t>K-nn</a:t>
-            </a:r>
-            <a:endParaRPr lang="fr-FR" dirty="0"/>
-          </a:p>
-          <a:p>
-            <a:pPr lvl="1"/>
-            <a:r>
-              <a:rPr lang="fr-FR" dirty="0"/>
-              <a:t>Les Support </a:t>
-            </a:r>
-            <a:r>
-              <a:rPr lang="fr-FR" dirty="0" err="1"/>
-              <a:t>Vector</a:t>
-            </a:r>
-            <a:r>
-              <a:rPr lang="fr-FR" dirty="0"/>
-              <a:t> Machine (SVM)</a:t>
-            </a:r>
-          </a:p>
-          <a:p>
-            <a:pPr lvl="1"/>
-            <a:r>
-              <a:rPr lang="fr-FR" dirty="0"/>
-              <a:t>Les réseaux de neurones</a:t>
-            </a:r>
-          </a:p>
-          <a:p>
-            <a:pPr lvl="1"/>
-            <a:r>
-              <a:rPr lang="fr-FR" dirty="0"/>
-              <a:t>Les </a:t>
-            </a:r>
-            <a:r>
-              <a:rPr lang="fr-FR" dirty="0" err="1"/>
-              <a:t>random</a:t>
-            </a:r>
-            <a:r>
-              <a:rPr lang="fr-FR" dirty="0"/>
-              <a:t> </a:t>
-            </a:r>
-            <a:r>
-              <a:rPr lang="fr-FR" dirty="0" err="1"/>
-              <a:t>forests</a:t>
-            </a:r>
-            <a:endParaRPr lang="fr-FR" dirty="0"/>
-          </a:p>
-          <a:p>
-            <a:pPr lvl="1"/>
-            <a:r>
-              <a:rPr lang="fr-FR" dirty="0"/>
-              <a:t>etc.</a:t>
+              <a:t>L'algorithme d'apprentissage constitue la méthode avec laquelle le modèle statistique va se paramétrer à partir des données d'exemple</a:t>
+            </a:r>
+          </a:p>
+          <a:p>
+            <a:pPr lvl="1"/>
+            <a:r>
+              <a:rPr lang="fr-FR" dirty="0"/>
+              <a:t>Il existe de nombreux algorithmes différents !</a:t>
+            </a:r>
+          </a:p>
+          <a:p>
+            <a:pPr lvl="1"/>
+            <a:r>
+              <a:rPr lang="fr-FR" dirty="0"/>
+              <a:t>On choisira un type d'algorithme particulier en fonction du type de tâche que l'on souhaite accomplir et du type de données dont on dispose</a:t>
             </a:r>
           </a:p>
         </p:txBody>
@@ -5627,20 +5366,13 @@
     </p:spTree>
     <p:extLst>
       <p:ext uri="{BB962C8B-B14F-4D97-AF65-F5344CB8AC3E}">
-        <p14:creationId xmlns:p14="http://schemas.microsoft.com/office/powerpoint/2010/main" val="1066145555"/>
+        <p14:creationId xmlns:p14="http://schemas.microsoft.com/office/powerpoint/2010/main" val="701142805"/>
       </p:ext>
     </p:extLst>
   </p:cSld>
   <p:clrMapOvr>
     <a:masterClrMapping/>
   </p:clrMapOvr>
-  <p:timing>
-    <p:tnLst>
-      <p:par>
-        <p:cTn id="1" dur="indefinite" restart="never" nodeType="tmRoot"/>
-      </p:par>
-    </p:tnLst>
-  </p:timing>
 </p:sld>
 </file>
 
@@ -5677,10 +5409,9 @@
           <a:lstStyle/>
           <a:p>
             <a:r>
-              <a:rPr lang="fr-FR" dirty="0" smtClean="0"/>
-              <a:t>Mesure de performance</a:t>
-            </a:r>
-            <a:endParaRPr lang="fr-FR" dirty="0"/>
+              <a:rPr lang="fr-FR" dirty="0"/>
+              <a:t>Exemples</a:t>
+            </a:r>
           </a:p>
         </p:txBody>
       </p:sp>
@@ -5701,35 +5432,93 @@
           <a:p>
             <a:r>
               <a:rPr lang="fr-FR" dirty="0"/>
-              <a:t>Mesurer les performances fait partie intégrante du travail de modélisation. Il faut en général déterminer une mesure principale, souvent spécifique à la tâche à </a:t>
-            </a:r>
-            <a:r>
-              <a:rPr lang="fr-FR" dirty="0" smtClean="0"/>
-              <a:t>accomplir</a:t>
-            </a:r>
-          </a:p>
-          <a:p>
+              <a:t>Quelques exemples d'algorithmes de machine </a:t>
+            </a:r>
+            <a:r>
+              <a:rPr lang="fr-FR" dirty="0" err="1"/>
+              <a:t>learning</a:t>
+            </a:r>
+            <a:r>
+              <a:rPr lang="fr-FR" dirty="0"/>
+              <a:t>, dont vous avez peut-être déjà entendu parler :</a:t>
+            </a:r>
+          </a:p>
+          <a:p>
+            <a:pPr lvl="1"/>
+            <a:r>
+              <a:rPr lang="fr-FR" dirty="0"/>
+              <a:t>La régression linéaire</a:t>
+            </a:r>
+          </a:p>
+          <a:p>
+            <a:pPr lvl="1"/>
+            <a:r>
+              <a:rPr lang="fr-FR" dirty="0" err="1"/>
+              <a:t>K-nn</a:t>
+            </a:r>
             <a:endParaRPr lang="fr-FR" dirty="0"/>
+          </a:p>
+          <a:p>
+            <a:pPr lvl="1"/>
+            <a:r>
+              <a:rPr lang="fr-FR" dirty="0"/>
+              <a:t>Les Support </a:t>
+            </a:r>
+            <a:r>
+              <a:rPr lang="fr-FR" dirty="0" err="1"/>
+              <a:t>Vector</a:t>
+            </a:r>
+            <a:r>
+              <a:rPr lang="fr-FR" dirty="0"/>
+              <a:t> Machine (SVM)</a:t>
+            </a:r>
+          </a:p>
+          <a:p>
+            <a:pPr lvl="1"/>
+            <a:r>
+              <a:rPr lang="fr-FR" dirty="0"/>
+              <a:t>Les réseaux de neurones</a:t>
+            </a:r>
+          </a:p>
+          <a:p>
+            <a:pPr lvl="1"/>
+            <a:r>
+              <a:rPr lang="fr-FR" dirty="0"/>
+              <a:t>Les </a:t>
+            </a:r>
+            <a:r>
+              <a:rPr lang="fr-FR" dirty="0" err="1"/>
+              <a:t>random</a:t>
+            </a:r>
+            <a:r>
+              <a:rPr lang="fr-FR" dirty="0"/>
+              <a:t> </a:t>
+            </a:r>
+            <a:r>
+              <a:rPr lang="fr-FR" dirty="0" err="1"/>
+              <a:t>forests</a:t>
+            </a:r>
+            <a:endParaRPr lang="fr-FR" dirty="0"/>
+          </a:p>
+          <a:p>
+            <a:pPr lvl="1"/>
+            <a:r>
+              <a:rPr lang="fr-FR" dirty="0"/>
+              <a:t>etc.</a:t>
+            </a:r>
           </a:p>
         </p:txBody>
       </p:sp>
     </p:spTree>
     <p:extLst>
       <p:ext uri="{BB962C8B-B14F-4D97-AF65-F5344CB8AC3E}">
-        <p14:creationId xmlns:p14="http://schemas.microsoft.com/office/powerpoint/2010/main" val="2894775755"/>
+        <p14:creationId xmlns:p14="http://schemas.microsoft.com/office/powerpoint/2010/main" val="1066145555"/>
       </p:ext>
     </p:extLst>
   </p:cSld>
   <p:clrMapOvr>
     <a:masterClrMapping/>
   </p:clrMapOvr>
-  <p:timing>
-    <p:tnLst>
-      <p:par>
-        <p:cTn id="1" dur="indefinite" restart="never" nodeType="tmRoot"/>
-      </p:par>
-    </p:tnLst>
-  </p:timing>
 </p:sld>
 </file>
 
@@ -5766,10 +5555,9 @@
           <a:lstStyle/>
           <a:p>
             <a:r>
-              <a:rPr lang="fr-FR" dirty="0" smtClean="0"/>
-              <a:t>Exemple</a:t>
-            </a:r>
-            <a:endParaRPr lang="fr-FR" dirty="0"/>
+              <a:rPr lang="fr-FR" dirty="0"/>
+              <a:t>Mesure de performance</a:t>
+            </a:r>
           </a:p>
         </p:txBody>
       </p:sp>
@@ -5789,110 +5577,25 @@
           <a:lstStyle/>
           <a:p>
             <a:r>
-              <a:rPr lang="fr-FR" sz="2400" dirty="0"/>
-              <a:t>Imaginez que vous voulez créer un algorithme de détection de fraudes </a:t>
-            </a:r>
-            <a:r>
-              <a:rPr lang="fr-FR" sz="2400" dirty="0" smtClean="0"/>
-              <a:t>bancaires</a:t>
-            </a:r>
-          </a:p>
-          <a:p>
-            <a:pPr lvl="1"/>
-            <a:r>
-              <a:rPr lang="fr-FR" sz="2000" dirty="0" smtClean="0"/>
-              <a:t>Vous </a:t>
-            </a:r>
-            <a:r>
-              <a:rPr lang="fr-FR" sz="2000" dirty="0"/>
-              <a:t>voulez mesurer à quel point votre programme est </a:t>
-            </a:r>
-            <a:r>
-              <a:rPr lang="fr-FR" sz="2000" dirty="0" smtClean="0"/>
-              <a:t>performant</a:t>
-            </a:r>
-          </a:p>
-          <a:p>
-            <a:r>
-              <a:rPr lang="fr-FR" sz="2400" dirty="0" smtClean="0"/>
-              <a:t>Une </a:t>
-            </a:r>
-            <a:r>
-              <a:rPr lang="fr-FR" sz="2400" dirty="0"/>
-              <a:t>manière de faire serait de mesurer la proportion totale de transaction détectées comme </a:t>
-            </a:r>
-            <a:r>
-              <a:rPr lang="fr-FR" sz="2400" dirty="0" smtClean="0"/>
-              <a:t>fraude</a:t>
-            </a:r>
-          </a:p>
-          <a:p>
-            <a:pPr lvl="1"/>
-            <a:r>
-              <a:rPr lang="fr-FR" sz="2000" dirty="0" smtClean="0"/>
-              <a:t>Cependant</a:t>
-            </a:r>
-            <a:r>
-              <a:rPr lang="fr-FR" sz="2000" dirty="0"/>
-              <a:t>, on compte ici les transactions qui ne sont pas des fraudes et qui ont quand même été notées comme en étant (appelé "faux positifs</a:t>
-            </a:r>
-            <a:r>
-              <a:rPr lang="fr-FR" sz="2000" dirty="0" smtClean="0"/>
-              <a:t>")</a:t>
-            </a:r>
-          </a:p>
-          <a:p>
-            <a:pPr lvl="1"/>
-            <a:r>
-              <a:rPr lang="fr-FR" sz="2000" dirty="0" smtClean="0"/>
-              <a:t>Donc</a:t>
-            </a:r>
-            <a:r>
-              <a:rPr lang="fr-FR" sz="2000" dirty="0"/>
-              <a:t>, avec ce genre de métriques, on est pas exigeant sur ce type d'erreur que produit notre </a:t>
-            </a:r>
-            <a:r>
-              <a:rPr lang="fr-FR" sz="2000" dirty="0" smtClean="0"/>
-              <a:t>algorithme</a:t>
-            </a:r>
-          </a:p>
-          <a:p>
-            <a:r>
-              <a:rPr lang="fr-FR" sz="2400" dirty="0" smtClean="0"/>
-              <a:t>Il </a:t>
-            </a:r>
-            <a:r>
-              <a:rPr lang="fr-FR" sz="2400" dirty="0"/>
-              <a:t>faut peut être, utiliser une autre métrique plus pertinente. Par exemple, la précision qui est la proportion de "vraies fraudes" détectées par rapport au total de transactions </a:t>
-            </a:r>
-            <a:r>
-              <a:rPr lang="fr-FR" sz="2400" dirty="0" err="1"/>
-              <a:t>flagées</a:t>
-            </a:r>
-            <a:r>
-              <a:rPr lang="fr-FR" sz="2400" dirty="0"/>
-              <a:t> comme fraudes</a:t>
-            </a:r>
+              <a:rPr lang="fr-FR" dirty="0"/>
+              <a:t>Mesurer les performances fait partie intégrante du travail de modélisation. Il faut en général déterminer une mesure principale, souvent spécifique à la tâche à accomplir</a:t>
+            </a:r>
+          </a:p>
+          <a:p>
+            <a:endParaRPr lang="fr-FR" dirty="0"/>
           </a:p>
         </p:txBody>
       </p:sp>
     </p:spTree>
     <p:extLst>
       <p:ext uri="{BB962C8B-B14F-4D97-AF65-F5344CB8AC3E}">
-        <p14:creationId xmlns:p14="http://schemas.microsoft.com/office/powerpoint/2010/main" val="143823929"/>
+        <p14:creationId xmlns:p14="http://schemas.microsoft.com/office/powerpoint/2010/main" val="2894775755"/>
       </p:ext>
     </p:extLst>
   </p:cSld>
   <p:clrMapOvr>
     <a:masterClrMapping/>
   </p:clrMapOvr>
-  <p:timing>
-    <p:tnLst>
-      <p:par>
-        <p:cTn id="1" dur="indefinite" restart="never" nodeType="tmRoot"/>
-      </p:par>
-    </p:tnLst>
-  </p:timing>
 </p:sld>
 </file>
 
@@ -5929,10 +5632,9 @@
           <a:lstStyle/>
           <a:p>
             <a:r>
-              <a:rPr lang="fr-FR" dirty="0" smtClean="0"/>
-              <a:t>Autre exemple</a:t>
-            </a:r>
-            <a:endParaRPr lang="fr-FR" dirty="0"/>
+              <a:rPr lang="fr-FR" dirty="0"/>
+              <a:t>Exemple</a:t>
+            </a:r>
           </a:p>
         </p:txBody>
       </p:sp>
@@ -5952,36 +5654,63 @@
           <a:lstStyle/>
           <a:p>
             <a:r>
-              <a:rPr lang="fr-FR" dirty="0" smtClean="0"/>
-              <a:t>Dans la détection de maladie comme la méningite le nombre de faux positif n’est pas très important</a:t>
-            </a:r>
-          </a:p>
-          <a:p>
-            <a:r>
-              <a:rPr lang="fr-FR" dirty="0" smtClean="0"/>
-              <a:t>Alors que le nombre de faux négatif est potentiellement mortel</a:t>
-            </a:r>
-            <a:endParaRPr lang="fr-FR" dirty="0"/>
+              <a:rPr lang="fr-FR" sz="2400" dirty="0"/>
+              <a:t>Imaginez que vous voulez créer un algorithme de détection de fraudes bancaires</a:t>
+            </a:r>
+          </a:p>
+          <a:p>
+            <a:pPr lvl="1"/>
+            <a:r>
+              <a:rPr lang="fr-FR" sz="2000" dirty="0"/>
+              <a:t>Vous voulez mesurer à quel point votre programme est performant</a:t>
+            </a:r>
+          </a:p>
+          <a:p>
+            <a:r>
+              <a:rPr lang="fr-FR" sz="2400" dirty="0"/>
+              <a:t>Une manière de faire serait de mesurer la proportion totale de transaction détectées comme fraude</a:t>
+            </a:r>
+          </a:p>
+          <a:p>
+            <a:pPr lvl="1"/>
+            <a:r>
+              <a:rPr lang="fr-FR" sz="2000" dirty="0"/>
+              <a:t>Cependant, on compte ici les transactions qui ne sont pas des fraudes et qui ont quand même été notées comme en étant (appelé "faux positifs")</a:t>
+            </a:r>
+          </a:p>
+          <a:p>
+            <a:pPr lvl="1"/>
+            <a:r>
+              <a:rPr lang="fr-FR" sz="2000" dirty="0"/>
+              <a:t>Donc, avec ce genre de métriques, on est pas exigeant sur ce type d'erreur que produit notre algorithme</a:t>
+            </a:r>
+          </a:p>
+          <a:p>
+            <a:r>
+              <a:rPr lang="fr-FR" sz="2400" dirty="0"/>
+              <a:t>Il faut peut être, utiliser une autre métrique plus pertinente. Par exemple, la précision qui est la proportion de "vraies fraudes" détectées par rapport au total de transactions </a:t>
+            </a:r>
+            <a:r>
+              <a:rPr lang="fr-FR" sz="2400" dirty="0" err="1"/>
+              <a:t>flagées</a:t>
+            </a:r>
+            <a:r>
+              <a:rPr lang="fr-FR" sz="2400" dirty="0"/>
+              <a:t> comme fraudes</a:t>
+            </a:r>
           </a:p>
         </p:txBody>
       </p:sp>
     </p:spTree>
     <p:extLst>
       <p:ext uri="{BB962C8B-B14F-4D97-AF65-F5344CB8AC3E}">
-        <p14:creationId xmlns:p14="http://schemas.microsoft.com/office/powerpoint/2010/main" val="2895228986"/>
+        <p14:creationId xmlns:p14="http://schemas.microsoft.com/office/powerpoint/2010/main" val="143823929"/>
       </p:ext>
     </p:extLst>
   </p:cSld>
   <p:clrMapOvr>
     <a:masterClrMapping/>
   </p:clrMapOvr>
-  <p:timing>
-    <p:tnLst>
-      <p:par>
-        <p:cTn id="1" dur="indefinite" restart="never" nodeType="tmRoot"/>
-      </p:par>
-    </p:tnLst>
-  </p:timing>
 </p:sld>
 </file>
 
@@ -6018,10 +5747,9 @@
           <a:lstStyle/>
           <a:p>
             <a:r>
-              <a:rPr lang="fr-FR" dirty="0" smtClean="0"/>
-              <a:t>Problème de la recommandation</a:t>
-            </a:r>
-            <a:endParaRPr lang="fr-FR" dirty="0"/>
+              <a:rPr lang="fr-FR" dirty="0"/>
+              <a:t>Autre exemple</a:t>
+            </a:r>
           </a:p>
         </p:txBody>
       </p:sp>
@@ -6041,98 +5769,14 @@
           <a:lstStyle/>
           <a:p>
             <a:r>
-              <a:rPr lang="fr-FR" sz="2400" dirty="0"/>
-              <a:t>La recommandation est une problématique qui revient très souvent pour les data </a:t>
-            </a:r>
-            <a:r>
-              <a:rPr lang="fr-FR" sz="2400" dirty="0" err="1" smtClean="0"/>
-              <a:t>scientists</a:t>
-            </a:r>
-            <a:endParaRPr lang="fr-FR" sz="2400" dirty="0" smtClean="0"/>
-          </a:p>
-          <a:p>
-            <a:r>
-              <a:rPr lang="fr-FR" sz="2400" dirty="0" smtClean="0"/>
-              <a:t>Suggérer </a:t>
-            </a:r>
-            <a:r>
-              <a:rPr lang="fr-FR" sz="2400" dirty="0"/>
-              <a:t>d'autres produits à acheter sur Amazon, des films à regarder sur </a:t>
-            </a:r>
-            <a:r>
-              <a:rPr lang="fr-FR" sz="2400" dirty="0" err="1"/>
-              <a:t>Netflix</a:t>
-            </a:r>
-            <a:r>
-              <a:rPr lang="fr-FR" sz="2400" dirty="0"/>
-              <a:t>, des musiques à écouter sur </a:t>
-            </a:r>
-            <a:r>
-              <a:rPr lang="fr-FR" sz="2400" dirty="0" err="1"/>
-              <a:t>Spotify</a:t>
-            </a:r>
-            <a:r>
-              <a:rPr lang="fr-FR" sz="2400" dirty="0"/>
-              <a:t>, </a:t>
-            </a:r>
-            <a:r>
-              <a:rPr lang="fr-FR" sz="2400" dirty="0" err="1" smtClean="0"/>
-              <a:t>etc</a:t>
-            </a:r>
-            <a:endParaRPr lang="fr-FR" sz="2400" dirty="0" smtClean="0"/>
-          </a:p>
-          <a:p>
-            <a:pPr lvl="1"/>
-            <a:r>
-              <a:rPr lang="fr-FR" sz="2000" dirty="0" smtClean="0"/>
-              <a:t>La recommandation </a:t>
-            </a:r>
-            <a:r>
-              <a:rPr lang="fr-FR" sz="2000" dirty="0" err="1" smtClean="0"/>
-              <a:t>Spotify</a:t>
-            </a:r>
-            <a:r>
-              <a:rPr lang="fr-FR" sz="2000" dirty="0" smtClean="0"/>
-              <a:t> est en Python</a:t>
-            </a:r>
-          </a:p>
-          <a:p>
-            <a:r>
-              <a:rPr lang="fr-FR" sz="2400" dirty="0"/>
-              <a:t>Mais du coup c'est de la classification ? de la régression ? supervisé ? non-supervisé </a:t>
-            </a:r>
-            <a:r>
-              <a:rPr lang="fr-FR" sz="2400" dirty="0" smtClean="0"/>
-              <a:t>?</a:t>
-            </a:r>
-          </a:p>
-          <a:p>
-            <a:r>
-              <a:rPr lang="fr-FR" sz="2400" dirty="0"/>
-              <a:t> Une technique largement répandue est le "collaborative </a:t>
-            </a:r>
-            <a:r>
-              <a:rPr lang="fr-FR" sz="2400" dirty="0" err="1"/>
-              <a:t>filtering</a:t>
-            </a:r>
-            <a:r>
-              <a:rPr lang="fr-FR" sz="2400" dirty="0"/>
-              <a:t>", qui se base sur des </a:t>
-            </a:r>
-            <a:r>
-              <a:rPr lang="fr-FR" sz="2400" dirty="0" smtClean="0"/>
-              <a:t>similarités</a:t>
-            </a:r>
-          </a:p>
-          <a:p>
-            <a:pPr lvl="1"/>
-            <a:r>
-              <a:rPr lang="fr-FR" sz="2000" dirty="0" smtClean="0"/>
-              <a:t>c'est </a:t>
-            </a:r>
-            <a:r>
-              <a:rPr lang="fr-FR" sz="2000" dirty="0"/>
-              <a:t>un problème non-supervisé</a:t>
+              <a:rPr lang="fr-FR" dirty="0"/>
+              <a:t>Dans la détection de maladie comme la méningite le nombre de faux positif n’est pas très important</a:t>
+            </a:r>
+          </a:p>
+          <a:p>
+            <a:r>
+              <a:rPr lang="fr-FR" dirty="0"/>
+              <a:t>Alors que le nombre de faux négatif est potentiellement mortel</a:t>
             </a:r>
           </a:p>
         </p:txBody>
@@ -6140,20 +5784,13 @@
     </p:spTree>
     <p:extLst>
       <p:ext uri="{BB962C8B-B14F-4D97-AF65-F5344CB8AC3E}">
-        <p14:creationId xmlns:p14="http://schemas.microsoft.com/office/powerpoint/2010/main" val="4087256749"/>
+        <p14:creationId xmlns:p14="http://schemas.microsoft.com/office/powerpoint/2010/main" val="2895228986"/>
       </p:ext>
     </p:extLst>
   </p:cSld>
   <p:clrMapOvr>
     <a:masterClrMapping/>
   </p:clrMapOvr>
-  <p:timing>
-    <p:tnLst>
-      <p:par>
-        <p:cTn id="1" dur="indefinite" restart="never" nodeType="tmRoot"/>
-      </p:par>
-    </p:tnLst>
-  </p:timing>
 </p:sld>
 </file>
 
@@ -6190,14 +5827,9 @@
           <a:lstStyle/>
           <a:p>
             <a:r>
-              <a:rPr lang="fr-FR" dirty="0" smtClean="0"/>
-              <a:t>Démarrer le machine </a:t>
-            </a:r>
-            <a:r>
-              <a:rPr lang="fr-FR" dirty="0" err="1" smtClean="0"/>
-              <a:t>learning</a:t>
-            </a:r>
-            <a:endParaRPr lang="fr-FR" dirty="0"/>
+              <a:rPr lang="fr-FR" dirty="0"/>
+              <a:t>Problème de la recommandation</a:t>
+            </a:r>
           </a:p>
         </p:txBody>
       </p:sp>
@@ -6217,76 +5849,213 @@
           <a:lstStyle/>
           <a:p>
             <a:r>
-              <a:rPr lang="fr-FR" dirty="0" smtClean="0"/>
-              <a:t>Nous avons un </a:t>
-            </a:r>
-            <a:r>
-              <a:rPr lang="fr-FR" dirty="0" err="1" smtClean="0"/>
-              <a:t>datalake</a:t>
-            </a:r>
-            <a:endParaRPr lang="fr-FR" dirty="0" smtClean="0"/>
-          </a:p>
-          <a:p>
-            <a:r>
-              <a:rPr lang="fr-FR" dirty="0" smtClean="0"/>
-              <a:t>Nous avons le </a:t>
-            </a:r>
-            <a:r>
-              <a:rPr lang="fr-FR" dirty="0" err="1" smtClean="0"/>
-              <a:t>datamart</a:t>
-            </a:r>
-            <a:r>
-              <a:rPr lang="fr-FR" dirty="0" smtClean="0"/>
-              <a:t> structuré et nettoyé</a:t>
-            </a:r>
-          </a:p>
-          <a:p>
-            <a:r>
-              <a:rPr lang="fr-FR" dirty="0" smtClean="0"/>
-              <a:t>L’objectif </a:t>
-            </a:r>
-            <a:r>
-              <a:rPr lang="fr-FR" dirty="0"/>
-              <a:t>du machine </a:t>
+              <a:rPr lang="fr-FR" sz="2400" dirty="0"/>
+              <a:t>La recommandation est une problématique qui revient très souvent pour les data </a:t>
+            </a:r>
+            <a:r>
+              <a:rPr lang="fr-FR" sz="2400" dirty="0" err="1"/>
+              <a:t>scientists</a:t>
+            </a:r>
+            <a:endParaRPr lang="fr-FR" sz="2400" dirty="0"/>
+          </a:p>
+          <a:p>
+            <a:r>
+              <a:rPr lang="fr-FR" sz="2400" dirty="0"/>
+              <a:t>Suggérer d'autres produits à acheter sur Amazon, des films à regarder sur </a:t>
+            </a:r>
+            <a:r>
+              <a:rPr lang="fr-FR" sz="2400" dirty="0" err="1"/>
+              <a:t>Netflix</a:t>
+            </a:r>
+            <a:r>
+              <a:rPr lang="fr-FR" sz="2400" dirty="0"/>
+              <a:t>, des musiques à écouter sur </a:t>
+            </a:r>
+            <a:r>
+              <a:rPr lang="fr-FR" sz="2400" dirty="0" err="1"/>
+              <a:t>Spotify</a:t>
+            </a:r>
+            <a:r>
+              <a:rPr lang="fr-FR" sz="2400" dirty="0"/>
+              <a:t>, </a:t>
+            </a:r>
+            <a:r>
+              <a:rPr lang="fr-FR" sz="2400" dirty="0" err="1"/>
+              <a:t>etc</a:t>
+            </a:r>
+            <a:endParaRPr lang="fr-FR" sz="2400" dirty="0"/>
+          </a:p>
+          <a:p>
+            <a:pPr lvl="1"/>
+            <a:r>
+              <a:rPr lang="fr-FR" sz="2000" dirty="0"/>
+              <a:t>La recommandation </a:t>
+            </a:r>
+            <a:r>
+              <a:rPr lang="fr-FR" sz="2000" dirty="0" err="1"/>
+              <a:t>Spotify</a:t>
+            </a:r>
+            <a:r>
+              <a:rPr lang="fr-FR" sz="2000" dirty="0"/>
+              <a:t> est en Python</a:t>
+            </a:r>
+          </a:p>
+          <a:p>
+            <a:r>
+              <a:rPr lang="fr-FR" sz="2400" dirty="0"/>
+              <a:t>Mais du coup c'est de la classification ? de la régression ? supervisé ? non-supervisé ?</a:t>
+            </a:r>
+          </a:p>
+          <a:p>
+            <a:r>
+              <a:rPr lang="fr-FR" sz="2400" dirty="0"/>
+              <a:t> Une technique largement répandue est le "collaborative </a:t>
+            </a:r>
+            <a:r>
+              <a:rPr lang="fr-FR" sz="2400" dirty="0" err="1"/>
+              <a:t>filtering</a:t>
+            </a:r>
+            <a:r>
+              <a:rPr lang="fr-FR" sz="2400" dirty="0"/>
+              <a:t>", qui se base sur des similarités</a:t>
+            </a:r>
+          </a:p>
+          <a:p>
+            <a:pPr lvl="1"/>
+            <a:r>
+              <a:rPr lang="fr-FR" sz="2000" dirty="0"/>
+              <a:t>c'est un problème non-supervisé</a:t>
+            </a:r>
+          </a:p>
+        </p:txBody>
+      </p:sp>
+    </p:spTree>
+    <p:extLst>
+      <p:ext uri="{BB962C8B-B14F-4D97-AF65-F5344CB8AC3E}">
+        <p14:creationId xmlns:p14="http://schemas.microsoft.com/office/powerpoint/2010/main" val="4087256749"/>
+      </p:ext>
+    </p:extLst>
+  </p:cSld>
+  <p:clrMapOvr>
+    <a:masterClrMapping/>
+  </p:clrMapOvr>
+</p:sld>
+</file>
+
+<file path=ppt/slides/slide27.xml><?xml version="1.0" encoding="utf-8"?>
+<p:sld xmlns:a="http://schemas.openxmlformats.org/drawingml/2006/main" xmlns:r="http://schemas.openxmlformats.org/officeDocument/2006/relationships" xmlns:p="http://schemas.openxmlformats.org/presentationml/2006/main">
+  <p:cSld>
+    <p:spTree>
+      <p:nvGrpSpPr>
+        <p:cNvPr id="1" name=""/>
+        <p:cNvGrpSpPr/>
+        <p:nvPr/>
+      </p:nvGrpSpPr>
+      <p:grpSpPr>
+        <a:xfrm>
+          <a:off x="0" y="0"/>
+          <a:ext cx="0" cy="0"/>
+          <a:chOff x="0" y="0"/>
+          <a:chExt cx="0" cy="0"/>
+        </a:xfrm>
+      </p:grpSpPr>
+      <p:sp>
+        <p:nvSpPr>
+          <p:cNvPr id="2" name="Titre 1"/>
+          <p:cNvSpPr>
+            <a:spLocks noGrp="1"/>
+          </p:cNvSpPr>
+          <p:nvPr>
+            <p:ph type="title"/>
+          </p:nvPr>
+        </p:nvSpPr>
+        <p:spPr/>
+        <p:txBody>
+          <a:bodyPr/>
+          <a:lstStyle/>
+          <a:p>
+            <a:r>
+              <a:rPr lang="fr-FR" dirty="0"/>
+              <a:t>Démarrer le machine </a:t>
             </a:r>
             <a:r>
               <a:rPr lang="fr-FR" dirty="0" err="1"/>
               <a:t>learning</a:t>
             </a:r>
-            <a:r>
-              <a:rPr lang="fr-FR" dirty="0"/>
-              <a:t> est de trouver un modèle qui effectue une approximation de la </a:t>
-            </a:r>
-            <a:r>
-              <a:rPr lang="fr-FR" dirty="0" smtClean="0"/>
-              <a:t>réalité, </a:t>
-            </a:r>
-            <a:r>
-              <a:rPr lang="fr-FR" dirty="0"/>
-              <a:t>à l’aide de laquelle on va pouvoir effectuer des </a:t>
-            </a:r>
-            <a:r>
-              <a:rPr lang="fr-FR" dirty="0" smtClean="0"/>
-              <a:t>prédictions</a:t>
-            </a:r>
-          </a:p>
-          <a:p>
-            <a:r>
-              <a:rPr lang="fr-FR" dirty="0" smtClean="0"/>
+            <a:endParaRPr lang="fr-FR" dirty="0"/>
+          </a:p>
+        </p:txBody>
+      </p:sp>
+      <p:sp>
+        <p:nvSpPr>
+          <p:cNvPr id="3" name="Espace réservé du contenu 2"/>
+          <p:cNvSpPr>
+            <a:spLocks noGrp="1"/>
+          </p:cNvSpPr>
+          <p:nvPr>
+            <p:ph idx="1"/>
+          </p:nvPr>
+        </p:nvSpPr>
+        <p:spPr/>
+        <p:txBody>
+          <a:bodyPr/>
+          <a:lstStyle/>
+          <a:p>
+            <a:r>
+              <a:rPr lang="fr-FR" dirty="0"/>
+              <a:t>Nous avons un </a:t>
+            </a:r>
+            <a:r>
+              <a:rPr lang="fr-FR" dirty="0" err="1"/>
+              <a:t>datalake</a:t>
+            </a:r>
+            <a:endParaRPr lang="fr-FR" dirty="0"/>
+          </a:p>
+          <a:p>
+            <a:r>
+              <a:rPr lang="fr-FR" dirty="0"/>
+              <a:t>Nous avons le </a:t>
+            </a:r>
+            <a:r>
+              <a:rPr lang="fr-FR" dirty="0" err="1"/>
+              <a:t>datamart</a:t>
+            </a:r>
+            <a:r>
+              <a:rPr lang="fr-FR" dirty="0"/>
+              <a:t> structuré et nettoyé</a:t>
+            </a:r>
+          </a:p>
+          <a:p>
+            <a:r>
+              <a:rPr lang="fr-FR" dirty="0"/>
+              <a:t>L’objectif du machine </a:t>
+            </a:r>
+            <a:r>
+              <a:rPr lang="fr-FR" dirty="0" err="1"/>
+              <a:t>learning</a:t>
+            </a:r>
+            <a:r>
+              <a:rPr lang="fr-FR" dirty="0"/>
+              <a:t> est de trouver un modèle qui effectue une approximation de la réalité, à l’aide de laquelle on va pouvoir effectuer des prédictions</a:t>
+            </a:r>
+          </a:p>
+          <a:p>
+            <a:r>
+              <a:rPr lang="fr-FR" dirty="0"/>
               <a:t>DATA = Model + Bruit</a:t>
             </a:r>
           </a:p>
           <a:p>
             <a:pPr lvl="1"/>
             <a:r>
-              <a:rPr lang="fr-FR" dirty="0" smtClean="0"/>
+              <a:rPr lang="fr-FR" dirty="0"/>
               <a:t>Model = cercle</a:t>
             </a:r>
           </a:p>
           <a:p>
             <a:pPr lvl="1"/>
             <a:r>
-              <a:rPr lang="fr-FR" dirty="0" smtClean="0"/>
+              <a:rPr lang="fr-FR" dirty="0"/>
               <a:t>Bruit = écart data réelle vs cercle</a:t>
             </a:r>
           </a:p>
@@ -6346,125 +6115,6 @@
   <p:clrMapOvr>
     <a:masterClrMapping/>
   </p:clrMapOvr>
-  <p:timing>
-    <p:tnLst>
-      <p:par>
-        <p:cTn id="1" dur="indefinite" restart="never" nodeType="tmRoot"/>
-      </p:par>
-    </p:tnLst>
-  </p:timing>
-</p:sld>
-</file>
-
-<file path=ppt/slides/slide27.xml><?xml version="1.0" encoding="utf-8"?>
-<p:sld xmlns:a="http://schemas.openxmlformats.org/drawingml/2006/main" xmlns:r="http://schemas.openxmlformats.org/officeDocument/2006/relationships" xmlns:p="http://schemas.openxmlformats.org/presentationml/2006/main">
-  <p:cSld>
-    <p:spTree>
-      <p:nvGrpSpPr>
-        <p:cNvPr id="1" name=""/>
-        <p:cNvGrpSpPr/>
-        <p:nvPr/>
-      </p:nvGrpSpPr>
-      <p:grpSpPr>
-        <a:xfrm>
-          <a:off x="0" y="0"/>
-          <a:ext cx="0" cy="0"/>
-          <a:chOff x="0" y="0"/>
-          <a:chExt cx="0" cy="0"/>
-        </a:xfrm>
-      </p:grpSpPr>
-      <p:sp>
-        <p:nvSpPr>
-          <p:cNvPr id="2" name="Titre 1"/>
-          <p:cNvSpPr>
-            <a:spLocks noGrp="1"/>
-          </p:cNvSpPr>
-          <p:nvPr>
-            <p:ph type="title"/>
-          </p:nvPr>
-        </p:nvSpPr>
-        <p:spPr/>
-        <p:txBody>
-          <a:bodyPr/>
-          <a:lstStyle/>
-          <a:p>
-            <a:r>
-              <a:rPr lang="fr-FR" dirty="0" err="1" smtClean="0"/>
-              <a:t>Loss</a:t>
-            </a:r>
-            <a:endParaRPr lang="fr-FR" dirty="0"/>
-          </a:p>
-        </p:txBody>
-      </p:sp>
-      <p:sp>
-        <p:nvSpPr>
-          <p:cNvPr id="3" name="Espace réservé du contenu 2"/>
-          <p:cNvSpPr>
-            <a:spLocks noGrp="1"/>
-          </p:cNvSpPr>
-          <p:nvPr>
-            <p:ph idx="1"/>
-          </p:nvPr>
-        </p:nvSpPr>
-        <p:spPr/>
-        <p:txBody>
-          <a:bodyPr/>
-          <a:lstStyle/>
-          <a:p>
-            <a:r>
-              <a:rPr lang="fr-FR" dirty="0"/>
-              <a:t>En apprentissage supervisé, la notion principale est celle de perte d’information (</a:t>
-            </a:r>
-            <a:r>
-              <a:rPr lang="fr-FR" dirty="0" err="1"/>
-              <a:t>loss</a:t>
-            </a:r>
-            <a:r>
-              <a:rPr lang="fr-FR" dirty="0"/>
-              <a:t> en anglais) due à l'approximation </a:t>
-            </a:r>
-            <a:r>
-              <a:rPr lang="fr-FR" dirty="0" smtClean="0"/>
-              <a:t>du modèle</a:t>
-            </a:r>
-          </a:p>
-          <a:p>
-            <a:r>
-              <a:rPr lang="fr-FR" dirty="0" smtClean="0"/>
-              <a:t>Elle </a:t>
-            </a:r>
-            <a:r>
-              <a:rPr lang="fr-FR" dirty="0"/>
-              <a:t>détermine à quel point notre modélisation du phénomène, qui est une approximation de la </a:t>
-            </a:r>
-            <a:r>
-              <a:rPr lang="fr-FR" dirty="0" smtClean="0"/>
-              <a:t>réalité (régression), </a:t>
-            </a:r>
-            <a:r>
-              <a:rPr lang="fr-FR" dirty="0"/>
-              <a:t>perd de l’information par rapport à la réalité observée à travers les données d’exemple</a:t>
-            </a:r>
-          </a:p>
-        </p:txBody>
-      </p:sp>
-    </p:spTree>
-    <p:extLst>
-      <p:ext uri="{BB962C8B-B14F-4D97-AF65-F5344CB8AC3E}">
-        <p14:creationId xmlns:p14="http://schemas.microsoft.com/office/powerpoint/2010/main" val="3147564616"/>
-      </p:ext>
-    </p:extLst>
-  </p:cSld>
-  <p:clrMapOvr>
-    <a:masterClrMapping/>
-  </p:clrMapOvr>
-  <p:timing>
-    <p:tnLst>
-      <p:par>
-        <p:cTn id="1" dur="indefinite" restart="never" nodeType="tmRoot"/>
-      </p:par>
-    </p:tnLst>
-  </p:timing>
 </p:sld>
 </file>
 
@@ -6501,16 +6151,8 @@
           <a:lstStyle/>
           <a:p>
             <a:r>
-              <a:rPr lang="fr-FR" altLang="fr-FR" dirty="0" err="1"/>
-              <a:t>Nearest</a:t>
-            </a:r>
-            <a:r>
-              <a:rPr lang="fr-FR" altLang="fr-FR" dirty="0"/>
-              <a:t> </a:t>
-            </a:r>
-            <a:r>
-              <a:rPr lang="fr-FR" altLang="fr-FR" dirty="0" smtClean="0"/>
-              <a:t>Neighbors</a:t>
+              <a:rPr lang="fr-FR" dirty="0" err="1"/>
+              <a:t>Loss</a:t>
             </a:r>
             <a:endParaRPr lang="fr-FR" dirty="0"/>
           </a:p>
@@ -6533,77 +6175,35 @@
           <a:p>
             <a:r>
               <a:rPr lang="fr-FR" dirty="0"/>
-              <a:t>Le k-NN est le diminutif de k </a:t>
+              <a:t>En apprentissage supervisé, la notion principale est celle de perte d’information (</a:t>
             </a:r>
             <a:r>
               <a:rPr lang="fr-FR" dirty="0" err="1"/>
-              <a:t>Nearest</a:t>
-            </a:r>
-            <a:r>
-              <a:rPr lang="fr-FR" dirty="0"/>
-              <a:t> </a:t>
-            </a:r>
-            <a:r>
-              <a:rPr lang="fr-FR" dirty="0" smtClean="0"/>
-              <a:t>Neighbors</a:t>
-            </a:r>
-          </a:p>
-          <a:p>
-            <a:r>
-              <a:rPr lang="fr-FR" dirty="0" smtClean="0"/>
-              <a:t>C’est </a:t>
-            </a:r>
-            <a:r>
-              <a:rPr lang="fr-FR" dirty="0"/>
-              <a:t>un algorithme qui peut servir autant pour la classification que la </a:t>
-            </a:r>
-            <a:r>
-              <a:rPr lang="fr-FR" dirty="0" smtClean="0"/>
-              <a:t>régression</a:t>
-            </a:r>
-          </a:p>
-          <a:p>
-            <a:r>
-              <a:rPr lang="fr-FR" dirty="0" smtClean="0"/>
-              <a:t>Son </a:t>
-            </a:r>
-            <a:r>
-              <a:rPr lang="fr-FR" dirty="0"/>
-              <a:t>principe </a:t>
-            </a:r>
-            <a:r>
-              <a:rPr lang="fr-FR" dirty="0" smtClean="0"/>
-              <a:t>est de choisir </a:t>
-            </a:r>
-            <a:r>
-              <a:rPr lang="fr-FR" dirty="0"/>
-              <a:t>les k données les plus proches du point étudié afin d’en prédire sa valeur</a:t>
-            </a:r>
-            <a:endParaRPr lang="fr-FR" dirty="0" smtClean="0"/>
-          </a:p>
-          <a:p>
-            <a:pPr lvl="1"/>
-            <a:endParaRPr lang="fr-FR" dirty="0"/>
+              <a:t>loss</a:t>
+            </a:r>
+            <a:r>
+              <a:rPr lang="fr-FR" dirty="0"/>
+              <a:t> en anglais) due à l'approximation du modèle</a:t>
+            </a:r>
+          </a:p>
+          <a:p>
+            <a:r>
+              <a:rPr lang="fr-FR" dirty="0"/>
+              <a:t>Elle détermine à quel point notre modélisation du phénomène, qui est une approximation de la réalité (régression), perd de l’information par rapport à la réalité observée à travers les données d’exemple</a:t>
+            </a:r>
           </a:p>
         </p:txBody>
       </p:sp>
     </p:spTree>
     <p:extLst>
       <p:ext uri="{BB962C8B-B14F-4D97-AF65-F5344CB8AC3E}">
-        <p14:creationId xmlns:p14="http://schemas.microsoft.com/office/powerpoint/2010/main" val="2921624976"/>
+        <p14:creationId xmlns:p14="http://schemas.microsoft.com/office/powerpoint/2010/main" val="3147564616"/>
       </p:ext>
     </p:extLst>
   </p:cSld>
   <p:clrMapOvr>
     <a:masterClrMapping/>
   </p:clrMapOvr>
-  <p:timing>
-    <p:tnLst>
-      <p:par>
-        <p:cTn id="1" dur="indefinite" restart="never" nodeType="tmRoot"/>
-      </p:par>
-    </p:tnLst>
-  </p:timing>
 </p:sld>
 </file>
 
@@ -6640,8 +6240,12 @@
           <a:lstStyle/>
           <a:p>
             <a:r>
-              <a:rPr lang="fr-FR" dirty="0" smtClean="0"/>
-              <a:t>Explication</a:t>
+              <a:rPr lang="fr-FR" altLang="fr-FR" dirty="0" err="1"/>
+              <a:t>Nearest</a:t>
+            </a:r>
+            <a:r>
+              <a:rPr lang="fr-FR" altLang="fr-FR" dirty="0"/>
+              <a:t> Neighbors</a:t>
             </a:r>
             <a:endParaRPr lang="fr-FR" dirty="0"/>
           </a:p>
@@ -6663,79 +6267,46 @@
           <a:lstStyle/>
           <a:p>
             <a:r>
-              <a:rPr lang="fr-FR" dirty="0" smtClean="0"/>
-              <a:t>Quelle est la classe de la nouvelle données (en blanc) ?</a:t>
-            </a:r>
-          </a:p>
-          <a:p>
-            <a:pPr marL="0" indent="0">
-              <a:buNone/>
-            </a:pPr>
-            <a:endParaRPr lang="fr-FR" dirty="0" smtClean="0"/>
-          </a:p>
-          <a:p>
+              <a:rPr lang="fr-FR" dirty="0"/>
+              <a:t>Le k-NN est le diminutif de k </a:t>
+            </a:r>
+            <a:r>
+              <a:rPr lang="fr-FR" dirty="0" err="1"/>
+              <a:t>Nearest</a:t>
+            </a:r>
+            <a:r>
+              <a:rPr lang="fr-FR" dirty="0"/>
+              <a:t> Neighbors</a:t>
+            </a:r>
+          </a:p>
+          <a:p>
+            <a:r>
+              <a:rPr lang="fr-FR" dirty="0"/>
+              <a:t>C’est un algorithme qui peut servir autant pour la classification que la régression</a:t>
+            </a:r>
+          </a:p>
+          <a:p>
+            <a:r>
+              <a:rPr lang="fr-FR" dirty="0"/>
+              <a:t>Son principe est de choisir les k données les plus proches du point étudié afin d’en prédire sa valeur</a:t>
+            </a:r>
+          </a:p>
+          <a:p>
+            <a:pPr lvl="1"/>
             <a:endParaRPr lang="fr-FR" dirty="0"/>
           </a:p>
         </p:txBody>
       </p:sp>
-      <p:pic>
-        <p:nvPicPr>
-          <p:cNvPr id="1028" name="Picture 4" descr="le point blanc est une nouvelle entrée"/>
-          <p:cNvPicPr>
-            <a:picLocks noChangeAspect="1" noChangeArrowheads="1"/>
-          </p:cNvPicPr>
-          <p:nvPr/>
-        </p:nvPicPr>
-        <p:blipFill>
-          <a:blip r:embed="rId2">
-            <a:extLst>
-              <a:ext uri="{28A0092B-C50C-407E-A947-70E740481C1C}">
-                <a14:useLocalDpi xmlns:a14="http://schemas.microsoft.com/office/drawing/2010/main" val="0"/>
-              </a:ext>
-            </a:extLst>
-          </a:blip>
-          <a:srcRect/>
-          <a:stretch>
-            <a:fillRect/>
-          </a:stretch>
-        </p:blipFill>
-        <p:spPr bwMode="auto">
-          <a:xfrm>
-            <a:off x="2411760" y="2276872"/>
-            <a:ext cx="5112568" cy="3507222"/>
-          </a:xfrm>
-          <a:prstGeom prst="rect">
-            <a:avLst/>
-          </a:prstGeom>
-          <a:noFill/>
-          <a:extLst>
-            <a:ext uri="{909E8E84-426E-40DD-AFC4-6F175D3DCCD1}">
-              <a14:hiddenFill xmlns:a14="http://schemas.microsoft.com/office/drawing/2010/main">
-                <a:solidFill>
-                  <a:srgbClr val="FFFFFF"/>
-                </a:solidFill>
-              </a14:hiddenFill>
-            </a:ext>
-          </a:extLst>
-        </p:spPr>
-      </p:pic>
     </p:spTree>
     <p:extLst>
       <p:ext uri="{BB962C8B-B14F-4D97-AF65-F5344CB8AC3E}">
-        <p14:creationId xmlns:p14="http://schemas.microsoft.com/office/powerpoint/2010/main" val="1878733558"/>
+        <p14:creationId xmlns:p14="http://schemas.microsoft.com/office/powerpoint/2010/main" val="2921624976"/>
       </p:ext>
     </p:extLst>
   </p:cSld>
   <p:clrMapOvr>
     <a:masterClrMapping/>
   </p:clrMapOvr>
-  <p:timing>
-    <p:tnLst>
-      <p:par>
-        <p:cTn id="1" dur="indefinite" restart="never" nodeType="tmRoot"/>
-      </p:par>
-    </p:tnLst>
-  </p:timing>
 </p:sld>
 </file>
 
@@ -6791,75 +6362,75 @@
           <a:lstStyle/>
           <a:p>
             <a:r>
-              <a:rPr lang="fr-FR" dirty="0" err="1" smtClean="0"/>
+              <a:rPr lang="fr-FR" dirty="0" err="1"/>
               <a:t>Scikit-learn</a:t>
             </a:r>
             <a:r>
-              <a:rPr lang="fr-FR" dirty="0" smtClean="0"/>
+              <a:rPr lang="fr-FR" dirty="0"/>
               <a:t> est le package de machine </a:t>
             </a:r>
             <a:r>
-              <a:rPr lang="fr-FR" dirty="0" err="1" smtClean="0"/>
+              <a:rPr lang="fr-FR" dirty="0" err="1"/>
               <a:t>learning</a:t>
             </a:r>
             <a:r>
-              <a:rPr lang="fr-FR" dirty="0" smtClean="0"/>
+              <a:rPr lang="fr-FR" dirty="0"/>
               <a:t> Python</a:t>
             </a:r>
           </a:p>
           <a:p>
             <a:pPr lvl="1"/>
             <a:r>
-              <a:rPr lang="fr-FR" dirty="0" smtClean="0"/>
+              <a:rPr lang="fr-FR" dirty="0"/>
               <a:t>Catégorisation</a:t>
             </a:r>
           </a:p>
           <a:p>
             <a:pPr lvl="1"/>
             <a:r>
-              <a:rPr lang="fr-FR" dirty="0" smtClean="0"/>
+              <a:rPr lang="fr-FR" dirty="0"/>
               <a:t>Régression</a:t>
             </a:r>
           </a:p>
           <a:p>
             <a:pPr lvl="1"/>
             <a:r>
-              <a:rPr lang="fr-FR" dirty="0" err="1" smtClean="0"/>
+              <a:rPr lang="fr-FR" dirty="0" err="1"/>
               <a:t>Clusterisation</a:t>
             </a:r>
             <a:r>
-              <a:rPr lang="fr-FR" dirty="0" smtClean="0"/>
+              <a:rPr lang="fr-FR" dirty="0"/>
               <a:t> (regroupement)</a:t>
             </a:r>
           </a:p>
           <a:p>
             <a:pPr lvl="1"/>
             <a:r>
-              <a:rPr lang="fr-FR" dirty="0" smtClean="0"/>
+              <a:rPr lang="fr-FR" dirty="0"/>
               <a:t>Réduction de dimension</a:t>
             </a:r>
           </a:p>
           <a:p>
             <a:pPr lvl="1"/>
             <a:r>
-              <a:rPr lang="fr-FR" dirty="0" smtClean="0"/>
+              <a:rPr lang="fr-FR" dirty="0"/>
               <a:t>Sélection de modèle</a:t>
             </a:r>
           </a:p>
           <a:p>
             <a:pPr lvl="1"/>
             <a:r>
-              <a:rPr lang="fr-FR" dirty="0" err="1" smtClean="0"/>
+              <a:rPr lang="fr-FR" dirty="0" err="1"/>
               <a:t>Preprocessing</a:t>
             </a:r>
             <a:r>
-              <a:rPr lang="fr-FR" dirty="0" smtClean="0"/>
+              <a:rPr lang="fr-FR" dirty="0"/>
               <a:t> (Filtrage, Randomisation)</a:t>
             </a:r>
           </a:p>
           <a:p>
             <a:pPr lvl="1"/>
-            <a:endParaRPr lang="fr-FR" dirty="0" smtClean="0"/>
+            <a:endParaRPr lang="fr-FR" dirty="0"/>
           </a:p>
           <a:p>
             <a:pPr lvl="1"/>
@@ -6942,13 +6513,6 @@
   <p:clrMapOvr>
     <a:masterClrMapping/>
   </p:clrMapOvr>
-  <p:timing>
-    <p:tnLst>
-      <p:par>
-        <p:cTn id="1" dur="indefinite" restart="never" nodeType="tmRoot"/>
-      </p:par>
-    </p:tnLst>
-  </p:timing>
 </p:sld>
 </file>
 
@@ -6985,10 +6549,9 @@
           <a:lstStyle/>
           <a:p>
             <a:r>
-              <a:rPr lang="fr-FR" dirty="0" err="1" smtClean="0"/>
-              <a:t>knn</a:t>
-            </a:r>
-            <a:endParaRPr lang="fr-FR" dirty="0"/>
+              <a:rPr lang="fr-FR" dirty="0"/>
+              <a:t>Explication</a:t>
+            </a:r>
           </a:p>
         </p:txBody>
       </p:sp>
@@ -7008,24 +6571,148 @@
           <a:lstStyle/>
           <a:p>
             <a:r>
-              <a:rPr lang="fr-FR" dirty="0" smtClean="0"/>
+              <a:rPr lang="fr-FR" dirty="0"/>
+              <a:t>Quelle est la classe de la nouvelle données (en blanc) ?</a:t>
+            </a:r>
+          </a:p>
+          <a:p>
+            <a:pPr marL="0" indent="0">
+              <a:buNone/>
+            </a:pPr>
+            <a:endParaRPr lang="fr-FR" dirty="0"/>
+          </a:p>
+          <a:p>
+            <a:endParaRPr lang="fr-FR" dirty="0"/>
+          </a:p>
+        </p:txBody>
+      </p:sp>
+      <p:pic>
+        <p:nvPicPr>
+          <p:cNvPr id="1028" name="Picture 4" descr="le point blanc est une nouvelle entrée"/>
+          <p:cNvPicPr>
+            <a:picLocks noChangeAspect="1" noChangeArrowheads="1"/>
+          </p:cNvPicPr>
+          <p:nvPr/>
+        </p:nvPicPr>
+        <p:blipFill>
+          <a:blip r:embed="rId2">
+            <a:extLst>
+              <a:ext uri="{28A0092B-C50C-407E-A947-70E740481C1C}">
+                <a14:useLocalDpi xmlns:a14="http://schemas.microsoft.com/office/drawing/2010/main" val="0"/>
+              </a:ext>
+            </a:extLst>
+          </a:blip>
+          <a:srcRect/>
+          <a:stretch>
+            <a:fillRect/>
+          </a:stretch>
+        </p:blipFill>
+        <p:spPr bwMode="auto">
+          <a:xfrm>
+            <a:off x="2411760" y="2276872"/>
+            <a:ext cx="5112568" cy="3507222"/>
+          </a:xfrm>
+          <a:prstGeom prst="rect">
+            <a:avLst/>
+          </a:prstGeom>
+          <a:noFill/>
+          <a:extLst>
+            <a:ext uri="{909E8E84-426E-40DD-AFC4-6F175D3DCCD1}">
+              <a14:hiddenFill xmlns:a14="http://schemas.microsoft.com/office/drawing/2010/main">
+                <a:solidFill>
+                  <a:srgbClr val="FFFFFF"/>
+                </a:solidFill>
+              </a14:hiddenFill>
+            </a:ext>
+          </a:extLst>
+        </p:spPr>
+      </p:pic>
+    </p:spTree>
+    <p:extLst>
+      <p:ext uri="{BB962C8B-B14F-4D97-AF65-F5344CB8AC3E}">
+        <p14:creationId xmlns:p14="http://schemas.microsoft.com/office/powerpoint/2010/main" val="1878733558"/>
+      </p:ext>
+    </p:extLst>
+  </p:cSld>
+  <p:clrMapOvr>
+    <a:masterClrMapping/>
+  </p:clrMapOvr>
+</p:sld>
+</file>
+
+<file path=ppt/slides/slide31.xml><?xml version="1.0" encoding="utf-8"?>
+<p:sld xmlns:a="http://schemas.openxmlformats.org/drawingml/2006/main" xmlns:r="http://schemas.openxmlformats.org/officeDocument/2006/relationships" xmlns:p="http://schemas.openxmlformats.org/presentationml/2006/main">
+  <p:cSld>
+    <p:spTree>
+      <p:nvGrpSpPr>
+        <p:cNvPr id="1" name=""/>
+        <p:cNvGrpSpPr/>
+        <p:nvPr/>
+      </p:nvGrpSpPr>
+      <p:grpSpPr>
+        <a:xfrm>
+          <a:off x="0" y="0"/>
+          <a:ext cx="0" cy="0"/>
+          <a:chOff x="0" y="0"/>
+          <a:chExt cx="0" cy="0"/>
+        </a:xfrm>
+      </p:grpSpPr>
+      <p:sp>
+        <p:nvSpPr>
+          <p:cNvPr id="2" name="Titre 1"/>
+          <p:cNvSpPr>
+            <a:spLocks noGrp="1"/>
+          </p:cNvSpPr>
+          <p:nvPr>
+            <p:ph type="title"/>
+          </p:nvPr>
+        </p:nvSpPr>
+        <p:spPr/>
+        <p:txBody>
+          <a:bodyPr/>
+          <a:lstStyle/>
+          <a:p>
+            <a:r>
+              <a:rPr lang="fr-FR" dirty="0" err="1"/>
+              <a:t>knn</a:t>
+            </a:r>
+            <a:endParaRPr lang="fr-FR" dirty="0"/>
+          </a:p>
+        </p:txBody>
+      </p:sp>
+      <p:sp>
+        <p:nvSpPr>
+          <p:cNvPr id="3" name="Espace réservé du contenu 2"/>
+          <p:cNvSpPr>
+            <a:spLocks noGrp="1"/>
+          </p:cNvSpPr>
+          <p:nvPr>
+            <p:ph idx="1"/>
+          </p:nvPr>
+        </p:nvSpPr>
+        <p:spPr/>
+        <p:txBody>
+          <a:bodyPr/>
+          <a:lstStyle/>
+          <a:p>
+            <a:r>
+              <a:rPr lang="fr-FR" dirty="0"/>
               <a:t>Nous allons regarder la distance avec les k voisins les plus proches</a:t>
             </a:r>
           </a:p>
           <a:p>
             <a:pPr lvl="1"/>
             <a:r>
-              <a:rPr lang="fr-FR" dirty="0" smtClean="0"/>
+              <a:rPr lang="fr-FR" dirty="0"/>
               <a:t>Ici 5</a:t>
             </a:r>
           </a:p>
           <a:p>
             <a:pPr lvl="1"/>
             <a:r>
-              <a:rPr lang="fr-FR" dirty="0" smtClean="0"/>
+              <a:rPr lang="fr-FR" dirty="0"/>
               <a:t>Rouge</a:t>
             </a:r>
-            <a:endParaRPr lang="fr-FR" dirty="0"/>
           </a:p>
         </p:txBody>
       </p:sp>
@@ -7080,201 +6767,6 @@
   <p:clrMapOvr>
     <a:masterClrMapping/>
   </p:clrMapOvr>
-  <p:timing>
-    <p:tnLst>
-      <p:par>
-        <p:cTn id="1" dur="indefinite" restart="never" nodeType="tmRoot"/>
-      </p:par>
-    </p:tnLst>
-  </p:timing>
-</p:sld>
-</file>
-
-<file path=ppt/slides/slide31.xml><?xml version="1.0" encoding="utf-8"?>
-<p:sld xmlns:a="http://schemas.openxmlformats.org/drawingml/2006/main" xmlns:r="http://schemas.openxmlformats.org/officeDocument/2006/relationships" xmlns:p="http://schemas.openxmlformats.org/presentationml/2006/main">
-  <p:cSld>
-    <p:spTree>
-      <p:nvGrpSpPr>
-        <p:cNvPr id="1" name=""/>
-        <p:cNvGrpSpPr/>
-        <p:nvPr/>
-      </p:nvGrpSpPr>
-      <p:grpSpPr>
-        <a:xfrm>
-          <a:off x="0" y="0"/>
-          <a:ext cx="0" cy="0"/>
-          <a:chOff x="0" y="0"/>
-          <a:chExt cx="0" cy="0"/>
-        </a:xfrm>
-      </p:grpSpPr>
-      <p:sp>
-        <p:nvSpPr>
-          <p:cNvPr id="2" name="Titre 1"/>
-          <p:cNvSpPr>
-            <a:spLocks noGrp="1"/>
-          </p:cNvSpPr>
-          <p:nvPr>
-            <p:ph type="title"/>
-          </p:nvPr>
-        </p:nvSpPr>
-        <p:spPr/>
-        <p:txBody>
-          <a:bodyPr/>
-          <a:lstStyle/>
-          <a:p>
-            <a:r>
-              <a:rPr lang="fr-FR" dirty="0" smtClean="0"/>
-              <a:t>Algorithmes</a:t>
-            </a:r>
-            <a:endParaRPr lang="fr-FR" dirty="0"/>
-          </a:p>
-        </p:txBody>
-      </p:sp>
-      <p:sp>
-        <p:nvSpPr>
-          <p:cNvPr id="3" name="Espace réservé du contenu 2"/>
-          <p:cNvSpPr>
-            <a:spLocks noGrp="1"/>
-          </p:cNvSpPr>
-          <p:nvPr>
-            <p:ph idx="1"/>
-          </p:nvPr>
-        </p:nvSpPr>
-        <p:spPr/>
-        <p:txBody>
-          <a:bodyPr/>
-          <a:lstStyle/>
-          <a:p>
-            <a:r>
-              <a:rPr lang="fr-FR" sz="2400" dirty="0" smtClean="0"/>
-              <a:t>Il existe plusieurs algorithmes </a:t>
-            </a:r>
-            <a:r>
-              <a:rPr lang="fr-FR" sz="2400" dirty="0" err="1" smtClean="0"/>
-              <a:t>knn</a:t>
-            </a:r>
-            <a:endParaRPr lang="fr-FR" sz="2400" dirty="0" smtClean="0"/>
-          </a:p>
-          <a:p>
-            <a:r>
-              <a:rPr lang="fr-FR" sz="2400" dirty="0" smtClean="0"/>
-              <a:t>Brute Force</a:t>
-            </a:r>
-          </a:p>
-          <a:p>
-            <a:pPr lvl="1"/>
-            <a:r>
-              <a:rPr lang="fr-FR" sz="2000" dirty="0" smtClean="0"/>
-              <a:t>Etablit la distance entre tous les points</a:t>
-            </a:r>
-          </a:p>
-          <a:p>
-            <a:pPr lvl="1"/>
-            <a:r>
-              <a:rPr lang="fr-FR" sz="2000" dirty="0" smtClean="0"/>
-              <a:t>Très bon, mais très couteux pour les gros </a:t>
-            </a:r>
-            <a:r>
-              <a:rPr lang="fr-FR" sz="2000" dirty="0" err="1" smtClean="0"/>
-              <a:t>datasets</a:t>
-            </a:r>
-            <a:endParaRPr lang="fr-FR" sz="2000" dirty="0" smtClean="0"/>
-          </a:p>
-          <a:p>
-            <a:pPr lvl="1"/>
-            <a:r>
-              <a:rPr lang="fr-FR" sz="2000" dirty="0" smtClean="0"/>
-              <a:t>O(n²)</a:t>
-            </a:r>
-          </a:p>
-          <a:p>
-            <a:r>
-              <a:rPr lang="fr-FR" sz="2400" dirty="0" err="1" smtClean="0"/>
-              <a:t>KDTree</a:t>
-            </a:r>
-            <a:endParaRPr lang="fr-FR" sz="2400" dirty="0" smtClean="0"/>
-          </a:p>
-          <a:p>
-            <a:pPr lvl="1"/>
-            <a:r>
-              <a:rPr lang="fr-FR" sz="2000" dirty="0" smtClean="0"/>
-              <a:t>Elimine des distances</a:t>
-            </a:r>
-          </a:p>
-          <a:p>
-            <a:pPr lvl="1"/>
-            <a:r>
-              <a:rPr lang="fr-FR" sz="2000" dirty="0" smtClean="0"/>
-              <a:t>Si A est loin de B et B proche de C alors A est loin de C</a:t>
-            </a:r>
-          </a:p>
-          <a:p>
-            <a:pPr lvl="1"/>
-            <a:r>
-              <a:rPr lang="fr-FR" sz="2000" dirty="0" smtClean="0"/>
-              <a:t>O(n.log(n))</a:t>
-            </a:r>
-          </a:p>
-          <a:p>
-            <a:r>
-              <a:rPr lang="fr-FR" sz="2400" dirty="0" err="1" smtClean="0"/>
-              <a:t>BallTree</a:t>
-            </a:r>
-            <a:endParaRPr lang="fr-FR" sz="2400" dirty="0" smtClean="0"/>
-          </a:p>
-          <a:p>
-            <a:pPr lvl="1"/>
-            <a:r>
-              <a:rPr lang="fr-FR" sz="2000" dirty="0" smtClean="0"/>
-              <a:t>Sépare les données en partitions</a:t>
-            </a:r>
-          </a:p>
-          <a:p>
-            <a:pPr lvl="1"/>
-            <a:r>
-              <a:rPr lang="fr-FR" sz="2000" dirty="0" smtClean="0"/>
-              <a:t>Peut être très efficace ou très </a:t>
-            </a:r>
-            <a:r>
-              <a:rPr lang="fr-FR" sz="2000" dirty="0" err="1" smtClean="0"/>
-              <a:t>inneficace</a:t>
-            </a:r>
-            <a:endParaRPr lang="fr-FR" sz="2000" dirty="0" smtClean="0"/>
-          </a:p>
-          <a:p>
-            <a:r>
-              <a:rPr lang="fr-FR" sz="2400" dirty="0" smtClean="0"/>
-              <a:t>Par défaut </a:t>
-            </a:r>
-            <a:r>
-              <a:rPr lang="fr-FR" sz="2400" dirty="0" err="1" smtClean="0"/>
-              <a:t>sklearn</a:t>
-            </a:r>
-            <a:r>
-              <a:rPr lang="fr-FR" sz="2400" dirty="0" smtClean="0"/>
-              <a:t> essaie de choisir le meilleur</a:t>
-            </a:r>
-            <a:endParaRPr lang="fr-FR" sz="2400" dirty="0"/>
-          </a:p>
-        </p:txBody>
-      </p:sp>
-    </p:spTree>
-    <p:extLst>
-      <p:ext uri="{BB962C8B-B14F-4D97-AF65-F5344CB8AC3E}">
-        <p14:creationId xmlns:p14="http://schemas.microsoft.com/office/powerpoint/2010/main" val="1020297901"/>
-      </p:ext>
-    </p:extLst>
-  </p:cSld>
-  <p:clrMapOvr>
-    <a:masterClrMapping/>
-  </p:clrMapOvr>
-  <p:timing>
-    <p:tnLst>
-      <p:par>
-        <p:cTn id="1" dur="indefinite" restart="never" nodeType="tmRoot"/>
-      </p:par>
-    </p:tnLst>
-  </p:timing>
 </p:sld>
 </file>
 
@@ -7311,10 +6803,9 @@
           <a:lstStyle/>
           <a:p>
             <a:r>
-              <a:rPr lang="fr-FR" dirty="0" smtClean="0"/>
-              <a:t>Modèle</a:t>
-            </a:r>
-            <a:endParaRPr lang="fr-FR" dirty="0"/>
+              <a:rPr lang="fr-FR" dirty="0"/>
+              <a:t>Algorithmes</a:t>
+            </a:r>
           </a:p>
         </p:txBody>
       </p:sp>
@@ -7334,175 +6825,113 @@
           <a:lstStyle/>
           <a:p>
             <a:r>
-              <a:rPr lang="fr-FR" dirty="0">
-                <a:latin typeface="Courier New" panose="02070309020205020404" pitchFamily="49" charset="0"/>
-                <a:cs typeface="Courier New" panose="02070309020205020404" pitchFamily="49" charset="0"/>
-              </a:rPr>
-              <a:t>import </a:t>
-            </a:r>
-            <a:r>
-              <a:rPr lang="fr-FR" dirty="0" err="1">
-                <a:latin typeface="Courier New" panose="02070309020205020404" pitchFamily="49" charset="0"/>
-                <a:cs typeface="Courier New" panose="02070309020205020404" pitchFamily="49" charset="0"/>
-              </a:rPr>
-              <a:t>sklearn.neighbors</a:t>
-            </a:r>
-            <a:r>
-              <a:rPr lang="fr-FR" dirty="0">
-                <a:latin typeface="Courier New" panose="02070309020205020404" pitchFamily="49" charset="0"/>
-                <a:cs typeface="Courier New" panose="02070309020205020404" pitchFamily="49" charset="0"/>
-              </a:rPr>
-              <a:t> as </a:t>
-            </a:r>
-            <a:r>
-              <a:rPr lang="fr-FR" dirty="0" err="1">
-                <a:latin typeface="Courier New" panose="02070309020205020404" pitchFamily="49" charset="0"/>
-                <a:cs typeface="Courier New" panose="02070309020205020404" pitchFamily="49" charset="0"/>
-              </a:rPr>
-              <a:t>nn</a:t>
-            </a:r>
-            <a:endParaRPr lang="fr-FR" dirty="0">
-              <a:latin typeface="Courier New" panose="02070309020205020404" pitchFamily="49" charset="0"/>
-              <a:cs typeface="Courier New" panose="02070309020205020404" pitchFamily="49" charset="0"/>
-            </a:endParaRPr>
-          </a:p>
-          <a:p>
-            <a:r>
-              <a:rPr lang="fr-FR" dirty="0" smtClean="0">
-                <a:latin typeface="Courier New" panose="02070309020205020404" pitchFamily="49" charset="0"/>
-                <a:cs typeface="Courier New" panose="02070309020205020404" pitchFamily="49" charset="0"/>
-              </a:rPr>
-              <a:t>model </a:t>
-            </a:r>
-            <a:r>
-              <a:rPr lang="fr-FR" dirty="0">
-                <a:latin typeface="Courier New" panose="02070309020205020404" pitchFamily="49" charset="0"/>
-                <a:cs typeface="Courier New" panose="02070309020205020404" pitchFamily="49" charset="0"/>
-              </a:rPr>
-              <a:t>= </a:t>
-            </a:r>
-            <a:r>
-              <a:rPr lang="fr-FR" dirty="0" err="1" smtClean="0">
-                <a:latin typeface="Courier New" panose="02070309020205020404" pitchFamily="49" charset="0"/>
-                <a:cs typeface="Courier New" panose="02070309020205020404" pitchFamily="49" charset="0"/>
-              </a:rPr>
-              <a:t>nn.KNeighborsClassifier</a:t>
-            </a:r>
-            <a:r>
-              <a:rPr lang="fr-FR" dirty="0" smtClean="0">
-                <a:latin typeface="Courier New" panose="02070309020205020404" pitchFamily="49" charset="0"/>
-                <a:cs typeface="Courier New" panose="02070309020205020404" pitchFamily="49" charset="0"/>
-              </a:rPr>
-              <a:t>(</a:t>
-            </a:r>
-            <a:r>
-              <a:rPr lang="fr-FR" dirty="0" err="1" smtClean="0">
-                <a:latin typeface="Courier New" panose="02070309020205020404" pitchFamily="49" charset="0"/>
-                <a:cs typeface="Courier New" panose="02070309020205020404" pitchFamily="49" charset="0"/>
-              </a:rPr>
-              <a:t>n_neighbors</a:t>
-            </a:r>
-            <a:r>
-              <a:rPr lang="fr-FR" dirty="0" smtClean="0">
-                <a:latin typeface="Courier New" panose="02070309020205020404" pitchFamily="49" charset="0"/>
-                <a:cs typeface="Courier New" panose="02070309020205020404" pitchFamily="49" charset="0"/>
-              </a:rPr>
-              <a:t>=3</a:t>
-            </a:r>
-            <a:r>
-              <a:rPr lang="fr-FR" dirty="0">
-                <a:latin typeface="Courier New" panose="02070309020205020404" pitchFamily="49" charset="0"/>
-                <a:cs typeface="Courier New" panose="02070309020205020404" pitchFamily="49" charset="0"/>
-              </a:rPr>
-              <a:t>)</a:t>
-            </a:r>
-          </a:p>
-          <a:p>
-            <a:r>
-              <a:rPr lang="fr-FR" dirty="0" err="1">
-                <a:latin typeface="Courier New" panose="02070309020205020404" pitchFamily="49" charset="0"/>
-                <a:cs typeface="Courier New" panose="02070309020205020404" pitchFamily="49" charset="0"/>
-              </a:rPr>
-              <a:t>model.fit</a:t>
-            </a:r>
-            <a:r>
-              <a:rPr lang="fr-FR" dirty="0">
-                <a:latin typeface="Courier New" panose="02070309020205020404" pitchFamily="49" charset="0"/>
-                <a:cs typeface="Courier New" panose="02070309020205020404" pitchFamily="49" charset="0"/>
-              </a:rPr>
-              <a:t>(</a:t>
-            </a:r>
-            <a:r>
-              <a:rPr lang="fr-FR" dirty="0" err="1">
-                <a:latin typeface="Courier New" panose="02070309020205020404" pitchFamily="49" charset="0"/>
-                <a:cs typeface="Courier New" panose="02070309020205020404" pitchFamily="49" charset="0"/>
-              </a:rPr>
-              <a:t>xtrain</a:t>
-            </a:r>
-            <a:r>
-              <a:rPr lang="fr-FR" dirty="0">
-                <a:latin typeface="Courier New" panose="02070309020205020404" pitchFamily="49" charset="0"/>
-                <a:cs typeface="Courier New" panose="02070309020205020404" pitchFamily="49" charset="0"/>
-              </a:rPr>
-              <a:t>, </a:t>
-            </a:r>
-            <a:r>
-              <a:rPr lang="fr-FR" dirty="0" err="1">
-                <a:latin typeface="Courier New" panose="02070309020205020404" pitchFamily="49" charset="0"/>
-                <a:cs typeface="Courier New" panose="02070309020205020404" pitchFamily="49" charset="0"/>
-              </a:rPr>
-              <a:t>ytrain</a:t>
-            </a:r>
-            <a:r>
-              <a:rPr lang="fr-FR" dirty="0">
-                <a:latin typeface="Courier New" panose="02070309020205020404" pitchFamily="49" charset="0"/>
-                <a:cs typeface="Courier New" panose="02070309020205020404" pitchFamily="49" charset="0"/>
-              </a:rPr>
-              <a:t>)</a:t>
-            </a:r>
-          </a:p>
-          <a:p>
-            <a:r>
-              <a:rPr lang="fr-FR" dirty="0" err="1" smtClean="0">
-                <a:latin typeface="Courier New" panose="02070309020205020404" pitchFamily="49" charset="0"/>
-                <a:cs typeface="Courier New" panose="02070309020205020404" pitchFamily="49" charset="0"/>
-              </a:rPr>
-              <a:t>model.score</a:t>
-            </a:r>
-            <a:r>
-              <a:rPr lang="fr-FR" dirty="0" smtClean="0">
-                <a:latin typeface="Courier New" panose="02070309020205020404" pitchFamily="49" charset="0"/>
-                <a:cs typeface="Courier New" panose="02070309020205020404" pitchFamily="49" charset="0"/>
-              </a:rPr>
-              <a:t>(</a:t>
-            </a:r>
-            <a:r>
-              <a:rPr lang="fr-FR" dirty="0" err="1" smtClean="0">
-                <a:latin typeface="Courier New" panose="02070309020205020404" pitchFamily="49" charset="0"/>
-                <a:cs typeface="Courier New" panose="02070309020205020404" pitchFamily="49" charset="0"/>
-              </a:rPr>
-              <a:t>xtest</a:t>
-            </a:r>
-            <a:r>
-              <a:rPr lang="fr-FR" dirty="0">
-                <a:latin typeface="Courier New" panose="02070309020205020404" pitchFamily="49" charset="0"/>
-                <a:cs typeface="Courier New" panose="02070309020205020404" pitchFamily="49" charset="0"/>
-              </a:rPr>
-              <a:t>, </a:t>
-            </a:r>
-            <a:r>
-              <a:rPr lang="fr-FR" dirty="0" err="1">
-                <a:latin typeface="Courier New" panose="02070309020205020404" pitchFamily="49" charset="0"/>
-                <a:cs typeface="Courier New" panose="02070309020205020404" pitchFamily="49" charset="0"/>
-              </a:rPr>
-              <a:t>ytest</a:t>
-            </a:r>
-            <a:r>
-              <a:rPr lang="fr-FR" dirty="0">
-                <a:latin typeface="Courier New" panose="02070309020205020404" pitchFamily="49" charset="0"/>
-                <a:cs typeface="Courier New" panose="02070309020205020404" pitchFamily="49" charset="0"/>
-              </a:rPr>
-              <a:t>)</a:t>
+              <a:rPr lang="fr-FR" sz="2400" dirty="0"/>
+              <a:t>Il existe plusieurs algorithmes </a:t>
+            </a:r>
+            <a:r>
+              <a:rPr lang="fr-FR" sz="2400" dirty="0" err="1"/>
+              <a:t>knn</a:t>
+            </a:r>
+            <a:endParaRPr lang="fr-FR" sz="2400" dirty="0"/>
+          </a:p>
+          <a:p>
+            <a:r>
+              <a:rPr lang="fr-FR" sz="2400" dirty="0"/>
+              <a:t>Brute Force</a:t>
+            </a:r>
+          </a:p>
+          <a:p>
+            <a:pPr lvl="1"/>
+            <a:r>
+              <a:rPr lang="fr-FR" sz="2000" dirty="0"/>
+              <a:t>Etablit la distance entre tous les points</a:t>
+            </a:r>
+          </a:p>
+          <a:p>
+            <a:pPr lvl="1"/>
+            <a:r>
+              <a:rPr lang="fr-FR" sz="2000" dirty="0"/>
+              <a:t>Très bon, mais très couteux pour les gros </a:t>
+            </a:r>
+            <a:r>
+              <a:rPr lang="fr-FR" sz="2000" dirty="0" err="1"/>
+              <a:t>datasets</a:t>
+            </a:r>
+            <a:endParaRPr lang="fr-FR" sz="2000" dirty="0"/>
+          </a:p>
+          <a:p>
+            <a:pPr lvl="1"/>
+            <a:r>
+              <a:rPr lang="fr-FR" sz="2000" dirty="0"/>
+              <a:t>O(n²)</a:t>
+            </a:r>
+          </a:p>
+          <a:p>
+            <a:r>
+              <a:rPr lang="fr-FR" sz="2400" dirty="0" err="1"/>
+              <a:t>KDTree</a:t>
+            </a:r>
+            <a:endParaRPr lang="fr-FR" sz="2400" dirty="0"/>
+          </a:p>
+          <a:p>
+            <a:pPr lvl="1"/>
+            <a:r>
+              <a:rPr lang="fr-FR" sz="2000" dirty="0"/>
+              <a:t>Elimine des distances</a:t>
+            </a:r>
+          </a:p>
+          <a:p>
+            <a:pPr lvl="1"/>
+            <a:r>
+              <a:rPr lang="fr-FR" sz="2000" dirty="0"/>
+              <a:t>Si A est loin de B et B proche de C alors A est loin de C</a:t>
+            </a:r>
+          </a:p>
+          <a:p>
+            <a:pPr lvl="1"/>
+            <a:r>
+              <a:rPr lang="fr-FR" sz="2000" dirty="0"/>
+              <a:t>O(n.log(n))</a:t>
+            </a:r>
+          </a:p>
+          <a:p>
+            <a:r>
+              <a:rPr lang="fr-FR" sz="2400" dirty="0" err="1"/>
+              <a:t>BallTree</a:t>
+            </a:r>
+            <a:endParaRPr lang="fr-FR" sz="2400" dirty="0"/>
+          </a:p>
+          <a:p>
+            <a:pPr lvl="1"/>
+            <a:r>
+              <a:rPr lang="fr-FR" sz="2000" dirty="0"/>
+              <a:t>Sépare les données en partitions</a:t>
+            </a:r>
+          </a:p>
+          <a:p>
+            <a:pPr lvl="1"/>
+            <a:r>
+              <a:rPr lang="fr-FR" sz="2000" dirty="0"/>
+              <a:t>Peut être très efficace ou très </a:t>
+            </a:r>
+            <a:r>
+              <a:rPr lang="fr-FR" sz="2000" dirty="0" err="1"/>
+              <a:t>inneficace</a:t>
+            </a:r>
+            <a:endParaRPr lang="fr-FR" sz="2000" dirty="0"/>
+          </a:p>
+          <a:p>
+            <a:r>
+              <a:rPr lang="fr-FR" sz="2400" dirty="0"/>
+              <a:t>Par défaut </a:t>
+            </a:r>
+            <a:r>
+              <a:rPr lang="fr-FR" sz="2400" dirty="0" err="1"/>
+              <a:t>sklearn</a:t>
+            </a:r>
+            <a:r>
+              <a:rPr lang="fr-FR" sz="2400" dirty="0"/>
+              <a:t> essaie de choisir le meilleur</a:t>
             </a:r>
           </a:p>
         </p:txBody>
@@ -7510,20 +6939,13 @@
     </p:spTree>
     <p:extLst>
       <p:ext uri="{BB962C8B-B14F-4D97-AF65-F5344CB8AC3E}">
-        <p14:creationId xmlns:p14="http://schemas.microsoft.com/office/powerpoint/2010/main" val="1585307059"/>
+        <p14:creationId xmlns:p14="http://schemas.microsoft.com/office/powerpoint/2010/main" val="1020297901"/>
       </p:ext>
     </p:extLst>
   </p:cSld>
   <p:clrMapOvr>
     <a:masterClrMapping/>
   </p:clrMapOvr>
-  <p:timing>
-    <p:tnLst>
-      <p:par>
-        <p:cTn id="1" dur="indefinite" restart="never" nodeType="tmRoot"/>
-      </p:par>
-    </p:tnLst>
-  </p:timing>
 </p:sld>
 </file>
 
@@ -7560,10 +6982,9 @@
           <a:lstStyle/>
           <a:p>
             <a:r>
-              <a:rPr lang="fr-FR" dirty="0" smtClean="0"/>
-              <a:t>Minimisation de l’erreur</a:t>
-            </a:r>
-            <a:endParaRPr lang="fr-FR" dirty="0"/>
+              <a:rPr lang="fr-FR" dirty="0"/>
+              <a:t>Modèle</a:t>
+            </a:r>
           </a:p>
         </p:txBody>
       </p:sp>
@@ -7583,76 +7004,113 @@
           <a:lstStyle/>
           <a:p>
             <a:r>
-              <a:rPr lang="fr-FR" dirty="0" smtClean="0"/>
-              <a:t>Il faut faire varier le </a:t>
-            </a:r>
-            <a:r>
-              <a:rPr lang="fr-FR" dirty="0" err="1" smtClean="0"/>
-              <a:t>n_neighbors</a:t>
-            </a:r>
-            <a:r>
-              <a:rPr lang="fr-FR" dirty="0" smtClean="0"/>
-              <a:t> entre 2 et 15</a:t>
-            </a:r>
-          </a:p>
-          <a:p>
-            <a:pPr marL="0" indent="0">
-              <a:buNone/>
-            </a:pPr>
-            <a:r>
-              <a:rPr lang="fr-FR" sz="1800" dirty="0" err="1">
+              <a:rPr lang="fr-FR" dirty="0">
                 <a:latin typeface="Courier New" panose="02070309020205020404" pitchFamily="49" charset="0"/>
                 <a:cs typeface="Courier New" panose="02070309020205020404" pitchFamily="49" charset="0"/>
               </a:rPr>
-              <a:t>errors</a:t>
-            </a:r>
-            <a:r>
-              <a:rPr lang="fr-FR" sz="1800" dirty="0">
+              <a:t>import </a:t>
+            </a:r>
+            <a:r>
+              <a:rPr lang="fr-FR" dirty="0" err="1">
                 <a:latin typeface="Courier New" panose="02070309020205020404" pitchFamily="49" charset="0"/>
                 <a:cs typeface="Courier New" panose="02070309020205020404" pitchFamily="49" charset="0"/>
               </a:rPr>
-              <a:t> = []</a:t>
-            </a:r>
-          </a:p>
-          <a:p>
-            <a:pPr marL="0" indent="0">
-              <a:buNone/>
-            </a:pPr>
-            <a:r>
-              <a:rPr lang="fr-FR" sz="1800" dirty="0">
+              <a:t>sklearn.neighbors</a:t>
+            </a:r>
+            <a:r>
+              <a:rPr lang="fr-FR" dirty="0">
                 <a:latin typeface="Courier New" panose="02070309020205020404" pitchFamily="49" charset="0"/>
                 <a:cs typeface="Courier New" panose="02070309020205020404" pitchFamily="49" charset="0"/>
               </a:rPr>
-              <a:t>for k in range(2,15):</a:t>
-            </a:r>
-          </a:p>
-          <a:p>
-            <a:pPr marL="0" indent="0">
-              <a:buNone/>
-            </a:pPr>
-            <a:r>
-              <a:rPr lang="fr-FR" sz="1800" dirty="0">
+              <a:t> as </a:t>
+            </a:r>
+            <a:r>
+              <a:rPr lang="fr-FR" dirty="0" err="1">
                 <a:latin typeface="Courier New" panose="02070309020205020404" pitchFamily="49" charset="0"/>
                 <a:cs typeface="Courier New" panose="02070309020205020404" pitchFamily="49" charset="0"/>
               </a:rPr>
-              <a:t>    model = </a:t>
-            </a:r>
-            <a:r>
-              <a:rPr lang="fr-FR" sz="1800" dirty="0" err="1" smtClean="0">
+              <a:t>nn</a:t>
+            </a:r>
+            <a:endParaRPr lang="fr-FR" dirty="0">
+              <a:latin typeface="Courier New" panose="02070309020205020404" pitchFamily="49" charset="0"/>
+              <a:cs typeface="Courier New" panose="02070309020205020404" pitchFamily="49" charset="0"/>
+            </a:endParaRPr>
+          </a:p>
+          <a:p>
+            <a:r>
+              <a:rPr lang="fr-FR" dirty="0">
+                <a:latin typeface="Courier New" panose="02070309020205020404" pitchFamily="49" charset="0"/>
+                <a:cs typeface="Courier New" panose="02070309020205020404" pitchFamily="49" charset="0"/>
+              </a:rPr>
+              <a:t>model = </a:t>
+            </a:r>
+            <a:r>
+              <a:rPr lang="fr-FR" dirty="0" err="1">
                 <a:latin typeface="Courier New" panose="02070309020205020404" pitchFamily="49" charset="0"/>
                 <a:cs typeface="Courier New" panose="02070309020205020404" pitchFamily="49" charset="0"/>
               </a:rPr>
               <a:t>nn.KNeighborsClassifier</a:t>
             </a:r>
             <a:r>
-              <a:rPr lang="fr-FR" sz="1800" dirty="0" smtClean="0">
+              <a:rPr lang="fr-FR" dirty="0">
                 <a:latin typeface="Courier New" panose="02070309020205020404" pitchFamily="49" charset="0"/>
                 <a:cs typeface="Courier New" panose="02070309020205020404" pitchFamily="49" charset="0"/>
               </a:rPr>
-              <a:t>(k</a:t>
-            </a:r>
-            <a:r>
-              <a:rPr lang="fr-FR" sz="1800" dirty="0">
+              <a:t>(</a:t>
+            </a:r>
+            <a:r>
+              <a:rPr lang="fr-FR" dirty="0" err="1">
+                <a:latin typeface="Courier New" panose="02070309020205020404" pitchFamily="49" charset="0"/>
+                <a:cs typeface="Courier New" panose="02070309020205020404" pitchFamily="49" charset="0"/>
+              </a:rPr>
+              <a:t>n_neighbors</a:t>
+            </a:r>
+            <a:r>
+              <a:rPr lang="fr-FR" dirty="0">
+                <a:latin typeface="Courier New" panose="02070309020205020404" pitchFamily="49" charset="0"/>
+                <a:cs typeface="Courier New" panose="02070309020205020404" pitchFamily="49" charset="0"/>
+              </a:rPr>
+              <a:t>=3)</a:t>
+            </a:r>
+          </a:p>
+          <a:p>
+            <a:r>
+              <a:rPr lang="fr-FR" dirty="0" err="1">
+                <a:latin typeface="Courier New" panose="02070309020205020404" pitchFamily="49" charset="0"/>
+                <a:cs typeface="Courier New" panose="02070309020205020404" pitchFamily="49" charset="0"/>
+              </a:rPr>
+              <a:t>model.fit</a:t>
+            </a:r>
+            <a:r>
+              <a:rPr lang="fr-FR" dirty="0">
+                <a:latin typeface="Courier New" panose="02070309020205020404" pitchFamily="49" charset="0"/>
+                <a:cs typeface="Courier New" panose="02070309020205020404" pitchFamily="49" charset="0"/>
+              </a:rPr>
+              <a:t>(</a:t>
+            </a:r>
+            <a:r>
+              <a:rPr lang="fr-FR" dirty="0" err="1">
+                <a:latin typeface="Courier New" panose="02070309020205020404" pitchFamily="49" charset="0"/>
+                <a:cs typeface="Courier New" panose="02070309020205020404" pitchFamily="49" charset="0"/>
+              </a:rPr>
+              <a:t>xtrain</a:t>
+            </a:r>
+            <a:r>
+              <a:rPr lang="fr-FR" dirty="0">
+                <a:latin typeface="Courier New" panose="02070309020205020404" pitchFamily="49" charset="0"/>
+                <a:cs typeface="Courier New" panose="02070309020205020404" pitchFamily="49" charset="0"/>
+              </a:rPr>
+              <a:t>, </a:t>
+            </a:r>
+            <a:r>
+              <a:rPr lang="fr-FR" dirty="0" err="1">
+                <a:latin typeface="Courier New" panose="02070309020205020404" pitchFamily="49" charset="0"/>
+                <a:cs typeface="Courier New" panose="02070309020205020404" pitchFamily="49" charset="0"/>
+              </a:rPr>
+              <a:t>ytrain</a:t>
+            </a:r>
+            <a:r>
+              <a:rPr lang="fr-FR" dirty="0">
                 <a:latin typeface="Courier New" panose="02070309020205020404" pitchFamily="49" charset="0"/>
                 <a:cs typeface="Courier New" panose="02070309020205020404" pitchFamily="49" charset="0"/>
               </a:rPr>
@@ -7660,169 +7118,61 @@
             </a:r>
           </a:p>
           <a:p>
-            <a:pPr marL="0" indent="0">
-              <a:buNone/>
-            </a:pPr>
-            <a:r>
-              <a:rPr lang="fr-FR" sz="1800" dirty="0">
+            <a:r>
+              <a:rPr lang="fr-FR" dirty="0" err="1">
                 <a:latin typeface="Courier New" panose="02070309020205020404" pitchFamily="49" charset="0"/>
                 <a:cs typeface="Courier New" panose="02070309020205020404" pitchFamily="49" charset="0"/>
               </a:rPr>
-              <a:t>    </a:t>
-            </a:r>
-            <a:r>
-              <a:rPr lang="fr-FR" sz="1800" dirty="0" err="1" smtClean="0">
-                <a:latin typeface="Courier New" panose="02070309020205020404" pitchFamily="49" charset="0"/>
-                <a:cs typeface="Courier New" panose="02070309020205020404" pitchFamily="49" charset="0"/>
-              </a:rPr>
-              <a:t>errors.append</a:t>
-            </a:r>
-            <a:r>
-              <a:rPr lang="fr-FR" sz="1800" dirty="0" smtClean="0">
-                <a:latin typeface="Courier New" panose="02070309020205020404" pitchFamily="49" charset="0"/>
-                <a:cs typeface="Courier New" panose="02070309020205020404" pitchFamily="49" charset="0"/>
-              </a:rPr>
-              <a:t>(1 </a:t>
-            </a:r>
-            <a:r>
-              <a:rPr lang="fr-FR" sz="1800" dirty="0">
-                <a:latin typeface="Courier New" panose="02070309020205020404" pitchFamily="49" charset="0"/>
-                <a:cs typeface="Courier New" panose="02070309020205020404" pitchFamily="49" charset="0"/>
-              </a:rPr>
-              <a:t>- </a:t>
-            </a:r>
-            <a:r>
-              <a:rPr lang="fr-FR" sz="1800" dirty="0" err="1">
-                <a:latin typeface="Courier New" panose="02070309020205020404" pitchFamily="49" charset="0"/>
-                <a:cs typeface="Courier New" panose="02070309020205020404" pitchFamily="49" charset="0"/>
-              </a:rPr>
-              <a:t>model.fit</a:t>
-            </a:r>
-            <a:r>
-              <a:rPr lang="fr-FR" sz="1800" dirty="0">
+              <a:t>model.score</a:t>
+            </a:r>
+            <a:r>
+              <a:rPr lang="fr-FR" dirty="0">
                 <a:latin typeface="Courier New" panose="02070309020205020404" pitchFamily="49" charset="0"/>
                 <a:cs typeface="Courier New" panose="02070309020205020404" pitchFamily="49" charset="0"/>
               </a:rPr>
               <a:t>(</a:t>
             </a:r>
             <a:r>
-              <a:rPr lang="fr-FR" sz="1800" dirty="0" err="1">
+              <a:rPr lang="fr-FR" dirty="0" err="1">
                 <a:latin typeface="Courier New" panose="02070309020205020404" pitchFamily="49" charset="0"/>
                 <a:cs typeface="Courier New" panose="02070309020205020404" pitchFamily="49" charset="0"/>
               </a:rPr>
-              <a:t>xtrain</a:t>
-            </a:r>
-            <a:r>
-              <a:rPr lang="fr-FR" sz="1800" dirty="0">
+              <a:t>xtest</a:t>
+            </a:r>
+            <a:r>
+              <a:rPr lang="fr-FR" dirty="0">
                 <a:latin typeface="Courier New" panose="02070309020205020404" pitchFamily="49" charset="0"/>
                 <a:cs typeface="Courier New" panose="02070309020205020404" pitchFamily="49" charset="0"/>
               </a:rPr>
               <a:t>, </a:t>
             </a:r>
             <a:r>
-              <a:rPr lang="fr-FR" sz="1800" dirty="0" err="1">
-                <a:latin typeface="Courier New" panose="02070309020205020404" pitchFamily="49" charset="0"/>
-                <a:cs typeface="Courier New" panose="02070309020205020404" pitchFamily="49" charset="0"/>
-              </a:rPr>
-              <a:t>ytrain</a:t>
-            </a:r>
-            <a:r>
-              <a:rPr lang="fr-FR" sz="1800" dirty="0">
-                <a:latin typeface="Courier New" panose="02070309020205020404" pitchFamily="49" charset="0"/>
-                <a:cs typeface="Courier New" panose="02070309020205020404" pitchFamily="49" charset="0"/>
-              </a:rPr>
-              <a:t>).score(</a:t>
-            </a:r>
-            <a:r>
-              <a:rPr lang="fr-FR" sz="1800" dirty="0" err="1">
-                <a:latin typeface="Courier New" panose="02070309020205020404" pitchFamily="49" charset="0"/>
-                <a:cs typeface="Courier New" panose="02070309020205020404" pitchFamily="49" charset="0"/>
-              </a:rPr>
-              <a:t>xtest</a:t>
-            </a:r>
-            <a:r>
-              <a:rPr lang="fr-FR" sz="1800" dirty="0">
-                <a:latin typeface="Courier New" panose="02070309020205020404" pitchFamily="49" charset="0"/>
-                <a:cs typeface="Courier New" panose="02070309020205020404" pitchFamily="49" charset="0"/>
-              </a:rPr>
-              <a:t>, </a:t>
-            </a:r>
-            <a:r>
-              <a:rPr lang="fr-FR" sz="1800" dirty="0" err="1">
+              <a:rPr lang="fr-FR" dirty="0" err="1">
                 <a:latin typeface="Courier New" panose="02070309020205020404" pitchFamily="49" charset="0"/>
                 <a:cs typeface="Courier New" panose="02070309020205020404" pitchFamily="49" charset="0"/>
               </a:rPr>
               <a:t>ytest</a:t>
             </a:r>
             <a:r>
-              <a:rPr lang="fr-FR" sz="1800" dirty="0" smtClean="0">
+              <a:rPr lang="fr-FR" dirty="0">
                 <a:latin typeface="Courier New" panose="02070309020205020404" pitchFamily="49" charset="0"/>
                 <a:cs typeface="Courier New" panose="02070309020205020404" pitchFamily="49" charset="0"/>
               </a:rPr>
-              <a:t>))</a:t>
-            </a:r>
-          </a:p>
-          <a:p>
-            <a:pPr lvl="1"/>
-            <a:r>
-              <a:rPr lang="fr-FR" dirty="0" smtClean="0"/>
-              <a:t>Il essayer les différents algorithmes</a:t>
-            </a:r>
-          </a:p>
-          <a:p>
-            <a:pPr lvl="2"/>
-            <a:r>
-              <a:rPr lang="fr-FR" dirty="0" smtClean="0"/>
-              <a:t>Paramètre </a:t>
-            </a:r>
-            <a:r>
-              <a:rPr lang="fr-FR" dirty="0" err="1" smtClean="0"/>
-              <a:t>algorithm</a:t>
-            </a:r>
-            <a:endParaRPr lang="fr-FR" dirty="0" smtClean="0"/>
-          </a:p>
-          <a:p>
-            <a:pPr lvl="1"/>
-            <a:r>
-              <a:rPr lang="fr-FR" dirty="0" smtClean="0"/>
-              <a:t>Il faut essayer les 2 poids</a:t>
-            </a:r>
-          </a:p>
-          <a:p>
-            <a:pPr lvl="2"/>
-            <a:r>
-              <a:rPr lang="fr-FR" dirty="0" smtClean="0"/>
-              <a:t>Paramètre </a:t>
-            </a:r>
-            <a:r>
-              <a:rPr lang="fr-FR" dirty="0" err="1" smtClean="0"/>
-              <a:t>weight</a:t>
-            </a:r>
-            <a:r>
-              <a:rPr lang="fr-FR" dirty="0" smtClean="0"/>
-              <a:t> = « distance » qui monte la distance au carré, c’est-à-dire qu’il donne plus d’importance aux points proches</a:t>
-            </a:r>
-            <a:endParaRPr lang="fr-FR" dirty="0"/>
+              <a:t>)</a:t>
+            </a:r>
           </a:p>
         </p:txBody>
       </p:sp>
     </p:spTree>
     <p:extLst>
       <p:ext uri="{BB962C8B-B14F-4D97-AF65-F5344CB8AC3E}">
-        <p14:creationId xmlns:p14="http://schemas.microsoft.com/office/powerpoint/2010/main" val="402191331"/>
+        <p14:creationId xmlns:p14="http://schemas.microsoft.com/office/powerpoint/2010/main" val="1585307059"/>
       </p:ext>
     </p:extLst>
   </p:cSld>
   <p:clrMapOvr>
     <a:masterClrMapping/>
   </p:clrMapOvr>
-  <p:timing>
-    <p:tnLst>
-      <p:par>
-        <p:cTn id="1" dur="indefinite" restart="never" nodeType="tmRoot"/>
-      </p:par>
-    </p:tnLst>
-  </p:timing>
 </p:sld>
 </file>
 
@@ -7859,10 +7209,9 @@
           <a:lstStyle/>
           <a:p>
             <a:r>
-              <a:rPr lang="fr-FR" dirty="0" smtClean="0"/>
-              <a:t>Entrainement et prédiction</a:t>
-            </a:r>
-            <a:endParaRPr lang="fr-FR" dirty="0"/>
+              <a:rPr lang="fr-FR" dirty="0"/>
+              <a:t>Minimisation de l’erreur</a:t>
+            </a:r>
           </a:p>
         </p:txBody>
       </p:sp>
@@ -7882,88 +7231,224 @@
           <a:lstStyle/>
           <a:p>
             <a:r>
-              <a:rPr lang="fr-FR" dirty="0" smtClean="0"/>
-              <a:t>Il faut ensuite choisir le meilleur modèle, l’entrainer et mettre en place la prédiction</a:t>
-            </a:r>
-          </a:p>
-          <a:p>
+              <a:rPr lang="fr-FR" dirty="0"/>
+              <a:t>Il faut faire varier le </a:t>
+            </a:r>
             <a:r>
               <a:rPr lang="fr-FR" dirty="0" err="1"/>
+              <a:t>n_neighbors</a:t>
+            </a:r>
+            <a:r>
+              <a:rPr lang="fr-FR" dirty="0"/>
+              <a:t> entre 2 et 15</a:t>
+            </a:r>
+          </a:p>
+          <a:p>
+            <a:pPr marL="0" indent="0">
+              <a:buNone/>
+            </a:pPr>
+            <a:r>
+              <a:rPr lang="fr-FR" sz="1800" dirty="0" err="1">
+                <a:latin typeface="Courier New" panose="02070309020205020404" pitchFamily="49" charset="0"/>
+                <a:cs typeface="Courier New" panose="02070309020205020404" pitchFamily="49" charset="0"/>
+              </a:rPr>
+              <a:t>errors</a:t>
+            </a:r>
+            <a:r>
+              <a:rPr lang="fr-FR" sz="1800" dirty="0">
+                <a:latin typeface="Courier New" panose="02070309020205020404" pitchFamily="49" charset="0"/>
+                <a:cs typeface="Courier New" panose="02070309020205020404" pitchFamily="49" charset="0"/>
+              </a:rPr>
+              <a:t> = []</a:t>
+            </a:r>
+          </a:p>
+          <a:p>
+            <a:pPr marL="0" indent="0">
+              <a:buNone/>
+            </a:pPr>
+            <a:r>
+              <a:rPr lang="fr-FR" sz="1800" dirty="0">
+                <a:latin typeface="Courier New" panose="02070309020205020404" pitchFamily="49" charset="0"/>
+                <a:cs typeface="Courier New" panose="02070309020205020404" pitchFamily="49" charset="0"/>
+              </a:rPr>
+              <a:t>for k in range(2,15):</a:t>
+            </a:r>
+          </a:p>
+          <a:p>
+            <a:pPr marL="0" indent="0">
+              <a:buNone/>
+            </a:pPr>
+            <a:r>
+              <a:rPr lang="fr-FR" sz="1800" dirty="0">
+                <a:latin typeface="Courier New" panose="02070309020205020404" pitchFamily="49" charset="0"/>
+                <a:cs typeface="Courier New" panose="02070309020205020404" pitchFamily="49" charset="0"/>
+              </a:rPr>
+              <a:t>    model = </a:t>
+            </a:r>
+            <a:r>
+              <a:rPr lang="fr-FR" sz="1800" dirty="0" err="1">
+                <a:latin typeface="Courier New" panose="02070309020205020404" pitchFamily="49" charset="0"/>
+                <a:cs typeface="Courier New" panose="02070309020205020404" pitchFamily="49" charset="0"/>
+              </a:rPr>
+              <a:t>nn.KNeighborsClassifier</a:t>
+            </a:r>
+            <a:r>
+              <a:rPr lang="fr-FR" sz="1800" dirty="0">
+                <a:latin typeface="Courier New" panose="02070309020205020404" pitchFamily="49" charset="0"/>
+                <a:cs typeface="Courier New" panose="02070309020205020404" pitchFamily="49" charset="0"/>
+              </a:rPr>
+              <a:t>(k)</a:t>
+            </a:r>
+          </a:p>
+          <a:p>
+            <a:pPr marL="0" indent="0">
+              <a:buNone/>
+            </a:pPr>
+            <a:r>
+              <a:rPr lang="fr-FR" sz="1800" dirty="0">
+                <a:latin typeface="Courier New" panose="02070309020205020404" pitchFamily="49" charset="0"/>
+                <a:cs typeface="Courier New" panose="02070309020205020404" pitchFamily="49" charset="0"/>
+              </a:rPr>
+              <a:t>    </a:t>
+            </a:r>
+            <a:r>
+              <a:rPr lang="fr-FR" sz="1800" dirty="0" err="1">
+                <a:latin typeface="Courier New" panose="02070309020205020404" pitchFamily="49" charset="0"/>
+                <a:cs typeface="Courier New" panose="02070309020205020404" pitchFamily="49" charset="0"/>
+              </a:rPr>
+              <a:t>errors.append</a:t>
+            </a:r>
+            <a:r>
+              <a:rPr lang="fr-FR" sz="1800" dirty="0">
+                <a:latin typeface="Courier New" panose="02070309020205020404" pitchFamily="49" charset="0"/>
+                <a:cs typeface="Courier New" panose="02070309020205020404" pitchFamily="49" charset="0"/>
+              </a:rPr>
+              <a:t>(1 - </a:t>
+            </a:r>
+            <a:r>
+              <a:rPr lang="fr-FR" sz="1800" dirty="0" err="1">
+                <a:latin typeface="Courier New" panose="02070309020205020404" pitchFamily="49" charset="0"/>
+                <a:cs typeface="Courier New" panose="02070309020205020404" pitchFamily="49" charset="0"/>
+              </a:rPr>
               <a:t>model.fit</a:t>
             </a:r>
             <a:r>
-              <a:rPr lang="fr-FR" dirty="0"/>
+              <a:rPr lang="fr-FR" sz="1800" dirty="0">
+                <a:latin typeface="Courier New" panose="02070309020205020404" pitchFamily="49" charset="0"/>
+                <a:cs typeface="Courier New" panose="02070309020205020404" pitchFamily="49" charset="0"/>
+              </a:rPr>
               <a:t>(</a:t>
             </a:r>
             <a:r>
+              <a:rPr lang="fr-FR" sz="1800" dirty="0" err="1">
+                <a:latin typeface="Courier New" panose="02070309020205020404" pitchFamily="49" charset="0"/>
+                <a:cs typeface="Courier New" panose="02070309020205020404" pitchFamily="49" charset="0"/>
+              </a:rPr>
+              <a:t>xtrain</a:t>
+            </a:r>
+            <a:r>
+              <a:rPr lang="fr-FR" sz="1800" dirty="0">
+                <a:latin typeface="Courier New" panose="02070309020205020404" pitchFamily="49" charset="0"/>
+                <a:cs typeface="Courier New" panose="02070309020205020404" pitchFamily="49" charset="0"/>
+              </a:rPr>
+              <a:t>, </a:t>
+            </a:r>
+            <a:r>
+              <a:rPr lang="fr-FR" sz="1800" dirty="0" err="1">
+                <a:latin typeface="Courier New" panose="02070309020205020404" pitchFamily="49" charset="0"/>
+                <a:cs typeface="Courier New" panose="02070309020205020404" pitchFamily="49" charset="0"/>
+              </a:rPr>
+              <a:t>ytrain</a:t>
+            </a:r>
+            <a:r>
+              <a:rPr lang="fr-FR" sz="1800" dirty="0">
+                <a:latin typeface="Courier New" panose="02070309020205020404" pitchFamily="49" charset="0"/>
+                <a:cs typeface="Courier New" panose="02070309020205020404" pitchFamily="49" charset="0"/>
+              </a:rPr>
+              <a:t>).score(</a:t>
+            </a:r>
+            <a:r>
+              <a:rPr lang="fr-FR" sz="1800" dirty="0" err="1">
+                <a:latin typeface="Courier New" panose="02070309020205020404" pitchFamily="49" charset="0"/>
+                <a:cs typeface="Courier New" panose="02070309020205020404" pitchFamily="49" charset="0"/>
+              </a:rPr>
+              <a:t>xtest</a:t>
+            </a:r>
+            <a:r>
+              <a:rPr lang="fr-FR" sz="1800" dirty="0">
+                <a:latin typeface="Courier New" panose="02070309020205020404" pitchFamily="49" charset="0"/>
+                <a:cs typeface="Courier New" panose="02070309020205020404" pitchFamily="49" charset="0"/>
+              </a:rPr>
+              <a:t>, </a:t>
+            </a:r>
+            <a:r>
+              <a:rPr lang="fr-FR" sz="1800" dirty="0" err="1">
+                <a:latin typeface="Courier New" panose="02070309020205020404" pitchFamily="49" charset="0"/>
+                <a:cs typeface="Courier New" panose="02070309020205020404" pitchFamily="49" charset="0"/>
+              </a:rPr>
+              <a:t>ytest</a:t>
+            </a:r>
+            <a:r>
+              <a:rPr lang="fr-FR" sz="1800" dirty="0">
+                <a:latin typeface="Courier New" panose="02070309020205020404" pitchFamily="49" charset="0"/>
+                <a:cs typeface="Courier New" panose="02070309020205020404" pitchFamily="49" charset="0"/>
+              </a:rPr>
+              <a:t>))</a:t>
+            </a:r>
+          </a:p>
+          <a:p>
+            <a:pPr lvl="1"/>
+            <a:r>
+              <a:rPr lang="fr-FR" dirty="0"/>
+              <a:t>Il essayer les différents algorithmes</a:t>
+            </a:r>
+          </a:p>
+          <a:p>
+            <a:pPr lvl="2"/>
+            <a:r>
+              <a:rPr lang="fr-FR" dirty="0"/>
+              <a:t>Paramètre </a:t>
+            </a:r>
+            <a:r>
               <a:rPr lang="fr-FR" dirty="0" err="1"/>
-              <a:t>xtrain</a:t>
-            </a:r>
-            <a:r>
-              <a:rPr lang="fr-FR" dirty="0"/>
-              <a:t>, </a:t>
+              <a:t>algorithm</a:t>
+            </a:r>
+            <a:endParaRPr lang="fr-FR" dirty="0"/>
+          </a:p>
+          <a:p>
+            <a:pPr lvl="1"/>
+            <a:r>
+              <a:rPr lang="fr-FR" dirty="0"/>
+              <a:t>Il faut essayer les 2 poids</a:t>
+            </a:r>
+          </a:p>
+          <a:p>
+            <a:pPr lvl="2"/>
+            <a:r>
+              <a:rPr lang="fr-FR" dirty="0"/>
+              <a:t>Paramètre </a:t>
             </a:r>
             <a:r>
               <a:rPr lang="fr-FR" dirty="0" err="1"/>
-              <a:t>ytrain</a:t>
-            </a:r>
-            <a:r>
-              <a:rPr lang="fr-FR" dirty="0"/>
-              <a:t>)</a:t>
-            </a:r>
-          </a:p>
-          <a:p>
-            <a:r>
-              <a:rPr lang="fr-FR" dirty="0" err="1" smtClean="0"/>
-              <a:t>predicted</a:t>
-            </a:r>
-            <a:r>
-              <a:rPr lang="fr-FR" dirty="0" smtClean="0"/>
-              <a:t> </a:t>
-            </a:r>
-            <a:r>
-              <a:rPr lang="fr-FR" dirty="0"/>
-              <a:t>= </a:t>
-            </a:r>
-            <a:r>
-              <a:rPr lang="fr-FR" dirty="0" err="1"/>
-              <a:t>model.predict</a:t>
-            </a:r>
-            <a:r>
-              <a:rPr lang="fr-FR" dirty="0"/>
-              <a:t>(</a:t>
-            </a:r>
-            <a:r>
-              <a:rPr lang="fr-FR" dirty="0" err="1"/>
-              <a:t>xtest</a:t>
-            </a:r>
-            <a:r>
-              <a:rPr lang="fr-FR" dirty="0"/>
-              <a:t>)</a:t>
-            </a:r>
-          </a:p>
-          <a:p>
-            <a:endParaRPr lang="fr-FR" dirty="0"/>
+              <a:t>weight</a:t>
+            </a:r>
+            <a:r>
+              <a:rPr lang="fr-FR" dirty="0"/>
+              <a:t> = « distance » qui monte la distance au carré, c’est-à-dire qu’il donne plus d’importance aux points proches</a:t>
+            </a:r>
           </a:p>
         </p:txBody>
       </p:sp>
     </p:spTree>
     <p:extLst>
       <p:ext uri="{BB962C8B-B14F-4D97-AF65-F5344CB8AC3E}">
-        <p14:creationId xmlns:p14="http://schemas.microsoft.com/office/powerpoint/2010/main" val="2584886733"/>
+        <p14:creationId xmlns:p14="http://schemas.microsoft.com/office/powerpoint/2010/main" val="402191331"/>
       </p:ext>
     </p:extLst>
   </p:cSld>
   <p:clrMapOvr>
     <a:masterClrMapping/>
   </p:clrMapOvr>
-  <p:timing>
-    <p:tnLst>
-      <p:par>
-        <p:cTn id="1" dur="indefinite" restart="never" nodeType="tmRoot"/>
-      </p:par>
-    </p:tnLst>
-  </p:timing>
 </p:sld>
 </file>
 
@@ -8000,10 +7485,9 @@
           <a:lstStyle/>
           <a:p>
             <a:r>
-              <a:rPr lang="fr-FR" dirty="0" smtClean="0"/>
-              <a:t>Résultats</a:t>
-            </a:r>
-            <a:endParaRPr lang="fr-FR" dirty="0"/>
+              <a:rPr lang="fr-FR" dirty="0"/>
+              <a:t>Entrainement et prédiction</a:t>
+            </a:r>
           </a:p>
         </p:txBody>
       </p:sp>
@@ -8023,16 +7507,144 @@
           <a:lstStyle/>
           <a:p>
             <a:r>
-              <a:rPr lang="fr-FR" dirty="0" smtClean="0"/>
+              <a:rPr lang="fr-FR" dirty="0"/>
+              <a:t>Il faut ensuite choisir le meilleur modèle, l’entrainer et mettre en place la prédiction</a:t>
+            </a:r>
+          </a:p>
+          <a:p>
+            <a:r>
+              <a:rPr lang="fr-FR" dirty="0" err="1"/>
+              <a:t>model.fit</a:t>
+            </a:r>
+            <a:r>
+              <a:rPr lang="fr-FR" dirty="0"/>
+              <a:t>(</a:t>
+            </a:r>
+            <a:r>
+              <a:rPr lang="fr-FR" dirty="0" err="1"/>
+              <a:t>xtrain</a:t>
+            </a:r>
+            <a:r>
+              <a:rPr lang="fr-FR" dirty="0"/>
+              <a:t>, </a:t>
+            </a:r>
+            <a:r>
+              <a:rPr lang="fr-FR" dirty="0" err="1"/>
+              <a:t>ytrain</a:t>
+            </a:r>
+            <a:r>
+              <a:rPr lang="fr-FR" dirty="0"/>
+              <a:t>)</a:t>
+            </a:r>
+          </a:p>
+          <a:p>
+            <a:r>
+              <a:rPr lang="fr-FR" dirty="0" err="1"/>
+              <a:t>predicted</a:t>
+            </a:r>
+            <a:r>
+              <a:rPr lang="fr-FR" dirty="0"/>
+              <a:t> = </a:t>
+            </a:r>
+            <a:r>
+              <a:rPr lang="fr-FR" dirty="0" err="1"/>
+              <a:t>model.predict</a:t>
+            </a:r>
+            <a:r>
+              <a:rPr lang="fr-FR" dirty="0"/>
+              <a:t>(</a:t>
+            </a:r>
+            <a:r>
+              <a:rPr lang="fr-FR" dirty="0" err="1"/>
+              <a:t>xtest</a:t>
+            </a:r>
+            <a:r>
+              <a:rPr lang="fr-FR" dirty="0"/>
+              <a:t>)</a:t>
+            </a:r>
+          </a:p>
+          <a:p>
+            <a:endParaRPr lang="fr-FR" dirty="0"/>
+          </a:p>
+        </p:txBody>
+      </p:sp>
+    </p:spTree>
+    <p:extLst>
+      <p:ext uri="{BB962C8B-B14F-4D97-AF65-F5344CB8AC3E}">
+        <p14:creationId xmlns:p14="http://schemas.microsoft.com/office/powerpoint/2010/main" val="2584886733"/>
+      </p:ext>
+    </p:extLst>
+  </p:cSld>
+  <p:clrMapOvr>
+    <a:masterClrMapping/>
+  </p:clrMapOvr>
+</p:sld>
+</file>
+
+<file path=ppt/slides/slide36.xml><?xml version="1.0" encoding="utf-8"?>
+<p:sld xmlns:a="http://schemas.openxmlformats.org/drawingml/2006/main" xmlns:r="http://schemas.openxmlformats.org/officeDocument/2006/relationships" xmlns:p="http://schemas.openxmlformats.org/presentationml/2006/main">
+  <p:cSld>
+    <p:spTree>
+      <p:nvGrpSpPr>
+        <p:cNvPr id="1" name=""/>
+        <p:cNvGrpSpPr/>
+        <p:nvPr/>
+      </p:nvGrpSpPr>
+      <p:grpSpPr>
+        <a:xfrm>
+          <a:off x="0" y="0"/>
+          <a:ext cx="0" cy="0"/>
+          <a:chOff x="0" y="0"/>
+          <a:chExt cx="0" cy="0"/>
+        </a:xfrm>
+      </p:grpSpPr>
+      <p:sp>
+        <p:nvSpPr>
+          <p:cNvPr id="2" name="Titre 1"/>
+          <p:cNvSpPr>
+            <a:spLocks noGrp="1"/>
+          </p:cNvSpPr>
+          <p:nvPr>
+            <p:ph type="title"/>
+          </p:nvPr>
+        </p:nvSpPr>
+        <p:spPr/>
+        <p:txBody>
+          <a:bodyPr/>
+          <a:lstStyle/>
+          <a:p>
+            <a:r>
+              <a:rPr lang="fr-FR" dirty="0"/>
+              <a:t>Résultats</a:t>
+            </a:r>
+          </a:p>
+        </p:txBody>
+      </p:sp>
+      <p:sp>
+        <p:nvSpPr>
+          <p:cNvPr id="3" name="Espace réservé du contenu 2"/>
+          <p:cNvSpPr>
+            <a:spLocks noGrp="1"/>
+          </p:cNvSpPr>
+          <p:nvPr>
+            <p:ph idx="1"/>
+          </p:nvPr>
+        </p:nvSpPr>
+        <p:spPr/>
+        <p:txBody>
+          <a:bodyPr/>
+          <a:lstStyle/>
+          <a:p>
+            <a:r>
+              <a:rPr lang="fr-FR" dirty="0"/>
               <a:t>K = 3</a:t>
             </a:r>
           </a:p>
           <a:p>
             <a:r>
-              <a:rPr lang="fr-FR" dirty="0" smtClean="0"/>
+              <a:rPr lang="fr-FR" dirty="0"/>
               <a:t>Erreur = 5%</a:t>
             </a:r>
-            <a:endParaRPr lang="fr-FR" dirty="0"/>
           </a:p>
         </p:txBody>
       </p:sp>
@@ -8094,145 +7706,6 @@
   <p:clrMapOvr>
     <a:masterClrMapping/>
   </p:clrMapOvr>
-  <p:timing>
-    <p:tnLst>
-      <p:par>
-        <p:cTn id="1" dur="indefinite" restart="never" nodeType="tmRoot"/>
-      </p:par>
-    </p:tnLst>
-  </p:timing>
-</p:sld>
-</file>
-
-<file path=ppt/slides/slide36.xml><?xml version="1.0" encoding="utf-8"?>
-<p:sld xmlns:a="http://schemas.openxmlformats.org/drawingml/2006/main" xmlns:r="http://schemas.openxmlformats.org/officeDocument/2006/relationships" xmlns:p="http://schemas.openxmlformats.org/presentationml/2006/main">
-  <p:cSld>
-    <p:spTree>
-      <p:nvGrpSpPr>
-        <p:cNvPr id="1" name=""/>
-        <p:cNvGrpSpPr/>
-        <p:nvPr/>
-      </p:nvGrpSpPr>
-      <p:grpSpPr>
-        <a:xfrm>
-          <a:off x="0" y="0"/>
-          <a:ext cx="0" cy="0"/>
-          <a:chOff x="0" y="0"/>
-          <a:chExt cx="0" cy="0"/>
-        </a:xfrm>
-      </p:grpSpPr>
-      <p:sp>
-        <p:nvSpPr>
-          <p:cNvPr id="2" name="Titre 1"/>
-          <p:cNvSpPr>
-            <a:spLocks noGrp="1"/>
-          </p:cNvSpPr>
-          <p:nvPr>
-            <p:ph type="title"/>
-          </p:nvPr>
-        </p:nvSpPr>
-        <p:spPr/>
-        <p:txBody>
-          <a:bodyPr/>
-          <a:lstStyle/>
-          <a:p>
-            <a:r>
-              <a:rPr lang="fr-FR" dirty="0" err="1" smtClean="0"/>
-              <a:t>Random</a:t>
-            </a:r>
-            <a:r>
-              <a:rPr lang="fr-FR" dirty="0" smtClean="0"/>
-              <a:t> Forest</a:t>
-            </a:r>
-            <a:endParaRPr lang="fr-FR" dirty="0"/>
-          </a:p>
-        </p:txBody>
-      </p:sp>
-      <p:sp>
-        <p:nvSpPr>
-          <p:cNvPr id="3" name="Espace réservé du contenu 2"/>
-          <p:cNvSpPr>
-            <a:spLocks noGrp="1"/>
-          </p:cNvSpPr>
-          <p:nvPr>
-            <p:ph idx="1"/>
-          </p:nvPr>
-        </p:nvSpPr>
-        <p:spPr/>
-        <p:txBody>
-          <a:bodyPr/>
-          <a:lstStyle/>
-          <a:p>
-            <a:r>
-              <a:rPr lang="fr-FR" dirty="0"/>
-              <a:t>Les forêts d'arbres </a:t>
-            </a:r>
-            <a:r>
-              <a:rPr lang="fr-FR" dirty="0" smtClean="0"/>
-              <a:t>décisionnels ont </a:t>
-            </a:r>
-            <a:r>
-              <a:rPr lang="fr-FR" dirty="0"/>
-              <a:t>été formellement proposées en 2001 par Leo </a:t>
-            </a:r>
-            <a:r>
-              <a:rPr lang="fr-FR" dirty="0" err="1"/>
-              <a:t>Breiman</a:t>
-            </a:r>
-            <a:r>
-              <a:rPr lang="fr-FR" dirty="0"/>
-              <a:t> et Adèle </a:t>
-            </a:r>
-            <a:r>
-              <a:rPr lang="fr-FR" dirty="0" err="1" smtClean="0"/>
-              <a:t>Cutler</a:t>
-            </a:r>
-            <a:endParaRPr lang="fr-FR" dirty="0" smtClean="0"/>
-          </a:p>
-          <a:p>
-            <a:r>
-              <a:rPr lang="fr-FR" dirty="0" smtClean="0"/>
-              <a:t>Cet </a:t>
-            </a:r>
-            <a:r>
-              <a:rPr lang="fr-FR" dirty="0"/>
-              <a:t>algorithme combine les concepts de sous-espaces aléatoires et de </a:t>
-            </a:r>
-            <a:r>
-              <a:rPr lang="fr-FR" dirty="0" err="1" smtClean="0"/>
-              <a:t>bagging</a:t>
-            </a:r>
-            <a:endParaRPr lang="fr-FR" dirty="0" smtClean="0"/>
-          </a:p>
-          <a:p>
-            <a:r>
-              <a:rPr lang="fr-FR" dirty="0" smtClean="0"/>
-              <a:t>L'algorithme </a:t>
-            </a:r>
-            <a:r>
-              <a:rPr lang="fr-FR" dirty="0"/>
-              <a:t>des forêts d'arbres décisionnels effectue un apprentissage sur de multiples arbres de décision entraînés sur des sous-ensembles de données légèrement différents</a:t>
-            </a:r>
-          </a:p>
-        </p:txBody>
-      </p:sp>
-    </p:spTree>
-    <p:extLst>
-      <p:ext uri="{BB962C8B-B14F-4D97-AF65-F5344CB8AC3E}">
-        <p14:creationId xmlns:p14="http://schemas.microsoft.com/office/powerpoint/2010/main" val="3293274694"/>
-      </p:ext>
-    </p:extLst>
-  </p:cSld>
-  <p:clrMapOvr>
-    <a:masterClrMapping/>
-  </p:clrMapOvr>
-  <p:timing>
-    <p:tnLst>
-      <p:par>
-        <p:cTn id="1" dur="indefinite" restart="never" nodeType="tmRoot"/>
-      </p:par>
-    </p:tnLst>
-  </p:timing>
 </p:sld>
 </file>
 
@@ -8269,10 +7742,13 @@
           <a:lstStyle/>
           <a:p>
             <a:r>
-              <a:rPr lang="fr-FR" dirty="0" smtClean="0"/>
-              <a:t>Asymétrie</a:t>
-            </a:r>
-            <a:endParaRPr lang="fr-FR" dirty="0"/>
+              <a:rPr lang="fr-FR" dirty="0" err="1"/>
+              <a:t>Random</a:t>
+            </a:r>
+            <a:r>
+              <a:rPr lang="fr-FR" dirty="0"/>
+              <a:t> Forest</a:t>
+            </a:r>
           </a:p>
         </p:txBody>
       </p:sp>
@@ -8292,55 +7768,52 @@
           <a:lstStyle/>
           <a:p>
             <a:r>
-              <a:rPr lang="fr-FR" dirty="0" err="1" smtClean="0"/>
-              <a:t>Random</a:t>
-            </a:r>
-            <a:r>
-              <a:rPr lang="fr-FR" dirty="0" smtClean="0"/>
-              <a:t> Forest est un modèle asymétrique</a:t>
-            </a:r>
-          </a:p>
-          <a:p>
-            <a:pPr lvl="1"/>
-            <a:r>
-              <a:rPr lang="fr-FR" dirty="0" smtClean="0"/>
-              <a:t>Apprentissage couteux</a:t>
-            </a:r>
-          </a:p>
-          <a:p>
-            <a:pPr lvl="1"/>
-            <a:r>
-              <a:rPr lang="fr-FR" dirty="0" smtClean="0"/>
-              <a:t>Prédiction rapide</a:t>
-            </a:r>
-          </a:p>
-          <a:p>
-            <a:pPr lvl="1"/>
-            <a:r>
-              <a:rPr lang="fr-FR" dirty="0" smtClean="0"/>
-              <a:t>Très utile</a:t>
+              <a:rPr lang="fr-FR" dirty="0"/>
+              <a:t>Les forêts d'arbres décisionnels ont été formellement proposées en 2001 par Leo </a:t>
+            </a:r>
+            <a:r>
+              <a:rPr lang="fr-FR" dirty="0" err="1"/>
+              <a:t>Breiman</a:t>
+            </a:r>
+            <a:r>
+              <a:rPr lang="fr-FR" dirty="0"/>
+              <a:t> et Adèle </a:t>
+            </a:r>
+            <a:r>
+              <a:rPr lang="fr-FR" dirty="0" err="1"/>
+              <a:t>Cutler</a:t>
             </a:r>
             <a:endParaRPr lang="fr-FR" dirty="0"/>
+          </a:p>
+          <a:p>
+            <a:r>
+              <a:rPr lang="fr-FR" dirty="0"/>
+              <a:t>Cet algorithme combine les concepts de sous-espaces aléatoires et de </a:t>
+            </a:r>
+            <a:r>
+              <a:rPr lang="fr-FR" dirty="0" err="1"/>
+              <a:t>bagging</a:t>
+            </a:r>
+            <a:endParaRPr lang="fr-FR" dirty="0"/>
+          </a:p>
+          <a:p>
+            <a:r>
+              <a:rPr lang="fr-FR" dirty="0"/>
+              <a:t>L'algorithme des forêts d'arbres décisionnels effectue un apprentissage sur de multiples arbres de décision entraînés sur des sous-ensembles de données légèrement différents</a:t>
+            </a:r>
           </a:p>
         </p:txBody>
       </p:sp>
     </p:spTree>
     <p:extLst>
       <p:ext uri="{BB962C8B-B14F-4D97-AF65-F5344CB8AC3E}">
-        <p14:creationId xmlns:p14="http://schemas.microsoft.com/office/powerpoint/2010/main" val="221419693"/>
+        <p14:creationId xmlns:p14="http://schemas.microsoft.com/office/powerpoint/2010/main" val="3293274694"/>
       </p:ext>
     </p:extLst>
   </p:cSld>
   <p:clrMapOvr>
     <a:masterClrMapping/>
   </p:clrMapOvr>
-  <p:timing>
-    <p:tnLst>
-      <p:par>
-        <p:cTn id="1" dur="indefinite" restart="never" nodeType="tmRoot"/>
-      </p:par>
-    </p:tnLst>
-  </p:timing>
 </p:sld>
 </file>
 
@@ -8377,14 +7850,9 @@
           <a:lstStyle/>
           <a:p>
             <a:r>
-              <a:rPr lang="fr-FR" dirty="0" err="1" smtClean="0"/>
-              <a:t>Random</a:t>
-            </a:r>
-            <a:r>
-              <a:rPr lang="fr-FR" dirty="0" smtClean="0"/>
-              <a:t> Forest</a:t>
-            </a:r>
-            <a:endParaRPr lang="fr-FR" dirty="0"/>
+              <a:rPr lang="fr-FR" dirty="0"/>
+              <a:t>Asymétrie</a:t>
+            </a:r>
           </a:p>
         </p:txBody>
       </p:sp>
@@ -8404,90 +7872,47 @@
           <a:lstStyle/>
           <a:p>
             <a:r>
-              <a:rPr lang="fr-FR" dirty="0" smtClean="0"/>
-              <a:t>Exemple</a:t>
-            </a:r>
-          </a:p>
-          <a:p>
-            <a:pPr lvl="1"/>
-            <a:r>
-              <a:rPr lang="fr-FR" dirty="0" smtClean="0"/>
-              <a:t>import </a:t>
-            </a:r>
-            <a:r>
-              <a:rPr lang="fr-FR" dirty="0" err="1" smtClean="0"/>
-              <a:t>sk.ensemble</a:t>
-            </a:r>
-            <a:r>
-              <a:rPr lang="fr-FR" dirty="0" smtClean="0"/>
-              <a:t> as </a:t>
-            </a:r>
-            <a:r>
-              <a:rPr lang="fr-FR" dirty="0" err="1" smtClean="0"/>
-              <a:t>rf</a:t>
-            </a:r>
-            <a:endParaRPr lang="fr-FR" dirty="0" smtClean="0"/>
-          </a:p>
-          <a:p>
-            <a:pPr lvl="1"/>
-            <a:r>
-              <a:rPr lang="fr-FR" dirty="0" smtClean="0"/>
-              <a:t>model = </a:t>
-            </a:r>
-            <a:r>
-              <a:rPr lang="fr-FR" dirty="0" err="1" smtClean="0"/>
-              <a:t>rf.RandomForestClassifier</a:t>
-            </a:r>
-            <a:r>
-              <a:rPr lang="fr-FR" dirty="0" smtClean="0"/>
-              <a:t>(</a:t>
-            </a:r>
-            <a:r>
-              <a:rPr lang="fr-FR" dirty="0" err="1" smtClean="0"/>
-              <a:t>n_estimators</a:t>
-            </a:r>
-            <a:r>
-              <a:rPr lang="fr-FR" dirty="0" smtClean="0"/>
-              <a:t>=100)</a:t>
-            </a:r>
-          </a:p>
-          <a:p>
-            <a:r>
-              <a:rPr lang="fr-FR" dirty="0" smtClean="0"/>
-              <a:t>Très puissant</a:t>
-            </a:r>
-          </a:p>
-          <a:p>
-            <a:pPr lvl="1"/>
-            <a:r>
-              <a:rPr lang="fr-FR" dirty="0" smtClean="0"/>
-              <a:t>Bien plus gourmand que </a:t>
-            </a:r>
-            <a:r>
-              <a:rPr lang="fr-FR" dirty="0" err="1" smtClean="0"/>
-              <a:t>kNN</a:t>
-            </a:r>
-            <a:endParaRPr lang="fr-FR" dirty="0"/>
+              <a:rPr lang="fr-FR" dirty="0" err="1"/>
+              <a:t>Random</a:t>
+            </a:r>
+            <a:r>
+              <a:rPr lang="fr-FR" dirty="0"/>
+              <a:t> Forest est un modèle asymétrique</a:t>
+            </a:r>
+          </a:p>
+          <a:p>
+            <a:pPr lvl="1"/>
+            <a:r>
+              <a:rPr lang="fr-FR" dirty="0"/>
+              <a:t>Apprentissage couteux</a:t>
+            </a:r>
+          </a:p>
+          <a:p>
+            <a:pPr lvl="1"/>
+            <a:r>
+              <a:rPr lang="fr-FR" dirty="0"/>
+              <a:t>Prédiction rapide</a:t>
+            </a:r>
+          </a:p>
+          <a:p>
+            <a:pPr lvl="1"/>
+            <a:r>
+              <a:rPr lang="fr-FR" dirty="0"/>
+              <a:t>Très utile</a:t>
+            </a:r>
           </a:p>
         </p:txBody>
       </p:sp>
     </p:spTree>
     <p:extLst>
       <p:ext uri="{BB962C8B-B14F-4D97-AF65-F5344CB8AC3E}">
-        <p14:creationId xmlns:p14="http://schemas.microsoft.com/office/powerpoint/2010/main" val="138068474"/>
+        <p14:creationId xmlns:p14="http://schemas.microsoft.com/office/powerpoint/2010/main" val="221419693"/>
       </p:ext>
     </p:extLst>
   </p:cSld>
   <p:clrMapOvr>
     <a:masterClrMapping/>
   </p:clrMapOvr>
-  <p:timing>
-    <p:tnLst>
-      <p:par>
-        <p:cTn id="1" dur="indefinite" restart="never" nodeType="tmRoot"/>
-      </p:par>
-    </p:tnLst>
-  </p:timing>
 </p:sld>
 </file>
 
@@ -8524,10 +7949,297 @@
           <a:lstStyle/>
           <a:p>
             <a:r>
-              <a:rPr lang="fr-FR" dirty="0" smtClean="0"/>
+              <a:rPr lang="fr-FR" dirty="0" err="1"/>
+              <a:t>Random</a:t>
+            </a:r>
+            <a:r>
+              <a:rPr lang="fr-FR" dirty="0"/>
+              <a:t> Forest</a:t>
+            </a:r>
+          </a:p>
+        </p:txBody>
+      </p:sp>
+      <p:sp>
+        <p:nvSpPr>
+          <p:cNvPr id="3" name="Espace réservé du contenu 2"/>
+          <p:cNvSpPr>
+            <a:spLocks noGrp="1"/>
+          </p:cNvSpPr>
+          <p:nvPr>
+            <p:ph idx="1"/>
+          </p:nvPr>
+        </p:nvSpPr>
+        <p:spPr/>
+        <p:txBody>
+          <a:bodyPr/>
+          <a:lstStyle/>
+          <a:p>
+            <a:r>
+              <a:rPr lang="fr-FR" dirty="0"/>
+              <a:t>Exemple</a:t>
+            </a:r>
+          </a:p>
+          <a:p>
+            <a:pPr lvl="1"/>
+            <a:r>
+              <a:rPr lang="fr-FR" dirty="0"/>
+              <a:t>import </a:t>
+            </a:r>
+            <a:r>
+              <a:rPr lang="fr-FR" dirty="0" err="1"/>
+              <a:t>sk.ensemble</a:t>
+            </a:r>
+            <a:r>
+              <a:rPr lang="fr-FR" dirty="0"/>
+              <a:t> as </a:t>
+            </a:r>
+            <a:r>
+              <a:rPr lang="fr-FR" dirty="0" err="1"/>
+              <a:t>rf</a:t>
+            </a:r>
+            <a:endParaRPr lang="fr-FR" dirty="0"/>
+          </a:p>
+          <a:p>
+            <a:pPr lvl="1"/>
+            <a:r>
+              <a:rPr lang="fr-FR" dirty="0"/>
+              <a:t>model = </a:t>
+            </a:r>
+            <a:r>
+              <a:rPr lang="fr-FR" dirty="0" err="1"/>
+              <a:t>rf.RandomForestClassifier</a:t>
+            </a:r>
+            <a:r>
+              <a:rPr lang="fr-FR" dirty="0"/>
+              <a:t>(</a:t>
+            </a:r>
+            <a:r>
+              <a:rPr lang="fr-FR" dirty="0" err="1"/>
+              <a:t>n_estimators</a:t>
+            </a:r>
+            <a:r>
+              <a:rPr lang="fr-FR" dirty="0"/>
+              <a:t>=100)</a:t>
+            </a:r>
+          </a:p>
+          <a:p>
+            <a:r>
+              <a:rPr lang="fr-FR" dirty="0"/>
+              <a:t>Très puissant</a:t>
+            </a:r>
+          </a:p>
+          <a:p>
+            <a:pPr lvl="1"/>
+            <a:r>
+              <a:rPr lang="fr-FR" dirty="0"/>
+              <a:t>Bien plus gourmand que </a:t>
+            </a:r>
+            <a:r>
+              <a:rPr lang="fr-FR" dirty="0" err="1"/>
+              <a:t>kNN</a:t>
+            </a:r>
+            <a:endParaRPr lang="fr-FR" dirty="0"/>
+          </a:p>
+        </p:txBody>
+      </p:sp>
+    </p:spTree>
+    <p:extLst>
+      <p:ext uri="{BB962C8B-B14F-4D97-AF65-F5344CB8AC3E}">
+        <p14:creationId xmlns:p14="http://schemas.microsoft.com/office/powerpoint/2010/main" val="138068474"/>
+      </p:ext>
+    </p:extLst>
+  </p:cSld>
+  <p:clrMapOvr>
+    <a:masterClrMapping/>
+  </p:clrMapOvr>
+</p:sld>
+</file>
+
+<file path=ppt/slides/slide4.xml><?xml version="1.0" encoding="utf-8"?>
+<p:sld xmlns:a="http://schemas.openxmlformats.org/drawingml/2006/main" xmlns:r="http://schemas.openxmlformats.org/officeDocument/2006/relationships" xmlns:p="http://schemas.openxmlformats.org/presentationml/2006/main">
+  <p:cSld>
+    <p:spTree>
+      <p:nvGrpSpPr>
+        <p:cNvPr id="1" name=""/>
+        <p:cNvGrpSpPr/>
+        <p:nvPr/>
+      </p:nvGrpSpPr>
+      <p:grpSpPr>
+        <a:xfrm>
+          <a:off x="0" y="0"/>
+          <a:ext cx="0" cy="0"/>
+          <a:chOff x="0" y="0"/>
+          <a:chExt cx="0" cy="0"/>
+        </a:xfrm>
+      </p:grpSpPr>
+      <p:sp>
+        <p:nvSpPr>
+          <p:cNvPr id="2" name="Titre 1"/>
+          <p:cNvSpPr>
+            <a:spLocks noGrp="1"/>
+          </p:cNvSpPr>
+          <p:nvPr>
+            <p:ph type="title"/>
+          </p:nvPr>
+        </p:nvSpPr>
+        <p:spPr/>
+        <p:txBody>
+          <a:bodyPr/>
+          <a:lstStyle/>
+          <a:p>
+            <a:r>
+              <a:rPr lang="fr-FR" dirty="0"/>
+              <a:t>Régression</a:t>
+            </a:r>
+          </a:p>
+        </p:txBody>
+      </p:sp>
+      <p:sp>
+        <p:nvSpPr>
+          <p:cNvPr id="3" name="Espace réservé du contenu 2"/>
+          <p:cNvSpPr>
+            <a:spLocks noGrp="1"/>
+          </p:cNvSpPr>
+          <p:nvPr>
+            <p:ph idx="1"/>
+          </p:nvPr>
+        </p:nvSpPr>
+        <p:spPr/>
+        <p:txBody>
+          <a:bodyPr/>
+          <a:lstStyle/>
+          <a:p>
+            <a:r>
+              <a:rPr lang="fr-FR" dirty="0"/>
+              <a:t>Commençons par la régression linéaire</a:t>
+            </a:r>
+          </a:p>
+          <a:p>
+            <a:r>
+              <a:rPr lang="fr-FR" dirty="0"/>
+              <a:t>Import </a:t>
+            </a:r>
+            <a:r>
+              <a:rPr lang="fr-FR" dirty="0" err="1"/>
+              <a:t>sklearn.linearmodel</a:t>
+            </a:r>
+            <a:endParaRPr lang="fr-FR" dirty="0"/>
+          </a:p>
+          <a:p>
+            <a:pPr lvl="1"/>
+            <a:r>
+              <a:rPr lang="fr-FR" dirty="0"/>
+              <a:t>Minimisation de l’erreur </a:t>
+            </a:r>
+            <a:r>
+              <a:rPr lang="fr-FR" dirty="0" err="1"/>
+              <a:t>quadritique</a:t>
+            </a:r>
+            <a:endParaRPr lang="fr-FR" dirty="0"/>
+          </a:p>
+          <a:p>
+            <a:r>
+              <a:rPr lang="fr-FR" dirty="0"/>
+              <a:t>Classe </a:t>
+            </a:r>
+            <a:r>
+              <a:rPr lang="fr-FR" dirty="0" err="1"/>
+              <a:t>LinearRegression</a:t>
+            </a:r>
+            <a:endParaRPr lang="fr-FR" dirty="0"/>
+          </a:p>
+          <a:p>
+            <a:r>
+              <a:rPr lang="fr-FR" dirty="0"/>
+              <a:t>Fit()</a:t>
+            </a:r>
+          </a:p>
+          <a:p>
+            <a:pPr lvl="1"/>
+            <a:r>
+              <a:rPr lang="fr-FR" dirty="0"/>
+              <a:t>Va démarrer l’apprentissage</a:t>
+            </a:r>
+          </a:p>
+          <a:p>
+            <a:r>
+              <a:rPr lang="fr-FR" dirty="0" err="1"/>
+              <a:t>Predict</a:t>
+            </a:r>
+            <a:r>
+              <a:rPr lang="fr-FR" dirty="0"/>
+              <a:t>()</a:t>
+            </a:r>
+          </a:p>
+          <a:p>
+            <a:pPr lvl="1"/>
+            <a:r>
+              <a:rPr lang="fr-FR" dirty="0"/>
+              <a:t>Joue le modèle</a:t>
+            </a:r>
+          </a:p>
+          <a:p>
+            <a:r>
+              <a:rPr lang="fr-FR" dirty="0"/>
+              <a:t>Résultats identiques à </a:t>
+            </a:r>
+            <a:r>
+              <a:rPr lang="fr-FR" dirty="0" err="1"/>
+              <a:t>SciPy</a:t>
+            </a:r>
+            <a:endParaRPr lang="fr-FR" dirty="0"/>
+          </a:p>
+        </p:txBody>
+      </p:sp>
+    </p:spTree>
+    <p:extLst>
+      <p:ext uri="{BB962C8B-B14F-4D97-AF65-F5344CB8AC3E}">
+        <p14:creationId xmlns:p14="http://schemas.microsoft.com/office/powerpoint/2010/main" val="1909837884"/>
+      </p:ext>
+    </p:extLst>
+  </p:cSld>
+  <p:clrMapOvr>
+    <a:masterClrMapping/>
+  </p:clrMapOvr>
+</p:sld>
+</file>
+
+<file path=ppt/slides/slide40.xml><?xml version="1.0" encoding="utf-8"?>
+<p:sld xmlns:a="http://schemas.openxmlformats.org/drawingml/2006/main" xmlns:r="http://schemas.openxmlformats.org/officeDocument/2006/relationships" xmlns:p="http://schemas.openxmlformats.org/presentationml/2006/main">
+  <p:cSld>
+    <p:spTree>
+      <p:nvGrpSpPr>
+        <p:cNvPr id="1" name=""/>
+        <p:cNvGrpSpPr/>
+        <p:nvPr/>
+      </p:nvGrpSpPr>
+      <p:grpSpPr>
+        <a:xfrm>
+          <a:off x="0" y="0"/>
+          <a:ext cx="0" cy="0"/>
+          <a:chOff x="0" y="0"/>
+          <a:chExt cx="0" cy="0"/>
+        </a:xfrm>
+      </p:grpSpPr>
+      <p:sp>
+        <p:nvSpPr>
+          <p:cNvPr id="2" name="Titre 1"/>
+          <p:cNvSpPr>
+            <a:spLocks noGrp="1"/>
+          </p:cNvSpPr>
+          <p:nvPr>
+            <p:ph type="title"/>
+          </p:nvPr>
+        </p:nvSpPr>
+        <p:spPr/>
+        <p:txBody>
+          <a:bodyPr/>
+          <a:lstStyle/>
+          <a:p>
+            <a:r>
+              <a:rPr lang="fr-FR" dirty="0"/>
               <a:t>Exemple Iris</a:t>
             </a:r>
-            <a:endParaRPr lang="fr-FR" dirty="0"/>
           </a:p>
         </p:txBody>
       </p:sp>
@@ -8601,297 +8313,6 @@
   <p:clrMapOvr>
     <a:masterClrMapping/>
   </p:clrMapOvr>
-  <p:timing>
-    <p:tnLst>
-      <p:par>
-        <p:cTn id="1" dur="indefinite" restart="never" nodeType="tmRoot"/>
-      </p:par>
-    </p:tnLst>
-  </p:timing>
-</p:sld>
-</file>
-
-<file path=ppt/slides/slide4.xml><?xml version="1.0" encoding="utf-8"?>
-<p:sld xmlns:a="http://schemas.openxmlformats.org/drawingml/2006/main" xmlns:r="http://schemas.openxmlformats.org/officeDocument/2006/relationships" xmlns:p="http://schemas.openxmlformats.org/presentationml/2006/main">
-  <p:cSld>
-    <p:spTree>
-      <p:nvGrpSpPr>
-        <p:cNvPr id="1" name=""/>
-        <p:cNvGrpSpPr/>
-        <p:nvPr/>
-      </p:nvGrpSpPr>
-      <p:grpSpPr>
-        <a:xfrm>
-          <a:off x="0" y="0"/>
-          <a:ext cx="0" cy="0"/>
-          <a:chOff x="0" y="0"/>
-          <a:chExt cx="0" cy="0"/>
-        </a:xfrm>
-      </p:grpSpPr>
-      <p:sp>
-        <p:nvSpPr>
-          <p:cNvPr id="2" name="Titre 1"/>
-          <p:cNvSpPr>
-            <a:spLocks noGrp="1"/>
-          </p:cNvSpPr>
-          <p:nvPr>
-            <p:ph type="title"/>
-          </p:nvPr>
-        </p:nvSpPr>
-        <p:spPr/>
-        <p:txBody>
-          <a:bodyPr/>
-          <a:lstStyle/>
-          <a:p>
-            <a:r>
-              <a:rPr lang="fr-FR" dirty="0" smtClean="0"/>
-              <a:t>Régression</a:t>
-            </a:r>
-            <a:endParaRPr lang="fr-FR" dirty="0"/>
-          </a:p>
-        </p:txBody>
-      </p:sp>
-      <p:sp>
-        <p:nvSpPr>
-          <p:cNvPr id="3" name="Espace réservé du contenu 2"/>
-          <p:cNvSpPr>
-            <a:spLocks noGrp="1"/>
-          </p:cNvSpPr>
-          <p:nvPr>
-            <p:ph idx="1"/>
-          </p:nvPr>
-        </p:nvSpPr>
-        <p:spPr/>
-        <p:txBody>
-          <a:bodyPr/>
-          <a:lstStyle/>
-          <a:p>
-            <a:r>
-              <a:rPr lang="fr-FR" dirty="0" smtClean="0"/>
-              <a:t>Commençons par la régression linéaire</a:t>
-            </a:r>
-            <a:endParaRPr lang="fr-FR" dirty="0"/>
-          </a:p>
-          <a:p>
-            <a:r>
-              <a:rPr lang="fr-FR" dirty="0" smtClean="0"/>
-              <a:t>Import </a:t>
-            </a:r>
-            <a:r>
-              <a:rPr lang="fr-FR" dirty="0" err="1" smtClean="0"/>
-              <a:t>sklearn.linearmodel</a:t>
-            </a:r>
-            <a:endParaRPr lang="fr-FR" dirty="0" smtClean="0"/>
-          </a:p>
-          <a:p>
-            <a:pPr lvl="1"/>
-            <a:r>
-              <a:rPr lang="fr-FR" dirty="0" smtClean="0"/>
-              <a:t>Minimisation de l’erreur </a:t>
-            </a:r>
-            <a:r>
-              <a:rPr lang="fr-FR" dirty="0" err="1" smtClean="0"/>
-              <a:t>quadritique</a:t>
-            </a:r>
-            <a:endParaRPr lang="fr-FR" dirty="0" smtClean="0"/>
-          </a:p>
-          <a:p>
-            <a:r>
-              <a:rPr lang="fr-FR" dirty="0" smtClean="0"/>
-              <a:t>Classe </a:t>
-            </a:r>
-            <a:r>
-              <a:rPr lang="fr-FR" dirty="0" err="1" smtClean="0"/>
-              <a:t>LinearRegression</a:t>
-            </a:r>
-            <a:endParaRPr lang="fr-FR" dirty="0" smtClean="0"/>
-          </a:p>
-          <a:p>
-            <a:r>
-              <a:rPr lang="fr-FR" dirty="0" smtClean="0"/>
-              <a:t>Fit()</a:t>
-            </a:r>
-          </a:p>
-          <a:p>
-            <a:pPr lvl="1"/>
-            <a:r>
-              <a:rPr lang="fr-FR" dirty="0" smtClean="0"/>
-              <a:t>Va démarrer l’apprentissage</a:t>
-            </a:r>
-          </a:p>
-          <a:p>
-            <a:r>
-              <a:rPr lang="fr-FR" dirty="0" err="1" smtClean="0"/>
-              <a:t>Predict</a:t>
-            </a:r>
-            <a:r>
-              <a:rPr lang="fr-FR" dirty="0" smtClean="0"/>
-              <a:t>()</a:t>
-            </a:r>
-          </a:p>
-          <a:p>
-            <a:pPr lvl="1"/>
-            <a:r>
-              <a:rPr lang="fr-FR" dirty="0" smtClean="0"/>
-              <a:t>Joue le modèle</a:t>
-            </a:r>
-          </a:p>
-          <a:p>
-            <a:r>
-              <a:rPr lang="fr-FR" dirty="0" smtClean="0"/>
-              <a:t>Résultats identiques à </a:t>
-            </a:r>
-            <a:r>
-              <a:rPr lang="fr-FR" dirty="0" err="1" smtClean="0"/>
-              <a:t>SciPy</a:t>
-            </a:r>
-            <a:endParaRPr lang="fr-FR" dirty="0" smtClean="0"/>
-          </a:p>
-        </p:txBody>
-      </p:sp>
-    </p:spTree>
-    <p:extLst>
-      <p:ext uri="{BB962C8B-B14F-4D97-AF65-F5344CB8AC3E}">
-        <p14:creationId xmlns:p14="http://schemas.microsoft.com/office/powerpoint/2010/main" val="1909837884"/>
-      </p:ext>
-    </p:extLst>
-  </p:cSld>
-  <p:clrMapOvr>
-    <a:masterClrMapping/>
-  </p:clrMapOvr>
-  <p:timing>
-    <p:tnLst>
-      <p:par>
-        <p:cTn id="1" dur="indefinite" restart="never" nodeType="tmRoot"/>
-      </p:par>
-    </p:tnLst>
-  </p:timing>
-</p:sld>
-</file>
-
-<file path=ppt/slides/slide40.xml><?xml version="1.0" encoding="utf-8"?>
-<p:sld xmlns:a="http://schemas.openxmlformats.org/drawingml/2006/main" xmlns:r="http://schemas.openxmlformats.org/officeDocument/2006/relationships" xmlns:p="http://schemas.openxmlformats.org/presentationml/2006/main">
-  <p:cSld>
-    <p:spTree>
-      <p:nvGrpSpPr>
-        <p:cNvPr id="1" name=""/>
-        <p:cNvGrpSpPr/>
-        <p:nvPr/>
-      </p:nvGrpSpPr>
-      <p:grpSpPr>
-        <a:xfrm>
-          <a:off x="0" y="0"/>
-          <a:ext cx="0" cy="0"/>
-          <a:chOff x="0" y="0"/>
-          <a:chExt cx="0" cy="0"/>
-        </a:xfrm>
-      </p:grpSpPr>
-      <p:sp>
-        <p:nvSpPr>
-          <p:cNvPr id="2" name="Titre 1"/>
-          <p:cNvSpPr>
-            <a:spLocks noGrp="1"/>
-          </p:cNvSpPr>
-          <p:nvPr>
-            <p:ph type="title"/>
-          </p:nvPr>
-        </p:nvSpPr>
-        <p:spPr/>
-        <p:txBody>
-          <a:bodyPr/>
-          <a:lstStyle/>
-          <a:p>
-            <a:r>
-              <a:rPr lang="fr-FR" dirty="0" smtClean="0"/>
-              <a:t>Importances des </a:t>
-            </a:r>
-            <a:r>
-              <a:rPr lang="fr-FR" dirty="0" err="1" smtClean="0"/>
-              <a:t>features</a:t>
-            </a:r>
-            <a:endParaRPr lang="fr-FR" dirty="0"/>
-          </a:p>
-        </p:txBody>
-      </p:sp>
-      <p:sp>
-        <p:nvSpPr>
-          <p:cNvPr id="3" name="Espace réservé du contenu 2"/>
-          <p:cNvSpPr>
-            <a:spLocks noGrp="1"/>
-          </p:cNvSpPr>
-          <p:nvPr>
-            <p:ph idx="1"/>
-          </p:nvPr>
-        </p:nvSpPr>
-        <p:spPr/>
-        <p:txBody>
-          <a:bodyPr/>
-          <a:lstStyle/>
-          <a:p>
-            <a:r>
-              <a:rPr lang="fr-FR" dirty="0" smtClean="0"/>
-              <a:t>Les précédents algorithmes ne permettaient pas de connaître l'importance de chaque </a:t>
-            </a:r>
-            <a:r>
-              <a:rPr lang="fr-FR" dirty="0" err="1" smtClean="0"/>
-              <a:t>feature</a:t>
-            </a:r>
-            <a:endParaRPr lang="fr-FR" dirty="0" smtClean="0"/>
-          </a:p>
-          <a:p>
-            <a:r>
-              <a:rPr lang="fr-FR" dirty="0" smtClean="0"/>
-              <a:t>Il est souvent utile de savoir les </a:t>
-            </a:r>
-            <a:r>
-              <a:rPr lang="fr-FR" dirty="0" err="1" smtClean="0"/>
-              <a:t>features</a:t>
-            </a:r>
-            <a:r>
-              <a:rPr lang="fr-FR" dirty="0" smtClean="0"/>
-              <a:t> prépondérantes</a:t>
-            </a:r>
-          </a:p>
-          <a:p>
-            <a:pPr lvl="1"/>
-            <a:r>
-              <a:rPr lang="fr-FR" dirty="0" smtClean="0"/>
-              <a:t>Et l'inverse celle qui ne le sont pas</a:t>
-            </a:r>
-          </a:p>
-          <a:p>
-            <a:pPr lvl="1"/>
-            <a:r>
-              <a:rPr lang="fr-FR" dirty="0"/>
-              <a:t>Permet de faire baisser le nombre de dimension</a:t>
-            </a:r>
-          </a:p>
-          <a:p>
-            <a:pPr lvl="1"/>
-            <a:endParaRPr lang="fr-FR" dirty="0" smtClean="0"/>
-          </a:p>
-          <a:p>
-            <a:endParaRPr lang="fr-FR" dirty="0"/>
-          </a:p>
-        </p:txBody>
-      </p:sp>
-    </p:spTree>
-    <p:extLst>
-      <p:ext uri="{BB962C8B-B14F-4D97-AF65-F5344CB8AC3E}">
-        <p14:creationId xmlns:p14="http://schemas.microsoft.com/office/powerpoint/2010/main" val="2130078548"/>
-      </p:ext>
-    </p:extLst>
-  </p:cSld>
-  <p:clrMapOvr>
-    <a:masterClrMapping/>
-  </p:clrMapOvr>
-  <p:timing>
-    <p:tnLst>
-      <p:par>
-        <p:cTn id="1" dur="indefinite" restart="never" nodeType="tmRoot"/>
-      </p:par>
-    </p:tnLst>
-  </p:timing>
 </p:sld>
 </file>
 
@@ -8928,12 +8349,12 @@
           <a:lstStyle/>
           <a:p>
             <a:r>
-              <a:rPr lang="fr-FR" dirty="0" smtClean="0"/>
-              <a:t>Importance </a:t>
-            </a:r>
-            <a:r>
-              <a:rPr lang="fr-FR" dirty="0" err="1" smtClean="0"/>
-              <a:t>Feature</a:t>
+              <a:rPr lang="fr-FR" dirty="0"/>
+              <a:t>Importances des </a:t>
+            </a:r>
+            <a:r>
+              <a:rPr lang="fr-FR" dirty="0" err="1"/>
+              <a:t>features</a:t>
             </a:r>
             <a:endParaRPr lang="fr-FR" dirty="0"/>
           </a:p>
@@ -8955,28 +8376,48 @@
           <a:lstStyle/>
           <a:p>
             <a:r>
-              <a:rPr lang="fr-FR" dirty="0" err="1" smtClean="0"/>
-              <a:t>forest.feature_importances</a:t>
-            </a:r>
-            <a:r>
-              <a:rPr lang="fr-FR" dirty="0" smtClean="0"/>
-              <a:t>_</a:t>
-            </a:r>
-          </a:p>
-          <a:p>
-            <a:pPr lvl="1"/>
-            <a:r>
-              <a:rPr lang="fr-FR" dirty="0" smtClean="0"/>
-              <a:t>Permet de donner pour chaque </a:t>
-            </a:r>
-            <a:r>
-              <a:rPr lang="fr-FR" dirty="0" err="1" smtClean="0"/>
+              <a:rPr lang="fr-FR" dirty="0"/>
+              <a:t>Les précédents algorithmes ne permettaient pas de connaître l'importance de chaque </a:t>
+            </a:r>
+            <a:r>
+              <a:rPr lang="fr-FR" dirty="0" err="1"/>
               <a:t>feature</a:t>
             </a:r>
-            <a:r>
-              <a:rPr lang="fr-FR" dirty="0" smtClean="0"/>
-              <a:t> son importance sur 1</a:t>
-            </a:r>
+            <a:endParaRPr lang="fr-FR" dirty="0"/>
+          </a:p>
+          <a:p>
+            <a:r>
+              <a:rPr lang="fr-FR" dirty="0"/>
+              <a:t>Il est souvent utile de savoir les </a:t>
+            </a:r>
+            <a:r>
+              <a:rPr lang="fr-FR" dirty="0" err="1"/>
+              <a:t>features</a:t>
+            </a:r>
+            <a:r>
+              <a:rPr lang="fr-FR" dirty="0"/>
+              <a:t> prépondérantes</a:t>
+            </a:r>
+          </a:p>
+          <a:p>
+            <a:pPr lvl="1"/>
+            <a:r>
+              <a:rPr lang="fr-FR" dirty="0"/>
+              <a:t>Et l'inverse celle qui ne le sont pas</a:t>
+            </a:r>
+          </a:p>
+          <a:p>
+            <a:pPr lvl="1"/>
+            <a:r>
+              <a:rPr lang="fr-FR" dirty="0"/>
+              <a:t>Permet de faire baisser le nombre de dimension</a:t>
+            </a:r>
+          </a:p>
+          <a:p>
+            <a:pPr lvl="1"/>
+            <a:endParaRPr lang="fr-FR" dirty="0"/>
+          </a:p>
+          <a:p>
             <a:endParaRPr lang="fr-FR" dirty="0"/>
           </a:p>
         </p:txBody>
@@ -8984,20 +8425,13 @@
     </p:spTree>
     <p:extLst>
       <p:ext uri="{BB962C8B-B14F-4D97-AF65-F5344CB8AC3E}">
-        <p14:creationId xmlns:p14="http://schemas.microsoft.com/office/powerpoint/2010/main" val="3660286143"/>
+        <p14:creationId xmlns:p14="http://schemas.microsoft.com/office/powerpoint/2010/main" val="2130078548"/>
       </p:ext>
     </p:extLst>
   </p:cSld>
   <p:clrMapOvr>
     <a:masterClrMapping/>
   </p:clrMapOvr>
-  <p:timing>
-    <p:tnLst>
-      <p:par>
-        <p:cTn id="1" dur="indefinite" restart="never" nodeType="tmRoot"/>
-      </p:par>
-    </p:tnLst>
-  </p:timing>
 </p:sld>
 </file>
 
@@ -9034,10 +8468,14 @@
           <a:lstStyle/>
           <a:p>
             <a:r>
-              <a:rPr lang="fr-FR" smtClean="0"/>
-              <a:t>Neurone</a:t>
-            </a:r>
-            <a:endParaRPr lang="fr-FR"/>
+              <a:rPr lang="fr-FR" dirty="0"/>
+              <a:t>Importance </a:t>
+            </a:r>
+            <a:r>
+              <a:rPr lang="fr-FR" dirty="0" err="1"/>
+              <a:t>Feature</a:t>
+            </a:r>
+            <a:endParaRPr lang="fr-FR" dirty="0"/>
           </a:p>
         </p:txBody>
       </p:sp>
@@ -9057,38 +8495,41 @@
           <a:lstStyle/>
           <a:p>
             <a:r>
-              <a:rPr lang="fr-FR" dirty="0" smtClean="0"/>
-              <a:t>En biologie un neurone est une cellule connecté à d’autre neurones qui a la faculté de laisser passer ou non un courant électrique</a:t>
-            </a:r>
-          </a:p>
-          <a:p>
-            <a:r>
-              <a:rPr lang="fr-FR" dirty="0" smtClean="0"/>
-              <a:t>Sa modélisation mathématique est appelé perceptron</a:t>
-            </a:r>
-          </a:p>
-          <a:p>
-            <a:endParaRPr lang="fr-FR" dirty="0"/>
+              <a:rPr lang="fr-FR" dirty="0" err="1"/>
+              <a:t>forest.feature_importances</a:t>
+            </a:r>
+            <a:r>
+              <a:rPr lang="fr-FR" dirty="0"/>
+              <a:t>_</a:t>
+            </a:r>
+          </a:p>
+          <a:p>
+            <a:pPr lvl="1"/>
+            <a:r>
+              <a:rPr lang="fr-FR" dirty="0"/>
+              <a:t>Permet de donner pour chaque </a:t>
+            </a:r>
+            <a:r>
+              <a:rPr lang="fr-FR" dirty="0" err="1"/>
+              <a:t>feature</a:t>
+            </a:r>
+            <a:r>
+              <a:rPr lang="fr-FR" dirty="0"/>
+              <a:t> son importance sur 1</a:t>
+            </a:r>
           </a:p>
         </p:txBody>
       </p:sp>
     </p:spTree>
     <p:extLst>
       <p:ext uri="{BB962C8B-B14F-4D97-AF65-F5344CB8AC3E}">
-        <p14:creationId xmlns:p14="http://schemas.microsoft.com/office/powerpoint/2010/main" val="1551540444"/>
+        <p14:creationId xmlns:p14="http://schemas.microsoft.com/office/powerpoint/2010/main" val="3660286143"/>
       </p:ext>
     </p:extLst>
   </p:cSld>
   <p:clrMapOvr>
     <a:masterClrMapping/>
   </p:clrMapOvr>
-  <p:timing>
-    <p:tnLst>
-      <p:par>
-        <p:cTn id="1" dur="indefinite" restart="never" nodeType="tmRoot"/>
-      </p:par>
-    </p:tnLst>
-  </p:timing>
 </p:sld>
 </file>
 
@@ -9125,10 +8566,9 @@
           <a:lstStyle/>
           <a:p>
             <a:r>
-              <a:rPr lang="fr-FR" dirty="0" smtClean="0"/>
-              <a:t>Exemple simple</a:t>
-            </a:r>
-            <a:endParaRPr lang="fr-FR" dirty="0"/>
+              <a:rPr lang="fr-FR"/>
+              <a:t>Neurone</a:t>
+            </a:r>
           </a:p>
         </p:txBody>
       </p:sp>
@@ -9148,84 +8588,166 @@
           <a:lstStyle/>
           <a:p>
             <a:r>
-              <a:rPr lang="fr-FR" dirty="0" smtClean="0"/>
+              <a:rPr lang="fr-FR" dirty="0"/>
+              <a:t>En biologie un neurone est une cellule connecté à d’autre neurones qui a la faculté de laisser passer ou non un courant électrique</a:t>
+            </a:r>
+          </a:p>
+          <a:p>
+            <a:r>
+              <a:rPr lang="fr-FR" dirty="0"/>
+              <a:t>Sa modélisation mathématique est appelé perceptron</a:t>
+            </a:r>
+          </a:p>
+          <a:p>
+            <a:endParaRPr lang="fr-FR" dirty="0"/>
+          </a:p>
+        </p:txBody>
+      </p:sp>
+    </p:spTree>
+    <p:extLst>
+      <p:ext uri="{BB962C8B-B14F-4D97-AF65-F5344CB8AC3E}">
+        <p14:creationId xmlns:p14="http://schemas.microsoft.com/office/powerpoint/2010/main" val="1551540444"/>
+      </p:ext>
+    </p:extLst>
+  </p:cSld>
+  <p:clrMapOvr>
+    <a:masterClrMapping/>
+  </p:clrMapOvr>
+</p:sld>
+</file>
+
+<file path=ppt/slides/slide44.xml><?xml version="1.0" encoding="utf-8"?>
+<p:sld xmlns:a="http://schemas.openxmlformats.org/drawingml/2006/main" xmlns:r="http://schemas.openxmlformats.org/officeDocument/2006/relationships" xmlns:p="http://schemas.openxmlformats.org/presentationml/2006/main">
+  <p:cSld>
+    <p:spTree>
+      <p:nvGrpSpPr>
+        <p:cNvPr id="1" name=""/>
+        <p:cNvGrpSpPr/>
+        <p:nvPr/>
+      </p:nvGrpSpPr>
+      <p:grpSpPr>
+        <a:xfrm>
+          <a:off x="0" y="0"/>
+          <a:ext cx="0" cy="0"/>
+          <a:chOff x="0" y="0"/>
+          <a:chExt cx="0" cy="0"/>
+        </a:xfrm>
+      </p:grpSpPr>
+      <p:sp>
+        <p:nvSpPr>
+          <p:cNvPr id="2" name="Titre 1"/>
+          <p:cNvSpPr>
+            <a:spLocks noGrp="1"/>
+          </p:cNvSpPr>
+          <p:nvPr>
+            <p:ph type="title"/>
+          </p:nvPr>
+        </p:nvSpPr>
+        <p:spPr/>
+        <p:txBody>
+          <a:bodyPr/>
+          <a:lstStyle/>
+          <a:p>
+            <a:r>
+              <a:rPr lang="fr-FR" dirty="0"/>
+              <a:t>Exemple simple</a:t>
+            </a:r>
+          </a:p>
+        </p:txBody>
+      </p:sp>
+      <p:sp>
+        <p:nvSpPr>
+          <p:cNvPr id="3" name="Espace réservé du contenu 2"/>
+          <p:cNvSpPr>
+            <a:spLocks noGrp="1"/>
+          </p:cNvSpPr>
+          <p:nvPr>
+            <p:ph idx="1"/>
+          </p:nvPr>
+        </p:nvSpPr>
+        <p:spPr/>
+        <p:txBody>
+          <a:bodyPr/>
+          <a:lstStyle/>
+          <a:p>
+            <a:r>
+              <a:rPr lang="fr-FR" dirty="0"/>
               <a:t>Réseau (2,2,2)</a:t>
             </a:r>
           </a:p>
           <a:p>
             <a:pPr lvl="1"/>
             <a:r>
-              <a:rPr lang="fr-FR" dirty="0" smtClean="0"/>
+              <a:rPr lang="fr-FR" dirty="0"/>
               <a:t>2 inputs</a:t>
             </a:r>
           </a:p>
           <a:p>
             <a:pPr lvl="1"/>
             <a:r>
-              <a:rPr lang="fr-FR" dirty="0" smtClean="0"/>
+              <a:rPr lang="fr-FR" dirty="0"/>
               <a:t>2 </a:t>
             </a:r>
             <a:r>
-              <a:rPr lang="fr-FR" dirty="0" err="1" smtClean="0"/>
+              <a:rPr lang="fr-FR" dirty="0" err="1"/>
               <a:t>hiddens</a:t>
             </a:r>
-            <a:endParaRPr lang="fr-FR" dirty="0" smtClean="0"/>
-          </a:p>
-          <a:p>
-            <a:pPr lvl="1"/>
-            <a:r>
-              <a:rPr lang="fr-FR" dirty="0" smtClean="0"/>
+            <a:endParaRPr lang="fr-FR" dirty="0"/>
+          </a:p>
+          <a:p>
+            <a:pPr lvl="1"/>
+            <a:r>
+              <a:rPr lang="fr-FR" dirty="0"/>
               <a:t>2 outputs</a:t>
             </a:r>
           </a:p>
           <a:p>
             <a:r>
-              <a:rPr lang="fr-FR" dirty="0" smtClean="0"/>
+              <a:rPr lang="fr-FR" dirty="0"/>
               <a:t>Input [0.05, 0.1]</a:t>
             </a:r>
           </a:p>
           <a:p>
             <a:r>
-              <a:rPr lang="fr-FR" dirty="0" smtClean="0"/>
+              <a:rPr lang="fr-FR" dirty="0"/>
               <a:t>Output </a:t>
             </a:r>
             <a:r>
-              <a:rPr lang="fr-FR" dirty="0" err="1" smtClean="0"/>
+              <a:rPr lang="fr-FR" dirty="0" err="1"/>
               <a:t>target</a:t>
             </a:r>
             <a:r>
-              <a:rPr lang="fr-FR" dirty="0" smtClean="0"/>
+              <a:rPr lang="fr-FR" dirty="0"/>
               <a:t> [0.01, 0.99]</a:t>
             </a:r>
           </a:p>
           <a:p>
             <a:r>
-              <a:rPr lang="fr-FR" dirty="0" err="1" smtClean="0"/>
+              <a:rPr lang="fr-FR" dirty="0" err="1"/>
               <a:t>wx</a:t>
             </a:r>
             <a:r>
-              <a:rPr lang="fr-FR" dirty="0" smtClean="0"/>
+              <a:rPr lang="fr-FR" dirty="0"/>
               <a:t> = Poids</a:t>
             </a:r>
           </a:p>
           <a:p>
             <a:r>
-              <a:rPr lang="fr-FR" dirty="0" err="1" smtClean="0"/>
+              <a:rPr lang="fr-FR" dirty="0" err="1"/>
               <a:t>bx</a:t>
             </a:r>
             <a:r>
-              <a:rPr lang="fr-FR" dirty="0" smtClean="0"/>
+              <a:rPr lang="fr-FR" dirty="0"/>
               <a:t> = </a:t>
             </a:r>
             <a:r>
-              <a:rPr lang="fr-FR" dirty="0" err="1" smtClean="0"/>
+              <a:rPr lang="fr-FR" dirty="0" err="1"/>
               <a:t>Bias</a:t>
             </a:r>
             <a:r>
-              <a:rPr lang="fr-FR" dirty="0" smtClean="0"/>
+              <a:rPr lang="fr-FR" dirty="0"/>
               <a:t> (seuils)</a:t>
             </a:r>
-            <a:endParaRPr lang="fr-FR" dirty="0"/>
           </a:p>
         </p:txBody>
       </p:sp>
@@ -9280,120 +8802,6 @@
   <p:clrMapOvr>
     <a:masterClrMapping/>
   </p:clrMapOvr>
-  <p:timing>
-    <p:tnLst>
-      <p:par>
-        <p:cTn id="1" dur="indefinite" restart="never" nodeType="tmRoot"/>
-      </p:par>
-    </p:tnLst>
-  </p:timing>
-</p:sld>
-</file>
-
-<file path=ppt/slides/slide44.xml><?xml version="1.0" encoding="utf-8"?>
-<p:sld xmlns:a="http://schemas.openxmlformats.org/drawingml/2006/main" xmlns:r="http://schemas.openxmlformats.org/officeDocument/2006/relationships" xmlns:p="http://schemas.openxmlformats.org/presentationml/2006/main">
-  <p:cSld>
-    <p:spTree>
-      <p:nvGrpSpPr>
-        <p:cNvPr id="1" name=""/>
-        <p:cNvGrpSpPr/>
-        <p:nvPr/>
-      </p:nvGrpSpPr>
-      <p:grpSpPr>
-        <a:xfrm>
-          <a:off x="0" y="0"/>
-          <a:ext cx="0" cy="0"/>
-          <a:chOff x="0" y="0"/>
-          <a:chExt cx="0" cy="0"/>
-        </a:xfrm>
-      </p:grpSpPr>
-      <p:sp>
-        <p:nvSpPr>
-          <p:cNvPr id="2" name="Titre 1"/>
-          <p:cNvSpPr>
-            <a:spLocks noGrp="1"/>
-          </p:cNvSpPr>
-          <p:nvPr>
-            <p:ph type="title"/>
-          </p:nvPr>
-        </p:nvSpPr>
-        <p:spPr/>
-        <p:txBody>
-          <a:bodyPr/>
-          <a:lstStyle/>
-          <a:p>
-            <a:r>
-              <a:rPr lang="fr-FR" dirty="0" err="1" smtClean="0"/>
-              <a:t>Backpropagation</a:t>
-            </a:r>
-            <a:endParaRPr lang="fr-FR" dirty="0"/>
-          </a:p>
-        </p:txBody>
-      </p:sp>
-      <p:sp>
-        <p:nvSpPr>
-          <p:cNvPr id="3" name="Espace réservé du contenu 2"/>
-          <p:cNvSpPr>
-            <a:spLocks noGrp="1"/>
-          </p:cNvSpPr>
-          <p:nvPr>
-            <p:ph idx="1"/>
-          </p:nvPr>
-        </p:nvSpPr>
-        <p:spPr/>
-        <p:txBody>
-          <a:bodyPr/>
-          <a:lstStyle/>
-          <a:p>
-            <a:r>
-              <a:rPr lang="fr-FR" dirty="0" smtClean="0"/>
-              <a:t>Les réseaux de neurones sont souvent supervisé</a:t>
-            </a:r>
-          </a:p>
-          <a:p>
-            <a:pPr lvl="1"/>
-            <a:r>
-              <a:rPr lang="fr-FR" dirty="0" smtClean="0"/>
-              <a:t>Présence d’un feedback pour indiquer si le calcul est bon</a:t>
-            </a:r>
-          </a:p>
-          <a:p>
-            <a:r>
-              <a:rPr lang="fr-FR" dirty="0" smtClean="0"/>
-              <a:t>Si le feedback est bon, le neurone se fige un peu plus</a:t>
-            </a:r>
-          </a:p>
-          <a:p>
-            <a:r>
-              <a:rPr lang="fr-FR" dirty="0" smtClean="0"/>
-              <a:t>Sinon, le seuil et les poids changent un peu</a:t>
-            </a:r>
-          </a:p>
-          <a:p>
-            <a:endParaRPr lang="fr-FR" dirty="0" smtClean="0"/>
-          </a:p>
-          <a:p>
-            <a:endParaRPr lang="fr-FR" dirty="0"/>
-          </a:p>
-        </p:txBody>
-      </p:sp>
-    </p:spTree>
-    <p:extLst>
-      <p:ext uri="{BB962C8B-B14F-4D97-AF65-F5344CB8AC3E}">
-        <p14:creationId xmlns:p14="http://schemas.microsoft.com/office/powerpoint/2010/main" val="1210553398"/>
-      </p:ext>
-    </p:extLst>
-  </p:cSld>
-  <p:clrMapOvr>
-    <a:masterClrMapping/>
-  </p:clrMapOvr>
-  <p:timing>
-    <p:tnLst>
-      <p:par>
-        <p:cTn id="1" dur="indefinite" restart="never" nodeType="tmRoot"/>
-      </p:par>
-    </p:tnLst>
-  </p:timing>
 </p:sld>
 </file>
 
@@ -9430,7 +8838,107 @@
           <a:lstStyle/>
           <a:p>
             <a:r>
-              <a:rPr lang="fr-FR" dirty="0" err="1" smtClean="0"/>
+              <a:rPr lang="fr-FR" dirty="0" err="1"/>
+              <a:t>Backpropagation</a:t>
+            </a:r>
+            <a:endParaRPr lang="fr-FR" dirty="0"/>
+          </a:p>
+        </p:txBody>
+      </p:sp>
+      <p:sp>
+        <p:nvSpPr>
+          <p:cNvPr id="3" name="Espace réservé du contenu 2"/>
+          <p:cNvSpPr>
+            <a:spLocks noGrp="1"/>
+          </p:cNvSpPr>
+          <p:nvPr>
+            <p:ph idx="1"/>
+          </p:nvPr>
+        </p:nvSpPr>
+        <p:spPr/>
+        <p:txBody>
+          <a:bodyPr/>
+          <a:lstStyle/>
+          <a:p>
+            <a:r>
+              <a:rPr lang="fr-FR" dirty="0"/>
+              <a:t>Les réseaux de neurones sont souvent supervisé</a:t>
+            </a:r>
+          </a:p>
+          <a:p>
+            <a:pPr lvl="1"/>
+            <a:r>
+              <a:rPr lang="fr-FR" dirty="0"/>
+              <a:t>Présence d’un feedback pour indiquer si le calcul est bon</a:t>
+            </a:r>
+          </a:p>
+          <a:p>
+            <a:r>
+              <a:rPr lang="fr-FR" dirty="0"/>
+              <a:t>Si le feedback est bon, le neurone se fige un peu plus</a:t>
+            </a:r>
+          </a:p>
+          <a:p>
+            <a:r>
+              <a:rPr lang="fr-FR" dirty="0"/>
+              <a:t>Sinon, le seuil et les poids changent un peu</a:t>
+            </a:r>
+          </a:p>
+          <a:p>
+            <a:endParaRPr lang="fr-FR" dirty="0"/>
+          </a:p>
+          <a:p>
+            <a:endParaRPr lang="fr-FR" dirty="0"/>
+          </a:p>
+        </p:txBody>
+      </p:sp>
+    </p:spTree>
+    <p:extLst>
+      <p:ext uri="{BB962C8B-B14F-4D97-AF65-F5344CB8AC3E}">
+        <p14:creationId xmlns:p14="http://schemas.microsoft.com/office/powerpoint/2010/main" val="1210553398"/>
+      </p:ext>
+    </p:extLst>
+  </p:cSld>
+  <p:clrMapOvr>
+    <a:masterClrMapping/>
+  </p:clrMapOvr>
+</p:sld>
+</file>
+
+<file path=ppt/slides/slide46.xml><?xml version="1.0" encoding="utf-8"?>
+<p:sld xmlns:a="http://schemas.openxmlformats.org/drawingml/2006/main" xmlns:r="http://schemas.openxmlformats.org/officeDocument/2006/relationships" xmlns:p="http://schemas.openxmlformats.org/presentationml/2006/main">
+  <p:cSld>
+    <p:spTree>
+      <p:nvGrpSpPr>
+        <p:cNvPr id="1" name=""/>
+        <p:cNvGrpSpPr/>
+        <p:nvPr/>
+      </p:nvGrpSpPr>
+      <p:grpSpPr>
+        <a:xfrm>
+          <a:off x="0" y="0"/>
+          <a:ext cx="0" cy="0"/>
+          <a:chOff x="0" y="0"/>
+          <a:chExt cx="0" cy="0"/>
+        </a:xfrm>
+      </p:grpSpPr>
+      <p:sp>
+        <p:nvSpPr>
+          <p:cNvPr id="2" name="Titre 1"/>
+          <p:cNvSpPr>
+            <a:spLocks noGrp="1"/>
+          </p:cNvSpPr>
+          <p:nvPr>
+            <p:ph type="title"/>
+          </p:nvPr>
+        </p:nvSpPr>
+        <p:spPr/>
+        <p:txBody>
+          <a:bodyPr/>
+          <a:lstStyle/>
+          <a:p>
+            <a:r>
+              <a:rPr lang="fr-FR" dirty="0" err="1"/>
               <a:t>Backpropagation</a:t>
             </a:r>
             <a:endParaRPr lang="fr-FR" dirty="0"/>
@@ -9490,17 +8998,10 @@
   <p:clrMapOvr>
     <a:masterClrMapping/>
   </p:clrMapOvr>
-  <p:timing>
-    <p:tnLst>
-      <p:par>
-        <p:cTn id="1" dur="indefinite" restart="never" nodeType="tmRoot"/>
-      </p:par>
-    </p:tnLst>
-  </p:timing>
 </p:sld>
 </file>
 
-<file path=ppt/slides/slide46.xml><?xml version="1.0" encoding="utf-8"?>
+<file path=ppt/slides/slide47.xml><?xml version="1.0" encoding="utf-8"?>
 <p:sld xmlns:a="http://schemas.openxmlformats.org/drawingml/2006/main" xmlns:r="http://schemas.openxmlformats.org/officeDocument/2006/relationships" xmlns:p="http://schemas.openxmlformats.org/presentationml/2006/main">
   <p:cSld>
     <p:spTree>
@@ -9533,7 +9034,7 @@
           <a:lstStyle/>
           <a:p>
             <a:r>
-              <a:rPr lang="fr-FR" smtClean="0"/>
+              <a:rPr lang="fr-FR"/>
               <a:t>MLPClassifier</a:t>
             </a:r>
             <a:endParaRPr lang="fr-FR" dirty="0"/>
@@ -9556,13 +9057,13 @@
           <a:lstStyle/>
           <a:p>
             <a:r>
-              <a:rPr lang="fr-FR" dirty="0" smtClean="0"/>
+              <a:rPr lang="fr-FR" dirty="0"/>
               <a:t>Multi Layer Perceptron Classifier</a:t>
             </a:r>
           </a:p>
           <a:p>
             <a:r>
-              <a:rPr lang="fr-FR" dirty="0" err="1" smtClean="0"/>
+              <a:rPr lang="fr-FR" dirty="0" err="1"/>
               <a:t>Hidden_layer_size</a:t>
             </a:r>
             <a:endParaRPr lang="fr-FR" dirty="0"/>
@@ -9570,82 +9071,78 @@
           <a:p>
             <a:pPr lvl="1"/>
             <a:r>
-              <a:rPr lang="fr-FR" dirty="0" smtClean="0"/>
+              <a:rPr lang="fr-FR" dirty="0"/>
               <a:t>nombre de perceptron par couche</a:t>
             </a:r>
           </a:p>
           <a:p>
             <a:pPr lvl="1"/>
             <a:r>
-              <a:rPr lang="fr-FR" dirty="0" smtClean="0"/>
+              <a:rPr lang="fr-FR" dirty="0"/>
               <a:t>(30,30,30) : trois couches de 30 perceptrons</a:t>
             </a:r>
           </a:p>
           <a:p>
             <a:r>
-              <a:rPr lang="fr-FR" dirty="0" smtClean="0"/>
+              <a:rPr lang="fr-FR" dirty="0"/>
               <a:t>Activation</a:t>
             </a:r>
           </a:p>
           <a:p>
             <a:pPr lvl="1"/>
             <a:r>
-              <a:rPr lang="fr-FR" dirty="0" smtClean="0"/>
+              <a:rPr lang="fr-FR" dirty="0"/>
               <a:t>Fonction d’activation</a:t>
             </a:r>
           </a:p>
           <a:p>
             <a:pPr lvl="1"/>
             <a:r>
-              <a:rPr lang="fr-FR" dirty="0" err="1" smtClean="0"/>
+              <a:rPr lang="fr-FR" dirty="0" err="1"/>
               <a:t>Logistic</a:t>
             </a:r>
             <a:r>
-              <a:rPr lang="fr-FR" dirty="0" smtClean="0"/>
+              <a:rPr lang="fr-FR" dirty="0"/>
               <a:t> : </a:t>
             </a:r>
             <a:r>
-              <a:rPr lang="fr-FR" dirty="0" err="1" smtClean="0"/>
+              <a:rPr lang="fr-FR" dirty="0" err="1"/>
               <a:t>sigmoide</a:t>
             </a:r>
             <a:r>
-              <a:rPr lang="fr-FR" dirty="0" smtClean="0"/>
+              <a:rPr lang="fr-FR" dirty="0"/>
               <a:t> bien répartie mais couteuse : </a:t>
             </a:r>
             <a:r>
-              <a:rPr lang="fr-FR" sz="2200" dirty="0" smtClean="0"/>
+              <a:rPr lang="fr-FR" sz="2200" dirty="0"/>
               <a:t>f(x) = 1/1+exp(-x))</a:t>
             </a:r>
           </a:p>
           <a:p>
             <a:pPr lvl="1"/>
             <a:r>
-              <a:rPr lang="fr-FR" dirty="0" err="1" smtClean="0"/>
+              <a:rPr lang="fr-FR" dirty="0" err="1"/>
               <a:t>Tanh</a:t>
             </a:r>
             <a:r>
-              <a:rPr lang="fr-FR" dirty="0" smtClean="0"/>
+              <a:rPr lang="fr-FR" dirty="0"/>
               <a:t> : </a:t>
             </a:r>
             <a:r>
-              <a:rPr lang="fr-FR" dirty="0" err="1" smtClean="0"/>
+              <a:rPr lang="fr-FR" dirty="0" err="1"/>
               <a:t>sigmoide</a:t>
             </a:r>
             <a:r>
-              <a:rPr lang="fr-FR" dirty="0" smtClean="0"/>
+              <a:rPr lang="fr-FR" dirty="0"/>
               <a:t> </a:t>
             </a:r>
             <a:r>
-              <a:rPr lang="fr-FR" dirty="0" err="1" smtClean="0"/>
+              <a:rPr lang="fr-FR" dirty="0" err="1"/>
               <a:t>simplifée</a:t>
             </a:r>
             <a:r>
-              <a:rPr lang="fr-FR" dirty="0" smtClean="0"/>
-              <a:t> : </a:t>
-            </a:r>
-            <a:r>
-              <a:rPr lang="fr-FR" dirty="0"/>
-              <a:t>f(x) = </a:t>
+              <a:rPr lang="fr-FR" dirty="0"/>
+              <a:t> : f(x) = </a:t>
             </a:r>
             <a:r>
               <a:rPr lang="fr-FR" dirty="0" err="1"/>
@@ -9653,17 +9150,13 @@
             </a:r>
             <a:r>
               <a:rPr lang="fr-FR" dirty="0"/>
-              <a:t>(x</a:t>
-            </a:r>
-            <a:r>
-              <a:rPr lang="fr-FR" dirty="0" smtClean="0"/>
-              <a:t>)</a:t>
-            </a:r>
-          </a:p>
-          <a:p>
-            <a:pPr lvl="1"/>
-            <a:r>
-              <a:rPr lang="fr-FR" dirty="0" smtClean="0"/>
+              <a:t>(x)</a:t>
+            </a:r>
+          </a:p>
+          <a:p>
+            <a:pPr lvl="1"/>
+            <a:r>
+              <a:rPr lang="fr-FR" dirty="0"/>
               <a:t>Relu (par défaut) : f(x) = max (0, x) rapide mais ne permet pas de tout faire </a:t>
             </a:r>
           </a:p>
@@ -9720,220 +9213,6 @@
   <p:clrMapOvr>
     <a:masterClrMapping/>
   </p:clrMapOvr>
-  <p:timing>
-    <p:tnLst>
-      <p:par>
-        <p:cTn id="1" dur="indefinite" restart="never" nodeType="tmRoot"/>
-      </p:par>
-    </p:tnLst>
-  </p:timing>
-</p:sld>
-</file>
-
-<file path=ppt/slides/slide47.xml><?xml version="1.0" encoding="utf-8"?>
-<p:sld xmlns:a="http://schemas.openxmlformats.org/drawingml/2006/main" xmlns:r="http://schemas.openxmlformats.org/officeDocument/2006/relationships" xmlns:p="http://schemas.openxmlformats.org/presentationml/2006/main">
-  <p:cSld>
-    <p:spTree>
-      <p:nvGrpSpPr>
-        <p:cNvPr id="1" name=""/>
-        <p:cNvGrpSpPr/>
-        <p:nvPr/>
-      </p:nvGrpSpPr>
-      <p:grpSpPr>
-        <a:xfrm>
-          <a:off x="0" y="0"/>
-          <a:ext cx="0" cy="0"/>
-          <a:chOff x="0" y="0"/>
-          <a:chExt cx="0" cy="0"/>
-        </a:xfrm>
-      </p:grpSpPr>
-      <p:sp>
-        <p:nvSpPr>
-          <p:cNvPr id="2" name="Titre 1"/>
-          <p:cNvSpPr>
-            <a:spLocks noGrp="1"/>
-          </p:cNvSpPr>
-          <p:nvPr>
-            <p:ph type="title"/>
-          </p:nvPr>
-        </p:nvSpPr>
-        <p:spPr/>
-        <p:txBody>
-          <a:bodyPr/>
-          <a:lstStyle/>
-          <a:p>
-            <a:r>
-              <a:rPr lang="fr-FR" dirty="0" err="1" smtClean="0"/>
-              <a:t>MLPClassifier</a:t>
-            </a:r>
-            <a:endParaRPr lang="fr-FR" dirty="0"/>
-          </a:p>
-        </p:txBody>
-      </p:sp>
-      <p:sp>
-        <p:nvSpPr>
-          <p:cNvPr id="3" name="Espace réservé du contenu 2"/>
-          <p:cNvSpPr>
-            <a:spLocks noGrp="1"/>
-          </p:cNvSpPr>
-          <p:nvPr>
-            <p:ph idx="1"/>
-          </p:nvPr>
-        </p:nvSpPr>
-        <p:spPr/>
-        <p:txBody>
-          <a:bodyPr/>
-          <a:lstStyle/>
-          <a:p>
-            <a:r>
-              <a:rPr lang="fr-FR" sz="2400" dirty="0" err="1" smtClean="0"/>
-              <a:t>Solver</a:t>
-            </a:r>
-            <a:endParaRPr lang="fr-FR" sz="2400" dirty="0" smtClean="0"/>
-          </a:p>
-          <a:p>
-            <a:pPr lvl="1"/>
-            <a:r>
-              <a:rPr lang="fr-FR" sz="2000" dirty="0" smtClean="0"/>
-              <a:t>Algorithme du changement du poids</a:t>
-            </a:r>
-            <a:endParaRPr lang="fr-FR" sz="2000" dirty="0"/>
-          </a:p>
-          <a:p>
-            <a:pPr lvl="1"/>
-            <a:r>
-              <a:rPr lang="fr-FR" sz="2000" dirty="0" smtClean="0"/>
-              <a:t>Par défaut </a:t>
-            </a:r>
-            <a:r>
-              <a:rPr lang="fr-FR" sz="2000" dirty="0" err="1" smtClean="0"/>
-              <a:t>adam</a:t>
-            </a:r>
-            <a:r>
-              <a:rPr lang="fr-FR" sz="2000" dirty="0"/>
-              <a:t> (</a:t>
-            </a:r>
-            <a:r>
-              <a:rPr lang="fr-FR" sz="2000" dirty="0" err="1"/>
-              <a:t>stochastic</a:t>
-            </a:r>
-            <a:r>
-              <a:rPr lang="fr-FR" sz="2000" dirty="0"/>
-              <a:t> gradient-</a:t>
-            </a:r>
-            <a:r>
-              <a:rPr lang="fr-FR" sz="2000" dirty="0" err="1"/>
-              <a:t>based</a:t>
-            </a:r>
-            <a:r>
-              <a:rPr lang="fr-FR" sz="2000" dirty="0"/>
-              <a:t> </a:t>
-            </a:r>
-            <a:r>
-              <a:rPr lang="fr-FR" sz="2000" dirty="0" err="1" smtClean="0"/>
-              <a:t>optimizer</a:t>
-            </a:r>
-            <a:r>
-              <a:rPr lang="fr-FR" sz="2000" dirty="0" smtClean="0"/>
-              <a:t>)</a:t>
-            </a:r>
-          </a:p>
-          <a:p>
-            <a:pPr lvl="1"/>
-            <a:r>
-              <a:rPr lang="fr-FR" sz="2000" dirty="0" err="1" smtClean="0"/>
-              <a:t>Sgd</a:t>
-            </a:r>
-            <a:r>
-              <a:rPr lang="fr-FR" sz="2000" dirty="0" smtClean="0"/>
-              <a:t> va utiliser </a:t>
-            </a:r>
-            <a:r>
-              <a:rPr lang="fr-FR" sz="2000" dirty="0" err="1" smtClean="0"/>
-              <a:t>Learning_rate</a:t>
-            </a:r>
-            <a:endParaRPr lang="fr-FR" sz="2000" dirty="0" smtClean="0"/>
-          </a:p>
-          <a:p>
-            <a:r>
-              <a:rPr lang="fr-FR" sz="2400" dirty="0" smtClean="0"/>
-              <a:t>Alpha</a:t>
-            </a:r>
-          </a:p>
-          <a:p>
-            <a:pPr lvl="1"/>
-            <a:r>
-              <a:rPr lang="fr-FR" sz="2000" dirty="0" smtClean="0"/>
-              <a:t>0.00001</a:t>
-            </a:r>
-          </a:p>
-          <a:p>
-            <a:pPr lvl="1"/>
-            <a:r>
-              <a:rPr lang="fr-FR" sz="2000" dirty="0" smtClean="0"/>
-              <a:t>Pénalité</a:t>
-            </a:r>
-          </a:p>
-          <a:p>
-            <a:r>
-              <a:rPr lang="fr-FR" sz="2400" dirty="0" err="1" smtClean="0"/>
-              <a:t>Learning_rate</a:t>
-            </a:r>
-            <a:endParaRPr lang="fr-FR" sz="2400" dirty="0" smtClean="0"/>
-          </a:p>
-          <a:p>
-            <a:pPr lvl="1"/>
-            <a:r>
-              <a:rPr lang="fr-FR" sz="2000" dirty="0" smtClean="0"/>
-              <a:t>Constant : changement de poids constant</a:t>
-            </a:r>
-          </a:p>
-          <a:p>
-            <a:pPr lvl="1"/>
-            <a:r>
-              <a:rPr lang="fr-FR" sz="2000" dirty="0" smtClean="0"/>
-              <a:t>Adaptive : Augmente en cas d’erreurs successive, abaisse en cas de succès successif, d’une valeur décrite dans </a:t>
-            </a:r>
-            <a:r>
-              <a:rPr lang="fr-FR" sz="2000" dirty="0" err="1" smtClean="0"/>
-              <a:t>momentum</a:t>
-            </a:r>
-            <a:endParaRPr lang="fr-FR" sz="2000" dirty="0" smtClean="0"/>
-          </a:p>
-          <a:p>
-            <a:pPr lvl="1"/>
-            <a:r>
-              <a:rPr lang="fr-FR" sz="2000" dirty="0" err="1" smtClean="0"/>
-              <a:t>Invscaling</a:t>
-            </a:r>
-            <a:r>
-              <a:rPr lang="fr-FR" sz="2000" dirty="0" smtClean="0"/>
-              <a:t> : baisse dans le temps</a:t>
-            </a:r>
-          </a:p>
-          <a:p>
-            <a:pPr lvl="1"/>
-            <a:endParaRPr lang="fr-FR" dirty="0"/>
-          </a:p>
-        </p:txBody>
-      </p:sp>
-    </p:spTree>
-    <p:extLst>
-      <p:ext uri="{BB962C8B-B14F-4D97-AF65-F5344CB8AC3E}">
-        <p14:creationId xmlns:p14="http://schemas.microsoft.com/office/powerpoint/2010/main" val="149886064"/>
-      </p:ext>
-    </p:extLst>
-  </p:cSld>
-  <p:clrMapOvr>
-    <a:masterClrMapping/>
-  </p:clrMapOvr>
-  <p:timing>
-    <p:tnLst>
-      <p:par>
-        <p:cTn id="1" dur="indefinite" restart="never" nodeType="tmRoot"/>
-      </p:par>
-    </p:tnLst>
-  </p:timing>
 </p:sld>
 </file>
 
@@ -9970,7 +9249,7 @@
           <a:lstStyle/>
           <a:p>
             <a:r>
-              <a:rPr lang="fr-FR" dirty="0" err="1" smtClean="0"/>
+              <a:rPr lang="fr-FR" dirty="0" err="1"/>
               <a:t>MLPClassifier</a:t>
             </a:r>
             <a:endParaRPr lang="fr-FR" dirty="0"/>
@@ -9993,54 +9272,252 @@
           <a:lstStyle/>
           <a:p>
             <a:r>
-              <a:rPr lang="fr-FR" dirty="0" err="1" smtClean="0"/>
+              <a:rPr lang="fr-FR" sz="2400" dirty="0" err="1"/>
+              <a:t>Solver</a:t>
+            </a:r>
+            <a:endParaRPr lang="fr-FR" sz="2400" dirty="0"/>
+          </a:p>
+          <a:p>
+            <a:pPr lvl="1"/>
+            <a:r>
+              <a:rPr lang="fr-FR" sz="2000" dirty="0"/>
+              <a:t>Algorithme du changement du poids</a:t>
+            </a:r>
+          </a:p>
+          <a:p>
+            <a:pPr lvl="1"/>
+            <a:r>
+              <a:rPr lang="fr-FR" sz="2000" dirty="0"/>
+              <a:t>Par défaut </a:t>
+            </a:r>
+            <a:r>
+              <a:rPr lang="fr-FR" sz="2000" dirty="0" err="1"/>
+              <a:t>adam</a:t>
+            </a:r>
+            <a:r>
+              <a:rPr lang="fr-FR" sz="2000" dirty="0"/>
+              <a:t> (</a:t>
+            </a:r>
+            <a:r>
+              <a:rPr lang="fr-FR" sz="2000" dirty="0" err="1"/>
+              <a:t>stochastic</a:t>
+            </a:r>
+            <a:r>
+              <a:rPr lang="fr-FR" sz="2000" dirty="0"/>
+              <a:t> gradient-</a:t>
+            </a:r>
+            <a:r>
+              <a:rPr lang="fr-FR" sz="2000" dirty="0" err="1"/>
+              <a:t>based</a:t>
+            </a:r>
+            <a:r>
+              <a:rPr lang="fr-FR" sz="2000" dirty="0"/>
+              <a:t> </a:t>
+            </a:r>
+            <a:r>
+              <a:rPr lang="fr-FR" sz="2000" dirty="0" err="1"/>
+              <a:t>optimizer</a:t>
+            </a:r>
+            <a:r>
+              <a:rPr lang="fr-FR" sz="2000" dirty="0"/>
+              <a:t>)</a:t>
+            </a:r>
+          </a:p>
+          <a:p>
+            <a:pPr lvl="1"/>
+            <a:r>
+              <a:rPr lang="fr-FR" sz="2000" dirty="0" err="1"/>
+              <a:t>Sgd</a:t>
+            </a:r>
+            <a:r>
+              <a:rPr lang="fr-FR" sz="2000" dirty="0"/>
+              <a:t> va utiliser </a:t>
+            </a:r>
+            <a:r>
+              <a:rPr lang="fr-FR" sz="2000" dirty="0" err="1"/>
+              <a:t>Learning_rate</a:t>
+            </a:r>
+            <a:endParaRPr lang="fr-FR" sz="2000" dirty="0"/>
+          </a:p>
+          <a:p>
+            <a:r>
+              <a:rPr lang="fr-FR" sz="2400" dirty="0"/>
+              <a:t>Alpha</a:t>
+            </a:r>
+          </a:p>
+          <a:p>
+            <a:pPr lvl="1"/>
+            <a:r>
+              <a:rPr lang="fr-FR" sz="2000" dirty="0"/>
+              <a:t>0.00001</a:t>
+            </a:r>
+          </a:p>
+          <a:p>
+            <a:pPr lvl="1"/>
+            <a:r>
+              <a:rPr lang="fr-FR" sz="2000" dirty="0"/>
+              <a:t>Pénalité</a:t>
+            </a:r>
+          </a:p>
+          <a:p>
+            <a:r>
+              <a:rPr lang="fr-FR" sz="2400" dirty="0" err="1"/>
+              <a:t>Learning_rate</a:t>
+            </a:r>
+            <a:endParaRPr lang="fr-FR" sz="2400" dirty="0"/>
+          </a:p>
+          <a:p>
+            <a:pPr lvl="1"/>
+            <a:r>
+              <a:rPr lang="fr-FR" sz="2000" dirty="0"/>
+              <a:t>Constant : changement de poids constant</a:t>
+            </a:r>
+          </a:p>
+          <a:p>
+            <a:pPr lvl="1"/>
+            <a:r>
+              <a:rPr lang="fr-FR" sz="2000" dirty="0"/>
+              <a:t>Adaptive : Augmente en cas d’erreurs successive, abaisse en cas de succès successif, d’une valeur décrite dans </a:t>
+            </a:r>
+            <a:r>
+              <a:rPr lang="fr-FR" sz="2000" dirty="0" err="1"/>
+              <a:t>momentum</a:t>
+            </a:r>
+            <a:endParaRPr lang="fr-FR" sz="2000" dirty="0"/>
+          </a:p>
+          <a:p>
+            <a:pPr lvl="1"/>
+            <a:r>
+              <a:rPr lang="fr-FR" sz="2000" dirty="0" err="1"/>
+              <a:t>Invscaling</a:t>
+            </a:r>
+            <a:r>
+              <a:rPr lang="fr-FR" sz="2000" dirty="0"/>
+              <a:t> : baisse dans le temps</a:t>
+            </a:r>
+          </a:p>
+          <a:p>
+            <a:pPr lvl="1"/>
+            <a:endParaRPr lang="fr-FR" dirty="0"/>
+          </a:p>
+        </p:txBody>
+      </p:sp>
+    </p:spTree>
+    <p:extLst>
+      <p:ext uri="{BB962C8B-B14F-4D97-AF65-F5344CB8AC3E}">
+        <p14:creationId xmlns:p14="http://schemas.microsoft.com/office/powerpoint/2010/main" val="149886064"/>
+      </p:ext>
+    </p:extLst>
+  </p:cSld>
+  <p:clrMapOvr>
+    <a:masterClrMapping/>
+  </p:clrMapOvr>
+</p:sld>
+</file>
+
+<file path=ppt/slides/slide49.xml><?xml version="1.0" encoding="utf-8"?>
+<p:sld xmlns:a="http://schemas.openxmlformats.org/drawingml/2006/main" xmlns:r="http://schemas.openxmlformats.org/officeDocument/2006/relationships" xmlns:p="http://schemas.openxmlformats.org/presentationml/2006/main">
+  <p:cSld>
+    <p:spTree>
+      <p:nvGrpSpPr>
+        <p:cNvPr id="1" name=""/>
+        <p:cNvGrpSpPr/>
+        <p:nvPr/>
+      </p:nvGrpSpPr>
+      <p:grpSpPr>
+        <a:xfrm>
+          <a:off x="0" y="0"/>
+          <a:ext cx="0" cy="0"/>
+          <a:chOff x="0" y="0"/>
+          <a:chExt cx="0" cy="0"/>
+        </a:xfrm>
+      </p:grpSpPr>
+      <p:sp>
+        <p:nvSpPr>
+          <p:cNvPr id="2" name="Titre 1"/>
+          <p:cNvSpPr>
+            <a:spLocks noGrp="1"/>
+          </p:cNvSpPr>
+          <p:nvPr>
+            <p:ph type="title"/>
+          </p:nvPr>
+        </p:nvSpPr>
+        <p:spPr/>
+        <p:txBody>
+          <a:bodyPr/>
+          <a:lstStyle/>
+          <a:p>
+            <a:r>
+              <a:rPr lang="fr-FR" dirty="0" err="1"/>
+              <a:t>MLPClassifier</a:t>
+            </a:r>
+            <a:endParaRPr lang="fr-FR" dirty="0"/>
+          </a:p>
+        </p:txBody>
+      </p:sp>
+      <p:sp>
+        <p:nvSpPr>
+          <p:cNvPr id="3" name="Espace réservé du contenu 2"/>
+          <p:cNvSpPr>
+            <a:spLocks noGrp="1"/>
+          </p:cNvSpPr>
+          <p:nvPr>
+            <p:ph idx="1"/>
+          </p:nvPr>
+        </p:nvSpPr>
+        <p:spPr/>
+        <p:txBody>
+          <a:bodyPr/>
+          <a:lstStyle/>
+          <a:p>
+            <a:r>
+              <a:rPr lang="fr-FR" dirty="0" err="1"/>
               <a:t>Max_iter</a:t>
             </a:r>
-            <a:endParaRPr lang="fr-FR" dirty="0" smtClean="0"/>
-          </a:p>
-          <a:p>
-            <a:pPr lvl="1"/>
-            <a:r>
-              <a:rPr lang="fr-FR" dirty="0" smtClean="0"/>
+            <a:endParaRPr lang="fr-FR" dirty="0"/>
+          </a:p>
+          <a:p>
+            <a:pPr lvl="1"/>
+            <a:r>
+              <a:rPr lang="fr-FR" dirty="0"/>
               <a:t>Nombre d’itération</a:t>
             </a:r>
           </a:p>
           <a:p>
             <a:pPr lvl="1"/>
             <a:r>
-              <a:rPr lang="fr-FR" dirty="0" smtClean="0"/>
+              <a:rPr lang="fr-FR" dirty="0"/>
               <a:t>200 par défaut</a:t>
             </a:r>
           </a:p>
           <a:p>
             <a:r>
-              <a:rPr lang="fr-FR" dirty="0" err="1" smtClean="0"/>
+              <a:rPr lang="fr-FR" dirty="0" err="1"/>
               <a:t>Tol</a:t>
             </a:r>
-            <a:endParaRPr lang="fr-FR" dirty="0" smtClean="0"/>
-          </a:p>
-          <a:p>
-            <a:pPr lvl="1"/>
-            <a:r>
-              <a:rPr lang="fr-FR" dirty="0" smtClean="0"/>
+            <a:endParaRPr lang="fr-FR" dirty="0"/>
+          </a:p>
+          <a:p>
+            <a:pPr lvl="1"/>
+            <a:r>
+              <a:rPr lang="fr-FR" dirty="0"/>
               <a:t>Tolérance au score</a:t>
             </a:r>
           </a:p>
           <a:p>
             <a:pPr lvl="2"/>
             <a:r>
-              <a:rPr lang="fr-FR" dirty="0" smtClean="0"/>
+              <a:rPr lang="fr-FR" dirty="0"/>
               <a:t>10</a:t>
             </a:r>
             <a:r>
-              <a:rPr lang="fr-FR" baseline="30000" dirty="0" smtClean="0"/>
+              <a:rPr lang="fr-FR" baseline="30000" dirty="0"/>
               <a:t>E</a:t>
             </a:r>
             <a:r>
-              <a:rPr lang="fr-FR" dirty="0" smtClean="0"/>
+              <a:rPr lang="fr-FR" dirty="0"/>
               <a:t>-4</a:t>
             </a:r>
-            <a:endParaRPr lang="fr-FR" dirty="0"/>
           </a:p>
         </p:txBody>
       </p:sp>
@@ -10095,97 +9572,6 @@
   <p:clrMapOvr>
     <a:masterClrMapping/>
   </p:clrMapOvr>
-  <p:timing>
-    <p:tnLst>
-      <p:par>
-        <p:cTn id="1" dur="indefinite" restart="never" nodeType="tmRoot"/>
-      </p:par>
-    </p:tnLst>
-  </p:timing>
-</p:sld>
-</file>
-
-<file path=ppt/slides/slide49.xml><?xml version="1.0" encoding="utf-8"?>
-<p:sld xmlns:a="http://schemas.openxmlformats.org/drawingml/2006/main" xmlns:r="http://schemas.openxmlformats.org/officeDocument/2006/relationships" xmlns:p="http://schemas.openxmlformats.org/presentationml/2006/main">
-  <p:cSld>
-    <p:spTree>
-      <p:nvGrpSpPr>
-        <p:cNvPr id="1" name=""/>
-        <p:cNvGrpSpPr/>
-        <p:nvPr/>
-      </p:nvGrpSpPr>
-      <p:grpSpPr>
-        <a:xfrm>
-          <a:off x="0" y="0"/>
-          <a:ext cx="0" cy="0"/>
-          <a:chOff x="0" y="0"/>
-          <a:chExt cx="0" cy="0"/>
-        </a:xfrm>
-      </p:grpSpPr>
-      <p:sp>
-        <p:nvSpPr>
-          <p:cNvPr id="2" name="Titre 1"/>
-          <p:cNvSpPr>
-            <a:spLocks noGrp="1"/>
-          </p:cNvSpPr>
-          <p:nvPr>
-            <p:ph type="title"/>
-          </p:nvPr>
-        </p:nvSpPr>
-        <p:spPr/>
-        <p:txBody>
-          <a:bodyPr/>
-          <a:lstStyle/>
-          <a:p>
-            <a:r>
-              <a:rPr lang="fr-FR" dirty="0" err="1" smtClean="0"/>
-              <a:t>MLPClassifier</a:t>
-            </a:r>
-            <a:endParaRPr lang="fr-FR" dirty="0"/>
-          </a:p>
-        </p:txBody>
-      </p:sp>
-      <p:pic>
-        <p:nvPicPr>
-          <p:cNvPr id="4" name="Image 3"/>
-          <p:cNvPicPr>
-            <a:picLocks noChangeAspect="1"/>
-          </p:cNvPicPr>
-          <p:nvPr/>
-        </p:nvPicPr>
-        <p:blipFill>
-          <a:blip r:embed="rId2"/>
-          <a:stretch>
-            <a:fillRect/>
-          </a:stretch>
-        </p:blipFill>
-        <p:spPr>
-          <a:xfrm>
-            <a:off x="85816" y="1433512"/>
-            <a:ext cx="9011862" cy="4731792"/>
-          </a:xfrm>
-          <a:prstGeom prst="rect">
-            <a:avLst/>
-          </a:prstGeom>
-        </p:spPr>
-      </p:pic>
-    </p:spTree>
-    <p:extLst>
-      <p:ext uri="{BB962C8B-B14F-4D97-AF65-F5344CB8AC3E}">
-        <p14:creationId xmlns:p14="http://schemas.microsoft.com/office/powerpoint/2010/main" val="1906528269"/>
-      </p:ext>
-    </p:extLst>
-  </p:cSld>
-  <p:clrMapOvr>
-    <a:masterClrMapping/>
-  </p:clrMapOvr>
-  <p:timing>
-    <p:tnLst>
-      <p:par>
-        <p:cTn id="1" dur="indefinite" restart="never" nodeType="tmRoot"/>
-      </p:par>
-    </p:tnLst>
-  </p:timing>
 </p:sld>
 </file>
 
@@ -10222,10 +9608,9 @@
           <a:lstStyle/>
           <a:p>
             <a:r>
-              <a:rPr lang="fr-FR" dirty="0" smtClean="0"/>
+              <a:rPr lang="fr-FR" dirty="0"/>
               <a:t>Régression</a:t>
             </a:r>
-            <a:endParaRPr lang="fr-FR" dirty="0"/>
           </a:p>
         </p:txBody>
       </p:sp>
@@ -10280,13 +9665,6 @@
   <p:clrMapOvr>
     <a:masterClrMapping/>
   </p:clrMapOvr>
-  <p:timing>
-    <p:tnLst>
-      <p:par>
-        <p:cTn id="1" dur="indefinite" restart="never" nodeType="tmRoot"/>
-      </p:par>
-    </p:tnLst>
-  </p:timing>
 </p:sld>
 </file>
 
@@ -10323,165 +9701,47 @@
           <a:lstStyle/>
           <a:p>
             <a:r>
-              <a:rPr lang="fr-FR" dirty="0" smtClean="0"/>
-              <a:t>Standardisation d’un jeux de données</a:t>
+              <a:rPr lang="fr-FR" dirty="0" err="1"/>
+              <a:t>MLPClassifier</a:t>
             </a:r>
             <a:endParaRPr lang="fr-FR" dirty="0"/>
           </a:p>
         </p:txBody>
       </p:sp>
-      <p:sp>
-        <p:nvSpPr>
-          <p:cNvPr id="3" name="Espace réservé du contenu 2"/>
-          <p:cNvSpPr>
-            <a:spLocks noGrp="1"/>
-          </p:cNvSpPr>
-          <p:nvPr>
-            <p:ph idx="1"/>
-          </p:nvPr>
-        </p:nvSpPr>
-        <p:spPr/>
-        <p:txBody>
-          <a:bodyPr/>
-          <a:lstStyle/>
-          <a:p>
-            <a:r>
-              <a:rPr lang="fr-FR" sz="2400" dirty="0"/>
-              <a:t>Permet de </a:t>
-            </a:r>
-            <a:r>
-              <a:rPr lang="fr-FR" sz="2400" dirty="0" smtClean="0"/>
-              <a:t>normaliser </a:t>
-            </a:r>
-            <a:r>
-              <a:rPr lang="fr-FR" sz="2400" dirty="0"/>
-              <a:t>les </a:t>
-            </a:r>
-            <a:r>
-              <a:rPr lang="fr-FR" sz="2400" dirty="0" smtClean="0"/>
-              <a:t>données</a:t>
-            </a:r>
-          </a:p>
-          <a:p>
-            <a:r>
-              <a:rPr lang="fr-FR" sz="2400" dirty="0" err="1" smtClean="0"/>
-              <a:t>MinMaxScaler</a:t>
-            </a:r>
-            <a:endParaRPr lang="fr-FR" sz="2400" dirty="0" smtClean="0"/>
-          </a:p>
-          <a:p>
-            <a:pPr lvl="1"/>
-            <a:r>
-              <a:rPr lang="fr-FR" sz="2000" dirty="0" smtClean="0"/>
-              <a:t>Redimensionne les données pour qu’elles soient comprises entre 0 et 1</a:t>
-            </a:r>
-          </a:p>
-          <a:p>
-            <a:pPr lvl="1"/>
-            <a:r>
-              <a:rPr lang="fr-FR" sz="2000" dirty="0" smtClean="0"/>
-              <a:t>Assez sensible aux données extrêmes</a:t>
-            </a:r>
-            <a:endParaRPr lang="fr-FR" sz="2000" dirty="0"/>
-          </a:p>
-          <a:p>
-            <a:r>
-              <a:rPr lang="fr-FR" sz="2400" dirty="0" err="1" smtClean="0"/>
-              <a:t>StandardScaler</a:t>
-            </a:r>
-            <a:endParaRPr lang="fr-FR" sz="2400" dirty="0" smtClean="0"/>
-          </a:p>
-          <a:p>
-            <a:pPr lvl="1"/>
-            <a:r>
-              <a:rPr lang="fr-FR" sz="2000" dirty="0" smtClean="0"/>
-              <a:t>Supprime </a:t>
-            </a:r>
-            <a:r>
-              <a:rPr lang="fr-FR" sz="2000" dirty="0"/>
-              <a:t>la moyenne et la mise à l'échelle de la variance de </a:t>
-            </a:r>
-            <a:r>
-              <a:rPr lang="fr-FR" sz="2000" dirty="0" smtClean="0"/>
-              <a:t>l'unité et en centrant sur 0</a:t>
-            </a:r>
-          </a:p>
-          <a:p>
-            <a:pPr lvl="1"/>
-            <a:r>
-              <a:rPr lang="fr-FR" sz="2000" dirty="0" smtClean="0"/>
-              <a:t>La moyenne devient 0</a:t>
-            </a:r>
-          </a:p>
-          <a:p>
-            <a:pPr lvl="1"/>
-            <a:r>
-              <a:rPr lang="fr-FR" sz="2000" dirty="0" smtClean="0"/>
-              <a:t>Modifie l’</a:t>
-            </a:r>
-            <a:r>
-              <a:rPr lang="fr-FR" sz="2000" dirty="0"/>
-              <a:t>é</a:t>
-            </a:r>
-            <a:r>
-              <a:rPr lang="fr-FR" sz="2000" dirty="0" smtClean="0"/>
-              <a:t>cart type</a:t>
-            </a:r>
-          </a:p>
-          <a:p>
-            <a:pPr lvl="1"/>
-            <a:r>
-              <a:rPr lang="fr-FR" sz="2000" dirty="0" smtClean="0"/>
-              <a:t>Moins sensible aux données </a:t>
-            </a:r>
-            <a:r>
-              <a:rPr lang="fr-FR" sz="2000" dirty="0"/>
-              <a:t>extrêmes</a:t>
-            </a:r>
-            <a:endParaRPr lang="fr-FR" sz="2000" dirty="0" smtClean="0"/>
-          </a:p>
-          <a:p>
-            <a:r>
-              <a:rPr lang="fr-FR" sz="2400" dirty="0" err="1" smtClean="0"/>
-              <a:t>RobusteScaler</a:t>
-            </a:r>
-            <a:endParaRPr lang="fr-FR" sz="2400" dirty="0" smtClean="0"/>
-          </a:p>
-          <a:p>
-            <a:pPr lvl="1"/>
-            <a:r>
-              <a:rPr lang="fr-FR" sz="2000" dirty="0" smtClean="0"/>
-              <a:t>Fonctionne comme </a:t>
-            </a:r>
-            <a:r>
-              <a:rPr lang="fr-FR" sz="2000" dirty="0" err="1" smtClean="0"/>
-              <a:t>StandardScaler</a:t>
-            </a:r>
-            <a:r>
-              <a:rPr lang="fr-FR" sz="2000" dirty="0" smtClean="0"/>
-              <a:t> mais en percentile et est donc encore moins sensible aux données extrêmes</a:t>
-            </a:r>
-            <a:endParaRPr lang="fr-FR" sz="2000" dirty="0"/>
-          </a:p>
-        </p:txBody>
-      </p:sp>
+      <p:pic>
+        <p:nvPicPr>
+          <p:cNvPr id="4" name="Image 3"/>
+          <p:cNvPicPr>
+            <a:picLocks noChangeAspect="1"/>
+          </p:cNvPicPr>
+          <p:nvPr/>
+        </p:nvPicPr>
+        <p:blipFill>
+          <a:blip r:embed="rId2"/>
+          <a:stretch>
+            <a:fillRect/>
+          </a:stretch>
+        </p:blipFill>
+        <p:spPr>
+          <a:xfrm>
+            <a:off x="85816" y="1433512"/>
+            <a:ext cx="9011862" cy="4731792"/>
+          </a:xfrm>
+          <a:prstGeom prst="rect">
+            <a:avLst/>
+          </a:prstGeom>
+        </p:spPr>
+      </p:pic>
     </p:spTree>
     <p:extLst>
       <p:ext uri="{BB962C8B-B14F-4D97-AF65-F5344CB8AC3E}">
-        <p14:creationId xmlns:p14="http://schemas.microsoft.com/office/powerpoint/2010/main" val="3395635551"/>
+        <p14:creationId xmlns:p14="http://schemas.microsoft.com/office/powerpoint/2010/main" val="1906528269"/>
       </p:ext>
     </p:extLst>
   </p:cSld>
   <p:clrMapOvr>
     <a:masterClrMapping/>
   </p:clrMapOvr>
-  <p:timing>
-    <p:tnLst>
-      <p:par>
-        <p:cTn id="1" dur="indefinite" restart="never" nodeType="tmRoot"/>
-      </p:par>
-    </p:tnLst>
-  </p:timing>
 </p:sld>
 </file>
 
@@ -10518,10 +9778,9 @@
           <a:lstStyle/>
           <a:p>
             <a:r>
-              <a:rPr lang="fr-FR" dirty="0" smtClean="0"/>
-              <a:t>Matrice de confusion</a:t>
-            </a:r>
-            <a:endParaRPr lang="fr-FR" dirty="0"/>
+              <a:rPr lang="fr-FR" dirty="0"/>
+              <a:t>Standardisation d’un jeux de données</a:t>
+            </a:r>
           </a:p>
         </p:txBody>
       </p:sp>
@@ -10541,10 +9800,161 @@
           <a:lstStyle/>
           <a:p>
             <a:r>
-              <a:rPr lang="fr-FR" dirty="0" smtClean="0"/>
+              <a:rPr lang="fr-FR" sz="2400" dirty="0"/>
+              <a:t>Permet de normaliser les données</a:t>
+            </a:r>
+          </a:p>
+          <a:p>
+            <a:r>
+              <a:rPr lang="fr-FR" sz="2400" dirty="0" err="1"/>
+              <a:t>MinMaxScaler</a:t>
+            </a:r>
+            <a:endParaRPr lang="fr-FR" sz="2400" dirty="0"/>
+          </a:p>
+          <a:p>
+            <a:pPr lvl="1"/>
+            <a:r>
+              <a:rPr lang="fr-FR" sz="2000" dirty="0"/>
+              <a:t>Redimensionne les données pour qu’elles soient comprises entre 0 et 1</a:t>
+            </a:r>
+          </a:p>
+          <a:p>
+            <a:pPr lvl="1"/>
+            <a:r>
+              <a:rPr lang="fr-FR" sz="2000" dirty="0"/>
+              <a:t>Assez sensible aux données extrêmes</a:t>
+            </a:r>
+          </a:p>
+          <a:p>
+            <a:r>
+              <a:rPr lang="fr-FR" sz="2400" dirty="0" err="1"/>
+              <a:t>StandardScaler</a:t>
+            </a:r>
+            <a:endParaRPr lang="fr-FR" sz="2400" dirty="0"/>
+          </a:p>
+          <a:p>
+            <a:pPr lvl="1"/>
+            <a:r>
+              <a:rPr lang="fr-FR" sz="2000" dirty="0"/>
+              <a:t>Supprime la moyenne et la mise à l'échelle de la variance de l'unité et en centrant sur 0</a:t>
+            </a:r>
+          </a:p>
+          <a:p>
+            <a:pPr lvl="1"/>
+            <a:r>
+              <a:rPr lang="fr-FR" sz="2000" dirty="0"/>
+              <a:t>La moyenne devient 0</a:t>
+            </a:r>
+          </a:p>
+          <a:p>
+            <a:pPr lvl="1"/>
+            <a:r>
+              <a:rPr lang="fr-FR" sz="2000" dirty="0"/>
+              <a:t>Modifie l’écart type</a:t>
+            </a:r>
+          </a:p>
+          <a:p>
+            <a:pPr lvl="1"/>
+            <a:r>
+              <a:rPr lang="fr-FR" sz="2000" dirty="0"/>
+              <a:t>Moins sensible aux données extrêmes</a:t>
+            </a:r>
+          </a:p>
+          <a:p>
+            <a:r>
+              <a:rPr lang="fr-FR" sz="2400" dirty="0" err="1"/>
+              <a:t>RobusteScaler</a:t>
+            </a:r>
+            <a:endParaRPr lang="fr-FR" sz="2400" dirty="0"/>
+          </a:p>
+          <a:p>
+            <a:pPr lvl="1"/>
+            <a:r>
+              <a:rPr lang="fr-FR" sz="2000" dirty="0"/>
+              <a:t>Fonctionne comme </a:t>
+            </a:r>
+            <a:r>
+              <a:rPr lang="fr-FR" sz="2000" dirty="0" err="1"/>
+              <a:t>StandardScaler</a:t>
+            </a:r>
+            <a:r>
+              <a:rPr lang="fr-FR" sz="2000" dirty="0"/>
+              <a:t> mais en percentile et est donc encore moins sensible aux données extrêmes</a:t>
+            </a:r>
+          </a:p>
+        </p:txBody>
+      </p:sp>
+    </p:spTree>
+    <p:extLst>
+      <p:ext uri="{BB962C8B-B14F-4D97-AF65-F5344CB8AC3E}">
+        <p14:creationId xmlns:p14="http://schemas.microsoft.com/office/powerpoint/2010/main" val="3395635551"/>
+      </p:ext>
+    </p:extLst>
+  </p:cSld>
+  <p:clrMapOvr>
+    <a:masterClrMapping/>
+  </p:clrMapOvr>
+</p:sld>
+</file>
+
+<file path=ppt/slides/slide52.xml><?xml version="1.0" encoding="utf-8"?>
+<p:sld xmlns:a="http://schemas.openxmlformats.org/drawingml/2006/main" xmlns:r="http://schemas.openxmlformats.org/officeDocument/2006/relationships" xmlns:p="http://schemas.openxmlformats.org/presentationml/2006/main">
+  <p:cSld>
+    <p:spTree>
+      <p:nvGrpSpPr>
+        <p:cNvPr id="1" name=""/>
+        <p:cNvGrpSpPr/>
+        <p:nvPr/>
+      </p:nvGrpSpPr>
+      <p:grpSpPr>
+        <a:xfrm>
+          <a:off x="0" y="0"/>
+          <a:ext cx="0" cy="0"/>
+          <a:chOff x="0" y="0"/>
+          <a:chExt cx="0" cy="0"/>
+        </a:xfrm>
+      </p:grpSpPr>
+      <p:sp>
+        <p:nvSpPr>
+          <p:cNvPr id="2" name="Titre 1"/>
+          <p:cNvSpPr>
+            <a:spLocks noGrp="1"/>
+          </p:cNvSpPr>
+          <p:nvPr>
+            <p:ph type="title"/>
+          </p:nvPr>
+        </p:nvSpPr>
+        <p:spPr/>
+        <p:txBody>
+          <a:bodyPr/>
+          <a:lstStyle/>
+          <a:p>
+            <a:r>
+              <a:rPr lang="fr-FR" dirty="0"/>
+              <a:t>Matrice de confusion</a:t>
+            </a:r>
+          </a:p>
+        </p:txBody>
+      </p:sp>
+      <p:sp>
+        <p:nvSpPr>
+          <p:cNvPr id="3" name="Espace réservé du contenu 2"/>
+          <p:cNvSpPr>
+            <a:spLocks noGrp="1"/>
+          </p:cNvSpPr>
+          <p:nvPr>
+            <p:ph idx="1"/>
+          </p:nvPr>
+        </p:nvSpPr>
+        <p:spPr/>
+        <p:txBody>
+          <a:bodyPr/>
+          <a:lstStyle/>
+          <a:p>
+            <a:r>
+              <a:rPr lang="fr-FR" dirty="0"/>
               <a:t>La matrice de confusion apporte les cas de succès, en discriminant les vrai positifs, les vrai négatifs, les faux positifs et les vrais positifs</a:t>
             </a:r>
-            <a:endParaRPr lang="fr-FR" dirty="0"/>
           </a:p>
         </p:txBody>
       </p:sp>
@@ -10599,17 +10009,10 @@
   <p:clrMapOvr>
     <a:masterClrMapping/>
   </p:clrMapOvr>
-  <p:timing>
-    <p:tnLst>
-      <p:par>
-        <p:cTn id="1" dur="indefinite" restart="never" nodeType="tmRoot"/>
-      </p:par>
-    </p:tnLst>
-  </p:timing>
 </p:sld>
 </file>
 
-<file path=ppt/slides/slide52.xml><?xml version="1.0" encoding="utf-8"?>
+<file path=ppt/slides/slide53.xml><?xml version="1.0" encoding="utf-8"?>
 <p:sld xmlns:a="http://schemas.openxmlformats.org/drawingml/2006/main" xmlns:r="http://schemas.openxmlformats.org/officeDocument/2006/relationships" xmlns:p="http://schemas.openxmlformats.org/presentationml/2006/main">
   <p:cSld>
     <p:spTree>
@@ -10642,10 +10045,9 @@
           <a:lstStyle/>
           <a:p>
             <a:r>
-              <a:rPr lang="fr-FR" dirty="0" smtClean="0"/>
+              <a:rPr lang="fr-FR" dirty="0"/>
               <a:t>Classification report</a:t>
             </a:r>
-            <a:endParaRPr lang="fr-FR" dirty="0"/>
           </a:p>
         </p:txBody>
       </p:sp>
@@ -10665,34 +10067,34 @@
           <a:lstStyle/>
           <a:p>
             <a:r>
-              <a:rPr lang="fr-FR" dirty="0" smtClean="0"/>
+              <a:rPr lang="fr-FR" dirty="0"/>
               <a:t>Apporte le taux de succès détaillé</a:t>
             </a:r>
           </a:p>
           <a:p>
             <a:r>
-              <a:rPr lang="fr-FR" dirty="0" err="1" smtClean="0"/>
+              <a:rPr lang="fr-FR" dirty="0" err="1"/>
               <a:t>Precision</a:t>
             </a:r>
-            <a:endParaRPr lang="fr-FR" dirty="0" smtClean="0"/>
-          </a:p>
-          <a:p>
-            <a:pPr lvl="1"/>
-            <a:r>
-              <a:rPr lang="fr-FR" dirty="0" smtClean="0"/>
+            <a:endParaRPr lang="fr-FR" dirty="0"/>
+          </a:p>
+          <a:p>
+            <a:pPr lvl="1"/>
+            <a:r>
+              <a:rPr lang="fr-FR" dirty="0"/>
               <a:t>Vrai positif / (vrai positif + faux positif)</a:t>
             </a:r>
           </a:p>
           <a:p>
             <a:pPr lvl="1"/>
             <a:r>
-              <a:rPr lang="fr-FR" dirty="0" smtClean="0"/>
+              <a:rPr lang="fr-FR" dirty="0"/>
               <a:t>Moins grave</a:t>
             </a:r>
           </a:p>
           <a:p>
             <a:r>
-              <a:rPr lang="fr-FR" dirty="0" err="1" smtClean="0"/>
+              <a:rPr lang="fr-FR" dirty="0" err="1"/>
               <a:t>Recall</a:t>
             </a:r>
             <a:endParaRPr lang="fr-FR" dirty="0"/>
@@ -10700,59 +10102,50 @@
           <a:p>
             <a:pPr lvl="1"/>
             <a:r>
-              <a:rPr lang="fr-FR" dirty="0" smtClean="0"/>
-              <a:t>vrai positif / </a:t>
-            </a:r>
-            <a:r>
-              <a:rPr lang="fr-FR" dirty="0"/>
-              <a:t>(vrai positif + </a:t>
-            </a:r>
-            <a:r>
-              <a:rPr lang="fr-FR" dirty="0" smtClean="0"/>
-              <a:t>faux négatifs)</a:t>
-            </a:r>
-          </a:p>
-          <a:p>
-            <a:pPr lvl="1"/>
-            <a:r>
-              <a:rPr lang="fr-FR" dirty="0" smtClean="0"/>
+              <a:rPr lang="fr-FR" dirty="0"/>
+              <a:t>vrai positif / (vrai positif + faux négatifs)</a:t>
+            </a:r>
+          </a:p>
+          <a:p>
+            <a:pPr lvl="1"/>
+            <a:r>
+              <a:rPr lang="fr-FR" dirty="0"/>
               <a:t>Plus grave</a:t>
             </a:r>
           </a:p>
           <a:p>
             <a:r>
-              <a:rPr lang="fr-FR" dirty="0" err="1" smtClean="0"/>
+              <a:rPr lang="fr-FR" dirty="0" err="1"/>
               <a:t>Fl</a:t>
             </a:r>
             <a:r>
-              <a:rPr lang="fr-FR" dirty="0" smtClean="0"/>
+              <a:rPr lang="fr-FR" dirty="0"/>
               <a:t>-score</a:t>
             </a:r>
           </a:p>
           <a:p>
             <a:pPr lvl="1"/>
             <a:r>
-              <a:rPr lang="fr-FR" dirty="0" smtClean="0"/>
+              <a:rPr lang="fr-FR" dirty="0"/>
               <a:t>Doit être proche de 1</a:t>
             </a:r>
           </a:p>
           <a:p>
             <a:r>
-              <a:rPr lang="fr-FR" dirty="0" smtClean="0"/>
+              <a:rPr lang="fr-FR" dirty="0"/>
               <a:t>Support</a:t>
             </a:r>
           </a:p>
           <a:p>
             <a:pPr lvl="1"/>
             <a:r>
-              <a:rPr lang="fr-FR" dirty="0" smtClean="0"/>
+              <a:rPr lang="fr-FR" dirty="0"/>
               <a:t>Nombre de positifs et négatifs</a:t>
             </a:r>
+          </a:p>
+          <a:p>
+            <a:pPr lvl="1"/>
             <a:endParaRPr lang="fr-FR" dirty="0"/>
-          </a:p>
-          <a:p>
-            <a:pPr lvl="1"/>
-            <a:endParaRPr lang="fr-FR" dirty="0" smtClean="0"/>
           </a:p>
           <a:p>
             <a:pPr lvl="1"/>
@@ -10794,13 +10187,6 @@
   <p:clrMapOvr>
     <a:masterClrMapping/>
   </p:clrMapOvr>
-  <p:timing>
-    <p:tnLst>
-      <p:par>
-        <p:cTn id="1" dur="indefinite" restart="never" nodeType="tmRoot"/>
-      </p:par>
-    </p:tnLst>
-  </p:timing>
 </p:sld>
 </file>
 
@@ -10837,7 +10223,7 @@
           <a:lstStyle/>
           <a:p>
             <a:r>
-              <a:rPr lang="fr-FR" dirty="0" err="1" smtClean="0"/>
+              <a:rPr lang="fr-FR" dirty="0" err="1"/>
               <a:t>Dataset</a:t>
             </a:r>
             <a:endParaRPr lang="fr-FR" dirty="0"/>
@@ -10860,37 +10246,33 @@
           <a:lstStyle/>
           <a:p>
             <a:r>
-              <a:rPr lang="fr-FR" dirty="0" smtClean="0"/>
+              <a:rPr lang="fr-FR" dirty="0"/>
               <a:t>X représente le </a:t>
             </a:r>
             <a:r>
-              <a:rPr lang="fr-FR" dirty="0" err="1" smtClean="0"/>
+              <a:rPr lang="fr-FR" dirty="0" err="1"/>
               <a:t>Dataset</a:t>
             </a:r>
-            <a:endParaRPr lang="fr-FR" dirty="0" smtClean="0"/>
-          </a:p>
-          <a:p>
-            <a:pPr lvl="1"/>
-            <a:r>
-              <a:rPr lang="fr-FR" dirty="0" smtClean="0"/>
+            <a:endParaRPr lang="fr-FR" dirty="0"/>
+          </a:p>
+          <a:p>
+            <a:pPr lvl="1"/>
+            <a:r>
+              <a:rPr lang="fr-FR" dirty="0"/>
               <a:t>S’exprime en majuscule car il s’agit d’une matrice</a:t>
             </a:r>
           </a:p>
           <a:p>
             <a:pPr lvl="1"/>
             <a:r>
-              <a:rPr lang="fr-FR" dirty="0" smtClean="0"/>
+              <a:rPr lang="fr-FR" dirty="0"/>
               <a:t>1 dimension = 1 variable</a:t>
             </a:r>
           </a:p>
           <a:p>
             <a:r>
               <a:rPr lang="fr-FR" dirty="0"/>
-              <a:t>y</a:t>
-            </a:r>
-            <a:r>
-              <a:rPr lang="fr-FR" dirty="0" smtClean="0"/>
-              <a:t> représente le résultat</a:t>
+              <a:t>y représente le résultat</a:t>
             </a:r>
           </a:p>
         </p:txBody>
@@ -10905,13 +10287,6 @@
   <p:clrMapOvr>
     <a:masterClrMapping/>
   </p:clrMapOvr>
-  <p:timing>
-    <p:tnLst>
-      <p:par>
-        <p:cTn id="1" dur="indefinite" restart="never" nodeType="tmRoot"/>
-      </p:par>
-    </p:tnLst>
-  </p:timing>
 </p:sld>
 </file>
 
@@ -10948,10 +10323,9 @@
           <a:lstStyle/>
           <a:p>
             <a:r>
-              <a:rPr lang="fr-FR" dirty="0" smtClean="0"/>
+              <a:rPr lang="fr-FR" dirty="0"/>
               <a:t>Randomisation</a:t>
             </a:r>
-            <a:endParaRPr lang="fr-FR" dirty="0"/>
           </a:p>
         </p:txBody>
       </p:sp>
@@ -10971,68 +10345,67 @@
           <a:lstStyle/>
           <a:p>
             <a:r>
-              <a:rPr lang="fr-FR" dirty="0" smtClean="0"/>
+              <a:rPr lang="fr-FR" dirty="0"/>
               <a:t>Il faut utiliser le bon échantillon</a:t>
             </a:r>
           </a:p>
           <a:p>
             <a:pPr lvl="1"/>
             <a:r>
-              <a:rPr lang="fr-FR" dirty="0" smtClean="0"/>
+              <a:rPr lang="fr-FR" dirty="0"/>
               <a:t>Bien répartis</a:t>
             </a:r>
           </a:p>
           <a:p>
             <a:pPr lvl="1"/>
             <a:r>
-              <a:rPr lang="fr-FR" dirty="0" smtClean="0"/>
+              <a:rPr lang="fr-FR" dirty="0"/>
               <a:t>Ne pas introduire de biais</a:t>
             </a:r>
           </a:p>
           <a:p>
             <a:pPr lvl="1"/>
             <a:r>
-              <a:rPr lang="fr-FR" dirty="0" smtClean="0"/>
+              <a:rPr lang="fr-FR" dirty="0"/>
               <a:t>Par exemple à Paris les loyers sont plus chères qu’ailleurs</a:t>
             </a:r>
           </a:p>
           <a:p>
             <a:r>
-              <a:rPr lang="fr-FR" dirty="0" smtClean="0"/>
+              <a:rPr lang="fr-FR" dirty="0"/>
               <a:t>Il faut ensuite découper l’échantillon avec le</a:t>
             </a:r>
           </a:p>
           <a:p>
             <a:pPr lvl="1"/>
             <a:r>
-              <a:rPr lang="fr-FR" dirty="0" smtClean="0"/>
+              <a:rPr lang="fr-FR" dirty="0"/>
               <a:t>Training Set</a:t>
             </a:r>
           </a:p>
           <a:p>
             <a:pPr lvl="1"/>
             <a:r>
-              <a:rPr lang="fr-FR" dirty="0" err="1" smtClean="0"/>
+              <a:rPr lang="fr-FR" dirty="0" err="1"/>
               <a:t>Testing</a:t>
             </a:r>
             <a:r>
-              <a:rPr lang="fr-FR" dirty="0" smtClean="0"/>
+              <a:rPr lang="fr-FR" dirty="0"/>
               <a:t> Set</a:t>
             </a:r>
           </a:p>
           <a:p>
             <a:r>
-              <a:rPr lang="fr-FR" dirty="0" smtClean="0"/>
+              <a:rPr lang="fr-FR" dirty="0"/>
               <a:t>L’un sert à l’apprentissage, l’autre au test</a:t>
             </a:r>
           </a:p>
           <a:p>
             <a:pPr lvl="1"/>
             <a:r>
-              <a:rPr lang="fr-FR" dirty="0" smtClean="0"/>
+              <a:rPr lang="fr-FR" dirty="0"/>
               <a:t>Souvent 80/20</a:t>
             </a:r>
-            <a:endParaRPr lang="fr-FR" dirty="0"/>
           </a:p>
         </p:txBody>
       </p:sp>
@@ -11046,13 +10419,6 @@
   <p:clrMapOvr>
     <a:masterClrMapping/>
   </p:clrMapOvr>
-  <p:timing>
-    <p:tnLst>
-      <p:par>
-        <p:cTn id="1" dur="indefinite" restart="never" nodeType="tmRoot"/>
-      </p:par>
-    </p:tnLst>
-  </p:timing>
 </p:sld>
 </file>
 
@@ -11089,10 +10455,9 @@
           <a:lstStyle/>
           <a:p>
             <a:r>
-              <a:rPr lang="fr-FR" dirty="0" smtClean="0"/>
+              <a:rPr lang="fr-FR" dirty="0"/>
               <a:t>Randomisation</a:t>
             </a:r>
-            <a:endParaRPr lang="fr-FR" dirty="0"/>
           </a:p>
         </p:txBody>
       </p:sp>
@@ -11113,43 +10478,19 @@
           <a:p>
             <a:r>
               <a:rPr lang="fr-FR" dirty="0"/>
-              <a:t>I</a:t>
-            </a:r>
-            <a:r>
-              <a:rPr lang="fr-FR" dirty="0" smtClean="0"/>
-              <a:t>l </a:t>
-            </a:r>
-            <a:r>
-              <a:rPr lang="fr-FR" dirty="0"/>
-              <a:t>s’avère que si on entraîne le modèle avec des données, il va naturellement être plus performant sur ces </a:t>
-            </a:r>
-            <a:r>
-              <a:rPr lang="fr-FR" dirty="0" smtClean="0"/>
-              <a:t>données-là</a:t>
-            </a:r>
-          </a:p>
-          <a:p>
-            <a:r>
-              <a:rPr lang="fr-FR" dirty="0" smtClean="0"/>
-              <a:t>Ce </a:t>
-            </a:r>
-            <a:r>
-              <a:rPr lang="fr-FR" dirty="0"/>
-              <a:t>qui nous intéresse c’est de mesurer sa performance sur des données qu’il n’a jamais vues puisque c’est ce qui va se passer en </a:t>
-            </a:r>
-            <a:r>
-              <a:rPr lang="fr-FR" dirty="0" smtClean="0"/>
-              <a:t>pratique</a:t>
-            </a:r>
-          </a:p>
-          <a:p>
-            <a:r>
-              <a:rPr lang="fr-FR" dirty="0" smtClean="0"/>
-              <a:t>Cette </a:t>
-            </a:r>
-            <a:r>
-              <a:rPr lang="fr-FR" dirty="0"/>
-              <a:t>performance est appelée la </a:t>
+              <a:t>Il s’avère que si on entraîne le modèle avec des données, il va naturellement être plus performant sur ces données-là</a:t>
+            </a:r>
+          </a:p>
+          <a:p>
+            <a:r>
+              <a:rPr lang="fr-FR" dirty="0"/>
+              <a:t>Ce qui nous intéresse c’est de mesurer sa performance sur des données qu’il n’a jamais vues puisque c’est ce qui va se passer en pratique</a:t>
+            </a:r>
+          </a:p>
+          <a:p>
+            <a:r>
+              <a:rPr lang="fr-FR" dirty="0"/>
+              <a:t>Cette performance est appelée la </a:t>
             </a:r>
             <a:r>
               <a:rPr lang="fr-FR" b="1" dirty="0"/>
@@ -11157,23 +10498,14 @@
             </a:r>
             <a:r>
               <a:rPr lang="fr-FR" dirty="0"/>
-              <a:t> du </a:t>
-            </a:r>
-            <a:r>
-              <a:rPr lang="fr-FR" dirty="0" smtClean="0"/>
-              <a:t>modèle</a:t>
-            </a:r>
-            <a:endParaRPr lang="fr-FR" dirty="0"/>
-          </a:p>
-          <a:p>
-            <a:pPr lvl="1"/>
-            <a:r>
-              <a:rPr lang="fr-FR" dirty="0" smtClean="0"/>
-              <a:t>Sa </a:t>
-            </a:r>
-            <a:r>
-              <a:rPr lang="fr-FR" dirty="0"/>
-              <a:t>capacité à effectuer des prédictions de qualité sur des situations jamais rencontrées.</a:t>
+              <a:t> du modèle</a:t>
+            </a:r>
+          </a:p>
+          <a:p>
+            <a:pPr lvl="1"/>
+            <a:r>
+              <a:rPr lang="fr-FR" dirty="0"/>
+              <a:t>Sa capacité à effectuer des prédictions de qualité sur des situations jamais rencontrées.</a:t>
             </a:r>
           </a:p>
         </p:txBody>
@@ -11188,13 +10520,6 @@
   <p:clrMapOvr>
     <a:masterClrMapping/>
   </p:clrMapOvr>
-  <p:timing>
-    <p:tnLst>
-      <p:par>
-        <p:cTn id="1" dur="indefinite" restart="never" nodeType="tmRoot"/>
-      </p:par>
-    </p:tnLst>
-  </p:timing>
 </p:sld>
 </file>
 
@@ -11231,7 +10556,7 @@
           <a:lstStyle/>
           <a:p>
             <a:r>
-              <a:rPr lang="fr-FR" dirty="0" err="1" smtClean="0"/>
+              <a:rPr lang="fr-FR" dirty="0" err="1"/>
               <a:t>Surapprentissage</a:t>
             </a:r>
             <a:endParaRPr lang="fr-FR" dirty="0"/>
@@ -11255,65 +10580,45 @@
           <a:p>
             <a:r>
               <a:rPr lang="fr-FR" dirty="0"/>
-              <a:t>La notion </a:t>
-            </a:r>
-            <a:r>
-              <a:rPr lang="fr-FR" dirty="0" smtClean="0"/>
-              <a:t>de </a:t>
-            </a:r>
-            <a:r>
-              <a:rPr lang="fr-FR" dirty="0" err="1" smtClean="0"/>
+              <a:t>La notion de </a:t>
+            </a:r>
+            <a:r>
+              <a:rPr lang="fr-FR" dirty="0" err="1"/>
               <a:t>surapprentissage</a:t>
             </a:r>
             <a:r>
-              <a:rPr lang="fr-FR" dirty="0" smtClean="0"/>
-              <a:t> désigne </a:t>
-            </a:r>
-            <a:r>
-              <a:rPr lang="fr-FR" dirty="0"/>
-              <a:t>le fait que le modèle que vous avez choisi est trop collé aux données </a:t>
-            </a:r>
-            <a:r>
-              <a:rPr lang="fr-FR" dirty="0" smtClean="0"/>
-              <a:t>d'entraînement</a:t>
-            </a:r>
-          </a:p>
-          <a:p>
-            <a:pPr lvl="1"/>
-            <a:r>
-              <a:rPr lang="fr-FR" dirty="0" smtClean="0"/>
-              <a:t>C'est </a:t>
-            </a:r>
-            <a:r>
-              <a:rPr lang="fr-FR" dirty="0"/>
-              <a:t>un problème classique de data science, lorsqu'on choisi un modèle trop "flexible", c'est à dire avec une complexité trop élevée qui prend aussi en compte le bruit du </a:t>
-            </a:r>
-            <a:r>
-              <a:rPr lang="fr-FR" dirty="0" smtClean="0"/>
-              <a:t>phénomène</a:t>
-            </a:r>
-          </a:p>
-          <a:p>
-            <a:pPr lvl="1"/>
-            <a:r>
-              <a:rPr lang="fr-FR" dirty="0" smtClean="0"/>
+              <a:rPr lang="fr-FR" dirty="0"/>
+              <a:t> désigne le fait que le modèle que vous avez choisi est trop collé aux données d'entraînement</a:t>
+            </a:r>
+          </a:p>
+          <a:p>
+            <a:pPr lvl="1"/>
+            <a:r>
+              <a:rPr lang="fr-FR" dirty="0"/>
+              <a:t>C'est un problème classique de data science, lorsqu'on choisi un modèle trop "flexible", c'est à dire avec une complexité trop élevée qui prend aussi en compte le bruit du phénomène</a:t>
+            </a:r>
+          </a:p>
+          <a:p>
+            <a:pPr lvl="1"/>
+            <a:r>
+              <a:rPr lang="fr-FR" dirty="0"/>
               <a:t>Ici modèle simple </a:t>
             </a:r>
           </a:p>
           <a:p>
             <a:pPr lvl="1"/>
             <a:r>
-              <a:rPr lang="fr-FR" dirty="0" smtClean="0"/>
+              <a:rPr lang="fr-FR" dirty="0"/>
               <a:t>vs modèle complexe</a:t>
             </a:r>
           </a:p>
           <a:p>
             <a:r>
-              <a:rPr lang="fr-FR" dirty="0" smtClean="0"/>
+              <a:rPr lang="fr-FR" dirty="0"/>
               <a:t>D’où l’utiliser d’un </a:t>
             </a:r>
             <a:r>
-              <a:rPr lang="fr-FR" dirty="0" err="1" smtClean="0"/>
+              <a:rPr lang="fr-FR" dirty="0" err="1"/>
               <a:t>TestSet</a:t>
             </a:r>
             <a:endParaRPr lang="fr-FR" dirty="0"/>
@@ -11375,13 +10680,6 @@
   <p:clrMapOvr>
     <a:masterClrMapping/>
   </p:clrMapOvr>
-  <p:timing>
-    <p:tnLst>
-      <p:par>
-        <p:cTn id="1" dur="indefinite" restart="never" nodeType="tmRoot"/>
-      </p:par>
-    </p:tnLst>
-  </p:timing>
 </p:sld>
 </file>
 

--- a/ppt/PythonMath12-ScikitLearn.pptx
+++ b/ppt/PythonMath12-ScikitLearn.pptx
@@ -5,10 +5,10 @@
     <p:sldMasterId id="2147483653" r:id="rId1"/>
   </p:sldMasterIdLst>
   <p:notesMasterIdLst>
-    <p:notesMasterId r:id="rId55"/>
+    <p:notesMasterId r:id="rId52"/>
   </p:notesMasterIdLst>
   <p:handoutMasterIdLst>
-    <p:handoutMasterId r:id="rId56"/>
+    <p:handoutMasterId r:id="rId53"/>
   </p:handoutMasterIdLst>
   <p:sldIdLst>
     <p:sldId id="264" r:id="rId2"/>
@@ -61,9 +61,6 @@
     <p:sldId id="354" r:id="rId49"/>
     <p:sldId id="355" r:id="rId50"/>
     <p:sldId id="356" r:id="rId51"/>
-    <p:sldId id="358" r:id="rId52"/>
-    <p:sldId id="359" r:id="rId53"/>
-    <p:sldId id="360" r:id="rId54"/>
   </p:sldIdLst>
   <p:sldSz cx="9144000" cy="6858000" type="screen4x3"/>
   <p:notesSz cx="6648450" cy="9782175"/>
@@ -9736,451 +9733,6 @@
     <p:extLst>
       <p:ext uri="{BB962C8B-B14F-4D97-AF65-F5344CB8AC3E}">
         <p14:creationId xmlns:p14="http://schemas.microsoft.com/office/powerpoint/2010/main" val="1906528269"/>
-      </p:ext>
-    </p:extLst>
-  </p:cSld>
-  <p:clrMapOvr>
-    <a:masterClrMapping/>
-  </p:clrMapOvr>
-</p:sld>
-</file>
-
-<file path=ppt/slides/slide51.xml><?xml version="1.0" encoding="utf-8"?>
-<p:sld xmlns:a="http://schemas.openxmlformats.org/drawingml/2006/main" xmlns:r="http://schemas.openxmlformats.org/officeDocument/2006/relationships" xmlns:p="http://schemas.openxmlformats.org/presentationml/2006/main">
-  <p:cSld>
-    <p:spTree>
-      <p:nvGrpSpPr>
-        <p:cNvPr id="1" name=""/>
-        <p:cNvGrpSpPr/>
-        <p:nvPr/>
-      </p:nvGrpSpPr>
-      <p:grpSpPr>
-        <a:xfrm>
-          <a:off x="0" y="0"/>
-          <a:ext cx="0" cy="0"/>
-          <a:chOff x="0" y="0"/>
-          <a:chExt cx="0" cy="0"/>
-        </a:xfrm>
-      </p:grpSpPr>
-      <p:sp>
-        <p:nvSpPr>
-          <p:cNvPr id="2" name="Titre 1"/>
-          <p:cNvSpPr>
-            <a:spLocks noGrp="1"/>
-          </p:cNvSpPr>
-          <p:nvPr>
-            <p:ph type="title"/>
-          </p:nvPr>
-        </p:nvSpPr>
-        <p:spPr/>
-        <p:txBody>
-          <a:bodyPr/>
-          <a:lstStyle/>
-          <a:p>
-            <a:r>
-              <a:rPr lang="fr-FR" dirty="0"/>
-              <a:t>Standardisation d’un jeux de données</a:t>
-            </a:r>
-          </a:p>
-        </p:txBody>
-      </p:sp>
-      <p:sp>
-        <p:nvSpPr>
-          <p:cNvPr id="3" name="Espace réservé du contenu 2"/>
-          <p:cNvSpPr>
-            <a:spLocks noGrp="1"/>
-          </p:cNvSpPr>
-          <p:nvPr>
-            <p:ph idx="1"/>
-          </p:nvPr>
-        </p:nvSpPr>
-        <p:spPr/>
-        <p:txBody>
-          <a:bodyPr/>
-          <a:lstStyle/>
-          <a:p>
-            <a:r>
-              <a:rPr lang="fr-FR" sz="2400" dirty="0"/>
-              <a:t>Permet de normaliser les données</a:t>
-            </a:r>
-          </a:p>
-          <a:p>
-            <a:r>
-              <a:rPr lang="fr-FR" sz="2400" dirty="0" err="1"/>
-              <a:t>MinMaxScaler</a:t>
-            </a:r>
-            <a:endParaRPr lang="fr-FR" sz="2400" dirty="0"/>
-          </a:p>
-          <a:p>
-            <a:pPr lvl="1"/>
-            <a:r>
-              <a:rPr lang="fr-FR" sz="2000" dirty="0"/>
-              <a:t>Redimensionne les données pour qu’elles soient comprises entre 0 et 1</a:t>
-            </a:r>
-          </a:p>
-          <a:p>
-            <a:pPr lvl="1"/>
-            <a:r>
-              <a:rPr lang="fr-FR" sz="2000" dirty="0"/>
-              <a:t>Assez sensible aux données extrêmes</a:t>
-            </a:r>
-          </a:p>
-          <a:p>
-            <a:r>
-              <a:rPr lang="fr-FR" sz="2400" dirty="0" err="1"/>
-              <a:t>StandardScaler</a:t>
-            </a:r>
-            <a:endParaRPr lang="fr-FR" sz="2400" dirty="0"/>
-          </a:p>
-          <a:p>
-            <a:pPr lvl="1"/>
-            <a:r>
-              <a:rPr lang="fr-FR" sz="2000" dirty="0"/>
-              <a:t>Supprime la moyenne et la mise à l'échelle de la variance de l'unité et en centrant sur 0</a:t>
-            </a:r>
-          </a:p>
-          <a:p>
-            <a:pPr lvl="1"/>
-            <a:r>
-              <a:rPr lang="fr-FR" sz="2000" dirty="0"/>
-              <a:t>La moyenne devient 0</a:t>
-            </a:r>
-          </a:p>
-          <a:p>
-            <a:pPr lvl="1"/>
-            <a:r>
-              <a:rPr lang="fr-FR" sz="2000" dirty="0"/>
-              <a:t>Modifie l’écart type</a:t>
-            </a:r>
-          </a:p>
-          <a:p>
-            <a:pPr lvl="1"/>
-            <a:r>
-              <a:rPr lang="fr-FR" sz="2000" dirty="0"/>
-              <a:t>Moins sensible aux données extrêmes</a:t>
-            </a:r>
-          </a:p>
-          <a:p>
-            <a:r>
-              <a:rPr lang="fr-FR" sz="2400" dirty="0" err="1"/>
-              <a:t>RobusteScaler</a:t>
-            </a:r>
-            <a:endParaRPr lang="fr-FR" sz="2400" dirty="0"/>
-          </a:p>
-          <a:p>
-            <a:pPr lvl="1"/>
-            <a:r>
-              <a:rPr lang="fr-FR" sz="2000" dirty="0"/>
-              <a:t>Fonctionne comme </a:t>
-            </a:r>
-            <a:r>
-              <a:rPr lang="fr-FR" sz="2000" dirty="0" err="1"/>
-              <a:t>StandardScaler</a:t>
-            </a:r>
-            <a:r>
-              <a:rPr lang="fr-FR" sz="2000" dirty="0"/>
-              <a:t> mais en percentile et est donc encore moins sensible aux données extrêmes</a:t>
-            </a:r>
-          </a:p>
-        </p:txBody>
-      </p:sp>
-    </p:spTree>
-    <p:extLst>
-      <p:ext uri="{BB962C8B-B14F-4D97-AF65-F5344CB8AC3E}">
-        <p14:creationId xmlns:p14="http://schemas.microsoft.com/office/powerpoint/2010/main" val="3395635551"/>
-      </p:ext>
-    </p:extLst>
-  </p:cSld>
-  <p:clrMapOvr>
-    <a:masterClrMapping/>
-  </p:clrMapOvr>
-</p:sld>
-</file>
-
-<file path=ppt/slides/slide52.xml><?xml version="1.0" encoding="utf-8"?>
-<p:sld xmlns:a="http://schemas.openxmlformats.org/drawingml/2006/main" xmlns:r="http://schemas.openxmlformats.org/officeDocument/2006/relationships" xmlns:p="http://schemas.openxmlformats.org/presentationml/2006/main">
-  <p:cSld>
-    <p:spTree>
-      <p:nvGrpSpPr>
-        <p:cNvPr id="1" name=""/>
-        <p:cNvGrpSpPr/>
-        <p:nvPr/>
-      </p:nvGrpSpPr>
-      <p:grpSpPr>
-        <a:xfrm>
-          <a:off x="0" y="0"/>
-          <a:ext cx="0" cy="0"/>
-          <a:chOff x="0" y="0"/>
-          <a:chExt cx="0" cy="0"/>
-        </a:xfrm>
-      </p:grpSpPr>
-      <p:sp>
-        <p:nvSpPr>
-          <p:cNvPr id="2" name="Titre 1"/>
-          <p:cNvSpPr>
-            <a:spLocks noGrp="1"/>
-          </p:cNvSpPr>
-          <p:nvPr>
-            <p:ph type="title"/>
-          </p:nvPr>
-        </p:nvSpPr>
-        <p:spPr/>
-        <p:txBody>
-          <a:bodyPr/>
-          <a:lstStyle/>
-          <a:p>
-            <a:r>
-              <a:rPr lang="fr-FR" dirty="0"/>
-              <a:t>Matrice de confusion</a:t>
-            </a:r>
-          </a:p>
-        </p:txBody>
-      </p:sp>
-      <p:sp>
-        <p:nvSpPr>
-          <p:cNvPr id="3" name="Espace réservé du contenu 2"/>
-          <p:cNvSpPr>
-            <a:spLocks noGrp="1"/>
-          </p:cNvSpPr>
-          <p:nvPr>
-            <p:ph idx="1"/>
-          </p:nvPr>
-        </p:nvSpPr>
-        <p:spPr/>
-        <p:txBody>
-          <a:bodyPr/>
-          <a:lstStyle/>
-          <a:p>
-            <a:r>
-              <a:rPr lang="fr-FR" dirty="0"/>
-              <a:t>La matrice de confusion apporte les cas de succès, en discriminant les vrai positifs, les vrai négatifs, les faux positifs et les vrais positifs</a:t>
-            </a:r>
-          </a:p>
-        </p:txBody>
-      </p:sp>
-      <p:pic>
-        <p:nvPicPr>
-          <p:cNvPr id="3074" name="Picture 2" descr="Résultat de recherche d'images pour &quot;sklearn confusion matrix&quot;"/>
-          <p:cNvPicPr>
-            <a:picLocks noChangeAspect="1" noChangeArrowheads="1"/>
-          </p:cNvPicPr>
-          <p:nvPr/>
-        </p:nvPicPr>
-        <p:blipFill>
-          <a:blip r:embed="rId2">
-            <a:extLst>
-              <a:ext uri="{28A0092B-C50C-407E-A947-70E740481C1C}">
-                <a14:useLocalDpi xmlns:a14="http://schemas.microsoft.com/office/drawing/2010/main" val="0"/>
-              </a:ext>
-            </a:extLst>
-          </a:blip>
-          <a:srcRect/>
-          <a:stretch>
-            <a:fillRect/>
-          </a:stretch>
-        </p:blipFill>
-        <p:spPr bwMode="auto">
-          <a:xfrm>
-            <a:off x="2195736" y="3212976"/>
-            <a:ext cx="3200400" cy="2800351"/>
-          </a:xfrm>
-          <a:prstGeom prst="rect">
-            <a:avLst/>
-          </a:prstGeom>
-          <a:noFill/>
-          <a:extLst>
-            <a:ext uri="{909E8E84-426E-40DD-AFC4-6F175D3DCCD1}">
-              <a14:hiddenFill xmlns:a14="http://schemas.microsoft.com/office/drawing/2010/main">
-                <a:solidFill>
-                  <a:srgbClr val="FFFFFF"/>
-                </a:solidFill>
-              </a14:hiddenFill>
-            </a:ext>
-          </a:extLst>
-        </p:spPr>
-      </p:pic>
-    </p:spTree>
-    <p:extLst>
-      <p:ext uri="{BB962C8B-B14F-4D97-AF65-F5344CB8AC3E}">
-        <p14:creationId xmlns:p14="http://schemas.microsoft.com/office/powerpoint/2010/main" val="1381204828"/>
-      </p:ext>
-    </p:extLst>
-  </p:cSld>
-  <p:clrMapOvr>
-    <a:masterClrMapping/>
-  </p:clrMapOvr>
-</p:sld>
-</file>
-
-<file path=ppt/slides/slide53.xml><?xml version="1.0" encoding="utf-8"?>
-<p:sld xmlns:a="http://schemas.openxmlformats.org/drawingml/2006/main" xmlns:r="http://schemas.openxmlformats.org/officeDocument/2006/relationships" xmlns:p="http://schemas.openxmlformats.org/presentationml/2006/main">
-  <p:cSld>
-    <p:spTree>
-      <p:nvGrpSpPr>
-        <p:cNvPr id="1" name=""/>
-        <p:cNvGrpSpPr/>
-        <p:nvPr/>
-      </p:nvGrpSpPr>
-      <p:grpSpPr>
-        <a:xfrm>
-          <a:off x="0" y="0"/>
-          <a:ext cx="0" cy="0"/>
-          <a:chOff x="0" y="0"/>
-          <a:chExt cx="0" cy="0"/>
-        </a:xfrm>
-      </p:grpSpPr>
-      <p:sp>
-        <p:nvSpPr>
-          <p:cNvPr id="2" name="Titre 1"/>
-          <p:cNvSpPr>
-            <a:spLocks noGrp="1"/>
-          </p:cNvSpPr>
-          <p:nvPr>
-            <p:ph type="title"/>
-          </p:nvPr>
-        </p:nvSpPr>
-        <p:spPr/>
-        <p:txBody>
-          <a:bodyPr/>
-          <a:lstStyle/>
-          <a:p>
-            <a:r>
-              <a:rPr lang="fr-FR" dirty="0"/>
-              <a:t>Classification report</a:t>
-            </a:r>
-          </a:p>
-        </p:txBody>
-      </p:sp>
-      <p:sp>
-        <p:nvSpPr>
-          <p:cNvPr id="3" name="Espace réservé du contenu 2"/>
-          <p:cNvSpPr>
-            <a:spLocks noGrp="1"/>
-          </p:cNvSpPr>
-          <p:nvPr>
-            <p:ph idx="1"/>
-          </p:nvPr>
-        </p:nvSpPr>
-        <p:spPr/>
-        <p:txBody>
-          <a:bodyPr/>
-          <a:lstStyle/>
-          <a:p>
-            <a:r>
-              <a:rPr lang="fr-FR" dirty="0"/>
-              <a:t>Apporte le taux de succès détaillé</a:t>
-            </a:r>
-          </a:p>
-          <a:p>
-            <a:r>
-              <a:rPr lang="fr-FR" dirty="0" err="1"/>
-              <a:t>Precision</a:t>
-            </a:r>
-            <a:endParaRPr lang="fr-FR" dirty="0"/>
-          </a:p>
-          <a:p>
-            <a:pPr lvl="1"/>
-            <a:r>
-              <a:rPr lang="fr-FR" dirty="0"/>
-              <a:t>Vrai positif / (vrai positif + faux positif)</a:t>
-            </a:r>
-          </a:p>
-          <a:p>
-            <a:pPr lvl="1"/>
-            <a:r>
-              <a:rPr lang="fr-FR" dirty="0"/>
-              <a:t>Moins grave</a:t>
-            </a:r>
-          </a:p>
-          <a:p>
-            <a:r>
-              <a:rPr lang="fr-FR" dirty="0" err="1"/>
-              <a:t>Recall</a:t>
-            </a:r>
-            <a:endParaRPr lang="fr-FR" dirty="0"/>
-          </a:p>
-          <a:p>
-            <a:pPr lvl="1"/>
-            <a:r>
-              <a:rPr lang="fr-FR" dirty="0"/>
-              <a:t>vrai positif / (vrai positif + faux négatifs)</a:t>
-            </a:r>
-          </a:p>
-          <a:p>
-            <a:pPr lvl="1"/>
-            <a:r>
-              <a:rPr lang="fr-FR" dirty="0"/>
-              <a:t>Plus grave</a:t>
-            </a:r>
-          </a:p>
-          <a:p>
-            <a:r>
-              <a:rPr lang="fr-FR" dirty="0" err="1"/>
-              <a:t>Fl</a:t>
-            </a:r>
-            <a:r>
-              <a:rPr lang="fr-FR" dirty="0"/>
-              <a:t>-score</a:t>
-            </a:r>
-          </a:p>
-          <a:p>
-            <a:pPr lvl="1"/>
-            <a:r>
-              <a:rPr lang="fr-FR" dirty="0"/>
-              <a:t>Doit être proche de 1</a:t>
-            </a:r>
-          </a:p>
-          <a:p>
-            <a:r>
-              <a:rPr lang="fr-FR" dirty="0"/>
-              <a:t>Support</a:t>
-            </a:r>
-          </a:p>
-          <a:p>
-            <a:pPr lvl="1"/>
-            <a:r>
-              <a:rPr lang="fr-FR" dirty="0"/>
-              <a:t>Nombre de positifs et négatifs</a:t>
-            </a:r>
-          </a:p>
-          <a:p>
-            <a:pPr lvl="1"/>
-            <a:endParaRPr lang="fr-FR" dirty="0"/>
-          </a:p>
-          <a:p>
-            <a:pPr lvl="1"/>
-            <a:endParaRPr lang="fr-FR" dirty="0"/>
-          </a:p>
-        </p:txBody>
-      </p:sp>
-      <p:pic>
-        <p:nvPicPr>
-          <p:cNvPr id="4" name="Image 3"/>
-          <p:cNvPicPr>
-            <a:picLocks noChangeAspect="1"/>
-          </p:cNvPicPr>
-          <p:nvPr/>
-        </p:nvPicPr>
-        <p:blipFill>
-          <a:blip r:embed="rId2"/>
-          <a:stretch>
-            <a:fillRect/>
-          </a:stretch>
-        </p:blipFill>
-        <p:spPr>
-          <a:xfrm>
-            <a:off x="3923928" y="4365104"/>
-            <a:ext cx="5497779" cy="1522462"/>
-          </a:xfrm>
-          <a:prstGeom prst="rect">
-            <a:avLst/>
-          </a:prstGeom>
-        </p:spPr>
-      </p:pic>
-    </p:spTree>
-    <p:extLst>
-      <p:ext uri="{BB962C8B-B14F-4D97-AF65-F5344CB8AC3E}">
-        <p14:creationId xmlns:p14="http://schemas.microsoft.com/office/powerpoint/2010/main" val="3829867181"/>
       </p:ext>
     </p:extLst>
   </p:cSld>

--- a/ppt/PythonMath12-ScikitLearn.pptx
+++ b/ppt/PythonMath12-ScikitLearn.pptx
@@ -6909,13 +6909,8 @@
             <a:pPr lvl="1"/>
             <a:r>
               <a:rPr lang="fr-FR" sz="2000" dirty="0"/>
-              <a:t>Peut être très efficace ou très </a:t>
-            </a:r>
-            <a:r>
-              <a:rPr lang="fr-FR" sz="2000" dirty="0" err="1"/>
-              <a:t>inneficace</a:t>
-            </a:r>
-            <a:endParaRPr lang="fr-FR" sz="2000" dirty="0"/>
+              <a:t>Peut être très efficace ou très inefficace</a:t>
+            </a:r>
           </a:p>
           <a:p>
             <a:r>

--- a/ppt/PythonMath12-ScikitLearn.pptx
+++ b/ppt/PythonMath12-ScikitLearn.pptx
@@ -17,15 +17,15 @@
     <p:sldId id="266" r:id="rId5"/>
     <p:sldId id="284" r:id="rId6"/>
     <p:sldId id="278" r:id="rId7"/>
-    <p:sldId id="268" r:id="rId8"/>
-    <p:sldId id="270" r:id="rId9"/>
-    <p:sldId id="375" r:id="rId10"/>
-    <p:sldId id="377" r:id="rId11"/>
-    <p:sldId id="376" r:id="rId12"/>
-    <p:sldId id="273" r:id="rId13"/>
-    <p:sldId id="275" r:id="rId14"/>
-    <p:sldId id="274" r:id="rId15"/>
-    <p:sldId id="276" r:id="rId16"/>
+    <p:sldId id="273" r:id="rId8"/>
+    <p:sldId id="275" r:id="rId9"/>
+    <p:sldId id="274" r:id="rId10"/>
+    <p:sldId id="276" r:id="rId11"/>
+    <p:sldId id="268" r:id="rId12"/>
+    <p:sldId id="270" r:id="rId13"/>
+    <p:sldId id="375" r:id="rId14"/>
+    <p:sldId id="377" r:id="rId15"/>
+    <p:sldId id="376" r:id="rId16"/>
     <p:sldId id="286" r:id="rId17"/>
     <p:sldId id="287" r:id="rId18"/>
     <p:sldId id="288" r:id="rId19"/>
@@ -3830,663 +3830,6 @@
       </p:grpSpPr>
       <p:sp>
         <p:nvSpPr>
-          <p:cNvPr id="2" name="Titre 1">
-            <a:extLst>
-              <a:ext uri="{FF2B5EF4-FFF2-40B4-BE49-F238E27FC236}">
-                <a16:creationId xmlns:a16="http://schemas.microsoft.com/office/drawing/2014/main" id="{FAEA49F4-C275-48EC-A889-D3FD19BF21F1}"/>
-              </a:ext>
-            </a:extLst>
-          </p:cNvPr>
-          <p:cNvSpPr>
-            <a:spLocks noGrp="1"/>
-          </p:cNvSpPr>
-          <p:nvPr>
-            <p:ph type="title"/>
-          </p:nvPr>
-        </p:nvSpPr>
-        <p:spPr/>
-        <p:txBody>
-          <a:bodyPr/>
-          <a:lstStyle/>
-          <a:p>
-            <a:r>
-              <a:rPr lang="fr-FR" dirty="0" err="1"/>
-              <a:t>Underfitting</a:t>
-            </a:r>
-            <a:r>
-              <a:rPr lang="fr-FR" dirty="0"/>
-              <a:t> vs </a:t>
-            </a:r>
-            <a:r>
-              <a:rPr lang="fr-FR" dirty="0" err="1"/>
-              <a:t>Overfitting</a:t>
-            </a:r>
-            <a:endParaRPr lang="fr-FR" dirty="0"/>
-          </a:p>
-        </p:txBody>
-      </p:sp>
-      <p:sp>
-        <p:nvSpPr>
-          <p:cNvPr id="3" name="Espace réservé du contenu 2">
-            <a:extLst>
-              <a:ext uri="{FF2B5EF4-FFF2-40B4-BE49-F238E27FC236}">
-                <a16:creationId xmlns:a16="http://schemas.microsoft.com/office/drawing/2014/main" id="{12585B36-F4DA-44E9-AE87-B3CCBEC1F5D1}"/>
-              </a:ext>
-            </a:extLst>
-          </p:cNvPr>
-          <p:cNvSpPr>
-            <a:spLocks noGrp="1"/>
-          </p:cNvSpPr>
-          <p:nvPr>
-            <p:ph idx="1"/>
-          </p:nvPr>
-        </p:nvSpPr>
-        <p:spPr/>
-        <p:txBody>
-          <a:bodyPr/>
-          <a:lstStyle/>
-          <a:p>
-            <a:endParaRPr lang="fr-FR"/>
-          </a:p>
-        </p:txBody>
-      </p:sp>
-      <p:pic>
-        <p:nvPicPr>
-          <p:cNvPr id="5" name="Image 4">
-            <a:extLst>
-              <a:ext uri="{FF2B5EF4-FFF2-40B4-BE49-F238E27FC236}">
-                <a16:creationId xmlns:a16="http://schemas.microsoft.com/office/drawing/2014/main" id="{24AA51B4-41B5-4A72-9C3B-E3561DC657F7}"/>
-              </a:ext>
-            </a:extLst>
-          </p:cNvPr>
-          <p:cNvPicPr>
-            <a:picLocks noChangeAspect="1"/>
-          </p:cNvPicPr>
-          <p:nvPr/>
-        </p:nvPicPr>
-        <p:blipFill>
-          <a:blip r:embed="rId2"/>
-          <a:stretch>
-            <a:fillRect/>
-          </a:stretch>
-        </p:blipFill>
-        <p:spPr>
-          <a:xfrm>
-            <a:off x="1203265" y="2564904"/>
-            <a:ext cx="7839075" cy="3286125"/>
-          </a:xfrm>
-          <a:prstGeom prst="rect">
-            <a:avLst/>
-          </a:prstGeom>
-        </p:spPr>
-      </p:pic>
-    </p:spTree>
-    <p:extLst>
-      <p:ext uri="{BB962C8B-B14F-4D97-AF65-F5344CB8AC3E}">
-        <p14:creationId xmlns:p14="http://schemas.microsoft.com/office/powerpoint/2010/main" val="1913676403"/>
-      </p:ext>
-    </p:extLst>
-  </p:cSld>
-  <p:clrMapOvr>
-    <a:masterClrMapping/>
-  </p:clrMapOvr>
-</p:sld>
-</file>
-
-<file path=ppt/slides/slide11.xml><?xml version="1.0" encoding="utf-8"?>
-<p:sld xmlns:a="http://schemas.openxmlformats.org/drawingml/2006/main" xmlns:r="http://schemas.openxmlformats.org/officeDocument/2006/relationships" xmlns:p="http://schemas.openxmlformats.org/presentationml/2006/main">
-  <p:cSld>
-    <p:spTree>
-      <p:nvGrpSpPr>
-        <p:cNvPr id="1" name=""/>
-        <p:cNvGrpSpPr/>
-        <p:nvPr/>
-      </p:nvGrpSpPr>
-      <p:grpSpPr>
-        <a:xfrm>
-          <a:off x="0" y="0"/>
-          <a:ext cx="0" cy="0"/>
-          <a:chOff x="0" y="0"/>
-          <a:chExt cx="0" cy="0"/>
-        </a:xfrm>
-      </p:grpSpPr>
-      <p:sp>
-        <p:nvSpPr>
-          <p:cNvPr id="2" name="Titre 1"/>
-          <p:cNvSpPr>
-            <a:spLocks noGrp="1"/>
-          </p:cNvSpPr>
-          <p:nvPr>
-            <p:ph type="title"/>
-          </p:nvPr>
-        </p:nvSpPr>
-        <p:spPr/>
-        <p:txBody>
-          <a:bodyPr/>
-          <a:lstStyle/>
-          <a:p>
-            <a:r>
-              <a:rPr lang="fr-FR" dirty="0" err="1"/>
-              <a:t>Echantillonage</a:t>
-            </a:r>
-            <a:endParaRPr lang="fr-FR" dirty="0"/>
-          </a:p>
-        </p:txBody>
-      </p:sp>
-      <p:sp>
-        <p:nvSpPr>
-          <p:cNvPr id="3" name="Espace réservé du contenu 2"/>
-          <p:cNvSpPr>
-            <a:spLocks noGrp="1"/>
-          </p:cNvSpPr>
-          <p:nvPr>
-            <p:ph idx="1"/>
-          </p:nvPr>
-        </p:nvSpPr>
-        <p:spPr/>
-        <p:txBody>
-          <a:bodyPr/>
-          <a:lstStyle/>
-          <a:p>
-            <a:r>
-              <a:rPr lang="fr-FR" dirty="0"/>
-              <a:t>Le jeu de données (</a:t>
-            </a:r>
-            <a:r>
-              <a:rPr lang="fr-FR" dirty="0" err="1"/>
-              <a:t>dataset</a:t>
-            </a:r>
-            <a:r>
-              <a:rPr lang="fr-FR" dirty="0"/>
-              <a:t>) dont vous disposez constitue une ressource précieuse</a:t>
-            </a:r>
-          </a:p>
-          <a:p>
-            <a:pPr lvl="1"/>
-            <a:r>
-              <a:rPr lang="fr-FR" dirty="0"/>
-              <a:t>Il faut pouvoir l’utiliser à bon escient afin de pouvoir à la fois choisir un modèle et l'entraîner</a:t>
-            </a:r>
-          </a:p>
-          <a:p>
-            <a:pPr lvl="1"/>
-            <a:r>
-              <a:rPr lang="fr-FR" dirty="0"/>
-              <a:t>mais aussi de pouvoir tester la qualité de ce modèle</a:t>
-            </a:r>
-          </a:p>
-          <a:p>
-            <a:r>
-              <a:rPr lang="fr-FR" dirty="0"/>
-              <a:t>La première question à se poser est</a:t>
-            </a:r>
-          </a:p>
-          <a:p>
-            <a:pPr lvl="1"/>
-            <a:r>
-              <a:rPr lang="fr-FR" dirty="0"/>
-              <a:t>Est-ce qu’on va utiliser toutes les données d'exemple dont on dispose ?</a:t>
-            </a:r>
-          </a:p>
-          <a:p>
-            <a:pPr lvl="1"/>
-            <a:r>
-              <a:rPr lang="fr-FR" dirty="0"/>
-              <a:t>Volume, tests, …</a:t>
-            </a:r>
-          </a:p>
-          <a:p>
-            <a:r>
-              <a:rPr lang="fr-FR" dirty="0"/>
-              <a:t>Il faut échantillonner (</a:t>
-            </a:r>
-            <a:r>
-              <a:rPr lang="fr-FR" dirty="0" err="1"/>
-              <a:t>sampling</a:t>
-            </a:r>
-            <a:r>
-              <a:rPr lang="fr-FR" dirty="0"/>
-              <a:t>) les données à tester</a:t>
-            </a:r>
-          </a:p>
-        </p:txBody>
-      </p:sp>
-    </p:spTree>
-    <p:extLst>
-      <p:ext uri="{BB962C8B-B14F-4D97-AF65-F5344CB8AC3E}">
-        <p14:creationId xmlns:p14="http://schemas.microsoft.com/office/powerpoint/2010/main" val="298607567"/>
-      </p:ext>
-    </p:extLst>
-  </p:cSld>
-  <p:clrMapOvr>
-    <a:masterClrMapping/>
-  </p:clrMapOvr>
-</p:sld>
-</file>
-
-<file path=ppt/slides/slide12.xml><?xml version="1.0" encoding="utf-8"?>
-<p:sld xmlns:a="http://schemas.openxmlformats.org/drawingml/2006/main" xmlns:r="http://schemas.openxmlformats.org/officeDocument/2006/relationships" xmlns:p="http://schemas.openxmlformats.org/presentationml/2006/main">
-  <p:cSld>
-    <p:spTree>
-      <p:nvGrpSpPr>
-        <p:cNvPr id="1" name=""/>
-        <p:cNvGrpSpPr/>
-        <p:nvPr/>
-      </p:nvGrpSpPr>
-      <p:grpSpPr>
-        <a:xfrm>
-          <a:off x="0" y="0"/>
-          <a:ext cx="0" cy="0"/>
-          <a:chOff x="0" y="0"/>
-          <a:chExt cx="0" cy="0"/>
-        </a:xfrm>
-      </p:grpSpPr>
-      <p:sp>
-        <p:nvSpPr>
-          <p:cNvPr id="2" name="Titre 1"/>
-          <p:cNvSpPr>
-            <a:spLocks noGrp="1"/>
-          </p:cNvSpPr>
-          <p:nvPr>
-            <p:ph type="title"/>
-          </p:nvPr>
-        </p:nvSpPr>
-        <p:spPr/>
-        <p:txBody>
-          <a:bodyPr/>
-          <a:lstStyle/>
-          <a:p>
-            <a:r>
-              <a:rPr lang="fr-FR" dirty="0"/>
-              <a:t>Régression polynomiale</a:t>
-            </a:r>
-          </a:p>
-        </p:txBody>
-      </p:sp>
-      <p:sp>
-        <p:nvSpPr>
-          <p:cNvPr id="3" name="Espace réservé du contenu 2"/>
-          <p:cNvSpPr>
-            <a:spLocks noGrp="1"/>
-          </p:cNvSpPr>
-          <p:nvPr>
-            <p:ph idx="1"/>
-          </p:nvPr>
-        </p:nvSpPr>
-        <p:spPr/>
-        <p:txBody>
-          <a:bodyPr/>
-          <a:lstStyle/>
-          <a:p>
-            <a:r>
-              <a:rPr lang="fr-FR" dirty="0" err="1"/>
-              <a:t>Sklearn</a:t>
-            </a:r>
-            <a:r>
-              <a:rPr lang="fr-FR" dirty="0"/>
-              <a:t> effectue des régressions polynomiale</a:t>
-            </a:r>
-          </a:p>
-        </p:txBody>
-      </p:sp>
-      <p:pic>
-        <p:nvPicPr>
-          <p:cNvPr id="4098" name="Picture 2" descr="../../_images/sphx_glr_plot_polynomial_interpolation_001.png"/>
-          <p:cNvPicPr>
-            <a:picLocks noChangeAspect="1" noChangeArrowheads="1"/>
-          </p:cNvPicPr>
-          <p:nvPr/>
-        </p:nvPicPr>
-        <p:blipFill>
-          <a:blip r:embed="rId2">
-            <a:extLst>
-              <a:ext uri="{28A0092B-C50C-407E-A947-70E740481C1C}">
-                <a14:useLocalDpi xmlns:a14="http://schemas.microsoft.com/office/drawing/2010/main" val="0"/>
-              </a:ext>
-            </a:extLst>
-          </a:blip>
-          <a:srcRect/>
-          <a:stretch>
-            <a:fillRect/>
-          </a:stretch>
-        </p:blipFill>
-        <p:spPr bwMode="auto">
-          <a:xfrm>
-            <a:off x="1835696" y="1877210"/>
-            <a:ext cx="6096000" cy="4572000"/>
-          </a:xfrm>
-          <a:prstGeom prst="rect">
-            <a:avLst/>
-          </a:prstGeom>
-          <a:noFill/>
-          <a:extLst>
-            <a:ext uri="{909E8E84-426E-40DD-AFC4-6F175D3DCCD1}">
-              <a14:hiddenFill xmlns:a14="http://schemas.microsoft.com/office/drawing/2010/main">
-                <a:solidFill>
-                  <a:srgbClr val="FFFFFF"/>
-                </a:solidFill>
-              </a14:hiddenFill>
-            </a:ext>
-          </a:extLst>
-        </p:spPr>
-      </p:pic>
-    </p:spTree>
-    <p:extLst>
-      <p:ext uri="{BB962C8B-B14F-4D97-AF65-F5344CB8AC3E}">
-        <p14:creationId xmlns:p14="http://schemas.microsoft.com/office/powerpoint/2010/main" val="3848354943"/>
-      </p:ext>
-    </p:extLst>
-  </p:cSld>
-  <p:clrMapOvr>
-    <a:masterClrMapping/>
-  </p:clrMapOvr>
-</p:sld>
-</file>
-
-<file path=ppt/slides/slide13.xml><?xml version="1.0" encoding="utf-8"?>
-<p:sld xmlns:a="http://schemas.openxmlformats.org/drawingml/2006/main" xmlns:r="http://schemas.openxmlformats.org/officeDocument/2006/relationships" xmlns:p="http://schemas.openxmlformats.org/presentationml/2006/main">
-  <p:cSld>
-    <p:spTree>
-      <p:nvGrpSpPr>
-        <p:cNvPr id="1" name=""/>
-        <p:cNvGrpSpPr/>
-        <p:nvPr/>
-      </p:nvGrpSpPr>
-      <p:grpSpPr>
-        <a:xfrm>
-          <a:off x="0" y="0"/>
-          <a:ext cx="0" cy="0"/>
-          <a:chOff x="0" y="0"/>
-          <a:chExt cx="0" cy="0"/>
-        </a:xfrm>
-      </p:grpSpPr>
-      <p:sp>
-        <p:nvSpPr>
-          <p:cNvPr id="2" name="Titre 1"/>
-          <p:cNvSpPr>
-            <a:spLocks noGrp="1"/>
-          </p:cNvSpPr>
-          <p:nvPr>
-            <p:ph type="title"/>
-          </p:nvPr>
-        </p:nvSpPr>
-        <p:spPr/>
-        <p:txBody>
-          <a:bodyPr/>
-          <a:lstStyle/>
-          <a:p>
-            <a:r>
-              <a:rPr lang="fr-FR" dirty="0" err="1"/>
-              <a:t>PreProcessing</a:t>
-            </a:r>
-            <a:endParaRPr lang="fr-FR" dirty="0"/>
-          </a:p>
-        </p:txBody>
-      </p:sp>
-      <p:sp>
-        <p:nvSpPr>
-          <p:cNvPr id="3" name="Espace réservé du contenu 2"/>
-          <p:cNvSpPr>
-            <a:spLocks noGrp="1"/>
-          </p:cNvSpPr>
-          <p:nvPr>
-            <p:ph idx="1"/>
-          </p:nvPr>
-        </p:nvSpPr>
-        <p:spPr/>
-        <p:txBody>
-          <a:bodyPr/>
-          <a:lstStyle/>
-          <a:p>
-            <a:r>
-              <a:rPr lang="fr-FR" dirty="0" err="1"/>
-              <a:t>Preprocessing</a:t>
-            </a:r>
-            <a:r>
-              <a:rPr lang="fr-FR" dirty="0"/>
-              <a:t> contient des </a:t>
-            </a:r>
-            <a:r>
-              <a:rPr lang="fr-FR" dirty="0" err="1"/>
-              <a:t>Features</a:t>
-            </a:r>
-            <a:r>
-              <a:rPr lang="fr-FR" dirty="0"/>
-              <a:t> qui sont des algorithmes de modèles pré-calculés</a:t>
-            </a:r>
-          </a:p>
-          <a:p>
-            <a:r>
-              <a:rPr lang="fr-FR" dirty="0"/>
-              <a:t>Il en existe des centaines</a:t>
-            </a:r>
-          </a:p>
-          <a:p>
-            <a:r>
-              <a:rPr lang="fr-FR" dirty="0"/>
-              <a:t>import </a:t>
-            </a:r>
-            <a:r>
-              <a:rPr lang="fr-FR" dirty="0" err="1"/>
-              <a:t>sklearn.preprocessing</a:t>
-            </a:r>
-            <a:r>
-              <a:rPr lang="fr-FR" dirty="0"/>
-              <a:t> as pp</a:t>
-            </a:r>
-          </a:p>
-          <a:p>
-            <a:r>
-              <a:rPr lang="fr-FR" dirty="0" err="1"/>
-              <a:t>pp.PolynomialFeatures</a:t>
-            </a:r>
-            <a:r>
-              <a:rPr lang="fr-FR" dirty="0"/>
-              <a:t>(2)</a:t>
-            </a:r>
-          </a:p>
-          <a:p>
-            <a:endParaRPr lang="fr-FR" dirty="0"/>
-          </a:p>
-        </p:txBody>
-      </p:sp>
-    </p:spTree>
-    <p:extLst>
-      <p:ext uri="{BB962C8B-B14F-4D97-AF65-F5344CB8AC3E}">
-        <p14:creationId xmlns:p14="http://schemas.microsoft.com/office/powerpoint/2010/main" val="1233238204"/>
-      </p:ext>
-    </p:extLst>
-  </p:cSld>
-  <p:clrMapOvr>
-    <a:masterClrMapping/>
-  </p:clrMapOvr>
-</p:sld>
-</file>
-
-<file path=ppt/slides/slide14.xml><?xml version="1.0" encoding="utf-8"?>
-<p:sld xmlns:a="http://schemas.openxmlformats.org/drawingml/2006/main" xmlns:r="http://schemas.openxmlformats.org/officeDocument/2006/relationships" xmlns:p="http://schemas.openxmlformats.org/presentationml/2006/main">
-  <p:cSld>
-    <p:spTree>
-      <p:nvGrpSpPr>
-        <p:cNvPr id="1" name=""/>
-        <p:cNvGrpSpPr/>
-        <p:nvPr/>
-      </p:nvGrpSpPr>
-      <p:grpSpPr>
-        <a:xfrm>
-          <a:off x="0" y="0"/>
-          <a:ext cx="0" cy="0"/>
-          <a:chOff x="0" y="0"/>
-          <a:chExt cx="0" cy="0"/>
-        </a:xfrm>
-      </p:grpSpPr>
-      <p:sp>
-        <p:nvSpPr>
-          <p:cNvPr id="2" name="Titre 1"/>
-          <p:cNvSpPr>
-            <a:spLocks noGrp="1"/>
-          </p:cNvSpPr>
-          <p:nvPr>
-            <p:ph type="title"/>
-          </p:nvPr>
-        </p:nvSpPr>
-        <p:spPr/>
-        <p:txBody>
-          <a:bodyPr/>
-          <a:lstStyle/>
-          <a:p>
-            <a:r>
-              <a:rPr lang="fr-FR" dirty="0"/>
-              <a:t>Pipeline</a:t>
-            </a:r>
-          </a:p>
-        </p:txBody>
-      </p:sp>
-      <p:sp>
-        <p:nvSpPr>
-          <p:cNvPr id="3" name="Espace réservé du contenu 2"/>
-          <p:cNvSpPr>
-            <a:spLocks noGrp="1"/>
-          </p:cNvSpPr>
-          <p:nvPr>
-            <p:ph idx="1"/>
-          </p:nvPr>
-        </p:nvSpPr>
-        <p:spPr/>
-        <p:txBody>
-          <a:bodyPr/>
-          <a:lstStyle/>
-          <a:p>
-            <a:r>
-              <a:rPr lang="fr-FR" dirty="0"/>
-              <a:t>Pipeline permet de créer des modèles avec des </a:t>
-            </a:r>
-            <a:r>
-              <a:rPr lang="fr-FR" dirty="0" err="1"/>
-              <a:t>features</a:t>
-            </a:r>
-            <a:r>
-              <a:rPr lang="fr-FR" dirty="0"/>
-              <a:t> et des calculs d’erreurs paramétrables</a:t>
-            </a:r>
-          </a:p>
-          <a:p>
-            <a:r>
-              <a:rPr lang="fr-FR" dirty="0"/>
-              <a:t>import </a:t>
-            </a:r>
-            <a:r>
-              <a:rPr lang="fr-FR" dirty="0" err="1"/>
-              <a:t>sklearn.pipeline</a:t>
-            </a:r>
-            <a:r>
-              <a:rPr lang="fr-FR" dirty="0"/>
-              <a:t> as pipe</a:t>
-            </a:r>
-          </a:p>
-          <a:p>
-            <a:r>
-              <a:rPr lang="fr-FR" dirty="0" err="1"/>
-              <a:t>pipe.make_pipeline</a:t>
-            </a:r>
-            <a:r>
-              <a:rPr lang="fr-FR" dirty="0"/>
-              <a:t>(</a:t>
-            </a:r>
-            <a:r>
-              <a:rPr lang="fr-FR" dirty="0" err="1"/>
-              <a:t>pp.PolynomialFeatures</a:t>
-            </a:r>
-            <a:r>
-              <a:rPr lang="fr-FR" dirty="0"/>
-              <a:t>(2), </a:t>
-            </a:r>
-            <a:r>
-              <a:rPr lang="fr-FR" dirty="0" err="1"/>
-              <a:t>sklm.Ridge</a:t>
-            </a:r>
-            <a:r>
-              <a:rPr lang="fr-FR" dirty="0"/>
-              <a:t>())</a:t>
-            </a:r>
-          </a:p>
-          <a:p>
-            <a:pPr lvl="1"/>
-            <a:r>
-              <a:rPr lang="fr-FR" dirty="0"/>
-              <a:t>Ridge est l’algorithme de calcul de l’erreur quadratique</a:t>
-            </a:r>
-          </a:p>
-          <a:p>
-            <a:pPr lvl="1"/>
-            <a:r>
-              <a:rPr lang="fr-FR" dirty="0"/>
-              <a:t>model = </a:t>
-            </a:r>
-            <a:r>
-              <a:rPr lang="fr-FR" dirty="0" err="1"/>
-              <a:t>pp.make_pipeline</a:t>
-            </a:r>
-            <a:r>
-              <a:rPr lang="fr-FR" dirty="0"/>
-              <a:t>(</a:t>
-            </a:r>
-            <a:r>
-              <a:rPr lang="fr-FR" dirty="0" err="1"/>
-              <a:t>pipe.PolynomialFeatures</a:t>
-            </a:r>
-            <a:r>
-              <a:rPr lang="fr-FR" dirty="0"/>
-              <a:t>(1), </a:t>
-            </a:r>
-            <a:r>
-              <a:rPr lang="fr-FR" dirty="0" err="1"/>
-              <a:t>sklm.Ridge</a:t>
-            </a:r>
-            <a:r>
-              <a:rPr lang="fr-FR" dirty="0"/>
-              <a:t>()) # est identique à </a:t>
-            </a:r>
-            <a:r>
-              <a:rPr lang="fr-FR" dirty="0" err="1"/>
-              <a:t>LinearRegression</a:t>
-            </a:r>
-            <a:endParaRPr lang="fr-FR" dirty="0"/>
-          </a:p>
-        </p:txBody>
-      </p:sp>
-    </p:spTree>
-    <p:extLst>
-      <p:ext uri="{BB962C8B-B14F-4D97-AF65-F5344CB8AC3E}">
-        <p14:creationId xmlns:p14="http://schemas.microsoft.com/office/powerpoint/2010/main" val="1835056303"/>
-      </p:ext>
-    </p:extLst>
-  </p:cSld>
-  <p:clrMapOvr>
-    <a:masterClrMapping/>
-  </p:clrMapOvr>
-</p:sld>
-</file>
-
-<file path=ppt/slides/slide15.xml><?xml version="1.0" encoding="utf-8"?>
-<p:sld xmlns:a="http://schemas.openxmlformats.org/drawingml/2006/main" xmlns:r="http://schemas.openxmlformats.org/officeDocument/2006/relationships" xmlns:p="http://schemas.openxmlformats.org/presentationml/2006/main">
-  <p:cSld>
-    <p:spTree>
-      <p:nvGrpSpPr>
-        <p:cNvPr id="1" name=""/>
-        <p:cNvGrpSpPr/>
-        <p:nvPr/>
-      </p:nvGrpSpPr>
-      <p:grpSpPr>
-        <a:xfrm>
-          <a:off x="0" y="0"/>
-          <a:ext cx="0" cy="0"/>
-          <a:chOff x="0" y="0"/>
-          <a:chExt cx="0" cy="0"/>
-        </a:xfrm>
-      </p:grpSpPr>
-      <p:sp>
-        <p:nvSpPr>
           <p:cNvPr id="2" name="Titre 1"/>
           <p:cNvSpPr>
             <a:spLocks noGrp="1"/>
@@ -4617,6 +3960,652 @@
     <p:extLst>
       <p:ext uri="{BB962C8B-B14F-4D97-AF65-F5344CB8AC3E}">
         <p14:creationId xmlns:p14="http://schemas.microsoft.com/office/powerpoint/2010/main" val="3012124197"/>
+      </p:ext>
+    </p:extLst>
+  </p:cSld>
+  <p:clrMapOvr>
+    <a:masterClrMapping/>
+  </p:clrMapOvr>
+</p:sld>
+</file>
+
+<file path=ppt/slides/slide11.xml><?xml version="1.0" encoding="utf-8"?>
+<p:sld xmlns:a="http://schemas.openxmlformats.org/drawingml/2006/main" xmlns:r="http://schemas.openxmlformats.org/officeDocument/2006/relationships" xmlns:p="http://schemas.openxmlformats.org/presentationml/2006/main">
+  <p:cSld>
+    <p:spTree>
+      <p:nvGrpSpPr>
+        <p:cNvPr id="1" name=""/>
+        <p:cNvGrpSpPr/>
+        <p:nvPr/>
+      </p:nvGrpSpPr>
+      <p:grpSpPr>
+        <a:xfrm>
+          <a:off x="0" y="0"/>
+          <a:ext cx="0" cy="0"/>
+          <a:chOff x="0" y="0"/>
+          <a:chExt cx="0" cy="0"/>
+        </a:xfrm>
+      </p:grpSpPr>
+      <p:sp>
+        <p:nvSpPr>
+          <p:cNvPr id="2" name="Titre 1"/>
+          <p:cNvSpPr>
+            <a:spLocks noGrp="1"/>
+          </p:cNvSpPr>
+          <p:nvPr>
+            <p:ph type="title"/>
+          </p:nvPr>
+        </p:nvSpPr>
+        <p:spPr/>
+        <p:txBody>
+          <a:bodyPr/>
+          <a:lstStyle/>
+          <a:p>
+            <a:r>
+              <a:rPr lang="fr-FR" dirty="0"/>
+              <a:t>Randomisation</a:t>
+            </a:r>
+          </a:p>
+        </p:txBody>
+      </p:sp>
+      <p:sp>
+        <p:nvSpPr>
+          <p:cNvPr id="3" name="Espace réservé du contenu 2"/>
+          <p:cNvSpPr>
+            <a:spLocks noGrp="1"/>
+          </p:cNvSpPr>
+          <p:nvPr>
+            <p:ph idx="1"/>
+          </p:nvPr>
+        </p:nvSpPr>
+        <p:spPr/>
+        <p:txBody>
+          <a:bodyPr/>
+          <a:lstStyle/>
+          <a:p>
+            <a:r>
+              <a:rPr lang="fr-FR" dirty="0"/>
+              <a:t>Il faut utiliser le bon échantillon</a:t>
+            </a:r>
+          </a:p>
+          <a:p>
+            <a:pPr lvl="1"/>
+            <a:r>
+              <a:rPr lang="fr-FR" dirty="0"/>
+              <a:t>Bien répartis</a:t>
+            </a:r>
+          </a:p>
+          <a:p>
+            <a:pPr lvl="1"/>
+            <a:r>
+              <a:rPr lang="fr-FR" dirty="0"/>
+              <a:t>Ne pas introduire de biais</a:t>
+            </a:r>
+          </a:p>
+          <a:p>
+            <a:pPr lvl="1"/>
+            <a:r>
+              <a:rPr lang="fr-FR" dirty="0"/>
+              <a:t>Par exemple à Paris les loyers sont plus chères qu’ailleurs</a:t>
+            </a:r>
+          </a:p>
+          <a:p>
+            <a:r>
+              <a:rPr lang="fr-FR" dirty="0"/>
+              <a:t>Il faut ensuite découper l’échantillon avec le</a:t>
+            </a:r>
+          </a:p>
+          <a:p>
+            <a:pPr lvl="1"/>
+            <a:r>
+              <a:rPr lang="fr-FR" dirty="0"/>
+              <a:t>Training Set</a:t>
+            </a:r>
+          </a:p>
+          <a:p>
+            <a:pPr lvl="1"/>
+            <a:r>
+              <a:rPr lang="fr-FR" dirty="0" err="1"/>
+              <a:t>Testing</a:t>
+            </a:r>
+            <a:r>
+              <a:rPr lang="fr-FR" dirty="0"/>
+              <a:t> Set</a:t>
+            </a:r>
+          </a:p>
+          <a:p>
+            <a:r>
+              <a:rPr lang="fr-FR" dirty="0"/>
+              <a:t>L’un sert à l’apprentissage, l’autre au test</a:t>
+            </a:r>
+          </a:p>
+          <a:p>
+            <a:pPr lvl="1"/>
+            <a:r>
+              <a:rPr lang="fr-FR" dirty="0"/>
+              <a:t>Souvent 80/20</a:t>
+            </a:r>
+          </a:p>
+        </p:txBody>
+      </p:sp>
+    </p:spTree>
+    <p:extLst>
+      <p:ext uri="{BB962C8B-B14F-4D97-AF65-F5344CB8AC3E}">
+        <p14:creationId xmlns:p14="http://schemas.microsoft.com/office/powerpoint/2010/main" val="3973718715"/>
+      </p:ext>
+    </p:extLst>
+  </p:cSld>
+  <p:clrMapOvr>
+    <a:masterClrMapping/>
+  </p:clrMapOvr>
+</p:sld>
+</file>
+
+<file path=ppt/slides/slide12.xml><?xml version="1.0" encoding="utf-8"?>
+<p:sld xmlns:a="http://schemas.openxmlformats.org/drawingml/2006/main" xmlns:r="http://schemas.openxmlformats.org/officeDocument/2006/relationships" xmlns:p="http://schemas.openxmlformats.org/presentationml/2006/main">
+  <p:cSld>
+    <p:spTree>
+      <p:nvGrpSpPr>
+        <p:cNvPr id="1" name=""/>
+        <p:cNvGrpSpPr/>
+        <p:nvPr/>
+      </p:nvGrpSpPr>
+      <p:grpSpPr>
+        <a:xfrm>
+          <a:off x="0" y="0"/>
+          <a:ext cx="0" cy="0"/>
+          <a:chOff x="0" y="0"/>
+          <a:chExt cx="0" cy="0"/>
+        </a:xfrm>
+      </p:grpSpPr>
+      <p:sp>
+        <p:nvSpPr>
+          <p:cNvPr id="2" name="Titre 1"/>
+          <p:cNvSpPr>
+            <a:spLocks noGrp="1"/>
+          </p:cNvSpPr>
+          <p:nvPr>
+            <p:ph type="title"/>
+          </p:nvPr>
+        </p:nvSpPr>
+        <p:spPr/>
+        <p:txBody>
+          <a:bodyPr/>
+          <a:lstStyle/>
+          <a:p>
+            <a:r>
+              <a:rPr lang="fr-FR" dirty="0"/>
+              <a:t>Randomisation</a:t>
+            </a:r>
+          </a:p>
+        </p:txBody>
+      </p:sp>
+      <p:sp>
+        <p:nvSpPr>
+          <p:cNvPr id="3" name="Espace réservé du contenu 2"/>
+          <p:cNvSpPr>
+            <a:spLocks noGrp="1"/>
+          </p:cNvSpPr>
+          <p:nvPr>
+            <p:ph idx="1"/>
+          </p:nvPr>
+        </p:nvSpPr>
+        <p:spPr/>
+        <p:txBody>
+          <a:bodyPr/>
+          <a:lstStyle/>
+          <a:p>
+            <a:r>
+              <a:rPr lang="fr-FR" dirty="0"/>
+              <a:t>Il s’avère que si on entraîne le modèle avec des données, il va naturellement être plus performant sur ces données-là</a:t>
+            </a:r>
+          </a:p>
+          <a:p>
+            <a:r>
+              <a:rPr lang="fr-FR" dirty="0"/>
+              <a:t>Ce qui nous intéresse c’est de mesurer sa performance sur des données qu’il n’a jamais vues puisque c’est ce qui va se passer en pratique</a:t>
+            </a:r>
+          </a:p>
+          <a:p>
+            <a:r>
+              <a:rPr lang="fr-FR" dirty="0"/>
+              <a:t>Cette performance est appelée la </a:t>
+            </a:r>
+            <a:r>
+              <a:rPr lang="fr-FR" b="1" dirty="0"/>
+              <a:t>généralisation</a:t>
+            </a:r>
+            <a:r>
+              <a:rPr lang="fr-FR" dirty="0"/>
+              <a:t> du modèle</a:t>
+            </a:r>
+          </a:p>
+          <a:p>
+            <a:pPr lvl="1"/>
+            <a:r>
+              <a:rPr lang="fr-FR" dirty="0"/>
+              <a:t>Sa capacité à effectuer des prédictions de qualité sur des situations jamais rencontrées.</a:t>
+            </a:r>
+          </a:p>
+        </p:txBody>
+      </p:sp>
+    </p:spTree>
+    <p:extLst>
+      <p:ext uri="{BB962C8B-B14F-4D97-AF65-F5344CB8AC3E}">
+        <p14:creationId xmlns:p14="http://schemas.microsoft.com/office/powerpoint/2010/main" val="1872769034"/>
+      </p:ext>
+    </p:extLst>
+  </p:cSld>
+  <p:clrMapOvr>
+    <a:masterClrMapping/>
+  </p:clrMapOvr>
+</p:sld>
+</file>
+
+<file path=ppt/slides/slide13.xml><?xml version="1.0" encoding="utf-8"?>
+<p:sld xmlns:a="http://schemas.openxmlformats.org/drawingml/2006/main" xmlns:r="http://schemas.openxmlformats.org/officeDocument/2006/relationships" xmlns:p="http://schemas.openxmlformats.org/presentationml/2006/main">
+  <p:cSld>
+    <p:spTree>
+      <p:nvGrpSpPr>
+        <p:cNvPr id="1" name=""/>
+        <p:cNvGrpSpPr/>
+        <p:nvPr/>
+      </p:nvGrpSpPr>
+      <p:grpSpPr>
+        <a:xfrm>
+          <a:off x="0" y="0"/>
+          <a:ext cx="0" cy="0"/>
+          <a:chOff x="0" y="0"/>
+          <a:chExt cx="0" cy="0"/>
+        </a:xfrm>
+      </p:grpSpPr>
+      <p:sp>
+        <p:nvSpPr>
+          <p:cNvPr id="2" name="Titre 1"/>
+          <p:cNvSpPr>
+            <a:spLocks noGrp="1"/>
+          </p:cNvSpPr>
+          <p:nvPr>
+            <p:ph type="title"/>
+          </p:nvPr>
+        </p:nvSpPr>
+        <p:spPr/>
+        <p:txBody>
+          <a:bodyPr/>
+          <a:lstStyle/>
+          <a:p>
+            <a:r>
+              <a:rPr lang="fr-FR" dirty="0" err="1"/>
+              <a:t>Surapprentissage</a:t>
+            </a:r>
+            <a:endParaRPr lang="fr-FR" dirty="0"/>
+          </a:p>
+        </p:txBody>
+      </p:sp>
+      <p:sp>
+        <p:nvSpPr>
+          <p:cNvPr id="3" name="Espace réservé du contenu 2"/>
+          <p:cNvSpPr>
+            <a:spLocks noGrp="1"/>
+          </p:cNvSpPr>
+          <p:nvPr>
+            <p:ph idx="1"/>
+          </p:nvPr>
+        </p:nvSpPr>
+        <p:spPr/>
+        <p:txBody>
+          <a:bodyPr/>
+          <a:lstStyle/>
+          <a:p>
+            <a:r>
+              <a:rPr lang="fr-FR" dirty="0"/>
+              <a:t>La notion de </a:t>
+            </a:r>
+            <a:r>
+              <a:rPr lang="fr-FR" dirty="0" err="1"/>
+              <a:t>surapprentissage</a:t>
+            </a:r>
+            <a:r>
+              <a:rPr lang="fr-FR" dirty="0"/>
+              <a:t> désigne le fait que le modèle que vous avez choisi est trop collé aux données d'entraînement</a:t>
+            </a:r>
+          </a:p>
+          <a:p>
+            <a:pPr lvl="1"/>
+            <a:r>
+              <a:rPr lang="fr-FR" dirty="0"/>
+              <a:t>C'est un problème classique de data science, lorsqu'on choisi un modèle trop "flexible", c'est à dire avec une complexité trop élevée qui prend aussi en compte le bruit du phénomène</a:t>
+            </a:r>
+          </a:p>
+          <a:p>
+            <a:pPr lvl="1"/>
+            <a:r>
+              <a:rPr lang="fr-FR" dirty="0"/>
+              <a:t>Ici modèle simple </a:t>
+            </a:r>
+          </a:p>
+          <a:p>
+            <a:pPr lvl="1"/>
+            <a:r>
+              <a:rPr lang="fr-FR" dirty="0"/>
+              <a:t>vs modèle complexe</a:t>
+            </a:r>
+          </a:p>
+          <a:p>
+            <a:r>
+              <a:rPr lang="fr-FR" dirty="0"/>
+              <a:t>D’où l’utiliser d’un </a:t>
+            </a:r>
+            <a:r>
+              <a:rPr lang="fr-FR" dirty="0" err="1"/>
+              <a:t>TestSet</a:t>
+            </a:r>
+            <a:endParaRPr lang="fr-FR" dirty="0"/>
+          </a:p>
+          <a:p>
+            <a:pPr lvl="1"/>
+            <a:endParaRPr lang="fr-FR" dirty="0"/>
+          </a:p>
+        </p:txBody>
+      </p:sp>
+      <p:pic>
+        <p:nvPicPr>
+          <p:cNvPr id="1026" name="Picture 2" descr="Comparaison entre un modèle en overfitting vs une modélisation plus réaliste du phénomène"/>
+          <p:cNvPicPr>
+            <a:picLocks noChangeAspect="1" noChangeArrowheads="1"/>
+          </p:cNvPicPr>
+          <p:nvPr/>
+        </p:nvPicPr>
+        <p:blipFill>
+          <a:blip r:embed="rId2">
+            <a:extLst>
+              <a:ext uri="{28A0092B-C50C-407E-A947-70E740481C1C}">
+                <a14:useLocalDpi xmlns:a14="http://schemas.microsoft.com/office/drawing/2010/main" val="0"/>
+              </a:ext>
+            </a:extLst>
+          </a:blip>
+          <a:srcRect/>
+          <a:stretch>
+            <a:fillRect/>
+          </a:stretch>
+        </p:blipFill>
+        <p:spPr bwMode="auto">
+          <a:xfrm>
+            <a:off x="4932040" y="4019384"/>
+            <a:ext cx="3590925" cy="2438400"/>
+          </a:xfrm>
+          <a:prstGeom prst="rect">
+            <a:avLst/>
+          </a:prstGeom>
+          <a:noFill/>
+          <a:extLst>
+            <a:ext uri="{909E8E84-426E-40DD-AFC4-6F175D3DCCD1}">
+              <a14:hiddenFill xmlns:a14="http://schemas.microsoft.com/office/drawing/2010/main">
+                <a:solidFill>
+                  <a:srgbClr val="FFFFFF"/>
+                </a:solidFill>
+              </a14:hiddenFill>
+            </a:ext>
+          </a:extLst>
+        </p:spPr>
+      </p:pic>
+    </p:spTree>
+    <p:extLst>
+      <p:ext uri="{BB962C8B-B14F-4D97-AF65-F5344CB8AC3E}">
+        <p14:creationId xmlns:p14="http://schemas.microsoft.com/office/powerpoint/2010/main" val="865842093"/>
+      </p:ext>
+    </p:extLst>
+  </p:cSld>
+  <p:clrMapOvr>
+    <a:masterClrMapping/>
+  </p:clrMapOvr>
+</p:sld>
+</file>
+
+<file path=ppt/slides/slide14.xml><?xml version="1.0" encoding="utf-8"?>
+<p:sld xmlns:a="http://schemas.openxmlformats.org/drawingml/2006/main" xmlns:r="http://schemas.openxmlformats.org/officeDocument/2006/relationships" xmlns:p="http://schemas.openxmlformats.org/presentationml/2006/main">
+  <p:cSld>
+    <p:spTree>
+      <p:nvGrpSpPr>
+        <p:cNvPr id="1" name=""/>
+        <p:cNvGrpSpPr/>
+        <p:nvPr/>
+      </p:nvGrpSpPr>
+      <p:grpSpPr>
+        <a:xfrm>
+          <a:off x="0" y="0"/>
+          <a:ext cx="0" cy="0"/>
+          <a:chOff x="0" y="0"/>
+          <a:chExt cx="0" cy="0"/>
+        </a:xfrm>
+      </p:grpSpPr>
+      <p:sp>
+        <p:nvSpPr>
+          <p:cNvPr id="2" name="Titre 1">
+            <a:extLst>
+              <a:ext uri="{FF2B5EF4-FFF2-40B4-BE49-F238E27FC236}">
+                <a16:creationId xmlns:a16="http://schemas.microsoft.com/office/drawing/2014/main" id="{FAEA49F4-C275-48EC-A889-D3FD19BF21F1}"/>
+              </a:ext>
+            </a:extLst>
+          </p:cNvPr>
+          <p:cNvSpPr>
+            <a:spLocks noGrp="1"/>
+          </p:cNvSpPr>
+          <p:nvPr>
+            <p:ph type="title"/>
+          </p:nvPr>
+        </p:nvSpPr>
+        <p:spPr/>
+        <p:txBody>
+          <a:bodyPr/>
+          <a:lstStyle/>
+          <a:p>
+            <a:r>
+              <a:rPr lang="fr-FR" dirty="0" err="1"/>
+              <a:t>Underfitting</a:t>
+            </a:r>
+            <a:r>
+              <a:rPr lang="fr-FR" dirty="0"/>
+              <a:t> vs </a:t>
+            </a:r>
+            <a:r>
+              <a:rPr lang="fr-FR" dirty="0" err="1"/>
+              <a:t>Overfitting</a:t>
+            </a:r>
+            <a:endParaRPr lang="fr-FR" dirty="0"/>
+          </a:p>
+        </p:txBody>
+      </p:sp>
+      <p:sp>
+        <p:nvSpPr>
+          <p:cNvPr id="3" name="Espace réservé du contenu 2">
+            <a:extLst>
+              <a:ext uri="{FF2B5EF4-FFF2-40B4-BE49-F238E27FC236}">
+                <a16:creationId xmlns:a16="http://schemas.microsoft.com/office/drawing/2014/main" id="{12585B36-F4DA-44E9-AE87-B3CCBEC1F5D1}"/>
+              </a:ext>
+            </a:extLst>
+          </p:cNvPr>
+          <p:cNvSpPr>
+            <a:spLocks noGrp="1"/>
+          </p:cNvSpPr>
+          <p:nvPr>
+            <p:ph idx="1"/>
+          </p:nvPr>
+        </p:nvSpPr>
+        <p:spPr/>
+        <p:txBody>
+          <a:bodyPr/>
+          <a:lstStyle/>
+          <a:p>
+            <a:endParaRPr lang="fr-FR"/>
+          </a:p>
+        </p:txBody>
+      </p:sp>
+      <p:pic>
+        <p:nvPicPr>
+          <p:cNvPr id="5" name="Image 4">
+            <a:extLst>
+              <a:ext uri="{FF2B5EF4-FFF2-40B4-BE49-F238E27FC236}">
+                <a16:creationId xmlns:a16="http://schemas.microsoft.com/office/drawing/2014/main" id="{24AA51B4-41B5-4A72-9C3B-E3561DC657F7}"/>
+              </a:ext>
+            </a:extLst>
+          </p:cNvPr>
+          <p:cNvPicPr>
+            <a:picLocks noChangeAspect="1"/>
+          </p:cNvPicPr>
+          <p:nvPr/>
+        </p:nvPicPr>
+        <p:blipFill>
+          <a:blip r:embed="rId2"/>
+          <a:stretch>
+            <a:fillRect/>
+          </a:stretch>
+        </p:blipFill>
+        <p:spPr>
+          <a:xfrm>
+            <a:off x="1203265" y="2564904"/>
+            <a:ext cx="7839075" cy="3286125"/>
+          </a:xfrm>
+          <a:prstGeom prst="rect">
+            <a:avLst/>
+          </a:prstGeom>
+        </p:spPr>
+      </p:pic>
+    </p:spTree>
+    <p:extLst>
+      <p:ext uri="{BB962C8B-B14F-4D97-AF65-F5344CB8AC3E}">
+        <p14:creationId xmlns:p14="http://schemas.microsoft.com/office/powerpoint/2010/main" val="213946429"/>
+      </p:ext>
+    </p:extLst>
+  </p:cSld>
+  <p:clrMapOvr>
+    <a:masterClrMapping/>
+  </p:clrMapOvr>
+</p:sld>
+</file>
+
+<file path=ppt/slides/slide15.xml><?xml version="1.0" encoding="utf-8"?>
+<p:sld xmlns:a="http://schemas.openxmlformats.org/drawingml/2006/main" xmlns:r="http://schemas.openxmlformats.org/officeDocument/2006/relationships" xmlns:p="http://schemas.openxmlformats.org/presentationml/2006/main">
+  <p:cSld>
+    <p:spTree>
+      <p:nvGrpSpPr>
+        <p:cNvPr id="1" name=""/>
+        <p:cNvGrpSpPr/>
+        <p:nvPr/>
+      </p:nvGrpSpPr>
+      <p:grpSpPr>
+        <a:xfrm>
+          <a:off x="0" y="0"/>
+          <a:ext cx="0" cy="0"/>
+          <a:chOff x="0" y="0"/>
+          <a:chExt cx="0" cy="0"/>
+        </a:xfrm>
+      </p:grpSpPr>
+      <p:sp>
+        <p:nvSpPr>
+          <p:cNvPr id="2" name="Titre 1"/>
+          <p:cNvSpPr>
+            <a:spLocks noGrp="1"/>
+          </p:cNvSpPr>
+          <p:nvPr>
+            <p:ph type="title"/>
+          </p:nvPr>
+        </p:nvSpPr>
+        <p:spPr/>
+        <p:txBody>
+          <a:bodyPr/>
+          <a:lstStyle/>
+          <a:p>
+            <a:r>
+              <a:rPr lang="fr-FR" dirty="0" err="1"/>
+              <a:t>Echantillonage</a:t>
+            </a:r>
+            <a:endParaRPr lang="fr-FR" dirty="0"/>
+          </a:p>
+        </p:txBody>
+      </p:sp>
+      <p:sp>
+        <p:nvSpPr>
+          <p:cNvPr id="3" name="Espace réservé du contenu 2"/>
+          <p:cNvSpPr>
+            <a:spLocks noGrp="1"/>
+          </p:cNvSpPr>
+          <p:nvPr>
+            <p:ph idx="1"/>
+          </p:nvPr>
+        </p:nvSpPr>
+        <p:spPr/>
+        <p:txBody>
+          <a:bodyPr/>
+          <a:lstStyle/>
+          <a:p>
+            <a:r>
+              <a:rPr lang="fr-FR" dirty="0"/>
+              <a:t>Le jeu de données (</a:t>
+            </a:r>
+            <a:r>
+              <a:rPr lang="fr-FR" dirty="0" err="1"/>
+              <a:t>dataset</a:t>
+            </a:r>
+            <a:r>
+              <a:rPr lang="fr-FR" dirty="0"/>
+              <a:t>) dont vous disposez constitue une ressource précieuse</a:t>
+            </a:r>
+          </a:p>
+          <a:p>
+            <a:pPr lvl="1"/>
+            <a:r>
+              <a:rPr lang="fr-FR" dirty="0"/>
+              <a:t>Il faut pouvoir l’utiliser à bon escient afin de pouvoir à la fois choisir un modèle et l'entraîner</a:t>
+            </a:r>
+          </a:p>
+          <a:p>
+            <a:pPr lvl="1"/>
+            <a:r>
+              <a:rPr lang="fr-FR" dirty="0"/>
+              <a:t>mais aussi de pouvoir tester la qualité de ce modèle</a:t>
+            </a:r>
+          </a:p>
+          <a:p>
+            <a:r>
+              <a:rPr lang="fr-FR" dirty="0"/>
+              <a:t>La première question à se poser est</a:t>
+            </a:r>
+          </a:p>
+          <a:p>
+            <a:pPr lvl="1"/>
+            <a:r>
+              <a:rPr lang="fr-FR" dirty="0"/>
+              <a:t>Est-ce qu’on va utiliser toutes les données d'exemple dont on dispose ?</a:t>
+            </a:r>
+          </a:p>
+          <a:p>
+            <a:pPr lvl="1"/>
+            <a:r>
+              <a:rPr lang="fr-FR" dirty="0"/>
+              <a:t>Volume, tests, …</a:t>
+            </a:r>
+          </a:p>
+          <a:p>
+            <a:r>
+              <a:rPr lang="fr-FR" dirty="0"/>
+              <a:t>Il faut échantillonner (</a:t>
+            </a:r>
+            <a:r>
+              <a:rPr lang="fr-FR" dirty="0" err="1"/>
+              <a:t>sampling</a:t>
+            </a:r>
+            <a:r>
+              <a:rPr lang="fr-FR" dirty="0"/>
+              <a:t>) les données à tester</a:t>
+            </a:r>
+          </a:p>
+        </p:txBody>
+      </p:sp>
+    </p:spTree>
+    <p:extLst>
+      <p:ext uri="{BB962C8B-B14F-4D97-AF65-F5344CB8AC3E}">
+        <p14:creationId xmlns:p14="http://schemas.microsoft.com/office/powerpoint/2010/main" val="2369732580"/>
       </p:ext>
     </p:extLst>
   </p:cSld>
@@ -9871,7 +9860,7 @@
           <a:p>
             <a:r>
               <a:rPr lang="fr-FR" dirty="0"/>
-              <a:t>Randomisation</a:t>
+              <a:t>Régression polynomiale</a:t>
             </a:r>
           </a:p>
         </p:txBody>
@@ -9892,74 +9881,61 @@
           <a:lstStyle/>
           <a:p>
             <a:r>
-              <a:rPr lang="fr-FR" dirty="0"/>
-              <a:t>Il faut utiliser le bon échantillon</a:t>
-            </a:r>
-          </a:p>
-          <a:p>
-            <a:pPr lvl="1"/>
-            <a:r>
-              <a:rPr lang="fr-FR" dirty="0"/>
-              <a:t>Bien répartis</a:t>
-            </a:r>
-          </a:p>
-          <a:p>
-            <a:pPr lvl="1"/>
-            <a:r>
-              <a:rPr lang="fr-FR" dirty="0"/>
-              <a:t>Ne pas introduire de biais</a:t>
-            </a:r>
-          </a:p>
-          <a:p>
-            <a:pPr lvl="1"/>
-            <a:r>
-              <a:rPr lang="fr-FR" dirty="0"/>
-              <a:t>Par exemple à Paris les loyers sont plus chères qu’ailleurs</a:t>
-            </a:r>
-          </a:p>
-          <a:p>
-            <a:r>
-              <a:rPr lang="fr-FR" dirty="0"/>
-              <a:t>Il faut ensuite découper l’échantillon avec le</a:t>
-            </a:r>
-          </a:p>
-          <a:p>
-            <a:pPr lvl="1"/>
-            <a:r>
-              <a:rPr lang="fr-FR" dirty="0"/>
-              <a:t>Training Set</a:t>
-            </a:r>
-          </a:p>
-          <a:p>
-            <a:pPr lvl="1"/>
-            <a:r>
               <a:rPr lang="fr-FR" dirty="0" err="1"/>
-              <a:t>Testing</a:t>
-            </a:r>
-            <a:r>
-              <a:rPr lang="fr-FR" dirty="0"/>
-              <a:t> Set</a:t>
-            </a:r>
-          </a:p>
-          <a:p>
-            <a:r>
-              <a:rPr lang="fr-FR" dirty="0"/>
-              <a:t>L’un sert à l’apprentissage, l’autre au test</a:t>
-            </a:r>
-          </a:p>
-          <a:p>
-            <a:pPr lvl="1"/>
-            <a:r>
-              <a:rPr lang="fr-FR" dirty="0"/>
-              <a:t>Souvent 80/20</a:t>
-            </a:r>
-          </a:p>
-        </p:txBody>
-      </p:sp>
+              <a:t>Sklearn</a:t>
+            </a:r>
+            <a:r>
+              <a:rPr lang="fr-FR" dirty="0"/>
+              <a:t> effectue des régressions polynomiale</a:t>
+            </a:r>
+          </a:p>
+        </p:txBody>
+      </p:sp>
+      <p:pic>
+        <p:nvPicPr>
+          <p:cNvPr id="4098" name="Picture 2" descr="../../_images/sphx_glr_plot_polynomial_interpolation_001.png"/>
+          <p:cNvPicPr>
+            <a:picLocks noChangeAspect="1" noChangeArrowheads="1"/>
+          </p:cNvPicPr>
+          <p:nvPr/>
+        </p:nvPicPr>
+        <p:blipFill>
+          <a:blip r:embed="rId2">
+            <a:extLst>
+              <a:ext uri="{28A0092B-C50C-407E-A947-70E740481C1C}">
+                <a14:useLocalDpi xmlns:a14="http://schemas.microsoft.com/office/drawing/2010/main" val="0"/>
+              </a:ext>
+            </a:extLst>
+          </a:blip>
+          <a:srcRect/>
+          <a:stretch>
+            <a:fillRect/>
+          </a:stretch>
+        </p:blipFill>
+        <p:spPr bwMode="auto">
+          <a:xfrm>
+            <a:off x="1835696" y="1877210"/>
+            <a:ext cx="6096000" cy="4572000"/>
+          </a:xfrm>
+          <a:prstGeom prst="rect">
+            <a:avLst/>
+          </a:prstGeom>
+          <a:noFill/>
+          <a:extLst>
+            <a:ext uri="{909E8E84-426E-40DD-AFC4-6F175D3DCCD1}">
+              <a14:hiddenFill xmlns:a14="http://schemas.microsoft.com/office/drawing/2010/main">
+                <a:solidFill>
+                  <a:srgbClr val="FFFFFF"/>
+                </a:solidFill>
+              </a14:hiddenFill>
+            </a:ext>
+          </a:extLst>
+        </p:spPr>
+      </p:pic>
     </p:spTree>
     <p:extLst>
       <p:ext uri="{BB962C8B-B14F-4D97-AF65-F5344CB8AC3E}">
-        <p14:creationId xmlns:p14="http://schemas.microsoft.com/office/powerpoint/2010/main" val="2196960570"/>
+        <p14:creationId xmlns:p14="http://schemas.microsoft.com/office/powerpoint/2010/main" val="3848354943"/>
       </p:ext>
     </p:extLst>
   </p:cSld>
@@ -10002,9 +9978,10 @@
           <a:lstStyle/>
           <a:p>
             <a:r>
-              <a:rPr lang="fr-FR" dirty="0"/>
-              <a:t>Randomisation</a:t>
-            </a:r>
+              <a:rPr lang="fr-FR" dirty="0" err="1"/>
+              <a:t>PreProcessing</a:t>
+            </a:r>
+            <a:endParaRPr lang="fr-FR" dirty="0"/>
           </a:p>
         </p:txBody>
       </p:sp>
@@ -10024,43 +10001,61 @@
           <a:lstStyle/>
           <a:p>
             <a:r>
-              <a:rPr lang="fr-FR" dirty="0"/>
-              <a:t>Il s’avère que si on entraîne le modèle avec des données, il va naturellement être plus performant sur ces données-là</a:t>
-            </a:r>
-          </a:p>
-          <a:p>
-            <a:r>
-              <a:rPr lang="fr-FR" dirty="0"/>
-              <a:t>Ce qui nous intéresse c’est de mesurer sa performance sur des données qu’il n’a jamais vues puisque c’est ce qui va se passer en pratique</a:t>
-            </a:r>
-          </a:p>
-          <a:p>
-            <a:r>
-              <a:rPr lang="fr-FR" dirty="0"/>
-              <a:t>Cette performance est appelée la </a:t>
-            </a:r>
-            <a:r>
-              <a:rPr lang="fr-FR" b="1" dirty="0"/>
-              <a:t>généralisation</a:t>
-            </a:r>
-            <a:r>
-              <a:rPr lang="fr-FR" dirty="0"/>
-              <a:t> du modèle</a:t>
-            </a:r>
-          </a:p>
-          <a:p>
-            <a:pPr lvl="1"/>
-            <a:r>
-              <a:rPr lang="fr-FR" dirty="0"/>
-              <a:t>Sa capacité à effectuer des prédictions de qualité sur des situations jamais rencontrées.</a:t>
-            </a:r>
+              <a:rPr lang="fr-FR" dirty="0" err="1"/>
+              <a:t>Preprocessing</a:t>
+            </a:r>
+            <a:r>
+              <a:rPr lang="fr-FR" dirty="0"/>
+              <a:t> contient des </a:t>
+            </a:r>
+            <a:r>
+              <a:rPr lang="fr-FR" dirty="0" err="1"/>
+              <a:t>Features</a:t>
+            </a:r>
+            <a:r>
+              <a:rPr lang="fr-FR" dirty="0"/>
+              <a:t> qui sont des algorithmes de modèles pré-calculés</a:t>
+            </a:r>
+          </a:p>
+          <a:p>
+            <a:r>
+              <a:rPr lang="fr-FR" dirty="0"/>
+              <a:t>Il en existe des centaines</a:t>
+            </a:r>
+          </a:p>
+          <a:p>
+            <a:r>
+              <a:rPr lang="fr-FR" dirty="0"/>
+              <a:t>import </a:t>
+            </a:r>
+            <a:r>
+              <a:rPr lang="fr-FR" dirty="0" err="1"/>
+              <a:t>sklearn.preprocessing</a:t>
+            </a:r>
+            <a:r>
+              <a:rPr lang="fr-FR" dirty="0"/>
+              <a:t> as pp</a:t>
+            </a:r>
+          </a:p>
+          <a:p>
+            <a:r>
+              <a:rPr lang="fr-FR" dirty="0" err="1"/>
+              <a:t>pp.PolynomialFeatures</a:t>
+            </a:r>
+            <a:r>
+              <a:rPr lang="fr-FR" dirty="0"/>
+              <a:t>(2)</a:t>
+            </a:r>
+          </a:p>
+          <a:p>
+            <a:endParaRPr lang="fr-FR" dirty="0"/>
           </a:p>
         </p:txBody>
       </p:sp>
     </p:spTree>
     <p:extLst>
       <p:ext uri="{BB962C8B-B14F-4D97-AF65-F5344CB8AC3E}">
-        <p14:creationId xmlns:p14="http://schemas.microsoft.com/office/powerpoint/2010/main" val="2686961324"/>
+        <p14:creationId xmlns:p14="http://schemas.microsoft.com/office/powerpoint/2010/main" val="1233238204"/>
       </p:ext>
     </p:extLst>
   </p:cSld>
@@ -10103,10 +10098,9 @@
           <a:lstStyle/>
           <a:p>
             <a:r>
-              <a:rPr lang="fr-FR" dirty="0" err="1"/>
-              <a:t>Surapprentissage</a:t>
-            </a:r>
-            <a:endParaRPr lang="fr-FR" dirty="0"/>
+              <a:rPr lang="fr-FR" dirty="0"/>
+              <a:t>Pipeline</a:t>
+            </a:r>
           </a:p>
         </p:txBody>
       </p:sp>
@@ -10127,100 +10121,106 @@
           <a:p>
             <a:r>
               <a:rPr lang="fr-FR" dirty="0"/>
-              <a:t>La notion de </a:t>
+              <a:t>Pipeline permet de créer des modèles avec des </a:t>
             </a:r>
             <a:r>
               <a:rPr lang="fr-FR" dirty="0" err="1"/>
-              <a:t>surapprentissage</a:t>
-            </a:r>
-            <a:r>
-              <a:rPr lang="fr-FR" dirty="0"/>
-              <a:t> désigne le fait que le modèle que vous avez choisi est trop collé aux données d'entraînement</a:t>
+              <a:t>features</a:t>
+            </a:r>
+            <a:r>
+              <a:rPr lang="fr-FR" dirty="0"/>
+              <a:t> et des calculs d’erreurs paramétrables</a:t>
+            </a:r>
+          </a:p>
+          <a:p>
+            <a:r>
+              <a:rPr lang="fr-FR" dirty="0"/>
+              <a:t>import </a:t>
+            </a:r>
+            <a:r>
+              <a:rPr lang="fr-FR" dirty="0" err="1"/>
+              <a:t>sklearn.pipeline</a:t>
+            </a:r>
+            <a:r>
+              <a:rPr lang="fr-FR" dirty="0"/>
+              <a:t> as pipe</a:t>
+            </a:r>
+          </a:p>
+          <a:p>
+            <a:r>
+              <a:rPr lang="fr-FR" dirty="0" err="1"/>
+              <a:t>pipe.make_pipeline</a:t>
+            </a:r>
+            <a:r>
+              <a:rPr lang="fr-FR" dirty="0"/>
+              <a:t>(</a:t>
+            </a:r>
+            <a:r>
+              <a:rPr lang="fr-FR" dirty="0" err="1"/>
+              <a:t>pp.PolynomialFeatures</a:t>
+            </a:r>
+            <a:r>
+              <a:rPr lang="fr-FR" dirty="0"/>
+              <a:t>(2), </a:t>
+            </a:r>
+            <a:r>
+              <a:rPr lang="fr-FR" dirty="0" err="1"/>
+              <a:t>sklm.Ridge</a:t>
+            </a:r>
+            <a:r>
+              <a:rPr lang="fr-FR" dirty="0"/>
+              <a:t>())</a:t>
             </a:r>
           </a:p>
           <a:p>
             <a:pPr lvl="1"/>
             <a:r>
               <a:rPr lang="fr-FR" dirty="0"/>
-              <a:t>C'est un problème classique de data science, lorsqu'on choisi un modèle trop "flexible", c'est à dire avec une complexité trop élevée qui prend aussi en compte le bruit du phénomène</a:t>
+              <a:t>Ridge est l’algorithme de calcul de l’erreur quadratique</a:t>
             </a:r>
           </a:p>
           <a:p>
             <a:pPr lvl="1"/>
             <a:r>
               <a:rPr lang="fr-FR" dirty="0"/>
-              <a:t>Ici modèle simple </a:t>
-            </a:r>
-          </a:p>
-          <a:p>
-            <a:pPr lvl="1"/>
-            <a:r>
-              <a:rPr lang="fr-FR" dirty="0"/>
-              <a:t>vs modèle complexe</a:t>
-            </a:r>
-          </a:p>
-          <a:p>
-            <a:r>
-              <a:rPr lang="fr-FR" dirty="0"/>
-              <a:t>D’où l’utiliser d’un </a:t>
+              <a:t>model = </a:t>
             </a:r>
             <a:r>
               <a:rPr lang="fr-FR" dirty="0" err="1"/>
-              <a:t>TestSet</a:t>
+              <a:t>pp.make_pipeline</a:t>
+            </a:r>
+            <a:r>
+              <a:rPr lang="fr-FR" dirty="0"/>
+              <a:t>(</a:t>
+            </a:r>
+            <a:r>
+              <a:rPr lang="fr-FR" dirty="0" err="1"/>
+              <a:t>pipe.PolynomialFeatures</a:t>
+            </a:r>
+            <a:r>
+              <a:rPr lang="fr-FR" dirty="0"/>
+              <a:t>(1), </a:t>
+            </a:r>
+            <a:r>
+              <a:rPr lang="fr-FR" dirty="0" err="1"/>
+              <a:t>sklm.Ridge</a:t>
+            </a:r>
+            <a:r>
+              <a:rPr lang="fr-FR" dirty="0"/>
+              <a:t>()) # est identique à </a:t>
+            </a:r>
+            <a:r>
+              <a:rPr lang="fr-FR" dirty="0" err="1"/>
+              <a:t>LinearRegression</a:t>
             </a:r>
             <a:endParaRPr lang="fr-FR" dirty="0"/>
           </a:p>
-          <a:p>
-            <a:pPr lvl="1"/>
-            <a:endParaRPr lang="fr-FR" dirty="0"/>
-          </a:p>
-        </p:txBody>
-      </p:sp>
-      <p:pic>
-        <p:nvPicPr>
-          <p:cNvPr id="1026" name="Picture 2" descr="Comparaison entre un modèle en overfitting vs une modélisation plus réaliste du phénomène"/>
-          <p:cNvPicPr>
-            <a:picLocks noChangeAspect="1" noChangeArrowheads="1"/>
-          </p:cNvPicPr>
-          <p:nvPr/>
-        </p:nvPicPr>
-        <p:blipFill>
-          <a:blip r:embed="rId2">
-            <a:extLst>
-              <a:ext uri="{28A0092B-C50C-407E-A947-70E740481C1C}">
-                <a14:useLocalDpi xmlns:a14="http://schemas.microsoft.com/office/drawing/2010/main" val="0"/>
-              </a:ext>
-            </a:extLst>
-          </a:blip>
-          <a:srcRect/>
-          <a:stretch>
-            <a:fillRect/>
-          </a:stretch>
-        </p:blipFill>
-        <p:spPr bwMode="auto">
-          <a:xfrm>
-            <a:off x="4932040" y="4019384"/>
-            <a:ext cx="3590925" cy="2438400"/>
-          </a:xfrm>
-          <a:prstGeom prst="rect">
-            <a:avLst/>
-          </a:prstGeom>
-          <a:noFill/>
-          <a:extLst>
-            <a:ext uri="{909E8E84-426E-40DD-AFC4-6F175D3DCCD1}">
-              <a14:hiddenFill xmlns:a14="http://schemas.microsoft.com/office/drawing/2010/main">
-                <a:solidFill>
-                  <a:srgbClr val="FFFFFF"/>
-                </a:solidFill>
-              </a14:hiddenFill>
-            </a:ext>
-          </a:extLst>
-        </p:spPr>
-      </p:pic>
+        </p:txBody>
+      </p:sp>
     </p:spTree>
     <p:extLst>
       <p:ext uri="{BB962C8B-B14F-4D97-AF65-F5344CB8AC3E}">
-        <p14:creationId xmlns:p14="http://schemas.microsoft.com/office/powerpoint/2010/main" val="2242772506"/>
+        <p14:creationId xmlns:p14="http://schemas.microsoft.com/office/powerpoint/2010/main" val="1835056303"/>
       </p:ext>
     </p:extLst>
   </p:cSld>

--- a/ppt/PythonMath12-ScikitLearn.pptx
+++ b/ppt/PythonMath12-ScikitLearn.pptx
@@ -5,10 +5,10 @@
     <p:sldMasterId id="2147483653" r:id="rId1"/>
   </p:sldMasterIdLst>
   <p:notesMasterIdLst>
-    <p:notesMasterId r:id="rId52"/>
+    <p:notesMasterId r:id="rId34"/>
   </p:notesMasterIdLst>
   <p:handoutMasterIdLst>
-    <p:handoutMasterId r:id="rId53"/>
+    <p:handoutMasterId r:id="rId35"/>
   </p:handoutMasterIdLst>
   <p:sldIdLst>
     <p:sldId id="264" r:id="rId2"/>
@@ -17,50 +17,32 @@
     <p:sldId id="266" r:id="rId5"/>
     <p:sldId id="284" r:id="rId6"/>
     <p:sldId id="278" r:id="rId7"/>
-    <p:sldId id="273" r:id="rId8"/>
-    <p:sldId id="275" r:id="rId9"/>
-    <p:sldId id="274" r:id="rId10"/>
-    <p:sldId id="276" r:id="rId11"/>
-    <p:sldId id="268" r:id="rId12"/>
-    <p:sldId id="270" r:id="rId13"/>
-    <p:sldId id="375" r:id="rId14"/>
-    <p:sldId id="377" r:id="rId15"/>
-    <p:sldId id="376" r:id="rId16"/>
-    <p:sldId id="286" r:id="rId17"/>
-    <p:sldId id="287" r:id="rId18"/>
-    <p:sldId id="288" r:id="rId19"/>
-    <p:sldId id="289" r:id="rId20"/>
-    <p:sldId id="290" r:id="rId21"/>
-    <p:sldId id="292" r:id="rId22"/>
-    <p:sldId id="293" r:id="rId23"/>
-    <p:sldId id="294" r:id="rId24"/>
-    <p:sldId id="295" r:id="rId25"/>
-    <p:sldId id="296" r:id="rId26"/>
-    <p:sldId id="297" r:id="rId27"/>
-    <p:sldId id="300" r:id="rId28"/>
-    <p:sldId id="301" r:id="rId29"/>
-    <p:sldId id="363" r:id="rId30"/>
-    <p:sldId id="364" r:id="rId31"/>
-    <p:sldId id="365" r:id="rId32"/>
-    <p:sldId id="366" r:id="rId33"/>
-    <p:sldId id="367" r:id="rId34"/>
-    <p:sldId id="372" r:id="rId35"/>
-    <p:sldId id="373" r:id="rId36"/>
-    <p:sldId id="374" r:id="rId37"/>
-    <p:sldId id="304" r:id="rId38"/>
-    <p:sldId id="306" r:id="rId39"/>
-    <p:sldId id="307" r:id="rId40"/>
-    <p:sldId id="308" r:id="rId41"/>
-    <p:sldId id="309" r:id="rId42"/>
-    <p:sldId id="310" r:id="rId43"/>
-    <p:sldId id="334" r:id="rId44"/>
-    <p:sldId id="338" r:id="rId45"/>
-    <p:sldId id="344" r:id="rId46"/>
-    <p:sldId id="345" r:id="rId47"/>
-    <p:sldId id="353" r:id="rId48"/>
-    <p:sldId id="354" r:id="rId49"/>
-    <p:sldId id="355" r:id="rId50"/>
-    <p:sldId id="356" r:id="rId51"/>
+    <p:sldId id="377" r:id="rId8"/>
+    <p:sldId id="376" r:id="rId9"/>
+    <p:sldId id="286" r:id="rId10"/>
+    <p:sldId id="287" r:id="rId11"/>
+    <p:sldId id="288" r:id="rId12"/>
+    <p:sldId id="289" r:id="rId13"/>
+    <p:sldId id="290" r:id="rId14"/>
+    <p:sldId id="292" r:id="rId15"/>
+    <p:sldId id="293" r:id="rId16"/>
+    <p:sldId id="294" r:id="rId17"/>
+    <p:sldId id="295" r:id="rId18"/>
+    <p:sldId id="296" r:id="rId19"/>
+    <p:sldId id="304" r:id="rId20"/>
+    <p:sldId id="306" r:id="rId21"/>
+    <p:sldId id="307" r:id="rId22"/>
+    <p:sldId id="373" r:id="rId23"/>
+    <p:sldId id="309" r:id="rId24"/>
+    <p:sldId id="310" r:id="rId25"/>
+    <p:sldId id="334" r:id="rId26"/>
+    <p:sldId id="338" r:id="rId27"/>
+    <p:sldId id="344" r:id="rId28"/>
+    <p:sldId id="345" r:id="rId29"/>
+    <p:sldId id="353" r:id="rId30"/>
+    <p:sldId id="354" r:id="rId31"/>
+    <p:sldId id="355" r:id="rId32"/>
+    <p:sldId id="356" r:id="rId33"/>
   </p:sldIdLst>
   <p:sldSz cx="9144000" cy="6858000" type="screen4x3"/>
   <p:notesSz cx="6648450" cy="9782175"/>
@@ -3845,903 +3827,6 @@
           <a:p>
             <a:r>
               <a:rPr lang="fr-FR" dirty="0"/>
-              <a:t>Interprétation</a:t>
-            </a:r>
-          </a:p>
-        </p:txBody>
-      </p:sp>
-      <p:sp>
-        <p:nvSpPr>
-          <p:cNvPr id="3" name="Espace réservé du contenu 2"/>
-          <p:cNvSpPr>
-            <a:spLocks noGrp="1"/>
-          </p:cNvSpPr>
-          <p:nvPr>
-            <p:ph idx="1"/>
-          </p:nvPr>
-        </p:nvSpPr>
-        <p:spPr/>
-        <p:txBody>
-          <a:bodyPr/>
-          <a:lstStyle/>
-          <a:p>
-            <a:r>
-              <a:rPr lang="fr-FR" dirty="0"/>
-              <a:t>Polynôme degré 4</a:t>
-            </a:r>
-          </a:p>
-          <a:p>
-            <a:pPr lvl="1"/>
-            <a:r>
-              <a:rPr lang="fr-FR" dirty="0"/>
-              <a:t>Erreur 61%</a:t>
-            </a:r>
-          </a:p>
-          <a:p>
-            <a:endParaRPr lang="fr-FR" dirty="0"/>
-          </a:p>
-          <a:p>
-            <a:endParaRPr lang="fr-FR" dirty="0"/>
-          </a:p>
-          <a:p>
-            <a:endParaRPr lang="fr-FR" dirty="0"/>
-          </a:p>
-          <a:p>
-            <a:endParaRPr lang="fr-FR" dirty="0"/>
-          </a:p>
-          <a:p>
-            <a:r>
-              <a:rPr lang="fr-FR"/>
-              <a:t>Polynôme </a:t>
-            </a:r>
-            <a:r>
-              <a:rPr lang="fr-FR" dirty="0"/>
-              <a:t>degré 6</a:t>
-            </a:r>
-          </a:p>
-          <a:p>
-            <a:pPr lvl="1"/>
-            <a:r>
-              <a:rPr lang="fr-FR" dirty="0"/>
-              <a:t>Erreur 3%</a:t>
-            </a:r>
-          </a:p>
-        </p:txBody>
-      </p:sp>
-      <p:pic>
-        <p:nvPicPr>
-          <p:cNvPr id="4" name="Image 3"/>
-          <p:cNvPicPr>
-            <a:picLocks noChangeAspect="1"/>
-          </p:cNvPicPr>
-          <p:nvPr/>
-        </p:nvPicPr>
-        <p:blipFill>
-          <a:blip r:embed="rId2"/>
-          <a:stretch>
-            <a:fillRect/>
-          </a:stretch>
-        </p:blipFill>
-        <p:spPr>
-          <a:xfrm>
-            <a:off x="4562537" y="1142204"/>
-            <a:ext cx="3521137" cy="2739380"/>
-          </a:xfrm>
-          <a:prstGeom prst="rect">
-            <a:avLst/>
-          </a:prstGeom>
-        </p:spPr>
-      </p:pic>
-      <p:pic>
-        <p:nvPicPr>
-          <p:cNvPr id="5" name="Image 4"/>
-          <p:cNvPicPr>
-            <a:picLocks noChangeAspect="1"/>
-          </p:cNvPicPr>
-          <p:nvPr/>
-        </p:nvPicPr>
-        <p:blipFill>
-          <a:blip r:embed="rId3"/>
-          <a:stretch>
-            <a:fillRect/>
-          </a:stretch>
-        </p:blipFill>
-        <p:spPr>
-          <a:xfrm>
-            <a:off x="4562536" y="3881584"/>
-            <a:ext cx="3521137" cy="2718525"/>
-          </a:xfrm>
-          <a:prstGeom prst="rect">
-            <a:avLst/>
-          </a:prstGeom>
-        </p:spPr>
-      </p:pic>
-    </p:spTree>
-    <p:extLst>
-      <p:ext uri="{BB962C8B-B14F-4D97-AF65-F5344CB8AC3E}">
-        <p14:creationId xmlns:p14="http://schemas.microsoft.com/office/powerpoint/2010/main" val="3012124197"/>
-      </p:ext>
-    </p:extLst>
-  </p:cSld>
-  <p:clrMapOvr>
-    <a:masterClrMapping/>
-  </p:clrMapOvr>
-</p:sld>
-</file>
-
-<file path=ppt/slides/slide11.xml><?xml version="1.0" encoding="utf-8"?>
-<p:sld xmlns:a="http://schemas.openxmlformats.org/drawingml/2006/main" xmlns:r="http://schemas.openxmlformats.org/officeDocument/2006/relationships" xmlns:p="http://schemas.openxmlformats.org/presentationml/2006/main">
-  <p:cSld>
-    <p:spTree>
-      <p:nvGrpSpPr>
-        <p:cNvPr id="1" name=""/>
-        <p:cNvGrpSpPr/>
-        <p:nvPr/>
-      </p:nvGrpSpPr>
-      <p:grpSpPr>
-        <a:xfrm>
-          <a:off x="0" y="0"/>
-          <a:ext cx="0" cy="0"/>
-          <a:chOff x="0" y="0"/>
-          <a:chExt cx="0" cy="0"/>
-        </a:xfrm>
-      </p:grpSpPr>
-      <p:sp>
-        <p:nvSpPr>
-          <p:cNvPr id="2" name="Titre 1"/>
-          <p:cNvSpPr>
-            <a:spLocks noGrp="1"/>
-          </p:cNvSpPr>
-          <p:nvPr>
-            <p:ph type="title"/>
-          </p:nvPr>
-        </p:nvSpPr>
-        <p:spPr/>
-        <p:txBody>
-          <a:bodyPr/>
-          <a:lstStyle/>
-          <a:p>
-            <a:r>
-              <a:rPr lang="fr-FR" dirty="0"/>
-              <a:t>Randomisation</a:t>
-            </a:r>
-          </a:p>
-        </p:txBody>
-      </p:sp>
-      <p:sp>
-        <p:nvSpPr>
-          <p:cNvPr id="3" name="Espace réservé du contenu 2"/>
-          <p:cNvSpPr>
-            <a:spLocks noGrp="1"/>
-          </p:cNvSpPr>
-          <p:nvPr>
-            <p:ph idx="1"/>
-          </p:nvPr>
-        </p:nvSpPr>
-        <p:spPr/>
-        <p:txBody>
-          <a:bodyPr/>
-          <a:lstStyle/>
-          <a:p>
-            <a:r>
-              <a:rPr lang="fr-FR" dirty="0"/>
-              <a:t>Il faut utiliser le bon échantillon</a:t>
-            </a:r>
-          </a:p>
-          <a:p>
-            <a:pPr lvl="1"/>
-            <a:r>
-              <a:rPr lang="fr-FR" dirty="0"/>
-              <a:t>Bien répartis</a:t>
-            </a:r>
-          </a:p>
-          <a:p>
-            <a:pPr lvl="1"/>
-            <a:r>
-              <a:rPr lang="fr-FR" dirty="0"/>
-              <a:t>Ne pas introduire de biais</a:t>
-            </a:r>
-          </a:p>
-          <a:p>
-            <a:pPr lvl="1"/>
-            <a:r>
-              <a:rPr lang="fr-FR" dirty="0"/>
-              <a:t>Par exemple à Paris les loyers sont plus chères qu’ailleurs</a:t>
-            </a:r>
-          </a:p>
-          <a:p>
-            <a:r>
-              <a:rPr lang="fr-FR" dirty="0"/>
-              <a:t>Il faut ensuite découper l’échantillon avec le</a:t>
-            </a:r>
-          </a:p>
-          <a:p>
-            <a:pPr lvl="1"/>
-            <a:r>
-              <a:rPr lang="fr-FR" dirty="0"/>
-              <a:t>Training Set</a:t>
-            </a:r>
-          </a:p>
-          <a:p>
-            <a:pPr lvl="1"/>
-            <a:r>
-              <a:rPr lang="fr-FR" dirty="0" err="1"/>
-              <a:t>Testing</a:t>
-            </a:r>
-            <a:r>
-              <a:rPr lang="fr-FR" dirty="0"/>
-              <a:t> Set</a:t>
-            </a:r>
-          </a:p>
-          <a:p>
-            <a:r>
-              <a:rPr lang="fr-FR" dirty="0"/>
-              <a:t>L’un sert à l’apprentissage, l’autre au test</a:t>
-            </a:r>
-          </a:p>
-          <a:p>
-            <a:pPr lvl="1"/>
-            <a:r>
-              <a:rPr lang="fr-FR" dirty="0"/>
-              <a:t>Souvent 80/20</a:t>
-            </a:r>
-          </a:p>
-        </p:txBody>
-      </p:sp>
-    </p:spTree>
-    <p:extLst>
-      <p:ext uri="{BB962C8B-B14F-4D97-AF65-F5344CB8AC3E}">
-        <p14:creationId xmlns:p14="http://schemas.microsoft.com/office/powerpoint/2010/main" val="3973718715"/>
-      </p:ext>
-    </p:extLst>
-  </p:cSld>
-  <p:clrMapOvr>
-    <a:masterClrMapping/>
-  </p:clrMapOvr>
-</p:sld>
-</file>
-
-<file path=ppt/slides/slide12.xml><?xml version="1.0" encoding="utf-8"?>
-<p:sld xmlns:a="http://schemas.openxmlformats.org/drawingml/2006/main" xmlns:r="http://schemas.openxmlformats.org/officeDocument/2006/relationships" xmlns:p="http://schemas.openxmlformats.org/presentationml/2006/main">
-  <p:cSld>
-    <p:spTree>
-      <p:nvGrpSpPr>
-        <p:cNvPr id="1" name=""/>
-        <p:cNvGrpSpPr/>
-        <p:nvPr/>
-      </p:nvGrpSpPr>
-      <p:grpSpPr>
-        <a:xfrm>
-          <a:off x="0" y="0"/>
-          <a:ext cx="0" cy="0"/>
-          <a:chOff x="0" y="0"/>
-          <a:chExt cx="0" cy="0"/>
-        </a:xfrm>
-      </p:grpSpPr>
-      <p:sp>
-        <p:nvSpPr>
-          <p:cNvPr id="2" name="Titre 1"/>
-          <p:cNvSpPr>
-            <a:spLocks noGrp="1"/>
-          </p:cNvSpPr>
-          <p:nvPr>
-            <p:ph type="title"/>
-          </p:nvPr>
-        </p:nvSpPr>
-        <p:spPr/>
-        <p:txBody>
-          <a:bodyPr/>
-          <a:lstStyle/>
-          <a:p>
-            <a:r>
-              <a:rPr lang="fr-FR" dirty="0"/>
-              <a:t>Randomisation</a:t>
-            </a:r>
-          </a:p>
-        </p:txBody>
-      </p:sp>
-      <p:sp>
-        <p:nvSpPr>
-          <p:cNvPr id="3" name="Espace réservé du contenu 2"/>
-          <p:cNvSpPr>
-            <a:spLocks noGrp="1"/>
-          </p:cNvSpPr>
-          <p:nvPr>
-            <p:ph idx="1"/>
-          </p:nvPr>
-        </p:nvSpPr>
-        <p:spPr/>
-        <p:txBody>
-          <a:bodyPr/>
-          <a:lstStyle/>
-          <a:p>
-            <a:r>
-              <a:rPr lang="fr-FR" dirty="0"/>
-              <a:t>Il s’avère que si on entraîne le modèle avec des données, il va naturellement être plus performant sur ces données-là</a:t>
-            </a:r>
-          </a:p>
-          <a:p>
-            <a:r>
-              <a:rPr lang="fr-FR" dirty="0"/>
-              <a:t>Ce qui nous intéresse c’est de mesurer sa performance sur des données qu’il n’a jamais vues puisque c’est ce qui va se passer en pratique</a:t>
-            </a:r>
-          </a:p>
-          <a:p>
-            <a:r>
-              <a:rPr lang="fr-FR" dirty="0"/>
-              <a:t>Cette performance est appelée la </a:t>
-            </a:r>
-            <a:r>
-              <a:rPr lang="fr-FR" b="1" dirty="0"/>
-              <a:t>généralisation</a:t>
-            </a:r>
-            <a:r>
-              <a:rPr lang="fr-FR" dirty="0"/>
-              <a:t> du modèle</a:t>
-            </a:r>
-          </a:p>
-          <a:p>
-            <a:pPr lvl="1"/>
-            <a:r>
-              <a:rPr lang="fr-FR" dirty="0"/>
-              <a:t>Sa capacité à effectuer des prédictions de qualité sur des situations jamais rencontrées.</a:t>
-            </a:r>
-          </a:p>
-        </p:txBody>
-      </p:sp>
-    </p:spTree>
-    <p:extLst>
-      <p:ext uri="{BB962C8B-B14F-4D97-AF65-F5344CB8AC3E}">
-        <p14:creationId xmlns:p14="http://schemas.microsoft.com/office/powerpoint/2010/main" val="1872769034"/>
-      </p:ext>
-    </p:extLst>
-  </p:cSld>
-  <p:clrMapOvr>
-    <a:masterClrMapping/>
-  </p:clrMapOvr>
-</p:sld>
-</file>
-
-<file path=ppt/slides/slide13.xml><?xml version="1.0" encoding="utf-8"?>
-<p:sld xmlns:a="http://schemas.openxmlformats.org/drawingml/2006/main" xmlns:r="http://schemas.openxmlformats.org/officeDocument/2006/relationships" xmlns:p="http://schemas.openxmlformats.org/presentationml/2006/main">
-  <p:cSld>
-    <p:spTree>
-      <p:nvGrpSpPr>
-        <p:cNvPr id="1" name=""/>
-        <p:cNvGrpSpPr/>
-        <p:nvPr/>
-      </p:nvGrpSpPr>
-      <p:grpSpPr>
-        <a:xfrm>
-          <a:off x="0" y="0"/>
-          <a:ext cx="0" cy="0"/>
-          <a:chOff x="0" y="0"/>
-          <a:chExt cx="0" cy="0"/>
-        </a:xfrm>
-      </p:grpSpPr>
-      <p:sp>
-        <p:nvSpPr>
-          <p:cNvPr id="2" name="Titre 1"/>
-          <p:cNvSpPr>
-            <a:spLocks noGrp="1"/>
-          </p:cNvSpPr>
-          <p:nvPr>
-            <p:ph type="title"/>
-          </p:nvPr>
-        </p:nvSpPr>
-        <p:spPr/>
-        <p:txBody>
-          <a:bodyPr/>
-          <a:lstStyle/>
-          <a:p>
-            <a:r>
-              <a:rPr lang="fr-FR" dirty="0" err="1"/>
-              <a:t>Surapprentissage</a:t>
-            </a:r>
-            <a:endParaRPr lang="fr-FR" dirty="0"/>
-          </a:p>
-        </p:txBody>
-      </p:sp>
-      <p:sp>
-        <p:nvSpPr>
-          <p:cNvPr id="3" name="Espace réservé du contenu 2"/>
-          <p:cNvSpPr>
-            <a:spLocks noGrp="1"/>
-          </p:cNvSpPr>
-          <p:nvPr>
-            <p:ph idx="1"/>
-          </p:nvPr>
-        </p:nvSpPr>
-        <p:spPr/>
-        <p:txBody>
-          <a:bodyPr/>
-          <a:lstStyle/>
-          <a:p>
-            <a:r>
-              <a:rPr lang="fr-FR" dirty="0"/>
-              <a:t>La notion de </a:t>
-            </a:r>
-            <a:r>
-              <a:rPr lang="fr-FR" dirty="0" err="1"/>
-              <a:t>surapprentissage</a:t>
-            </a:r>
-            <a:r>
-              <a:rPr lang="fr-FR" dirty="0"/>
-              <a:t> désigne le fait que le modèle que vous avez choisi est trop collé aux données d'entraînement</a:t>
-            </a:r>
-          </a:p>
-          <a:p>
-            <a:pPr lvl="1"/>
-            <a:r>
-              <a:rPr lang="fr-FR" dirty="0"/>
-              <a:t>C'est un problème classique de data science, lorsqu'on choisi un modèle trop "flexible", c'est à dire avec une complexité trop élevée qui prend aussi en compte le bruit du phénomène</a:t>
-            </a:r>
-          </a:p>
-          <a:p>
-            <a:pPr lvl="1"/>
-            <a:r>
-              <a:rPr lang="fr-FR" dirty="0"/>
-              <a:t>Ici modèle simple </a:t>
-            </a:r>
-          </a:p>
-          <a:p>
-            <a:pPr lvl="1"/>
-            <a:r>
-              <a:rPr lang="fr-FR" dirty="0"/>
-              <a:t>vs modèle complexe</a:t>
-            </a:r>
-          </a:p>
-          <a:p>
-            <a:r>
-              <a:rPr lang="fr-FR" dirty="0"/>
-              <a:t>D’où l’utiliser d’un </a:t>
-            </a:r>
-            <a:r>
-              <a:rPr lang="fr-FR" dirty="0" err="1"/>
-              <a:t>TestSet</a:t>
-            </a:r>
-            <a:endParaRPr lang="fr-FR" dirty="0"/>
-          </a:p>
-          <a:p>
-            <a:pPr lvl="1"/>
-            <a:endParaRPr lang="fr-FR" dirty="0"/>
-          </a:p>
-        </p:txBody>
-      </p:sp>
-      <p:pic>
-        <p:nvPicPr>
-          <p:cNvPr id="1026" name="Picture 2" descr="Comparaison entre un modèle en overfitting vs une modélisation plus réaliste du phénomène"/>
-          <p:cNvPicPr>
-            <a:picLocks noChangeAspect="1" noChangeArrowheads="1"/>
-          </p:cNvPicPr>
-          <p:nvPr/>
-        </p:nvPicPr>
-        <p:blipFill>
-          <a:blip r:embed="rId2">
-            <a:extLst>
-              <a:ext uri="{28A0092B-C50C-407E-A947-70E740481C1C}">
-                <a14:useLocalDpi xmlns:a14="http://schemas.microsoft.com/office/drawing/2010/main" val="0"/>
-              </a:ext>
-            </a:extLst>
-          </a:blip>
-          <a:srcRect/>
-          <a:stretch>
-            <a:fillRect/>
-          </a:stretch>
-        </p:blipFill>
-        <p:spPr bwMode="auto">
-          <a:xfrm>
-            <a:off x="4932040" y="4019384"/>
-            <a:ext cx="3590925" cy="2438400"/>
-          </a:xfrm>
-          <a:prstGeom prst="rect">
-            <a:avLst/>
-          </a:prstGeom>
-          <a:noFill/>
-          <a:extLst>
-            <a:ext uri="{909E8E84-426E-40DD-AFC4-6F175D3DCCD1}">
-              <a14:hiddenFill xmlns:a14="http://schemas.microsoft.com/office/drawing/2010/main">
-                <a:solidFill>
-                  <a:srgbClr val="FFFFFF"/>
-                </a:solidFill>
-              </a14:hiddenFill>
-            </a:ext>
-          </a:extLst>
-        </p:spPr>
-      </p:pic>
-    </p:spTree>
-    <p:extLst>
-      <p:ext uri="{BB962C8B-B14F-4D97-AF65-F5344CB8AC3E}">
-        <p14:creationId xmlns:p14="http://schemas.microsoft.com/office/powerpoint/2010/main" val="865842093"/>
-      </p:ext>
-    </p:extLst>
-  </p:cSld>
-  <p:clrMapOvr>
-    <a:masterClrMapping/>
-  </p:clrMapOvr>
-</p:sld>
-</file>
-
-<file path=ppt/slides/slide14.xml><?xml version="1.0" encoding="utf-8"?>
-<p:sld xmlns:a="http://schemas.openxmlformats.org/drawingml/2006/main" xmlns:r="http://schemas.openxmlformats.org/officeDocument/2006/relationships" xmlns:p="http://schemas.openxmlformats.org/presentationml/2006/main">
-  <p:cSld>
-    <p:spTree>
-      <p:nvGrpSpPr>
-        <p:cNvPr id="1" name=""/>
-        <p:cNvGrpSpPr/>
-        <p:nvPr/>
-      </p:nvGrpSpPr>
-      <p:grpSpPr>
-        <a:xfrm>
-          <a:off x="0" y="0"/>
-          <a:ext cx="0" cy="0"/>
-          <a:chOff x="0" y="0"/>
-          <a:chExt cx="0" cy="0"/>
-        </a:xfrm>
-      </p:grpSpPr>
-      <p:sp>
-        <p:nvSpPr>
-          <p:cNvPr id="2" name="Titre 1">
-            <a:extLst>
-              <a:ext uri="{FF2B5EF4-FFF2-40B4-BE49-F238E27FC236}">
-                <a16:creationId xmlns:a16="http://schemas.microsoft.com/office/drawing/2014/main" id="{FAEA49F4-C275-48EC-A889-D3FD19BF21F1}"/>
-              </a:ext>
-            </a:extLst>
-          </p:cNvPr>
-          <p:cNvSpPr>
-            <a:spLocks noGrp="1"/>
-          </p:cNvSpPr>
-          <p:nvPr>
-            <p:ph type="title"/>
-          </p:nvPr>
-        </p:nvSpPr>
-        <p:spPr/>
-        <p:txBody>
-          <a:bodyPr/>
-          <a:lstStyle/>
-          <a:p>
-            <a:r>
-              <a:rPr lang="fr-FR" dirty="0" err="1"/>
-              <a:t>Underfitting</a:t>
-            </a:r>
-            <a:r>
-              <a:rPr lang="fr-FR" dirty="0"/>
-              <a:t> vs </a:t>
-            </a:r>
-            <a:r>
-              <a:rPr lang="fr-FR" dirty="0" err="1"/>
-              <a:t>Overfitting</a:t>
-            </a:r>
-            <a:endParaRPr lang="fr-FR" dirty="0"/>
-          </a:p>
-        </p:txBody>
-      </p:sp>
-      <p:sp>
-        <p:nvSpPr>
-          <p:cNvPr id="3" name="Espace réservé du contenu 2">
-            <a:extLst>
-              <a:ext uri="{FF2B5EF4-FFF2-40B4-BE49-F238E27FC236}">
-                <a16:creationId xmlns:a16="http://schemas.microsoft.com/office/drawing/2014/main" id="{12585B36-F4DA-44E9-AE87-B3CCBEC1F5D1}"/>
-              </a:ext>
-            </a:extLst>
-          </p:cNvPr>
-          <p:cNvSpPr>
-            <a:spLocks noGrp="1"/>
-          </p:cNvSpPr>
-          <p:nvPr>
-            <p:ph idx="1"/>
-          </p:nvPr>
-        </p:nvSpPr>
-        <p:spPr/>
-        <p:txBody>
-          <a:bodyPr/>
-          <a:lstStyle/>
-          <a:p>
-            <a:endParaRPr lang="fr-FR"/>
-          </a:p>
-        </p:txBody>
-      </p:sp>
-      <p:pic>
-        <p:nvPicPr>
-          <p:cNvPr id="5" name="Image 4">
-            <a:extLst>
-              <a:ext uri="{FF2B5EF4-FFF2-40B4-BE49-F238E27FC236}">
-                <a16:creationId xmlns:a16="http://schemas.microsoft.com/office/drawing/2014/main" id="{24AA51B4-41B5-4A72-9C3B-E3561DC657F7}"/>
-              </a:ext>
-            </a:extLst>
-          </p:cNvPr>
-          <p:cNvPicPr>
-            <a:picLocks noChangeAspect="1"/>
-          </p:cNvPicPr>
-          <p:nvPr/>
-        </p:nvPicPr>
-        <p:blipFill>
-          <a:blip r:embed="rId2"/>
-          <a:stretch>
-            <a:fillRect/>
-          </a:stretch>
-        </p:blipFill>
-        <p:spPr>
-          <a:xfrm>
-            <a:off x="1203265" y="2564904"/>
-            <a:ext cx="7839075" cy="3286125"/>
-          </a:xfrm>
-          <a:prstGeom prst="rect">
-            <a:avLst/>
-          </a:prstGeom>
-        </p:spPr>
-      </p:pic>
-    </p:spTree>
-    <p:extLst>
-      <p:ext uri="{BB962C8B-B14F-4D97-AF65-F5344CB8AC3E}">
-        <p14:creationId xmlns:p14="http://schemas.microsoft.com/office/powerpoint/2010/main" val="213946429"/>
-      </p:ext>
-    </p:extLst>
-  </p:cSld>
-  <p:clrMapOvr>
-    <a:masterClrMapping/>
-  </p:clrMapOvr>
-</p:sld>
-</file>
-
-<file path=ppt/slides/slide15.xml><?xml version="1.0" encoding="utf-8"?>
-<p:sld xmlns:a="http://schemas.openxmlformats.org/drawingml/2006/main" xmlns:r="http://schemas.openxmlformats.org/officeDocument/2006/relationships" xmlns:p="http://schemas.openxmlformats.org/presentationml/2006/main">
-  <p:cSld>
-    <p:spTree>
-      <p:nvGrpSpPr>
-        <p:cNvPr id="1" name=""/>
-        <p:cNvGrpSpPr/>
-        <p:nvPr/>
-      </p:nvGrpSpPr>
-      <p:grpSpPr>
-        <a:xfrm>
-          <a:off x="0" y="0"/>
-          <a:ext cx="0" cy="0"/>
-          <a:chOff x="0" y="0"/>
-          <a:chExt cx="0" cy="0"/>
-        </a:xfrm>
-      </p:grpSpPr>
-      <p:sp>
-        <p:nvSpPr>
-          <p:cNvPr id="2" name="Titre 1"/>
-          <p:cNvSpPr>
-            <a:spLocks noGrp="1"/>
-          </p:cNvSpPr>
-          <p:nvPr>
-            <p:ph type="title"/>
-          </p:nvPr>
-        </p:nvSpPr>
-        <p:spPr/>
-        <p:txBody>
-          <a:bodyPr/>
-          <a:lstStyle/>
-          <a:p>
-            <a:r>
-              <a:rPr lang="fr-FR" dirty="0" err="1"/>
-              <a:t>Echantillonage</a:t>
-            </a:r>
-            <a:endParaRPr lang="fr-FR" dirty="0"/>
-          </a:p>
-        </p:txBody>
-      </p:sp>
-      <p:sp>
-        <p:nvSpPr>
-          <p:cNvPr id="3" name="Espace réservé du contenu 2"/>
-          <p:cNvSpPr>
-            <a:spLocks noGrp="1"/>
-          </p:cNvSpPr>
-          <p:nvPr>
-            <p:ph idx="1"/>
-          </p:nvPr>
-        </p:nvSpPr>
-        <p:spPr/>
-        <p:txBody>
-          <a:bodyPr/>
-          <a:lstStyle/>
-          <a:p>
-            <a:r>
-              <a:rPr lang="fr-FR" dirty="0"/>
-              <a:t>Le jeu de données (</a:t>
-            </a:r>
-            <a:r>
-              <a:rPr lang="fr-FR" dirty="0" err="1"/>
-              <a:t>dataset</a:t>
-            </a:r>
-            <a:r>
-              <a:rPr lang="fr-FR" dirty="0"/>
-              <a:t>) dont vous disposez constitue une ressource précieuse</a:t>
-            </a:r>
-          </a:p>
-          <a:p>
-            <a:pPr lvl="1"/>
-            <a:r>
-              <a:rPr lang="fr-FR" dirty="0"/>
-              <a:t>Il faut pouvoir l’utiliser à bon escient afin de pouvoir à la fois choisir un modèle et l'entraîner</a:t>
-            </a:r>
-          </a:p>
-          <a:p>
-            <a:pPr lvl="1"/>
-            <a:r>
-              <a:rPr lang="fr-FR" dirty="0"/>
-              <a:t>mais aussi de pouvoir tester la qualité de ce modèle</a:t>
-            </a:r>
-          </a:p>
-          <a:p>
-            <a:r>
-              <a:rPr lang="fr-FR" dirty="0"/>
-              <a:t>La première question à se poser est</a:t>
-            </a:r>
-          </a:p>
-          <a:p>
-            <a:pPr lvl="1"/>
-            <a:r>
-              <a:rPr lang="fr-FR" dirty="0"/>
-              <a:t>Est-ce qu’on va utiliser toutes les données d'exemple dont on dispose ?</a:t>
-            </a:r>
-          </a:p>
-          <a:p>
-            <a:pPr lvl="1"/>
-            <a:r>
-              <a:rPr lang="fr-FR" dirty="0"/>
-              <a:t>Volume, tests, …</a:t>
-            </a:r>
-          </a:p>
-          <a:p>
-            <a:r>
-              <a:rPr lang="fr-FR" dirty="0"/>
-              <a:t>Il faut échantillonner (</a:t>
-            </a:r>
-            <a:r>
-              <a:rPr lang="fr-FR" dirty="0" err="1"/>
-              <a:t>sampling</a:t>
-            </a:r>
-            <a:r>
-              <a:rPr lang="fr-FR" dirty="0"/>
-              <a:t>) les données à tester</a:t>
-            </a:r>
-          </a:p>
-        </p:txBody>
-      </p:sp>
-    </p:spTree>
-    <p:extLst>
-      <p:ext uri="{BB962C8B-B14F-4D97-AF65-F5344CB8AC3E}">
-        <p14:creationId xmlns:p14="http://schemas.microsoft.com/office/powerpoint/2010/main" val="2369732580"/>
-      </p:ext>
-    </p:extLst>
-  </p:cSld>
-  <p:clrMapOvr>
-    <a:masterClrMapping/>
-  </p:clrMapOvr>
-</p:sld>
-</file>
-
-<file path=ppt/slides/slide16.xml><?xml version="1.0" encoding="utf-8"?>
-<p:sld xmlns:a="http://schemas.openxmlformats.org/drawingml/2006/main" xmlns:r="http://schemas.openxmlformats.org/officeDocument/2006/relationships" xmlns:p="http://schemas.openxmlformats.org/presentationml/2006/main">
-  <p:cSld>
-    <p:spTree>
-      <p:nvGrpSpPr>
-        <p:cNvPr id="1" name=""/>
-        <p:cNvGrpSpPr/>
-        <p:nvPr/>
-      </p:nvGrpSpPr>
-      <p:grpSpPr>
-        <a:xfrm>
-          <a:off x="0" y="0"/>
-          <a:ext cx="0" cy="0"/>
-          <a:chOff x="0" y="0"/>
-          <a:chExt cx="0" cy="0"/>
-        </a:xfrm>
-      </p:grpSpPr>
-      <p:sp>
-        <p:nvSpPr>
-          <p:cNvPr id="2" name="Titre 1"/>
-          <p:cNvSpPr>
-            <a:spLocks noGrp="1"/>
-          </p:cNvSpPr>
-          <p:nvPr>
-            <p:ph type="title"/>
-          </p:nvPr>
-        </p:nvSpPr>
-        <p:spPr/>
-        <p:txBody>
-          <a:bodyPr/>
-          <a:lstStyle/>
-          <a:p>
-            <a:r>
-              <a:rPr lang="fr-FR" dirty="0"/>
-              <a:t>Modélisation</a:t>
-            </a:r>
-          </a:p>
-        </p:txBody>
-      </p:sp>
-      <p:sp>
-        <p:nvSpPr>
-          <p:cNvPr id="3" name="Espace réservé du contenu 2"/>
-          <p:cNvSpPr>
-            <a:spLocks noGrp="1"/>
-          </p:cNvSpPr>
-          <p:nvPr>
-            <p:ph idx="1"/>
-          </p:nvPr>
-        </p:nvSpPr>
-        <p:spPr/>
-        <p:txBody>
-          <a:bodyPr/>
-          <a:lstStyle/>
-          <a:p>
-            <a:r>
-              <a:rPr lang="fr-FR" dirty="0"/>
-              <a:t>Imaginez que vous êtes un data </a:t>
-            </a:r>
-            <a:r>
-              <a:rPr lang="fr-FR" dirty="0" err="1"/>
-              <a:t>scientist</a:t>
-            </a:r>
-            <a:endParaRPr lang="fr-FR" dirty="0"/>
-          </a:p>
-          <a:p>
-            <a:pPr lvl="1"/>
-            <a:r>
-              <a:rPr lang="fr-FR" dirty="0"/>
-              <a:t>Vous êtes maintenant confortable avec l'ensemble des données récupérées pour vos analyses</a:t>
-            </a:r>
-          </a:p>
-          <a:p>
-            <a:pPr lvl="1"/>
-            <a:r>
-              <a:rPr lang="fr-FR" dirty="0"/>
-              <a:t>Vous avez une connaissance des objectifs principaux de l'entreprise, ce qui vous a aidé à synthétiser les différentes variables qui interviennent, ainsi que visualiser les différents comportements et corrélations présents au sein de ces données</a:t>
-            </a:r>
-          </a:p>
-        </p:txBody>
-      </p:sp>
-    </p:spTree>
-    <p:extLst>
-      <p:ext uri="{BB962C8B-B14F-4D97-AF65-F5344CB8AC3E}">
-        <p14:creationId xmlns:p14="http://schemas.microsoft.com/office/powerpoint/2010/main" val="268645936"/>
-      </p:ext>
-    </p:extLst>
-  </p:cSld>
-  <p:clrMapOvr>
-    <a:masterClrMapping/>
-  </p:clrMapOvr>
-</p:sld>
-</file>
-
-<file path=ppt/slides/slide17.xml><?xml version="1.0" encoding="utf-8"?>
-<p:sld xmlns:a="http://schemas.openxmlformats.org/drawingml/2006/main" xmlns:r="http://schemas.openxmlformats.org/officeDocument/2006/relationships" xmlns:p="http://schemas.openxmlformats.org/presentationml/2006/main">
-  <p:cSld>
-    <p:spTree>
-      <p:nvGrpSpPr>
-        <p:cNvPr id="1" name=""/>
-        <p:cNvGrpSpPr/>
-        <p:nvPr/>
-      </p:nvGrpSpPr>
-      <p:grpSpPr>
-        <a:xfrm>
-          <a:off x="0" y="0"/>
-          <a:ext cx="0" cy="0"/>
-          <a:chOff x="0" y="0"/>
-          <a:chExt cx="0" cy="0"/>
-        </a:xfrm>
-      </p:grpSpPr>
-      <p:sp>
-        <p:nvSpPr>
-          <p:cNvPr id="2" name="Titre 1"/>
-          <p:cNvSpPr>
-            <a:spLocks noGrp="1"/>
-          </p:cNvSpPr>
-          <p:nvPr>
-            <p:ph type="title"/>
-          </p:nvPr>
-        </p:nvSpPr>
-        <p:spPr/>
-        <p:txBody>
-          <a:bodyPr/>
-          <a:lstStyle/>
-          <a:p>
-            <a:r>
-              <a:rPr lang="fr-FR" dirty="0"/>
               <a:t>Apprentissage</a:t>
             </a:r>
           </a:p>
@@ -4819,7 +3904,7 @@
 </p:sld>
 </file>
 
-<file path=ppt/slides/slide18.xml><?xml version="1.0" encoding="utf-8"?>
+<file path=ppt/slides/slide11.xml><?xml version="1.0" encoding="utf-8"?>
 <p:sld xmlns:a="http://schemas.openxmlformats.org/drawingml/2006/main" xmlns:r="http://schemas.openxmlformats.org/officeDocument/2006/relationships" xmlns:p="http://schemas.openxmlformats.org/presentationml/2006/main">
   <p:cSld>
     <p:spTree>
@@ -4917,7 +4002,7 @@
 </p:sld>
 </file>
 
-<file path=ppt/slides/slide19.xml><?xml version="1.0" encoding="utf-8"?>
+<file path=ppt/slides/slide12.xml><?xml version="1.0" encoding="utf-8"?>
 <p:sld xmlns:a="http://schemas.openxmlformats.org/drawingml/2006/main" xmlns:r="http://schemas.openxmlformats.org/officeDocument/2006/relationships" xmlns:p="http://schemas.openxmlformats.org/presentationml/2006/main">
   <p:cSld>
     <p:spTree>
@@ -5003,6 +4088,715 @@
     <p:extLst>
       <p:ext uri="{BB962C8B-B14F-4D97-AF65-F5344CB8AC3E}">
         <p14:creationId xmlns:p14="http://schemas.microsoft.com/office/powerpoint/2010/main" val="4270934388"/>
+      </p:ext>
+    </p:extLst>
+  </p:cSld>
+  <p:clrMapOvr>
+    <a:masterClrMapping/>
+  </p:clrMapOvr>
+</p:sld>
+</file>
+
+<file path=ppt/slides/slide13.xml><?xml version="1.0" encoding="utf-8"?>
+<p:sld xmlns:a="http://schemas.openxmlformats.org/drawingml/2006/main" xmlns:r="http://schemas.openxmlformats.org/officeDocument/2006/relationships" xmlns:p="http://schemas.openxmlformats.org/presentationml/2006/main">
+  <p:cSld>
+    <p:spTree>
+      <p:nvGrpSpPr>
+        <p:cNvPr id="1" name=""/>
+        <p:cNvGrpSpPr/>
+        <p:nvPr/>
+      </p:nvGrpSpPr>
+      <p:grpSpPr>
+        <a:xfrm>
+          <a:off x="0" y="0"/>
+          <a:ext cx="0" cy="0"/>
+          <a:chOff x="0" y="0"/>
+          <a:chExt cx="0" cy="0"/>
+        </a:xfrm>
+      </p:grpSpPr>
+      <p:sp>
+        <p:nvSpPr>
+          <p:cNvPr id="2" name="Titre 1"/>
+          <p:cNvSpPr>
+            <a:spLocks noGrp="1"/>
+          </p:cNvSpPr>
+          <p:nvPr>
+            <p:ph type="title"/>
+          </p:nvPr>
+        </p:nvSpPr>
+        <p:spPr/>
+        <p:txBody>
+          <a:bodyPr/>
+          <a:lstStyle/>
+          <a:p>
+            <a:r>
+              <a:rPr lang="fr-FR" dirty="0"/>
+              <a:t>Workflow</a:t>
+            </a:r>
+          </a:p>
+        </p:txBody>
+      </p:sp>
+      <p:pic>
+        <p:nvPicPr>
+          <p:cNvPr id="7170" name="Picture 2" descr="Un détail de des deux phases du process de machine learning."/>
+          <p:cNvPicPr>
+            <a:picLocks noGrp="1" noChangeAspect="1" noChangeArrowheads="1"/>
+          </p:cNvPicPr>
+          <p:nvPr>
+            <p:ph idx="1"/>
+          </p:nvPr>
+        </p:nvPicPr>
+        <p:blipFill>
+          <a:blip r:embed="rId2">
+            <a:extLst>
+              <a:ext uri="{28A0092B-C50C-407E-A947-70E740481C1C}">
+                <a14:useLocalDpi xmlns:a14="http://schemas.microsoft.com/office/drawing/2010/main" val="0"/>
+              </a:ext>
+            </a:extLst>
+          </a:blip>
+          <a:srcRect/>
+          <a:stretch>
+            <a:fillRect/>
+          </a:stretch>
+        </p:blipFill>
+        <p:spPr bwMode="auto">
+          <a:xfrm>
+            <a:off x="1187624" y="1268760"/>
+            <a:ext cx="6902073" cy="4678809"/>
+          </a:xfrm>
+          <a:prstGeom prst="rect">
+            <a:avLst/>
+          </a:prstGeom>
+          <a:noFill/>
+          <a:extLst>
+            <a:ext uri="{909E8E84-426E-40DD-AFC4-6F175D3DCCD1}">
+              <a14:hiddenFill xmlns:a14="http://schemas.microsoft.com/office/drawing/2010/main">
+                <a:solidFill>
+                  <a:srgbClr val="FFFFFF"/>
+                </a:solidFill>
+              </a14:hiddenFill>
+            </a:ext>
+          </a:extLst>
+        </p:spPr>
+      </p:pic>
+    </p:spTree>
+    <p:extLst>
+      <p:ext uri="{BB962C8B-B14F-4D97-AF65-F5344CB8AC3E}">
+        <p14:creationId xmlns:p14="http://schemas.microsoft.com/office/powerpoint/2010/main" val="980869345"/>
+      </p:ext>
+    </p:extLst>
+  </p:cSld>
+  <p:clrMapOvr>
+    <a:masterClrMapping/>
+  </p:clrMapOvr>
+</p:sld>
+</file>
+
+<file path=ppt/slides/slide14.xml><?xml version="1.0" encoding="utf-8"?>
+<p:sld xmlns:a="http://schemas.openxmlformats.org/drawingml/2006/main" xmlns:r="http://schemas.openxmlformats.org/officeDocument/2006/relationships" xmlns:p="http://schemas.openxmlformats.org/presentationml/2006/main">
+  <p:cSld>
+    <p:spTree>
+      <p:nvGrpSpPr>
+        <p:cNvPr id="1" name=""/>
+        <p:cNvGrpSpPr/>
+        <p:nvPr/>
+      </p:nvGrpSpPr>
+      <p:grpSpPr>
+        <a:xfrm>
+          <a:off x="0" y="0"/>
+          <a:ext cx="0" cy="0"/>
+          <a:chOff x="0" y="0"/>
+          <a:chExt cx="0" cy="0"/>
+        </a:xfrm>
+      </p:grpSpPr>
+      <p:sp>
+        <p:nvSpPr>
+          <p:cNvPr id="2" name="Titre 1"/>
+          <p:cNvSpPr>
+            <a:spLocks noGrp="1"/>
+          </p:cNvSpPr>
+          <p:nvPr>
+            <p:ph type="title"/>
+          </p:nvPr>
+        </p:nvSpPr>
+        <p:spPr/>
+        <p:txBody>
+          <a:bodyPr/>
+          <a:lstStyle/>
+          <a:p>
+            <a:r>
+              <a:rPr lang="fr-FR" dirty="0"/>
+              <a:t>L'algorithme d'apprentissage</a:t>
+            </a:r>
+          </a:p>
+        </p:txBody>
+      </p:sp>
+      <p:sp>
+        <p:nvSpPr>
+          <p:cNvPr id="3" name="Espace réservé du contenu 2"/>
+          <p:cNvSpPr>
+            <a:spLocks noGrp="1"/>
+          </p:cNvSpPr>
+          <p:nvPr>
+            <p:ph idx="1"/>
+          </p:nvPr>
+        </p:nvSpPr>
+        <p:spPr/>
+        <p:txBody>
+          <a:bodyPr/>
+          <a:lstStyle/>
+          <a:p>
+            <a:r>
+              <a:rPr lang="fr-FR" dirty="0"/>
+              <a:t>L'algorithme d'apprentissage constitue la méthode avec laquelle le modèle statistique va se paramétrer à partir des données d'exemple</a:t>
+            </a:r>
+          </a:p>
+          <a:p>
+            <a:pPr lvl="1"/>
+            <a:r>
+              <a:rPr lang="fr-FR" dirty="0"/>
+              <a:t>Il existe de nombreux algorithmes différents !</a:t>
+            </a:r>
+          </a:p>
+          <a:p>
+            <a:pPr lvl="1"/>
+            <a:r>
+              <a:rPr lang="fr-FR" dirty="0"/>
+              <a:t>On choisira un type d'algorithme particulier en fonction du type de tâche que l'on souhaite accomplir et du type de données dont on dispose</a:t>
+            </a:r>
+          </a:p>
+        </p:txBody>
+      </p:sp>
+    </p:spTree>
+    <p:extLst>
+      <p:ext uri="{BB962C8B-B14F-4D97-AF65-F5344CB8AC3E}">
+        <p14:creationId xmlns:p14="http://schemas.microsoft.com/office/powerpoint/2010/main" val="701142805"/>
+      </p:ext>
+    </p:extLst>
+  </p:cSld>
+  <p:clrMapOvr>
+    <a:masterClrMapping/>
+  </p:clrMapOvr>
+</p:sld>
+</file>
+
+<file path=ppt/slides/slide15.xml><?xml version="1.0" encoding="utf-8"?>
+<p:sld xmlns:a="http://schemas.openxmlformats.org/drawingml/2006/main" xmlns:r="http://schemas.openxmlformats.org/officeDocument/2006/relationships" xmlns:p="http://schemas.openxmlformats.org/presentationml/2006/main">
+  <p:cSld>
+    <p:spTree>
+      <p:nvGrpSpPr>
+        <p:cNvPr id="1" name=""/>
+        <p:cNvGrpSpPr/>
+        <p:nvPr/>
+      </p:nvGrpSpPr>
+      <p:grpSpPr>
+        <a:xfrm>
+          <a:off x="0" y="0"/>
+          <a:ext cx="0" cy="0"/>
+          <a:chOff x="0" y="0"/>
+          <a:chExt cx="0" cy="0"/>
+        </a:xfrm>
+      </p:grpSpPr>
+      <p:sp>
+        <p:nvSpPr>
+          <p:cNvPr id="2" name="Titre 1"/>
+          <p:cNvSpPr>
+            <a:spLocks noGrp="1"/>
+          </p:cNvSpPr>
+          <p:nvPr>
+            <p:ph type="title"/>
+          </p:nvPr>
+        </p:nvSpPr>
+        <p:spPr/>
+        <p:txBody>
+          <a:bodyPr/>
+          <a:lstStyle/>
+          <a:p>
+            <a:r>
+              <a:rPr lang="fr-FR" dirty="0"/>
+              <a:t>Exemples</a:t>
+            </a:r>
+          </a:p>
+        </p:txBody>
+      </p:sp>
+      <p:sp>
+        <p:nvSpPr>
+          <p:cNvPr id="3" name="Espace réservé du contenu 2"/>
+          <p:cNvSpPr>
+            <a:spLocks noGrp="1"/>
+          </p:cNvSpPr>
+          <p:nvPr>
+            <p:ph idx="1"/>
+          </p:nvPr>
+        </p:nvSpPr>
+        <p:spPr/>
+        <p:txBody>
+          <a:bodyPr/>
+          <a:lstStyle/>
+          <a:p>
+            <a:r>
+              <a:rPr lang="fr-FR" dirty="0"/>
+              <a:t>Quelques exemples d'algorithmes de machine </a:t>
+            </a:r>
+            <a:r>
+              <a:rPr lang="fr-FR" dirty="0" err="1"/>
+              <a:t>learning</a:t>
+            </a:r>
+            <a:r>
+              <a:rPr lang="fr-FR" dirty="0"/>
+              <a:t>, dont vous avez peut-être déjà entendu parler :</a:t>
+            </a:r>
+          </a:p>
+          <a:p>
+            <a:pPr lvl="1"/>
+            <a:r>
+              <a:rPr lang="fr-FR" dirty="0"/>
+              <a:t>La régression linéaire</a:t>
+            </a:r>
+          </a:p>
+          <a:p>
+            <a:pPr lvl="1"/>
+            <a:r>
+              <a:rPr lang="fr-FR" dirty="0" err="1"/>
+              <a:t>K-nn</a:t>
+            </a:r>
+            <a:endParaRPr lang="fr-FR" dirty="0"/>
+          </a:p>
+          <a:p>
+            <a:pPr lvl="1"/>
+            <a:r>
+              <a:rPr lang="fr-FR" dirty="0"/>
+              <a:t>Les Support </a:t>
+            </a:r>
+            <a:r>
+              <a:rPr lang="fr-FR" dirty="0" err="1"/>
+              <a:t>Vector</a:t>
+            </a:r>
+            <a:r>
+              <a:rPr lang="fr-FR" dirty="0"/>
+              <a:t> Machine (SVM)</a:t>
+            </a:r>
+          </a:p>
+          <a:p>
+            <a:pPr lvl="1"/>
+            <a:r>
+              <a:rPr lang="fr-FR" dirty="0"/>
+              <a:t>Les réseaux de neurones</a:t>
+            </a:r>
+          </a:p>
+          <a:p>
+            <a:pPr lvl="1"/>
+            <a:r>
+              <a:rPr lang="fr-FR" dirty="0"/>
+              <a:t>Les </a:t>
+            </a:r>
+            <a:r>
+              <a:rPr lang="fr-FR" dirty="0" err="1"/>
+              <a:t>random</a:t>
+            </a:r>
+            <a:r>
+              <a:rPr lang="fr-FR" dirty="0"/>
+              <a:t> </a:t>
+            </a:r>
+            <a:r>
+              <a:rPr lang="fr-FR" dirty="0" err="1"/>
+              <a:t>forests</a:t>
+            </a:r>
+            <a:endParaRPr lang="fr-FR" dirty="0"/>
+          </a:p>
+          <a:p>
+            <a:pPr lvl="1"/>
+            <a:r>
+              <a:rPr lang="fr-FR" dirty="0"/>
+              <a:t>etc.</a:t>
+            </a:r>
+          </a:p>
+        </p:txBody>
+      </p:sp>
+    </p:spTree>
+    <p:extLst>
+      <p:ext uri="{BB962C8B-B14F-4D97-AF65-F5344CB8AC3E}">
+        <p14:creationId xmlns:p14="http://schemas.microsoft.com/office/powerpoint/2010/main" val="1066145555"/>
+      </p:ext>
+    </p:extLst>
+  </p:cSld>
+  <p:clrMapOvr>
+    <a:masterClrMapping/>
+  </p:clrMapOvr>
+</p:sld>
+</file>
+
+<file path=ppt/slides/slide16.xml><?xml version="1.0" encoding="utf-8"?>
+<p:sld xmlns:a="http://schemas.openxmlformats.org/drawingml/2006/main" xmlns:r="http://schemas.openxmlformats.org/officeDocument/2006/relationships" xmlns:p="http://schemas.openxmlformats.org/presentationml/2006/main">
+  <p:cSld>
+    <p:spTree>
+      <p:nvGrpSpPr>
+        <p:cNvPr id="1" name=""/>
+        <p:cNvGrpSpPr/>
+        <p:nvPr/>
+      </p:nvGrpSpPr>
+      <p:grpSpPr>
+        <a:xfrm>
+          <a:off x="0" y="0"/>
+          <a:ext cx="0" cy="0"/>
+          <a:chOff x="0" y="0"/>
+          <a:chExt cx="0" cy="0"/>
+        </a:xfrm>
+      </p:grpSpPr>
+      <p:sp>
+        <p:nvSpPr>
+          <p:cNvPr id="2" name="Titre 1"/>
+          <p:cNvSpPr>
+            <a:spLocks noGrp="1"/>
+          </p:cNvSpPr>
+          <p:nvPr>
+            <p:ph type="title"/>
+          </p:nvPr>
+        </p:nvSpPr>
+        <p:spPr/>
+        <p:txBody>
+          <a:bodyPr/>
+          <a:lstStyle/>
+          <a:p>
+            <a:r>
+              <a:rPr lang="fr-FR" dirty="0"/>
+              <a:t>Mesure de performance</a:t>
+            </a:r>
+          </a:p>
+        </p:txBody>
+      </p:sp>
+      <p:sp>
+        <p:nvSpPr>
+          <p:cNvPr id="3" name="Espace réservé du contenu 2"/>
+          <p:cNvSpPr>
+            <a:spLocks noGrp="1"/>
+          </p:cNvSpPr>
+          <p:nvPr>
+            <p:ph idx="1"/>
+          </p:nvPr>
+        </p:nvSpPr>
+        <p:spPr/>
+        <p:txBody>
+          <a:bodyPr/>
+          <a:lstStyle/>
+          <a:p>
+            <a:r>
+              <a:rPr lang="fr-FR" dirty="0"/>
+              <a:t>Mesurer les performances fait partie intégrante du travail de modélisation. Il faut en général déterminer une mesure principale, souvent spécifique à la tâche à accomplir</a:t>
+            </a:r>
+          </a:p>
+          <a:p>
+            <a:endParaRPr lang="fr-FR" dirty="0"/>
+          </a:p>
+        </p:txBody>
+      </p:sp>
+    </p:spTree>
+    <p:extLst>
+      <p:ext uri="{BB962C8B-B14F-4D97-AF65-F5344CB8AC3E}">
+        <p14:creationId xmlns:p14="http://schemas.microsoft.com/office/powerpoint/2010/main" val="2894775755"/>
+      </p:ext>
+    </p:extLst>
+  </p:cSld>
+  <p:clrMapOvr>
+    <a:masterClrMapping/>
+  </p:clrMapOvr>
+</p:sld>
+</file>
+
+<file path=ppt/slides/slide17.xml><?xml version="1.0" encoding="utf-8"?>
+<p:sld xmlns:a="http://schemas.openxmlformats.org/drawingml/2006/main" xmlns:r="http://schemas.openxmlformats.org/officeDocument/2006/relationships" xmlns:p="http://schemas.openxmlformats.org/presentationml/2006/main">
+  <p:cSld>
+    <p:spTree>
+      <p:nvGrpSpPr>
+        <p:cNvPr id="1" name=""/>
+        <p:cNvGrpSpPr/>
+        <p:nvPr/>
+      </p:nvGrpSpPr>
+      <p:grpSpPr>
+        <a:xfrm>
+          <a:off x="0" y="0"/>
+          <a:ext cx="0" cy="0"/>
+          <a:chOff x="0" y="0"/>
+          <a:chExt cx="0" cy="0"/>
+        </a:xfrm>
+      </p:grpSpPr>
+      <p:sp>
+        <p:nvSpPr>
+          <p:cNvPr id="2" name="Titre 1"/>
+          <p:cNvSpPr>
+            <a:spLocks noGrp="1"/>
+          </p:cNvSpPr>
+          <p:nvPr>
+            <p:ph type="title"/>
+          </p:nvPr>
+        </p:nvSpPr>
+        <p:spPr/>
+        <p:txBody>
+          <a:bodyPr/>
+          <a:lstStyle/>
+          <a:p>
+            <a:r>
+              <a:rPr lang="fr-FR" dirty="0"/>
+              <a:t>Exemple</a:t>
+            </a:r>
+          </a:p>
+        </p:txBody>
+      </p:sp>
+      <p:sp>
+        <p:nvSpPr>
+          <p:cNvPr id="3" name="Espace réservé du contenu 2"/>
+          <p:cNvSpPr>
+            <a:spLocks noGrp="1"/>
+          </p:cNvSpPr>
+          <p:nvPr>
+            <p:ph idx="1"/>
+          </p:nvPr>
+        </p:nvSpPr>
+        <p:spPr/>
+        <p:txBody>
+          <a:bodyPr/>
+          <a:lstStyle/>
+          <a:p>
+            <a:r>
+              <a:rPr lang="fr-FR" sz="2400" dirty="0"/>
+              <a:t>Imaginez que vous voulez créer un algorithme de détection de fraudes bancaires</a:t>
+            </a:r>
+          </a:p>
+          <a:p>
+            <a:pPr lvl="1"/>
+            <a:r>
+              <a:rPr lang="fr-FR" sz="2000" dirty="0"/>
+              <a:t>Vous voulez mesurer à quel point votre programme est performant</a:t>
+            </a:r>
+          </a:p>
+          <a:p>
+            <a:r>
+              <a:rPr lang="fr-FR" sz="2400" dirty="0"/>
+              <a:t>Une manière de faire serait de mesurer la proportion totale de transaction détectées comme fraude</a:t>
+            </a:r>
+          </a:p>
+          <a:p>
+            <a:pPr lvl="1"/>
+            <a:r>
+              <a:rPr lang="fr-FR" sz="2000" dirty="0"/>
+              <a:t>Cependant, on compte ici les transactions qui ne sont pas des fraudes et qui ont quand même été notées comme en étant (appelé "faux positifs")</a:t>
+            </a:r>
+          </a:p>
+          <a:p>
+            <a:pPr lvl="1"/>
+            <a:r>
+              <a:rPr lang="fr-FR" sz="2000" dirty="0"/>
+              <a:t>Donc, avec ce genre de métriques, on est pas exigeant sur ce type d'erreur que produit notre algorithme</a:t>
+            </a:r>
+          </a:p>
+          <a:p>
+            <a:r>
+              <a:rPr lang="fr-FR" sz="2400" dirty="0"/>
+              <a:t>Il faut peut être, utiliser une autre métrique plus pertinente. Par exemple, la précision qui est la proportion de "vraies fraudes" détectées par rapport au total de transactions </a:t>
+            </a:r>
+            <a:r>
+              <a:rPr lang="fr-FR" sz="2400" dirty="0" err="1"/>
+              <a:t>flagées</a:t>
+            </a:r>
+            <a:r>
+              <a:rPr lang="fr-FR" sz="2400" dirty="0"/>
+              <a:t> comme fraudes</a:t>
+            </a:r>
+          </a:p>
+        </p:txBody>
+      </p:sp>
+    </p:spTree>
+    <p:extLst>
+      <p:ext uri="{BB962C8B-B14F-4D97-AF65-F5344CB8AC3E}">
+        <p14:creationId xmlns:p14="http://schemas.microsoft.com/office/powerpoint/2010/main" val="143823929"/>
+      </p:ext>
+    </p:extLst>
+  </p:cSld>
+  <p:clrMapOvr>
+    <a:masterClrMapping/>
+  </p:clrMapOvr>
+</p:sld>
+</file>
+
+<file path=ppt/slides/slide18.xml><?xml version="1.0" encoding="utf-8"?>
+<p:sld xmlns:a="http://schemas.openxmlformats.org/drawingml/2006/main" xmlns:r="http://schemas.openxmlformats.org/officeDocument/2006/relationships" xmlns:p="http://schemas.openxmlformats.org/presentationml/2006/main">
+  <p:cSld>
+    <p:spTree>
+      <p:nvGrpSpPr>
+        <p:cNvPr id="1" name=""/>
+        <p:cNvGrpSpPr/>
+        <p:nvPr/>
+      </p:nvGrpSpPr>
+      <p:grpSpPr>
+        <a:xfrm>
+          <a:off x="0" y="0"/>
+          <a:ext cx="0" cy="0"/>
+          <a:chOff x="0" y="0"/>
+          <a:chExt cx="0" cy="0"/>
+        </a:xfrm>
+      </p:grpSpPr>
+      <p:sp>
+        <p:nvSpPr>
+          <p:cNvPr id="2" name="Titre 1"/>
+          <p:cNvSpPr>
+            <a:spLocks noGrp="1"/>
+          </p:cNvSpPr>
+          <p:nvPr>
+            <p:ph type="title"/>
+          </p:nvPr>
+        </p:nvSpPr>
+        <p:spPr/>
+        <p:txBody>
+          <a:bodyPr/>
+          <a:lstStyle/>
+          <a:p>
+            <a:r>
+              <a:rPr lang="fr-FR" dirty="0"/>
+              <a:t>Autre exemple</a:t>
+            </a:r>
+          </a:p>
+        </p:txBody>
+      </p:sp>
+      <p:sp>
+        <p:nvSpPr>
+          <p:cNvPr id="3" name="Espace réservé du contenu 2"/>
+          <p:cNvSpPr>
+            <a:spLocks noGrp="1"/>
+          </p:cNvSpPr>
+          <p:nvPr>
+            <p:ph idx="1"/>
+          </p:nvPr>
+        </p:nvSpPr>
+        <p:spPr/>
+        <p:txBody>
+          <a:bodyPr/>
+          <a:lstStyle/>
+          <a:p>
+            <a:r>
+              <a:rPr lang="fr-FR" dirty="0"/>
+              <a:t>Dans la détection de maladie comme la méningite le nombre de faux positif n’est pas très important</a:t>
+            </a:r>
+          </a:p>
+          <a:p>
+            <a:r>
+              <a:rPr lang="fr-FR" dirty="0"/>
+              <a:t>Alors que le nombre de faux négatif est potentiellement mortel</a:t>
+            </a:r>
+          </a:p>
+        </p:txBody>
+      </p:sp>
+    </p:spTree>
+    <p:extLst>
+      <p:ext uri="{BB962C8B-B14F-4D97-AF65-F5344CB8AC3E}">
+        <p14:creationId xmlns:p14="http://schemas.microsoft.com/office/powerpoint/2010/main" val="2895228986"/>
+      </p:ext>
+    </p:extLst>
+  </p:cSld>
+  <p:clrMapOvr>
+    <a:masterClrMapping/>
+  </p:clrMapOvr>
+</p:sld>
+</file>
+
+<file path=ppt/slides/slide19.xml><?xml version="1.0" encoding="utf-8"?>
+<p:sld xmlns:a="http://schemas.openxmlformats.org/drawingml/2006/main" xmlns:r="http://schemas.openxmlformats.org/officeDocument/2006/relationships" xmlns:p="http://schemas.openxmlformats.org/presentationml/2006/main">
+  <p:cSld>
+    <p:spTree>
+      <p:nvGrpSpPr>
+        <p:cNvPr id="1" name=""/>
+        <p:cNvGrpSpPr/>
+        <p:nvPr/>
+      </p:nvGrpSpPr>
+      <p:grpSpPr>
+        <a:xfrm>
+          <a:off x="0" y="0"/>
+          <a:ext cx="0" cy="0"/>
+          <a:chOff x="0" y="0"/>
+          <a:chExt cx="0" cy="0"/>
+        </a:xfrm>
+      </p:grpSpPr>
+      <p:sp>
+        <p:nvSpPr>
+          <p:cNvPr id="2" name="Titre 1"/>
+          <p:cNvSpPr>
+            <a:spLocks noGrp="1"/>
+          </p:cNvSpPr>
+          <p:nvPr>
+            <p:ph type="title"/>
+          </p:nvPr>
+        </p:nvSpPr>
+        <p:spPr/>
+        <p:txBody>
+          <a:bodyPr/>
+          <a:lstStyle/>
+          <a:p>
+            <a:r>
+              <a:rPr lang="fr-FR" dirty="0" err="1"/>
+              <a:t>Random</a:t>
+            </a:r>
+            <a:r>
+              <a:rPr lang="fr-FR" dirty="0"/>
+              <a:t> Forest</a:t>
+            </a:r>
+          </a:p>
+        </p:txBody>
+      </p:sp>
+      <p:sp>
+        <p:nvSpPr>
+          <p:cNvPr id="3" name="Espace réservé du contenu 2"/>
+          <p:cNvSpPr>
+            <a:spLocks noGrp="1"/>
+          </p:cNvSpPr>
+          <p:nvPr>
+            <p:ph idx="1"/>
+          </p:nvPr>
+        </p:nvSpPr>
+        <p:spPr/>
+        <p:txBody>
+          <a:bodyPr/>
+          <a:lstStyle/>
+          <a:p>
+            <a:r>
+              <a:rPr lang="fr-FR" dirty="0"/>
+              <a:t>Les forêts d'arbres décisionnels ont été formellement proposées en 2001 par Leo </a:t>
+            </a:r>
+            <a:r>
+              <a:rPr lang="fr-FR" dirty="0" err="1"/>
+              <a:t>Breiman</a:t>
+            </a:r>
+            <a:r>
+              <a:rPr lang="fr-FR" dirty="0"/>
+              <a:t> et Adèle </a:t>
+            </a:r>
+            <a:r>
+              <a:rPr lang="fr-FR" dirty="0" err="1"/>
+              <a:t>Cutler</a:t>
+            </a:r>
+            <a:endParaRPr lang="fr-FR" dirty="0"/>
+          </a:p>
+          <a:p>
+            <a:r>
+              <a:rPr lang="fr-FR" dirty="0"/>
+              <a:t>Cet algorithme combine les concepts de sous-espaces aléatoires et de </a:t>
+            </a:r>
+            <a:r>
+              <a:rPr lang="fr-FR" dirty="0" err="1"/>
+              <a:t>bagging</a:t>
+            </a:r>
+            <a:endParaRPr lang="fr-FR" dirty="0"/>
+          </a:p>
+          <a:p>
+            <a:r>
+              <a:rPr lang="fr-FR" dirty="0"/>
+              <a:t>L'algorithme des forêts d'arbres décisionnels effectue un apprentissage sur de multiples arbres de décision entraînés sur des sous-ensembles de données légèrement différents</a:t>
+            </a:r>
+          </a:p>
+        </p:txBody>
+      </p:sp>
+    </p:spTree>
+    <p:extLst>
+      <p:ext uri="{BB962C8B-B14F-4D97-AF65-F5344CB8AC3E}">
+        <p14:creationId xmlns:p14="http://schemas.microsoft.com/office/powerpoint/2010/main" val="3293274694"/>
       </p:ext>
     </p:extLst>
   </p:cSld>
@@ -5213,58 +5007,62 @@
           <a:p>
             <a:r>
               <a:rPr lang="fr-FR" dirty="0"/>
-              <a:t>Workflow</a:t>
-            </a:r>
-          </a:p>
-        </p:txBody>
-      </p:sp>
-      <p:pic>
-        <p:nvPicPr>
-          <p:cNvPr id="7170" name="Picture 2" descr="Un détail de des deux phases du process de machine learning."/>
-          <p:cNvPicPr>
-            <a:picLocks noGrp="1" noChangeAspect="1" noChangeArrowheads="1"/>
-          </p:cNvPicPr>
+              <a:t>Asymétrie</a:t>
+            </a:r>
+          </a:p>
+        </p:txBody>
+      </p:sp>
+      <p:sp>
+        <p:nvSpPr>
+          <p:cNvPr id="3" name="Espace réservé du contenu 2"/>
+          <p:cNvSpPr>
+            <a:spLocks noGrp="1"/>
+          </p:cNvSpPr>
           <p:nvPr>
             <p:ph idx="1"/>
           </p:nvPr>
-        </p:nvPicPr>
-        <p:blipFill>
-          <a:blip r:embed="rId2">
-            <a:extLst>
-              <a:ext uri="{28A0092B-C50C-407E-A947-70E740481C1C}">
-                <a14:useLocalDpi xmlns:a14="http://schemas.microsoft.com/office/drawing/2010/main" val="0"/>
-              </a:ext>
-            </a:extLst>
-          </a:blip>
-          <a:srcRect/>
-          <a:stretch>
-            <a:fillRect/>
-          </a:stretch>
-        </p:blipFill>
-        <p:spPr bwMode="auto">
-          <a:xfrm>
-            <a:off x="1187624" y="1268760"/>
-            <a:ext cx="6902073" cy="4678809"/>
-          </a:xfrm>
-          <a:prstGeom prst="rect">
-            <a:avLst/>
-          </a:prstGeom>
-          <a:noFill/>
-          <a:extLst>
-            <a:ext uri="{909E8E84-426E-40DD-AFC4-6F175D3DCCD1}">
-              <a14:hiddenFill xmlns:a14="http://schemas.microsoft.com/office/drawing/2010/main">
-                <a:solidFill>
-                  <a:srgbClr val="FFFFFF"/>
-                </a:solidFill>
-              </a14:hiddenFill>
-            </a:ext>
-          </a:extLst>
-        </p:spPr>
-      </p:pic>
+        </p:nvSpPr>
+        <p:spPr/>
+        <p:txBody>
+          <a:bodyPr/>
+          <a:lstStyle/>
+          <a:p>
+            <a:r>
+              <a:rPr lang="fr-FR" dirty="0" err="1"/>
+              <a:t>Random</a:t>
+            </a:r>
+            <a:r>
+              <a:rPr lang="fr-FR" dirty="0"/>
+              <a:t> Forest est un modèle asymétrique</a:t>
+            </a:r>
+          </a:p>
+          <a:p>
+            <a:pPr lvl="1"/>
+            <a:r>
+              <a:rPr lang="fr-FR" dirty="0"/>
+              <a:t>Apprentissage couteux</a:t>
+            </a:r>
+          </a:p>
+          <a:p>
+            <a:pPr lvl="1"/>
+            <a:r>
+              <a:rPr lang="fr-FR" dirty="0"/>
+              <a:t>Prédiction rapide</a:t>
+            </a:r>
+          </a:p>
+          <a:p>
+            <a:pPr lvl="1"/>
+            <a:r>
+              <a:rPr lang="fr-FR" dirty="0"/>
+              <a:t>Très utile</a:t>
+            </a:r>
+          </a:p>
+        </p:txBody>
+      </p:sp>
     </p:spTree>
     <p:extLst>
       <p:ext uri="{BB962C8B-B14F-4D97-AF65-F5344CB8AC3E}">
-        <p14:creationId xmlns:p14="http://schemas.microsoft.com/office/powerpoint/2010/main" val="980869345"/>
+        <p14:creationId xmlns:p14="http://schemas.microsoft.com/office/powerpoint/2010/main" val="221419693"/>
       </p:ext>
     </p:extLst>
   </p:cSld>
@@ -5307,8 +5105,12 @@
           <a:lstStyle/>
           <a:p>
             <a:r>
-              <a:rPr lang="fr-FR" dirty="0"/>
-              <a:t>L'algorithme d'apprentissage</a:t>
+              <a:rPr lang="fr-FR" dirty="0" err="1"/>
+              <a:t>Random</a:t>
+            </a:r>
+            <a:r>
+              <a:rPr lang="fr-FR" dirty="0"/>
+              <a:t> Forest</a:t>
             </a:r>
           </a:p>
         </p:txBody>
@@ -5330,29 +5132,76 @@
           <a:p>
             <a:r>
               <a:rPr lang="fr-FR" dirty="0"/>
-              <a:t>L'algorithme d'apprentissage constitue la méthode avec laquelle le modèle statistique va se paramétrer à partir des données d'exemple</a:t>
+              <a:t>Exemple</a:t>
             </a:r>
           </a:p>
           <a:p>
             <a:pPr lvl="1"/>
             <a:r>
               <a:rPr lang="fr-FR" dirty="0"/>
-              <a:t>Il existe de nombreux algorithmes différents !</a:t>
-            </a:r>
+              <a:t>import </a:t>
+            </a:r>
+            <a:r>
+              <a:rPr lang="fr-FR" dirty="0" err="1"/>
+              <a:t>sk.ensemble</a:t>
+            </a:r>
+            <a:r>
+              <a:rPr lang="fr-FR" dirty="0"/>
+              <a:t> as </a:t>
+            </a:r>
+            <a:r>
+              <a:rPr lang="fr-FR" dirty="0" err="1"/>
+              <a:t>rf</a:t>
+            </a:r>
+            <a:endParaRPr lang="fr-FR" dirty="0"/>
           </a:p>
           <a:p>
             <a:pPr lvl="1"/>
             <a:r>
               <a:rPr lang="fr-FR" dirty="0"/>
-              <a:t>On choisira un type d'algorithme particulier en fonction du type de tâche que l'on souhaite accomplir et du type de données dont on dispose</a:t>
-            </a:r>
+              <a:t>model = </a:t>
+            </a:r>
+            <a:r>
+              <a:rPr lang="fr-FR" dirty="0" err="1"/>
+              <a:t>rf.RandomForestClassifier</a:t>
+            </a:r>
+            <a:r>
+              <a:rPr lang="fr-FR" dirty="0"/>
+              <a:t>(</a:t>
+            </a:r>
+            <a:r>
+              <a:rPr lang="fr-FR" dirty="0" err="1"/>
+              <a:t>n_estimators</a:t>
+            </a:r>
+            <a:r>
+              <a:rPr lang="fr-FR" dirty="0"/>
+              <a:t>=100)</a:t>
+            </a:r>
+          </a:p>
+          <a:p>
+            <a:r>
+              <a:rPr lang="fr-FR" dirty="0"/>
+              <a:t>Très puissant</a:t>
+            </a:r>
+          </a:p>
+          <a:p>
+            <a:pPr lvl="1"/>
+            <a:r>
+              <a:rPr lang="fr-FR" dirty="0"/>
+              <a:t>Bien plus gourmand que </a:t>
+            </a:r>
+            <a:r>
+              <a:rPr lang="fr-FR" dirty="0" err="1"/>
+              <a:t>kNN</a:t>
+            </a:r>
+            <a:endParaRPr lang="fr-FR" dirty="0"/>
           </a:p>
         </p:txBody>
       </p:sp>
     </p:spTree>
     <p:extLst>
       <p:ext uri="{BB962C8B-B14F-4D97-AF65-F5344CB8AC3E}">
-        <p14:creationId xmlns:p14="http://schemas.microsoft.com/office/powerpoint/2010/main" val="701142805"/>
+        <p14:creationId xmlns:p14="http://schemas.microsoft.com/office/powerpoint/2010/main" val="138068474"/>
       </p:ext>
     </p:extLst>
   </p:cSld>
@@ -5396,7 +5245,7 @@
           <a:p>
             <a:r>
               <a:rPr lang="fr-FR" dirty="0"/>
-              <a:t>Exemples</a:t>
+              <a:t>Entrainement et prédiction</a:t>
             </a:r>
           </a:p>
         </p:txBody>
@@ -5418,87 +5267,70 @@
           <a:p>
             <a:r>
               <a:rPr lang="fr-FR" dirty="0"/>
-              <a:t>Quelques exemples d'algorithmes de machine </a:t>
-            </a:r>
+              <a:t>Il faut ensuite choisir le meilleur modèle, l’entrainer et mettre en place la prédiction</a:t>
+            </a:r>
+          </a:p>
+          <a:p>
             <a:r>
               <a:rPr lang="fr-FR" dirty="0" err="1"/>
-              <a:t>learning</a:t>
-            </a:r>
-            <a:r>
-              <a:rPr lang="fr-FR" dirty="0"/>
-              <a:t>, dont vous avez peut-être déjà entendu parler :</a:t>
-            </a:r>
-          </a:p>
-          <a:p>
-            <a:pPr lvl="1"/>
-            <a:r>
-              <a:rPr lang="fr-FR" dirty="0"/>
-              <a:t>La régression linéaire</a:t>
-            </a:r>
-          </a:p>
-          <a:p>
-            <a:pPr lvl="1"/>
+              <a:t>model.fit</a:t>
+            </a:r>
+            <a:r>
+              <a:rPr lang="fr-FR" dirty="0"/>
+              <a:t>(</a:t>
+            </a:r>
             <a:r>
               <a:rPr lang="fr-FR" dirty="0" err="1"/>
-              <a:t>K-nn</a:t>
-            </a:r>
+              <a:t>xtrain</a:t>
+            </a:r>
+            <a:r>
+              <a:rPr lang="fr-FR" dirty="0"/>
+              <a:t>, </a:t>
+            </a:r>
+            <a:r>
+              <a:rPr lang="fr-FR" dirty="0" err="1"/>
+              <a:t>ytrain</a:t>
+            </a:r>
+            <a:r>
+              <a:rPr lang="fr-FR" dirty="0"/>
+              <a:t>)</a:t>
+            </a:r>
+          </a:p>
+          <a:p>
+            <a:r>
+              <a:rPr lang="fr-FR" dirty="0" err="1"/>
+              <a:t>predicted</a:t>
+            </a:r>
+            <a:r>
+              <a:rPr lang="fr-FR" dirty="0"/>
+              <a:t> = </a:t>
+            </a:r>
+            <a:r>
+              <a:rPr lang="fr-FR" dirty="0" err="1"/>
+              <a:t>model.predict</a:t>
+            </a:r>
+            <a:r>
+              <a:rPr lang="fr-FR" dirty="0"/>
+              <a:t>(</a:t>
+            </a:r>
+            <a:r>
+              <a:rPr lang="fr-FR" dirty="0" err="1"/>
+              <a:t>xtest</a:t>
+            </a:r>
+            <a:r>
+              <a:rPr lang="fr-FR" dirty="0"/>
+              <a:t>)</a:t>
+            </a:r>
+          </a:p>
+          <a:p>
             <a:endParaRPr lang="fr-FR" dirty="0"/>
-          </a:p>
-          <a:p>
-            <a:pPr lvl="1"/>
-            <a:r>
-              <a:rPr lang="fr-FR" dirty="0"/>
-              <a:t>Les Support </a:t>
-            </a:r>
-            <a:r>
-              <a:rPr lang="fr-FR" dirty="0" err="1"/>
-              <a:t>Vector</a:t>
-            </a:r>
-            <a:r>
-              <a:rPr lang="fr-FR" dirty="0"/>
-              <a:t> Machine (SVM)</a:t>
-            </a:r>
-          </a:p>
-          <a:p>
-            <a:pPr lvl="1"/>
-            <a:r>
-              <a:rPr lang="fr-FR" dirty="0"/>
-              <a:t>Les réseaux de neurones</a:t>
-            </a:r>
-          </a:p>
-          <a:p>
-            <a:pPr lvl="1"/>
-            <a:r>
-              <a:rPr lang="fr-FR" dirty="0"/>
-              <a:t>Les </a:t>
-            </a:r>
-            <a:r>
-              <a:rPr lang="fr-FR" dirty="0" err="1"/>
-              <a:t>random</a:t>
-            </a:r>
-            <a:r>
-              <a:rPr lang="fr-FR" dirty="0"/>
-              <a:t> </a:t>
-            </a:r>
-            <a:r>
-              <a:rPr lang="fr-FR" dirty="0" err="1"/>
-              <a:t>forests</a:t>
-            </a:r>
-            <a:endParaRPr lang="fr-FR" dirty="0"/>
-          </a:p>
-          <a:p>
-            <a:pPr lvl="1"/>
-            <a:r>
-              <a:rPr lang="fr-FR" dirty="0"/>
-              <a:t>etc.</a:t>
-            </a:r>
           </a:p>
         </p:txBody>
       </p:sp>
     </p:spTree>
     <p:extLst>
       <p:ext uri="{BB962C8B-B14F-4D97-AF65-F5344CB8AC3E}">
-        <p14:creationId xmlns:p14="http://schemas.microsoft.com/office/powerpoint/2010/main" val="1066145555"/>
+        <p14:creationId xmlns:p14="http://schemas.microsoft.com/office/powerpoint/2010/main" val="2653676358"/>
       </p:ext>
     </p:extLst>
   </p:cSld>
@@ -5542,8 +5374,13 @@
           <a:p>
             <a:r>
               <a:rPr lang="fr-FR" dirty="0"/>
-              <a:t>Mesure de performance</a:t>
-            </a:r>
+              <a:t>Importances des </a:t>
+            </a:r>
+            <a:r>
+              <a:rPr lang="fr-FR" dirty="0" err="1"/>
+              <a:t>features</a:t>
+            </a:r>
+            <a:endParaRPr lang="fr-FR" dirty="0"/>
           </a:p>
         </p:txBody>
       </p:sp>
@@ -5564,8 +5401,45 @@
           <a:p>
             <a:r>
               <a:rPr lang="fr-FR" dirty="0"/>
-              <a:t>Mesurer les performances fait partie intégrante du travail de modélisation. Il faut en général déterminer une mesure principale, souvent spécifique à la tâche à accomplir</a:t>
-            </a:r>
+              <a:t>Les précédents algorithmes ne permettaient pas de connaître l'importance de chaque </a:t>
+            </a:r>
+            <a:r>
+              <a:rPr lang="fr-FR" dirty="0" err="1"/>
+              <a:t>feature</a:t>
+            </a:r>
+            <a:endParaRPr lang="fr-FR" dirty="0"/>
+          </a:p>
+          <a:p>
+            <a:r>
+              <a:rPr lang="fr-FR" dirty="0"/>
+              <a:t>Il est souvent utile de savoir les </a:t>
+            </a:r>
+            <a:r>
+              <a:rPr lang="fr-FR" dirty="0" err="1"/>
+              <a:t>features</a:t>
+            </a:r>
+            <a:r>
+              <a:rPr lang="fr-FR" dirty="0"/>
+              <a:t> prépondérantes</a:t>
+            </a:r>
+          </a:p>
+          <a:p>
+            <a:pPr lvl="1"/>
+            <a:r>
+              <a:rPr lang="fr-FR" dirty="0"/>
+              <a:t>Et l'inverse celle qui ne le sont pas</a:t>
+            </a:r>
+          </a:p>
+          <a:p>
+            <a:pPr lvl="1"/>
+            <a:r>
+              <a:rPr lang="fr-FR" dirty="0"/>
+              <a:t>Permet de faire baisser le nombre de dimension</a:t>
+            </a:r>
+          </a:p>
+          <a:p>
+            <a:pPr lvl="1"/>
+            <a:endParaRPr lang="fr-FR" dirty="0"/>
           </a:p>
           <a:p>
             <a:endParaRPr lang="fr-FR" dirty="0"/>
@@ -5575,7 +5449,7 @@
     </p:spTree>
     <p:extLst>
       <p:ext uri="{BB962C8B-B14F-4D97-AF65-F5344CB8AC3E}">
-        <p14:creationId xmlns:p14="http://schemas.microsoft.com/office/powerpoint/2010/main" val="2894775755"/>
+        <p14:creationId xmlns:p14="http://schemas.microsoft.com/office/powerpoint/2010/main" val="2130078548"/>
       </p:ext>
     </p:extLst>
   </p:cSld>
@@ -5619,8 +5493,13 @@
           <a:p>
             <a:r>
               <a:rPr lang="fr-FR" dirty="0"/>
-              <a:t>Exemple</a:t>
-            </a:r>
+              <a:t>Importance </a:t>
+            </a:r>
+            <a:r>
+              <a:rPr lang="fr-FR" dirty="0" err="1"/>
+              <a:t>Feature</a:t>
+            </a:r>
+            <a:endParaRPr lang="fr-FR" dirty="0"/>
           </a:p>
         </p:txBody>
       </p:sp>
@@ -5640,49 +5519,27 @@
           <a:lstStyle/>
           <a:p>
             <a:r>
-              <a:rPr lang="fr-FR" sz="2400" dirty="0"/>
-              <a:t>Imaginez que vous voulez créer un algorithme de détection de fraudes bancaires</a:t>
+              <a:rPr lang="fr-FR" dirty="0" err="1"/>
+              <a:t>forest.feature_importances</a:t>
+            </a:r>
+            <a:r>
+              <a:rPr lang="fr-FR" dirty="0"/>
+              <a:t>_</a:t>
             </a:r>
           </a:p>
           <a:p>
             <a:pPr lvl="1"/>
             <a:r>
-              <a:rPr lang="fr-FR" sz="2000" dirty="0"/>
-              <a:t>Vous voulez mesurer à quel point votre programme est performant</a:t>
-            </a:r>
-          </a:p>
-          <a:p>
-            <a:r>
-              <a:rPr lang="fr-FR" sz="2400" dirty="0"/>
-              <a:t>Une manière de faire serait de mesurer la proportion totale de transaction détectées comme fraude</a:t>
-            </a:r>
-          </a:p>
-          <a:p>
-            <a:pPr lvl="1"/>
-            <a:r>
-              <a:rPr lang="fr-FR" sz="2000" dirty="0"/>
-              <a:t>Cependant, on compte ici les transactions qui ne sont pas des fraudes et qui ont quand même été notées comme en étant (appelé "faux positifs")</a:t>
-            </a:r>
-          </a:p>
-          <a:p>
-            <a:pPr lvl="1"/>
-            <a:r>
-              <a:rPr lang="fr-FR" sz="2000" dirty="0"/>
-              <a:t>Donc, avec ce genre de métriques, on est pas exigeant sur ce type d'erreur que produit notre algorithme</a:t>
-            </a:r>
-          </a:p>
-          <a:p>
-            <a:r>
-              <a:rPr lang="fr-FR" sz="2400" dirty="0"/>
-              <a:t>Il faut peut être, utiliser une autre métrique plus pertinente. Par exemple, la précision qui est la proportion de "vraies fraudes" détectées par rapport au total de transactions </a:t>
-            </a:r>
-            <a:r>
-              <a:rPr lang="fr-FR" sz="2400" dirty="0" err="1"/>
-              <a:t>flagées</a:t>
-            </a:r>
-            <a:r>
-              <a:rPr lang="fr-FR" sz="2400" dirty="0"/>
-              <a:t> comme fraudes</a:t>
+              <a:rPr lang="fr-FR" dirty="0"/>
+              <a:t>Permet de donner pour chaque </a:t>
+            </a:r>
+            <a:r>
+              <a:rPr lang="fr-FR" dirty="0" err="1"/>
+              <a:t>feature</a:t>
+            </a:r>
+            <a:r>
+              <a:rPr lang="fr-FR" dirty="0"/>
+              <a:t> son importance sur 1</a:t>
             </a:r>
           </a:p>
         </p:txBody>
@@ -5690,7 +5547,7 @@
     </p:spTree>
     <p:extLst>
       <p:ext uri="{BB962C8B-B14F-4D97-AF65-F5344CB8AC3E}">
-        <p14:creationId xmlns:p14="http://schemas.microsoft.com/office/powerpoint/2010/main" val="143823929"/>
+        <p14:creationId xmlns:p14="http://schemas.microsoft.com/office/powerpoint/2010/main" val="3660286143"/>
       </p:ext>
     </p:extLst>
   </p:cSld>
@@ -5733,8 +5590,8 @@
           <a:lstStyle/>
           <a:p>
             <a:r>
-              <a:rPr lang="fr-FR" dirty="0"/>
-              <a:t>Autre exemple</a:t>
+              <a:rPr lang="fr-FR"/>
+              <a:t>Neurone</a:t>
             </a:r>
           </a:p>
         </p:txBody>
@@ -5756,21 +5613,24 @@
           <a:p>
             <a:r>
               <a:rPr lang="fr-FR" dirty="0"/>
-              <a:t>Dans la détection de maladie comme la méningite le nombre de faux positif n’est pas très important</a:t>
-            </a:r>
-          </a:p>
-          <a:p>
-            <a:r>
-              <a:rPr lang="fr-FR" dirty="0"/>
-              <a:t>Alors que le nombre de faux négatif est potentiellement mortel</a:t>
-            </a:r>
+              <a:t>En biologie un neurone est une cellule connectée à d’autre neurones qui a la faculté de laisser passer ou non un courant électrique</a:t>
+            </a:r>
+          </a:p>
+          <a:p>
+            <a:r>
+              <a:rPr lang="fr-FR" dirty="0"/>
+              <a:t>Sa modélisation mathématique est appelée perceptron</a:t>
+            </a:r>
+          </a:p>
+          <a:p>
+            <a:endParaRPr lang="fr-FR" dirty="0"/>
           </a:p>
         </p:txBody>
       </p:sp>
     </p:spTree>
     <p:extLst>
       <p:ext uri="{BB962C8B-B14F-4D97-AF65-F5344CB8AC3E}">
-        <p14:creationId xmlns:p14="http://schemas.microsoft.com/office/powerpoint/2010/main" val="2895228986"/>
+        <p14:creationId xmlns:p14="http://schemas.microsoft.com/office/powerpoint/2010/main" val="1551540444"/>
       </p:ext>
     </p:extLst>
   </p:cSld>
@@ -5814,7 +5674,7 @@
           <a:p>
             <a:r>
               <a:rPr lang="fr-FR" dirty="0"/>
-              <a:t>Problème de la recommandation</a:t>
+              <a:t>Exemple simple</a:t>
             </a:r>
           </a:p>
         </p:txBody>
@@ -5835,90 +5695,131 @@
           <a:lstStyle/>
           <a:p>
             <a:r>
-              <a:rPr lang="fr-FR" sz="2400" dirty="0"/>
-              <a:t>La recommandation est une problématique qui revient très souvent pour les data </a:t>
-            </a:r>
-            <a:r>
-              <a:rPr lang="fr-FR" sz="2400" dirty="0" err="1"/>
-              <a:t>scientists</a:t>
-            </a:r>
-            <a:endParaRPr lang="fr-FR" sz="2400" dirty="0"/>
-          </a:p>
-          <a:p>
-            <a:r>
-              <a:rPr lang="fr-FR" sz="2400" dirty="0"/>
-              <a:t>Suggérer d'autres produits à acheter sur Amazon, des films à regarder sur </a:t>
-            </a:r>
-            <a:r>
-              <a:rPr lang="fr-FR" sz="2400" dirty="0" err="1"/>
-              <a:t>Netflix</a:t>
-            </a:r>
-            <a:r>
-              <a:rPr lang="fr-FR" sz="2400" dirty="0"/>
-              <a:t>, des musiques à écouter sur </a:t>
-            </a:r>
-            <a:r>
-              <a:rPr lang="fr-FR" sz="2400" dirty="0" err="1"/>
-              <a:t>Spotify</a:t>
-            </a:r>
-            <a:r>
-              <a:rPr lang="fr-FR" sz="2400" dirty="0"/>
-              <a:t>, </a:t>
-            </a:r>
-            <a:r>
-              <a:rPr lang="fr-FR" sz="2400" dirty="0" err="1"/>
-              <a:t>etc</a:t>
-            </a:r>
-            <a:endParaRPr lang="fr-FR" sz="2400" dirty="0"/>
+              <a:rPr lang="fr-FR" dirty="0"/>
+              <a:t>Réseau (2,2,2)</a:t>
+            </a:r>
           </a:p>
           <a:p>
             <a:pPr lvl="1"/>
             <a:r>
-              <a:rPr lang="fr-FR" sz="2000" dirty="0"/>
-              <a:t>La recommandation </a:t>
-            </a:r>
-            <a:r>
-              <a:rPr lang="fr-FR" sz="2000" dirty="0" err="1"/>
-              <a:t>Spotify</a:t>
-            </a:r>
-            <a:r>
-              <a:rPr lang="fr-FR" sz="2000" dirty="0"/>
-              <a:t> est en Python</a:t>
-            </a:r>
-          </a:p>
-          <a:p>
-            <a:r>
-              <a:rPr lang="fr-FR" sz="2400" dirty="0"/>
-              <a:t>Mais du coup c'est de la classification ? de la régression ? supervisé ? non-supervisé ?</a:t>
-            </a:r>
-          </a:p>
-          <a:p>
-            <a:r>
-              <a:rPr lang="fr-FR" sz="2400" dirty="0"/>
-              <a:t> Une technique largement répandue est le "collaborative </a:t>
-            </a:r>
-            <a:r>
-              <a:rPr lang="fr-FR" sz="2400" dirty="0" err="1"/>
-              <a:t>filtering</a:t>
-            </a:r>
-            <a:r>
-              <a:rPr lang="fr-FR" sz="2400" dirty="0"/>
-              <a:t>", qui se base sur des similarités</a:t>
+              <a:rPr lang="fr-FR" dirty="0"/>
+              <a:t>2 inputs</a:t>
             </a:r>
           </a:p>
           <a:p>
             <a:pPr lvl="1"/>
             <a:r>
-              <a:rPr lang="fr-FR" sz="2000" dirty="0"/>
-              <a:t>c'est un problème non-supervisé</a:t>
-            </a:r>
-          </a:p>
-        </p:txBody>
-      </p:sp>
+              <a:rPr lang="fr-FR" dirty="0"/>
+              <a:t>2 </a:t>
+            </a:r>
+            <a:r>
+              <a:rPr lang="fr-FR" dirty="0" err="1"/>
+              <a:t>hiddens</a:t>
+            </a:r>
+            <a:endParaRPr lang="fr-FR" dirty="0"/>
+          </a:p>
+          <a:p>
+            <a:pPr lvl="1"/>
+            <a:r>
+              <a:rPr lang="fr-FR" dirty="0"/>
+              <a:t>2 outputs</a:t>
+            </a:r>
+          </a:p>
+          <a:p>
+            <a:r>
+              <a:rPr lang="fr-FR" dirty="0"/>
+              <a:t>Input [0.05, 0.1]</a:t>
+            </a:r>
+          </a:p>
+          <a:p>
+            <a:r>
+              <a:rPr lang="fr-FR" dirty="0"/>
+              <a:t>Output </a:t>
+            </a:r>
+            <a:r>
+              <a:rPr lang="fr-FR" dirty="0" err="1"/>
+              <a:t>target</a:t>
+            </a:r>
+            <a:r>
+              <a:rPr lang="fr-FR" dirty="0"/>
+              <a:t> [0.01, 0.99]</a:t>
+            </a:r>
+          </a:p>
+          <a:p>
+            <a:r>
+              <a:rPr lang="fr-FR" dirty="0" err="1"/>
+              <a:t>wx</a:t>
+            </a:r>
+            <a:r>
+              <a:rPr lang="fr-FR" dirty="0"/>
+              <a:t> = Poids</a:t>
+            </a:r>
+          </a:p>
+          <a:p>
+            <a:r>
+              <a:rPr lang="fr-FR" dirty="0" err="1"/>
+              <a:t>bx</a:t>
+            </a:r>
+            <a:r>
+              <a:rPr lang="fr-FR" dirty="0"/>
+              <a:t> = </a:t>
+            </a:r>
+            <a:r>
+              <a:rPr lang="fr-FR" dirty="0" err="1"/>
+              <a:t>Bias</a:t>
+            </a:r>
+            <a:r>
+              <a:rPr lang="fr-FR" dirty="0"/>
+              <a:t> (seuils)</a:t>
+            </a:r>
+          </a:p>
+        </p:txBody>
+      </p:sp>
+      <p:pic>
+        <p:nvPicPr>
+          <p:cNvPr id="1028" name="Picture 4" descr="neural_network (9)"/>
+          <p:cNvPicPr>
+            <a:picLocks noChangeAspect="1" noChangeArrowheads="1"/>
+          </p:cNvPicPr>
+          <p:nvPr/>
+        </p:nvPicPr>
+        <p:blipFill>
+          <a:blip r:embed="rId2">
+            <a:extLst>
+              <a:ext uri="{28A0092B-C50C-407E-A947-70E740481C1C}">
+                <a14:useLocalDpi xmlns:a14="http://schemas.microsoft.com/office/drawing/2010/main" val="0"/>
+              </a:ext>
+            </a:extLst>
+          </a:blip>
+          <a:srcRect/>
+          <a:stretch>
+            <a:fillRect/>
+          </a:stretch>
+        </p:blipFill>
+        <p:spPr bwMode="auto">
+          <a:xfrm>
+            <a:off x="4562537" y="1556792"/>
+            <a:ext cx="4152900" cy="3533776"/>
+          </a:xfrm>
+          <a:prstGeom prst="rect">
+            <a:avLst/>
+          </a:prstGeom>
+          <a:noFill/>
+          <a:extLst>
+            <a:ext uri="{909E8E84-426E-40DD-AFC4-6F175D3DCCD1}">
+              <a14:hiddenFill xmlns:a14="http://schemas.microsoft.com/office/drawing/2010/main">
+                <a:solidFill>
+                  <a:srgbClr val="FFFFFF"/>
+                </a:solidFill>
+              </a14:hiddenFill>
+            </a:ext>
+          </a:extLst>
+        </p:spPr>
+      </p:pic>
     </p:spTree>
     <p:extLst>
       <p:ext uri="{BB962C8B-B14F-4D97-AF65-F5344CB8AC3E}">
-        <p14:creationId xmlns:p14="http://schemas.microsoft.com/office/powerpoint/2010/main" val="4087256749"/>
+        <p14:creationId xmlns:p14="http://schemas.microsoft.com/office/powerpoint/2010/main" val="113919645"/>
       </p:ext>
     </p:extLst>
   </p:cSld>
@@ -5961,12 +5862,8 @@
           <a:lstStyle/>
           <a:p>
             <a:r>
-              <a:rPr lang="fr-FR" dirty="0"/>
-              <a:t>Démarrer le machine </a:t>
-            </a:r>
-            <a:r>
               <a:rPr lang="fr-FR" dirty="0" err="1"/>
-              <a:t>learning</a:t>
+              <a:t>Backpropagation</a:t>
             </a:r>
             <a:endParaRPr lang="fr-FR" dirty="0"/>
           </a:p>
@@ -5989,112 +5886,40 @@
           <a:p>
             <a:r>
               <a:rPr lang="fr-FR" dirty="0"/>
-              <a:t>Nous avons un </a:t>
-            </a:r>
-            <a:r>
-              <a:rPr lang="fr-FR" dirty="0" err="1"/>
-              <a:t>datalake</a:t>
-            </a:r>
+              <a:t>Les réseaux de neurones sont souvent supervisé</a:t>
+            </a:r>
+          </a:p>
+          <a:p>
+            <a:pPr lvl="1"/>
+            <a:r>
+              <a:rPr lang="fr-FR" dirty="0"/>
+              <a:t>Présence d’un feedback pour indiquer si le calcul est bon</a:t>
+            </a:r>
+          </a:p>
+          <a:p>
+            <a:r>
+              <a:rPr lang="fr-FR" dirty="0"/>
+              <a:t>Si le feedback est bon, le neurone se fige un peu plus</a:t>
+            </a:r>
+          </a:p>
+          <a:p>
+            <a:r>
+              <a:rPr lang="fr-FR" dirty="0"/>
+              <a:t>Sinon, le seuil et les poids changent un peu</a:t>
+            </a:r>
+          </a:p>
+          <a:p>
             <a:endParaRPr lang="fr-FR" dirty="0"/>
           </a:p>
           <a:p>
-            <a:r>
-              <a:rPr lang="fr-FR" dirty="0"/>
-              <a:t>Nous avons le </a:t>
-            </a:r>
-            <a:r>
-              <a:rPr lang="fr-FR" dirty="0" err="1"/>
-              <a:t>datamart</a:t>
-            </a:r>
-            <a:r>
-              <a:rPr lang="fr-FR" dirty="0"/>
-              <a:t> structuré et nettoyé</a:t>
-            </a:r>
-          </a:p>
-          <a:p>
-            <a:r>
-              <a:rPr lang="fr-FR" dirty="0"/>
-              <a:t>L’objectif du machine </a:t>
-            </a:r>
-            <a:r>
-              <a:rPr lang="fr-FR" dirty="0" err="1"/>
-              <a:t>learning</a:t>
-            </a:r>
-            <a:r>
-              <a:rPr lang="fr-FR" dirty="0"/>
-              <a:t> est de trouver un modèle qui effectue une approximation de la réalité, à l’aide de laquelle on va pouvoir effectuer des prédictions</a:t>
-            </a:r>
-          </a:p>
-          <a:p>
-            <a:r>
-              <a:rPr lang="fr-FR" dirty="0"/>
-              <a:t>DATA = Model + Bruit</a:t>
-            </a:r>
-          </a:p>
-          <a:p>
-            <a:pPr lvl="1"/>
-            <a:r>
-              <a:rPr lang="fr-FR" dirty="0"/>
-              <a:t>Model = cercle</a:t>
-            </a:r>
-          </a:p>
-          <a:p>
-            <a:pPr lvl="1"/>
-            <a:r>
-              <a:rPr lang="fr-FR" dirty="0"/>
-              <a:t>Bruit = écart data réelle vs cercle</a:t>
-            </a:r>
-          </a:p>
-          <a:p>
             <a:endParaRPr lang="fr-FR" dirty="0"/>
           </a:p>
         </p:txBody>
       </p:sp>
-      <p:pic>
-        <p:nvPicPr>
-          <p:cNvPr id="5122" name="Picture 2" descr="Ici on voit facilement qu'on peut approximer le modèle à l'origine des données par un cercle"/>
-          <p:cNvPicPr>
-            <a:picLocks noChangeAspect="1" noChangeArrowheads="1"/>
-          </p:cNvPicPr>
-          <p:nvPr/>
-        </p:nvPicPr>
-        <p:blipFill>
-          <a:blip r:embed="rId2">
-            <a:extLst>
-              <a:ext uri="{28A0092B-C50C-407E-A947-70E740481C1C}">
-                <a14:useLocalDpi xmlns:a14="http://schemas.microsoft.com/office/drawing/2010/main" val="0"/>
-              </a:ext>
-            </a:extLst>
-          </a:blip>
-          <a:srcRect/>
-          <a:stretch>
-            <a:fillRect/>
-          </a:stretch>
-        </p:blipFill>
-        <p:spPr bwMode="auto">
-          <a:xfrm>
-            <a:off x="5436096" y="3753747"/>
-            <a:ext cx="3096344" cy="2956156"/>
-          </a:xfrm>
-          <a:prstGeom prst="rect">
-            <a:avLst/>
-          </a:prstGeom>
-          <a:noFill/>
-          <a:extLst>
-            <a:ext uri="{909E8E84-426E-40DD-AFC4-6F175D3DCCD1}">
-              <a14:hiddenFill xmlns:a14="http://schemas.microsoft.com/office/drawing/2010/main">
-                <a:solidFill>
-                  <a:srgbClr val="FFFFFF"/>
-                </a:solidFill>
-              </a14:hiddenFill>
-            </a:ext>
-          </a:extLst>
-        </p:spPr>
-      </p:pic>
     </p:spTree>
     <p:extLst>
       <p:ext uri="{BB962C8B-B14F-4D97-AF65-F5344CB8AC3E}">
-        <p14:creationId xmlns:p14="http://schemas.microsoft.com/office/powerpoint/2010/main" val="969752323"/>
+        <p14:creationId xmlns:p14="http://schemas.microsoft.com/office/powerpoint/2010/main" val="1210553398"/>
       </p:ext>
     </p:extLst>
   </p:cSld>
@@ -6138,52 +5963,59 @@
           <a:p>
             <a:r>
               <a:rPr lang="fr-FR" dirty="0" err="1"/>
-              <a:t>Loss</a:t>
+              <a:t>Backpropagation</a:t>
             </a:r>
             <a:endParaRPr lang="fr-FR" dirty="0"/>
           </a:p>
         </p:txBody>
       </p:sp>
-      <p:sp>
-        <p:nvSpPr>
-          <p:cNvPr id="3" name="Espace réservé du contenu 2"/>
-          <p:cNvSpPr>
-            <a:spLocks noGrp="1"/>
-          </p:cNvSpPr>
+      <p:pic>
+        <p:nvPicPr>
+          <p:cNvPr id="4098" name="Picture 2" descr="https://dpzbhybb2pdcj.cloudfront.net/allaire/Figures/01fig09.jpg"/>
+          <p:cNvPicPr>
+            <a:picLocks noGrp="1" noChangeAspect="1" noChangeArrowheads="1"/>
+          </p:cNvPicPr>
           <p:nvPr>
             <p:ph idx="1"/>
           </p:nvPr>
-        </p:nvSpPr>
-        <p:spPr/>
-        <p:txBody>
-          <a:bodyPr/>
-          <a:lstStyle/>
-          <a:p>
-            <a:r>
-              <a:rPr lang="fr-FR" dirty="0"/>
-              <a:t>En apprentissage supervisé, la notion principale est celle de perte d’information (</a:t>
-            </a:r>
-            <a:r>
-              <a:rPr lang="fr-FR" dirty="0" err="1"/>
-              <a:t>loss</a:t>
-            </a:r>
-            <a:r>
-              <a:rPr lang="fr-FR" dirty="0"/>
-              <a:t> en anglais) due à l'approximation du modèle</a:t>
-            </a:r>
-          </a:p>
-          <a:p>
-            <a:r>
-              <a:rPr lang="fr-FR" dirty="0"/>
-              <a:t>Elle détermine à quel point notre modélisation du phénomène, qui est une approximation de la réalité (régression), perd de l’information par rapport à la réalité observée à travers les données d’exemple</a:t>
-            </a:r>
-          </a:p>
-        </p:txBody>
-      </p:sp>
+        </p:nvPicPr>
+        <p:blipFill>
+          <a:blip r:embed="rId2">
+            <a:extLst>
+              <a:ext uri="{28A0092B-C50C-407E-A947-70E740481C1C}">
+                <a14:useLocalDpi xmlns:a14="http://schemas.microsoft.com/office/drawing/2010/main" val="0"/>
+              </a:ext>
+            </a:extLst>
+          </a:blip>
+          <a:srcRect/>
+          <a:stretch>
+            <a:fillRect/>
+          </a:stretch>
+        </p:blipFill>
+        <p:spPr bwMode="auto">
+          <a:xfrm>
+            <a:off x="2798341" y="1772816"/>
+            <a:ext cx="4608512" cy="3657214"/>
+          </a:xfrm>
+          <a:prstGeom prst="rect">
+            <a:avLst/>
+          </a:prstGeom>
+          <a:noFill/>
+          <a:extLst>
+            <a:ext uri="{909E8E84-426E-40DD-AFC4-6F175D3DCCD1}">
+              <a14:hiddenFill xmlns:a14="http://schemas.microsoft.com/office/drawing/2010/main">
+                <a:solidFill>
+                  <a:srgbClr val="FFFFFF"/>
+                </a:solidFill>
+              </a14:hiddenFill>
+            </a:ext>
+          </a:extLst>
+        </p:spPr>
+      </p:pic>
     </p:spTree>
     <p:extLst>
       <p:ext uri="{BB962C8B-B14F-4D97-AF65-F5344CB8AC3E}">
-        <p14:creationId xmlns:p14="http://schemas.microsoft.com/office/powerpoint/2010/main" val="3147564616"/>
+        <p14:creationId xmlns:p14="http://schemas.microsoft.com/office/powerpoint/2010/main" val="338348278"/>
       </p:ext>
     </p:extLst>
   </p:cSld>
@@ -6226,12 +6058,8 @@
           <a:lstStyle/>
           <a:p>
             <a:r>
-              <a:rPr lang="fr-FR" altLang="fr-FR" dirty="0" err="1"/>
-              <a:t>Nearest</a:t>
-            </a:r>
-            <a:r>
-              <a:rPr lang="fr-FR" altLang="fr-FR" dirty="0"/>
-              <a:t> Neighbors</a:t>
+              <a:rPr lang="fr-FR"/>
+              <a:t>MLPClassifier</a:t>
             </a:r>
             <a:endParaRPr lang="fr-FR" dirty="0"/>
           </a:p>
@@ -6254,39 +6082,155 @@
           <a:p>
             <a:r>
               <a:rPr lang="fr-FR" dirty="0"/>
-              <a:t>Le k-NN est le diminutif de k </a:t>
-            </a:r>
+              <a:t>Multi Layer Perceptron Classifier</a:t>
+            </a:r>
+          </a:p>
+          <a:p>
             <a:r>
               <a:rPr lang="fr-FR" dirty="0" err="1"/>
-              <a:t>Nearest</a:t>
-            </a:r>
-            <a:r>
-              <a:rPr lang="fr-FR" dirty="0"/>
-              <a:t> Neighbors</a:t>
-            </a:r>
-          </a:p>
-          <a:p>
-            <a:r>
-              <a:rPr lang="fr-FR" dirty="0"/>
-              <a:t>C’est un algorithme qui peut servir autant pour la classification que la régression</a:t>
-            </a:r>
-          </a:p>
-          <a:p>
-            <a:r>
-              <a:rPr lang="fr-FR" dirty="0"/>
-              <a:t>Son principe est de choisir les k données les plus proches du point étudié afin d’en prédire sa valeur</a:t>
-            </a:r>
+              <a:t>Hidden_layer_size</a:t>
+            </a:r>
+            <a:endParaRPr lang="fr-FR" dirty="0"/>
           </a:p>
           <a:p>
             <a:pPr lvl="1"/>
-            <a:endParaRPr lang="fr-FR" dirty="0"/>
-          </a:p>
-        </p:txBody>
-      </p:sp>
+            <a:r>
+              <a:rPr lang="fr-FR" dirty="0"/>
+              <a:t>nombre de perceptron par couche</a:t>
+            </a:r>
+          </a:p>
+          <a:p>
+            <a:pPr lvl="1"/>
+            <a:r>
+              <a:rPr lang="fr-FR" dirty="0"/>
+              <a:t>(30,30,30) : trois couches de 30 perceptrons</a:t>
+            </a:r>
+          </a:p>
+          <a:p>
+            <a:r>
+              <a:rPr lang="fr-FR" dirty="0"/>
+              <a:t>Activation</a:t>
+            </a:r>
+          </a:p>
+          <a:p>
+            <a:pPr lvl="1"/>
+            <a:r>
+              <a:rPr lang="fr-FR" dirty="0"/>
+              <a:t>Fonction d’activation</a:t>
+            </a:r>
+          </a:p>
+          <a:p>
+            <a:pPr lvl="1"/>
+            <a:r>
+              <a:rPr lang="fr-FR" dirty="0" err="1"/>
+              <a:t>Logistic</a:t>
+            </a:r>
+            <a:r>
+              <a:rPr lang="fr-FR" dirty="0"/>
+              <a:t> : </a:t>
+            </a:r>
+            <a:r>
+              <a:rPr lang="fr-FR" dirty="0" err="1"/>
+              <a:t>sigmoide</a:t>
+            </a:r>
+            <a:r>
+              <a:rPr lang="fr-FR" dirty="0"/>
+              <a:t> bien répartie mais couteuse : </a:t>
+            </a:r>
+            <a:r>
+              <a:rPr lang="fr-FR" sz="2200" dirty="0"/>
+              <a:t>f(x) = 1/1+exp(-x))</a:t>
+            </a:r>
+          </a:p>
+          <a:p>
+            <a:pPr lvl="1"/>
+            <a:r>
+              <a:rPr lang="fr-FR" dirty="0" err="1"/>
+              <a:t>Tanh</a:t>
+            </a:r>
+            <a:r>
+              <a:rPr lang="fr-FR" dirty="0"/>
+              <a:t> : </a:t>
+            </a:r>
+            <a:r>
+              <a:rPr lang="fr-FR" dirty="0" err="1"/>
+              <a:t>sigmoide</a:t>
+            </a:r>
+            <a:r>
+              <a:rPr lang="fr-FR" dirty="0"/>
+              <a:t> </a:t>
+            </a:r>
+            <a:r>
+              <a:rPr lang="fr-FR" dirty="0" err="1"/>
+              <a:t>simplifée</a:t>
+            </a:r>
+            <a:r>
+              <a:rPr lang="fr-FR" dirty="0"/>
+              <a:t> : f(x) = </a:t>
+            </a:r>
+            <a:r>
+              <a:rPr lang="fr-FR" dirty="0" err="1"/>
+              <a:t>tanh</a:t>
+            </a:r>
+            <a:r>
+              <a:rPr lang="fr-FR" dirty="0"/>
+              <a:t>(x)</a:t>
+            </a:r>
+          </a:p>
+          <a:p>
+            <a:pPr lvl="1"/>
+            <a:r>
+              <a:rPr lang="fr-FR" dirty="0"/>
+              <a:t>Relu (par défaut) : f(x) = max (0, x) rapide mais ne permet pas de tout faire </a:t>
+            </a:r>
+          </a:p>
+        </p:txBody>
+      </p:sp>
+      <p:pic>
+        <p:nvPicPr>
+          <p:cNvPr id="2050" name="Picture 2" descr="Résultat de recherche d'images pour &quot;sigmoide&quot;"/>
+          <p:cNvPicPr>
+            <a:picLocks noChangeAspect="1" noChangeArrowheads="1"/>
+          </p:cNvPicPr>
+          <p:nvPr/>
+        </p:nvPicPr>
+        <p:blipFill>
+          <a:blip r:embed="rId2">
+            <a:extLst>
+              <a:ext uri="{28A0092B-C50C-407E-A947-70E740481C1C}">
+                <a14:useLocalDpi xmlns:a14="http://schemas.microsoft.com/office/drawing/2010/main" val="0"/>
+              </a:ext>
+            </a:extLst>
+          </a:blip>
+          <a:srcRect/>
+          <a:stretch>
+            <a:fillRect/>
+          </a:stretch>
+        </p:blipFill>
+        <p:spPr bwMode="auto">
+          <a:xfrm>
+            <a:off x="7337450" y="2636912"/>
+            <a:ext cx="1680121" cy="1680122"/>
+          </a:xfrm>
+          <a:prstGeom prst="rect">
+            <a:avLst/>
+          </a:prstGeom>
+          <a:noFill/>
+          <a:extLst>
+            <a:ext uri="{909E8E84-426E-40DD-AFC4-6F175D3DCCD1}">
+              <a14:hiddenFill xmlns:a14="http://schemas.microsoft.com/office/drawing/2010/main">
+                <a:solidFill>
+                  <a:srgbClr val="FFFFFF"/>
+                </a:solidFill>
+              </a14:hiddenFill>
+            </a:ext>
+          </a:extLst>
+        </p:spPr>
+      </p:pic>
     </p:spTree>
     <p:extLst>
       <p:ext uri="{BB962C8B-B14F-4D97-AF65-F5344CB8AC3E}">
-        <p14:creationId xmlns:p14="http://schemas.microsoft.com/office/powerpoint/2010/main" val="2921624976"/>
+        <p14:creationId xmlns:p14="http://schemas.microsoft.com/office/powerpoint/2010/main" val="1573822535"/>
       </p:ext>
     </p:extLst>
   </p:cSld>
@@ -6535,2701 +6479,6 @@
           <a:lstStyle/>
           <a:p>
             <a:r>
-              <a:rPr lang="fr-FR" dirty="0"/>
-              <a:t>Explication</a:t>
-            </a:r>
-          </a:p>
-        </p:txBody>
-      </p:sp>
-      <p:sp>
-        <p:nvSpPr>
-          <p:cNvPr id="3" name="Espace réservé du contenu 2"/>
-          <p:cNvSpPr>
-            <a:spLocks noGrp="1"/>
-          </p:cNvSpPr>
-          <p:nvPr>
-            <p:ph idx="1"/>
-          </p:nvPr>
-        </p:nvSpPr>
-        <p:spPr/>
-        <p:txBody>
-          <a:bodyPr/>
-          <a:lstStyle/>
-          <a:p>
-            <a:r>
-              <a:rPr lang="fr-FR" dirty="0"/>
-              <a:t>Quelle est la classe de la nouvelle données (en blanc) ?</a:t>
-            </a:r>
-          </a:p>
-          <a:p>
-            <a:pPr marL="0" indent="0">
-              <a:buNone/>
-            </a:pPr>
-            <a:endParaRPr lang="fr-FR" dirty="0"/>
-          </a:p>
-          <a:p>
-            <a:endParaRPr lang="fr-FR" dirty="0"/>
-          </a:p>
-        </p:txBody>
-      </p:sp>
-      <p:pic>
-        <p:nvPicPr>
-          <p:cNvPr id="1028" name="Picture 4" descr="le point blanc est une nouvelle entrée"/>
-          <p:cNvPicPr>
-            <a:picLocks noChangeAspect="1" noChangeArrowheads="1"/>
-          </p:cNvPicPr>
-          <p:nvPr/>
-        </p:nvPicPr>
-        <p:blipFill>
-          <a:blip r:embed="rId2">
-            <a:extLst>
-              <a:ext uri="{28A0092B-C50C-407E-A947-70E740481C1C}">
-                <a14:useLocalDpi xmlns:a14="http://schemas.microsoft.com/office/drawing/2010/main" val="0"/>
-              </a:ext>
-            </a:extLst>
-          </a:blip>
-          <a:srcRect/>
-          <a:stretch>
-            <a:fillRect/>
-          </a:stretch>
-        </p:blipFill>
-        <p:spPr bwMode="auto">
-          <a:xfrm>
-            <a:off x="2411760" y="2276872"/>
-            <a:ext cx="5112568" cy="3507222"/>
-          </a:xfrm>
-          <a:prstGeom prst="rect">
-            <a:avLst/>
-          </a:prstGeom>
-          <a:noFill/>
-          <a:extLst>
-            <a:ext uri="{909E8E84-426E-40DD-AFC4-6F175D3DCCD1}">
-              <a14:hiddenFill xmlns:a14="http://schemas.microsoft.com/office/drawing/2010/main">
-                <a:solidFill>
-                  <a:srgbClr val="FFFFFF"/>
-                </a:solidFill>
-              </a14:hiddenFill>
-            </a:ext>
-          </a:extLst>
-        </p:spPr>
-      </p:pic>
-    </p:spTree>
-    <p:extLst>
-      <p:ext uri="{BB962C8B-B14F-4D97-AF65-F5344CB8AC3E}">
-        <p14:creationId xmlns:p14="http://schemas.microsoft.com/office/powerpoint/2010/main" val="1878733558"/>
-      </p:ext>
-    </p:extLst>
-  </p:cSld>
-  <p:clrMapOvr>
-    <a:masterClrMapping/>
-  </p:clrMapOvr>
-</p:sld>
-</file>
-
-<file path=ppt/slides/slide31.xml><?xml version="1.0" encoding="utf-8"?>
-<p:sld xmlns:a="http://schemas.openxmlformats.org/drawingml/2006/main" xmlns:r="http://schemas.openxmlformats.org/officeDocument/2006/relationships" xmlns:p="http://schemas.openxmlformats.org/presentationml/2006/main">
-  <p:cSld>
-    <p:spTree>
-      <p:nvGrpSpPr>
-        <p:cNvPr id="1" name=""/>
-        <p:cNvGrpSpPr/>
-        <p:nvPr/>
-      </p:nvGrpSpPr>
-      <p:grpSpPr>
-        <a:xfrm>
-          <a:off x="0" y="0"/>
-          <a:ext cx="0" cy="0"/>
-          <a:chOff x="0" y="0"/>
-          <a:chExt cx="0" cy="0"/>
-        </a:xfrm>
-      </p:grpSpPr>
-      <p:sp>
-        <p:nvSpPr>
-          <p:cNvPr id="2" name="Titre 1"/>
-          <p:cNvSpPr>
-            <a:spLocks noGrp="1"/>
-          </p:cNvSpPr>
-          <p:nvPr>
-            <p:ph type="title"/>
-          </p:nvPr>
-        </p:nvSpPr>
-        <p:spPr/>
-        <p:txBody>
-          <a:bodyPr/>
-          <a:lstStyle/>
-          <a:p>
-            <a:r>
-              <a:rPr lang="fr-FR" dirty="0" err="1"/>
-              <a:t>knn</a:t>
-            </a:r>
-            <a:endParaRPr lang="fr-FR" dirty="0"/>
-          </a:p>
-        </p:txBody>
-      </p:sp>
-      <p:sp>
-        <p:nvSpPr>
-          <p:cNvPr id="3" name="Espace réservé du contenu 2"/>
-          <p:cNvSpPr>
-            <a:spLocks noGrp="1"/>
-          </p:cNvSpPr>
-          <p:nvPr>
-            <p:ph idx="1"/>
-          </p:nvPr>
-        </p:nvSpPr>
-        <p:spPr/>
-        <p:txBody>
-          <a:bodyPr/>
-          <a:lstStyle/>
-          <a:p>
-            <a:r>
-              <a:rPr lang="fr-FR" dirty="0"/>
-              <a:t>Nous allons regarder la distance avec les k voisins les plus proches</a:t>
-            </a:r>
-          </a:p>
-          <a:p>
-            <a:pPr lvl="1"/>
-            <a:r>
-              <a:rPr lang="fr-FR" dirty="0"/>
-              <a:t>Ici 5</a:t>
-            </a:r>
-          </a:p>
-          <a:p>
-            <a:pPr lvl="1"/>
-            <a:r>
-              <a:rPr lang="fr-FR" dirty="0"/>
-              <a:t>Rouge</a:t>
-            </a:r>
-          </a:p>
-        </p:txBody>
-      </p:sp>
-      <p:pic>
-        <p:nvPicPr>
-          <p:cNvPr id="2050" name="Picture 2" descr="les 5 points les plus proches du point que l'on cherche à classer"/>
-          <p:cNvPicPr>
-            <a:picLocks noChangeAspect="1" noChangeArrowheads="1"/>
-          </p:cNvPicPr>
-          <p:nvPr/>
-        </p:nvPicPr>
-        <p:blipFill>
-          <a:blip r:embed="rId2">
-            <a:extLst>
-              <a:ext uri="{28A0092B-C50C-407E-A947-70E740481C1C}">
-                <a14:useLocalDpi xmlns:a14="http://schemas.microsoft.com/office/drawing/2010/main" val="0"/>
-              </a:ext>
-            </a:extLst>
-          </a:blip>
-          <a:srcRect/>
-          <a:stretch>
-            <a:fillRect/>
-          </a:stretch>
-        </p:blipFill>
-        <p:spPr bwMode="auto">
-          <a:xfrm>
-            <a:off x="2483768" y="2564904"/>
-            <a:ext cx="5256584" cy="3606017"/>
-          </a:xfrm>
-          <a:prstGeom prst="rect">
-            <a:avLst/>
-          </a:prstGeom>
-          <a:noFill/>
-          <a:extLst>
-            <a:ext uri="{909E8E84-426E-40DD-AFC4-6F175D3DCCD1}">
-              <a14:hiddenFill xmlns:a14="http://schemas.microsoft.com/office/drawing/2010/main">
-                <a:solidFill>
-                  <a:srgbClr val="FFFFFF"/>
-                </a:solidFill>
-              </a14:hiddenFill>
-            </a:ext>
-          </a:extLst>
-        </p:spPr>
-      </p:pic>
-    </p:spTree>
-    <p:extLst>
-      <p:ext uri="{BB962C8B-B14F-4D97-AF65-F5344CB8AC3E}">
-        <p14:creationId xmlns:p14="http://schemas.microsoft.com/office/powerpoint/2010/main" val="3226535453"/>
-      </p:ext>
-    </p:extLst>
-  </p:cSld>
-  <p:clrMapOvr>
-    <a:masterClrMapping/>
-  </p:clrMapOvr>
-</p:sld>
-</file>
-
-<file path=ppt/slides/slide32.xml><?xml version="1.0" encoding="utf-8"?>
-<p:sld xmlns:a="http://schemas.openxmlformats.org/drawingml/2006/main" xmlns:r="http://schemas.openxmlformats.org/officeDocument/2006/relationships" xmlns:p="http://schemas.openxmlformats.org/presentationml/2006/main">
-  <p:cSld>
-    <p:spTree>
-      <p:nvGrpSpPr>
-        <p:cNvPr id="1" name=""/>
-        <p:cNvGrpSpPr/>
-        <p:nvPr/>
-      </p:nvGrpSpPr>
-      <p:grpSpPr>
-        <a:xfrm>
-          <a:off x="0" y="0"/>
-          <a:ext cx="0" cy="0"/>
-          <a:chOff x="0" y="0"/>
-          <a:chExt cx="0" cy="0"/>
-        </a:xfrm>
-      </p:grpSpPr>
-      <p:sp>
-        <p:nvSpPr>
-          <p:cNvPr id="2" name="Titre 1"/>
-          <p:cNvSpPr>
-            <a:spLocks noGrp="1"/>
-          </p:cNvSpPr>
-          <p:nvPr>
-            <p:ph type="title"/>
-          </p:nvPr>
-        </p:nvSpPr>
-        <p:spPr/>
-        <p:txBody>
-          <a:bodyPr/>
-          <a:lstStyle/>
-          <a:p>
-            <a:r>
-              <a:rPr lang="fr-FR" dirty="0"/>
-              <a:t>Algorithmes</a:t>
-            </a:r>
-          </a:p>
-        </p:txBody>
-      </p:sp>
-      <p:sp>
-        <p:nvSpPr>
-          <p:cNvPr id="3" name="Espace réservé du contenu 2"/>
-          <p:cNvSpPr>
-            <a:spLocks noGrp="1"/>
-          </p:cNvSpPr>
-          <p:nvPr>
-            <p:ph idx="1"/>
-          </p:nvPr>
-        </p:nvSpPr>
-        <p:spPr/>
-        <p:txBody>
-          <a:bodyPr/>
-          <a:lstStyle/>
-          <a:p>
-            <a:r>
-              <a:rPr lang="fr-FR" sz="2400" dirty="0"/>
-              <a:t>Il existe plusieurs algorithmes </a:t>
-            </a:r>
-            <a:r>
-              <a:rPr lang="fr-FR" sz="2400" dirty="0" err="1"/>
-              <a:t>knn</a:t>
-            </a:r>
-            <a:endParaRPr lang="fr-FR" sz="2400" dirty="0"/>
-          </a:p>
-          <a:p>
-            <a:r>
-              <a:rPr lang="fr-FR" sz="2400" dirty="0"/>
-              <a:t>Brute Force</a:t>
-            </a:r>
-          </a:p>
-          <a:p>
-            <a:pPr lvl="1"/>
-            <a:r>
-              <a:rPr lang="fr-FR" sz="2000" dirty="0"/>
-              <a:t>Etablit la distance entre tous les points</a:t>
-            </a:r>
-          </a:p>
-          <a:p>
-            <a:pPr lvl="1"/>
-            <a:r>
-              <a:rPr lang="fr-FR" sz="2000" dirty="0"/>
-              <a:t>Très bon, mais très couteux pour les gros </a:t>
-            </a:r>
-            <a:r>
-              <a:rPr lang="fr-FR" sz="2000" dirty="0" err="1"/>
-              <a:t>datasets</a:t>
-            </a:r>
-            <a:endParaRPr lang="fr-FR" sz="2000" dirty="0"/>
-          </a:p>
-          <a:p>
-            <a:pPr lvl="1"/>
-            <a:r>
-              <a:rPr lang="fr-FR" sz="2000" dirty="0"/>
-              <a:t>O(n²)</a:t>
-            </a:r>
-          </a:p>
-          <a:p>
-            <a:r>
-              <a:rPr lang="fr-FR" sz="2400" dirty="0" err="1"/>
-              <a:t>KDTree</a:t>
-            </a:r>
-            <a:endParaRPr lang="fr-FR" sz="2400" dirty="0"/>
-          </a:p>
-          <a:p>
-            <a:pPr lvl="1"/>
-            <a:r>
-              <a:rPr lang="fr-FR" sz="2000" dirty="0"/>
-              <a:t>Elimine des distances</a:t>
-            </a:r>
-          </a:p>
-          <a:p>
-            <a:pPr lvl="1"/>
-            <a:r>
-              <a:rPr lang="fr-FR" sz="2000" dirty="0"/>
-              <a:t>Si A est loin de B et B proche de C alors A est loin de C</a:t>
-            </a:r>
-          </a:p>
-          <a:p>
-            <a:pPr lvl="1"/>
-            <a:r>
-              <a:rPr lang="fr-FR" sz="2000" dirty="0"/>
-              <a:t>O(n.log(n))</a:t>
-            </a:r>
-          </a:p>
-          <a:p>
-            <a:r>
-              <a:rPr lang="fr-FR" sz="2400" dirty="0" err="1"/>
-              <a:t>BallTree</a:t>
-            </a:r>
-            <a:endParaRPr lang="fr-FR" sz="2400" dirty="0"/>
-          </a:p>
-          <a:p>
-            <a:pPr lvl="1"/>
-            <a:r>
-              <a:rPr lang="fr-FR" sz="2000" dirty="0"/>
-              <a:t>Sépare les données en partitions</a:t>
-            </a:r>
-          </a:p>
-          <a:p>
-            <a:pPr lvl="1"/>
-            <a:r>
-              <a:rPr lang="fr-FR" sz="2000" dirty="0"/>
-              <a:t>Peut être très efficace ou très inefficace</a:t>
-            </a:r>
-          </a:p>
-          <a:p>
-            <a:r>
-              <a:rPr lang="fr-FR" sz="2400" dirty="0"/>
-              <a:t>Par défaut </a:t>
-            </a:r>
-            <a:r>
-              <a:rPr lang="fr-FR" sz="2400" dirty="0" err="1"/>
-              <a:t>sklearn</a:t>
-            </a:r>
-            <a:r>
-              <a:rPr lang="fr-FR" sz="2400" dirty="0"/>
-              <a:t> essaie de choisir le meilleur</a:t>
-            </a:r>
-          </a:p>
-        </p:txBody>
-      </p:sp>
-    </p:spTree>
-    <p:extLst>
-      <p:ext uri="{BB962C8B-B14F-4D97-AF65-F5344CB8AC3E}">
-        <p14:creationId xmlns:p14="http://schemas.microsoft.com/office/powerpoint/2010/main" val="1020297901"/>
-      </p:ext>
-    </p:extLst>
-  </p:cSld>
-  <p:clrMapOvr>
-    <a:masterClrMapping/>
-  </p:clrMapOvr>
-</p:sld>
-</file>
-
-<file path=ppt/slides/slide33.xml><?xml version="1.0" encoding="utf-8"?>
-<p:sld xmlns:a="http://schemas.openxmlformats.org/drawingml/2006/main" xmlns:r="http://schemas.openxmlformats.org/officeDocument/2006/relationships" xmlns:p="http://schemas.openxmlformats.org/presentationml/2006/main">
-  <p:cSld>
-    <p:spTree>
-      <p:nvGrpSpPr>
-        <p:cNvPr id="1" name=""/>
-        <p:cNvGrpSpPr/>
-        <p:nvPr/>
-      </p:nvGrpSpPr>
-      <p:grpSpPr>
-        <a:xfrm>
-          <a:off x="0" y="0"/>
-          <a:ext cx="0" cy="0"/>
-          <a:chOff x="0" y="0"/>
-          <a:chExt cx="0" cy="0"/>
-        </a:xfrm>
-      </p:grpSpPr>
-      <p:sp>
-        <p:nvSpPr>
-          <p:cNvPr id="2" name="Titre 1"/>
-          <p:cNvSpPr>
-            <a:spLocks noGrp="1"/>
-          </p:cNvSpPr>
-          <p:nvPr>
-            <p:ph type="title"/>
-          </p:nvPr>
-        </p:nvSpPr>
-        <p:spPr/>
-        <p:txBody>
-          <a:bodyPr/>
-          <a:lstStyle/>
-          <a:p>
-            <a:r>
-              <a:rPr lang="fr-FR" dirty="0"/>
-              <a:t>Modèle</a:t>
-            </a:r>
-          </a:p>
-        </p:txBody>
-      </p:sp>
-      <p:sp>
-        <p:nvSpPr>
-          <p:cNvPr id="3" name="Espace réservé du contenu 2"/>
-          <p:cNvSpPr>
-            <a:spLocks noGrp="1"/>
-          </p:cNvSpPr>
-          <p:nvPr>
-            <p:ph idx="1"/>
-          </p:nvPr>
-        </p:nvSpPr>
-        <p:spPr/>
-        <p:txBody>
-          <a:bodyPr/>
-          <a:lstStyle/>
-          <a:p>
-            <a:r>
-              <a:rPr lang="fr-FR" dirty="0">
-                <a:latin typeface="Courier New" panose="02070309020205020404" pitchFamily="49" charset="0"/>
-                <a:cs typeface="Courier New" panose="02070309020205020404" pitchFamily="49" charset="0"/>
-              </a:rPr>
-              <a:t>import </a:t>
-            </a:r>
-            <a:r>
-              <a:rPr lang="fr-FR" dirty="0" err="1">
-                <a:latin typeface="Courier New" panose="02070309020205020404" pitchFamily="49" charset="0"/>
-                <a:cs typeface="Courier New" panose="02070309020205020404" pitchFamily="49" charset="0"/>
-              </a:rPr>
-              <a:t>sklearn.neighbors</a:t>
-            </a:r>
-            <a:r>
-              <a:rPr lang="fr-FR" dirty="0">
-                <a:latin typeface="Courier New" panose="02070309020205020404" pitchFamily="49" charset="0"/>
-                <a:cs typeface="Courier New" panose="02070309020205020404" pitchFamily="49" charset="0"/>
-              </a:rPr>
-              <a:t> as </a:t>
-            </a:r>
-            <a:r>
-              <a:rPr lang="fr-FR" dirty="0" err="1">
-                <a:latin typeface="Courier New" panose="02070309020205020404" pitchFamily="49" charset="0"/>
-                <a:cs typeface="Courier New" panose="02070309020205020404" pitchFamily="49" charset="0"/>
-              </a:rPr>
-              <a:t>nn</a:t>
-            </a:r>
-            <a:endParaRPr lang="fr-FR" dirty="0">
-              <a:latin typeface="Courier New" panose="02070309020205020404" pitchFamily="49" charset="0"/>
-              <a:cs typeface="Courier New" panose="02070309020205020404" pitchFamily="49" charset="0"/>
-            </a:endParaRPr>
-          </a:p>
-          <a:p>
-            <a:r>
-              <a:rPr lang="fr-FR" dirty="0">
-                <a:latin typeface="Courier New" panose="02070309020205020404" pitchFamily="49" charset="0"/>
-                <a:cs typeface="Courier New" panose="02070309020205020404" pitchFamily="49" charset="0"/>
-              </a:rPr>
-              <a:t>model = </a:t>
-            </a:r>
-            <a:r>
-              <a:rPr lang="fr-FR" dirty="0" err="1">
-                <a:latin typeface="Courier New" panose="02070309020205020404" pitchFamily="49" charset="0"/>
-                <a:cs typeface="Courier New" panose="02070309020205020404" pitchFamily="49" charset="0"/>
-              </a:rPr>
-              <a:t>nn.KNeighborsClassifier</a:t>
-            </a:r>
-            <a:r>
-              <a:rPr lang="fr-FR" dirty="0">
-                <a:latin typeface="Courier New" panose="02070309020205020404" pitchFamily="49" charset="0"/>
-                <a:cs typeface="Courier New" panose="02070309020205020404" pitchFamily="49" charset="0"/>
-              </a:rPr>
-              <a:t>(</a:t>
-            </a:r>
-            <a:r>
-              <a:rPr lang="fr-FR" dirty="0" err="1">
-                <a:latin typeface="Courier New" panose="02070309020205020404" pitchFamily="49" charset="0"/>
-                <a:cs typeface="Courier New" panose="02070309020205020404" pitchFamily="49" charset="0"/>
-              </a:rPr>
-              <a:t>n_neighbors</a:t>
-            </a:r>
-            <a:r>
-              <a:rPr lang="fr-FR" dirty="0">
-                <a:latin typeface="Courier New" panose="02070309020205020404" pitchFamily="49" charset="0"/>
-                <a:cs typeface="Courier New" panose="02070309020205020404" pitchFamily="49" charset="0"/>
-              </a:rPr>
-              <a:t>=3)</a:t>
-            </a:r>
-          </a:p>
-          <a:p>
-            <a:r>
-              <a:rPr lang="fr-FR" dirty="0" err="1">
-                <a:latin typeface="Courier New" panose="02070309020205020404" pitchFamily="49" charset="0"/>
-                <a:cs typeface="Courier New" panose="02070309020205020404" pitchFamily="49" charset="0"/>
-              </a:rPr>
-              <a:t>model.fit</a:t>
-            </a:r>
-            <a:r>
-              <a:rPr lang="fr-FR" dirty="0">
-                <a:latin typeface="Courier New" panose="02070309020205020404" pitchFamily="49" charset="0"/>
-                <a:cs typeface="Courier New" panose="02070309020205020404" pitchFamily="49" charset="0"/>
-              </a:rPr>
-              <a:t>(</a:t>
-            </a:r>
-            <a:r>
-              <a:rPr lang="fr-FR" dirty="0" err="1">
-                <a:latin typeface="Courier New" panose="02070309020205020404" pitchFamily="49" charset="0"/>
-                <a:cs typeface="Courier New" panose="02070309020205020404" pitchFamily="49" charset="0"/>
-              </a:rPr>
-              <a:t>xtrain</a:t>
-            </a:r>
-            <a:r>
-              <a:rPr lang="fr-FR" dirty="0">
-                <a:latin typeface="Courier New" panose="02070309020205020404" pitchFamily="49" charset="0"/>
-                <a:cs typeface="Courier New" panose="02070309020205020404" pitchFamily="49" charset="0"/>
-              </a:rPr>
-              <a:t>, </a:t>
-            </a:r>
-            <a:r>
-              <a:rPr lang="fr-FR" dirty="0" err="1">
-                <a:latin typeface="Courier New" panose="02070309020205020404" pitchFamily="49" charset="0"/>
-                <a:cs typeface="Courier New" panose="02070309020205020404" pitchFamily="49" charset="0"/>
-              </a:rPr>
-              <a:t>ytrain</a:t>
-            </a:r>
-            <a:r>
-              <a:rPr lang="fr-FR" dirty="0">
-                <a:latin typeface="Courier New" panose="02070309020205020404" pitchFamily="49" charset="0"/>
-                <a:cs typeface="Courier New" panose="02070309020205020404" pitchFamily="49" charset="0"/>
-              </a:rPr>
-              <a:t>)</a:t>
-            </a:r>
-          </a:p>
-          <a:p>
-            <a:r>
-              <a:rPr lang="fr-FR" dirty="0" err="1">
-                <a:latin typeface="Courier New" panose="02070309020205020404" pitchFamily="49" charset="0"/>
-                <a:cs typeface="Courier New" panose="02070309020205020404" pitchFamily="49" charset="0"/>
-              </a:rPr>
-              <a:t>model.score</a:t>
-            </a:r>
-            <a:r>
-              <a:rPr lang="fr-FR" dirty="0">
-                <a:latin typeface="Courier New" panose="02070309020205020404" pitchFamily="49" charset="0"/>
-                <a:cs typeface="Courier New" panose="02070309020205020404" pitchFamily="49" charset="0"/>
-              </a:rPr>
-              <a:t>(</a:t>
-            </a:r>
-            <a:r>
-              <a:rPr lang="fr-FR" dirty="0" err="1">
-                <a:latin typeface="Courier New" panose="02070309020205020404" pitchFamily="49" charset="0"/>
-                <a:cs typeface="Courier New" panose="02070309020205020404" pitchFamily="49" charset="0"/>
-              </a:rPr>
-              <a:t>xtest</a:t>
-            </a:r>
-            <a:r>
-              <a:rPr lang="fr-FR" dirty="0">
-                <a:latin typeface="Courier New" panose="02070309020205020404" pitchFamily="49" charset="0"/>
-                <a:cs typeface="Courier New" panose="02070309020205020404" pitchFamily="49" charset="0"/>
-              </a:rPr>
-              <a:t>, </a:t>
-            </a:r>
-            <a:r>
-              <a:rPr lang="fr-FR" dirty="0" err="1">
-                <a:latin typeface="Courier New" panose="02070309020205020404" pitchFamily="49" charset="0"/>
-                <a:cs typeface="Courier New" panose="02070309020205020404" pitchFamily="49" charset="0"/>
-              </a:rPr>
-              <a:t>ytest</a:t>
-            </a:r>
-            <a:r>
-              <a:rPr lang="fr-FR" dirty="0">
-                <a:latin typeface="Courier New" panose="02070309020205020404" pitchFamily="49" charset="0"/>
-                <a:cs typeface="Courier New" panose="02070309020205020404" pitchFamily="49" charset="0"/>
-              </a:rPr>
-              <a:t>)</a:t>
-            </a:r>
-          </a:p>
-        </p:txBody>
-      </p:sp>
-    </p:spTree>
-    <p:extLst>
-      <p:ext uri="{BB962C8B-B14F-4D97-AF65-F5344CB8AC3E}">
-        <p14:creationId xmlns:p14="http://schemas.microsoft.com/office/powerpoint/2010/main" val="1585307059"/>
-      </p:ext>
-    </p:extLst>
-  </p:cSld>
-  <p:clrMapOvr>
-    <a:masterClrMapping/>
-  </p:clrMapOvr>
-</p:sld>
-</file>
-
-<file path=ppt/slides/slide34.xml><?xml version="1.0" encoding="utf-8"?>
-<p:sld xmlns:a="http://schemas.openxmlformats.org/drawingml/2006/main" xmlns:r="http://schemas.openxmlformats.org/officeDocument/2006/relationships" xmlns:p="http://schemas.openxmlformats.org/presentationml/2006/main">
-  <p:cSld>
-    <p:spTree>
-      <p:nvGrpSpPr>
-        <p:cNvPr id="1" name=""/>
-        <p:cNvGrpSpPr/>
-        <p:nvPr/>
-      </p:nvGrpSpPr>
-      <p:grpSpPr>
-        <a:xfrm>
-          <a:off x="0" y="0"/>
-          <a:ext cx="0" cy="0"/>
-          <a:chOff x="0" y="0"/>
-          <a:chExt cx="0" cy="0"/>
-        </a:xfrm>
-      </p:grpSpPr>
-      <p:sp>
-        <p:nvSpPr>
-          <p:cNvPr id="2" name="Titre 1"/>
-          <p:cNvSpPr>
-            <a:spLocks noGrp="1"/>
-          </p:cNvSpPr>
-          <p:nvPr>
-            <p:ph type="title"/>
-          </p:nvPr>
-        </p:nvSpPr>
-        <p:spPr/>
-        <p:txBody>
-          <a:bodyPr/>
-          <a:lstStyle/>
-          <a:p>
-            <a:r>
-              <a:rPr lang="fr-FR" dirty="0"/>
-              <a:t>Minimisation de l’erreur</a:t>
-            </a:r>
-          </a:p>
-        </p:txBody>
-      </p:sp>
-      <p:sp>
-        <p:nvSpPr>
-          <p:cNvPr id="3" name="Espace réservé du contenu 2"/>
-          <p:cNvSpPr>
-            <a:spLocks noGrp="1"/>
-          </p:cNvSpPr>
-          <p:nvPr>
-            <p:ph idx="1"/>
-          </p:nvPr>
-        </p:nvSpPr>
-        <p:spPr/>
-        <p:txBody>
-          <a:bodyPr/>
-          <a:lstStyle/>
-          <a:p>
-            <a:r>
-              <a:rPr lang="fr-FR" dirty="0"/>
-              <a:t>Il faut faire varier le </a:t>
-            </a:r>
-            <a:r>
-              <a:rPr lang="fr-FR" dirty="0" err="1"/>
-              <a:t>n_neighbors</a:t>
-            </a:r>
-            <a:r>
-              <a:rPr lang="fr-FR" dirty="0"/>
-              <a:t> entre 2 et 15</a:t>
-            </a:r>
-          </a:p>
-          <a:p>
-            <a:pPr marL="0" indent="0">
-              <a:buNone/>
-            </a:pPr>
-            <a:r>
-              <a:rPr lang="fr-FR" sz="1800" dirty="0" err="1">
-                <a:latin typeface="Courier New" panose="02070309020205020404" pitchFamily="49" charset="0"/>
-                <a:cs typeface="Courier New" panose="02070309020205020404" pitchFamily="49" charset="0"/>
-              </a:rPr>
-              <a:t>errors</a:t>
-            </a:r>
-            <a:r>
-              <a:rPr lang="fr-FR" sz="1800" dirty="0">
-                <a:latin typeface="Courier New" panose="02070309020205020404" pitchFamily="49" charset="0"/>
-                <a:cs typeface="Courier New" panose="02070309020205020404" pitchFamily="49" charset="0"/>
-              </a:rPr>
-              <a:t> = []</a:t>
-            </a:r>
-          </a:p>
-          <a:p>
-            <a:pPr marL="0" indent="0">
-              <a:buNone/>
-            </a:pPr>
-            <a:r>
-              <a:rPr lang="fr-FR" sz="1800" dirty="0">
-                <a:latin typeface="Courier New" panose="02070309020205020404" pitchFamily="49" charset="0"/>
-                <a:cs typeface="Courier New" panose="02070309020205020404" pitchFamily="49" charset="0"/>
-              </a:rPr>
-              <a:t>for k in range(2,15):</a:t>
-            </a:r>
-          </a:p>
-          <a:p>
-            <a:pPr marL="0" indent="0">
-              <a:buNone/>
-            </a:pPr>
-            <a:r>
-              <a:rPr lang="fr-FR" sz="1800" dirty="0">
-                <a:latin typeface="Courier New" panose="02070309020205020404" pitchFamily="49" charset="0"/>
-                <a:cs typeface="Courier New" panose="02070309020205020404" pitchFamily="49" charset="0"/>
-              </a:rPr>
-              <a:t>    model = </a:t>
-            </a:r>
-            <a:r>
-              <a:rPr lang="fr-FR" sz="1800" dirty="0" err="1">
-                <a:latin typeface="Courier New" panose="02070309020205020404" pitchFamily="49" charset="0"/>
-                <a:cs typeface="Courier New" panose="02070309020205020404" pitchFamily="49" charset="0"/>
-              </a:rPr>
-              <a:t>nn.KNeighborsClassifier</a:t>
-            </a:r>
-            <a:r>
-              <a:rPr lang="fr-FR" sz="1800" dirty="0">
-                <a:latin typeface="Courier New" panose="02070309020205020404" pitchFamily="49" charset="0"/>
-                <a:cs typeface="Courier New" panose="02070309020205020404" pitchFamily="49" charset="0"/>
-              </a:rPr>
-              <a:t>(k)</a:t>
-            </a:r>
-          </a:p>
-          <a:p>
-            <a:pPr marL="0" indent="0">
-              <a:buNone/>
-            </a:pPr>
-            <a:r>
-              <a:rPr lang="fr-FR" sz="1800" dirty="0">
-                <a:latin typeface="Courier New" panose="02070309020205020404" pitchFamily="49" charset="0"/>
-                <a:cs typeface="Courier New" panose="02070309020205020404" pitchFamily="49" charset="0"/>
-              </a:rPr>
-              <a:t>    </a:t>
-            </a:r>
-            <a:r>
-              <a:rPr lang="fr-FR" sz="1800" dirty="0" err="1">
-                <a:latin typeface="Courier New" panose="02070309020205020404" pitchFamily="49" charset="0"/>
-                <a:cs typeface="Courier New" panose="02070309020205020404" pitchFamily="49" charset="0"/>
-              </a:rPr>
-              <a:t>errors.append</a:t>
-            </a:r>
-            <a:r>
-              <a:rPr lang="fr-FR" sz="1800" dirty="0">
-                <a:latin typeface="Courier New" panose="02070309020205020404" pitchFamily="49" charset="0"/>
-                <a:cs typeface="Courier New" panose="02070309020205020404" pitchFamily="49" charset="0"/>
-              </a:rPr>
-              <a:t>(1 - </a:t>
-            </a:r>
-            <a:r>
-              <a:rPr lang="fr-FR" sz="1800" dirty="0" err="1">
-                <a:latin typeface="Courier New" panose="02070309020205020404" pitchFamily="49" charset="0"/>
-                <a:cs typeface="Courier New" panose="02070309020205020404" pitchFamily="49" charset="0"/>
-              </a:rPr>
-              <a:t>model.fit</a:t>
-            </a:r>
-            <a:r>
-              <a:rPr lang="fr-FR" sz="1800" dirty="0">
-                <a:latin typeface="Courier New" panose="02070309020205020404" pitchFamily="49" charset="0"/>
-                <a:cs typeface="Courier New" panose="02070309020205020404" pitchFamily="49" charset="0"/>
-              </a:rPr>
-              <a:t>(</a:t>
-            </a:r>
-            <a:r>
-              <a:rPr lang="fr-FR" sz="1800" dirty="0" err="1">
-                <a:latin typeface="Courier New" panose="02070309020205020404" pitchFamily="49" charset="0"/>
-                <a:cs typeface="Courier New" panose="02070309020205020404" pitchFamily="49" charset="0"/>
-              </a:rPr>
-              <a:t>xtrain</a:t>
-            </a:r>
-            <a:r>
-              <a:rPr lang="fr-FR" sz="1800" dirty="0">
-                <a:latin typeface="Courier New" panose="02070309020205020404" pitchFamily="49" charset="0"/>
-                <a:cs typeface="Courier New" panose="02070309020205020404" pitchFamily="49" charset="0"/>
-              </a:rPr>
-              <a:t>, </a:t>
-            </a:r>
-            <a:r>
-              <a:rPr lang="fr-FR" sz="1800" dirty="0" err="1">
-                <a:latin typeface="Courier New" panose="02070309020205020404" pitchFamily="49" charset="0"/>
-                <a:cs typeface="Courier New" panose="02070309020205020404" pitchFamily="49" charset="0"/>
-              </a:rPr>
-              <a:t>ytrain</a:t>
-            </a:r>
-            <a:r>
-              <a:rPr lang="fr-FR" sz="1800" dirty="0">
-                <a:latin typeface="Courier New" panose="02070309020205020404" pitchFamily="49" charset="0"/>
-                <a:cs typeface="Courier New" panose="02070309020205020404" pitchFamily="49" charset="0"/>
-              </a:rPr>
-              <a:t>).score(</a:t>
-            </a:r>
-            <a:r>
-              <a:rPr lang="fr-FR" sz="1800" dirty="0" err="1">
-                <a:latin typeface="Courier New" panose="02070309020205020404" pitchFamily="49" charset="0"/>
-                <a:cs typeface="Courier New" panose="02070309020205020404" pitchFamily="49" charset="0"/>
-              </a:rPr>
-              <a:t>xtest</a:t>
-            </a:r>
-            <a:r>
-              <a:rPr lang="fr-FR" sz="1800" dirty="0">
-                <a:latin typeface="Courier New" panose="02070309020205020404" pitchFamily="49" charset="0"/>
-                <a:cs typeface="Courier New" panose="02070309020205020404" pitchFamily="49" charset="0"/>
-              </a:rPr>
-              <a:t>, </a:t>
-            </a:r>
-            <a:r>
-              <a:rPr lang="fr-FR" sz="1800" dirty="0" err="1">
-                <a:latin typeface="Courier New" panose="02070309020205020404" pitchFamily="49" charset="0"/>
-                <a:cs typeface="Courier New" panose="02070309020205020404" pitchFamily="49" charset="0"/>
-              </a:rPr>
-              <a:t>ytest</a:t>
-            </a:r>
-            <a:r>
-              <a:rPr lang="fr-FR" sz="1800" dirty="0">
-                <a:latin typeface="Courier New" panose="02070309020205020404" pitchFamily="49" charset="0"/>
-                <a:cs typeface="Courier New" panose="02070309020205020404" pitchFamily="49" charset="0"/>
-              </a:rPr>
-              <a:t>))</a:t>
-            </a:r>
-          </a:p>
-          <a:p>
-            <a:pPr lvl="1"/>
-            <a:r>
-              <a:rPr lang="fr-FR" dirty="0"/>
-              <a:t>Il essayer les différents algorithmes</a:t>
-            </a:r>
-          </a:p>
-          <a:p>
-            <a:pPr lvl="2"/>
-            <a:r>
-              <a:rPr lang="fr-FR" dirty="0"/>
-              <a:t>Paramètre </a:t>
-            </a:r>
-            <a:r>
-              <a:rPr lang="fr-FR" dirty="0" err="1"/>
-              <a:t>algorithm</a:t>
-            </a:r>
-            <a:endParaRPr lang="fr-FR" dirty="0"/>
-          </a:p>
-          <a:p>
-            <a:pPr lvl="1"/>
-            <a:r>
-              <a:rPr lang="fr-FR" dirty="0"/>
-              <a:t>Il faut essayer les 2 poids</a:t>
-            </a:r>
-          </a:p>
-          <a:p>
-            <a:pPr lvl="2"/>
-            <a:r>
-              <a:rPr lang="fr-FR" dirty="0"/>
-              <a:t>Paramètre </a:t>
-            </a:r>
-            <a:r>
-              <a:rPr lang="fr-FR" dirty="0" err="1"/>
-              <a:t>weight</a:t>
-            </a:r>
-            <a:r>
-              <a:rPr lang="fr-FR" dirty="0"/>
-              <a:t> = « distance » qui monte la distance au carré, c’est-à-dire qu’il donne plus d’importance aux points proches</a:t>
-            </a:r>
-          </a:p>
-        </p:txBody>
-      </p:sp>
-    </p:spTree>
-    <p:extLst>
-      <p:ext uri="{BB962C8B-B14F-4D97-AF65-F5344CB8AC3E}">
-        <p14:creationId xmlns:p14="http://schemas.microsoft.com/office/powerpoint/2010/main" val="402191331"/>
-      </p:ext>
-    </p:extLst>
-  </p:cSld>
-  <p:clrMapOvr>
-    <a:masterClrMapping/>
-  </p:clrMapOvr>
-</p:sld>
-</file>
-
-<file path=ppt/slides/slide35.xml><?xml version="1.0" encoding="utf-8"?>
-<p:sld xmlns:a="http://schemas.openxmlformats.org/drawingml/2006/main" xmlns:r="http://schemas.openxmlformats.org/officeDocument/2006/relationships" xmlns:p="http://schemas.openxmlformats.org/presentationml/2006/main">
-  <p:cSld>
-    <p:spTree>
-      <p:nvGrpSpPr>
-        <p:cNvPr id="1" name=""/>
-        <p:cNvGrpSpPr/>
-        <p:nvPr/>
-      </p:nvGrpSpPr>
-      <p:grpSpPr>
-        <a:xfrm>
-          <a:off x="0" y="0"/>
-          <a:ext cx="0" cy="0"/>
-          <a:chOff x="0" y="0"/>
-          <a:chExt cx="0" cy="0"/>
-        </a:xfrm>
-      </p:grpSpPr>
-      <p:sp>
-        <p:nvSpPr>
-          <p:cNvPr id="2" name="Titre 1"/>
-          <p:cNvSpPr>
-            <a:spLocks noGrp="1"/>
-          </p:cNvSpPr>
-          <p:nvPr>
-            <p:ph type="title"/>
-          </p:nvPr>
-        </p:nvSpPr>
-        <p:spPr/>
-        <p:txBody>
-          <a:bodyPr/>
-          <a:lstStyle/>
-          <a:p>
-            <a:r>
-              <a:rPr lang="fr-FR" dirty="0"/>
-              <a:t>Entrainement et prédiction</a:t>
-            </a:r>
-          </a:p>
-        </p:txBody>
-      </p:sp>
-      <p:sp>
-        <p:nvSpPr>
-          <p:cNvPr id="3" name="Espace réservé du contenu 2"/>
-          <p:cNvSpPr>
-            <a:spLocks noGrp="1"/>
-          </p:cNvSpPr>
-          <p:nvPr>
-            <p:ph idx="1"/>
-          </p:nvPr>
-        </p:nvSpPr>
-        <p:spPr/>
-        <p:txBody>
-          <a:bodyPr/>
-          <a:lstStyle/>
-          <a:p>
-            <a:r>
-              <a:rPr lang="fr-FR" dirty="0"/>
-              <a:t>Il faut ensuite choisir le meilleur modèle, l’entrainer et mettre en place la prédiction</a:t>
-            </a:r>
-          </a:p>
-          <a:p>
-            <a:r>
-              <a:rPr lang="fr-FR" dirty="0" err="1"/>
-              <a:t>model.fit</a:t>
-            </a:r>
-            <a:r>
-              <a:rPr lang="fr-FR" dirty="0"/>
-              <a:t>(</a:t>
-            </a:r>
-            <a:r>
-              <a:rPr lang="fr-FR" dirty="0" err="1"/>
-              <a:t>xtrain</a:t>
-            </a:r>
-            <a:r>
-              <a:rPr lang="fr-FR" dirty="0"/>
-              <a:t>, </a:t>
-            </a:r>
-            <a:r>
-              <a:rPr lang="fr-FR" dirty="0" err="1"/>
-              <a:t>ytrain</a:t>
-            </a:r>
-            <a:r>
-              <a:rPr lang="fr-FR" dirty="0"/>
-              <a:t>)</a:t>
-            </a:r>
-          </a:p>
-          <a:p>
-            <a:r>
-              <a:rPr lang="fr-FR" dirty="0" err="1"/>
-              <a:t>predicted</a:t>
-            </a:r>
-            <a:r>
-              <a:rPr lang="fr-FR" dirty="0"/>
-              <a:t> = </a:t>
-            </a:r>
-            <a:r>
-              <a:rPr lang="fr-FR" dirty="0" err="1"/>
-              <a:t>model.predict</a:t>
-            </a:r>
-            <a:r>
-              <a:rPr lang="fr-FR" dirty="0"/>
-              <a:t>(</a:t>
-            </a:r>
-            <a:r>
-              <a:rPr lang="fr-FR" dirty="0" err="1"/>
-              <a:t>xtest</a:t>
-            </a:r>
-            <a:r>
-              <a:rPr lang="fr-FR" dirty="0"/>
-              <a:t>)</a:t>
-            </a:r>
-          </a:p>
-          <a:p>
-            <a:endParaRPr lang="fr-FR" dirty="0"/>
-          </a:p>
-        </p:txBody>
-      </p:sp>
-    </p:spTree>
-    <p:extLst>
-      <p:ext uri="{BB962C8B-B14F-4D97-AF65-F5344CB8AC3E}">
-        <p14:creationId xmlns:p14="http://schemas.microsoft.com/office/powerpoint/2010/main" val="2584886733"/>
-      </p:ext>
-    </p:extLst>
-  </p:cSld>
-  <p:clrMapOvr>
-    <a:masterClrMapping/>
-  </p:clrMapOvr>
-</p:sld>
-</file>
-
-<file path=ppt/slides/slide36.xml><?xml version="1.0" encoding="utf-8"?>
-<p:sld xmlns:a="http://schemas.openxmlformats.org/drawingml/2006/main" xmlns:r="http://schemas.openxmlformats.org/officeDocument/2006/relationships" xmlns:p="http://schemas.openxmlformats.org/presentationml/2006/main">
-  <p:cSld>
-    <p:spTree>
-      <p:nvGrpSpPr>
-        <p:cNvPr id="1" name=""/>
-        <p:cNvGrpSpPr/>
-        <p:nvPr/>
-      </p:nvGrpSpPr>
-      <p:grpSpPr>
-        <a:xfrm>
-          <a:off x="0" y="0"/>
-          <a:ext cx="0" cy="0"/>
-          <a:chOff x="0" y="0"/>
-          <a:chExt cx="0" cy="0"/>
-        </a:xfrm>
-      </p:grpSpPr>
-      <p:sp>
-        <p:nvSpPr>
-          <p:cNvPr id="2" name="Titre 1"/>
-          <p:cNvSpPr>
-            <a:spLocks noGrp="1"/>
-          </p:cNvSpPr>
-          <p:nvPr>
-            <p:ph type="title"/>
-          </p:nvPr>
-        </p:nvSpPr>
-        <p:spPr/>
-        <p:txBody>
-          <a:bodyPr/>
-          <a:lstStyle/>
-          <a:p>
-            <a:r>
-              <a:rPr lang="fr-FR" dirty="0"/>
-              <a:t>Résultats</a:t>
-            </a:r>
-          </a:p>
-        </p:txBody>
-      </p:sp>
-      <p:sp>
-        <p:nvSpPr>
-          <p:cNvPr id="3" name="Espace réservé du contenu 2"/>
-          <p:cNvSpPr>
-            <a:spLocks noGrp="1"/>
-          </p:cNvSpPr>
-          <p:nvPr>
-            <p:ph idx="1"/>
-          </p:nvPr>
-        </p:nvSpPr>
-        <p:spPr/>
-        <p:txBody>
-          <a:bodyPr/>
-          <a:lstStyle/>
-          <a:p>
-            <a:r>
-              <a:rPr lang="fr-FR" dirty="0"/>
-              <a:t>K = 3</a:t>
-            </a:r>
-          </a:p>
-          <a:p>
-            <a:r>
-              <a:rPr lang="fr-FR" dirty="0"/>
-              <a:t>Erreur = 5%</a:t>
-            </a:r>
-          </a:p>
-        </p:txBody>
-      </p:sp>
-      <p:pic>
-        <p:nvPicPr>
-          <p:cNvPr id="4" name="Image 3"/>
-          <p:cNvPicPr>
-            <a:picLocks noChangeAspect="1"/>
-          </p:cNvPicPr>
-          <p:nvPr/>
-        </p:nvPicPr>
-        <p:blipFill>
-          <a:blip r:embed="rId2"/>
-          <a:stretch>
-            <a:fillRect/>
-          </a:stretch>
-        </p:blipFill>
-        <p:spPr>
-          <a:xfrm>
-            <a:off x="208630" y="2418352"/>
-            <a:ext cx="4972050" cy="4019550"/>
-          </a:xfrm>
-          <a:prstGeom prst="rect">
-            <a:avLst/>
-          </a:prstGeom>
-        </p:spPr>
-      </p:pic>
-      <p:pic>
-        <p:nvPicPr>
-          <p:cNvPr id="5" name="Image 4"/>
-          <p:cNvPicPr>
-            <a:picLocks noChangeAspect="1"/>
-          </p:cNvPicPr>
-          <p:nvPr/>
-        </p:nvPicPr>
-        <p:blipFill>
-          <a:blip r:embed="rId3"/>
-          <a:stretch>
-            <a:fillRect/>
-          </a:stretch>
-        </p:blipFill>
-        <p:spPr>
-          <a:xfrm>
-            <a:off x="5504130" y="2852936"/>
-            <a:ext cx="3470551" cy="2601267"/>
-          </a:xfrm>
-          <a:prstGeom prst="rect">
-            <a:avLst/>
-          </a:prstGeom>
-        </p:spPr>
-      </p:pic>
-    </p:spTree>
-    <p:extLst>
-      <p:ext uri="{BB962C8B-B14F-4D97-AF65-F5344CB8AC3E}">
-        <p14:creationId xmlns:p14="http://schemas.microsoft.com/office/powerpoint/2010/main" val="3605045663"/>
-      </p:ext>
-    </p:extLst>
-  </p:cSld>
-  <p:clrMapOvr>
-    <a:masterClrMapping/>
-  </p:clrMapOvr>
-</p:sld>
-</file>
-
-<file path=ppt/slides/slide37.xml><?xml version="1.0" encoding="utf-8"?>
-<p:sld xmlns:a="http://schemas.openxmlformats.org/drawingml/2006/main" xmlns:r="http://schemas.openxmlformats.org/officeDocument/2006/relationships" xmlns:p="http://schemas.openxmlformats.org/presentationml/2006/main">
-  <p:cSld>
-    <p:spTree>
-      <p:nvGrpSpPr>
-        <p:cNvPr id="1" name=""/>
-        <p:cNvGrpSpPr/>
-        <p:nvPr/>
-      </p:nvGrpSpPr>
-      <p:grpSpPr>
-        <a:xfrm>
-          <a:off x="0" y="0"/>
-          <a:ext cx="0" cy="0"/>
-          <a:chOff x="0" y="0"/>
-          <a:chExt cx="0" cy="0"/>
-        </a:xfrm>
-      </p:grpSpPr>
-      <p:sp>
-        <p:nvSpPr>
-          <p:cNvPr id="2" name="Titre 1"/>
-          <p:cNvSpPr>
-            <a:spLocks noGrp="1"/>
-          </p:cNvSpPr>
-          <p:nvPr>
-            <p:ph type="title"/>
-          </p:nvPr>
-        </p:nvSpPr>
-        <p:spPr/>
-        <p:txBody>
-          <a:bodyPr/>
-          <a:lstStyle/>
-          <a:p>
-            <a:r>
-              <a:rPr lang="fr-FR" dirty="0" err="1"/>
-              <a:t>Random</a:t>
-            </a:r>
-            <a:r>
-              <a:rPr lang="fr-FR" dirty="0"/>
-              <a:t> Forest</a:t>
-            </a:r>
-          </a:p>
-        </p:txBody>
-      </p:sp>
-      <p:sp>
-        <p:nvSpPr>
-          <p:cNvPr id="3" name="Espace réservé du contenu 2"/>
-          <p:cNvSpPr>
-            <a:spLocks noGrp="1"/>
-          </p:cNvSpPr>
-          <p:nvPr>
-            <p:ph idx="1"/>
-          </p:nvPr>
-        </p:nvSpPr>
-        <p:spPr/>
-        <p:txBody>
-          <a:bodyPr/>
-          <a:lstStyle/>
-          <a:p>
-            <a:r>
-              <a:rPr lang="fr-FR" dirty="0"/>
-              <a:t>Les forêts d'arbres décisionnels ont été formellement proposées en 2001 par Leo </a:t>
-            </a:r>
-            <a:r>
-              <a:rPr lang="fr-FR" dirty="0" err="1"/>
-              <a:t>Breiman</a:t>
-            </a:r>
-            <a:r>
-              <a:rPr lang="fr-FR" dirty="0"/>
-              <a:t> et Adèle </a:t>
-            </a:r>
-            <a:r>
-              <a:rPr lang="fr-FR" dirty="0" err="1"/>
-              <a:t>Cutler</a:t>
-            </a:r>
-            <a:endParaRPr lang="fr-FR" dirty="0"/>
-          </a:p>
-          <a:p>
-            <a:r>
-              <a:rPr lang="fr-FR" dirty="0"/>
-              <a:t>Cet algorithme combine les concepts de sous-espaces aléatoires et de </a:t>
-            </a:r>
-            <a:r>
-              <a:rPr lang="fr-FR" dirty="0" err="1"/>
-              <a:t>bagging</a:t>
-            </a:r>
-            <a:endParaRPr lang="fr-FR" dirty="0"/>
-          </a:p>
-          <a:p>
-            <a:r>
-              <a:rPr lang="fr-FR" dirty="0"/>
-              <a:t>L'algorithme des forêts d'arbres décisionnels effectue un apprentissage sur de multiples arbres de décision entraînés sur des sous-ensembles de données légèrement différents</a:t>
-            </a:r>
-          </a:p>
-        </p:txBody>
-      </p:sp>
-    </p:spTree>
-    <p:extLst>
-      <p:ext uri="{BB962C8B-B14F-4D97-AF65-F5344CB8AC3E}">
-        <p14:creationId xmlns:p14="http://schemas.microsoft.com/office/powerpoint/2010/main" val="3293274694"/>
-      </p:ext>
-    </p:extLst>
-  </p:cSld>
-  <p:clrMapOvr>
-    <a:masterClrMapping/>
-  </p:clrMapOvr>
-</p:sld>
-</file>
-
-<file path=ppt/slides/slide38.xml><?xml version="1.0" encoding="utf-8"?>
-<p:sld xmlns:a="http://schemas.openxmlformats.org/drawingml/2006/main" xmlns:r="http://schemas.openxmlformats.org/officeDocument/2006/relationships" xmlns:p="http://schemas.openxmlformats.org/presentationml/2006/main">
-  <p:cSld>
-    <p:spTree>
-      <p:nvGrpSpPr>
-        <p:cNvPr id="1" name=""/>
-        <p:cNvGrpSpPr/>
-        <p:nvPr/>
-      </p:nvGrpSpPr>
-      <p:grpSpPr>
-        <a:xfrm>
-          <a:off x="0" y="0"/>
-          <a:ext cx="0" cy="0"/>
-          <a:chOff x="0" y="0"/>
-          <a:chExt cx="0" cy="0"/>
-        </a:xfrm>
-      </p:grpSpPr>
-      <p:sp>
-        <p:nvSpPr>
-          <p:cNvPr id="2" name="Titre 1"/>
-          <p:cNvSpPr>
-            <a:spLocks noGrp="1"/>
-          </p:cNvSpPr>
-          <p:nvPr>
-            <p:ph type="title"/>
-          </p:nvPr>
-        </p:nvSpPr>
-        <p:spPr/>
-        <p:txBody>
-          <a:bodyPr/>
-          <a:lstStyle/>
-          <a:p>
-            <a:r>
-              <a:rPr lang="fr-FR" dirty="0"/>
-              <a:t>Asymétrie</a:t>
-            </a:r>
-          </a:p>
-        </p:txBody>
-      </p:sp>
-      <p:sp>
-        <p:nvSpPr>
-          <p:cNvPr id="3" name="Espace réservé du contenu 2"/>
-          <p:cNvSpPr>
-            <a:spLocks noGrp="1"/>
-          </p:cNvSpPr>
-          <p:nvPr>
-            <p:ph idx="1"/>
-          </p:nvPr>
-        </p:nvSpPr>
-        <p:spPr/>
-        <p:txBody>
-          <a:bodyPr/>
-          <a:lstStyle/>
-          <a:p>
-            <a:r>
-              <a:rPr lang="fr-FR" dirty="0" err="1"/>
-              <a:t>Random</a:t>
-            </a:r>
-            <a:r>
-              <a:rPr lang="fr-FR" dirty="0"/>
-              <a:t> Forest est un modèle asymétrique</a:t>
-            </a:r>
-          </a:p>
-          <a:p>
-            <a:pPr lvl="1"/>
-            <a:r>
-              <a:rPr lang="fr-FR" dirty="0"/>
-              <a:t>Apprentissage couteux</a:t>
-            </a:r>
-          </a:p>
-          <a:p>
-            <a:pPr lvl="1"/>
-            <a:r>
-              <a:rPr lang="fr-FR" dirty="0"/>
-              <a:t>Prédiction rapide</a:t>
-            </a:r>
-          </a:p>
-          <a:p>
-            <a:pPr lvl="1"/>
-            <a:r>
-              <a:rPr lang="fr-FR" dirty="0"/>
-              <a:t>Très utile</a:t>
-            </a:r>
-          </a:p>
-        </p:txBody>
-      </p:sp>
-    </p:spTree>
-    <p:extLst>
-      <p:ext uri="{BB962C8B-B14F-4D97-AF65-F5344CB8AC3E}">
-        <p14:creationId xmlns:p14="http://schemas.microsoft.com/office/powerpoint/2010/main" val="221419693"/>
-      </p:ext>
-    </p:extLst>
-  </p:cSld>
-  <p:clrMapOvr>
-    <a:masterClrMapping/>
-  </p:clrMapOvr>
-</p:sld>
-</file>
-
-<file path=ppt/slides/slide39.xml><?xml version="1.0" encoding="utf-8"?>
-<p:sld xmlns:a="http://schemas.openxmlformats.org/drawingml/2006/main" xmlns:r="http://schemas.openxmlformats.org/officeDocument/2006/relationships" xmlns:p="http://schemas.openxmlformats.org/presentationml/2006/main">
-  <p:cSld>
-    <p:spTree>
-      <p:nvGrpSpPr>
-        <p:cNvPr id="1" name=""/>
-        <p:cNvGrpSpPr/>
-        <p:nvPr/>
-      </p:nvGrpSpPr>
-      <p:grpSpPr>
-        <a:xfrm>
-          <a:off x="0" y="0"/>
-          <a:ext cx="0" cy="0"/>
-          <a:chOff x="0" y="0"/>
-          <a:chExt cx="0" cy="0"/>
-        </a:xfrm>
-      </p:grpSpPr>
-      <p:sp>
-        <p:nvSpPr>
-          <p:cNvPr id="2" name="Titre 1"/>
-          <p:cNvSpPr>
-            <a:spLocks noGrp="1"/>
-          </p:cNvSpPr>
-          <p:nvPr>
-            <p:ph type="title"/>
-          </p:nvPr>
-        </p:nvSpPr>
-        <p:spPr/>
-        <p:txBody>
-          <a:bodyPr/>
-          <a:lstStyle/>
-          <a:p>
-            <a:r>
-              <a:rPr lang="fr-FR" dirty="0" err="1"/>
-              <a:t>Random</a:t>
-            </a:r>
-            <a:r>
-              <a:rPr lang="fr-FR" dirty="0"/>
-              <a:t> Forest</a:t>
-            </a:r>
-          </a:p>
-        </p:txBody>
-      </p:sp>
-      <p:sp>
-        <p:nvSpPr>
-          <p:cNvPr id="3" name="Espace réservé du contenu 2"/>
-          <p:cNvSpPr>
-            <a:spLocks noGrp="1"/>
-          </p:cNvSpPr>
-          <p:nvPr>
-            <p:ph idx="1"/>
-          </p:nvPr>
-        </p:nvSpPr>
-        <p:spPr/>
-        <p:txBody>
-          <a:bodyPr/>
-          <a:lstStyle/>
-          <a:p>
-            <a:r>
-              <a:rPr lang="fr-FR" dirty="0"/>
-              <a:t>Exemple</a:t>
-            </a:r>
-          </a:p>
-          <a:p>
-            <a:pPr lvl="1"/>
-            <a:r>
-              <a:rPr lang="fr-FR" dirty="0"/>
-              <a:t>import </a:t>
-            </a:r>
-            <a:r>
-              <a:rPr lang="fr-FR" dirty="0" err="1"/>
-              <a:t>sk.ensemble</a:t>
-            </a:r>
-            <a:r>
-              <a:rPr lang="fr-FR" dirty="0"/>
-              <a:t> as </a:t>
-            </a:r>
-            <a:r>
-              <a:rPr lang="fr-FR" dirty="0" err="1"/>
-              <a:t>rf</a:t>
-            </a:r>
-            <a:endParaRPr lang="fr-FR" dirty="0"/>
-          </a:p>
-          <a:p>
-            <a:pPr lvl="1"/>
-            <a:r>
-              <a:rPr lang="fr-FR" dirty="0"/>
-              <a:t>model = </a:t>
-            </a:r>
-            <a:r>
-              <a:rPr lang="fr-FR" dirty="0" err="1"/>
-              <a:t>rf.RandomForestClassifier</a:t>
-            </a:r>
-            <a:r>
-              <a:rPr lang="fr-FR" dirty="0"/>
-              <a:t>(</a:t>
-            </a:r>
-            <a:r>
-              <a:rPr lang="fr-FR" dirty="0" err="1"/>
-              <a:t>n_estimators</a:t>
-            </a:r>
-            <a:r>
-              <a:rPr lang="fr-FR" dirty="0"/>
-              <a:t>=100)</a:t>
-            </a:r>
-          </a:p>
-          <a:p>
-            <a:r>
-              <a:rPr lang="fr-FR" dirty="0"/>
-              <a:t>Très puissant</a:t>
-            </a:r>
-          </a:p>
-          <a:p>
-            <a:pPr lvl="1"/>
-            <a:r>
-              <a:rPr lang="fr-FR" dirty="0"/>
-              <a:t>Bien plus gourmand que </a:t>
-            </a:r>
-            <a:r>
-              <a:rPr lang="fr-FR" dirty="0" err="1"/>
-              <a:t>kNN</a:t>
-            </a:r>
-            <a:endParaRPr lang="fr-FR" dirty="0"/>
-          </a:p>
-        </p:txBody>
-      </p:sp>
-    </p:spTree>
-    <p:extLst>
-      <p:ext uri="{BB962C8B-B14F-4D97-AF65-F5344CB8AC3E}">
-        <p14:creationId xmlns:p14="http://schemas.microsoft.com/office/powerpoint/2010/main" val="138068474"/>
-      </p:ext>
-    </p:extLst>
-  </p:cSld>
-  <p:clrMapOvr>
-    <a:masterClrMapping/>
-  </p:clrMapOvr>
-</p:sld>
-</file>
-
-<file path=ppt/slides/slide4.xml><?xml version="1.0" encoding="utf-8"?>
-<p:sld xmlns:a="http://schemas.openxmlformats.org/drawingml/2006/main" xmlns:r="http://schemas.openxmlformats.org/officeDocument/2006/relationships" xmlns:p="http://schemas.openxmlformats.org/presentationml/2006/main">
-  <p:cSld>
-    <p:spTree>
-      <p:nvGrpSpPr>
-        <p:cNvPr id="1" name=""/>
-        <p:cNvGrpSpPr/>
-        <p:nvPr/>
-      </p:nvGrpSpPr>
-      <p:grpSpPr>
-        <a:xfrm>
-          <a:off x="0" y="0"/>
-          <a:ext cx="0" cy="0"/>
-          <a:chOff x="0" y="0"/>
-          <a:chExt cx="0" cy="0"/>
-        </a:xfrm>
-      </p:grpSpPr>
-      <p:sp>
-        <p:nvSpPr>
-          <p:cNvPr id="2" name="Titre 1"/>
-          <p:cNvSpPr>
-            <a:spLocks noGrp="1"/>
-          </p:cNvSpPr>
-          <p:nvPr>
-            <p:ph type="title"/>
-          </p:nvPr>
-        </p:nvSpPr>
-        <p:spPr/>
-        <p:txBody>
-          <a:bodyPr/>
-          <a:lstStyle/>
-          <a:p>
-            <a:r>
-              <a:rPr lang="fr-FR" dirty="0"/>
-              <a:t>Régression</a:t>
-            </a:r>
-          </a:p>
-        </p:txBody>
-      </p:sp>
-      <p:sp>
-        <p:nvSpPr>
-          <p:cNvPr id="3" name="Espace réservé du contenu 2"/>
-          <p:cNvSpPr>
-            <a:spLocks noGrp="1"/>
-          </p:cNvSpPr>
-          <p:nvPr>
-            <p:ph idx="1"/>
-          </p:nvPr>
-        </p:nvSpPr>
-        <p:spPr/>
-        <p:txBody>
-          <a:bodyPr/>
-          <a:lstStyle/>
-          <a:p>
-            <a:r>
-              <a:rPr lang="fr-FR" dirty="0"/>
-              <a:t>Commençons par la régression linéaire</a:t>
-            </a:r>
-          </a:p>
-          <a:p>
-            <a:r>
-              <a:rPr lang="fr-FR" dirty="0"/>
-              <a:t>Import </a:t>
-            </a:r>
-            <a:r>
-              <a:rPr lang="fr-FR" dirty="0" err="1"/>
-              <a:t>sklearn.linearmodel</a:t>
-            </a:r>
-            <a:endParaRPr lang="fr-FR" dirty="0"/>
-          </a:p>
-          <a:p>
-            <a:pPr lvl="1"/>
-            <a:r>
-              <a:rPr lang="fr-FR" dirty="0"/>
-              <a:t>Minimisation de l’erreur </a:t>
-            </a:r>
-            <a:r>
-              <a:rPr lang="fr-FR" dirty="0" err="1"/>
-              <a:t>quadritique</a:t>
-            </a:r>
-            <a:endParaRPr lang="fr-FR" dirty="0"/>
-          </a:p>
-          <a:p>
-            <a:r>
-              <a:rPr lang="fr-FR" dirty="0"/>
-              <a:t>Classe </a:t>
-            </a:r>
-            <a:r>
-              <a:rPr lang="fr-FR" dirty="0" err="1"/>
-              <a:t>LinearRegression</a:t>
-            </a:r>
-            <a:endParaRPr lang="fr-FR" dirty="0"/>
-          </a:p>
-          <a:p>
-            <a:r>
-              <a:rPr lang="fr-FR" dirty="0"/>
-              <a:t>Fit()</a:t>
-            </a:r>
-          </a:p>
-          <a:p>
-            <a:pPr lvl="1"/>
-            <a:r>
-              <a:rPr lang="fr-FR" dirty="0"/>
-              <a:t>Va démarrer l’apprentissage</a:t>
-            </a:r>
-          </a:p>
-          <a:p>
-            <a:r>
-              <a:rPr lang="fr-FR" dirty="0" err="1"/>
-              <a:t>Predict</a:t>
-            </a:r>
-            <a:r>
-              <a:rPr lang="fr-FR" dirty="0"/>
-              <a:t>()</a:t>
-            </a:r>
-          </a:p>
-          <a:p>
-            <a:pPr lvl="1"/>
-            <a:r>
-              <a:rPr lang="fr-FR" dirty="0"/>
-              <a:t>Joue le modèle</a:t>
-            </a:r>
-          </a:p>
-          <a:p>
-            <a:r>
-              <a:rPr lang="fr-FR" dirty="0"/>
-              <a:t>Résultats identiques à </a:t>
-            </a:r>
-            <a:r>
-              <a:rPr lang="fr-FR" dirty="0" err="1"/>
-              <a:t>SciPy</a:t>
-            </a:r>
-            <a:endParaRPr lang="fr-FR" dirty="0"/>
-          </a:p>
-        </p:txBody>
-      </p:sp>
-    </p:spTree>
-    <p:extLst>
-      <p:ext uri="{BB962C8B-B14F-4D97-AF65-F5344CB8AC3E}">
-        <p14:creationId xmlns:p14="http://schemas.microsoft.com/office/powerpoint/2010/main" val="1909837884"/>
-      </p:ext>
-    </p:extLst>
-  </p:cSld>
-  <p:clrMapOvr>
-    <a:masterClrMapping/>
-  </p:clrMapOvr>
-</p:sld>
-</file>
-
-<file path=ppt/slides/slide40.xml><?xml version="1.0" encoding="utf-8"?>
-<p:sld xmlns:a="http://schemas.openxmlformats.org/drawingml/2006/main" xmlns:r="http://schemas.openxmlformats.org/officeDocument/2006/relationships" xmlns:p="http://schemas.openxmlformats.org/presentationml/2006/main">
-  <p:cSld>
-    <p:spTree>
-      <p:nvGrpSpPr>
-        <p:cNvPr id="1" name=""/>
-        <p:cNvGrpSpPr/>
-        <p:nvPr/>
-      </p:nvGrpSpPr>
-      <p:grpSpPr>
-        <a:xfrm>
-          <a:off x="0" y="0"/>
-          <a:ext cx="0" cy="0"/>
-          <a:chOff x="0" y="0"/>
-          <a:chExt cx="0" cy="0"/>
-        </a:xfrm>
-      </p:grpSpPr>
-      <p:sp>
-        <p:nvSpPr>
-          <p:cNvPr id="2" name="Titre 1"/>
-          <p:cNvSpPr>
-            <a:spLocks noGrp="1"/>
-          </p:cNvSpPr>
-          <p:nvPr>
-            <p:ph type="title"/>
-          </p:nvPr>
-        </p:nvSpPr>
-        <p:spPr/>
-        <p:txBody>
-          <a:bodyPr/>
-          <a:lstStyle/>
-          <a:p>
-            <a:r>
-              <a:rPr lang="fr-FR" dirty="0"/>
-              <a:t>Exemple Iris</a:t>
-            </a:r>
-          </a:p>
-        </p:txBody>
-      </p:sp>
-      <p:sp>
-        <p:nvSpPr>
-          <p:cNvPr id="3" name="Espace réservé du contenu 2"/>
-          <p:cNvSpPr>
-            <a:spLocks noGrp="1"/>
-          </p:cNvSpPr>
-          <p:nvPr>
-            <p:ph idx="1"/>
-          </p:nvPr>
-        </p:nvSpPr>
-        <p:spPr/>
-        <p:txBody>
-          <a:bodyPr/>
-          <a:lstStyle/>
-          <a:p>
-            <a:endParaRPr lang="fr-FR"/>
-          </a:p>
-        </p:txBody>
-      </p:sp>
-      <p:pic>
-        <p:nvPicPr>
-          <p:cNvPr id="1026" name="Picture 2" descr="https://cdn-images-1.medium.com/max/1200/1*IPLwmH-TJRhEWXW7uaetMw.png"/>
-          <p:cNvPicPr>
-            <a:picLocks noChangeAspect="1" noChangeArrowheads="1"/>
-          </p:cNvPicPr>
-          <p:nvPr/>
-        </p:nvPicPr>
-        <p:blipFill>
-          <a:blip r:embed="rId2">
-            <a:extLst>
-              <a:ext uri="{28A0092B-C50C-407E-A947-70E740481C1C}">
-                <a14:useLocalDpi xmlns:a14="http://schemas.microsoft.com/office/drawing/2010/main" val="0"/>
-              </a:ext>
-            </a:extLst>
-          </a:blip>
-          <a:srcRect/>
-          <a:stretch>
-            <a:fillRect/>
-          </a:stretch>
-        </p:blipFill>
-        <p:spPr bwMode="auto">
-          <a:xfrm>
-            <a:off x="1979712" y="1156209"/>
-            <a:ext cx="5363354" cy="5184576"/>
-          </a:xfrm>
-          <a:prstGeom prst="rect">
-            <a:avLst/>
-          </a:prstGeom>
-          <a:noFill/>
-          <a:extLst>
-            <a:ext uri="{909E8E84-426E-40DD-AFC4-6F175D3DCCD1}">
-              <a14:hiddenFill xmlns:a14="http://schemas.microsoft.com/office/drawing/2010/main">
-                <a:solidFill>
-                  <a:srgbClr val="FFFFFF"/>
-                </a:solidFill>
-              </a14:hiddenFill>
-            </a:ext>
-          </a:extLst>
-        </p:spPr>
-      </p:pic>
-    </p:spTree>
-    <p:extLst>
-      <p:ext uri="{BB962C8B-B14F-4D97-AF65-F5344CB8AC3E}">
-        <p14:creationId xmlns:p14="http://schemas.microsoft.com/office/powerpoint/2010/main" val="3876647213"/>
-      </p:ext>
-    </p:extLst>
-  </p:cSld>
-  <p:clrMapOvr>
-    <a:masterClrMapping/>
-  </p:clrMapOvr>
-</p:sld>
-</file>
-
-<file path=ppt/slides/slide41.xml><?xml version="1.0" encoding="utf-8"?>
-<p:sld xmlns:a="http://schemas.openxmlformats.org/drawingml/2006/main" xmlns:r="http://schemas.openxmlformats.org/officeDocument/2006/relationships" xmlns:p="http://schemas.openxmlformats.org/presentationml/2006/main">
-  <p:cSld>
-    <p:spTree>
-      <p:nvGrpSpPr>
-        <p:cNvPr id="1" name=""/>
-        <p:cNvGrpSpPr/>
-        <p:nvPr/>
-      </p:nvGrpSpPr>
-      <p:grpSpPr>
-        <a:xfrm>
-          <a:off x="0" y="0"/>
-          <a:ext cx="0" cy="0"/>
-          <a:chOff x="0" y="0"/>
-          <a:chExt cx="0" cy="0"/>
-        </a:xfrm>
-      </p:grpSpPr>
-      <p:sp>
-        <p:nvSpPr>
-          <p:cNvPr id="2" name="Titre 1"/>
-          <p:cNvSpPr>
-            <a:spLocks noGrp="1"/>
-          </p:cNvSpPr>
-          <p:nvPr>
-            <p:ph type="title"/>
-          </p:nvPr>
-        </p:nvSpPr>
-        <p:spPr/>
-        <p:txBody>
-          <a:bodyPr/>
-          <a:lstStyle/>
-          <a:p>
-            <a:r>
-              <a:rPr lang="fr-FR" dirty="0"/>
-              <a:t>Importances des </a:t>
-            </a:r>
-            <a:r>
-              <a:rPr lang="fr-FR" dirty="0" err="1"/>
-              <a:t>features</a:t>
-            </a:r>
-            <a:endParaRPr lang="fr-FR" dirty="0"/>
-          </a:p>
-        </p:txBody>
-      </p:sp>
-      <p:sp>
-        <p:nvSpPr>
-          <p:cNvPr id="3" name="Espace réservé du contenu 2"/>
-          <p:cNvSpPr>
-            <a:spLocks noGrp="1"/>
-          </p:cNvSpPr>
-          <p:nvPr>
-            <p:ph idx="1"/>
-          </p:nvPr>
-        </p:nvSpPr>
-        <p:spPr/>
-        <p:txBody>
-          <a:bodyPr/>
-          <a:lstStyle/>
-          <a:p>
-            <a:r>
-              <a:rPr lang="fr-FR" dirty="0"/>
-              <a:t>Les précédents algorithmes ne permettaient pas de connaître l'importance de chaque </a:t>
-            </a:r>
-            <a:r>
-              <a:rPr lang="fr-FR" dirty="0" err="1"/>
-              <a:t>feature</a:t>
-            </a:r>
-            <a:endParaRPr lang="fr-FR" dirty="0"/>
-          </a:p>
-          <a:p>
-            <a:r>
-              <a:rPr lang="fr-FR" dirty="0"/>
-              <a:t>Il est souvent utile de savoir les </a:t>
-            </a:r>
-            <a:r>
-              <a:rPr lang="fr-FR" dirty="0" err="1"/>
-              <a:t>features</a:t>
-            </a:r>
-            <a:r>
-              <a:rPr lang="fr-FR" dirty="0"/>
-              <a:t> prépondérantes</a:t>
-            </a:r>
-          </a:p>
-          <a:p>
-            <a:pPr lvl="1"/>
-            <a:r>
-              <a:rPr lang="fr-FR" dirty="0"/>
-              <a:t>Et l'inverse celle qui ne le sont pas</a:t>
-            </a:r>
-          </a:p>
-          <a:p>
-            <a:pPr lvl="1"/>
-            <a:r>
-              <a:rPr lang="fr-FR" dirty="0"/>
-              <a:t>Permet de faire baisser le nombre de dimension</a:t>
-            </a:r>
-          </a:p>
-          <a:p>
-            <a:pPr lvl="1"/>
-            <a:endParaRPr lang="fr-FR" dirty="0"/>
-          </a:p>
-          <a:p>
-            <a:endParaRPr lang="fr-FR" dirty="0"/>
-          </a:p>
-        </p:txBody>
-      </p:sp>
-    </p:spTree>
-    <p:extLst>
-      <p:ext uri="{BB962C8B-B14F-4D97-AF65-F5344CB8AC3E}">
-        <p14:creationId xmlns:p14="http://schemas.microsoft.com/office/powerpoint/2010/main" val="2130078548"/>
-      </p:ext>
-    </p:extLst>
-  </p:cSld>
-  <p:clrMapOvr>
-    <a:masterClrMapping/>
-  </p:clrMapOvr>
-</p:sld>
-</file>
-
-<file path=ppt/slides/slide42.xml><?xml version="1.0" encoding="utf-8"?>
-<p:sld xmlns:a="http://schemas.openxmlformats.org/drawingml/2006/main" xmlns:r="http://schemas.openxmlformats.org/officeDocument/2006/relationships" xmlns:p="http://schemas.openxmlformats.org/presentationml/2006/main">
-  <p:cSld>
-    <p:spTree>
-      <p:nvGrpSpPr>
-        <p:cNvPr id="1" name=""/>
-        <p:cNvGrpSpPr/>
-        <p:nvPr/>
-      </p:nvGrpSpPr>
-      <p:grpSpPr>
-        <a:xfrm>
-          <a:off x="0" y="0"/>
-          <a:ext cx="0" cy="0"/>
-          <a:chOff x="0" y="0"/>
-          <a:chExt cx="0" cy="0"/>
-        </a:xfrm>
-      </p:grpSpPr>
-      <p:sp>
-        <p:nvSpPr>
-          <p:cNvPr id="2" name="Titre 1"/>
-          <p:cNvSpPr>
-            <a:spLocks noGrp="1"/>
-          </p:cNvSpPr>
-          <p:nvPr>
-            <p:ph type="title"/>
-          </p:nvPr>
-        </p:nvSpPr>
-        <p:spPr/>
-        <p:txBody>
-          <a:bodyPr/>
-          <a:lstStyle/>
-          <a:p>
-            <a:r>
-              <a:rPr lang="fr-FR" dirty="0"/>
-              <a:t>Importance </a:t>
-            </a:r>
-            <a:r>
-              <a:rPr lang="fr-FR" dirty="0" err="1"/>
-              <a:t>Feature</a:t>
-            </a:r>
-            <a:endParaRPr lang="fr-FR" dirty="0"/>
-          </a:p>
-        </p:txBody>
-      </p:sp>
-      <p:sp>
-        <p:nvSpPr>
-          <p:cNvPr id="3" name="Espace réservé du contenu 2"/>
-          <p:cNvSpPr>
-            <a:spLocks noGrp="1"/>
-          </p:cNvSpPr>
-          <p:nvPr>
-            <p:ph idx="1"/>
-          </p:nvPr>
-        </p:nvSpPr>
-        <p:spPr/>
-        <p:txBody>
-          <a:bodyPr/>
-          <a:lstStyle/>
-          <a:p>
-            <a:r>
-              <a:rPr lang="fr-FR" dirty="0" err="1"/>
-              <a:t>forest.feature_importances</a:t>
-            </a:r>
-            <a:r>
-              <a:rPr lang="fr-FR" dirty="0"/>
-              <a:t>_</a:t>
-            </a:r>
-          </a:p>
-          <a:p>
-            <a:pPr lvl="1"/>
-            <a:r>
-              <a:rPr lang="fr-FR" dirty="0"/>
-              <a:t>Permet de donner pour chaque </a:t>
-            </a:r>
-            <a:r>
-              <a:rPr lang="fr-FR" dirty="0" err="1"/>
-              <a:t>feature</a:t>
-            </a:r>
-            <a:r>
-              <a:rPr lang="fr-FR" dirty="0"/>
-              <a:t> son importance sur 1</a:t>
-            </a:r>
-          </a:p>
-        </p:txBody>
-      </p:sp>
-    </p:spTree>
-    <p:extLst>
-      <p:ext uri="{BB962C8B-B14F-4D97-AF65-F5344CB8AC3E}">
-        <p14:creationId xmlns:p14="http://schemas.microsoft.com/office/powerpoint/2010/main" val="3660286143"/>
-      </p:ext>
-    </p:extLst>
-  </p:cSld>
-  <p:clrMapOvr>
-    <a:masterClrMapping/>
-  </p:clrMapOvr>
-</p:sld>
-</file>
-
-<file path=ppt/slides/slide43.xml><?xml version="1.0" encoding="utf-8"?>
-<p:sld xmlns:a="http://schemas.openxmlformats.org/drawingml/2006/main" xmlns:r="http://schemas.openxmlformats.org/officeDocument/2006/relationships" xmlns:p="http://schemas.openxmlformats.org/presentationml/2006/main">
-  <p:cSld>
-    <p:spTree>
-      <p:nvGrpSpPr>
-        <p:cNvPr id="1" name=""/>
-        <p:cNvGrpSpPr/>
-        <p:nvPr/>
-      </p:nvGrpSpPr>
-      <p:grpSpPr>
-        <a:xfrm>
-          <a:off x="0" y="0"/>
-          <a:ext cx="0" cy="0"/>
-          <a:chOff x="0" y="0"/>
-          <a:chExt cx="0" cy="0"/>
-        </a:xfrm>
-      </p:grpSpPr>
-      <p:sp>
-        <p:nvSpPr>
-          <p:cNvPr id="2" name="Titre 1"/>
-          <p:cNvSpPr>
-            <a:spLocks noGrp="1"/>
-          </p:cNvSpPr>
-          <p:nvPr>
-            <p:ph type="title"/>
-          </p:nvPr>
-        </p:nvSpPr>
-        <p:spPr/>
-        <p:txBody>
-          <a:bodyPr/>
-          <a:lstStyle/>
-          <a:p>
-            <a:r>
-              <a:rPr lang="fr-FR"/>
-              <a:t>Neurone</a:t>
-            </a:r>
-          </a:p>
-        </p:txBody>
-      </p:sp>
-      <p:sp>
-        <p:nvSpPr>
-          <p:cNvPr id="3" name="Espace réservé du contenu 2"/>
-          <p:cNvSpPr>
-            <a:spLocks noGrp="1"/>
-          </p:cNvSpPr>
-          <p:nvPr>
-            <p:ph idx="1"/>
-          </p:nvPr>
-        </p:nvSpPr>
-        <p:spPr/>
-        <p:txBody>
-          <a:bodyPr/>
-          <a:lstStyle/>
-          <a:p>
-            <a:r>
-              <a:rPr lang="fr-FR" dirty="0"/>
-              <a:t>En biologie un neurone est une cellule connecté à d’autre neurones qui a la faculté de laisser passer ou non un courant électrique</a:t>
-            </a:r>
-          </a:p>
-          <a:p>
-            <a:r>
-              <a:rPr lang="fr-FR" dirty="0"/>
-              <a:t>Sa modélisation mathématique est appelé perceptron</a:t>
-            </a:r>
-          </a:p>
-          <a:p>
-            <a:endParaRPr lang="fr-FR" dirty="0"/>
-          </a:p>
-        </p:txBody>
-      </p:sp>
-    </p:spTree>
-    <p:extLst>
-      <p:ext uri="{BB962C8B-B14F-4D97-AF65-F5344CB8AC3E}">
-        <p14:creationId xmlns:p14="http://schemas.microsoft.com/office/powerpoint/2010/main" val="1551540444"/>
-      </p:ext>
-    </p:extLst>
-  </p:cSld>
-  <p:clrMapOvr>
-    <a:masterClrMapping/>
-  </p:clrMapOvr>
-</p:sld>
-</file>
-
-<file path=ppt/slides/slide44.xml><?xml version="1.0" encoding="utf-8"?>
-<p:sld xmlns:a="http://schemas.openxmlformats.org/drawingml/2006/main" xmlns:r="http://schemas.openxmlformats.org/officeDocument/2006/relationships" xmlns:p="http://schemas.openxmlformats.org/presentationml/2006/main">
-  <p:cSld>
-    <p:spTree>
-      <p:nvGrpSpPr>
-        <p:cNvPr id="1" name=""/>
-        <p:cNvGrpSpPr/>
-        <p:nvPr/>
-      </p:nvGrpSpPr>
-      <p:grpSpPr>
-        <a:xfrm>
-          <a:off x="0" y="0"/>
-          <a:ext cx="0" cy="0"/>
-          <a:chOff x="0" y="0"/>
-          <a:chExt cx="0" cy="0"/>
-        </a:xfrm>
-      </p:grpSpPr>
-      <p:sp>
-        <p:nvSpPr>
-          <p:cNvPr id="2" name="Titre 1"/>
-          <p:cNvSpPr>
-            <a:spLocks noGrp="1"/>
-          </p:cNvSpPr>
-          <p:nvPr>
-            <p:ph type="title"/>
-          </p:nvPr>
-        </p:nvSpPr>
-        <p:spPr/>
-        <p:txBody>
-          <a:bodyPr/>
-          <a:lstStyle/>
-          <a:p>
-            <a:r>
-              <a:rPr lang="fr-FR" dirty="0"/>
-              <a:t>Exemple simple</a:t>
-            </a:r>
-          </a:p>
-        </p:txBody>
-      </p:sp>
-      <p:sp>
-        <p:nvSpPr>
-          <p:cNvPr id="3" name="Espace réservé du contenu 2"/>
-          <p:cNvSpPr>
-            <a:spLocks noGrp="1"/>
-          </p:cNvSpPr>
-          <p:nvPr>
-            <p:ph idx="1"/>
-          </p:nvPr>
-        </p:nvSpPr>
-        <p:spPr/>
-        <p:txBody>
-          <a:bodyPr/>
-          <a:lstStyle/>
-          <a:p>
-            <a:r>
-              <a:rPr lang="fr-FR" dirty="0"/>
-              <a:t>Réseau (2,2,2)</a:t>
-            </a:r>
-          </a:p>
-          <a:p>
-            <a:pPr lvl="1"/>
-            <a:r>
-              <a:rPr lang="fr-FR" dirty="0"/>
-              <a:t>2 inputs</a:t>
-            </a:r>
-          </a:p>
-          <a:p>
-            <a:pPr lvl="1"/>
-            <a:r>
-              <a:rPr lang="fr-FR" dirty="0"/>
-              <a:t>2 </a:t>
-            </a:r>
-            <a:r>
-              <a:rPr lang="fr-FR" dirty="0" err="1"/>
-              <a:t>hiddens</a:t>
-            </a:r>
-            <a:endParaRPr lang="fr-FR" dirty="0"/>
-          </a:p>
-          <a:p>
-            <a:pPr lvl="1"/>
-            <a:r>
-              <a:rPr lang="fr-FR" dirty="0"/>
-              <a:t>2 outputs</a:t>
-            </a:r>
-          </a:p>
-          <a:p>
-            <a:r>
-              <a:rPr lang="fr-FR" dirty="0"/>
-              <a:t>Input [0.05, 0.1]</a:t>
-            </a:r>
-          </a:p>
-          <a:p>
-            <a:r>
-              <a:rPr lang="fr-FR" dirty="0"/>
-              <a:t>Output </a:t>
-            </a:r>
-            <a:r>
-              <a:rPr lang="fr-FR" dirty="0" err="1"/>
-              <a:t>target</a:t>
-            </a:r>
-            <a:r>
-              <a:rPr lang="fr-FR" dirty="0"/>
-              <a:t> [0.01, 0.99]</a:t>
-            </a:r>
-          </a:p>
-          <a:p>
-            <a:r>
-              <a:rPr lang="fr-FR" dirty="0" err="1"/>
-              <a:t>wx</a:t>
-            </a:r>
-            <a:r>
-              <a:rPr lang="fr-FR" dirty="0"/>
-              <a:t> = Poids</a:t>
-            </a:r>
-          </a:p>
-          <a:p>
-            <a:r>
-              <a:rPr lang="fr-FR" dirty="0" err="1"/>
-              <a:t>bx</a:t>
-            </a:r>
-            <a:r>
-              <a:rPr lang="fr-FR" dirty="0"/>
-              <a:t> = </a:t>
-            </a:r>
-            <a:r>
-              <a:rPr lang="fr-FR" dirty="0" err="1"/>
-              <a:t>Bias</a:t>
-            </a:r>
-            <a:r>
-              <a:rPr lang="fr-FR" dirty="0"/>
-              <a:t> (seuils)</a:t>
-            </a:r>
-          </a:p>
-        </p:txBody>
-      </p:sp>
-      <p:pic>
-        <p:nvPicPr>
-          <p:cNvPr id="1028" name="Picture 4" descr="neural_network (9)"/>
-          <p:cNvPicPr>
-            <a:picLocks noChangeAspect="1" noChangeArrowheads="1"/>
-          </p:cNvPicPr>
-          <p:nvPr/>
-        </p:nvPicPr>
-        <p:blipFill>
-          <a:blip r:embed="rId2">
-            <a:extLst>
-              <a:ext uri="{28A0092B-C50C-407E-A947-70E740481C1C}">
-                <a14:useLocalDpi xmlns:a14="http://schemas.microsoft.com/office/drawing/2010/main" val="0"/>
-              </a:ext>
-            </a:extLst>
-          </a:blip>
-          <a:srcRect/>
-          <a:stretch>
-            <a:fillRect/>
-          </a:stretch>
-        </p:blipFill>
-        <p:spPr bwMode="auto">
-          <a:xfrm>
-            <a:off x="4562537" y="1556792"/>
-            <a:ext cx="4152900" cy="3533776"/>
-          </a:xfrm>
-          <a:prstGeom prst="rect">
-            <a:avLst/>
-          </a:prstGeom>
-          <a:noFill/>
-          <a:extLst>
-            <a:ext uri="{909E8E84-426E-40DD-AFC4-6F175D3DCCD1}">
-              <a14:hiddenFill xmlns:a14="http://schemas.microsoft.com/office/drawing/2010/main">
-                <a:solidFill>
-                  <a:srgbClr val="FFFFFF"/>
-                </a:solidFill>
-              </a14:hiddenFill>
-            </a:ext>
-          </a:extLst>
-        </p:spPr>
-      </p:pic>
-    </p:spTree>
-    <p:extLst>
-      <p:ext uri="{BB962C8B-B14F-4D97-AF65-F5344CB8AC3E}">
-        <p14:creationId xmlns:p14="http://schemas.microsoft.com/office/powerpoint/2010/main" val="113919645"/>
-      </p:ext>
-    </p:extLst>
-  </p:cSld>
-  <p:clrMapOvr>
-    <a:masterClrMapping/>
-  </p:clrMapOvr>
-</p:sld>
-</file>
-
-<file path=ppt/slides/slide45.xml><?xml version="1.0" encoding="utf-8"?>
-<p:sld xmlns:a="http://schemas.openxmlformats.org/drawingml/2006/main" xmlns:r="http://schemas.openxmlformats.org/officeDocument/2006/relationships" xmlns:p="http://schemas.openxmlformats.org/presentationml/2006/main">
-  <p:cSld>
-    <p:spTree>
-      <p:nvGrpSpPr>
-        <p:cNvPr id="1" name=""/>
-        <p:cNvGrpSpPr/>
-        <p:nvPr/>
-      </p:nvGrpSpPr>
-      <p:grpSpPr>
-        <a:xfrm>
-          <a:off x="0" y="0"/>
-          <a:ext cx="0" cy="0"/>
-          <a:chOff x="0" y="0"/>
-          <a:chExt cx="0" cy="0"/>
-        </a:xfrm>
-      </p:grpSpPr>
-      <p:sp>
-        <p:nvSpPr>
-          <p:cNvPr id="2" name="Titre 1"/>
-          <p:cNvSpPr>
-            <a:spLocks noGrp="1"/>
-          </p:cNvSpPr>
-          <p:nvPr>
-            <p:ph type="title"/>
-          </p:nvPr>
-        </p:nvSpPr>
-        <p:spPr/>
-        <p:txBody>
-          <a:bodyPr/>
-          <a:lstStyle/>
-          <a:p>
-            <a:r>
-              <a:rPr lang="fr-FR" dirty="0" err="1"/>
-              <a:t>Backpropagation</a:t>
-            </a:r>
-            <a:endParaRPr lang="fr-FR" dirty="0"/>
-          </a:p>
-        </p:txBody>
-      </p:sp>
-      <p:sp>
-        <p:nvSpPr>
-          <p:cNvPr id="3" name="Espace réservé du contenu 2"/>
-          <p:cNvSpPr>
-            <a:spLocks noGrp="1"/>
-          </p:cNvSpPr>
-          <p:nvPr>
-            <p:ph idx="1"/>
-          </p:nvPr>
-        </p:nvSpPr>
-        <p:spPr/>
-        <p:txBody>
-          <a:bodyPr/>
-          <a:lstStyle/>
-          <a:p>
-            <a:r>
-              <a:rPr lang="fr-FR" dirty="0"/>
-              <a:t>Les réseaux de neurones sont souvent supervisé</a:t>
-            </a:r>
-          </a:p>
-          <a:p>
-            <a:pPr lvl="1"/>
-            <a:r>
-              <a:rPr lang="fr-FR" dirty="0"/>
-              <a:t>Présence d’un feedback pour indiquer si le calcul est bon</a:t>
-            </a:r>
-          </a:p>
-          <a:p>
-            <a:r>
-              <a:rPr lang="fr-FR" dirty="0"/>
-              <a:t>Si le feedback est bon, le neurone se fige un peu plus</a:t>
-            </a:r>
-          </a:p>
-          <a:p>
-            <a:r>
-              <a:rPr lang="fr-FR" dirty="0"/>
-              <a:t>Sinon, le seuil et les poids changent un peu</a:t>
-            </a:r>
-          </a:p>
-          <a:p>
-            <a:endParaRPr lang="fr-FR" dirty="0"/>
-          </a:p>
-          <a:p>
-            <a:endParaRPr lang="fr-FR" dirty="0"/>
-          </a:p>
-        </p:txBody>
-      </p:sp>
-    </p:spTree>
-    <p:extLst>
-      <p:ext uri="{BB962C8B-B14F-4D97-AF65-F5344CB8AC3E}">
-        <p14:creationId xmlns:p14="http://schemas.microsoft.com/office/powerpoint/2010/main" val="1210553398"/>
-      </p:ext>
-    </p:extLst>
-  </p:cSld>
-  <p:clrMapOvr>
-    <a:masterClrMapping/>
-  </p:clrMapOvr>
-</p:sld>
-</file>
-
-<file path=ppt/slides/slide46.xml><?xml version="1.0" encoding="utf-8"?>
-<p:sld xmlns:a="http://schemas.openxmlformats.org/drawingml/2006/main" xmlns:r="http://schemas.openxmlformats.org/officeDocument/2006/relationships" xmlns:p="http://schemas.openxmlformats.org/presentationml/2006/main">
-  <p:cSld>
-    <p:spTree>
-      <p:nvGrpSpPr>
-        <p:cNvPr id="1" name=""/>
-        <p:cNvGrpSpPr/>
-        <p:nvPr/>
-      </p:nvGrpSpPr>
-      <p:grpSpPr>
-        <a:xfrm>
-          <a:off x="0" y="0"/>
-          <a:ext cx="0" cy="0"/>
-          <a:chOff x="0" y="0"/>
-          <a:chExt cx="0" cy="0"/>
-        </a:xfrm>
-      </p:grpSpPr>
-      <p:sp>
-        <p:nvSpPr>
-          <p:cNvPr id="2" name="Titre 1"/>
-          <p:cNvSpPr>
-            <a:spLocks noGrp="1"/>
-          </p:cNvSpPr>
-          <p:nvPr>
-            <p:ph type="title"/>
-          </p:nvPr>
-        </p:nvSpPr>
-        <p:spPr/>
-        <p:txBody>
-          <a:bodyPr/>
-          <a:lstStyle/>
-          <a:p>
-            <a:r>
-              <a:rPr lang="fr-FR" dirty="0" err="1"/>
-              <a:t>Backpropagation</a:t>
-            </a:r>
-            <a:endParaRPr lang="fr-FR" dirty="0"/>
-          </a:p>
-        </p:txBody>
-      </p:sp>
-      <p:pic>
-        <p:nvPicPr>
-          <p:cNvPr id="4098" name="Picture 2" descr="https://dpzbhybb2pdcj.cloudfront.net/allaire/Figures/01fig09.jpg"/>
-          <p:cNvPicPr>
-            <a:picLocks noGrp="1" noChangeAspect="1" noChangeArrowheads="1"/>
-          </p:cNvPicPr>
-          <p:nvPr>
-            <p:ph idx="1"/>
-          </p:nvPr>
-        </p:nvPicPr>
-        <p:blipFill>
-          <a:blip r:embed="rId2">
-            <a:extLst>
-              <a:ext uri="{28A0092B-C50C-407E-A947-70E740481C1C}">
-                <a14:useLocalDpi xmlns:a14="http://schemas.microsoft.com/office/drawing/2010/main" val="0"/>
-              </a:ext>
-            </a:extLst>
-          </a:blip>
-          <a:srcRect/>
-          <a:stretch>
-            <a:fillRect/>
-          </a:stretch>
-        </p:blipFill>
-        <p:spPr bwMode="auto">
-          <a:xfrm>
-            <a:off x="2798341" y="1772816"/>
-            <a:ext cx="4608512" cy="3657214"/>
-          </a:xfrm>
-          <a:prstGeom prst="rect">
-            <a:avLst/>
-          </a:prstGeom>
-          <a:noFill/>
-          <a:extLst>
-            <a:ext uri="{909E8E84-426E-40DD-AFC4-6F175D3DCCD1}">
-              <a14:hiddenFill xmlns:a14="http://schemas.microsoft.com/office/drawing/2010/main">
-                <a:solidFill>
-                  <a:srgbClr val="FFFFFF"/>
-                </a:solidFill>
-              </a14:hiddenFill>
-            </a:ext>
-          </a:extLst>
-        </p:spPr>
-      </p:pic>
-    </p:spTree>
-    <p:extLst>
-      <p:ext uri="{BB962C8B-B14F-4D97-AF65-F5344CB8AC3E}">
-        <p14:creationId xmlns:p14="http://schemas.microsoft.com/office/powerpoint/2010/main" val="338348278"/>
-      </p:ext>
-    </p:extLst>
-  </p:cSld>
-  <p:clrMapOvr>
-    <a:masterClrMapping/>
-  </p:clrMapOvr>
-</p:sld>
-</file>
-
-<file path=ppt/slides/slide47.xml><?xml version="1.0" encoding="utf-8"?>
-<p:sld xmlns:a="http://schemas.openxmlformats.org/drawingml/2006/main" xmlns:r="http://schemas.openxmlformats.org/officeDocument/2006/relationships" xmlns:p="http://schemas.openxmlformats.org/presentationml/2006/main">
-  <p:cSld>
-    <p:spTree>
-      <p:nvGrpSpPr>
-        <p:cNvPr id="1" name=""/>
-        <p:cNvGrpSpPr/>
-        <p:nvPr/>
-      </p:nvGrpSpPr>
-      <p:grpSpPr>
-        <a:xfrm>
-          <a:off x="0" y="0"/>
-          <a:ext cx="0" cy="0"/>
-          <a:chOff x="0" y="0"/>
-          <a:chExt cx="0" cy="0"/>
-        </a:xfrm>
-      </p:grpSpPr>
-      <p:sp>
-        <p:nvSpPr>
-          <p:cNvPr id="2" name="Titre 1"/>
-          <p:cNvSpPr>
-            <a:spLocks noGrp="1"/>
-          </p:cNvSpPr>
-          <p:nvPr>
-            <p:ph type="title"/>
-          </p:nvPr>
-        </p:nvSpPr>
-        <p:spPr/>
-        <p:txBody>
-          <a:bodyPr/>
-          <a:lstStyle/>
-          <a:p>
-            <a:r>
-              <a:rPr lang="fr-FR"/>
-              <a:t>MLPClassifier</a:t>
-            </a:r>
-            <a:endParaRPr lang="fr-FR" dirty="0"/>
-          </a:p>
-        </p:txBody>
-      </p:sp>
-      <p:sp>
-        <p:nvSpPr>
-          <p:cNvPr id="3" name="Espace réservé du contenu 2"/>
-          <p:cNvSpPr>
-            <a:spLocks noGrp="1"/>
-          </p:cNvSpPr>
-          <p:nvPr>
-            <p:ph idx="1"/>
-          </p:nvPr>
-        </p:nvSpPr>
-        <p:spPr/>
-        <p:txBody>
-          <a:bodyPr/>
-          <a:lstStyle/>
-          <a:p>
-            <a:r>
-              <a:rPr lang="fr-FR" dirty="0"/>
-              <a:t>Multi Layer Perceptron Classifier</a:t>
-            </a:r>
-          </a:p>
-          <a:p>
-            <a:r>
-              <a:rPr lang="fr-FR" dirty="0" err="1"/>
-              <a:t>Hidden_layer_size</a:t>
-            </a:r>
-            <a:endParaRPr lang="fr-FR" dirty="0"/>
-          </a:p>
-          <a:p>
-            <a:pPr lvl="1"/>
-            <a:r>
-              <a:rPr lang="fr-FR" dirty="0"/>
-              <a:t>nombre de perceptron par couche</a:t>
-            </a:r>
-          </a:p>
-          <a:p>
-            <a:pPr lvl="1"/>
-            <a:r>
-              <a:rPr lang="fr-FR" dirty="0"/>
-              <a:t>(30,30,30) : trois couches de 30 perceptrons</a:t>
-            </a:r>
-          </a:p>
-          <a:p>
-            <a:r>
-              <a:rPr lang="fr-FR" dirty="0"/>
-              <a:t>Activation</a:t>
-            </a:r>
-          </a:p>
-          <a:p>
-            <a:pPr lvl="1"/>
-            <a:r>
-              <a:rPr lang="fr-FR" dirty="0"/>
-              <a:t>Fonction d’activation</a:t>
-            </a:r>
-          </a:p>
-          <a:p>
-            <a:pPr lvl="1"/>
-            <a:r>
-              <a:rPr lang="fr-FR" dirty="0" err="1"/>
-              <a:t>Logistic</a:t>
-            </a:r>
-            <a:r>
-              <a:rPr lang="fr-FR" dirty="0"/>
-              <a:t> : </a:t>
-            </a:r>
-            <a:r>
-              <a:rPr lang="fr-FR" dirty="0" err="1"/>
-              <a:t>sigmoide</a:t>
-            </a:r>
-            <a:r>
-              <a:rPr lang="fr-FR" dirty="0"/>
-              <a:t> bien répartie mais couteuse : </a:t>
-            </a:r>
-            <a:r>
-              <a:rPr lang="fr-FR" sz="2200" dirty="0"/>
-              <a:t>f(x) = 1/1+exp(-x))</a:t>
-            </a:r>
-          </a:p>
-          <a:p>
-            <a:pPr lvl="1"/>
-            <a:r>
-              <a:rPr lang="fr-FR" dirty="0" err="1"/>
-              <a:t>Tanh</a:t>
-            </a:r>
-            <a:r>
-              <a:rPr lang="fr-FR" dirty="0"/>
-              <a:t> : </a:t>
-            </a:r>
-            <a:r>
-              <a:rPr lang="fr-FR" dirty="0" err="1"/>
-              <a:t>sigmoide</a:t>
-            </a:r>
-            <a:r>
-              <a:rPr lang="fr-FR" dirty="0"/>
-              <a:t> </a:t>
-            </a:r>
-            <a:r>
-              <a:rPr lang="fr-FR" dirty="0" err="1"/>
-              <a:t>simplifée</a:t>
-            </a:r>
-            <a:r>
-              <a:rPr lang="fr-FR" dirty="0"/>
-              <a:t> : f(x) = </a:t>
-            </a:r>
-            <a:r>
-              <a:rPr lang="fr-FR" dirty="0" err="1"/>
-              <a:t>tanh</a:t>
-            </a:r>
-            <a:r>
-              <a:rPr lang="fr-FR" dirty="0"/>
-              <a:t>(x)</a:t>
-            </a:r>
-          </a:p>
-          <a:p>
-            <a:pPr lvl="1"/>
-            <a:r>
-              <a:rPr lang="fr-FR" dirty="0"/>
-              <a:t>Relu (par défaut) : f(x) = max (0, x) rapide mais ne permet pas de tout faire </a:t>
-            </a:r>
-          </a:p>
-        </p:txBody>
-      </p:sp>
-      <p:pic>
-        <p:nvPicPr>
-          <p:cNvPr id="2050" name="Picture 2" descr="Résultat de recherche d'images pour &quot;sigmoide&quot;"/>
-          <p:cNvPicPr>
-            <a:picLocks noChangeAspect="1" noChangeArrowheads="1"/>
-          </p:cNvPicPr>
-          <p:nvPr/>
-        </p:nvPicPr>
-        <p:blipFill>
-          <a:blip r:embed="rId2">
-            <a:extLst>
-              <a:ext uri="{28A0092B-C50C-407E-A947-70E740481C1C}">
-                <a14:useLocalDpi xmlns:a14="http://schemas.microsoft.com/office/drawing/2010/main" val="0"/>
-              </a:ext>
-            </a:extLst>
-          </a:blip>
-          <a:srcRect/>
-          <a:stretch>
-            <a:fillRect/>
-          </a:stretch>
-        </p:blipFill>
-        <p:spPr bwMode="auto">
-          <a:xfrm>
-            <a:off x="7337450" y="2636912"/>
-            <a:ext cx="1680121" cy="1680122"/>
-          </a:xfrm>
-          <a:prstGeom prst="rect">
-            <a:avLst/>
-          </a:prstGeom>
-          <a:noFill/>
-          <a:extLst>
-            <a:ext uri="{909E8E84-426E-40DD-AFC4-6F175D3DCCD1}">
-              <a14:hiddenFill xmlns:a14="http://schemas.microsoft.com/office/drawing/2010/main">
-                <a:solidFill>
-                  <a:srgbClr val="FFFFFF"/>
-                </a:solidFill>
-              </a14:hiddenFill>
-            </a:ext>
-          </a:extLst>
-        </p:spPr>
-      </p:pic>
-    </p:spTree>
-    <p:extLst>
-      <p:ext uri="{BB962C8B-B14F-4D97-AF65-F5344CB8AC3E}">
-        <p14:creationId xmlns:p14="http://schemas.microsoft.com/office/powerpoint/2010/main" val="1573822535"/>
-      </p:ext>
-    </p:extLst>
-  </p:cSld>
-  <p:clrMapOvr>
-    <a:masterClrMapping/>
-  </p:clrMapOvr>
-</p:sld>
-</file>
-
-<file path=ppt/slides/slide48.xml><?xml version="1.0" encoding="utf-8"?>
-<p:sld xmlns:a="http://schemas.openxmlformats.org/drawingml/2006/main" xmlns:r="http://schemas.openxmlformats.org/officeDocument/2006/relationships" xmlns:p="http://schemas.openxmlformats.org/presentationml/2006/main">
-  <p:cSld>
-    <p:spTree>
-      <p:nvGrpSpPr>
-        <p:cNvPr id="1" name=""/>
-        <p:cNvGrpSpPr/>
-        <p:nvPr/>
-      </p:nvGrpSpPr>
-      <p:grpSpPr>
-        <a:xfrm>
-          <a:off x="0" y="0"/>
-          <a:ext cx="0" cy="0"/>
-          <a:chOff x="0" y="0"/>
-          <a:chExt cx="0" cy="0"/>
-        </a:xfrm>
-      </p:grpSpPr>
-      <p:sp>
-        <p:nvSpPr>
-          <p:cNvPr id="2" name="Titre 1"/>
-          <p:cNvSpPr>
-            <a:spLocks noGrp="1"/>
-          </p:cNvSpPr>
-          <p:nvPr>
-            <p:ph type="title"/>
-          </p:nvPr>
-        </p:nvSpPr>
-        <p:spPr/>
-        <p:txBody>
-          <a:bodyPr/>
-          <a:lstStyle/>
-          <a:p>
-            <a:r>
               <a:rPr lang="fr-FR" dirty="0" err="1"/>
               <a:t>MLPClassifier</a:t>
             </a:r>
@@ -9396,7 +6645,7 @@
 </p:sld>
 </file>
 
-<file path=ppt/slides/slide49.xml><?xml version="1.0" encoding="utf-8"?>
+<file path=ppt/slides/slide31.xml><?xml version="1.0" encoding="utf-8"?>
 <p:sld xmlns:a="http://schemas.openxmlformats.org/drawingml/2006/main" xmlns:r="http://schemas.openxmlformats.org/officeDocument/2006/relationships" xmlns:p="http://schemas.openxmlformats.org/presentationml/2006/main">
   <p:cSld>
     <p:spTree>
@@ -9556,6 +6805,232 @@
 </p:sld>
 </file>
 
+<file path=ppt/slides/slide32.xml><?xml version="1.0" encoding="utf-8"?>
+<p:sld xmlns:a="http://schemas.openxmlformats.org/drawingml/2006/main" xmlns:r="http://schemas.openxmlformats.org/officeDocument/2006/relationships" xmlns:p="http://schemas.openxmlformats.org/presentationml/2006/main">
+  <p:cSld>
+    <p:spTree>
+      <p:nvGrpSpPr>
+        <p:cNvPr id="1" name=""/>
+        <p:cNvGrpSpPr/>
+        <p:nvPr/>
+      </p:nvGrpSpPr>
+      <p:grpSpPr>
+        <a:xfrm>
+          <a:off x="0" y="0"/>
+          <a:ext cx="0" cy="0"/>
+          <a:chOff x="0" y="0"/>
+          <a:chExt cx="0" cy="0"/>
+        </a:xfrm>
+      </p:grpSpPr>
+      <p:sp>
+        <p:nvSpPr>
+          <p:cNvPr id="2" name="Titre 1"/>
+          <p:cNvSpPr>
+            <a:spLocks noGrp="1"/>
+          </p:cNvSpPr>
+          <p:nvPr>
+            <p:ph type="title"/>
+          </p:nvPr>
+        </p:nvSpPr>
+        <p:spPr/>
+        <p:txBody>
+          <a:bodyPr/>
+          <a:lstStyle/>
+          <a:p>
+            <a:r>
+              <a:rPr lang="fr-FR" dirty="0" err="1"/>
+              <a:t>MLPClassifier</a:t>
+            </a:r>
+            <a:endParaRPr lang="fr-FR" dirty="0"/>
+          </a:p>
+        </p:txBody>
+      </p:sp>
+      <p:pic>
+        <p:nvPicPr>
+          <p:cNvPr id="4" name="Image 3"/>
+          <p:cNvPicPr>
+            <a:picLocks noChangeAspect="1"/>
+          </p:cNvPicPr>
+          <p:nvPr/>
+        </p:nvPicPr>
+        <p:blipFill>
+          <a:blip r:embed="rId2"/>
+          <a:stretch>
+            <a:fillRect/>
+          </a:stretch>
+        </p:blipFill>
+        <p:spPr>
+          <a:xfrm>
+            <a:off x="85816" y="1433512"/>
+            <a:ext cx="9011862" cy="4731792"/>
+          </a:xfrm>
+          <a:prstGeom prst="rect">
+            <a:avLst/>
+          </a:prstGeom>
+        </p:spPr>
+      </p:pic>
+    </p:spTree>
+    <p:extLst>
+      <p:ext uri="{BB962C8B-B14F-4D97-AF65-F5344CB8AC3E}">
+        <p14:creationId xmlns:p14="http://schemas.microsoft.com/office/powerpoint/2010/main" val="1906528269"/>
+      </p:ext>
+    </p:extLst>
+  </p:cSld>
+  <p:clrMapOvr>
+    <a:masterClrMapping/>
+  </p:clrMapOvr>
+</p:sld>
+</file>
+
+<file path=ppt/slides/slide4.xml><?xml version="1.0" encoding="utf-8"?>
+<p:sld xmlns:a="http://schemas.openxmlformats.org/drawingml/2006/main" xmlns:r="http://schemas.openxmlformats.org/officeDocument/2006/relationships" xmlns:p="http://schemas.openxmlformats.org/presentationml/2006/main">
+  <p:cSld>
+    <p:spTree>
+      <p:nvGrpSpPr>
+        <p:cNvPr id="1" name=""/>
+        <p:cNvGrpSpPr/>
+        <p:nvPr/>
+      </p:nvGrpSpPr>
+      <p:grpSpPr>
+        <a:xfrm>
+          <a:off x="0" y="0"/>
+          <a:ext cx="0" cy="0"/>
+          <a:chOff x="0" y="0"/>
+          <a:chExt cx="0" cy="0"/>
+        </a:xfrm>
+      </p:grpSpPr>
+      <p:sp>
+        <p:nvSpPr>
+          <p:cNvPr id="2" name="Titre 1"/>
+          <p:cNvSpPr>
+            <a:spLocks noGrp="1"/>
+          </p:cNvSpPr>
+          <p:nvPr>
+            <p:ph type="title"/>
+          </p:nvPr>
+        </p:nvSpPr>
+        <p:spPr/>
+        <p:txBody>
+          <a:bodyPr/>
+          <a:lstStyle/>
+          <a:p>
+            <a:r>
+              <a:rPr lang="fr-FR" dirty="0"/>
+              <a:t>Régression</a:t>
+            </a:r>
+          </a:p>
+        </p:txBody>
+      </p:sp>
+      <p:sp>
+        <p:nvSpPr>
+          <p:cNvPr id="3" name="Espace réservé du contenu 2"/>
+          <p:cNvSpPr>
+            <a:spLocks noGrp="1"/>
+          </p:cNvSpPr>
+          <p:nvPr>
+            <p:ph idx="1"/>
+          </p:nvPr>
+        </p:nvSpPr>
+        <p:spPr/>
+        <p:txBody>
+          <a:bodyPr/>
+          <a:lstStyle/>
+          <a:p>
+            <a:r>
+              <a:rPr lang="fr-FR" dirty="0"/>
+              <a:t>Commençons par la régression linéaire</a:t>
+            </a:r>
+          </a:p>
+          <a:p>
+            <a:r>
+              <a:rPr lang="fr-FR" dirty="0"/>
+              <a:t>Import </a:t>
+            </a:r>
+            <a:r>
+              <a:rPr lang="fr-FR" dirty="0" err="1"/>
+              <a:t>sklearn.linearmodel</a:t>
+            </a:r>
+            <a:endParaRPr lang="fr-FR" dirty="0"/>
+          </a:p>
+          <a:p>
+            <a:pPr lvl="1"/>
+            <a:r>
+              <a:rPr lang="fr-FR" dirty="0"/>
+              <a:t>Minimisation de l’erreur </a:t>
+            </a:r>
+            <a:r>
+              <a:rPr lang="fr-FR" dirty="0" err="1"/>
+              <a:t>quadritique</a:t>
+            </a:r>
+            <a:endParaRPr lang="fr-FR" dirty="0"/>
+          </a:p>
+          <a:p>
+            <a:r>
+              <a:rPr lang="fr-FR" dirty="0"/>
+              <a:t>Classe </a:t>
+            </a:r>
+            <a:r>
+              <a:rPr lang="fr-FR" dirty="0" err="1"/>
+              <a:t>LinearRegression</a:t>
+            </a:r>
+            <a:endParaRPr lang="fr-FR" dirty="0"/>
+          </a:p>
+          <a:p>
+            <a:r>
+              <a:rPr lang="fr-FR" dirty="0"/>
+              <a:t>Fit()</a:t>
+            </a:r>
+          </a:p>
+          <a:p>
+            <a:pPr lvl="1"/>
+            <a:r>
+              <a:rPr lang="fr-FR" dirty="0"/>
+              <a:t>Va démarrer l’apprentissage</a:t>
+            </a:r>
+          </a:p>
+          <a:p>
+            <a:r>
+              <a:rPr lang="fr-FR" dirty="0" err="1"/>
+              <a:t>Predict</a:t>
+            </a:r>
+            <a:r>
+              <a:rPr lang="fr-FR" dirty="0"/>
+              <a:t>()</a:t>
+            </a:r>
+          </a:p>
+          <a:p>
+            <a:pPr lvl="1"/>
+            <a:r>
+              <a:rPr lang="fr-FR" dirty="0"/>
+              <a:t>Joue le modèle</a:t>
+            </a:r>
+          </a:p>
+          <a:p>
+            <a:r>
+              <a:rPr lang="fr-FR" dirty="0"/>
+              <a:t>Résultats identiques à </a:t>
+            </a:r>
+            <a:r>
+              <a:rPr lang="fr-FR" dirty="0" err="1"/>
+              <a:t>SciPy</a:t>
+            </a:r>
+            <a:endParaRPr lang="fr-FR" dirty="0"/>
+          </a:p>
+        </p:txBody>
+      </p:sp>
+    </p:spTree>
+    <p:extLst>
+      <p:ext uri="{BB962C8B-B14F-4D97-AF65-F5344CB8AC3E}">
+        <p14:creationId xmlns:p14="http://schemas.microsoft.com/office/powerpoint/2010/main" val="1909837884"/>
+      </p:ext>
+    </p:extLst>
+  </p:cSld>
+  <p:clrMapOvr>
+    <a:masterClrMapping/>
+  </p:clrMapOvr>
+</p:sld>
+</file>
+
 <file path=ppt/slides/slide5.xml><?xml version="1.0" encoding="utf-8"?>
 <p:sld xmlns:a="http://schemas.openxmlformats.org/drawingml/2006/main" xmlns:r="http://schemas.openxmlformats.org/officeDocument/2006/relationships" xmlns:p="http://schemas.openxmlformats.org/presentationml/2006/main">
   <p:cSld>
@@ -9649,83 +7124,6 @@
 </p:sld>
 </file>
 
-<file path=ppt/slides/slide50.xml><?xml version="1.0" encoding="utf-8"?>
-<p:sld xmlns:a="http://schemas.openxmlformats.org/drawingml/2006/main" xmlns:r="http://schemas.openxmlformats.org/officeDocument/2006/relationships" xmlns:p="http://schemas.openxmlformats.org/presentationml/2006/main">
-  <p:cSld>
-    <p:spTree>
-      <p:nvGrpSpPr>
-        <p:cNvPr id="1" name=""/>
-        <p:cNvGrpSpPr/>
-        <p:nvPr/>
-      </p:nvGrpSpPr>
-      <p:grpSpPr>
-        <a:xfrm>
-          <a:off x="0" y="0"/>
-          <a:ext cx="0" cy="0"/>
-          <a:chOff x="0" y="0"/>
-          <a:chExt cx="0" cy="0"/>
-        </a:xfrm>
-      </p:grpSpPr>
-      <p:sp>
-        <p:nvSpPr>
-          <p:cNvPr id="2" name="Titre 1"/>
-          <p:cNvSpPr>
-            <a:spLocks noGrp="1"/>
-          </p:cNvSpPr>
-          <p:nvPr>
-            <p:ph type="title"/>
-          </p:nvPr>
-        </p:nvSpPr>
-        <p:spPr/>
-        <p:txBody>
-          <a:bodyPr/>
-          <a:lstStyle/>
-          <a:p>
-            <a:r>
-              <a:rPr lang="fr-FR" dirty="0" err="1"/>
-              <a:t>MLPClassifier</a:t>
-            </a:r>
-            <a:endParaRPr lang="fr-FR" dirty="0"/>
-          </a:p>
-        </p:txBody>
-      </p:sp>
-      <p:pic>
-        <p:nvPicPr>
-          <p:cNvPr id="4" name="Image 3"/>
-          <p:cNvPicPr>
-            <a:picLocks noChangeAspect="1"/>
-          </p:cNvPicPr>
-          <p:nvPr/>
-        </p:nvPicPr>
-        <p:blipFill>
-          <a:blip r:embed="rId2"/>
-          <a:stretch>
-            <a:fillRect/>
-          </a:stretch>
-        </p:blipFill>
-        <p:spPr>
-          <a:xfrm>
-            <a:off x="85816" y="1433512"/>
-            <a:ext cx="9011862" cy="4731792"/>
-          </a:xfrm>
-          <a:prstGeom prst="rect">
-            <a:avLst/>
-          </a:prstGeom>
-        </p:spPr>
-      </p:pic>
-    </p:spTree>
-    <p:extLst>
-      <p:ext uri="{BB962C8B-B14F-4D97-AF65-F5344CB8AC3E}">
-        <p14:creationId xmlns:p14="http://schemas.microsoft.com/office/powerpoint/2010/main" val="1906528269"/>
-      </p:ext>
-    </p:extLst>
-  </p:cSld>
-  <p:clrMapOvr>
-    <a:masterClrMapping/>
-  </p:clrMapOvr>
-</p:sld>
-</file>
-
 <file path=ppt/slides/slide6.xml><?xml version="1.0" encoding="utf-8"?>
 <p:sld xmlns:a="http://schemas.openxmlformats.org/drawingml/2006/main" xmlns:r="http://schemas.openxmlformats.org/officeDocument/2006/relationships" xmlns:p="http://schemas.openxmlformats.org/presentationml/2006/main">
   <p:cSld>
@@ -9845,7 +7243,13 @@
       </p:grpSpPr>
       <p:sp>
         <p:nvSpPr>
-          <p:cNvPr id="2" name="Titre 1"/>
+          <p:cNvPr id="2" name="Titre 1">
+            <a:extLst>
+              <a:ext uri="{FF2B5EF4-FFF2-40B4-BE49-F238E27FC236}">
+                <a16:creationId xmlns:a16="http://schemas.microsoft.com/office/drawing/2014/main" id="{FAEA49F4-C275-48EC-A889-D3FD19BF21F1}"/>
+              </a:ext>
+            </a:extLst>
+          </p:cNvPr>
           <p:cNvSpPr>
             <a:spLocks noGrp="1"/>
           </p:cNvSpPr>
@@ -9859,15 +7263,30 @@
           <a:lstStyle/>
           <a:p>
             <a:r>
-              <a:rPr lang="fr-FR" dirty="0"/>
-              <a:t>Régression polynomiale</a:t>
-            </a:r>
-          </a:p>
-        </p:txBody>
-      </p:sp>
-      <p:sp>
-        <p:nvSpPr>
-          <p:cNvPr id="3" name="Espace réservé du contenu 2"/>
+              <a:rPr lang="fr-FR" dirty="0" err="1"/>
+              <a:t>Underfitting</a:t>
+            </a:r>
+            <a:r>
+              <a:rPr lang="fr-FR" dirty="0"/>
+              <a:t> vs </a:t>
+            </a:r>
+            <a:r>
+              <a:rPr lang="fr-FR" dirty="0" err="1"/>
+              <a:t>Overfitting</a:t>
+            </a:r>
+            <a:endParaRPr lang="fr-FR" dirty="0"/>
+          </a:p>
+        </p:txBody>
+      </p:sp>
+      <p:sp>
+        <p:nvSpPr>
+          <p:cNvPr id="3" name="Espace réservé du contenu 2">
+            <a:extLst>
+              <a:ext uri="{FF2B5EF4-FFF2-40B4-BE49-F238E27FC236}">
+                <a16:creationId xmlns:a16="http://schemas.microsoft.com/office/drawing/2014/main" id="{12585B36-F4DA-44E9-AE87-B3CCBEC1F5D1}"/>
+              </a:ext>
+            </a:extLst>
+          </p:cNvPr>
           <p:cNvSpPr>
             <a:spLocks noGrp="1"/>
           </p:cNvSpPr>
@@ -9880,62 +7299,44 @@
           <a:bodyPr/>
           <a:lstStyle/>
           <a:p>
-            <a:r>
-              <a:rPr lang="fr-FR" dirty="0" err="1"/>
-              <a:t>Sklearn</a:t>
-            </a:r>
-            <a:r>
-              <a:rPr lang="fr-FR" dirty="0"/>
-              <a:t> effectue des régressions polynomiale</a:t>
-            </a:r>
+            <a:endParaRPr lang="fr-FR"/>
           </a:p>
         </p:txBody>
       </p:sp>
       <p:pic>
         <p:nvPicPr>
-          <p:cNvPr id="4098" name="Picture 2" descr="../../_images/sphx_glr_plot_polynomial_interpolation_001.png"/>
+          <p:cNvPr id="5" name="Image 4">
+            <a:extLst>
+              <a:ext uri="{FF2B5EF4-FFF2-40B4-BE49-F238E27FC236}">
+                <a16:creationId xmlns:a16="http://schemas.microsoft.com/office/drawing/2014/main" id="{24AA51B4-41B5-4A72-9C3B-E3561DC657F7}"/>
+              </a:ext>
+            </a:extLst>
+          </p:cNvPr>
           <p:cNvPicPr>
-            <a:picLocks noChangeAspect="1" noChangeArrowheads="1"/>
+            <a:picLocks noChangeAspect="1"/>
           </p:cNvPicPr>
           <p:nvPr/>
         </p:nvPicPr>
         <p:blipFill>
-          <a:blip r:embed="rId2">
-            <a:extLst>
-              <a:ext uri="{28A0092B-C50C-407E-A947-70E740481C1C}">
-                <a14:useLocalDpi xmlns:a14="http://schemas.microsoft.com/office/drawing/2010/main" val="0"/>
-              </a:ext>
-            </a:extLst>
-          </a:blip>
-          <a:srcRect/>
+          <a:blip r:embed="rId2"/>
           <a:stretch>
             <a:fillRect/>
           </a:stretch>
         </p:blipFill>
-        <p:spPr bwMode="auto">
+        <p:spPr>
           <a:xfrm>
-            <a:off x="1835696" y="1877210"/>
-            <a:ext cx="6096000" cy="4572000"/>
+            <a:off x="1203265" y="2564904"/>
+            <a:ext cx="7839075" cy="3286125"/>
           </a:xfrm>
           <a:prstGeom prst="rect">
             <a:avLst/>
           </a:prstGeom>
-          <a:noFill/>
-          <a:extLst>
-            <a:ext uri="{909E8E84-426E-40DD-AFC4-6F175D3DCCD1}">
-              <a14:hiddenFill xmlns:a14="http://schemas.microsoft.com/office/drawing/2010/main">
-                <a:solidFill>
-                  <a:srgbClr val="FFFFFF"/>
-                </a:solidFill>
-              </a14:hiddenFill>
-            </a:ext>
-          </a:extLst>
         </p:spPr>
       </p:pic>
     </p:spTree>
     <p:extLst>
       <p:ext uri="{BB962C8B-B14F-4D97-AF65-F5344CB8AC3E}">
-        <p14:creationId xmlns:p14="http://schemas.microsoft.com/office/powerpoint/2010/main" val="3848354943"/>
+        <p14:creationId xmlns:p14="http://schemas.microsoft.com/office/powerpoint/2010/main" val="213946429"/>
       </p:ext>
     </p:extLst>
   </p:cSld>
@@ -9979,7 +7380,7 @@
           <a:p>
             <a:r>
               <a:rPr lang="fr-FR" dirty="0" err="1"/>
-              <a:t>PreProcessing</a:t>
+              <a:t>Echantillonage</a:t>
             </a:r>
             <a:endParaRPr lang="fr-FR" dirty="0"/>
           </a:p>
@@ -10001,61 +7402,72 @@
           <a:lstStyle/>
           <a:p>
             <a:r>
+              <a:rPr lang="fr-FR" dirty="0"/>
+              <a:t>Le jeu de données (</a:t>
+            </a:r>
+            <a:r>
               <a:rPr lang="fr-FR" dirty="0" err="1"/>
-              <a:t>Preprocessing</a:t>
-            </a:r>
-            <a:r>
-              <a:rPr lang="fr-FR" dirty="0"/>
-              <a:t> contient des </a:t>
+              <a:t>dataset</a:t>
+            </a:r>
+            <a:r>
+              <a:rPr lang="fr-FR" dirty="0"/>
+              <a:t>) dont vous disposez constitue une ressource précieuse</a:t>
+            </a:r>
+          </a:p>
+          <a:p>
+            <a:pPr lvl="1"/>
+            <a:r>
+              <a:rPr lang="fr-FR" dirty="0"/>
+              <a:t>Il faut pouvoir l’utiliser à bon escient afin de pouvoir à la fois choisir un modèle et l'entraîner</a:t>
+            </a:r>
+          </a:p>
+          <a:p>
+            <a:pPr lvl="1"/>
+            <a:r>
+              <a:rPr lang="fr-FR" dirty="0"/>
+              <a:t>mais aussi de pouvoir tester la qualité de ce modèle</a:t>
+            </a:r>
+          </a:p>
+          <a:p>
+            <a:r>
+              <a:rPr lang="fr-FR" dirty="0"/>
+              <a:t>La première question à se poser est</a:t>
+            </a:r>
+          </a:p>
+          <a:p>
+            <a:pPr lvl="1"/>
+            <a:r>
+              <a:rPr lang="fr-FR" dirty="0"/>
+              <a:t>Est-ce qu’on va utiliser toutes les données d'exemple dont on dispose ?</a:t>
+            </a:r>
+          </a:p>
+          <a:p>
+            <a:pPr lvl="1"/>
+            <a:r>
+              <a:rPr lang="fr-FR" dirty="0"/>
+              <a:t>Volume, tests, …</a:t>
+            </a:r>
+          </a:p>
+          <a:p>
+            <a:r>
+              <a:rPr lang="fr-FR" dirty="0"/>
+              <a:t>Il faut échantillonner (</a:t>
             </a:r>
             <a:r>
               <a:rPr lang="fr-FR" dirty="0" err="1"/>
-              <a:t>Features</a:t>
-            </a:r>
-            <a:r>
-              <a:rPr lang="fr-FR" dirty="0"/>
-              <a:t> qui sont des algorithmes de modèles pré-calculés</a:t>
-            </a:r>
-          </a:p>
-          <a:p>
-            <a:r>
-              <a:rPr lang="fr-FR" dirty="0"/>
-              <a:t>Il en existe des centaines</a:t>
-            </a:r>
-          </a:p>
-          <a:p>
-            <a:r>
-              <a:rPr lang="fr-FR" dirty="0"/>
-              <a:t>import </a:t>
-            </a:r>
-            <a:r>
-              <a:rPr lang="fr-FR" dirty="0" err="1"/>
-              <a:t>sklearn.preprocessing</a:t>
-            </a:r>
-            <a:r>
-              <a:rPr lang="fr-FR" dirty="0"/>
-              <a:t> as pp</a:t>
-            </a:r>
-          </a:p>
-          <a:p>
-            <a:r>
-              <a:rPr lang="fr-FR" dirty="0" err="1"/>
-              <a:t>pp.PolynomialFeatures</a:t>
-            </a:r>
-            <a:r>
-              <a:rPr lang="fr-FR" dirty="0"/>
-              <a:t>(2)</a:t>
-            </a:r>
-          </a:p>
-          <a:p>
-            <a:endParaRPr lang="fr-FR" dirty="0"/>
+              <a:t>sampling</a:t>
+            </a:r>
+            <a:r>
+              <a:rPr lang="fr-FR" dirty="0"/>
+              <a:t>) les données à tester</a:t>
+            </a:r>
           </a:p>
         </p:txBody>
       </p:sp>
     </p:spTree>
     <p:extLst>
       <p:ext uri="{BB962C8B-B14F-4D97-AF65-F5344CB8AC3E}">
-        <p14:creationId xmlns:p14="http://schemas.microsoft.com/office/powerpoint/2010/main" val="1233238204"/>
+        <p14:creationId xmlns:p14="http://schemas.microsoft.com/office/powerpoint/2010/main" val="2369732580"/>
       </p:ext>
     </p:extLst>
   </p:cSld>
@@ -10099,7 +7511,7 @@
           <a:p>
             <a:r>
               <a:rPr lang="fr-FR" dirty="0"/>
-              <a:t>Pipeline</a:t>
+              <a:t>Modélisation</a:t>
             </a:r>
           </a:p>
         </p:txBody>
@@ -10121,106 +7533,34 @@
           <a:p>
             <a:r>
               <a:rPr lang="fr-FR" dirty="0"/>
-              <a:t>Pipeline permet de créer des modèles avec des </a:t>
+              <a:t>Imaginez que vous êtes un data </a:t>
             </a:r>
             <a:r>
               <a:rPr lang="fr-FR" dirty="0" err="1"/>
-              <a:t>features</a:t>
-            </a:r>
-            <a:r>
-              <a:rPr lang="fr-FR" dirty="0"/>
-              <a:t> et des calculs d’erreurs paramétrables</a:t>
-            </a:r>
-          </a:p>
-          <a:p>
-            <a:r>
-              <a:rPr lang="fr-FR" dirty="0"/>
-              <a:t>import </a:t>
-            </a:r>
-            <a:r>
-              <a:rPr lang="fr-FR" dirty="0" err="1"/>
-              <a:t>sklearn.pipeline</a:t>
-            </a:r>
-            <a:r>
-              <a:rPr lang="fr-FR" dirty="0"/>
-              <a:t> as pipe</a:t>
-            </a:r>
-          </a:p>
-          <a:p>
-            <a:r>
-              <a:rPr lang="fr-FR" dirty="0" err="1"/>
-              <a:t>pipe.make_pipeline</a:t>
-            </a:r>
-            <a:r>
-              <a:rPr lang="fr-FR" dirty="0"/>
-              <a:t>(</a:t>
-            </a:r>
-            <a:r>
-              <a:rPr lang="fr-FR" dirty="0" err="1"/>
-              <a:t>pp.PolynomialFeatures</a:t>
-            </a:r>
-            <a:r>
-              <a:rPr lang="fr-FR" dirty="0"/>
-              <a:t>(2), </a:t>
-            </a:r>
-            <a:r>
-              <a:rPr lang="fr-FR" dirty="0" err="1"/>
-              <a:t>sklm.Ridge</a:t>
-            </a:r>
-            <a:r>
-              <a:rPr lang="fr-FR" dirty="0"/>
-              <a:t>())</a:t>
-            </a:r>
+              <a:t>scientist</a:t>
+            </a:r>
+            <a:endParaRPr lang="fr-FR" dirty="0"/>
           </a:p>
           <a:p>
             <a:pPr lvl="1"/>
             <a:r>
               <a:rPr lang="fr-FR" dirty="0"/>
-              <a:t>Ridge est l’algorithme de calcul de l’erreur quadratique</a:t>
+              <a:t>Vous êtes maintenant confortable avec l'ensemble des données récupérées pour vos analyses</a:t>
             </a:r>
           </a:p>
           <a:p>
             <a:pPr lvl="1"/>
             <a:r>
               <a:rPr lang="fr-FR" dirty="0"/>
-              <a:t>model = </a:t>
-            </a:r>
-            <a:r>
-              <a:rPr lang="fr-FR" dirty="0" err="1"/>
-              <a:t>pp.make_pipeline</a:t>
-            </a:r>
-            <a:r>
-              <a:rPr lang="fr-FR" dirty="0"/>
-              <a:t>(</a:t>
-            </a:r>
-            <a:r>
-              <a:rPr lang="fr-FR" dirty="0" err="1"/>
-              <a:t>pipe.PolynomialFeatures</a:t>
-            </a:r>
-            <a:r>
-              <a:rPr lang="fr-FR" dirty="0"/>
-              <a:t>(1), </a:t>
-            </a:r>
-            <a:r>
-              <a:rPr lang="fr-FR" dirty="0" err="1"/>
-              <a:t>sklm.Ridge</a:t>
-            </a:r>
-            <a:r>
-              <a:rPr lang="fr-FR" dirty="0"/>
-              <a:t>()) # est identique à </a:t>
-            </a:r>
-            <a:r>
-              <a:rPr lang="fr-FR" dirty="0" err="1"/>
-              <a:t>LinearRegression</a:t>
-            </a:r>
-            <a:endParaRPr lang="fr-FR" dirty="0"/>
+              <a:t>Vous avez une connaissance des objectifs principaux de l'entreprise, ce qui vous a aidé à synthétiser les différentes variables qui interviennent, ainsi que visualiser les différents comportements et corrélations présents au sein de ces données</a:t>
+            </a:r>
           </a:p>
         </p:txBody>
       </p:sp>
     </p:spTree>
     <p:extLst>
       <p:ext uri="{BB962C8B-B14F-4D97-AF65-F5344CB8AC3E}">
-        <p14:creationId xmlns:p14="http://schemas.microsoft.com/office/powerpoint/2010/main" val="1835056303"/>
+        <p14:creationId xmlns:p14="http://schemas.microsoft.com/office/powerpoint/2010/main" val="268645936"/>
       </p:ext>
     </p:extLst>
   </p:cSld>
